--- a/20180126_SmartCut/Meeting/20181206 Meeting/20181206 Meeting.pptx
+++ b/20180126_SmartCut/Meeting/20181206 Meeting/20181206 Meeting.pptx
@@ -5,7 +5,7 @@
     <p:sldMasterId id="2147483648" r:id="rId4"/>
   </p:sldMasterIdLst>
   <p:notesMasterIdLst>
-    <p:notesMasterId r:id="rId28"/>
+    <p:notesMasterId r:id="rId27"/>
   </p:notesMasterIdLst>
   <p:sldIdLst>
     <p:sldId id="314" r:id="rId5"/>
@@ -15,22 +15,21 @@
     <p:sldId id="344" r:id="rId9"/>
     <p:sldId id="346" r:id="rId10"/>
     <p:sldId id="345" r:id="rId11"/>
-    <p:sldId id="348" r:id="rId12"/>
-    <p:sldId id="347" r:id="rId13"/>
-    <p:sldId id="349" r:id="rId14"/>
-    <p:sldId id="350" r:id="rId15"/>
-    <p:sldId id="351" r:id="rId16"/>
-    <p:sldId id="352" r:id="rId17"/>
-    <p:sldId id="353" r:id="rId18"/>
-    <p:sldId id="354" r:id="rId19"/>
-    <p:sldId id="356" r:id="rId20"/>
-    <p:sldId id="355" r:id="rId21"/>
-    <p:sldId id="357" r:id="rId22"/>
-    <p:sldId id="358" r:id="rId23"/>
-    <p:sldId id="359" r:id="rId24"/>
-    <p:sldId id="343" r:id="rId25"/>
-    <p:sldId id="337" r:id="rId26"/>
-    <p:sldId id="317" r:id="rId27"/>
+    <p:sldId id="347" r:id="rId12"/>
+    <p:sldId id="348" r:id="rId13"/>
+    <p:sldId id="360" r:id="rId14"/>
+    <p:sldId id="351" r:id="rId15"/>
+    <p:sldId id="353" r:id="rId16"/>
+    <p:sldId id="354" r:id="rId17"/>
+    <p:sldId id="357" r:id="rId18"/>
+    <p:sldId id="358" r:id="rId19"/>
+    <p:sldId id="359" r:id="rId20"/>
+    <p:sldId id="361" r:id="rId21"/>
+    <p:sldId id="343" r:id="rId22"/>
+    <p:sldId id="363" r:id="rId23"/>
+    <p:sldId id="364" r:id="rId24"/>
+    <p:sldId id="337" r:id="rId25"/>
+    <p:sldId id="362" r:id="rId26"/>
   </p:sldIdLst>
   <p:sldSz cx="12192000" cy="6858000"/>
   <p:notesSz cx="6858000" cy="9144000"/>
@@ -149,38 +148,37 @@
             <p14:sldId id="344"/>
             <p14:sldId id="346"/>
             <p14:sldId id="345"/>
+            <p14:sldId id="347"/>
             <p14:sldId id="348"/>
-            <p14:sldId id="347"/>
-            <p14:sldId id="349"/>
-            <p14:sldId id="350"/>
+            <p14:sldId id="360"/>
           </p14:sldIdLst>
         </p14:section>
         <p14:section name="Detail" id="{1963315B-7002-42F0-B854-93965D3DE996}">
           <p14:sldIdLst>
             <p14:sldId id="351"/>
-            <p14:sldId id="352"/>
+            <p14:sldId id="353"/>
           </p14:sldIdLst>
         </p14:section>
         <p14:section name="Data" id="{A2C87504-C315-4124-AC29-38E80F41892A}">
           <p14:sldIdLst>
-            <p14:sldId id="353"/>
             <p14:sldId id="354"/>
-            <p14:sldId id="356"/>
-            <p14:sldId id="355"/>
             <p14:sldId id="357"/>
             <p14:sldId id="358"/>
           </p14:sldIdLst>
         </p14:section>
-        <p14:section name="Test" id="{A563E0BF-8194-4940-BBA0-F6DDBF2AFE41}">
+        <p14:section name="Verification" id="{A563E0BF-8194-4940-BBA0-F6DDBF2AFE41}">
           <p14:sldIdLst>
             <p14:sldId id="359"/>
+            <p14:sldId id="361"/>
           </p14:sldIdLst>
         </p14:section>
         <p14:section name="Plan" id="{77203660-41C4-4762-8AC8-15A4EB98A800}">
           <p14:sldIdLst>
             <p14:sldId id="343"/>
+            <p14:sldId id="363"/>
+            <p14:sldId id="364"/>
             <p14:sldId id="337"/>
-            <p14:sldId id="317"/>
+            <p14:sldId id="362"/>
           </p14:sldIdLst>
         </p14:section>
       </p14:sectionLst>
@@ -738,21 +736,193 @@
           <a:lstStyle/>
           <a:p>
             <a:r>
-              <a:rPr lang="en-US" altLang="zh-TW" dirty="0" smtClean="0"/>
+              <a:rPr lang="zh-TW" altLang="en-US" dirty="0" smtClean="0">
+                <a:effectLst/>
+              </a:rPr>
+              <a:t>高雄</a:t>
+            </a:r>
+          </a:p>
+          <a:p>
+            <a:pPr lvl="1"/>
+            <a:r>
+              <a:rPr lang="en-US" altLang="zh-TW" dirty="0" smtClean="0">
+                <a:effectLst/>
+              </a:rPr>
               <a:t>ETABS </a:t>
             </a:r>
             <a:r>
-              <a:rPr lang="zh-TW" altLang="en-US" dirty="0" smtClean="0"/>
-              <a:t>鋼筋定義修改 </a:t>
-            </a:r>
-            <a:r>
-              <a:rPr lang="en-US" altLang="zh-TW" dirty="0" smtClean="0"/>
-              <a:t>=&gt; CSN </a:t>
-            </a:r>
-            <a:r>
-              <a:rPr lang="zh-TW" altLang="en-US" dirty="0" smtClean="0"/>
-              <a:t>圖 </a:t>
-            </a:r>
+              <a:rPr lang="zh-TW" altLang="en-US" dirty="0" smtClean="0">
+                <a:effectLst/>
+              </a:rPr>
+              <a:t>如果用 </a:t>
+            </a:r>
+            <a:r>
+              <a:rPr lang="en-US" altLang="zh-TW" dirty="0" smtClean="0">
+                <a:effectLst/>
+              </a:rPr>
+              <a:t>copy </a:t>
+            </a:r>
+            <a:r>
+              <a:rPr lang="zh-TW" altLang="en-US" dirty="0" smtClean="0">
+                <a:effectLst/>
+              </a:rPr>
+              <a:t>的 資料量太大會有問題</a:t>
+            </a:r>
+          </a:p>
+          <a:p>
+            <a:pPr lvl="2"/>
+            <a:r>
+              <a:rPr lang="zh-TW" altLang="en-US" dirty="0" smtClean="0">
+                <a:effectLst/>
+              </a:rPr>
+              <a:t>排序會亂掉</a:t>
+            </a:r>
+          </a:p>
+          <a:p>
+            <a:pPr lvl="2"/>
+            <a:r>
+              <a:rPr lang="zh-TW" altLang="en-US" dirty="0" smtClean="0">
+                <a:effectLst/>
+              </a:rPr>
+              <a:t>只不過在寫程式的時候就有想到這個問題 所以之前寫就有想說亂掉也沒關係</a:t>
+            </a:r>
+          </a:p>
+          <a:p>
+            <a:pPr lvl="2"/>
+            <a:r>
+              <a:rPr lang="zh-TW" altLang="en-US" dirty="0" smtClean="0">
+                <a:effectLst/>
+              </a:rPr>
+              <a:t>但是因為沒有測試過</a:t>
+            </a:r>
+          </a:p>
+          <a:p>
+            <a:pPr lvl="2"/>
+            <a:r>
+              <a:rPr lang="zh-TW" altLang="en-US" dirty="0" smtClean="0">
+                <a:effectLst/>
+              </a:rPr>
+              <a:t>所以才發現亂掉會很麻煩</a:t>
+            </a:r>
+          </a:p>
+          <a:p>
+            <a:pPr lvl="2"/>
+            <a:r>
+              <a:rPr lang="zh-TW" altLang="en-US" dirty="0" smtClean="0">
+                <a:effectLst/>
+              </a:rPr>
+              <a:t>如果要改寫又很難保證有效能的同時 邏輯複雜度不會增加太多</a:t>
+            </a:r>
+          </a:p>
+          <a:p>
+            <a:pPr lvl="2"/>
+            <a:r>
+              <a:rPr lang="zh-TW" altLang="en-US" dirty="0" smtClean="0">
+                <a:effectLst/>
+              </a:rPr>
+              <a:t>所以秉持著能簡單做決不困難做的原則</a:t>
+            </a:r>
+          </a:p>
+          <a:p>
+            <a:pPr lvl="2"/>
+            <a:r>
+              <a:rPr lang="zh-TW" altLang="en-US" dirty="0" smtClean="0">
+                <a:effectLst/>
+              </a:rPr>
+              <a:t>重寫資料讀取的方式 變成 </a:t>
+            </a:r>
+            <a:r>
+              <a:rPr lang="en-US" altLang="zh-TW" dirty="0" err="1" smtClean="0">
+                <a:effectLst/>
+              </a:rPr>
+              <a:t>mdb</a:t>
+            </a:r>
+            <a:r>
+              <a:rPr lang="en-US" altLang="zh-TW" dirty="0" smtClean="0">
+                <a:effectLst/>
+              </a:rPr>
+              <a:t> </a:t>
+            </a:r>
+            <a:r>
+              <a:rPr lang="zh-TW" altLang="en-US" dirty="0" smtClean="0">
+                <a:effectLst/>
+              </a:rPr>
+              <a:t>再變成 </a:t>
+            </a:r>
+            <a:r>
+              <a:rPr lang="en-US" altLang="zh-TW" dirty="0" smtClean="0">
+                <a:effectLst/>
+              </a:rPr>
+              <a:t>excel </a:t>
+            </a:r>
+            <a:r>
+              <a:rPr lang="zh-TW" altLang="en-US" dirty="0" smtClean="0">
+                <a:effectLst/>
+              </a:rPr>
+              <a:t>輸出</a:t>
+            </a:r>
+          </a:p>
+          <a:p>
+            <a:pPr lvl="2"/>
+            <a:r>
+              <a:rPr lang="zh-TW" altLang="en-US" dirty="0" smtClean="0">
+                <a:effectLst/>
+              </a:rPr>
+              <a:t>變成 </a:t>
+            </a:r>
+            <a:r>
+              <a:rPr lang="en-US" altLang="zh-TW" dirty="0" smtClean="0">
+                <a:effectLst/>
+              </a:rPr>
+              <a:t>excel </a:t>
+            </a:r>
+            <a:r>
+              <a:rPr lang="zh-TW" altLang="en-US" dirty="0" smtClean="0">
+                <a:effectLst/>
+              </a:rPr>
+              <a:t>輸出 這樣排序就不會亂掉</a:t>
+            </a:r>
+          </a:p>
+          <a:p>
+            <a:pPr lvl="2"/>
+            <a:r>
+              <a:rPr lang="zh-TW" altLang="en-US" dirty="0" smtClean="0">
+                <a:effectLst/>
+              </a:rPr>
+              <a:t>雖然第一次讀取會比較慢</a:t>
+            </a:r>
+          </a:p>
+          <a:p>
+            <a:pPr lvl="2"/>
+            <a:r>
+              <a:rPr lang="zh-TW" altLang="en-US" dirty="0" smtClean="0">
+                <a:effectLst/>
+              </a:rPr>
+              <a:t>但第一次讀取完會建立快取檔</a:t>
+            </a:r>
+          </a:p>
+          <a:p>
+            <a:pPr lvl="2"/>
+            <a:r>
+              <a:rPr lang="zh-TW" altLang="en-US" dirty="0" smtClean="0">
+                <a:effectLst/>
+              </a:rPr>
+              <a:t>所以之後 </a:t>
+            </a:r>
+            <a:r>
+              <a:rPr lang="en-US" altLang="zh-TW" dirty="0" smtClean="0">
+                <a:effectLst/>
+              </a:rPr>
+              <a:t>run </a:t>
+            </a:r>
+            <a:r>
+              <a:rPr lang="zh-TW" altLang="en-US" dirty="0" smtClean="0">
+                <a:effectLst/>
+              </a:rPr>
+              <a:t>就不會太慢</a:t>
+            </a:r>
+          </a:p>
+          <a:p>
             <a:endParaRPr lang="en-US" dirty="0"/>
           </a:p>
         </p:txBody>
@@ -783,7 +953,7 @@
     </p:spTree>
     <p:extLst>
       <p:ext uri="{BB962C8B-B14F-4D97-AF65-F5344CB8AC3E}">
-        <p14:creationId xmlns:p14="http://schemas.microsoft.com/office/powerpoint/2010/main" val="1670953166"/>
+        <p14:creationId xmlns:p14="http://schemas.microsoft.com/office/powerpoint/2010/main" val="437550858"/>
       </p:ext>
     </p:extLst>
   </p:cSld>
@@ -838,18 +1008,93 @@
           <a:lstStyle/>
           <a:p>
             <a:r>
+              <a:rPr lang="zh-TW" altLang="en-US" sz="1200" b="0" i="0" u="none" strike="noStrike" kern="1200" dirty="0" smtClean="0">
+                <a:solidFill>
+                  <a:schemeClr val="tx1"/>
+                </a:solidFill>
+                <a:effectLst/>
+                <a:latin typeface="+mn-lt"/>
+                <a:ea typeface="+mn-ea"/>
+                <a:cs typeface="+mn-cs"/>
+              </a:rPr>
+              <a:t>主筋各號數</a:t>
+            </a:r>
+            <a:r>
               <a:rPr lang="zh-TW" altLang="en-US" dirty="0" smtClean="0"/>
-              <a:t>多出 </a:t>
-            </a:r>
-            <a:r>
-              <a:rPr lang="en-US" altLang="zh-TW" dirty="0" smtClean="0"/>
-              <a:t>0.05 </a:t>
-            </a:r>
-            <a:r>
-              <a:rPr lang="en-US" dirty="0" smtClean="0"/>
-              <a:t>drop </a:t>
-            </a:r>
-            <a:endParaRPr lang="en-US" dirty="0"/>
+              <a:t> </a:t>
+            </a:r>
+            <a:r>
+              <a:rPr lang="zh-TW" altLang="en-US" sz="1200" b="0" i="0" u="none" strike="noStrike" kern="1200" dirty="0" smtClean="0">
+                <a:solidFill>
+                  <a:schemeClr val="tx1"/>
+                </a:solidFill>
+                <a:effectLst/>
+                <a:latin typeface="+mn-lt"/>
+                <a:ea typeface="+mn-ea"/>
+                <a:cs typeface="+mn-cs"/>
+              </a:rPr>
+              <a:t>使用比例</a:t>
+            </a:r>
+            <a:r>
+              <a:rPr lang="zh-TW" altLang="en-US" dirty="0" smtClean="0"/>
+              <a:t> </a:t>
+            </a:r>
+            <a:endParaRPr lang="en-US" altLang="zh-TW" dirty="0" smtClean="0"/>
+          </a:p>
+          <a:p>
+            <a:pPr marL="0" marR="0" indent="0" algn="l" defTabSz="914400" rtl="0" eaLnBrk="1" fontAlgn="auto" latinLnBrk="0" hangingPunct="1">
+              <a:lnSpc>
+                <a:spcPct val="100000"/>
+              </a:lnSpc>
+              <a:spcBef>
+                <a:spcPts val="0"/>
+              </a:spcBef>
+              <a:spcAft>
+                <a:spcPts val="0"/>
+              </a:spcAft>
+              <a:buClrTx/>
+              <a:buSzTx/>
+              <a:buFontTx/>
+              <a:buNone/>
+              <a:tabLst/>
+              <a:defRPr/>
+            </a:pPr>
+            <a:r>
+              <a:rPr lang="zh-TW" altLang="en-US" sz="1200" b="0" i="0" u="none" strike="noStrike" kern="1200" dirty="0" smtClean="0">
+                <a:solidFill>
+                  <a:schemeClr val="tx1"/>
+                </a:solidFill>
+                <a:effectLst/>
+                <a:latin typeface="+mn-lt"/>
+                <a:ea typeface="+mn-ea"/>
+                <a:cs typeface="+mn-cs"/>
+              </a:rPr>
+              <a:t>主筋各號數</a:t>
+            </a:r>
+            <a:r>
+              <a:rPr lang="zh-TW" altLang="en-US" dirty="0" smtClean="0"/>
+              <a:t> </a:t>
+            </a:r>
+            <a:r>
+              <a:rPr lang="zh-TW" altLang="en-US" sz="1200" b="0" i="0" u="none" strike="noStrike" kern="1200" dirty="0" smtClean="0">
+                <a:solidFill>
+                  <a:schemeClr val="tx1"/>
+                </a:solidFill>
+                <a:effectLst/>
+                <a:latin typeface="+mn-lt"/>
+                <a:ea typeface="+mn-ea"/>
+                <a:cs typeface="+mn-cs"/>
+              </a:rPr>
+              <a:t>優化比例</a:t>
+            </a:r>
+            <a:r>
+              <a:rPr lang="zh-TW" altLang="en-US" dirty="0" smtClean="0"/>
+              <a:t> </a:t>
+            </a:r>
+            <a:endParaRPr lang="en-US" altLang="zh-TW" dirty="0" smtClean="0"/>
+          </a:p>
+          <a:p>
+            <a:endParaRPr lang="en-US" altLang="zh-TW" dirty="0" smtClean="0"/>
           </a:p>
         </p:txBody>
       </p:sp>
@@ -879,7 +1124,7 @@
     </p:spTree>
     <p:extLst>
       <p:ext uri="{BB962C8B-B14F-4D97-AF65-F5344CB8AC3E}">
-        <p14:creationId xmlns:p14="http://schemas.microsoft.com/office/powerpoint/2010/main" val="3628652011"/>
+        <p14:creationId xmlns:p14="http://schemas.microsoft.com/office/powerpoint/2010/main" val="947007164"/>
       </p:ext>
     </p:extLst>
   </p:cSld>
@@ -934,193 +1179,37 @@
           <a:lstStyle/>
           <a:p>
             <a:r>
-              <a:rPr lang="zh-TW" altLang="en-US" dirty="0" smtClean="0">
+              <a:rPr lang="zh-TW" altLang="en-US" sz="1200" b="0" i="0" u="none" strike="noStrike" kern="1200" dirty="0" smtClean="0">
+                <a:solidFill>
+                  <a:schemeClr val="tx1"/>
+                </a:solidFill>
                 <a:effectLst/>
+                <a:latin typeface="+mn-lt"/>
+                <a:ea typeface="+mn-ea"/>
+                <a:cs typeface="+mn-cs"/>
               </a:rPr>
-              <a:t>高雄</a:t>
-            </a:r>
-          </a:p>
-          <a:p>
-            <a:pPr lvl="1"/>
-            <a:r>
-              <a:rPr lang="en-US" altLang="zh-TW" dirty="0" smtClean="0">
+              <a:t>各梁長區間</a:t>
+            </a:r>
+            <a:r>
+              <a:rPr lang="zh-TW" altLang="en-US" dirty="0" smtClean="0"/>
+              <a:t> </a:t>
+            </a:r>
+            <a:r>
+              <a:rPr lang="zh-TW" altLang="en-US" sz="1200" b="0" i="0" u="none" strike="noStrike" kern="1200" dirty="0" smtClean="0">
+                <a:solidFill>
+                  <a:schemeClr val="tx1"/>
+                </a:solidFill>
                 <a:effectLst/>
+                <a:latin typeface="+mn-lt"/>
+                <a:ea typeface="+mn-ea"/>
+                <a:cs typeface="+mn-cs"/>
               </a:rPr>
-              <a:t>ETABS </a:t>
-            </a:r>
-            <a:r>
-              <a:rPr lang="zh-TW" altLang="en-US" dirty="0" smtClean="0">
-                <a:effectLst/>
-              </a:rPr>
-              <a:t>如果用 </a:t>
-            </a:r>
-            <a:r>
-              <a:rPr lang="en-US" altLang="zh-TW" dirty="0" smtClean="0">
-                <a:effectLst/>
-              </a:rPr>
-              <a:t>copy </a:t>
-            </a:r>
-            <a:r>
-              <a:rPr lang="zh-TW" altLang="en-US" dirty="0" smtClean="0">
-                <a:effectLst/>
-              </a:rPr>
-              <a:t>的 資料量太大會有問題</a:t>
-            </a:r>
-          </a:p>
-          <a:p>
-            <a:pPr lvl="2"/>
-            <a:r>
-              <a:rPr lang="zh-TW" altLang="en-US" dirty="0" smtClean="0">
-                <a:effectLst/>
-              </a:rPr>
-              <a:t>排序會亂掉</a:t>
-            </a:r>
-          </a:p>
-          <a:p>
-            <a:pPr lvl="2"/>
-            <a:r>
-              <a:rPr lang="zh-TW" altLang="en-US" dirty="0" smtClean="0">
-                <a:effectLst/>
-              </a:rPr>
-              <a:t>只不過在寫程式的時候就有想到這個問題 所以之前寫就有想說亂掉也沒關係</a:t>
-            </a:r>
-          </a:p>
-          <a:p>
-            <a:pPr lvl="2"/>
-            <a:r>
-              <a:rPr lang="zh-TW" altLang="en-US" dirty="0" smtClean="0">
-                <a:effectLst/>
-              </a:rPr>
-              <a:t>但是因為沒有測試過</a:t>
-            </a:r>
-          </a:p>
-          <a:p>
-            <a:pPr lvl="2"/>
-            <a:r>
-              <a:rPr lang="zh-TW" altLang="en-US" dirty="0" smtClean="0">
-                <a:effectLst/>
-              </a:rPr>
-              <a:t>所以才發現亂掉會很麻煩</a:t>
-            </a:r>
-          </a:p>
-          <a:p>
-            <a:pPr lvl="2"/>
-            <a:r>
-              <a:rPr lang="zh-TW" altLang="en-US" dirty="0" smtClean="0">
-                <a:effectLst/>
-              </a:rPr>
-              <a:t>如果要改寫又很難保證有效能的同時 邏輯複雜度不會增加太多</a:t>
-            </a:r>
-          </a:p>
-          <a:p>
-            <a:pPr lvl="2"/>
-            <a:r>
-              <a:rPr lang="zh-TW" altLang="en-US" dirty="0" smtClean="0">
-                <a:effectLst/>
-              </a:rPr>
-              <a:t>所以秉持著能簡單做決不困難做的原則</a:t>
-            </a:r>
-          </a:p>
-          <a:p>
-            <a:pPr lvl="2"/>
-            <a:r>
-              <a:rPr lang="zh-TW" altLang="en-US" dirty="0" smtClean="0">
-                <a:effectLst/>
-              </a:rPr>
-              <a:t>重寫資料讀取的方式 變成 </a:t>
-            </a:r>
-            <a:r>
-              <a:rPr lang="en-US" altLang="zh-TW" dirty="0" err="1" smtClean="0">
-                <a:effectLst/>
-              </a:rPr>
-              <a:t>mdb</a:t>
-            </a:r>
-            <a:r>
-              <a:rPr lang="en-US" altLang="zh-TW" dirty="0" smtClean="0">
-                <a:effectLst/>
-              </a:rPr>
+              <a:t>優化比例</a:t>
+            </a:r>
+            <a:r>
+              <a:rPr lang="zh-TW" altLang="en-US" dirty="0" smtClean="0"/>
               <a:t> </a:t>
             </a:r>
-            <a:r>
-              <a:rPr lang="zh-TW" altLang="en-US" dirty="0" smtClean="0">
-                <a:effectLst/>
-              </a:rPr>
-              <a:t>再變成 </a:t>
-            </a:r>
-            <a:r>
-              <a:rPr lang="en-US" altLang="zh-TW" dirty="0" smtClean="0">
-                <a:effectLst/>
-              </a:rPr>
-              <a:t>excel </a:t>
-            </a:r>
-            <a:r>
-              <a:rPr lang="zh-TW" altLang="en-US" dirty="0" smtClean="0">
-                <a:effectLst/>
-              </a:rPr>
-              <a:t>輸出</a:t>
-            </a:r>
-          </a:p>
-          <a:p>
-            <a:pPr lvl="2"/>
-            <a:r>
-              <a:rPr lang="zh-TW" altLang="en-US" dirty="0" smtClean="0">
-                <a:effectLst/>
-              </a:rPr>
-              <a:t>變成 </a:t>
-            </a:r>
-            <a:r>
-              <a:rPr lang="en-US" altLang="zh-TW" dirty="0" smtClean="0">
-                <a:effectLst/>
-              </a:rPr>
-              <a:t>excel </a:t>
-            </a:r>
-            <a:r>
-              <a:rPr lang="zh-TW" altLang="en-US" dirty="0" smtClean="0">
-                <a:effectLst/>
-              </a:rPr>
-              <a:t>輸出 這樣排序就不會亂掉</a:t>
-            </a:r>
-          </a:p>
-          <a:p>
-            <a:pPr lvl="2"/>
-            <a:r>
-              <a:rPr lang="zh-TW" altLang="en-US" dirty="0" smtClean="0">
-                <a:effectLst/>
-              </a:rPr>
-              <a:t>雖然第一次讀取會比較慢</a:t>
-            </a:r>
-          </a:p>
-          <a:p>
-            <a:pPr lvl="2"/>
-            <a:r>
-              <a:rPr lang="zh-TW" altLang="en-US" dirty="0" smtClean="0">
-                <a:effectLst/>
-              </a:rPr>
-              <a:t>但第一次讀取完會建立快取檔</a:t>
-            </a:r>
-          </a:p>
-          <a:p>
-            <a:pPr lvl="2"/>
-            <a:r>
-              <a:rPr lang="zh-TW" altLang="en-US" dirty="0" smtClean="0">
-                <a:effectLst/>
-              </a:rPr>
-              <a:t>所以之後 </a:t>
-            </a:r>
-            <a:r>
-              <a:rPr lang="en-US" altLang="zh-TW" dirty="0" smtClean="0">
-                <a:effectLst/>
-              </a:rPr>
-              <a:t>run </a:t>
-            </a:r>
-            <a:r>
-              <a:rPr lang="zh-TW" altLang="en-US" dirty="0" smtClean="0">
-                <a:effectLst/>
-              </a:rPr>
-              <a:t>就不會太慢</a:t>
-            </a:r>
-          </a:p>
-          <a:p>
             <a:endParaRPr lang="en-US" dirty="0"/>
           </a:p>
         </p:txBody>
@@ -1151,7 +1240,7 @@
     </p:spTree>
     <p:extLst>
       <p:ext uri="{BB962C8B-B14F-4D97-AF65-F5344CB8AC3E}">
-        <p14:creationId xmlns:p14="http://schemas.microsoft.com/office/powerpoint/2010/main" val="437550858"/>
+        <p14:creationId xmlns:p14="http://schemas.microsoft.com/office/powerpoint/2010/main" val="2374764954"/>
       </p:ext>
     </p:extLst>
   </p:cSld>
@@ -1215,7 +1304,7 @@
                 <a:ea typeface="+mn-ea"/>
                 <a:cs typeface="+mn-cs"/>
               </a:rPr>
-              <a:t>主筋各號數</a:t>
+              <a:t>各支各層梁主筋量</a:t>
             </a:r>
             <a:r>
               <a:rPr lang="zh-TW" altLang="en-US" dirty="0" smtClean="0"/>
@@ -1231,13 +1320,13 @@
                 <a:ea typeface="+mn-ea"/>
                 <a:cs typeface="+mn-cs"/>
               </a:rPr>
-              <a:t>使用比例</a:t>
+              <a:t>優化比例</a:t>
             </a:r>
             <a:r>
               <a:rPr lang="zh-TW" altLang="en-US" dirty="0" smtClean="0"/>
               <a:t> </a:t>
             </a:r>
-            <a:endParaRPr lang="en-US" altLang="zh-TW" dirty="0" smtClean="0"/>
+            <a:endParaRPr lang="en-US" dirty="0"/>
           </a:p>
         </p:txBody>
       </p:sp>
@@ -1267,7 +1356,7 @@
     </p:spTree>
     <p:extLst>
       <p:ext uri="{BB962C8B-B14F-4D97-AF65-F5344CB8AC3E}">
-        <p14:creationId xmlns:p14="http://schemas.microsoft.com/office/powerpoint/2010/main" val="947007164"/>
+        <p14:creationId xmlns:p14="http://schemas.microsoft.com/office/powerpoint/2010/main" val="4116159889"/>
       </p:ext>
     </p:extLst>
   </p:cSld>
@@ -1321,56 +1410,42 @@
           <a:bodyPr/>
           <a:lstStyle/>
           <a:p>
-            <a:pPr marL="0" marR="0" indent="0" algn="l" defTabSz="914400" rtl="0" eaLnBrk="1" fontAlgn="auto" latinLnBrk="0" hangingPunct="1">
-              <a:lnSpc>
-                <a:spcPct val="100000"/>
-              </a:lnSpc>
-              <a:spcBef>
-                <a:spcPts val="0"/>
-              </a:spcBef>
-              <a:spcAft>
-                <a:spcPts val="0"/>
-              </a:spcAft>
-              <a:buClrTx/>
-              <a:buSzTx/>
-              <a:buFontTx/>
-              <a:buNone/>
-              <a:tabLst/>
-              <a:defRPr/>
-            </a:pPr>
-            <a:r>
-              <a:rPr lang="zh-TW" altLang="en-US" sz="1200" b="0" i="0" u="none" strike="noStrike" kern="1200" dirty="0" smtClean="0">
-                <a:solidFill>
-                  <a:schemeClr val="tx1"/>
-                </a:solidFill>
+            <a:r>
+              <a:rPr lang="zh-TW" altLang="en-US" dirty="0" smtClean="0">
                 <a:effectLst/>
-                <a:latin typeface="+mn-lt"/>
-                <a:ea typeface="+mn-ea"/>
-                <a:cs typeface="+mn-cs"/>
               </a:rPr>
-              <a:t>主筋各號數</a:t>
-            </a:r>
-            <a:r>
-              <a:rPr lang="zh-TW" altLang="en-US" dirty="0" smtClean="0"/>
-              <a:t> </a:t>
-            </a:r>
-            <a:r>
-              <a:rPr lang="zh-TW" altLang="en-US" sz="1200" b="0" i="0" u="none" strike="noStrike" kern="1200" dirty="0" smtClean="0">
-                <a:solidFill>
-                  <a:schemeClr val="tx1"/>
-                </a:solidFill>
+              <a:t>驗證非線性</a:t>
+            </a:r>
+          </a:p>
+          <a:p>
+            <a:pPr lvl="1"/>
+            <a:r>
+              <a:rPr lang="zh-TW" altLang="en-US" dirty="0" smtClean="0">
                 <a:effectLst/>
-                <a:latin typeface="+mn-lt"/>
-                <a:ea typeface="+mn-ea"/>
-                <a:cs typeface="+mn-cs"/>
               </a:rPr>
-              <a:t>優化比例</a:t>
-            </a:r>
-            <a:r>
-              <a:rPr lang="zh-TW" altLang="en-US" dirty="0" smtClean="0"/>
-              <a:t> </a:t>
-            </a:r>
-            <a:endParaRPr lang="en-US" dirty="0" smtClean="0"/>
+              <a:t>簡單 </a:t>
+            </a:r>
+            <a:r>
+              <a:rPr lang="en-US" altLang="zh-TW" dirty="0" smtClean="0">
+                <a:effectLst/>
+              </a:rPr>
+              <a:t>model =&gt; model </a:t>
+            </a:r>
+            <a:r>
+              <a:rPr lang="zh-TW" altLang="en-US" dirty="0" smtClean="0">
+                <a:effectLst/>
+              </a:rPr>
+              <a:t>圖</a:t>
+            </a:r>
+          </a:p>
+          <a:p>
+            <a:pPr lvl="1"/>
+            <a:r>
+              <a:rPr lang="zh-TW" altLang="en-US" dirty="0" smtClean="0">
+                <a:effectLst/>
+              </a:rPr>
+              <a:t>實際專案</a:t>
+            </a:r>
           </a:p>
           <a:p>
             <a:endParaRPr lang="en-US" dirty="0"/>
@@ -1403,7 +1478,7 @@
     </p:spTree>
     <p:extLst>
       <p:ext uri="{BB962C8B-B14F-4D97-AF65-F5344CB8AC3E}">
-        <p14:creationId xmlns:p14="http://schemas.microsoft.com/office/powerpoint/2010/main" val="1639388405"/>
+        <p14:creationId xmlns:p14="http://schemas.microsoft.com/office/powerpoint/2010/main" val="2771068747"/>
       </p:ext>
     </p:extLst>
   </p:cSld>
@@ -1458,37 +1533,43 @@
           <a:lstStyle/>
           <a:p>
             <a:r>
-              <a:rPr lang="zh-TW" altLang="en-US" sz="1200" b="0" i="0" u="none" strike="noStrike" kern="1200" dirty="0" smtClean="0">
-                <a:solidFill>
-                  <a:schemeClr val="tx1"/>
-                </a:solidFill>
+              <a:rPr lang="zh-TW" altLang="en-US" dirty="0" smtClean="0">
                 <a:effectLst/>
-                <a:latin typeface="+mn-lt"/>
-                <a:ea typeface="+mn-ea"/>
-                <a:cs typeface="+mn-cs"/>
               </a:rPr>
-              <a:t>上下層</a:t>
-            </a:r>
-            <a:r>
-              <a:rPr lang="zh-TW" altLang="en-US" dirty="0" smtClean="0"/>
-              <a:t> </a:t>
-            </a:r>
-            <a:r>
-              <a:rPr lang="zh-TW" altLang="en-US" sz="1200" b="0" i="0" u="none" strike="noStrike" kern="1200" dirty="0" smtClean="0">
-                <a:solidFill>
-                  <a:schemeClr val="tx1"/>
-                </a:solidFill>
+              <a:t>驗證非線性</a:t>
+            </a:r>
+          </a:p>
+          <a:p>
+            <a:pPr lvl="1"/>
+            <a:r>
+              <a:rPr lang="zh-TW" altLang="en-US" dirty="0" smtClean="0">
                 <a:effectLst/>
-                <a:latin typeface="+mn-lt"/>
-                <a:ea typeface="+mn-ea"/>
-                <a:cs typeface="+mn-cs"/>
               </a:rPr>
-              <a:t>優化比例</a:t>
-            </a:r>
-            <a:r>
-              <a:rPr lang="zh-TW" altLang="en-US" dirty="0" smtClean="0"/>
-              <a:t> </a:t>
-            </a:r>
+              <a:t>簡單 </a:t>
+            </a:r>
+            <a:r>
+              <a:rPr lang="en-US" altLang="zh-TW" dirty="0" smtClean="0">
+                <a:effectLst/>
+              </a:rPr>
+              <a:t>model =&gt; model </a:t>
+            </a:r>
+            <a:r>
+              <a:rPr lang="zh-TW" altLang="en-US" dirty="0" smtClean="0">
+                <a:effectLst/>
+              </a:rPr>
+              <a:t>圖</a:t>
+            </a:r>
+          </a:p>
+          <a:p>
+            <a:pPr lvl="1"/>
+            <a:r>
+              <a:rPr lang="zh-TW" altLang="en-US" dirty="0" smtClean="0">
+                <a:effectLst/>
+              </a:rPr>
+              <a:t>實際專案</a:t>
+            </a:r>
+          </a:p>
+          <a:p>
             <a:endParaRPr lang="en-US" dirty="0"/>
           </a:p>
         </p:txBody>
@@ -1519,7 +1600,7 @@
     </p:spTree>
     <p:extLst>
       <p:ext uri="{BB962C8B-B14F-4D97-AF65-F5344CB8AC3E}">
-        <p14:creationId xmlns:p14="http://schemas.microsoft.com/office/powerpoint/2010/main" val="512579047"/>
+        <p14:creationId xmlns:p14="http://schemas.microsoft.com/office/powerpoint/2010/main" val="2408117169"/>
       </p:ext>
     </p:extLst>
   </p:cSld>
@@ -1548,7 +1629,7 @@
       </p:grpSpPr>
       <p:sp>
         <p:nvSpPr>
-          <p:cNvPr id="2" name="Slide Image Placeholder 1"/>
+          <p:cNvPr id="2" name="投影片圖像版面配置區 1"/>
           <p:cNvSpPr>
             <a:spLocks noGrp="1" noRot="1" noChangeAspect="1"/>
           </p:cNvSpPr>
@@ -1560,7 +1641,7 @@
       </p:sp>
       <p:sp>
         <p:nvSpPr>
-          <p:cNvPr id="3" name="Notes Placeholder 2"/>
+          <p:cNvPr id="3" name="備忘稿版面配置區 2"/>
           <p:cNvSpPr>
             <a:spLocks noGrp="1"/>
           </p:cNvSpPr>
@@ -1574,44 +1655,16 @@
           <a:lstStyle/>
           <a:p>
             <a:r>
-              <a:rPr lang="zh-TW" altLang="en-US" sz="1200" b="0" i="0" u="none" strike="noStrike" kern="1200" dirty="0" smtClean="0">
-                <a:solidFill>
-                  <a:schemeClr val="tx1"/>
-                </a:solidFill>
-                <a:effectLst/>
-                <a:latin typeface="+mn-lt"/>
-                <a:ea typeface="+mn-ea"/>
-                <a:cs typeface="+mn-cs"/>
-              </a:rPr>
-              <a:t>各梁長區間</a:t>
-            </a:r>
-            <a:r>
               <a:rPr lang="zh-TW" altLang="en-US" dirty="0" smtClean="0"/>
-              <a:t> </a:t>
-            </a:r>
-            <a:r>
-              <a:rPr lang="zh-TW" altLang="en-US" sz="1200" b="0" i="0" u="none" strike="noStrike" kern="1200" dirty="0" smtClean="0">
-                <a:solidFill>
-                  <a:schemeClr val="tx1"/>
-                </a:solidFill>
-                <a:effectLst/>
-                <a:latin typeface="+mn-lt"/>
-                <a:ea typeface="+mn-ea"/>
-                <a:cs typeface="+mn-cs"/>
-              </a:rPr>
-              <a:t>優化比例</a:t>
-            </a:r>
-            <a:r>
-              <a:rPr lang="zh-TW" altLang="en-US" dirty="0" smtClean="0"/>
-              <a:t> </a:t>
-            </a:r>
-            <a:endParaRPr lang="en-US" dirty="0"/>
+              <a:t>剪力筋</a:t>
+            </a:r>
+            <a:endParaRPr lang="zh-TW" altLang="en-US" dirty="0"/>
           </a:p>
         </p:txBody>
       </p:sp>
       <p:sp>
         <p:nvSpPr>
-          <p:cNvPr id="4" name="Slide Number Placeholder 3"/>
+          <p:cNvPr id="4" name="投影片編號版面配置區 3"/>
           <p:cNvSpPr>
             <a:spLocks noGrp="1"/>
           </p:cNvSpPr>
@@ -1635,245 +1688,7 @@
     </p:spTree>
     <p:extLst>
       <p:ext uri="{BB962C8B-B14F-4D97-AF65-F5344CB8AC3E}">
-        <p14:creationId xmlns:p14="http://schemas.microsoft.com/office/powerpoint/2010/main" val="2374764954"/>
-      </p:ext>
-    </p:extLst>
-  </p:cSld>
-  <p:clrMapOvr>
-    <a:masterClrMapping/>
-  </p:clrMapOvr>
-</p:notes>
-</file>
-
-<file path=ppt/notesSlides/notesSlide17.xml><?xml version="1.0" encoding="utf-8"?>
-<p:notes xmlns:a="http://schemas.openxmlformats.org/drawingml/2006/main" xmlns:r="http://schemas.openxmlformats.org/officeDocument/2006/relationships" xmlns:p="http://schemas.openxmlformats.org/presentationml/2006/main">
-  <p:cSld>
-    <p:spTree>
-      <p:nvGrpSpPr>
-        <p:cNvPr id="1" name=""/>
-        <p:cNvGrpSpPr/>
-        <p:nvPr/>
-      </p:nvGrpSpPr>
-      <p:grpSpPr>
-        <a:xfrm>
-          <a:off x="0" y="0"/>
-          <a:ext cx="0" cy="0"/>
-          <a:chOff x="0" y="0"/>
-          <a:chExt cx="0" cy="0"/>
-        </a:xfrm>
-      </p:grpSpPr>
-      <p:sp>
-        <p:nvSpPr>
-          <p:cNvPr id="2" name="Slide Image Placeholder 1"/>
-          <p:cNvSpPr>
-            <a:spLocks noGrp="1" noRot="1" noChangeAspect="1"/>
-          </p:cNvSpPr>
-          <p:nvPr>
-            <p:ph type="sldImg"/>
-          </p:nvPr>
-        </p:nvSpPr>
-        <p:spPr/>
-      </p:sp>
-      <p:sp>
-        <p:nvSpPr>
-          <p:cNvPr id="3" name="Notes Placeholder 2"/>
-          <p:cNvSpPr>
-            <a:spLocks noGrp="1"/>
-          </p:cNvSpPr>
-          <p:nvPr>
-            <p:ph type="body" idx="1"/>
-          </p:nvPr>
-        </p:nvSpPr>
-        <p:spPr/>
-        <p:txBody>
-          <a:bodyPr/>
-          <a:lstStyle/>
-          <a:p>
-            <a:r>
-              <a:rPr lang="zh-TW" altLang="en-US" sz="1200" b="0" i="0" u="none" strike="noStrike" kern="1200" dirty="0" smtClean="0">
-                <a:solidFill>
-                  <a:schemeClr val="tx1"/>
-                </a:solidFill>
-                <a:effectLst/>
-                <a:latin typeface="+mn-lt"/>
-                <a:ea typeface="+mn-ea"/>
-                <a:cs typeface="+mn-cs"/>
-              </a:rPr>
-              <a:t>各支各層梁主筋量</a:t>
-            </a:r>
-            <a:r>
-              <a:rPr lang="zh-TW" altLang="en-US" dirty="0" smtClean="0"/>
-              <a:t> </a:t>
-            </a:r>
-            <a:r>
-              <a:rPr lang="zh-TW" altLang="en-US" sz="1200" b="0" i="0" u="none" strike="noStrike" kern="1200" dirty="0" smtClean="0">
-                <a:solidFill>
-                  <a:schemeClr val="tx1"/>
-                </a:solidFill>
-                <a:effectLst/>
-                <a:latin typeface="+mn-lt"/>
-                <a:ea typeface="+mn-ea"/>
-                <a:cs typeface="+mn-cs"/>
-              </a:rPr>
-              <a:t>優化比例</a:t>
-            </a:r>
-            <a:r>
-              <a:rPr lang="zh-TW" altLang="en-US" dirty="0" smtClean="0"/>
-              <a:t> </a:t>
-            </a:r>
-            <a:endParaRPr lang="en-US" dirty="0"/>
-          </a:p>
-        </p:txBody>
-      </p:sp>
-      <p:sp>
-        <p:nvSpPr>
-          <p:cNvPr id="4" name="Slide Number Placeholder 3"/>
-          <p:cNvSpPr>
-            <a:spLocks noGrp="1"/>
-          </p:cNvSpPr>
-          <p:nvPr>
-            <p:ph type="sldNum" sz="quarter" idx="10"/>
-          </p:nvPr>
-        </p:nvSpPr>
-        <p:spPr/>
-        <p:txBody>
-          <a:bodyPr/>
-          <a:lstStyle/>
-          <a:p>
-            <a:fld id="{4B9FA8AB-93ED-4030-B179-2AF13832ABA7}" type="slidenum">
-              <a:rPr lang="zh-TW" altLang="en-US" smtClean="0"/>
-              <a:t>19</a:t>
-            </a:fld>
-            <a:endParaRPr lang="zh-TW" altLang="en-US"/>
-          </a:p>
-        </p:txBody>
-      </p:sp>
-    </p:spTree>
-    <p:extLst>
-      <p:ext uri="{BB962C8B-B14F-4D97-AF65-F5344CB8AC3E}">
-        <p14:creationId xmlns:p14="http://schemas.microsoft.com/office/powerpoint/2010/main" val="4116159889"/>
-      </p:ext>
-    </p:extLst>
-  </p:cSld>
-  <p:clrMapOvr>
-    <a:masterClrMapping/>
-  </p:clrMapOvr>
-</p:notes>
-</file>
-
-<file path=ppt/notesSlides/notesSlide18.xml><?xml version="1.0" encoding="utf-8"?>
-<p:notes xmlns:a="http://schemas.openxmlformats.org/drawingml/2006/main" xmlns:r="http://schemas.openxmlformats.org/officeDocument/2006/relationships" xmlns:p="http://schemas.openxmlformats.org/presentationml/2006/main">
-  <p:cSld>
-    <p:spTree>
-      <p:nvGrpSpPr>
-        <p:cNvPr id="1" name=""/>
-        <p:cNvGrpSpPr/>
-        <p:nvPr/>
-      </p:nvGrpSpPr>
-      <p:grpSpPr>
-        <a:xfrm>
-          <a:off x="0" y="0"/>
-          <a:ext cx="0" cy="0"/>
-          <a:chOff x="0" y="0"/>
-          <a:chExt cx="0" cy="0"/>
-        </a:xfrm>
-      </p:grpSpPr>
-      <p:sp>
-        <p:nvSpPr>
-          <p:cNvPr id="2" name="Slide Image Placeholder 1"/>
-          <p:cNvSpPr>
-            <a:spLocks noGrp="1" noRot="1" noChangeAspect="1"/>
-          </p:cNvSpPr>
-          <p:nvPr>
-            <p:ph type="sldImg"/>
-          </p:nvPr>
-        </p:nvSpPr>
-        <p:spPr/>
-      </p:sp>
-      <p:sp>
-        <p:nvSpPr>
-          <p:cNvPr id="3" name="Notes Placeholder 2"/>
-          <p:cNvSpPr>
-            <a:spLocks noGrp="1"/>
-          </p:cNvSpPr>
-          <p:nvPr>
-            <p:ph type="body" idx="1"/>
-          </p:nvPr>
-        </p:nvSpPr>
-        <p:spPr/>
-        <p:txBody>
-          <a:bodyPr/>
-          <a:lstStyle/>
-          <a:p>
-            <a:r>
-              <a:rPr lang="zh-TW" altLang="en-US" dirty="0" smtClean="0">
-                <a:effectLst/>
-              </a:rPr>
-              <a:t>驗證非線性</a:t>
-            </a:r>
-          </a:p>
-          <a:p>
-            <a:pPr lvl="1"/>
-            <a:r>
-              <a:rPr lang="zh-TW" altLang="en-US" dirty="0" smtClean="0">
-                <a:effectLst/>
-              </a:rPr>
-              <a:t>簡單 </a:t>
-            </a:r>
-            <a:r>
-              <a:rPr lang="en-US" altLang="zh-TW" dirty="0" smtClean="0">
-                <a:effectLst/>
-              </a:rPr>
-              <a:t>model =&gt; model </a:t>
-            </a:r>
-            <a:r>
-              <a:rPr lang="zh-TW" altLang="en-US" dirty="0" smtClean="0">
-                <a:effectLst/>
-              </a:rPr>
-              <a:t>圖</a:t>
-            </a:r>
-          </a:p>
-          <a:p>
-            <a:pPr lvl="1"/>
-            <a:r>
-              <a:rPr lang="zh-TW" altLang="en-US" dirty="0" smtClean="0">
-                <a:effectLst/>
-              </a:rPr>
-              <a:t>實際專案</a:t>
-            </a:r>
-          </a:p>
-          <a:p>
-            <a:endParaRPr lang="en-US" dirty="0"/>
-          </a:p>
-        </p:txBody>
-      </p:sp>
-      <p:sp>
-        <p:nvSpPr>
-          <p:cNvPr id="4" name="Slide Number Placeholder 3"/>
-          <p:cNvSpPr>
-            <a:spLocks noGrp="1"/>
-          </p:cNvSpPr>
-          <p:nvPr>
-            <p:ph type="sldNum" sz="quarter" idx="10"/>
-          </p:nvPr>
-        </p:nvSpPr>
-        <p:spPr/>
-        <p:txBody>
-          <a:bodyPr/>
-          <a:lstStyle/>
-          <a:p>
-            <a:fld id="{4B9FA8AB-93ED-4030-B179-2AF13832ABA7}" type="slidenum">
-              <a:rPr lang="zh-TW" altLang="en-US" smtClean="0"/>
-              <a:t>20</a:t>
-            </a:fld>
-            <a:endParaRPr lang="zh-TW" altLang="en-US"/>
-          </a:p>
-        </p:txBody>
-      </p:sp>
-    </p:spTree>
-    <p:extLst>
-      <p:ext uri="{BB962C8B-B14F-4D97-AF65-F5344CB8AC3E}">
-        <p14:creationId xmlns:p14="http://schemas.microsoft.com/office/powerpoint/2010/main" val="2771068747"/>
+        <p14:creationId xmlns:p14="http://schemas.microsoft.com/office/powerpoint/2010/main" val="1877237414"/>
       </p:ext>
     </p:extLst>
   </p:cSld>
@@ -1929,7 +1744,25 @@
           <a:p>
             <a:r>
               <a:rPr lang="zh-TW" altLang="en-US" dirty="0" smtClean="0"/>
-              <a:t>傳統斷筋 </a:t>
+              <a:t>原本的更慘</a:t>
+            </a:r>
+            <a:endParaRPr lang="en-US" altLang="zh-TW" dirty="0" smtClean="0"/>
+          </a:p>
+          <a:p>
+            <a:r>
+              <a:rPr lang="zh-TW" altLang="en-US" dirty="0" smtClean="0"/>
+              <a:t>首先從傳統斷筋下手</a:t>
+            </a:r>
+            <a:endParaRPr lang="en-US" altLang="zh-TW" dirty="0" smtClean="0"/>
+          </a:p>
+          <a:p>
+            <a:r>
+              <a:rPr lang="zh-TW" altLang="en-US" dirty="0" smtClean="0"/>
+              <a:t>傳統</a:t>
+            </a:r>
+            <a:r>
+              <a:rPr lang="zh-TW" altLang="en-US" dirty="0" smtClean="0"/>
+              <a:t>斷筋 </a:t>
             </a:r>
             <a:r>
               <a:rPr lang="en-US" altLang="zh-TW" dirty="0" smtClean="0"/>
@@ -2354,45 +2187,6 @@
             </a:r>
           </a:p>
           <a:p>
-            <a:pPr lvl="1"/>
-            <a:r>
-              <a:rPr lang="zh-TW" altLang="en-US" sz="1200" b="0" i="0" kern="1200" dirty="0" smtClean="0">
-                <a:solidFill>
-                  <a:schemeClr val="tx1"/>
-                </a:solidFill>
-                <a:effectLst/>
-                <a:latin typeface="+mn-lt"/>
-                <a:ea typeface="+mn-ea"/>
-                <a:cs typeface="+mn-cs"/>
-              </a:rPr>
-              <a:t>看 </a:t>
-            </a:r>
-            <a:r>
-              <a:rPr lang="en-US" sz="1200" b="0" i="0" kern="1200" dirty="0" smtClean="0">
-                <a:solidFill>
-                  <a:schemeClr val="tx1"/>
-                </a:solidFill>
-                <a:effectLst/>
-                <a:latin typeface="+mn-lt"/>
-                <a:ea typeface="+mn-ea"/>
-                <a:cs typeface="+mn-cs"/>
-              </a:rPr>
-              <a:t>line </a:t>
-            </a:r>
-            <a:r>
-              <a:rPr lang="zh-TW" altLang="en-US" sz="1200" b="0" i="0" kern="1200" dirty="0" smtClean="0">
-                <a:solidFill>
-                  <a:schemeClr val="tx1"/>
-                </a:solidFill>
-                <a:effectLst/>
-                <a:latin typeface="+mn-lt"/>
-                <a:ea typeface="+mn-ea"/>
-                <a:cs typeface="+mn-cs"/>
-              </a:rPr>
-              <a:t>好了</a:t>
-            </a:r>
-          </a:p>
-          <a:p>
             <a:endParaRPr lang="en-US" dirty="0"/>
           </a:p>
         </p:txBody>
@@ -2479,14 +2273,17 @@
           <a:p>
             <a:r>
               <a:rPr lang="zh-TW" altLang="en-US" dirty="0" smtClean="0"/>
-              <a:t>傳統不經濟 </a:t>
-            </a:r>
-            <a:endParaRPr lang="en-US" dirty="0" smtClean="0"/>
+              <a:t>傳統不保守 不符合 混凝土結構設計規範 </a:t>
+            </a:r>
+            <a:r>
+              <a:rPr lang="en-US" altLang="zh-TW" dirty="0" smtClean="0"/>
+              <a:t>401-100 R5.11.2 </a:t>
+            </a:r>
           </a:p>
           <a:p>
             <a:r>
               <a:rPr lang="en-US" dirty="0" smtClean="0"/>
-              <a:t>828</a:t>
+              <a:t>1140</a:t>
             </a:r>
             <a:endParaRPr lang="en-US" dirty="0"/>
           </a:p>
@@ -2518,7 +2315,7 @@
     </p:spTree>
     <p:extLst>
       <p:ext uri="{BB962C8B-B14F-4D97-AF65-F5344CB8AC3E}">
-        <p14:creationId xmlns:p14="http://schemas.microsoft.com/office/powerpoint/2010/main" val="154539786"/>
+        <p14:creationId xmlns:p14="http://schemas.microsoft.com/office/powerpoint/2010/main" val="926603561"/>
       </p:ext>
     </p:extLst>
   </p:cSld>
@@ -2574,17 +2371,14 @@
           <a:p>
             <a:r>
               <a:rPr lang="zh-TW" altLang="en-US" dirty="0" smtClean="0"/>
-              <a:t>傳統不保守 不符合 混凝土結構設計規範 </a:t>
-            </a:r>
-            <a:r>
-              <a:rPr lang="en-US" altLang="zh-TW" dirty="0" smtClean="0"/>
-              <a:t>401-100 R5.11.2 </a:t>
-            </a:r>
+              <a:t>傳統不經濟 </a:t>
+            </a:r>
+            <a:endParaRPr lang="en-US" dirty="0" smtClean="0"/>
           </a:p>
           <a:p>
             <a:r>
               <a:rPr lang="en-US" dirty="0" smtClean="0"/>
-              <a:t>1140</a:t>
+              <a:t>828</a:t>
             </a:r>
             <a:endParaRPr lang="en-US" dirty="0"/>
           </a:p>
@@ -2616,7 +2410,7 @@
     </p:spTree>
     <p:extLst>
       <p:ext uri="{BB962C8B-B14F-4D97-AF65-F5344CB8AC3E}">
-        <p14:creationId xmlns:p14="http://schemas.microsoft.com/office/powerpoint/2010/main" val="926603561"/>
+        <p14:creationId xmlns:p14="http://schemas.microsoft.com/office/powerpoint/2010/main" val="154539786"/>
       </p:ext>
     </p:extLst>
   </p:cSld>
@@ -2696,6 +2490,30 @@
             </a:r>
           </a:p>
           <a:p>
+            <a:pPr marL="0" marR="0" indent="0" algn="l" defTabSz="914400" rtl="0" eaLnBrk="1" fontAlgn="auto" latinLnBrk="0" hangingPunct="1">
+              <a:lnSpc>
+                <a:spcPct val="100000"/>
+              </a:lnSpc>
+              <a:spcBef>
+                <a:spcPts val="0"/>
+              </a:spcBef>
+              <a:spcAft>
+                <a:spcPts val="0"/>
+              </a:spcAft>
+              <a:buClrTx/>
+              <a:buSzTx/>
+              <a:buFontTx/>
+              <a:buNone/>
+              <a:tabLst/>
+              <a:defRPr/>
+            </a:pPr>
+            <a:r>
+              <a:rPr lang="zh-TW" altLang="en-US" dirty="0" smtClean="0"/>
+              <a:t>五點斷筋 </a:t>
+            </a:r>
+            <a:endParaRPr lang="en-US" altLang="zh-TW" dirty="0" smtClean="0"/>
+          </a:p>
+          <a:p>
             <a:endParaRPr lang="en-US" dirty="0"/>
           </a:p>
         </p:txBody>
@@ -2726,7 +2544,7 @@
     </p:spTree>
     <p:extLst>
       <p:ext uri="{BB962C8B-B14F-4D97-AF65-F5344CB8AC3E}">
-        <p14:creationId xmlns:p14="http://schemas.microsoft.com/office/powerpoint/2010/main" val="3009342761"/>
+        <p14:creationId xmlns:p14="http://schemas.microsoft.com/office/powerpoint/2010/main" val="2065032544"/>
       </p:ext>
     </p:extLst>
   </p:cSld>
@@ -2781,9 +2599,55 @@
           <a:lstStyle/>
           <a:p>
             <a:r>
+              <a:rPr lang="en-US" altLang="zh-TW" dirty="0" smtClean="0"/>
+              <a:t>ETABS </a:t>
+            </a:r>
+            <a:r>
               <a:rPr lang="zh-TW" altLang="en-US" dirty="0" smtClean="0"/>
-              <a:t>五點斷筋 </a:t>
-            </a:r>
+              <a:t>鋼筋定義</a:t>
+            </a:r>
+            <a:r>
+              <a:rPr lang="zh-TW" altLang="en-US" dirty="0" smtClean="0"/>
+              <a:t>修改 </a:t>
+            </a:r>
+            <a:r>
+              <a:rPr lang="en-US" altLang="zh-TW" dirty="0" smtClean="0"/>
+              <a:t>=&gt; CSN </a:t>
+            </a:r>
+            <a:r>
+              <a:rPr lang="zh-TW" altLang="en-US" dirty="0" smtClean="0"/>
+              <a:t>圖 </a:t>
+            </a:r>
+            <a:endParaRPr lang="en-US" altLang="zh-TW" dirty="0" smtClean="0"/>
+          </a:p>
+          <a:p>
+            <a:pPr marL="0" marR="0" indent="0" algn="l" defTabSz="914400" rtl="0" eaLnBrk="1" fontAlgn="auto" latinLnBrk="0" hangingPunct="1">
+              <a:lnSpc>
+                <a:spcPct val="100000"/>
+              </a:lnSpc>
+              <a:spcBef>
+                <a:spcPts val="0"/>
+              </a:spcBef>
+              <a:spcAft>
+                <a:spcPts val="0"/>
+              </a:spcAft>
+              <a:buClrTx/>
+              <a:buSzTx/>
+              <a:buFontTx/>
+              <a:buNone/>
+              <a:tabLst/>
+              <a:defRPr/>
+            </a:pPr>
+            <a:r>
+              <a:rPr lang="zh-TW" altLang="en-US" dirty="0" smtClean="0"/>
+              <a:t>多出 </a:t>
+            </a:r>
+            <a:r>
+              <a:rPr lang="en-US" altLang="zh-TW" dirty="0" smtClean="0"/>
+              <a:t>0.05 drop </a:t>
+            </a:r>
+          </a:p>
+          <a:p>
             <a:endParaRPr lang="en-US" dirty="0"/>
           </a:p>
         </p:txBody>
@@ -2814,7 +2678,7 @@
     </p:spTree>
     <p:extLst>
       <p:ext uri="{BB962C8B-B14F-4D97-AF65-F5344CB8AC3E}">
-        <p14:creationId xmlns:p14="http://schemas.microsoft.com/office/powerpoint/2010/main" val="485756544"/>
+        <p14:creationId xmlns:p14="http://schemas.microsoft.com/office/powerpoint/2010/main" val="1670953166"/>
       </p:ext>
     </p:extLst>
   </p:cSld>
@@ -24899,6 +24763,29 @@
       </p:grpSpPr>
       <p:sp>
         <p:nvSpPr>
+          <p:cNvPr id="21" name="文字版面配置區 20"/>
+          <p:cNvSpPr>
+            <a:spLocks noGrp="1"/>
+          </p:cNvSpPr>
+          <p:nvPr>
+            <p:ph type="body" sz="quarter" idx="10"/>
+          </p:nvPr>
+        </p:nvSpPr>
+        <p:spPr/>
+        <p:txBody>
+          <a:bodyPr/>
+          <a:lstStyle/>
+          <a:p>
+            <a:r>
+              <a:rPr lang="en-US" altLang="zh-TW" dirty="0" smtClean="0"/>
+              <a:t>NEXT STEP</a:t>
+            </a:r>
+            <a:endParaRPr lang="zh-TW" altLang="en-US" dirty="0"/>
+          </a:p>
+        </p:txBody>
+      </p:sp>
+      <p:sp>
+        <p:nvSpPr>
           <p:cNvPr id="2" name="Slide Number Placeholder 1"/>
           <p:cNvSpPr>
             <a:spLocks noGrp="1"/>
@@ -24920,10 +24807,523 @@
           </a:p>
         </p:txBody>
       </p:sp>
+      <p:pic>
+        <p:nvPicPr>
+          <p:cNvPr id="3" name="圖片 2"/>
+          <p:cNvPicPr>
+            <a:picLocks noChangeAspect="1"/>
+          </p:cNvPicPr>
+          <p:nvPr/>
+        </p:nvPicPr>
+        <p:blipFill>
+          <a:blip r:embed="rId3">
+            <a:clrChange>
+              <a:clrFrom>
+                <a:srgbClr val="FFFFFF"/>
+              </a:clrFrom>
+              <a:clrTo>
+                <a:srgbClr val="FFFFFF">
+                  <a:alpha val="0"/>
+                </a:srgbClr>
+              </a:clrTo>
+            </a:clrChange>
+          </a:blip>
+          <a:stretch>
+            <a:fillRect/>
+          </a:stretch>
+        </p:blipFill>
+        <p:spPr>
+          <a:xfrm>
+            <a:off x="1104108" y="2008405"/>
+            <a:ext cx="1393062" cy="2160000"/>
+          </a:xfrm>
+          <a:prstGeom prst="rect">
+            <a:avLst/>
+          </a:prstGeom>
+        </p:spPr>
+      </p:pic>
+      <p:pic>
+        <p:nvPicPr>
+          <p:cNvPr id="4" name="圖片 3"/>
+          <p:cNvPicPr>
+            <a:picLocks noChangeAspect="1"/>
+          </p:cNvPicPr>
+          <p:nvPr/>
+        </p:nvPicPr>
+        <p:blipFill>
+          <a:blip r:embed="rId4">
+            <a:clrChange>
+              <a:clrFrom>
+                <a:srgbClr val="FFFFFF"/>
+              </a:clrFrom>
+              <a:clrTo>
+                <a:srgbClr val="FFFFFF">
+                  <a:alpha val="0"/>
+                </a:srgbClr>
+              </a:clrTo>
+            </a:clrChange>
+          </a:blip>
+          <a:stretch>
+            <a:fillRect/>
+          </a:stretch>
+        </p:blipFill>
+        <p:spPr>
+          <a:xfrm>
+            <a:off x="3391029" y="2355705"/>
+            <a:ext cx="1981773" cy="1800000"/>
+          </a:xfrm>
+          <a:prstGeom prst="rect">
+            <a:avLst/>
+          </a:prstGeom>
+        </p:spPr>
+      </p:pic>
+      <p:sp>
+        <p:nvSpPr>
+          <p:cNvPr id="6" name="文字方塊 5"/>
+          <p:cNvSpPr txBox="1"/>
+          <p:nvPr/>
+        </p:nvSpPr>
+        <p:spPr>
+          <a:xfrm>
+            <a:off x="1427196" y="4882896"/>
+            <a:ext cx="1079783" cy="609398"/>
+          </a:xfrm>
+          <a:prstGeom prst="rect">
+            <a:avLst/>
+          </a:prstGeom>
+          <a:noFill/>
+        </p:spPr>
+        <p:txBody>
+          <a:bodyPr wrap="none" lIns="0" rtlCol="0" anchor="t">
+            <a:spAutoFit/>
+          </a:bodyPr>
+          <a:lstStyle/>
+          <a:p>
+            <a:pPr algn="r">
+              <a:lnSpc>
+                <a:spcPct val="120000"/>
+              </a:lnSpc>
+            </a:pPr>
+            <a:r>
+              <a:rPr lang="en-US" altLang="zh-TW" sz="2800" dirty="0" smtClean="0">
+                <a:latin typeface="Segoe UI Light" panose="020B0502040204020203" pitchFamily="34" charset="0"/>
+                <a:cs typeface="Segoe UI Light" panose="020B0502040204020203" pitchFamily="34" charset="0"/>
+              </a:rPr>
+              <a:t>101.0%</a:t>
+            </a:r>
+            <a:endParaRPr lang="zh-TW" altLang="en-US" sz="2800" dirty="0" smtClean="0">
+              <a:latin typeface="Segoe UI Light" panose="020B0502040204020203" pitchFamily="34" charset="0"/>
+              <a:cs typeface="Segoe UI Light" panose="020B0502040204020203" pitchFamily="34" charset="0"/>
+            </a:endParaRPr>
+          </a:p>
+        </p:txBody>
+      </p:sp>
+      <p:sp>
+        <p:nvSpPr>
+          <p:cNvPr id="8" name="文字方塊 7"/>
+          <p:cNvSpPr txBox="1"/>
+          <p:nvPr/>
+        </p:nvSpPr>
+        <p:spPr>
+          <a:xfrm>
+            <a:off x="3943497" y="4881477"/>
+            <a:ext cx="1007648" cy="561436"/>
+          </a:xfrm>
+          <a:prstGeom prst="rect">
+            <a:avLst/>
+          </a:prstGeom>
+          <a:noFill/>
+        </p:spPr>
+        <p:txBody>
+          <a:bodyPr wrap="none" lIns="0" rtlCol="0" anchor="t">
+            <a:spAutoFit/>
+          </a:bodyPr>
+          <a:lstStyle>
+            <a:defPPr>
+              <a:defRPr lang="fr-FR"/>
+            </a:defPPr>
+            <a:lvl1pPr algn="r">
+              <a:lnSpc>
+                <a:spcPct val="120000"/>
+              </a:lnSpc>
+              <a:defRPr sz="2800">
+                <a:latin typeface="Segoe UI Light" panose="020B0502040204020203" pitchFamily="34" charset="0"/>
+                <a:cs typeface="Segoe UI Light" panose="020B0502040204020203" pitchFamily="34" charset="0"/>
+              </a:defRPr>
+            </a:lvl1pPr>
+          </a:lstStyle>
+          <a:p>
+            <a:r>
+              <a:rPr lang="en-US" altLang="zh-TW" dirty="0"/>
+              <a:t>93.5%</a:t>
+            </a:r>
+            <a:endParaRPr lang="zh-TW" altLang="en-US" dirty="0"/>
+          </a:p>
+        </p:txBody>
+      </p:sp>
+      <p:sp>
+        <p:nvSpPr>
+          <p:cNvPr id="15" name="文字方塊 14"/>
+          <p:cNvSpPr txBox="1"/>
+          <p:nvPr/>
+        </p:nvSpPr>
+        <p:spPr>
+          <a:xfrm>
+            <a:off x="1516840" y="5754043"/>
+            <a:ext cx="1002839" cy="561436"/>
+          </a:xfrm>
+          <a:prstGeom prst="rect">
+            <a:avLst/>
+          </a:prstGeom>
+          <a:noFill/>
+        </p:spPr>
+        <p:txBody>
+          <a:bodyPr wrap="none" lIns="0" rtlCol="0" anchor="t">
+            <a:spAutoFit/>
+          </a:bodyPr>
+          <a:lstStyle>
+            <a:defPPr>
+              <a:defRPr lang="fr-FR"/>
+            </a:defPPr>
+            <a:lvl1pPr algn="r">
+              <a:lnSpc>
+                <a:spcPct val="120000"/>
+              </a:lnSpc>
+              <a:defRPr sz="2800">
+                <a:latin typeface="Segoe UI Light" panose="020B0502040204020203" pitchFamily="34" charset="0"/>
+                <a:cs typeface="Segoe UI Light" panose="020B0502040204020203" pitchFamily="34" charset="0"/>
+              </a:defRPr>
+            </a:lvl1pPr>
+          </a:lstStyle>
+          <a:p>
+            <a:r>
+              <a:rPr lang="en-US" altLang="zh-TW" dirty="0">
+                <a:solidFill>
+                  <a:schemeClr val="accent1"/>
+                </a:solidFill>
+              </a:rPr>
+              <a:t>97.8%</a:t>
+            </a:r>
+            <a:endParaRPr lang="zh-TW" altLang="en-US" dirty="0">
+              <a:solidFill>
+                <a:schemeClr val="accent1"/>
+              </a:solidFill>
+            </a:endParaRPr>
+          </a:p>
+        </p:txBody>
+      </p:sp>
+      <p:sp>
+        <p:nvSpPr>
+          <p:cNvPr id="16" name="文字方塊 15"/>
+          <p:cNvSpPr txBox="1"/>
+          <p:nvPr/>
+        </p:nvSpPr>
+        <p:spPr>
+          <a:xfrm>
+            <a:off x="3943497" y="5754043"/>
+            <a:ext cx="1007648" cy="561436"/>
+          </a:xfrm>
+          <a:prstGeom prst="rect">
+            <a:avLst/>
+          </a:prstGeom>
+          <a:noFill/>
+        </p:spPr>
+        <p:txBody>
+          <a:bodyPr wrap="none" lIns="0" rtlCol="0" anchor="t">
+            <a:spAutoFit/>
+          </a:bodyPr>
+          <a:lstStyle>
+            <a:defPPr>
+              <a:defRPr lang="fr-FR"/>
+            </a:defPPr>
+            <a:lvl1pPr algn="r">
+              <a:lnSpc>
+                <a:spcPct val="120000"/>
+              </a:lnSpc>
+              <a:defRPr sz="2800">
+                <a:latin typeface="Segoe UI Light" panose="020B0502040204020203" pitchFamily="34" charset="0"/>
+                <a:cs typeface="Segoe UI Light" panose="020B0502040204020203" pitchFamily="34" charset="0"/>
+              </a:defRPr>
+            </a:lvl1pPr>
+          </a:lstStyle>
+          <a:p>
+            <a:r>
+              <a:rPr lang="en-US" altLang="zh-TW" dirty="0">
+                <a:solidFill>
+                  <a:schemeClr val="accent1"/>
+                </a:solidFill>
+              </a:rPr>
+              <a:t>93.2%</a:t>
+            </a:r>
+            <a:endParaRPr lang="zh-TW" altLang="en-US" dirty="0">
+              <a:solidFill>
+                <a:schemeClr val="accent1"/>
+              </a:solidFill>
+            </a:endParaRPr>
+          </a:p>
+        </p:txBody>
+      </p:sp>
+      <p:sp>
+        <p:nvSpPr>
+          <p:cNvPr id="17" name="文字方塊 16"/>
+          <p:cNvSpPr txBox="1"/>
+          <p:nvPr/>
+        </p:nvSpPr>
+        <p:spPr>
+          <a:xfrm>
+            <a:off x="1872923" y="4308760"/>
+            <a:ext cx="2723181" cy="561436"/>
+          </a:xfrm>
+          <a:prstGeom prst="rect">
+            <a:avLst/>
+          </a:prstGeom>
+          <a:noFill/>
+        </p:spPr>
+        <p:txBody>
+          <a:bodyPr wrap="none" lIns="0" rtlCol="0" anchor="t">
+            <a:spAutoFit/>
+          </a:bodyPr>
+          <a:lstStyle/>
+          <a:p>
+            <a:pPr>
+              <a:lnSpc>
+                <a:spcPct val="120000"/>
+              </a:lnSpc>
+            </a:pPr>
+            <a:r>
+              <a:rPr lang="en-US" altLang="zh-TW" sz="2800" dirty="0">
+                <a:latin typeface="Segoe UI Light" panose="020B0502040204020203" pitchFamily="34" charset="0"/>
+                <a:cs typeface="Segoe UI Light" panose="020B0502040204020203" pitchFamily="34" charset="0"/>
+              </a:rPr>
+              <a:t>OVERALL </a:t>
+            </a:r>
+            <a:r>
+              <a:rPr lang="en-US" altLang="zh-TW" sz="2800" dirty="0" smtClean="0">
+                <a:latin typeface="Segoe UI Light" panose="020B0502040204020203" pitchFamily="34" charset="0"/>
+                <a:cs typeface="Segoe UI Light" panose="020B0502040204020203" pitchFamily="34" charset="0"/>
+              </a:rPr>
+              <a:t>RESULT</a:t>
+            </a:r>
+            <a:endParaRPr lang="en-US" altLang="zh-TW" sz="2800" dirty="0">
+              <a:latin typeface="Segoe UI Light" panose="020B0502040204020203" pitchFamily="34" charset="0"/>
+              <a:cs typeface="Segoe UI Light" panose="020B0502040204020203" pitchFamily="34" charset="0"/>
+            </a:endParaRPr>
+          </a:p>
+        </p:txBody>
+      </p:sp>
+      <p:cxnSp>
+        <p:nvCxnSpPr>
+          <p:cNvPr id="23" name="直線接點 22"/>
+          <p:cNvCxnSpPr/>
+          <p:nvPr/>
+        </p:nvCxnSpPr>
+        <p:spPr>
+          <a:xfrm>
+            <a:off x="6825589" y="1270000"/>
+            <a:ext cx="0" cy="5086350"/>
+          </a:xfrm>
+          <a:prstGeom prst="line">
+            <a:avLst/>
+          </a:prstGeom>
+          <a:ln>
+            <a:solidFill>
+              <a:schemeClr val="tx1"/>
+            </a:solidFill>
+          </a:ln>
+        </p:spPr>
+        <p:style>
+          <a:lnRef idx="1">
+            <a:schemeClr val="accent1"/>
+          </a:lnRef>
+          <a:fillRef idx="0">
+            <a:schemeClr val="accent1"/>
+          </a:fillRef>
+          <a:effectRef idx="0">
+            <a:schemeClr val="accent1"/>
+          </a:effectRef>
+          <a:fontRef idx="minor">
+            <a:schemeClr val="tx1"/>
+          </a:fontRef>
+        </p:style>
+      </p:cxnSp>
+      <p:pic>
+        <p:nvPicPr>
+          <p:cNvPr id="28" name="圖片 27"/>
+          <p:cNvPicPr>
+            <a:picLocks noChangeAspect="1"/>
+          </p:cNvPicPr>
+          <p:nvPr/>
+        </p:nvPicPr>
+        <p:blipFill>
+          <a:blip r:embed="rId5"/>
+          <a:stretch>
+            <a:fillRect/>
+          </a:stretch>
+        </p:blipFill>
+        <p:spPr>
+          <a:xfrm>
+            <a:off x="7546251" y="2699720"/>
+            <a:ext cx="4323319" cy="2116400"/>
+          </a:xfrm>
+          <a:prstGeom prst="rect">
+            <a:avLst/>
+          </a:prstGeom>
+        </p:spPr>
+      </p:pic>
+      <p:sp>
+        <p:nvSpPr>
+          <p:cNvPr id="29" name="文字方塊 28"/>
+          <p:cNvSpPr txBox="1"/>
+          <p:nvPr/>
+        </p:nvSpPr>
+        <p:spPr>
+          <a:xfrm>
+            <a:off x="7546251" y="1435372"/>
+            <a:ext cx="2045112" cy="561436"/>
+          </a:xfrm>
+          <a:prstGeom prst="rect">
+            <a:avLst/>
+          </a:prstGeom>
+          <a:noFill/>
+        </p:spPr>
+        <p:txBody>
+          <a:bodyPr wrap="none" lIns="0" rtlCol="0" anchor="t">
+            <a:spAutoFit/>
+          </a:bodyPr>
+          <a:lstStyle/>
+          <a:p>
+            <a:pPr>
+              <a:lnSpc>
+                <a:spcPct val="120000"/>
+              </a:lnSpc>
+            </a:pPr>
+            <a:r>
+              <a:rPr lang="en-US" altLang="zh-TW" sz="2800" dirty="0">
+                <a:latin typeface="Segoe UI Light" panose="020B0502040204020203" pitchFamily="34" charset="0"/>
+                <a:cs typeface="Segoe UI Light" panose="020B0502040204020203" pitchFamily="34" charset="0"/>
+              </a:rPr>
+              <a:t>5 MULTI CUT</a:t>
+            </a:r>
+          </a:p>
+        </p:txBody>
+      </p:sp>
+      <p:sp>
+        <p:nvSpPr>
+          <p:cNvPr id="30" name="文字方塊 29"/>
+          <p:cNvSpPr txBox="1"/>
+          <p:nvPr/>
+        </p:nvSpPr>
+        <p:spPr>
+          <a:xfrm>
+            <a:off x="2768936" y="1437270"/>
+            <a:ext cx="3322320" cy="561436"/>
+          </a:xfrm>
+          <a:prstGeom prst="rect">
+            <a:avLst/>
+          </a:prstGeom>
+          <a:noFill/>
+        </p:spPr>
+        <p:txBody>
+          <a:bodyPr wrap="none" lIns="0" rtlCol="0" anchor="t">
+            <a:spAutoFit/>
+          </a:bodyPr>
+          <a:lstStyle/>
+          <a:p>
+            <a:pPr>
+              <a:lnSpc>
+                <a:spcPct val="120000"/>
+              </a:lnSpc>
+            </a:pPr>
+            <a:r>
+              <a:rPr lang="en-US" altLang="zh-TW" sz="2800" dirty="0">
+                <a:latin typeface="Segoe UI Light" panose="020B0502040204020203" pitchFamily="34" charset="0"/>
+                <a:cs typeface="Segoe UI Light" panose="020B0502040204020203" pitchFamily="34" charset="0"/>
+              </a:rPr>
+              <a:t>TRATIONAL REPLACE</a:t>
+            </a:r>
+            <a:endParaRPr lang="zh-TW" altLang="en-US" sz="2800" dirty="0" smtClean="0">
+              <a:latin typeface="Segoe UI Light" panose="020B0502040204020203" pitchFamily="34" charset="0"/>
+              <a:cs typeface="Segoe UI Light" panose="020B0502040204020203" pitchFamily="34" charset="0"/>
+            </a:endParaRPr>
+          </a:p>
+        </p:txBody>
+      </p:sp>
+      <p:cxnSp>
+        <p:nvCxnSpPr>
+          <p:cNvPr id="32" name="直線單箭頭接點 31"/>
+          <p:cNvCxnSpPr/>
+          <p:nvPr/>
+        </p:nvCxnSpPr>
+        <p:spPr>
+          <a:xfrm>
+            <a:off x="1952974" y="5436220"/>
+            <a:ext cx="0" cy="382855"/>
+          </a:xfrm>
+          <a:prstGeom prst="straightConnector1">
+            <a:avLst/>
+          </a:prstGeom>
+          <a:ln>
+            <a:solidFill>
+              <a:schemeClr val="tx1"/>
+            </a:solidFill>
+            <a:tailEnd type="triangle"/>
+          </a:ln>
+        </p:spPr>
+        <p:style>
+          <a:lnRef idx="1">
+            <a:schemeClr val="accent1"/>
+          </a:lnRef>
+          <a:fillRef idx="0">
+            <a:schemeClr val="accent1"/>
+          </a:fillRef>
+          <a:effectRef idx="0">
+            <a:schemeClr val="accent1"/>
+          </a:effectRef>
+          <a:fontRef idx="minor">
+            <a:schemeClr val="tx1"/>
+          </a:fontRef>
+        </p:style>
+      </p:cxnSp>
+      <p:cxnSp>
+        <p:nvCxnSpPr>
+          <p:cNvPr id="34" name="直線單箭頭接點 33"/>
+          <p:cNvCxnSpPr/>
+          <p:nvPr/>
+        </p:nvCxnSpPr>
+        <p:spPr>
+          <a:xfrm>
+            <a:off x="4381915" y="5442913"/>
+            <a:ext cx="0" cy="382855"/>
+          </a:xfrm>
+          <a:prstGeom prst="straightConnector1">
+            <a:avLst/>
+          </a:prstGeom>
+          <a:ln>
+            <a:solidFill>
+              <a:schemeClr val="tx1"/>
+            </a:solidFill>
+            <a:tailEnd type="triangle"/>
+          </a:ln>
+        </p:spPr>
+        <p:style>
+          <a:lnRef idx="1">
+            <a:schemeClr val="accent1"/>
+          </a:lnRef>
+          <a:fillRef idx="0">
+            <a:schemeClr val="accent1"/>
+          </a:fillRef>
+          <a:effectRef idx="0">
+            <a:schemeClr val="accent1"/>
+          </a:effectRef>
+          <a:fontRef idx="minor">
+            <a:schemeClr val="tx1"/>
+          </a:fontRef>
+        </p:style>
+      </p:cxnSp>
     </p:spTree>
     <p:extLst>
       <p:ext uri="{BB962C8B-B14F-4D97-AF65-F5344CB8AC3E}">
-        <p14:creationId xmlns:p14="http://schemas.microsoft.com/office/powerpoint/2010/main" val="2452667220"/>
+        <p14:creationId xmlns:p14="http://schemas.microsoft.com/office/powerpoint/2010/main" val="3607915299"/>
       </p:ext>
     </p:extLst>
   </p:cSld>
@@ -24942,6 +25342,13 @@
       </p:transition>
     </mc:Fallback>
   </mc:AlternateContent>
+  <p:timing>
+    <p:tnLst>
+      <p:par>
+        <p:cTn id="1" dur="indefinite" restart="never" nodeType="tmRoot"/>
+      </p:par>
+    </p:tnLst>
+  </p:timing>
 </p:sld>
 </file>
 
@@ -24964,6 +25371,29 @@
       </p:grpSpPr>
       <p:sp>
         <p:nvSpPr>
+          <p:cNvPr id="5" name="文字版面配置區 4"/>
+          <p:cNvSpPr>
+            <a:spLocks noGrp="1"/>
+          </p:cNvSpPr>
+          <p:nvPr>
+            <p:ph type="body" sz="quarter" idx="10"/>
+          </p:nvPr>
+        </p:nvSpPr>
+        <p:spPr/>
+        <p:txBody>
+          <a:bodyPr/>
+          <a:lstStyle/>
+          <a:p>
+            <a:r>
+              <a:rPr lang="en-US" altLang="zh-TW" dirty="0" smtClean="0"/>
+              <a:t>DETAIL</a:t>
+            </a:r>
+            <a:endParaRPr lang="zh-TW" altLang="en-US" dirty="0"/>
+          </a:p>
+        </p:txBody>
+      </p:sp>
+      <p:sp>
+        <p:nvSpPr>
           <p:cNvPr id="2" name="Slide Number Placeholder 1"/>
           <p:cNvSpPr>
             <a:spLocks noGrp="1"/>
@@ -24985,10 +25415,176 @@
           </a:p>
         </p:txBody>
       </p:sp>
+      <p:pic>
+        <p:nvPicPr>
+          <p:cNvPr id="3" name="圖片 2"/>
+          <p:cNvPicPr>
+            <a:picLocks noChangeAspect="1"/>
+          </p:cNvPicPr>
+          <p:nvPr/>
+        </p:nvPicPr>
+        <p:blipFill>
+          <a:blip r:embed="rId3">
+            <a:extLst>
+              <a:ext uri="{28A0092B-C50C-407E-A947-70E740481C1C}">
+                <a14:useLocalDpi xmlns:a14="http://schemas.microsoft.com/office/drawing/2010/main" val="0"/>
+              </a:ext>
+            </a:extLst>
+          </a:blip>
+          <a:stretch>
+            <a:fillRect/>
+          </a:stretch>
+        </p:blipFill>
+        <p:spPr>
+          <a:xfrm>
+            <a:off x="7541815" y="2712984"/>
+            <a:ext cx="4344006" cy="2976978"/>
+          </a:xfrm>
+          <a:prstGeom prst="rect">
+            <a:avLst/>
+          </a:prstGeom>
+        </p:spPr>
+      </p:pic>
+      <p:pic>
+        <p:nvPicPr>
+          <p:cNvPr id="4" name="圖片 3"/>
+          <p:cNvPicPr>
+            <a:picLocks noChangeAspect="1"/>
+          </p:cNvPicPr>
+          <p:nvPr/>
+        </p:nvPicPr>
+        <p:blipFill>
+          <a:blip r:embed="rId4"/>
+          <a:stretch>
+            <a:fillRect/>
+          </a:stretch>
+        </p:blipFill>
+        <p:spPr>
+          <a:xfrm>
+            <a:off x="3286440" y="2712984"/>
+            <a:ext cx="3602831" cy="2337651"/>
+          </a:xfrm>
+          <a:prstGeom prst="rect">
+            <a:avLst/>
+          </a:prstGeom>
+        </p:spPr>
+      </p:pic>
+      <p:sp>
+        <p:nvSpPr>
+          <p:cNvPr id="6" name="文字方塊 5"/>
+          <p:cNvSpPr txBox="1"/>
+          <p:nvPr/>
+        </p:nvSpPr>
+        <p:spPr>
+          <a:xfrm>
+            <a:off x="1066800" y="2712984"/>
+            <a:ext cx="1567096" cy="609398"/>
+          </a:xfrm>
+          <a:prstGeom prst="rect">
+            <a:avLst/>
+          </a:prstGeom>
+          <a:noFill/>
+        </p:spPr>
+        <p:txBody>
+          <a:bodyPr wrap="none" lIns="0" rtlCol="0" anchor="t">
+            <a:spAutoFit/>
+          </a:bodyPr>
+          <a:lstStyle/>
+          <a:p>
+            <a:pPr algn="l">
+              <a:lnSpc>
+                <a:spcPct val="120000"/>
+              </a:lnSpc>
+            </a:pPr>
+            <a:r>
+              <a:rPr lang="en-US" altLang="zh-TW" sz="2800" dirty="0" smtClean="0">
+                <a:latin typeface="Segoe UI Light" panose="020B0502040204020203" pitchFamily="34" charset="0"/>
+                <a:cs typeface="Segoe UI Light" panose="020B0502040204020203" pitchFamily="34" charset="0"/>
+              </a:rPr>
+              <a:t>5% DROP</a:t>
+            </a:r>
+            <a:endParaRPr lang="zh-TW" altLang="en-US" sz="2800" dirty="0" smtClean="0">
+              <a:latin typeface="Segoe UI Light" panose="020B0502040204020203" pitchFamily="34" charset="0"/>
+              <a:cs typeface="Segoe UI Light" panose="020B0502040204020203" pitchFamily="34" charset="0"/>
+            </a:endParaRPr>
+          </a:p>
+        </p:txBody>
+      </p:sp>
+      <p:cxnSp>
+        <p:nvCxnSpPr>
+          <p:cNvPr id="8" name="直線接點 7"/>
+          <p:cNvCxnSpPr/>
+          <p:nvPr/>
+        </p:nvCxnSpPr>
+        <p:spPr>
+          <a:xfrm>
+            <a:off x="2946400" y="2712984"/>
+            <a:ext cx="0" cy="3643366"/>
+          </a:xfrm>
+          <a:prstGeom prst="line">
+            <a:avLst/>
+          </a:prstGeom>
+          <a:ln>
+            <a:solidFill>
+              <a:schemeClr val="tx1"/>
+            </a:solidFill>
+          </a:ln>
+        </p:spPr>
+        <p:style>
+          <a:lnRef idx="1">
+            <a:schemeClr val="accent1"/>
+          </a:lnRef>
+          <a:fillRef idx="0">
+            <a:schemeClr val="accent1"/>
+          </a:fillRef>
+          <a:effectRef idx="0">
+            <a:schemeClr val="accent1"/>
+          </a:effectRef>
+          <a:fontRef idx="minor">
+            <a:schemeClr val="tx1"/>
+          </a:fontRef>
+        </p:style>
+      </p:cxnSp>
+      <p:cxnSp>
+        <p:nvCxnSpPr>
+          <p:cNvPr id="11" name="直線單箭頭接點 10"/>
+          <p:cNvCxnSpPr/>
+          <p:nvPr/>
+        </p:nvCxnSpPr>
+        <p:spPr>
+          <a:xfrm>
+            <a:off x="6985000" y="3881809"/>
+            <a:ext cx="480615" cy="0"/>
+          </a:xfrm>
+          <a:prstGeom prst="straightConnector1">
+            <a:avLst/>
+          </a:prstGeom>
+          <a:ln>
+            <a:solidFill>
+              <a:schemeClr val="tx1"/>
+            </a:solidFill>
+            <a:tailEnd type="triangle"/>
+          </a:ln>
+        </p:spPr>
+        <p:style>
+          <a:lnRef idx="1">
+            <a:schemeClr val="accent1"/>
+          </a:lnRef>
+          <a:fillRef idx="0">
+            <a:schemeClr val="accent1"/>
+          </a:fillRef>
+          <a:effectRef idx="0">
+            <a:schemeClr val="accent1"/>
+          </a:effectRef>
+          <a:fontRef idx="minor">
+            <a:schemeClr val="tx1"/>
+          </a:fontRef>
+        </p:style>
+      </p:cxnSp>
     </p:spTree>
     <p:extLst>
       <p:ext uri="{BB962C8B-B14F-4D97-AF65-F5344CB8AC3E}">
-        <p14:creationId xmlns:p14="http://schemas.microsoft.com/office/powerpoint/2010/main" val="3093880229"/>
+        <p14:creationId xmlns:p14="http://schemas.microsoft.com/office/powerpoint/2010/main" val="774363617"/>
       </p:ext>
     </p:extLst>
   </p:cSld>
@@ -25029,6 +25625,38 @@
       </p:grpSpPr>
       <p:sp>
         <p:nvSpPr>
+          <p:cNvPr id="4" name="文字版面配置區 3"/>
+          <p:cNvSpPr>
+            <a:spLocks noGrp="1"/>
+          </p:cNvSpPr>
+          <p:nvPr>
+            <p:ph type="body" sz="quarter" idx="10"/>
+          </p:nvPr>
+        </p:nvSpPr>
+        <p:spPr>
+          <a:xfrm>
+            <a:off x="839788" y="660400"/>
+            <a:ext cx="4481512" cy="701731"/>
+          </a:xfrm>
+        </p:spPr>
+        <p:txBody>
+          <a:bodyPr/>
+          <a:lstStyle/>
+          <a:p>
+            <a:r>
+              <a:rPr lang="en-US" altLang="zh-TW" dirty="0"/>
+              <a:t>TOO MUCH </a:t>
+            </a:r>
+            <a:r>
+              <a:rPr lang="en-US" altLang="zh-TW" dirty="0" smtClean="0"/>
+              <a:t>DATA</a:t>
+            </a:r>
+            <a:endParaRPr lang="en-US" altLang="zh-TW" dirty="0"/>
+          </a:p>
+        </p:txBody>
+      </p:sp>
+      <p:sp>
+        <p:nvSpPr>
           <p:cNvPr id="2" name="Slide Number Placeholder 1"/>
           <p:cNvSpPr>
             <a:spLocks noGrp="1"/>
@@ -25050,10 +25678,94 @@
           </a:p>
         </p:txBody>
       </p:sp>
+      <p:pic>
+        <p:nvPicPr>
+          <p:cNvPr id="3" name="圖片 2"/>
+          <p:cNvPicPr>
+            <a:picLocks noChangeAspect="1"/>
+          </p:cNvPicPr>
+          <p:nvPr/>
+        </p:nvPicPr>
+        <p:blipFill>
+          <a:blip r:embed="rId3"/>
+          <a:stretch>
+            <a:fillRect/>
+          </a:stretch>
+        </p:blipFill>
+        <p:spPr>
+          <a:xfrm>
+            <a:off x="5378450" y="2000250"/>
+            <a:ext cx="6438900" cy="2524125"/>
+          </a:xfrm>
+          <a:prstGeom prst="rect">
+            <a:avLst/>
+          </a:prstGeom>
+        </p:spPr>
+      </p:pic>
+      <p:pic>
+        <p:nvPicPr>
+          <p:cNvPr id="5" name="圖片 4"/>
+          <p:cNvPicPr>
+            <a:picLocks noChangeAspect="1"/>
+          </p:cNvPicPr>
+          <p:nvPr/>
+        </p:nvPicPr>
+        <p:blipFill>
+          <a:blip r:embed="rId4"/>
+          <a:stretch>
+            <a:fillRect/>
+          </a:stretch>
+        </p:blipFill>
+        <p:spPr>
+          <a:xfrm>
+            <a:off x="1066800" y="2000250"/>
+            <a:ext cx="3352800" cy="1790700"/>
+          </a:xfrm>
+          <a:prstGeom prst="rect">
+            <a:avLst/>
+          </a:prstGeom>
+        </p:spPr>
+      </p:pic>
+      <p:cxnSp>
+        <p:nvCxnSpPr>
+          <p:cNvPr id="7" name="直線單箭頭接點 6"/>
+          <p:cNvCxnSpPr/>
+          <p:nvPr/>
+        </p:nvCxnSpPr>
+        <p:spPr>
+          <a:xfrm>
+            <a:off x="4762500" y="2984500"/>
+            <a:ext cx="457200" cy="0"/>
+          </a:xfrm>
+          <a:prstGeom prst="straightConnector1">
+            <a:avLst/>
+          </a:prstGeom>
+          <a:ln>
+            <a:solidFill>
+              <a:schemeClr val="tx1"/>
+            </a:solidFill>
+            <a:tailEnd type="triangle"/>
+          </a:ln>
+        </p:spPr>
+        <p:style>
+          <a:lnRef idx="1">
+            <a:schemeClr val="accent1"/>
+          </a:lnRef>
+          <a:fillRef idx="0">
+            <a:schemeClr val="accent1"/>
+          </a:fillRef>
+          <a:effectRef idx="0">
+            <a:schemeClr val="accent1"/>
+          </a:effectRef>
+          <a:fontRef idx="minor">
+            <a:schemeClr val="tx1"/>
+          </a:fontRef>
+        </p:style>
+      </p:cxnSp>
     </p:spTree>
     <p:extLst>
       <p:ext uri="{BB962C8B-B14F-4D97-AF65-F5344CB8AC3E}">
-        <p14:creationId xmlns:p14="http://schemas.microsoft.com/office/powerpoint/2010/main" val="774363617"/>
+        <p14:creationId xmlns:p14="http://schemas.microsoft.com/office/powerpoint/2010/main" val="2035572374"/>
       </p:ext>
     </p:extLst>
   </p:cSld>
@@ -25072,6 +25784,13 @@
       </p:transition>
     </mc:Fallback>
   </mc:AlternateContent>
+  <p:timing>
+    <p:tnLst>
+      <p:par>
+        <p:cTn id="1" dur="indefinite" restart="never" nodeType="tmRoot"/>
+      </p:par>
+    </p:tnLst>
+  </p:timing>
 </p:sld>
 </file>
 
@@ -25094,6 +25813,29 @@
       </p:grpSpPr>
       <p:sp>
         <p:nvSpPr>
+          <p:cNvPr id="9" name="文字版面配置區 8"/>
+          <p:cNvSpPr>
+            <a:spLocks noGrp="1"/>
+          </p:cNvSpPr>
+          <p:nvPr>
+            <p:ph type="body" sz="quarter" idx="10"/>
+          </p:nvPr>
+        </p:nvSpPr>
+        <p:spPr/>
+        <p:txBody>
+          <a:bodyPr/>
+          <a:lstStyle/>
+          <a:p>
+            <a:r>
+              <a:rPr lang="en-US" altLang="zh-TW" dirty="0" smtClean="0"/>
+              <a:t>REBAR SIZE</a:t>
+            </a:r>
+            <a:endParaRPr lang="zh-TW" altLang="en-US" dirty="0"/>
+          </a:p>
+        </p:txBody>
+      </p:sp>
+      <p:sp>
+        <p:nvSpPr>
           <p:cNvPr id="2" name="Slide Number Placeholder 1"/>
           <p:cNvSpPr>
             <a:spLocks noGrp="1"/>
@@ -25115,10 +25857,235 @@
           </a:p>
         </p:txBody>
       </p:sp>
+      <p:pic>
+        <p:nvPicPr>
+          <p:cNvPr id="4" name="圖片 3"/>
+          <p:cNvPicPr>
+            <a:picLocks noChangeAspect="1"/>
+          </p:cNvPicPr>
+          <p:nvPr/>
+        </p:nvPicPr>
+        <p:blipFill>
+          <a:blip r:embed="rId3"/>
+          <a:stretch>
+            <a:fillRect/>
+          </a:stretch>
+        </p:blipFill>
+        <p:spPr>
+          <a:xfrm>
+            <a:off x="4677968" y="2010170"/>
+            <a:ext cx="5249063" cy="1353733"/>
+          </a:xfrm>
+          <a:prstGeom prst="rect">
+            <a:avLst/>
+          </a:prstGeom>
+        </p:spPr>
+      </p:pic>
+      <p:pic>
+        <p:nvPicPr>
+          <p:cNvPr id="6" name="圖片 5"/>
+          <p:cNvPicPr>
+            <a:picLocks noChangeAspect="1"/>
+          </p:cNvPicPr>
+          <p:nvPr/>
+        </p:nvPicPr>
+        <p:blipFill>
+          <a:blip r:embed="rId4"/>
+          <a:stretch>
+            <a:fillRect/>
+          </a:stretch>
+        </p:blipFill>
+        <p:spPr>
+          <a:xfrm>
+            <a:off x="4677967" y="4393693"/>
+            <a:ext cx="5249063" cy="1353733"/>
+          </a:xfrm>
+          <a:prstGeom prst="rect">
+            <a:avLst/>
+          </a:prstGeom>
+        </p:spPr>
+      </p:pic>
+      <p:pic>
+        <p:nvPicPr>
+          <p:cNvPr id="7" name="圖片 6"/>
+          <p:cNvPicPr>
+            <a:picLocks noChangeAspect="1"/>
+          </p:cNvPicPr>
+          <p:nvPr/>
+        </p:nvPicPr>
+        <p:blipFill>
+          <a:blip r:embed="rId5">
+            <a:clrChange>
+              <a:clrFrom>
+                <a:srgbClr val="FFFFFF"/>
+              </a:clrFrom>
+              <a:clrTo>
+                <a:srgbClr val="FFFFFF">
+                  <a:alpha val="0"/>
+                </a:srgbClr>
+              </a:clrTo>
+            </a:clrChange>
+          </a:blip>
+          <a:stretch>
+            <a:fillRect/>
+          </a:stretch>
+        </p:blipFill>
+        <p:spPr>
+          <a:xfrm>
+            <a:off x="1786298" y="1616131"/>
+            <a:ext cx="1393062" cy="2160000"/>
+          </a:xfrm>
+          <a:prstGeom prst="rect">
+            <a:avLst/>
+          </a:prstGeom>
+        </p:spPr>
+      </p:pic>
+      <p:pic>
+        <p:nvPicPr>
+          <p:cNvPr id="8" name="圖片 7"/>
+          <p:cNvPicPr>
+            <a:picLocks noChangeAspect="1"/>
+          </p:cNvPicPr>
+          <p:nvPr/>
+        </p:nvPicPr>
+        <p:blipFill>
+          <a:blip r:embed="rId6">
+            <a:clrChange>
+              <a:clrFrom>
+                <a:srgbClr val="FFFFFF"/>
+              </a:clrFrom>
+              <a:clrTo>
+                <a:srgbClr val="FFFFFF">
+                  <a:alpha val="0"/>
+                </a:srgbClr>
+              </a:clrTo>
+            </a:clrChange>
+          </a:blip>
+          <a:stretch>
+            <a:fillRect/>
+          </a:stretch>
+        </p:blipFill>
+        <p:spPr>
+          <a:xfrm>
+            <a:off x="1786298" y="4170560"/>
+            <a:ext cx="1981773" cy="1800000"/>
+          </a:xfrm>
+          <a:prstGeom prst="rect">
+            <a:avLst/>
+          </a:prstGeom>
+        </p:spPr>
+      </p:pic>
+      <p:cxnSp>
+        <p:nvCxnSpPr>
+          <p:cNvPr id="14" name="直線接點 13"/>
+          <p:cNvCxnSpPr/>
+          <p:nvPr/>
+        </p:nvCxnSpPr>
+        <p:spPr>
+          <a:xfrm>
+            <a:off x="1049698" y="4157860"/>
+            <a:ext cx="10088202" cy="0"/>
+          </a:xfrm>
+          <a:prstGeom prst="line">
+            <a:avLst/>
+          </a:prstGeom>
+          <a:ln>
+            <a:solidFill>
+              <a:schemeClr val="tx1"/>
+            </a:solidFill>
+          </a:ln>
+        </p:spPr>
+        <p:style>
+          <a:lnRef idx="1">
+            <a:schemeClr val="accent1"/>
+          </a:lnRef>
+          <a:fillRef idx="0">
+            <a:schemeClr val="accent1"/>
+          </a:fillRef>
+          <a:effectRef idx="0">
+            <a:schemeClr val="accent1"/>
+          </a:effectRef>
+          <a:fontRef idx="minor">
+            <a:schemeClr val="tx1"/>
+          </a:fontRef>
+        </p:style>
+      </p:cxnSp>
+      <p:cxnSp>
+        <p:nvCxnSpPr>
+          <p:cNvPr id="22" name="直線單箭頭接點 21"/>
+          <p:cNvCxnSpPr/>
+          <p:nvPr/>
+        </p:nvCxnSpPr>
+        <p:spPr>
+          <a:xfrm flipV="1">
+            <a:off x="10248900" y="2247900"/>
+            <a:ext cx="0" cy="698500"/>
+          </a:xfrm>
+          <a:prstGeom prst="straightConnector1">
+            <a:avLst/>
+          </a:prstGeom>
+          <a:ln>
+            <a:solidFill>
+              <a:schemeClr val="tx1"/>
+            </a:solidFill>
+            <a:tailEnd type="triangle"/>
+          </a:ln>
+        </p:spPr>
+        <p:style>
+          <a:lnRef idx="1">
+            <a:schemeClr val="accent1"/>
+          </a:lnRef>
+          <a:fillRef idx="0">
+            <a:schemeClr val="accent1"/>
+          </a:fillRef>
+          <a:effectRef idx="0">
+            <a:schemeClr val="accent1"/>
+          </a:effectRef>
+          <a:fontRef idx="minor">
+            <a:schemeClr val="tx1"/>
+          </a:fontRef>
+        </p:style>
+      </p:cxnSp>
+      <p:cxnSp>
+        <p:nvCxnSpPr>
+          <p:cNvPr id="23" name="直線單箭頭接點 22"/>
+          <p:cNvCxnSpPr/>
+          <p:nvPr/>
+        </p:nvCxnSpPr>
+        <p:spPr>
+          <a:xfrm flipV="1">
+            <a:off x="10248900" y="4584700"/>
+            <a:ext cx="0" cy="977900"/>
+          </a:xfrm>
+          <a:prstGeom prst="straightConnector1">
+            <a:avLst/>
+          </a:prstGeom>
+          <a:ln>
+            <a:solidFill>
+              <a:schemeClr val="tx1"/>
+            </a:solidFill>
+            <a:tailEnd type="triangle"/>
+          </a:ln>
+        </p:spPr>
+        <p:style>
+          <a:lnRef idx="1">
+            <a:schemeClr val="accent1"/>
+          </a:lnRef>
+          <a:fillRef idx="0">
+            <a:schemeClr val="accent1"/>
+          </a:fillRef>
+          <a:effectRef idx="0">
+            <a:schemeClr val="accent1"/>
+          </a:effectRef>
+          <a:fontRef idx="minor">
+            <a:schemeClr val="tx1"/>
+          </a:fontRef>
+        </p:style>
+      </p:cxnSp>
     </p:spTree>
     <p:extLst>
       <p:ext uri="{BB962C8B-B14F-4D97-AF65-F5344CB8AC3E}">
-        <p14:creationId xmlns:p14="http://schemas.microsoft.com/office/powerpoint/2010/main" val="2702871002"/>
+        <p14:creationId xmlns:p14="http://schemas.microsoft.com/office/powerpoint/2010/main" val="1636227796"/>
       </p:ext>
     </p:extLst>
   </p:cSld>
@@ -25137,6 +26104,13 @@
       </p:transition>
     </mc:Fallback>
   </mc:AlternateContent>
+  <p:timing>
+    <p:tnLst>
+      <p:par>
+        <p:cTn id="1" dur="indefinite" restart="never" nodeType="tmRoot"/>
+      </p:par>
+    </p:tnLst>
+  </p:timing>
 </p:sld>
 </file>
 
@@ -25159,6 +26133,29 @@
       </p:grpSpPr>
       <p:sp>
         <p:nvSpPr>
+          <p:cNvPr id="3" name="文字版面配置區 2"/>
+          <p:cNvSpPr>
+            <a:spLocks noGrp="1"/>
+          </p:cNvSpPr>
+          <p:nvPr>
+            <p:ph type="body" sz="quarter" idx="10"/>
+          </p:nvPr>
+        </p:nvSpPr>
+        <p:spPr/>
+        <p:txBody>
+          <a:bodyPr/>
+          <a:lstStyle/>
+          <a:p>
+            <a:r>
+              <a:rPr lang="en-US" altLang="zh-TW" dirty="0" smtClean="0"/>
+              <a:t>BEAM LENGTH</a:t>
+            </a:r>
+            <a:endParaRPr lang="zh-TW" altLang="en-US" dirty="0"/>
+          </a:p>
+        </p:txBody>
+      </p:sp>
+      <p:sp>
+        <p:nvSpPr>
           <p:cNvPr id="2" name="Slide Number Placeholder 1"/>
           <p:cNvSpPr>
             <a:spLocks noGrp="1"/>
@@ -25180,10 +26177,317 @@
           </a:p>
         </p:txBody>
       </p:sp>
+      <p:pic>
+        <p:nvPicPr>
+          <p:cNvPr id="6" name="圖片 5"/>
+          <p:cNvPicPr>
+            <a:picLocks noChangeAspect="1"/>
+          </p:cNvPicPr>
+          <p:nvPr/>
+        </p:nvPicPr>
+        <p:blipFill>
+          <a:blip r:embed="rId3">
+            <a:clrChange>
+              <a:clrFrom>
+                <a:srgbClr val="FFFFFF"/>
+              </a:clrFrom>
+              <a:clrTo>
+                <a:srgbClr val="FFFFFF">
+                  <a:alpha val="0"/>
+                </a:srgbClr>
+              </a:clrTo>
+            </a:clrChange>
+          </a:blip>
+          <a:stretch>
+            <a:fillRect/>
+          </a:stretch>
+        </p:blipFill>
+        <p:spPr>
+          <a:xfrm>
+            <a:off x="1786298" y="1616131"/>
+            <a:ext cx="1393062" cy="2160000"/>
+          </a:xfrm>
+          <a:prstGeom prst="rect">
+            <a:avLst/>
+          </a:prstGeom>
+        </p:spPr>
+      </p:pic>
+      <p:pic>
+        <p:nvPicPr>
+          <p:cNvPr id="7" name="圖片 6"/>
+          <p:cNvPicPr>
+            <a:picLocks noChangeAspect="1"/>
+          </p:cNvPicPr>
+          <p:nvPr/>
+        </p:nvPicPr>
+        <p:blipFill>
+          <a:blip r:embed="rId4">
+            <a:clrChange>
+              <a:clrFrom>
+                <a:srgbClr val="FFFFFF"/>
+              </a:clrFrom>
+              <a:clrTo>
+                <a:srgbClr val="FFFFFF">
+                  <a:alpha val="0"/>
+                </a:srgbClr>
+              </a:clrTo>
+            </a:clrChange>
+          </a:blip>
+          <a:stretch>
+            <a:fillRect/>
+          </a:stretch>
+        </p:blipFill>
+        <p:spPr>
+          <a:xfrm>
+            <a:off x="1786298" y="4170560"/>
+            <a:ext cx="1981773" cy="1800000"/>
+          </a:xfrm>
+          <a:prstGeom prst="rect">
+            <a:avLst/>
+          </a:prstGeom>
+        </p:spPr>
+      </p:pic>
+      <p:pic>
+        <p:nvPicPr>
+          <p:cNvPr id="9" name="圖片 8"/>
+          <p:cNvPicPr>
+            <a:picLocks noChangeAspect="1"/>
+          </p:cNvPicPr>
+          <p:nvPr/>
+        </p:nvPicPr>
+        <p:blipFill>
+          <a:blip r:embed="rId5"/>
+          <a:stretch>
+            <a:fillRect/>
+          </a:stretch>
+        </p:blipFill>
+        <p:spPr>
+          <a:xfrm>
+            <a:off x="4677968" y="1288431"/>
+            <a:ext cx="5249063" cy="2688400"/>
+          </a:xfrm>
+          <a:prstGeom prst="rect">
+            <a:avLst/>
+          </a:prstGeom>
+        </p:spPr>
+      </p:pic>
+      <p:pic>
+        <p:nvPicPr>
+          <p:cNvPr id="13" name="圖片 12"/>
+          <p:cNvPicPr>
+            <a:picLocks noChangeAspect="1"/>
+          </p:cNvPicPr>
+          <p:nvPr/>
+        </p:nvPicPr>
+        <p:blipFill>
+          <a:blip r:embed="rId6"/>
+          <a:stretch>
+            <a:fillRect/>
+          </a:stretch>
+        </p:blipFill>
+        <p:spPr>
+          <a:xfrm>
+            <a:off x="4677968" y="4616890"/>
+            <a:ext cx="5249063" cy="972400"/>
+          </a:xfrm>
+          <a:prstGeom prst="rect">
+            <a:avLst/>
+          </a:prstGeom>
+        </p:spPr>
+      </p:pic>
+      <p:cxnSp>
+        <p:nvCxnSpPr>
+          <p:cNvPr id="16" name="直線接點 15"/>
+          <p:cNvCxnSpPr/>
+          <p:nvPr/>
+        </p:nvCxnSpPr>
+        <p:spPr>
+          <a:xfrm>
+            <a:off x="1049698" y="4157860"/>
+            <a:ext cx="10088202" cy="0"/>
+          </a:xfrm>
+          <a:prstGeom prst="line">
+            <a:avLst/>
+          </a:prstGeom>
+          <a:ln>
+            <a:solidFill>
+              <a:schemeClr val="tx1"/>
+            </a:solidFill>
+          </a:ln>
+        </p:spPr>
+        <p:style>
+          <a:lnRef idx="1">
+            <a:schemeClr val="accent1"/>
+          </a:lnRef>
+          <a:fillRef idx="0">
+            <a:schemeClr val="accent1"/>
+          </a:fillRef>
+          <a:effectRef idx="0">
+            <a:schemeClr val="accent1"/>
+          </a:effectRef>
+          <a:fontRef idx="minor">
+            <a:schemeClr val="tx1"/>
+          </a:fontRef>
+        </p:style>
+      </p:cxnSp>
+      <p:sp>
+        <p:nvSpPr>
+          <p:cNvPr id="19" name="文字方塊 18"/>
+          <p:cNvSpPr txBox="1"/>
+          <p:nvPr/>
+        </p:nvSpPr>
+        <p:spPr>
+          <a:xfrm>
+            <a:off x="10058400" y="1288431"/>
+            <a:ext cx="978794" cy="461665"/>
+          </a:xfrm>
+          <a:prstGeom prst="rect">
+            <a:avLst/>
+          </a:prstGeom>
+          <a:noFill/>
+        </p:spPr>
+        <p:txBody>
+          <a:bodyPr wrap="none" lIns="0" rtlCol="0" anchor="t">
+            <a:spAutoFit/>
+          </a:bodyPr>
+          <a:lstStyle/>
+          <a:p>
+            <a:pPr>
+              <a:lnSpc>
+                <a:spcPct val="120000"/>
+              </a:lnSpc>
+            </a:pPr>
+            <a:r>
+              <a:rPr lang="en-US" altLang="zh-TW" sz="2000" dirty="0" smtClean="0">
+                <a:latin typeface="Segoe UI Light" panose="020B0502040204020203" pitchFamily="34" charset="0"/>
+                <a:cs typeface="Segoe UI Light" panose="020B0502040204020203" pitchFamily="34" charset="0"/>
+              </a:rPr>
+              <a:t>Unit: cm</a:t>
+            </a:r>
+            <a:endParaRPr lang="zh-TW" altLang="en-US" sz="2000" dirty="0" smtClean="0">
+              <a:latin typeface="Segoe UI Light" panose="020B0502040204020203" pitchFamily="34" charset="0"/>
+              <a:cs typeface="Segoe UI Light" panose="020B0502040204020203" pitchFamily="34" charset="0"/>
+            </a:endParaRPr>
+          </a:p>
+        </p:txBody>
+      </p:sp>
+      <p:sp>
+        <p:nvSpPr>
+          <p:cNvPr id="20" name="文字方塊 19"/>
+          <p:cNvSpPr txBox="1"/>
+          <p:nvPr/>
+        </p:nvSpPr>
+        <p:spPr>
+          <a:xfrm>
+            <a:off x="10058400" y="5153666"/>
+            <a:ext cx="978794" cy="461665"/>
+          </a:xfrm>
+          <a:prstGeom prst="rect">
+            <a:avLst/>
+          </a:prstGeom>
+          <a:noFill/>
+        </p:spPr>
+        <p:txBody>
+          <a:bodyPr wrap="none" lIns="0" rtlCol="0" anchor="t">
+            <a:spAutoFit/>
+          </a:bodyPr>
+          <a:lstStyle/>
+          <a:p>
+            <a:pPr>
+              <a:lnSpc>
+                <a:spcPct val="120000"/>
+              </a:lnSpc>
+            </a:pPr>
+            <a:r>
+              <a:rPr lang="en-US" altLang="zh-TW" sz="2000" dirty="0" smtClean="0">
+                <a:latin typeface="Segoe UI Light" panose="020B0502040204020203" pitchFamily="34" charset="0"/>
+                <a:cs typeface="Segoe UI Light" panose="020B0502040204020203" pitchFamily="34" charset="0"/>
+              </a:rPr>
+              <a:t>Unit: cm</a:t>
+            </a:r>
+            <a:endParaRPr lang="zh-TW" altLang="en-US" sz="2000" dirty="0" smtClean="0">
+              <a:latin typeface="Segoe UI Light" panose="020B0502040204020203" pitchFamily="34" charset="0"/>
+              <a:cs typeface="Segoe UI Light" panose="020B0502040204020203" pitchFamily="34" charset="0"/>
+            </a:endParaRPr>
+          </a:p>
+        </p:txBody>
+      </p:sp>
+      <p:cxnSp>
+        <p:nvCxnSpPr>
+          <p:cNvPr id="22" name="直線單箭頭接點 21"/>
+          <p:cNvCxnSpPr/>
+          <p:nvPr/>
+        </p:nvCxnSpPr>
+        <p:spPr>
+          <a:xfrm>
+            <a:off x="10198100" y="2908300"/>
+            <a:ext cx="0" cy="1068531"/>
+          </a:xfrm>
+          <a:prstGeom prst="straightConnector1">
+            <a:avLst/>
+          </a:prstGeom>
+          <a:ln>
+            <a:solidFill>
+              <a:schemeClr val="tx1"/>
+            </a:solidFill>
+            <a:tailEnd type="triangle"/>
+          </a:ln>
+        </p:spPr>
+        <p:style>
+          <a:lnRef idx="1">
+            <a:schemeClr val="accent1"/>
+          </a:lnRef>
+          <a:fillRef idx="0">
+            <a:schemeClr val="accent1"/>
+          </a:fillRef>
+          <a:effectRef idx="0">
+            <a:schemeClr val="accent1"/>
+          </a:effectRef>
+          <a:fontRef idx="minor">
+            <a:schemeClr val="tx1"/>
+          </a:fontRef>
+        </p:style>
+      </p:cxnSp>
+      <p:cxnSp>
+        <p:nvCxnSpPr>
+          <p:cNvPr id="24" name="直線單箭頭接點 23"/>
+          <p:cNvCxnSpPr/>
+          <p:nvPr/>
+        </p:nvCxnSpPr>
+        <p:spPr>
+          <a:xfrm>
+            <a:off x="10198100" y="4619400"/>
+            <a:ext cx="0" cy="534266"/>
+          </a:xfrm>
+          <a:prstGeom prst="straightConnector1">
+            <a:avLst/>
+          </a:prstGeom>
+          <a:ln>
+            <a:solidFill>
+              <a:schemeClr val="tx1"/>
+            </a:solidFill>
+            <a:tailEnd type="triangle"/>
+          </a:ln>
+        </p:spPr>
+        <p:style>
+          <a:lnRef idx="1">
+            <a:schemeClr val="accent1"/>
+          </a:lnRef>
+          <a:fillRef idx="0">
+            <a:schemeClr val="accent1"/>
+          </a:fillRef>
+          <a:effectRef idx="0">
+            <a:schemeClr val="accent1"/>
+          </a:effectRef>
+          <a:fontRef idx="minor">
+            <a:schemeClr val="tx1"/>
+          </a:fontRef>
+        </p:style>
+      </p:cxnSp>
     </p:spTree>
     <p:extLst>
       <p:ext uri="{BB962C8B-B14F-4D97-AF65-F5344CB8AC3E}">
-        <p14:creationId xmlns:p14="http://schemas.microsoft.com/office/powerpoint/2010/main" val="2035572374"/>
+        <p14:creationId xmlns:p14="http://schemas.microsoft.com/office/powerpoint/2010/main" val="2104852281"/>
       </p:ext>
     </p:extLst>
   </p:cSld>
@@ -25202,6 +26506,13 @@
       </p:transition>
     </mc:Fallback>
   </mc:AlternateContent>
+  <p:timing>
+    <p:tnLst>
+      <p:par>
+        <p:cTn id="1" dur="indefinite" restart="never" nodeType="tmRoot"/>
+      </p:par>
+    </p:tnLst>
+  </p:timing>
 </p:sld>
 </file>
 
@@ -25222,6 +26533,62 @@
           <a:chExt cx="0" cy="0"/>
         </a:xfrm>
       </p:grpSpPr>
+      <p:pic>
+        <p:nvPicPr>
+          <p:cNvPr id="16" name="圖片 15"/>
+          <p:cNvPicPr>
+            <a:picLocks noChangeAspect="1"/>
+          </p:cNvPicPr>
+          <p:nvPr/>
+        </p:nvPicPr>
+        <p:blipFill>
+          <a:blip r:embed="rId3"/>
+          <a:stretch>
+            <a:fillRect/>
+          </a:stretch>
+        </p:blipFill>
+        <p:spPr>
+          <a:xfrm>
+            <a:off x="4677966" y="4367411"/>
+            <a:ext cx="5249063" cy="2307067"/>
+          </a:xfrm>
+          <a:prstGeom prst="rect">
+            <a:avLst/>
+          </a:prstGeom>
+        </p:spPr>
+      </p:pic>
+      <p:sp>
+        <p:nvSpPr>
+          <p:cNvPr id="3" name="文字版面配置區 2"/>
+          <p:cNvSpPr>
+            <a:spLocks noGrp="1"/>
+          </p:cNvSpPr>
+          <p:nvPr>
+            <p:ph type="body" sz="quarter" idx="10"/>
+          </p:nvPr>
+        </p:nvSpPr>
+        <p:spPr>
+          <a:xfrm>
+            <a:off x="839788" y="660400"/>
+            <a:ext cx="7351712" cy="701731"/>
+          </a:xfrm>
+        </p:spPr>
+        <p:txBody>
+          <a:bodyPr/>
+          <a:lstStyle/>
+          <a:p>
+            <a:r>
+              <a:rPr lang="zh-TW" altLang="en-US" dirty="0"/>
+              <a:t>各支各層梁主</a:t>
+            </a:r>
+            <a:r>
+              <a:rPr lang="zh-TW" altLang="en-US" dirty="0" smtClean="0"/>
+              <a:t>筋體積 </a:t>
+            </a:r>
+            <a:endParaRPr lang="zh-TW" altLang="en-US" dirty="0"/>
+          </a:p>
+        </p:txBody>
+      </p:sp>
       <p:sp>
         <p:nvSpPr>
           <p:cNvPr id="2" name="Slide Number Placeholder 1"/>
@@ -25245,10 +26612,271 @@
           </a:p>
         </p:txBody>
       </p:sp>
+      <p:pic>
+        <p:nvPicPr>
+          <p:cNvPr id="4" name="圖片 3"/>
+          <p:cNvPicPr>
+            <a:picLocks noChangeAspect="1"/>
+          </p:cNvPicPr>
+          <p:nvPr/>
+        </p:nvPicPr>
+        <p:blipFill>
+          <a:blip r:embed="rId4">
+            <a:clrChange>
+              <a:clrFrom>
+                <a:srgbClr val="FFFFFF"/>
+              </a:clrFrom>
+              <a:clrTo>
+                <a:srgbClr val="FFFFFF">
+                  <a:alpha val="0"/>
+                </a:srgbClr>
+              </a:clrTo>
+            </a:clrChange>
+          </a:blip>
+          <a:stretch>
+            <a:fillRect/>
+          </a:stretch>
+        </p:blipFill>
+        <p:spPr>
+          <a:xfrm>
+            <a:off x="1786298" y="1616131"/>
+            <a:ext cx="1393062" cy="2160000"/>
+          </a:xfrm>
+          <a:prstGeom prst="rect">
+            <a:avLst/>
+          </a:prstGeom>
+        </p:spPr>
+      </p:pic>
+      <p:pic>
+        <p:nvPicPr>
+          <p:cNvPr id="5" name="圖片 4"/>
+          <p:cNvPicPr>
+            <a:picLocks noChangeAspect="1"/>
+          </p:cNvPicPr>
+          <p:nvPr/>
+        </p:nvPicPr>
+        <p:blipFill>
+          <a:blip r:embed="rId5">
+            <a:clrChange>
+              <a:clrFrom>
+                <a:srgbClr val="FFFFFF"/>
+              </a:clrFrom>
+              <a:clrTo>
+                <a:srgbClr val="FFFFFF">
+                  <a:alpha val="0"/>
+                </a:srgbClr>
+              </a:clrTo>
+            </a:clrChange>
+          </a:blip>
+          <a:stretch>
+            <a:fillRect/>
+          </a:stretch>
+        </p:blipFill>
+        <p:spPr>
+          <a:xfrm>
+            <a:off x="1786298" y="4170560"/>
+            <a:ext cx="1981773" cy="1800000"/>
+          </a:xfrm>
+          <a:prstGeom prst="rect">
+            <a:avLst/>
+          </a:prstGeom>
+        </p:spPr>
+      </p:pic>
+      <p:cxnSp>
+        <p:nvCxnSpPr>
+          <p:cNvPr id="8" name="直線接點 7"/>
+          <p:cNvCxnSpPr/>
+          <p:nvPr/>
+        </p:nvCxnSpPr>
+        <p:spPr>
+          <a:xfrm>
+            <a:off x="1049698" y="4157860"/>
+            <a:ext cx="10088202" cy="0"/>
+          </a:xfrm>
+          <a:prstGeom prst="line">
+            <a:avLst/>
+          </a:prstGeom>
+          <a:ln>
+            <a:solidFill>
+              <a:schemeClr val="tx1"/>
+            </a:solidFill>
+          </a:ln>
+        </p:spPr>
+        <p:style>
+          <a:lnRef idx="1">
+            <a:schemeClr val="accent1"/>
+          </a:lnRef>
+          <a:fillRef idx="0">
+            <a:schemeClr val="accent1"/>
+          </a:fillRef>
+          <a:effectRef idx="0">
+            <a:schemeClr val="accent1"/>
+          </a:effectRef>
+          <a:fontRef idx="minor">
+            <a:schemeClr val="tx1"/>
+          </a:fontRef>
+        </p:style>
+      </p:cxnSp>
+      <p:sp>
+        <p:nvSpPr>
+          <p:cNvPr id="9" name="文字方塊 8"/>
+          <p:cNvSpPr txBox="1"/>
+          <p:nvPr/>
+        </p:nvSpPr>
+        <p:spPr>
+          <a:xfrm>
+            <a:off x="10106935" y="2932558"/>
+            <a:ext cx="1066959" cy="461665"/>
+          </a:xfrm>
+          <a:prstGeom prst="rect">
+            <a:avLst/>
+          </a:prstGeom>
+          <a:noFill/>
+        </p:spPr>
+        <p:txBody>
+          <a:bodyPr wrap="none" lIns="0" rtlCol="0" anchor="t">
+            <a:spAutoFit/>
+          </a:bodyPr>
+          <a:lstStyle/>
+          <a:p>
+            <a:pPr>
+              <a:lnSpc>
+                <a:spcPct val="120000"/>
+              </a:lnSpc>
+            </a:pPr>
+            <a:r>
+              <a:rPr lang="en-US" altLang="zh-TW" sz="2000" dirty="0" smtClean="0">
+                <a:latin typeface="Segoe UI Light" panose="020B0502040204020203" pitchFamily="34" charset="0"/>
+                <a:cs typeface="Segoe UI Light" panose="020B0502040204020203" pitchFamily="34" charset="0"/>
+              </a:rPr>
+              <a:t>Unit: cm</a:t>
+            </a:r>
+            <a:r>
+              <a:rPr lang="en-US" altLang="zh-TW" sz="2000" baseline="30000" dirty="0" smtClean="0">
+                <a:latin typeface="Segoe UI Light" panose="020B0502040204020203" pitchFamily="34" charset="0"/>
+                <a:cs typeface="Segoe UI Light" panose="020B0502040204020203" pitchFamily="34" charset="0"/>
+              </a:rPr>
+              <a:t>3</a:t>
+            </a:r>
+            <a:endParaRPr lang="zh-TW" altLang="en-US" sz="2000" baseline="30000" dirty="0" smtClean="0">
+              <a:latin typeface="Segoe UI Light" panose="020B0502040204020203" pitchFamily="34" charset="0"/>
+              <a:cs typeface="Segoe UI Light" panose="020B0502040204020203" pitchFamily="34" charset="0"/>
+            </a:endParaRPr>
+          </a:p>
+        </p:txBody>
+      </p:sp>
+      <p:sp>
+        <p:nvSpPr>
+          <p:cNvPr id="10" name="文字方塊 9"/>
+          <p:cNvSpPr txBox="1"/>
+          <p:nvPr/>
+        </p:nvSpPr>
+        <p:spPr>
+          <a:xfrm>
+            <a:off x="10106935" y="6247053"/>
+            <a:ext cx="1066959" cy="427425"/>
+          </a:xfrm>
+          <a:prstGeom prst="rect">
+            <a:avLst/>
+          </a:prstGeom>
+          <a:noFill/>
+        </p:spPr>
+        <p:txBody>
+          <a:bodyPr wrap="none" lIns="0" rtlCol="0" anchor="t">
+            <a:spAutoFit/>
+          </a:bodyPr>
+          <a:lstStyle/>
+          <a:p>
+            <a:pPr>
+              <a:lnSpc>
+                <a:spcPct val="120000"/>
+              </a:lnSpc>
+            </a:pPr>
+            <a:r>
+              <a:rPr lang="en-US" altLang="zh-TW" sz="2000" dirty="0" smtClean="0">
+                <a:latin typeface="Segoe UI Light" panose="020B0502040204020203" pitchFamily="34" charset="0"/>
+                <a:cs typeface="Segoe UI Light" panose="020B0502040204020203" pitchFamily="34" charset="0"/>
+              </a:rPr>
+              <a:t>Unit: cm</a:t>
+            </a:r>
+            <a:r>
+              <a:rPr lang="en-US" altLang="zh-TW" sz="2000" baseline="30000" dirty="0" smtClean="0">
+                <a:latin typeface="Segoe UI Light" panose="020B0502040204020203" pitchFamily="34" charset="0"/>
+                <a:cs typeface="Segoe UI Light" panose="020B0502040204020203" pitchFamily="34" charset="0"/>
+              </a:rPr>
+              <a:t>3</a:t>
+            </a:r>
+            <a:endParaRPr lang="zh-TW" altLang="en-US" sz="2000" baseline="30000" dirty="0" smtClean="0">
+              <a:latin typeface="Segoe UI Light" panose="020B0502040204020203" pitchFamily="34" charset="0"/>
+              <a:cs typeface="Segoe UI Light" panose="020B0502040204020203" pitchFamily="34" charset="0"/>
+            </a:endParaRPr>
+          </a:p>
+        </p:txBody>
+      </p:sp>
+      <p:pic>
+        <p:nvPicPr>
+          <p:cNvPr id="12" name="圖片 11"/>
+          <p:cNvPicPr>
+            <a:picLocks noChangeAspect="1"/>
+          </p:cNvPicPr>
+          <p:nvPr/>
+        </p:nvPicPr>
+        <p:blipFill>
+          <a:blip r:embed="rId6"/>
+          <a:stretch>
+            <a:fillRect/>
+          </a:stretch>
+        </p:blipFill>
+        <p:spPr>
+          <a:xfrm>
+            <a:off x="4677965" y="2022486"/>
+            <a:ext cx="5249063" cy="1353733"/>
+          </a:xfrm>
+          <a:prstGeom prst="rect">
+            <a:avLst/>
+          </a:prstGeom>
+        </p:spPr>
+      </p:pic>
+      <p:pic>
+        <p:nvPicPr>
+          <p:cNvPr id="17" name="圖片 16">
+            <a:extLst>
+              <a:ext uri="{FF2B5EF4-FFF2-40B4-BE49-F238E27FC236}">
+                <a16:creationId xmlns:a16="http://schemas.microsoft.com/office/drawing/2014/main" id="{87EEFCD4-4F19-4A20-82C3-086EF0785D7A}"/>
+              </a:ext>
+            </a:extLst>
+          </p:cNvPr>
+          <p:cNvPicPr>
+            <a:picLocks noChangeAspect="1"/>
+          </p:cNvPicPr>
+          <p:nvPr/>
+        </p:nvPicPr>
+        <p:blipFill>
+          <a:blip r:embed="rId7" cstate="print">
+            <a:extLst>
+              <a:ext uri="{28A0092B-C50C-407E-A947-70E740481C1C}">
+                <a14:useLocalDpi xmlns:a14="http://schemas.microsoft.com/office/drawing/2010/main" val="0"/>
+              </a:ext>
+            </a:extLst>
+          </a:blip>
+          <a:stretch>
+            <a:fillRect/>
+          </a:stretch>
+        </p:blipFill>
+        <p:spPr>
+          <a:xfrm>
+            <a:off x="6844756" y="268458"/>
+            <a:ext cx="2057944" cy="1544478"/>
+          </a:xfrm>
+          <a:prstGeom prst="rect">
+            <a:avLst/>
+          </a:prstGeom>
+        </p:spPr>
+      </p:pic>
     </p:spTree>
     <p:extLst>
       <p:ext uri="{BB962C8B-B14F-4D97-AF65-F5344CB8AC3E}">
-        <p14:creationId xmlns:p14="http://schemas.microsoft.com/office/powerpoint/2010/main" val="1636227796"/>
+        <p14:creationId xmlns:p14="http://schemas.microsoft.com/office/powerpoint/2010/main" val="1931657066"/>
       </p:ext>
     </p:extLst>
   </p:cSld>
@@ -25287,6 +26915,76 @@
           <a:chExt cx="0" cy="0"/>
         </a:xfrm>
       </p:grpSpPr>
+      <p:pic>
+        <p:nvPicPr>
+          <p:cNvPr id="7" name="圖片 6"/>
+          <p:cNvPicPr>
+            <a:picLocks noChangeAspect="1"/>
+          </p:cNvPicPr>
+          <p:nvPr/>
+        </p:nvPicPr>
+        <p:blipFill>
+          <a:blip r:embed="rId3">
+            <a:clrChange>
+              <a:clrFrom>
+                <a:srgbClr val="FFFFFF"/>
+              </a:clrFrom>
+              <a:clrTo>
+                <a:srgbClr val="FFFFFF">
+                  <a:alpha val="0"/>
+                </a:srgbClr>
+              </a:clrTo>
+            </a:clrChange>
+          </a:blip>
+          <a:stretch>
+            <a:fillRect/>
+          </a:stretch>
+        </p:blipFill>
+        <p:spPr>
+          <a:xfrm>
+            <a:off x="1060708" y="2001837"/>
+            <a:ext cx="3765292" cy="4494751"/>
+          </a:xfrm>
+          <a:prstGeom prst="rect">
+            <a:avLst/>
+          </a:prstGeom>
+        </p:spPr>
+      </p:pic>
+      <p:sp>
+        <p:nvSpPr>
+          <p:cNvPr id="5" name="文字版面配置區 4"/>
+          <p:cNvSpPr>
+            <a:spLocks noGrp="1"/>
+          </p:cNvSpPr>
+          <p:nvPr>
+            <p:ph type="body" sz="quarter" idx="10"/>
+          </p:nvPr>
+        </p:nvSpPr>
+        <p:spPr>
+          <a:xfrm>
+            <a:off x="839788" y="660400"/>
+            <a:ext cx="9752012" cy="1311128"/>
+          </a:xfrm>
+        </p:spPr>
+        <p:txBody>
+          <a:bodyPr/>
+          <a:lstStyle/>
+          <a:p>
+            <a:r>
+              <a:rPr lang="en-US" altLang="zh-TW" dirty="0" smtClean="0"/>
+              <a:t>NONLINEAR</a:t>
+            </a:r>
+            <a:r>
+              <a:rPr lang="zh-TW" altLang="en-US" dirty="0" smtClean="0"/>
+              <a:t> </a:t>
+            </a:r>
+            <a:r>
+              <a:rPr lang="en-US" altLang="zh-TW" dirty="0"/>
+              <a:t>VERIFICATION</a:t>
+            </a:r>
+          </a:p>
+        </p:txBody>
+      </p:sp>
       <p:sp>
         <p:nvSpPr>
           <p:cNvPr id="2" name="Slide Number Placeholder 1"/>
@@ -25310,331 +27008,291 @@
           </a:p>
         </p:txBody>
       </p:sp>
-    </p:spTree>
-    <p:extLst>
-      <p:ext uri="{BB962C8B-B14F-4D97-AF65-F5344CB8AC3E}">
-        <p14:creationId xmlns:p14="http://schemas.microsoft.com/office/powerpoint/2010/main" val="4009894879"/>
-      </p:ext>
-    </p:extLst>
-  </p:cSld>
-  <p:clrMapOvr>
-    <a:masterClrMapping/>
-  </p:clrMapOvr>
-  <mc:AlternateContent xmlns:mc="http://schemas.openxmlformats.org/markup-compatibility/2006" xmlns:p14="http://schemas.microsoft.com/office/powerpoint/2010/main">
-    <mc:Choice Requires="p14">
-      <p:transition spd="med" p14:dur="700">
-        <p:fade/>
-      </p:transition>
-    </mc:Choice>
-    <mc:Fallback xmlns="">
-      <p:transition spd="med">
-        <p:fade/>
-      </p:transition>
-    </mc:Fallback>
-  </mc:AlternateContent>
-</p:sld>
-</file>
-
-<file path=ppt/slides/slide17.xml><?xml version="1.0" encoding="utf-8"?>
-<p:sld xmlns:a="http://schemas.openxmlformats.org/drawingml/2006/main" xmlns:r="http://schemas.openxmlformats.org/officeDocument/2006/relationships" xmlns:p="http://schemas.openxmlformats.org/presentationml/2006/main">
-  <p:cSld>
-    <p:spTree>
-      <p:nvGrpSpPr>
-        <p:cNvPr id="1" name=""/>
-        <p:cNvGrpSpPr/>
-        <p:nvPr/>
-      </p:nvGrpSpPr>
-      <p:grpSpPr>
-        <a:xfrm>
-          <a:off x="0" y="0"/>
-          <a:ext cx="0" cy="0"/>
-          <a:chOff x="0" y="0"/>
-          <a:chExt cx="0" cy="0"/>
-        </a:xfrm>
-      </p:grpSpPr>
       <p:sp>
         <p:nvSpPr>
-          <p:cNvPr id="2" name="Slide Number Placeholder 1"/>
-          <p:cNvSpPr>
-            <a:spLocks noGrp="1"/>
-          </p:cNvSpPr>
-          <p:nvPr>
-            <p:ph type="sldNum" sz="quarter" idx="4"/>
-          </p:nvPr>
+          <p:cNvPr id="6" name="文字方塊 5"/>
+          <p:cNvSpPr txBox="1"/>
+          <p:nvPr/>
         </p:nvSpPr>
-        <p:spPr/>
+        <p:spPr>
+          <a:xfrm>
+            <a:off x="5384800" y="2006600"/>
+            <a:ext cx="3108030" cy="3194721"/>
+          </a:xfrm>
+          <a:prstGeom prst="rect">
+            <a:avLst/>
+          </a:prstGeom>
+          <a:noFill/>
+        </p:spPr>
         <p:txBody>
-          <a:bodyPr/>
+          <a:bodyPr wrap="none" lIns="0" rtlCol="0" anchor="t">
+            <a:spAutoFit/>
+          </a:bodyPr>
           <a:lstStyle/>
           <a:p>
-            <a:fld id="{6F0746BA-D1AA-4FF4-8D48-BDBC7FF48778}" type="slidenum">
-              <a:rPr lang="fr-FR" smtClean="0"/>
-              <a:t>17</a:t>
-            </a:fld>
-            <a:endParaRPr lang="fr-FR"/>
+            <a:pPr algn="l">
+              <a:lnSpc>
+                <a:spcPct val="120000"/>
+              </a:lnSpc>
+            </a:pPr>
+            <a:r>
+              <a:rPr lang="en-US" altLang="zh-TW" sz="2800" dirty="0" smtClean="0">
+                <a:latin typeface="Segoe UI Light" panose="020B0502040204020203" pitchFamily="34" charset="0"/>
+                <a:cs typeface="Segoe UI Light" panose="020B0502040204020203" pitchFamily="34" charset="0"/>
+              </a:rPr>
+              <a:t>3</a:t>
+            </a:r>
+            <a:r>
+              <a:rPr lang="zh-TW" altLang="en-US" sz="2800" dirty="0" smtClean="0">
+                <a:latin typeface="Segoe UI Light" panose="020B0502040204020203" pitchFamily="34" charset="0"/>
+                <a:cs typeface="Segoe UI Light" panose="020B0502040204020203" pitchFamily="34" charset="0"/>
+              </a:rPr>
+              <a:t> </a:t>
+            </a:r>
+            <a:r>
+              <a:rPr lang="en-US" altLang="zh-TW" sz="2800" dirty="0" smtClean="0">
+                <a:latin typeface="Segoe UI Light" panose="020B0502040204020203" pitchFamily="34" charset="0"/>
+                <a:cs typeface="Segoe UI Light" panose="020B0502040204020203" pitchFamily="34" charset="0"/>
+              </a:rPr>
+              <a:t>STORYS,</a:t>
+            </a:r>
+            <a:r>
+              <a:rPr lang="zh-TW" altLang="en-US" sz="2800" dirty="0" smtClean="0">
+                <a:latin typeface="Segoe UI Light" panose="020B0502040204020203" pitchFamily="34" charset="0"/>
+                <a:cs typeface="Segoe UI Light" panose="020B0502040204020203" pitchFamily="34" charset="0"/>
+              </a:rPr>
+              <a:t> </a:t>
+            </a:r>
+            <a:r>
+              <a:rPr lang="en-US" altLang="zh-TW" sz="2800" dirty="0" smtClean="0">
+                <a:latin typeface="Segoe UI Light" panose="020B0502040204020203" pitchFamily="34" charset="0"/>
+                <a:cs typeface="Segoe UI Light" panose="020B0502040204020203" pitchFamily="34" charset="0"/>
+              </a:rPr>
+              <a:t>ONE</a:t>
+            </a:r>
+            <a:r>
+              <a:rPr lang="zh-TW" altLang="en-US" sz="2800" dirty="0" smtClean="0">
+                <a:latin typeface="Segoe UI Light" panose="020B0502040204020203" pitchFamily="34" charset="0"/>
+                <a:cs typeface="Segoe UI Light" panose="020B0502040204020203" pitchFamily="34" charset="0"/>
+              </a:rPr>
+              <a:t> </a:t>
+            </a:r>
+            <a:r>
+              <a:rPr lang="en-US" altLang="zh-TW" sz="2800" dirty="0" smtClean="0">
+                <a:latin typeface="Segoe UI Light" panose="020B0502040204020203" pitchFamily="34" charset="0"/>
+                <a:cs typeface="Segoe UI Light" panose="020B0502040204020203" pitchFamily="34" charset="0"/>
+              </a:rPr>
+              <a:t>BAY</a:t>
+            </a:r>
+          </a:p>
+          <a:p>
+            <a:pPr algn="l">
+              <a:lnSpc>
+                <a:spcPct val="120000"/>
+              </a:lnSpc>
+            </a:pPr>
+            <a:r>
+              <a:rPr lang="en-US" altLang="zh-TW" sz="2800" dirty="0" smtClean="0">
+                <a:latin typeface="Segoe UI Light" panose="020B0502040204020203" pitchFamily="34" charset="0"/>
+                <a:cs typeface="Segoe UI Light" panose="020B0502040204020203" pitchFamily="34" charset="0"/>
+              </a:rPr>
+              <a:t>HEIGHT:</a:t>
+            </a:r>
+            <a:r>
+              <a:rPr lang="zh-TW" altLang="en-US" sz="2800" dirty="0" smtClean="0">
+                <a:latin typeface="Segoe UI Light" panose="020B0502040204020203" pitchFamily="34" charset="0"/>
+                <a:cs typeface="Segoe UI Light" panose="020B0502040204020203" pitchFamily="34" charset="0"/>
+              </a:rPr>
+              <a:t> </a:t>
+            </a:r>
+            <a:r>
+              <a:rPr lang="en-US" altLang="zh-TW" sz="2800" dirty="0" smtClean="0">
+                <a:latin typeface="Segoe UI Light" panose="020B0502040204020203" pitchFamily="34" charset="0"/>
+                <a:cs typeface="Segoe UI Light" panose="020B0502040204020203" pitchFamily="34" charset="0"/>
+              </a:rPr>
+              <a:t>9m</a:t>
+            </a:r>
+          </a:p>
+          <a:p>
+            <a:pPr algn="l">
+              <a:lnSpc>
+                <a:spcPct val="120000"/>
+              </a:lnSpc>
+            </a:pPr>
+            <a:r>
+              <a:rPr lang="en-US" altLang="zh-TW" sz="2800" dirty="0" smtClean="0">
+                <a:latin typeface="Segoe UI Light" panose="020B0502040204020203" pitchFamily="34" charset="0"/>
+                <a:cs typeface="Segoe UI Light" panose="020B0502040204020203" pitchFamily="34" charset="0"/>
+              </a:rPr>
+              <a:t>BEAM: 60x80cm</a:t>
+            </a:r>
+          </a:p>
+          <a:p>
+            <a:pPr algn="l">
+              <a:lnSpc>
+                <a:spcPct val="120000"/>
+              </a:lnSpc>
+            </a:pPr>
+            <a:r>
+              <a:rPr lang="en-US" altLang="zh-TW" sz="2800" dirty="0" smtClean="0">
+                <a:latin typeface="Segoe UI Light" panose="020B0502040204020203" pitchFamily="34" charset="0"/>
+                <a:cs typeface="Segoe UI Light" panose="020B0502040204020203" pitchFamily="34" charset="0"/>
+              </a:rPr>
+              <a:t>COLUMN: 60x60cm</a:t>
+            </a:r>
+          </a:p>
+          <a:p>
+            <a:pPr algn="l">
+              <a:lnSpc>
+                <a:spcPct val="120000"/>
+              </a:lnSpc>
+            </a:pPr>
+            <a:r>
+              <a:rPr lang="en-US" altLang="zh-TW" sz="2800" dirty="0" smtClean="0">
+                <a:latin typeface="Segoe UI Light" panose="020B0502040204020203" pitchFamily="34" charset="0"/>
+                <a:cs typeface="Segoe UI Light" panose="020B0502040204020203" pitchFamily="34" charset="0"/>
+              </a:rPr>
+              <a:t>SPAN: 6m</a:t>
+            </a:r>
+          </a:p>
+          <a:p>
+            <a:pPr algn="l">
+              <a:lnSpc>
+                <a:spcPct val="120000"/>
+              </a:lnSpc>
+            </a:pPr>
+            <a:r>
+              <a:rPr lang="zh-TW" altLang="en-US" sz="2800" dirty="0" smtClean="0">
+                <a:latin typeface="Segoe UI Light" panose="020B0502040204020203" pitchFamily="34" charset="0"/>
+                <a:cs typeface="Segoe UI Light" panose="020B0502040204020203" pitchFamily="34" charset="0"/>
+              </a:rPr>
+              <a:t>台北一</a:t>
+            </a:r>
+            <a:r>
+              <a:rPr lang="zh-TW" altLang="en-US" sz="2800" dirty="0">
+                <a:latin typeface="Segoe UI Light" panose="020B0502040204020203" pitchFamily="34" charset="0"/>
+                <a:cs typeface="Segoe UI Light" panose="020B0502040204020203" pitchFamily="34" charset="0"/>
+              </a:rPr>
+              <a:t>區</a:t>
+            </a:r>
+            <a:endParaRPr lang="zh-TW" altLang="en-US" sz="2800" dirty="0" smtClean="0">
+              <a:latin typeface="Segoe UI Light" panose="020B0502040204020203" pitchFamily="34" charset="0"/>
+              <a:cs typeface="Segoe UI Light" panose="020B0502040204020203" pitchFamily="34" charset="0"/>
+            </a:endParaRPr>
           </a:p>
         </p:txBody>
       </p:sp>
-    </p:spTree>
-    <p:extLst>
-      <p:ext uri="{BB962C8B-B14F-4D97-AF65-F5344CB8AC3E}">
-        <p14:creationId xmlns:p14="http://schemas.microsoft.com/office/powerpoint/2010/main" val="4177542483"/>
-      </p:ext>
-    </p:extLst>
-  </p:cSld>
-  <p:clrMapOvr>
-    <a:masterClrMapping/>
-  </p:clrMapOvr>
-  <mc:AlternateContent xmlns:mc="http://schemas.openxmlformats.org/markup-compatibility/2006" xmlns:p14="http://schemas.microsoft.com/office/powerpoint/2010/main">
-    <mc:Choice Requires="p14">
-      <p:transition spd="med" p14:dur="700">
-        <p:fade/>
-      </p:transition>
-    </mc:Choice>
-    <mc:Fallback xmlns="">
-      <p:transition spd="med">
-        <p:fade/>
-      </p:transition>
-    </mc:Fallback>
-  </mc:AlternateContent>
-</p:sld>
-</file>
-
-<file path=ppt/slides/slide18.xml><?xml version="1.0" encoding="utf-8"?>
-<p:sld xmlns:a="http://schemas.openxmlformats.org/drawingml/2006/main" xmlns:r="http://schemas.openxmlformats.org/officeDocument/2006/relationships" xmlns:p="http://schemas.openxmlformats.org/presentationml/2006/main">
-  <p:cSld>
-    <p:spTree>
-      <p:nvGrpSpPr>
-        <p:cNvPr id="1" name=""/>
-        <p:cNvGrpSpPr/>
-        <p:nvPr/>
-      </p:nvGrpSpPr>
-      <p:grpSpPr>
-        <a:xfrm>
-          <a:off x="0" y="0"/>
-          <a:ext cx="0" cy="0"/>
-          <a:chOff x="0" y="0"/>
-          <a:chExt cx="0" cy="0"/>
-        </a:xfrm>
-      </p:grpSpPr>
+      <p:pic>
+        <p:nvPicPr>
+          <p:cNvPr id="11" name="圖片 10"/>
+          <p:cNvPicPr>
+            <a:picLocks noChangeAspect="1"/>
+          </p:cNvPicPr>
+          <p:nvPr/>
+        </p:nvPicPr>
+        <p:blipFill>
+          <a:blip r:embed="rId4">
+            <a:clrChange>
+              <a:clrFrom>
+                <a:srgbClr val="FFFFFF"/>
+              </a:clrFrom>
+              <a:clrTo>
+                <a:srgbClr val="FFFFFF">
+                  <a:alpha val="0"/>
+                </a:srgbClr>
+              </a:clrTo>
+            </a:clrChange>
+          </a:blip>
+          <a:stretch>
+            <a:fillRect/>
+          </a:stretch>
+        </p:blipFill>
+        <p:spPr>
+          <a:xfrm>
+            <a:off x="9770625" y="2802526"/>
+            <a:ext cx="1393062" cy="2160000"/>
+          </a:xfrm>
+          <a:prstGeom prst="rect">
+            <a:avLst/>
+          </a:prstGeom>
+        </p:spPr>
+      </p:pic>
       <p:sp>
         <p:nvSpPr>
-          <p:cNvPr id="2" name="Slide Number Placeholder 1"/>
-          <p:cNvSpPr>
-            <a:spLocks noGrp="1"/>
-          </p:cNvSpPr>
-          <p:nvPr>
-            <p:ph type="sldNum" sz="quarter" idx="4"/>
-          </p:nvPr>
+          <p:cNvPr id="12" name="文字方塊 11"/>
+          <p:cNvSpPr txBox="1"/>
+          <p:nvPr/>
         </p:nvSpPr>
-        <p:spPr/>
+        <p:spPr>
+          <a:xfrm>
+            <a:off x="9067799" y="2001837"/>
+            <a:ext cx="2798715" cy="561436"/>
+          </a:xfrm>
+          <a:prstGeom prst="rect">
+            <a:avLst/>
+          </a:prstGeom>
+          <a:noFill/>
+        </p:spPr>
         <p:txBody>
-          <a:bodyPr/>
+          <a:bodyPr wrap="none" lIns="0" rtlCol="0" anchor="t">
+            <a:spAutoFit/>
+          </a:bodyPr>
           <a:lstStyle/>
           <a:p>
-            <a:fld id="{6F0746BA-D1AA-4FF4-8D48-BDBC7FF48778}" type="slidenum">
-              <a:rPr lang="fr-FR" smtClean="0"/>
-              <a:t>18</a:t>
-            </a:fld>
-            <a:endParaRPr lang="fr-FR"/>
+            <a:pPr>
+              <a:lnSpc>
+                <a:spcPct val="120000"/>
+              </a:lnSpc>
+            </a:pPr>
+            <a:r>
+              <a:rPr lang="en-US" altLang="zh-TW" sz="2800" dirty="0">
+                <a:latin typeface="Segoe UI Light" panose="020B0502040204020203" pitchFamily="34" charset="0"/>
+                <a:cs typeface="Segoe UI Light" panose="020B0502040204020203" pitchFamily="34" charset="0"/>
+              </a:rPr>
+              <a:t>ACTUAL PROJECT</a:t>
+            </a:r>
+            <a:endParaRPr lang="zh-TW" altLang="en-US" sz="2800" dirty="0" smtClean="0">
+              <a:latin typeface="Segoe UI Light" panose="020B0502040204020203" pitchFamily="34" charset="0"/>
+              <a:cs typeface="Segoe UI Light" panose="020B0502040204020203" pitchFamily="34" charset="0"/>
+            </a:endParaRPr>
           </a:p>
         </p:txBody>
       </p:sp>
-    </p:spTree>
-    <p:extLst>
-      <p:ext uri="{BB962C8B-B14F-4D97-AF65-F5344CB8AC3E}">
-        <p14:creationId xmlns:p14="http://schemas.microsoft.com/office/powerpoint/2010/main" val="2104852281"/>
-      </p:ext>
-    </p:extLst>
-  </p:cSld>
-  <p:clrMapOvr>
-    <a:masterClrMapping/>
-  </p:clrMapOvr>
-  <mc:AlternateContent xmlns:mc="http://schemas.openxmlformats.org/markup-compatibility/2006" xmlns:p14="http://schemas.microsoft.com/office/powerpoint/2010/main">
-    <mc:Choice Requires="p14">
-      <p:transition spd="med" p14:dur="700">
-        <p:fade/>
-      </p:transition>
-    </mc:Choice>
-    <mc:Fallback xmlns="">
-      <p:transition spd="med">
-        <p:fade/>
-      </p:transition>
-    </mc:Fallback>
-  </mc:AlternateContent>
-</p:sld>
-</file>
-
-<file path=ppt/slides/slide19.xml><?xml version="1.0" encoding="utf-8"?>
-<p:sld xmlns:a="http://schemas.openxmlformats.org/drawingml/2006/main" xmlns:r="http://schemas.openxmlformats.org/officeDocument/2006/relationships" xmlns:p="http://schemas.openxmlformats.org/presentationml/2006/main">
-  <p:cSld>
-    <p:spTree>
-      <p:nvGrpSpPr>
-        <p:cNvPr id="1" name=""/>
-        <p:cNvGrpSpPr/>
-        <p:nvPr/>
-      </p:nvGrpSpPr>
-      <p:grpSpPr>
-        <a:xfrm>
-          <a:off x="0" y="0"/>
-          <a:ext cx="0" cy="0"/>
-          <a:chOff x="0" y="0"/>
-          <a:chExt cx="0" cy="0"/>
-        </a:xfrm>
-      </p:grpSpPr>
-      <p:sp>
-        <p:nvSpPr>
-          <p:cNvPr id="2" name="Slide Number Placeholder 1"/>
-          <p:cNvSpPr>
-            <a:spLocks noGrp="1"/>
-          </p:cNvSpPr>
-          <p:nvPr>
-            <p:ph type="sldNum" sz="quarter" idx="4"/>
-          </p:nvPr>
-        </p:nvSpPr>
-        <p:spPr/>
-        <p:txBody>
-          <a:bodyPr/>
-          <a:lstStyle/>
-          <a:p>
-            <a:fld id="{6F0746BA-D1AA-4FF4-8D48-BDBC7FF48778}" type="slidenum">
-              <a:rPr lang="fr-FR" smtClean="0"/>
-              <a:t>19</a:t>
-            </a:fld>
-            <a:endParaRPr lang="fr-FR"/>
-          </a:p>
-        </p:txBody>
-      </p:sp>
-    </p:spTree>
-    <p:extLst>
-      <p:ext uri="{BB962C8B-B14F-4D97-AF65-F5344CB8AC3E}">
-        <p14:creationId xmlns:p14="http://schemas.microsoft.com/office/powerpoint/2010/main" val="1931657066"/>
-      </p:ext>
-    </p:extLst>
-  </p:cSld>
-  <p:clrMapOvr>
-    <a:masterClrMapping/>
-  </p:clrMapOvr>
-  <mc:AlternateContent xmlns:mc="http://schemas.openxmlformats.org/markup-compatibility/2006" xmlns:p14="http://schemas.microsoft.com/office/powerpoint/2010/main">
-    <mc:Choice Requires="p14">
-      <p:transition spd="med" p14:dur="700">
-        <p:fade/>
-      </p:transition>
-    </mc:Choice>
-    <mc:Fallback xmlns="">
-      <p:transition spd="med">
-        <p:fade/>
-      </p:transition>
-    </mc:Fallback>
-  </mc:AlternateContent>
-</p:sld>
-</file>
-
-<file path=ppt/slides/slide2.xml><?xml version="1.0" encoding="utf-8"?>
-<p:sld xmlns:a="http://schemas.openxmlformats.org/drawingml/2006/main" xmlns:r="http://schemas.openxmlformats.org/officeDocument/2006/relationships" xmlns:p="http://schemas.openxmlformats.org/presentationml/2006/main">
-  <p:cSld>
-    <p:spTree>
-      <p:nvGrpSpPr>
-        <p:cNvPr id="1" name=""/>
-        <p:cNvGrpSpPr/>
-        <p:nvPr/>
-      </p:nvGrpSpPr>
-      <p:grpSpPr>
-        <a:xfrm>
-          <a:off x="0" y="0"/>
-          <a:ext cx="0" cy="0"/>
-          <a:chOff x="0" y="0"/>
-          <a:chExt cx="0" cy="0"/>
-        </a:xfrm>
-      </p:grpSpPr>
-      <p:sp>
-        <p:nvSpPr>
-          <p:cNvPr id="2" name="Slide Number Placeholder 1"/>
-          <p:cNvSpPr>
-            <a:spLocks noGrp="1"/>
-          </p:cNvSpPr>
-          <p:nvPr>
-            <p:ph type="sldNum" sz="quarter" idx="4"/>
-          </p:nvPr>
-        </p:nvSpPr>
-        <p:spPr/>
-        <p:txBody>
-          <a:bodyPr/>
-          <a:lstStyle/>
-          <a:p>
-            <a:fld id="{6F0746BA-D1AA-4FF4-8D48-BDBC7FF48778}" type="slidenum">
-              <a:rPr lang="fr-FR" smtClean="0"/>
-              <a:t>2</a:t>
-            </a:fld>
-            <a:endParaRPr lang="fr-FR"/>
-          </a:p>
-        </p:txBody>
-      </p:sp>
-    </p:spTree>
-    <p:extLst>
-      <p:ext uri="{BB962C8B-B14F-4D97-AF65-F5344CB8AC3E}">
-        <p14:creationId xmlns:p14="http://schemas.microsoft.com/office/powerpoint/2010/main" val="2550521022"/>
-      </p:ext>
-    </p:extLst>
-  </p:cSld>
-  <p:clrMapOvr>
-    <a:masterClrMapping/>
-  </p:clrMapOvr>
-  <mc:AlternateContent xmlns:mc="http://schemas.openxmlformats.org/markup-compatibility/2006" xmlns:p14="http://schemas.microsoft.com/office/powerpoint/2010/main">
-    <mc:Choice Requires="p14">
-      <p:transition spd="med" p14:dur="700">
-        <p:fade/>
-      </p:transition>
-    </mc:Choice>
-    <mc:Fallback xmlns="">
-      <p:transition spd="med">
-        <p:fade/>
-      </p:transition>
-    </mc:Fallback>
-  </mc:AlternateContent>
-</p:sld>
-</file>
-
-<file path=ppt/slides/slide20.xml><?xml version="1.0" encoding="utf-8"?>
-<p:sld xmlns:a="http://schemas.openxmlformats.org/drawingml/2006/main" xmlns:r="http://schemas.openxmlformats.org/officeDocument/2006/relationships" xmlns:p="http://schemas.openxmlformats.org/presentationml/2006/main">
-  <p:cSld>
-    <p:spTree>
-      <p:nvGrpSpPr>
-        <p:cNvPr id="1" name=""/>
-        <p:cNvGrpSpPr/>
-        <p:nvPr/>
-      </p:nvGrpSpPr>
-      <p:grpSpPr>
-        <a:xfrm>
-          <a:off x="0" y="0"/>
-          <a:ext cx="0" cy="0"/>
-          <a:chOff x="0" y="0"/>
-          <a:chExt cx="0" cy="0"/>
-        </a:xfrm>
-      </p:grpSpPr>
-      <p:sp>
-        <p:nvSpPr>
-          <p:cNvPr id="2" name="Slide Number Placeholder 1"/>
-          <p:cNvSpPr>
-            <a:spLocks noGrp="1"/>
-          </p:cNvSpPr>
-          <p:nvPr>
-            <p:ph type="sldNum" sz="quarter" idx="4"/>
-          </p:nvPr>
-        </p:nvSpPr>
-        <p:spPr/>
-        <p:txBody>
-          <a:bodyPr/>
-          <a:lstStyle/>
-          <a:p>
-            <a:fld id="{6F0746BA-D1AA-4FF4-8D48-BDBC7FF48778}" type="slidenum">
-              <a:rPr lang="fr-FR" smtClean="0"/>
-              <a:t>20</a:t>
-            </a:fld>
-            <a:endParaRPr lang="fr-FR"/>
-          </a:p>
-        </p:txBody>
-      </p:sp>
+      <p:cxnSp>
+        <p:nvCxnSpPr>
+          <p:cNvPr id="14" name="直線接點 13"/>
+          <p:cNvCxnSpPr/>
+          <p:nvPr/>
+        </p:nvCxnSpPr>
+        <p:spPr>
+          <a:xfrm>
+            <a:off x="8610600" y="2001837"/>
+            <a:ext cx="0" cy="4354513"/>
+          </a:xfrm>
+          <a:prstGeom prst="line">
+            <a:avLst/>
+          </a:prstGeom>
+          <a:ln>
+            <a:solidFill>
+              <a:schemeClr val="tx1"/>
+            </a:solidFill>
+          </a:ln>
+        </p:spPr>
+        <p:style>
+          <a:lnRef idx="1">
+            <a:schemeClr val="accent1"/>
+          </a:lnRef>
+          <a:fillRef idx="0">
+            <a:schemeClr val="accent1"/>
+          </a:fillRef>
+          <a:effectRef idx="0">
+            <a:schemeClr val="accent1"/>
+          </a:effectRef>
+          <a:fontRef idx="minor">
+            <a:schemeClr val="tx1"/>
+          </a:fontRef>
+        </p:style>
+      </p:cxnSp>
     </p:spTree>
     <p:extLst>
       <p:ext uri="{BB962C8B-B14F-4D97-AF65-F5344CB8AC3E}">
@@ -25657,10 +27315,326 @@
       </p:transition>
     </mc:Fallback>
   </mc:AlternateContent>
+  <p:timing>
+    <p:tnLst>
+      <p:par>
+        <p:cTn id="1" dur="indefinite" restart="never" nodeType="tmRoot"/>
+      </p:par>
+    </p:tnLst>
+  </p:timing>
 </p:sld>
 </file>
 
-<file path=ppt/slides/slide21.xml><?xml version="1.0" encoding="utf-8"?>
+<file path=ppt/slides/slide17.xml><?xml version="1.0" encoding="utf-8"?>
+<p:sld xmlns:a="http://schemas.openxmlformats.org/drawingml/2006/main" xmlns:r="http://schemas.openxmlformats.org/officeDocument/2006/relationships" xmlns:p="http://schemas.openxmlformats.org/presentationml/2006/main">
+  <p:cSld>
+    <p:spTree>
+      <p:nvGrpSpPr>
+        <p:cNvPr id="1" name=""/>
+        <p:cNvGrpSpPr/>
+        <p:nvPr/>
+      </p:nvGrpSpPr>
+      <p:grpSpPr>
+        <a:xfrm>
+          <a:off x="0" y="0"/>
+          <a:ext cx="0" cy="0"/>
+          <a:chOff x="0" y="0"/>
+          <a:chExt cx="0" cy="0"/>
+        </a:xfrm>
+      </p:grpSpPr>
+      <p:pic>
+        <p:nvPicPr>
+          <p:cNvPr id="7" name="圖片 6"/>
+          <p:cNvPicPr>
+            <a:picLocks noChangeAspect="1"/>
+          </p:cNvPicPr>
+          <p:nvPr/>
+        </p:nvPicPr>
+        <p:blipFill>
+          <a:blip r:embed="rId3">
+            <a:clrChange>
+              <a:clrFrom>
+                <a:srgbClr val="FFFFFF"/>
+              </a:clrFrom>
+              <a:clrTo>
+                <a:srgbClr val="FFFFFF">
+                  <a:alpha val="0"/>
+                </a:srgbClr>
+              </a:clrTo>
+            </a:clrChange>
+          </a:blip>
+          <a:stretch>
+            <a:fillRect/>
+          </a:stretch>
+        </p:blipFill>
+        <p:spPr>
+          <a:xfrm>
+            <a:off x="1060708" y="2001837"/>
+            <a:ext cx="3765292" cy="4494751"/>
+          </a:xfrm>
+          <a:prstGeom prst="rect">
+            <a:avLst/>
+          </a:prstGeom>
+        </p:spPr>
+      </p:pic>
+      <p:sp>
+        <p:nvSpPr>
+          <p:cNvPr id="5" name="文字版面配置區 4"/>
+          <p:cNvSpPr>
+            <a:spLocks noGrp="1"/>
+          </p:cNvSpPr>
+          <p:nvPr>
+            <p:ph type="body" sz="quarter" idx="10"/>
+          </p:nvPr>
+        </p:nvSpPr>
+        <p:spPr>
+          <a:xfrm>
+            <a:off x="839788" y="660400"/>
+            <a:ext cx="8342312" cy="1311128"/>
+          </a:xfrm>
+        </p:spPr>
+        <p:txBody>
+          <a:bodyPr/>
+          <a:lstStyle/>
+          <a:p>
+            <a:r>
+              <a:rPr lang="en-US" altLang="zh-TW" dirty="0" smtClean="0"/>
+              <a:t>NONLINEAR</a:t>
+            </a:r>
+            <a:r>
+              <a:rPr lang="zh-TW" altLang="en-US" dirty="0" smtClean="0"/>
+              <a:t> </a:t>
+            </a:r>
+            <a:r>
+              <a:rPr lang="en-US" altLang="zh-TW" dirty="0"/>
+              <a:t>VERIFICATION</a:t>
+            </a:r>
+          </a:p>
+        </p:txBody>
+      </p:sp>
+      <p:sp>
+        <p:nvSpPr>
+          <p:cNvPr id="2" name="Slide Number Placeholder 1"/>
+          <p:cNvSpPr>
+            <a:spLocks noGrp="1"/>
+          </p:cNvSpPr>
+          <p:nvPr>
+            <p:ph type="sldNum" sz="quarter" idx="4"/>
+          </p:nvPr>
+        </p:nvSpPr>
+        <p:spPr/>
+        <p:txBody>
+          <a:bodyPr/>
+          <a:lstStyle/>
+          <a:p>
+            <a:fld id="{6F0746BA-D1AA-4FF4-8D48-BDBC7FF48778}" type="slidenum">
+              <a:rPr lang="fr-FR" smtClean="0"/>
+              <a:t>17</a:t>
+            </a:fld>
+            <a:endParaRPr lang="fr-FR"/>
+          </a:p>
+        </p:txBody>
+      </p:sp>
+      <p:sp>
+        <p:nvSpPr>
+          <p:cNvPr id="8" name="文字方塊 7"/>
+          <p:cNvSpPr txBox="1"/>
+          <p:nvPr/>
+        </p:nvSpPr>
+        <p:spPr>
+          <a:xfrm>
+            <a:off x="5381330" y="2001837"/>
+            <a:ext cx="4436471" cy="2677656"/>
+          </a:xfrm>
+          <a:prstGeom prst="rect">
+            <a:avLst/>
+          </a:prstGeom>
+          <a:noFill/>
+        </p:spPr>
+        <p:txBody>
+          <a:bodyPr wrap="none" lIns="0" rtlCol="0" anchor="t">
+            <a:spAutoFit/>
+          </a:bodyPr>
+          <a:lstStyle/>
+          <a:p>
+            <a:pPr algn="l">
+              <a:lnSpc>
+                <a:spcPct val="120000"/>
+              </a:lnSpc>
+            </a:pPr>
+            <a:r>
+              <a:rPr lang="en-US" altLang="zh-TW" sz="2800" dirty="0" smtClean="0">
+                <a:latin typeface="Segoe UI Light" panose="020B0502040204020203" pitchFamily="34" charset="0"/>
+                <a:cs typeface="Segoe UI Light" panose="020B0502040204020203" pitchFamily="34" charset="0"/>
+              </a:rPr>
+              <a:t>BENCHMARK:</a:t>
+            </a:r>
+          </a:p>
+          <a:p>
+            <a:pPr algn="l">
+              <a:lnSpc>
+                <a:spcPct val="120000"/>
+              </a:lnSpc>
+            </a:pPr>
+            <a:r>
+              <a:rPr lang="en-US" altLang="zh-TW" sz="2800" dirty="0" smtClean="0">
+                <a:latin typeface="Segoe UI Light" panose="020B0502040204020203" pitchFamily="34" charset="0"/>
+                <a:cs typeface="Segoe UI Light" panose="020B0502040204020203" pitchFamily="34" charset="0"/>
+              </a:rPr>
+              <a:t>1</a:t>
+            </a:r>
+            <a:r>
+              <a:rPr lang="en-US" altLang="zh-TW" sz="2800" baseline="30000" dirty="0" smtClean="0">
+                <a:latin typeface="Segoe UI Light" panose="020B0502040204020203" pitchFamily="34" charset="0"/>
+                <a:cs typeface="Segoe UI Light" panose="020B0502040204020203" pitchFamily="34" charset="0"/>
+              </a:rPr>
+              <a:t>st</a:t>
+            </a:r>
+            <a:r>
+              <a:rPr lang="en-US" altLang="zh-TW" sz="2800" dirty="0" smtClean="0">
+                <a:latin typeface="Segoe UI Light" panose="020B0502040204020203" pitchFamily="34" charset="0"/>
+                <a:cs typeface="Segoe UI Light" panose="020B0502040204020203" pitchFamily="34" charset="0"/>
+              </a:rPr>
+              <a:t>: FOLLOW IDA</a:t>
+            </a:r>
+          </a:p>
+          <a:p>
+            <a:pPr algn="l">
+              <a:lnSpc>
+                <a:spcPct val="120000"/>
+              </a:lnSpc>
+            </a:pPr>
+            <a:r>
+              <a:rPr lang="en-US" altLang="zh-TW" sz="2800" dirty="0" smtClean="0">
+                <a:latin typeface="Segoe UI Light" panose="020B0502040204020203" pitchFamily="34" charset="0"/>
+                <a:cs typeface="Segoe UI Light" panose="020B0502040204020203" pitchFamily="34" charset="0"/>
+              </a:rPr>
+              <a:t>2</a:t>
+            </a:r>
+            <a:r>
+              <a:rPr lang="en-US" altLang="zh-TW" sz="2800" baseline="30000" dirty="0" smtClean="0">
+                <a:latin typeface="Segoe UI Light" panose="020B0502040204020203" pitchFamily="34" charset="0"/>
+                <a:cs typeface="Segoe UI Light" panose="020B0502040204020203" pitchFamily="34" charset="0"/>
+              </a:rPr>
+              <a:t>nd</a:t>
+            </a:r>
+            <a:r>
+              <a:rPr lang="en-US" altLang="zh-TW" sz="2800" dirty="0" smtClean="0">
+                <a:latin typeface="Segoe UI Light" panose="020B0502040204020203" pitchFamily="34" charset="0"/>
+                <a:cs typeface="Segoe UI Light" panose="020B0502040204020203" pitchFamily="34" charset="0"/>
+              </a:rPr>
+              <a:t>:</a:t>
+            </a:r>
+            <a:r>
+              <a:rPr lang="zh-TW" altLang="en-US" sz="2800" dirty="0" smtClean="0">
+                <a:latin typeface="Segoe UI Light" panose="020B0502040204020203" pitchFamily="34" charset="0"/>
+                <a:cs typeface="Segoe UI Light" panose="020B0502040204020203" pitchFamily="34" charset="0"/>
+              </a:rPr>
+              <a:t> </a:t>
+            </a:r>
+            <a:r>
+              <a:rPr lang="en-US" altLang="zh-TW" sz="2800" dirty="0" smtClean="0">
+                <a:latin typeface="Segoe UI Light" panose="020B0502040204020203" pitchFamily="34" charset="0"/>
+                <a:cs typeface="Segoe UI Light" panose="020B0502040204020203" pitchFamily="34" charset="0"/>
+              </a:rPr>
+              <a:t>FIRST MODE PUSHOVER</a:t>
+            </a:r>
+          </a:p>
+          <a:p>
+            <a:pPr algn="l">
+              <a:lnSpc>
+                <a:spcPct val="120000"/>
+              </a:lnSpc>
+            </a:pPr>
+            <a:r>
+              <a:rPr lang="en-US" altLang="zh-TW" sz="2800" dirty="0" smtClean="0">
+                <a:latin typeface="Segoe UI Light" panose="020B0502040204020203" pitchFamily="34" charset="0"/>
+                <a:cs typeface="Segoe UI Light" panose="020B0502040204020203" pitchFamily="34" charset="0"/>
+              </a:rPr>
+              <a:t>3</a:t>
+            </a:r>
+            <a:r>
+              <a:rPr lang="en-US" altLang="zh-TW" sz="2800" baseline="30000" dirty="0" smtClean="0">
+                <a:latin typeface="Segoe UI Light" panose="020B0502040204020203" pitchFamily="34" charset="0"/>
+                <a:cs typeface="Segoe UI Light" panose="020B0502040204020203" pitchFamily="34" charset="0"/>
+              </a:rPr>
+              <a:t>rd</a:t>
+            </a:r>
+            <a:r>
+              <a:rPr lang="zh-TW" altLang="en-US" sz="2800" dirty="0">
+                <a:latin typeface="Segoe UI Light" panose="020B0502040204020203" pitchFamily="34" charset="0"/>
+                <a:cs typeface="Segoe UI Light" panose="020B0502040204020203" pitchFamily="34" charset="0"/>
+              </a:rPr>
+              <a:t> </a:t>
+            </a:r>
+            <a:r>
+              <a:rPr lang="en-US" altLang="zh-TW" sz="2800" dirty="0" smtClean="0">
+                <a:latin typeface="Segoe UI Light" panose="020B0502040204020203" pitchFamily="34" charset="0"/>
+                <a:cs typeface="Segoe UI Light" panose="020B0502040204020203" pitchFamily="34" charset="0"/>
+              </a:rPr>
+              <a:t>:</a:t>
+            </a:r>
+            <a:r>
+              <a:rPr lang="zh-TW" altLang="en-US" sz="2800" dirty="0" smtClean="0">
+                <a:latin typeface="Segoe UI Light" panose="020B0502040204020203" pitchFamily="34" charset="0"/>
+                <a:cs typeface="Segoe UI Light" panose="020B0502040204020203" pitchFamily="34" charset="0"/>
+              </a:rPr>
+              <a:t> </a:t>
+            </a:r>
+            <a:r>
+              <a:rPr lang="en-US" altLang="zh-TW" sz="2800" dirty="0" smtClean="0">
+                <a:latin typeface="Segoe UI Light" panose="020B0502040204020203" pitchFamily="34" charset="0"/>
+                <a:cs typeface="Segoe UI Light" panose="020B0502040204020203" pitchFamily="34" charset="0"/>
+              </a:rPr>
+              <a:t>MPA, MMC, APA</a:t>
+            </a:r>
+          </a:p>
+          <a:p>
+            <a:pPr algn="l">
+              <a:lnSpc>
+                <a:spcPct val="120000"/>
+              </a:lnSpc>
+            </a:pPr>
+            <a:endParaRPr lang="zh-TW" altLang="en-US" sz="2800" dirty="0" smtClean="0">
+              <a:latin typeface="Segoe UI Light" panose="020B0502040204020203" pitchFamily="34" charset="0"/>
+              <a:cs typeface="Segoe UI Light" panose="020B0502040204020203" pitchFamily="34" charset="0"/>
+            </a:endParaRPr>
+          </a:p>
+        </p:txBody>
+      </p:sp>
+    </p:spTree>
+    <p:extLst>
+      <p:ext uri="{BB962C8B-B14F-4D97-AF65-F5344CB8AC3E}">
+        <p14:creationId xmlns:p14="http://schemas.microsoft.com/office/powerpoint/2010/main" val="1771291487"/>
+      </p:ext>
+    </p:extLst>
+  </p:cSld>
+  <p:clrMapOvr>
+    <a:masterClrMapping/>
+  </p:clrMapOvr>
+  <mc:AlternateContent xmlns:mc="http://schemas.openxmlformats.org/markup-compatibility/2006" xmlns:p14="http://schemas.microsoft.com/office/powerpoint/2010/main">
+    <mc:Choice Requires="p14">
+      <p:transition spd="med" p14:dur="700">
+        <p:fade/>
+      </p:transition>
+    </mc:Choice>
+    <mc:Fallback xmlns="">
+      <p:transition spd="med">
+        <p:fade/>
+      </p:transition>
+    </mc:Fallback>
+  </mc:AlternateContent>
+  <p:timing>
+    <p:tnLst>
+      <p:par>
+        <p:cTn id="1" dur="indefinite" restart="never" nodeType="tmRoot"/>
+      </p:par>
+    </p:tnLst>
+  </p:timing>
+</p:sld>
+</file>
+
+<file path=ppt/slides/slide18.xml><?xml version="1.0" encoding="utf-8"?>
 <p:sld xmlns:a="http://schemas.openxmlformats.org/drawingml/2006/main" xmlns:r="http://schemas.openxmlformats.org/officeDocument/2006/relationships" xmlns:p="http://schemas.openxmlformats.org/presentationml/2006/main">
   <p:cSld>
     <p:spTree>
@@ -25686,7 +27660,7 @@
         <p:spPr>
           <a:xfrm>
             <a:off x="1015430" y="3683683"/>
-            <a:ext cx="1692000" cy="523220"/>
+            <a:ext cx="1692000" cy="954107"/>
           </a:xfrm>
           <a:prstGeom prst="rect">
             <a:avLst/>
@@ -25705,7 +27679,7 @@
                   <a:schemeClr val="accent2"/>
                 </a:solidFill>
               </a:rPr>
-              <a:t>FIRST</a:t>
+              <a:t>NEXT WEEK</a:t>
             </a:r>
             <a:endParaRPr lang="fr-FR" sz="2800" dirty="0">
               <a:solidFill>
@@ -25723,8 +27697,8 @@
         </p:nvSpPr>
         <p:spPr>
           <a:xfrm>
-            <a:off x="1015430" y="4206903"/>
-            <a:ext cx="1692000" cy="726866"/>
+            <a:off x="1015430" y="4651403"/>
+            <a:ext cx="1692000" cy="394467"/>
           </a:xfrm>
           <a:prstGeom prst="rect">
             <a:avLst/>
@@ -25747,35 +27721,7 @@
                 <a:latin typeface="Segoe UI" panose="020B0502040204020203" pitchFamily="34" charset="0"/>
                 <a:cs typeface="Segoe UI" panose="020B0502040204020203" pitchFamily="34" charset="0"/>
               </a:rPr>
-              <a:t>彎</a:t>
-            </a:r>
-            <a:r>
-              <a:rPr lang="zh-TW" altLang="en-US" dirty="0" smtClean="0">
-                <a:latin typeface="Segoe UI" panose="020B0502040204020203" pitchFamily="34" charset="0"/>
-                <a:cs typeface="Segoe UI" panose="020B0502040204020203" pitchFamily="34" charset="0"/>
-              </a:rPr>
-              <a:t>矩多</a:t>
-            </a:r>
-            <a:r>
-              <a:rPr lang="zh-TW" altLang="en-US" dirty="0">
-                <a:latin typeface="Segoe UI" panose="020B0502040204020203" pitchFamily="34" charset="0"/>
-                <a:cs typeface="Segoe UI" panose="020B0502040204020203" pitchFamily="34" charset="0"/>
-              </a:rPr>
-              <a:t>點斷筋 </a:t>
-            </a:r>
-            <a:r>
-              <a:rPr lang="en-US" altLang="zh-TW" dirty="0">
-                <a:latin typeface="Segoe UI" panose="020B0502040204020203" pitchFamily="34" charset="0"/>
-                <a:cs typeface="Segoe UI" panose="020B0502040204020203" pitchFamily="34" charset="0"/>
-              </a:rPr>
-              <a:t>- 3 </a:t>
-            </a:r>
-            <a:r>
-              <a:rPr lang="zh-TW" altLang="en-US" dirty="0">
-                <a:latin typeface="Segoe UI" panose="020B0502040204020203" pitchFamily="34" charset="0"/>
-                <a:cs typeface="Segoe UI" panose="020B0502040204020203" pitchFamily="34" charset="0"/>
-              </a:rPr>
-              <a:t>點</a:t>
+              <a:t>物流中心</a:t>
             </a:r>
             <a:endParaRPr lang="fr-FR" dirty="0">
               <a:latin typeface="Segoe UI" panose="020B0502040204020203" pitchFamily="34" charset="0"/>
@@ -26771,8 +28717,8 @@
           </a:lstStyle>
           <a:p>
             <a:r>
-              <a:rPr lang="en-US" altLang="zh-TW" dirty="0"/>
-              <a:t>SECOND</a:t>
+              <a:rPr lang="en-US" altLang="zh-TW" dirty="0" smtClean="0"/>
+              <a:t>NOW</a:t>
             </a:r>
             <a:endParaRPr lang="fr-FR" dirty="0"/>
           </a:p>
@@ -26787,7 +28733,7 @@
         <p:spPr>
           <a:xfrm>
             <a:off x="2901662" y="2550035"/>
-            <a:ext cx="1692000" cy="726289"/>
+            <a:ext cx="1692000" cy="757130"/>
           </a:xfrm>
           <a:prstGeom prst="rect">
             <a:avLst/>
@@ -26815,18 +28761,15 @@
           <a:p>
             <a:r>
               <a:rPr lang="zh-TW" altLang="en-US" dirty="0" smtClean="0"/>
-              <a:t>初步</a:t>
-            </a:r>
-            <a:endParaRPr lang="en-US" altLang="zh-TW" dirty="0" smtClean="0"/>
-          </a:p>
-          <a:p>
+              <a:t>延伸長度雙</a:t>
+            </a:r>
+            <a:r>
+              <a:rPr lang="zh-TW" altLang="en-US" dirty="0"/>
+              <a:t>箍</a:t>
+            </a:r>
             <a:r>
               <a:rPr lang="zh-TW" altLang="en-US" dirty="0" smtClean="0"/>
-              <a:t>優化</a:t>
-            </a:r>
-            <a:r>
-              <a:rPr lang="zh-TW" altLang="en-US" dirty="0"/>
-              <a:t>結果</a:t>
+              <a:t>面積</a:t>
             </a:r>
             <a:endParaRPr lang="fr-FR" dirty="0"/>
           </a:p>
@@ -26855,12 +28798,12 @@
           <a:lstStyle/>
           <a:p>
             <a:r>
-              <a:rPr lang="en-US" altLang="zh-TW" sz="2800" dirty="0">
+              <a:rPr lang="en-US" altLang="zh-TW" sz="2800" dirty="0" smtClean="0">
                 <a:solidFill>
                   <a:schemeClr val="accent1"/>
                 </a:solidFill>
               </a:rPr>
-              <a:t>THIRD</a:t>
+              <a:t>NOW</a:t>
             </a:r>
             <a:endParaRPr lang="fr-FR" sz="2800" dirty="0">
               <a:solidFill>
@@ -26879,7 +28822,7 @@
         <p:spPr>
           <a:xfrm>
             <a:off x="4782340" y="4206903"/>
-            <a:ext cx="1692000" cy="646331"/>
+            <a:ext cx="1692000" cy="369332"/>
           </a:xfrm>
           <a:prstGeom prst="rect">
             <a:avLst/>
@@ -26893,15 +28836,8 @@
           <a:lstStyle/>
           <a:p>
             <a:r>
-              <a:rPr lang="zh-TW" altLang="en-US" dirty="0"/>
-              <a:t>剪力</a:t>
-            </a:r>
-            <a:endParaRPr lang="en-US" altLang="zh-TW" dirty="0"/>
-          </a:p>
-          <a:p>
-            <a:r>
-              <a:rPr lang="zh-TW" altLang="en-US" dirty="0"/>
-              <a:t>雙箍轉單箍</a:t>
+              <a:rPr lang="zh-TW" altLang="en-US" dirty="0" smtClean="0"/>
+              <a:t>五點斷筋</a:t>
             </a:r>
             <a:endParaRPr lang="fr-FR" altLang="zh-TW" dirty="0"/>
           </a:p>
@@ -27052,13 +28988,18 @@
           </a:lstStyle>
           <a:p>
             <a:r>
-              <a:rPr lang="fr-FR" dirty="0">
+              <a:rPr lang="fr-FR" dirty="0" smtClean="0">
                 <a:solidFill>
                   <a:schemeClr val="accent3"/>
                 </a:solidFill>
               </a:rPr>
-              <a:t>MILESTONE</a:t>
-            </a:r>
+              <a:t>NEXT</a:t>
+            </a:r>
+            <a:endParaRPr lang="fr-FR" dirty="0">
+              <a:solidFill>
+                <a:schemeClr val="accent3"/>
+              </a:solidFill>
+            </a:endParaRPr>
           </a:p>
         </p:txBody>
       </p:sp>
@@ -27071,7 +29012,7 @@
         <p:spPr>
           <a:xfrm>
             <a:off x="6687846" y="2550035"/>
-            <a:ext cx="1692000" cy="726866"/>
+            <a:ext cx="1692000" cy="726289"/>
           </a:xfrm>
           <a:prstGeom prst="rect">
             <a:avLst/>
@@ -27099,16 +29040,17 @@
           <a:p>
             <a:r>
               <a:rPr lang="zh-TW" altLang="en-US" dirty="0" smtClean="0"/>
-              <a:t>非線性</a:t>
+              <a:t>非</a:t>
+            </a:r>
+            <a:r>
+              <a:rPr lang="zh-TW" altLang="en-US" dirty="0" smtClean="0"/>
+              <a:t>線性 </a:t>
+            </a:r>
+            <a:r>
+              <a:rPr lang="en-US" altLang="zh-TW" dirty="0" smtClean="0"/>
+              <a:t>BENCHMARK</a:t>
             </a:r>
             <a:endParaRPr lang="en-US" altLang="zh-TW" dirty="0" smtClean="0"/>
-          </a:p>
-          <a:p>
-            <a:r>
-              <a:rPr lang="zh-TW" altLang="en-US" dirty="0" smtClean="0"/>
-              <a:t>多點斷筋</a:t>
-            </a:r>
-            <a:endParaRPr lang="fr-FR" altLang="zh-TW" dirty="0"/>
           </a:p>
         </p:txBody>
       </p:sp>
@@ -27209,9 +29151,64 @@
           <a:p>
             <a:fld id="{6F0746BA-D1AA-4FF4-8D48-BDBC7FF48778}" type="slidenum">
               <a:rPr lang="fr-FR" smtClean="0"/>
-              <a:t>21</a:t>
+              <a:t>18</a:t>
             </a:fld>
             <a:endParaRPr lang="fr-FR"/>
+          </a:p>
+        </p:txBody>
+      </p:sp>
+      <p:sp>
+        <p:nvSpPr>
+          <p:cNvPr id="4" name="文字方塊 3"/>
+          <p:cNvSpPr txBox="1"/>
+          <p:nvPr/>
+        </p:nvSpPr>
+        <p:spPr>
+          <a:xfrm>
+            <a:off x="1545959" y="5614612"/>
+            <a:ext cx="630942" cy="585801"/>
+          </a:xfrm>
+          <a:prstGeom prst="rect">
+            <a:avLst/>
+          </a:prstGeom>
+          <a:noFill/>
+        </p:spPr>
+        <p:txBody>
+          <a:bodyPr wrap="none" lIns="0" rtlCol="0" anchor="t">
+            <a:spAutoFit/>
+          </a:bodyPr>
+          <a:lstStyle/>
+          <a:p>
+            <a:pPr>
+              <a:lnSpc>
+                <a:spcPct val="120000"/>
+              </a:lnSpc>
+            </a:pPr>
+            <a:r>
+              <a:rPr lang="zh-TW" altLang="en-US" sz="1400" dirty="0">
+                <a:latin typeface="Segoe UI Light" panose="020B0502040204020203" pitchFamily="34" charset="0"/>
+                <a:cs typeface="Segoe UI Light" panose="020B0502040204020203" pitchFamily="34" charset="0"/>
+              </a:rPr>
+              <a:t>剪力筋</a:t>
+            </a:r>
+          </a:p>
+          <a:p>
+            <a:pPr algn="l">
+              <a:lnSpc>
+                <a:spcPct val="120000"/>
+              </a:lnSpc>
+            </a:pPr>
+            <a:r>
+              <a:rPr lang="zh-TW" altLang="en-US" sz="1400" dirty="0" smtClean="0">
+                <a:latin typeface="Segoe UI Light" panose="020B0502040204020203" pitchFamily="34" charset="0"/>
+                <a:cs typeface="Segoe UI Light" panose="020B0502040204020203" pitchFamily="34" charset="0"/>
+              </a:rPr>
+              <a:t>成本</a:t>
+            </a:r>
+            <a:endParaRPr lang="zh-TW" altLang="en-US" sz="1400" dirty="0" smtClean="0">
+              <a:latin typeface="Segoe UI Light" panose="020B0502040204020203" pitchFamily="34" charset="0"/>
+              <a:cs typeface="Segoe UI Light" panose="020B0502040204020203" pitchFamily="34" charset="0"/>
+            </a:endParaRPr>
           </a:p>
         </p:txBody>
       </p:sp>
@@ -27247,7 +29244,870 @@
 </p:sld>
 </file>
 
-<file path=ppt/slides/slide22.xml><?xml version="1.0" encoding="utf-8"?>
+<file path=ppt/slides/slide19.xml><?xml version="1.0" encoding="utf-8"?>
+<p:sld xmlns:a="http://schemas.openxmlformats.org/drawingml/2006/main" xmlns:r="http://schemas.openxmlformats.org/officeDocument/2006/relationships" xmlns:p="http://schemas.openxmlformats.org/presentationml/2006/main" show="0">
+  <p:cSld>
+    <p:spTree>
+      <p:nvGrpSpPr>
+        <p:cNvPr id="1" name=""/>
+        <p:cNvGrpSpPr/>
+        <p:nvPr/>
+      </p:nvGrpSpPr>
+      <p:grpSpPr>
+        <a:xfrm>
+          <a:off x="0" y="0"/>
+          <a:ext cx="0" cy="0"/>
+          <a:chOff x="0" y="0"/>
+          <a:chExt cx="0" cy="0"/>
+        </a:xfrm>
+      </p:grpSpPr>
+      <p:sp>
+        <p:nvSpPr>
+          <p:cNvPr id="3" name="投影片編號版面配置區 2"/>
+          <p:cNvSpPr>
+            <a:spLocks noGrp="1"/>
+          </p:cNvSpPr>
+          <p:nvPr>
+            <p:ph type="sldNum" sz="quarter" idx="4"/>
+          </p:nvPr>
+        </p:nvSpPr>
+        <p:spPr/>
+        <p:txBody>
+          <a:bodyPr/>
+          <a:lstStyle/>
+          <a:p>
+            <a:fld id="{6F0746BA-D1AA-4FF4-8D48-BDBC7FF48778}" type="slidenum">
+              <a:rPr lang="fr-FR" smtClean="0"/>
+              <a:t>19</a:t>
+            </a:fld>
+            <a:endParaRPr lang="fr-FR"/>
+          </a:p>
+        </p:txBody>
+      </p:sp>
+      <p:pic>
+        <p:nvPicPr>
+          <p:cNvPr id="4" name="圖片 3"/>
+          <p:cNvPicPr>
+            <a:picLocks noChangeAspect="1"/>
+          </p:cNvPicPr>
+          <p:nvPr/>
+        </p:nvPicPr>
+        <p:blipFill>
+          <a:blip r:embed="rId2">
+            <a:clrChange>
+              <a:clrFrom>
+                <a:srgbClr val="FFFFFF"/>
+              </a:clrFrom>
+              <a:clrTo>
+                <a:srgbClr val="FFFFFF">
+                  <a:alpha val="0"/>
+                </a:srgbClr>
+              </a:clrTo>
+            </a:clrChange>
+          </a:blip>
+          <a:stretch>
+            <a:fillRect/>
+          </a:stretch>
+        </p:blipFill>
+        <p:spPr>
+          <a:xfrm>
+            <a:off x="1616877" y="550863"/>
+            <a:ext cx="8884435" cy="5805487"/>
+          </a:xfrm>
+          <a:prstGeom prst="rect">
+            <a:avLst/>
+          </a:prstGeom>
+        </p:spPr>
+      </p:pic>
+    </p:spTree>
+    <p:extLst>
+      <p:ext uri="{BB962C8B-B14F-4D97-AF65-F5344CB8AC3E}">
+        <p14:creationId xmlns:p14="http://schemas.microsoft.com/office/powerpoint/2010/main" val="3621729196"/>
+      </p:ext>
+    </p:extLst>
+  </p:cSld>
+  <p:clrMapOvr>
+    <a:masterClrMapping/>
+  </p:clrMapOvr>
+  <mc:AlternateContent xmlns:mc="http://schemas.openxmlformats.org/markup-compatibility/2006">
+    <mc:Choice xmlns:p14="http://schemas.microsoft.com/office/powerpoint/2010/main" Requires="p14">
+      <p:transition spd="med" p14:dur="700">
+        <p:fade/>
+      </p:transition>
+    </mc:Choice>
+    <mc:Fallback>
+      <p:transition spd="med">
+        <p:fade/>
+      </p:transition>
+    </mc:Fallback>
+  </mc:AlternateContent>
+</p:sld>
+</file>
+
+<file path=ppt/slides/slide2.xml><?xml version="1.0" encoding="utf-8"?>
+<p:sld xmlns:a="http://schemas.openxmlformats.org/drawingml/2006/main" xmlns:r="http://schemas.openxmlformats.org/officeDocument/2006/relationships" xmlns:p="http://schemas.openxmlformats.org/presentationml/2006/main">
+  <p:cSld>
+    <p:spTree>
+      <p:nvGrpSpPr>
+        <p:cNvPr id="1" name=""/>
+        <p:cNvGrpSpPr/>
+        <p:nvPr/>
+      </p:nvGrpSpPr>
+      <p:grpSpPr>
+        <a:xfrm>
+          <a:off x="0" y="0"/>
+          <a:ext cx="0" cy="0"/>
+          <a:chOff x="0" y="0"/>
+          <a:chExt cx="0" cy="0"/>
+        </a:xfrm>
+      </p:grpSpPr>
+      <p:sp>
+        <p:nvSpPr>
+          <p:cNvPr id="2" name="Slide Number Placeholder 1"/>
+          <p:cNvSpPr>
+            <a:spLocks noGrp="1"/>
+          </p:cNvSpPr>
+          <p:nvPr>
+            <p:ph type="sldNum" sz="quarter" idx="4"/>
+          </p:nvPr>
+        </p:nvSpPr>
+        <p:spPr/>
+        <p:txBody>
+          <a:bodyPr/>
+          <a:lstStyle/>
+          <a:p>
+            <a:fld id="{6F0746BA-D1AA-4FF4-8D48-BDBC7FF48778}" type="slidenum">
+              <a:rPr lang="fr-FR" smtClean="0"/>
+              <a:t>2</a:t>
+            </a:fld>
+            <a:endParaRPr lang="fr-FR"/>
+          </a:p>
+        </p:txBody>
+      </p:sp>
+      <p:pic>
+        <p:nvPicPr>
+          <p:cNvPr id="7" name="圖片 6"/>
+          <p:cNvPicPr>
+            <a:picLocks noChangeAspect="1"/>
+          </p:cNvPicPr>
+          <p:nvPr/>
+        </p:nvPicPr>
+        <p:blipFill>
+          <a:blip r:embed="rId3">
+            <a:clrChange>
+              <a:clrFrom>
+                <a:srgbClr val="FFFFFF"/>
+              </a:clrFrom>
+              <a:clrTo>
+                <a:srgbClr val="FFFFFF">
+                  <a:alpha val="0"/>
+                </a:srgbClr>
+              </a:clrTo>
+            </a:clrChange>
+          </a:blip>
+          <a:stretch>
+            <a:fillRect/>
+          </a:stretch>
+        </p:blipFill>
+        <p:spPr>
+          <a:xfrm>
+            <a:off x="952499" y="1"/>
+            <a:ext cx="4422971" cy="6858000"/>
+          </a:xfrm>
+          <a:prstGeom prst="rect">
+            <a:avLst/>
+          </a:prstGeom>
+        </p:spPr>
+      </p:pic>
+      <p:cxnSp>
+        <p:nvCxnSpPr>
+          <p:cNvPr id="11" name="直線單箭頭接點 10"/>
+          <p:cNvCxnSpPr/>
+          <p:nvPr/>
+        </p:nvCxnSpPr>
+        <p:spPr>
+          <a:xfrm flipV="1">
+            <a:off x="3176685" y="5455921"/>
+            <a:ext cx="1557875" cy="1402080"/>
+          </a:xfrm>
+          <a:prstGeom prst="straightConnector1">
+            <a:avLst/>
+          </a:prstGeom>
+          <a:ln>
+            <a:solidFill>
+              <a:schemeClr val="tx1"/>
+            </a:solidFill>
+            <a:headEnd type="triangle"/>
+            <a:tailEnd type="triangle"/>
+          </a:ln>
+        </p:spPr>
+        <p:style>
+          <a:lnRef idx="1">
+            <a:schemeClr val="accent1"/>
+          </a:lnRef>
+          <a:fillRef idx="0">
+            <a:schemeClr val="accent1"/>
+          </a:fillRef>
+          <a:effectRef idx="0">
+            <a:schemeClr val="accent1"/>
+          </a:effectRef>
+          <a:fontRef idx="minor">
+            <a:schemeClr val="tx1"/>
+          </a:fontRef>
+        </p:style>
+      </p:cxnSp>
+      <p:cxnSp>
+        <p:nvCxnSpPr>
+          <p:cNvPr id="14" name="直線單箭頭接點 13"/>
+          <p:cNvCxnSpPr/>
+          <p:nvPr/>
+        </p:nvCxnSpPr>
+        <p:spPr>
+          <a:xfrm>
+            <a:off x="1767840" y="5862320"/>
+            <a:ext cx="1046480" cy="995680"/>
+          </a:xfrm>
+          <a:prstGeom prst="straightConnector1">
+            <a:avLst/>
+          </a:prstGeom>
+          <a:ln>
+            <a:solidFill>
+              <a:schemeClr val="tx1"/>
+            </a:solidFill>
+            <a:headEnd type="triangle"/>
+            <a:tailEnd type="triangle"/>
+          </a:ln>
+        </p:spPr>
+        <p:style>
+          <a:lnRef idx="1">
+            <a:schemeClr val="accent1"/>
+          </a:lnRef>
+          <a:fillRef idx="0">
+            <a:schemeClr val="accent1"/>
+          </a:fillRef>
+          <a:effectRef idx="0">
+            <a:schemeClr val="accent1"/>
+          </a:effectRef>
+          <a:fontRef idx="minor">
+            <a:schemeClr val="tx1"/>
+          </a:fontRef>
+        </p:style>
+      </p:cxnSp>
+      <p:cxnSp>
+        <p:nvCxnSpPr>
+          <p:cNvPr id="23" name="直線單箭頭接點 22"/>
+          <p:cNvCxnSpPr/>
+          <p:nvPr/>
+        </p:nvCxnSpPr>
+        <p:spPr>
+          <a:xfrm flipH="1">
+            <a:off x="5120640" y="386080"/>
+            <a:ext cx="158103" cy="5069841"/>
+          </a:xfrm>
+          <a:prstGeom prst="straightConnector1">
+            <a:avLst/>
+          </a:prstGeom>
+          <a:ln>
+            <a:solidFill>
+              <a:schemeClr val="tx1"/>
+            </a:solidFill>
+            <a:headEnd type="triangle"/>
+            <a:tailEnd type="triangle"/>
+          </a:ln>
+        </p:spPr>
+        <p:style>
+          <a:lnRef idx="1">
+            <a:schemeClr val="accent1"/>
+          </a:lnRef>
+          <a:fillRef idx="0">
+            <a:schemeClr val="accent1"/>
+          </a:fillRef>
+          <a:effectRef idx="0">
+            <a:schemeClr val="accent1"/>
+          </a:effectRef>
+          <a:fontRef idx="minor">
+            <a:schemeClr val="tx1"/>
+          </a:fontRef>
+        </p:style>
+      </p:cxnSp>
+      <p:sp>
+        <p:nvSpPr>
+          <p:cNvPr id="26" name="文字方塊 25"/>
+          <p:cNvSpPr txBox="1"/>
+          <p:nvPr/>
+        </p:nvSpPr>
+        <p:spPr>
+          <a:xfrm>
+            <a:off x="3978584" y="6075632"/>
+            <a:ext cx="755976" cy="561436"/>
+          </a:xfrm>
+          <a:prstGeom prst="rect">
+            <a:avLst/>
+          </a:prstGeom>
+          <a:noFill/>
+        </p:spPr>
+        <p:txBody>
+          <a:bodyPr wrap="none" lIns="0" rtlCol="0" anchor="t">
+            <a:spAutoFit/>
+          </a:bodyPr>
+          <a:lstStyle/>
+          <a:p>
+            <a:pPr algn="l">
+              <a:lnSpc>
+                <a:spcPct val="120000"/>
+              </a:lnSpc>
+            </a:pPr>
+            <a:r>
+              <a:rPr lang="en-US" altLang="zh-TW" sz="2800" dirty="0" smtClean="0">
+                <a:latin typeface="Segoe UI Light" panose="020B0502040204020203" pitchFamily="34" charset="0"/>
+                <a:cs typeface="Segoe UI Light" panose="020B0502040204020203" pitchFamily="34" charset="0"/>
+              </a:rPr>
+              <a:t>30m</a:t>
+            </a:r>
+            <a:endParaRPr lang="zh-TW" altLang="en-US" sz="2800" dirty="0" smtClean="0">
+              <a:latin typeface="Segoe UI Light" panose="020B0502040204020203" pitchFamily="34" charset="0"/>
+              <a:cs typeface="Segoe UI Light" panose="020B0502040204020203" pitchFamily="34" charset="0"/>
+            </a:endParaRPr>
+          </a:p>
+        </p:txBody>
+      </p:sp>
+      <p:sp>
+        <p:nvSpPr>
+          <p:cNvPr id="27" name="文字方塊 26"/>
+          <p:cNvSpPr txBox="1"/>
+          <p:nvPr/>
+        </p:nvSpPr>
+        <p:spPr>
+          <a:xfrm>
+            <a:off x="1641772" y="6156961"/>
+            <a:ext cx="755976" cy="561436"/>
+          </a:xfrm>
+          <a:prstGeom prst="rect">
+            <a:avLst/>
+          </a:prstGeom>
+          <a:noFill/>
+        </p:spPr>
+        <p:txBody>
+          <a:bodyPr wrap="none" lIns="0" rtlCol="0" anchor="t">
+            <a:spAutoFit/>
+          </a:bodyPr>
+          <a:lstStyle/>
+          <a:p>
+            <a:pPr algn="l">
+              <a:lnSpc>
+                <a:spcPct val="120000"/>
+              </a:lnSpc>
+            </a:pPr>
+            <a:r>
+              <a:rPr lang="en-US" altLang="zh-TW" sz="2800" dirty="0" smtClean="0">
+                <a:latin typeface="Segoe UI Light" panose="020B0502040204020203" pitchFamily="34" charset="0"/>
+                <a:cs typeface="Segoe UI Light" panose="020B0502040204020203" pitchFamily="34" charset="0"/>
+              </a:rPr>
+              <a:t>20m</a:t>
+            </a:r>
+            <a:endParaRPr lang="zh-TW" altLang="en-US" sz="2800" dirty="0" smtClean="0">
+              <a:latin typeface="Segoe UI Light" panose="020B0502040204020203" pitchFamily="34" charset="0"/>
+              <a:cs typeface="Segoe UI Light" panose="020B0502040204020203" pitchFamily="34" charset="0"/>
+            </a:endParaRPr>
+          </a:p>
+        </p:txBody>
+      </p:sp>
+      <p:sp>
+        <p:nvSpPr>
+          <p:cNvPr id="28" name="文字方塊 27"/>
+          <p:cNvSpPr txBox="1"/>
+          <p:nvPr/>
+        </p:nvSpPr>
+        <p:spPr>
+          <a:xfrm>
+            <a:off x="5358592" y="2326640"/>
+            <a:ext cx="1055738" cy="561436"/>
+          </a:xfrm>
+          <a:prstGeom prst="rect">
+            <a:avLst/>
+          </a:prstGeom>
+          <a:noFill/>
+        </p:spPr>
+        <p:txBody>
+          <a:bodyPr wrap="none" lIns="0" rtlCol="0" anchor="t">
+            <a:spAutoFit/>
+          </a:bodyPr>
+          <a:lstStyle/>
+          <a:p>
+            <a:pPr algn="l">
+              <a:lnSpc>
+                <a:spcPct val="120000"/>
+              </a:lnSpc>
+            </a:pPr>
+            <a:r>
+              <a:rPr lang="en-US" altLang="zh-TW" sz="2800" dirty="0" smtClean="0">
+                <a:latin typeface="Segoe UI Light" panose="020B0502040204020203" pitchFamily="34" charset="0"/>
+                <a:cs typeface="Segoe UI Light" panose="020B0502040204020203" pitchFamily="34" charset="0"/>
+              </a:rPr>
+              <a:t>14F B3</a:t>
+            </a:r>
+            <a:endParaRPr lang="zh-TW" altLang="en-US" sz="2800" dirty="0" smtClean="0">
+              <a:latin typeface="Segoe UI Light" panose="020B0502040204020203" pitchFamily="34" charset="0"/>
+              <a:cs typeface="Segoe UI Light" panose="020B0502040204020203" pitchFamily="34" charset="0"/>
+            </a:endParaRPr>
+          </a:p>
+        </p:txBody>
+      </p:sp>
+      <p:sp>
+        <p:nvSpPr>
+          <p:cNvPr id="29" name="文字方塊 28"/>
+          <p:cNvSpPr txBox="1"/>
+          <p:nvPr/>
+        </p:nvSpPr>
+        <p:spPr>
+          <a:xfrm>
+            <a:off x="9131061" y="3585870"/>
+            <a:ext cx="1927772" cy="561436"/>
+          </a:xfrm>
+          <a:prstGeom prst="rect">
+            <a:avLst/>
+          </a:prstGeom>
+          <a:noFill/>
+        </p:spPr>
+        <p:txBody>
+          <a:bodyPr wrap="none" lIns="0" rtlCol="0" anchor="t">
+            <a:spAutoFit/>
+          </a:bodyPr>
+          <a:lstStyle/>
+          <a:p>
+            <a:pPr>
+              <a:lnSpc>
+                <a:spcPct val="120000"/>
+              </a:lnSpc>
+            </a:pPr>
+            <a:r>
+              <a:rPr lang="en-US" altLang="zh-TW" sz="2800" dirty="0" smtClean="0">
+                <a:latin typeface="Segoe UI Light" panose="020B0502040204020203" pitchFamily="34" charset="0"/>
+                <a:cs typeface="Segoe UI Light" panose="020B0502040204020203" pitchFamily="34" charset="0"/>
+              </a:rPr>
+              <a:t>TOP RESULT</a:t>
+            </a:r>
+            <a:endParaRPr lang="en-US" altLang="zh-TW" sz="2800" dirty="0">
+              <a:latin typeface="Segoe UI Light" panose="020B0502040204020203" pitchFamily="34" charset="0"/>
+              <a:cs typeface="Segoe UI Light" panose="020B0502040204020203" pitchFamily="34" charset="0"/>
+            </a:endParaRPr>
+          </a:p>
+        </p:txBody>
+      </p:sp>
+      <p:sp>
+        <p:nvSpPr>
+          <p:cNvPr id="30" name="文字方塊 29"/>
+          <p:cNvSpPr txBox="1"/>
+          <p:nvPr/>
+        </p:nvSpPr>
+        <p:spPr>
+          <a:xfrm>
+            <a:off x="9131061" y="2149821"/>
+            <a:ext cx="2723181" cy="561436"/>
+          </a:xfrm>
+          <a:prstGeom prst="rect">
+            <a:avLst/>
+          </a:prstGeom>
+          <a:noFill/>
+        </p:spPr>
+        <p:txBody>
+          <a:bodyPr wrap="none" lIns="0" rtlCol="0" anchor="t">
+            <a:spAutoFit/>
+          </a:bodyPr>
+          <a:lstStyle/>
+          <a:p>
+            <a:pPr>
+              <a:lnSpc>
+                <a:spcPct val="120000"/>
+              </a:lnSpc>
+            </a:pPr>
+            <a:r>
+              <a:rPr lang="en-US" altLang="zh-TW" sz="2800" dirty="0">
+                <a:latin typeface="Segoe UI Light" panose="020B0502040204020203" pitchFamily="34" charset="0"/>
+                <a:cs typeface="Segoe UI Light" panose="020B0502040204020203" pitchFamily="34" charset="0"/>
+              </a:rPr>
+              <a:t>OVERALL </a:t>
+            </a:r>
+            <a:r>
+              <a:rPr lang="en-US" altLang="zh-TW" sz="2800" dirty="0" smtClean="0">
+                <a:latin typeface="Segoe UI Light" panose="020B0502040204020203" pitchFamily="34" charset="0"/>
+                <a:cs typeface="Segoe UI Light" panose="020B0502040204020203" pitchFamily="34" charset="0"/>
+              </a:rPr>
+              <a:t>RESULT</a:t>
+            </a:r>
+            <a:endParaRPr lang="en-US" altLang="zh-TW" sz="2800" dirty="0">
+              <a:latin typeface="Segoe UI Light" panose="020B0502040204020203" pitchFamily="34" charset="0"/>
+              <a:cs typeface="Segoe UI Light" panose="020B0502040204020203" pitchFamily="34" charset="0"/>
+            </a:endParaRPr>
+          </a:p>
+        </p:txBody>
+      </p:sp>
+      <p:sp>
+        <p:nvSpPr>
+          <p:cNvPr id="31" name="文字方塊 30"/>
+          <p:cNvSpPr txBox="1"/>
+          <p:nvPr/>
+        </p:nvSpPr>
+        <p:spPr>
+          <a:xfrm>
+            <a:off x="9131061" y="5024798"/>
+            <a:ext cx="1927772" cy="561436"/>
+          </a:xfrm>
+          <a:prstGeom prst="rect">
+            <a:avLst/>
+          </a:prstGeom>
+          <a:noFill/>
+        </p:spPr>
+        <p:txBody>
+          <a:bodyPr wrap="none" lIns="0" rtlCol="0" anchor="t">
+            <a:spAutoFit/>
+          </a:bodyPr>
+          <a:lstStyle/>
+          <a:p>
+            <a:pPr>
+              <a:lnSpc>
+                <a:spcPct val="120000"/>
+              </a:lnSpc>
+            </a:pPr>
+            <a:r>
+              <a:rPr lang="en-US" altLang="zh-TW" sz="2800" dirty="0" smtClean="0">
+                <a:latin typeface="Segoe UI Light" panose="020B0502040204020203" pitchFamily="34" charset="0"/>
+                <a:cs typeface="Segoe UI Light" panose="020B0502040204020203" pitchFamily="34" charset="0"/>
+              </a:rPr>
+              <a:t>BOT RESULT</a:t>
+            </a:r>
+            <a:endParaRPr lang="en-US" altLang="zh-TW" sz="2800" dirty="0">
+              <a:latin typeface="Segoe UI Light" panose="020B0502040204020203" pitchFamily="34" charset="0"/>
+              <a:cs typeface="Segoe UI Light" panose="020B0502040204020203" pitchFamily="34" charset="0"/>
+            </a:endParaRPr>
+          </a:p>
+        </p:txBody>
+      </p:sp>
+      <p:sp>
+        <p:nvSpPr>
+          <p:cNvPr id="32" name="文字方塊 31"/>
+          <p:cNvSpPr txBox="1"/>
+          <p:nvPr/>
+        </p:nvSpPr>
+        <p:spPr>
+          <a:xfrm>
+            <a:off x="7545114" y="1948741"/>
+            <a:ext cx="1502976" cy="762516"/>
+          </a:xfrm>
+          <a:prstGeom prst="rect">
+            <a:avLst/>
+          </a:prstGeom>
+          <a:noFill/>
+        </p:spPr>
+        <p:txBody>
+          <a:bodyPr wrap="none" lIns="0" rtlCol="0" anchor="t">
+            <a:spAutoFit/>
+          </a:bodyPr>
+          <a:lstStyle/>
+          <a:p>
+            <a:pPr algn="r">
+              <a:lnSpc>
+                <a:spcPct val="120000"/>
+              </a:lnSpc>
+            </a:pPr>
+            <a:r>
+              <a:rPr lang="en-US" altLang="zh-TW" sz="4000" dirty="0" smtClean="0">
+                <a:solidFill>
+                  <a:schemeClr val="accent1"/>
+                </a:solidFill>
+                <a:latin typeface="Segoe UI Light" panose="020B0502040204020203" pitchFamily="34" charset="0"/>
+                <a:cs typeface="Segoe UI Light" panose="020B0502040204020203" pitchFamily="34" charset="0"/>
+              </a:rPr>
+              <a:t>101.0%</a:t>
+            </a:r>
+            <a:endParaRPr lang="zh-TW" altLang="en-US" sz="4000" dirty="0" smtClean="0">
+              <a:solidFill>
+                <a:schemeClr val="accent1"/>
+              </a:solidFill>
+              <a:latin typeface="Segoe UI Light" panose="020B0502040204020203" pitchFamily="34" charset="0"/>
+              <a:cs typeface="Segoe UI Light" panose="020B0502040204020203" pitchFamily="34" charset="0"/>
+            </a:endParaRPr>
+          </a:p>
+        </p:txBody>
+      </p:sp>
+      <p:sp>
+        <p:nvSpPr>
+          <p:cNvPr id="33" name="文字方塊 32"/>
+          <p:cNvSpPr txBox="1"/>
+          <p:nvPr/>
+        </p:nvSpPr>
+        <p:spPr>
+          <a:xfrm>
+            <a:off x="7545114" y="3384790"/>
+            <a:ext cx="1584729" cy="762516"/>
+          </a:xfrm>
+          <a:prstGeom prst="rect">
+            <a:avLst/>
+          </a:prstGeom>
+          <a:noFill/>
+        </p:spPr>
+        <p:txBody>
+          <a:bodyPr wrap="none" lIns="0" rtlCol="0" anchor="t">
+            <a:spAutoFit/>
+          </a:bodyPr>
+          <a:lstStyle/>
+          <a:p>
+            <a:pPr algn="r">
+              <a:lnSpc>
+                <a:spcPct val="120000"/>
+              </a:lnSpc>
+            </a:pPr>
+            <a:r>
+              <a:rPr lang="en-US" altLang="zh-TW" sz="4000" dirty="0" smtClean="0">
+                <a:solidFill>
+                  <a:schemeClr val="accent3"/>
+                </a:solidFill>
+                <a:latin typeface="Segoe UI Light" panose="020B0502040204020203" pitchFamily="34" charset="0"/>
+                <a:cs typeface="Segoe UI Light" panose="020B0502040204020203" pitchFamily="34" charset="0"/>
+              </a:rPr>
+              <a:t>102.5%</a:t>
+            </a:r>
+            <a:endParaRPr lang="zh-TW" altLang="en-US" sz="4000" dirty="0" smtClean="0">
+              <a:solidFill>
+                <a:schemeClr val="accent3"/>
+              </a:solidFill>
+              <a:latin typeface="Segoe UI Light" panose="020B0502040204020203" pitchFamily="34" charset="0"/>
+              <a:cs typeface="Segoe UI Light" panose="020B0502040204020203" pitchFamily="34" charset="0"/>
+            </a:endParaRPr>
+          </a:p>
+        </p:txBody>
+      </p:sp>
+      <p:sp>
+        <p:nvSpPr>
+          <p:cNvPr id="34" name="文字方塊 33"/>
+          <p:cNvSpPr txBox="1"/>
+          <p:nvPr/>
+        </p:nvSpPr>
+        <p:spPr>
+          <a:xfrm>
+            <a:off x="7727856" y="4818557"/>
+            <a:ext cx="1401987" cy="762516"/>
+          </a:xfrm>
+          <a:prstGeom prst="rect">
+            <a:avLst/>
+          </a:prstGeom>
+          <a:noFill/>
+        </p:spPr>
+        <p:txBody>
+          <a:bodyPr wrap="none" lIns="0" rtlCol="0" anchor="t">
+            <a:spAutoFit/>
+          </a:bodyPr>
+          <a:lstStyle/>
+          <a:p>
+            <a:pPr algn="r">
+              <a:lnSpc>
+                <a:spcPct val="120000"/>
+              </a:lnSpc>
+            </a:pPr>
+            <a:r>
+              <a:rPr lang="en-US" altLang="zh-TW" sz="4000" dirty="0" smtClean="0">
+                <a:solidFill>
+                  <a:schemeClr val="accent2"/>
+                </a:solidFill>
+                <a:latin typeface="Segoe UI Light" panose="020B0502040204020203" pitchFamily="34" charset="0"/>
+                <a:cs typeface="Segoe UI Light" panose="020B0502040204020203" pitchFamily="34" charset="0"/>
+              </a:rPr>
+              <a:t>99</a:t>
+            </a:r>
+            <a:r>
+              <a:rPr lang="en-US" altLang="zh-TW" sz="4000" dirty="0" smtClean="0">
+                <a:solidFill>
+                  <a:schemeClr val="accent2"/>
+                </a:solidFill>
+                <a:latin typeface="Segoe UI Light" panose="020B0502040204020203" pitchFamily="34" charset="0"/>
+                <a:cs typeface="Segoe UI Light" panose="020B0502040204020203" pitchFamily="34" charset="0"/>
+              </a:rPr>
+              <a:t>.2%</a:t>
+            </a:r>
+            <a:endParaRPr lang="zh-TW" altLang="en-US" sz="4000" dirty="0" smtClean="0">
+              <a:solidFill>
+                <a:schemeClr val="accent2"/>
+              </a:solidFill>
+              <a:latin typeface="Segoe UI Light" panose="020B0502040204020203" pitchFamily="34" charset="0"/>
+              <a:cs typeface="Segoe UI Light" panose="020B0502040204020203" pitchFamily="34" charset="0"/>
+            </a:endParaRPr>
+          </a:p>
+        </p:txBody>
+      </p:sp>
+      <p:sp>
+        <p:nvSpPr>
+          <p:cNvPr id="38" name="文字方塊 37"/>
+          <p:cNvSpPr txBox="1"/>
+          <p:nvPr/>
+        </p:nvSpPr>
+        <p:spPr>
+          <a:xfrm>
+            <a:off x="5652123" y="979019"/>
+            <a:ext cx="3323987" cy="562398"/>
+          </a:xfrm>
+          <a:prstGeom prst="rect">
+            <a:avLst/>
+          </a:prstGeom>
+          <a:noFill/>
+        </p:spPr>
+        <p:txBody>
+          <a:bodyPr wrap="none" lIns="0" rtlCol="0" anchor="t">
+            <a:spAutoFit/>
+          </a:bodyPr>
+          <a:lstStyle/>
+          <a:p>
+            <a:pPr>
+              <a:lnSpc>
+                <a:spcPct val="120000"/>
+              </a:lnSpc>
+            </a:pPr>
+            <a:r>
+              <a:rPr lang="zh-TW" altLang="en-US" sz="2800" dirty="0">
+                <a:latin typeface="Segoe UI Light" panose="020B0502040204020203" pitchFamily="34" charset="0"/>
+                <a:cs typeface="Segoe UI Light" panose="020B0502040204020203" pitchFamily="34" charset="0"/>
+              </a:rPr>
+              <a:t>欣詮建設中和福祥段</a:t>
+            </a:r>
+            <a:endParaRPr lang="zh-TW" altLang="en-US" sz="2800" dirty="0" smtClean="0">
+              <a:latin typeface="Segoe UI Light" panose="020B0502040204020203" pitchFamily="34" charset="0"/>
+              <a:cs typeface="Segoe UI Light" panose="020B0502040204020203" pitchFamily="34" charset="0"/>
+            </a:endParaRPr>
+          </a:p>
+        </p:txBody>
+      </p:sp>
+    </p:spTree>
+    <p:extLst>
+      <p:ext uri="{BB962C8B-B14F-4D97-AF65-F5344CB8AC3E}">
+        <p14:creationId xmlns:p14="http://schemas.microsoft.com/office/powerpoint/2010/main" val="2550521022"/>
+      </p:ext>
+    </p:extLst>
+  </p:cSld>
+  <p:clrMapOvr>
+    <a:masterClrMapping/>
+  </p:clrMapOvr>
+  <mc:AlternateContent xmlns:mc="http://schemas.openxmlformats.org/markup-compatibility/2006" xmlns:p14="http://schemas.microsoft.com/office/powerpoint/2010/main">
+    <mc:Choice Requires="p14">
+      <p:transition spd="med" p14:dur="700">
+        <p:fade/>
+      </p:transition>
+    </mc:Choice>
+    <mc:Fallback xmlns="">
+      <p:transition spd="med">
+        <p:fade/>
+      </p:transition>
+    </mc:Fallback>
+  </mc:AlternateContent>
+  <p:timing>
+    <p:tnLst>
+      <p:par>
+        <p:cTn id="1" dur="indefinite" restart="never" nodeType="tmRoot"/>
+      </p:par>
+    </p:tnLst>
+  </p:timing>
+</p:sld>
+</file>
+
+<file path=ppt/slides/slide20.xml><?xml version="1.0" encoding="utf-8"?>
+<p:sld xmlns:a="http://schemas.openxmlformats.org/drawingml/2006/main" xmlns:r="http://schemas.openxmlformats.org/officeDocument/2006/relationships" xmlns:p="http://schemas.openxmlformats.org/presentationml/2006/main" show="0">
+  <p:cSld>
+    <p:spTree>
+      <p:nvGrpSpPr>
+        <p:cNvPr id="1" name=""/>
+        <p:cNvGrpSpPr/>
+        <p:nvPr/>
+      </p:nvGrpSpPr>
+      <p:grpSpPr>
+        <a:xfrm>
+          <a:off x="0" y="0"/>
+          <a:ext cx="0" cy="0"/>
+          <a:chOff x="0" y="0"/>
+          <a:chExt cx="0" cy="0"/>
+        </a:xfrm>
+      </p:grpSpPr>
+      <p:sp>
+        <p:nvSpPr>
+          <p:cNvPr id="2" name="投影片編號版面配置區 1"/>
+          <p:cNvSpPr>
+            <a:spLocks noGrp="1"/>
+          </p:cNvSpPr>
+          <p:nvPr>
+            <p:ph type="sldNum" sz="quarter" idx="4"/>
+          </p:nvPr>
+        </p:nvSpPr>
+        <p:spPr/>
+        <p:txBody>
+          <a:bodyPr/>
+          <a:lstStyle/>
+          <a:p>
+            <a:fld id="{6F0746BA-D1AA-4FF4-8D48-BDBC7FF48778}" type="slidenum">
+              <a:rPr lang="fr-FR" smtClean="0"/>
+              <a:t>20</a:t>
+            </a:fld>
+            <a:endParaRPr lang="fr-FR"/>
+          </a:p>
+        </p:txBody>
+      </p:sp>
+      <p:pic>
+        <p:nvPicPr>
+          <p:cNvPr id="3" name="圖片 2"/>
+          <p:cNvPicPr>
+            <a:picLocks noChangeAspect="1"/>
+          </p:cNvPicPr>
+          <p:nvPr/>
+        </p:nvPicPr>
+        <p:blipFill>
+          <a:blip r:embed="rId2">
+            <a:clrChange>
+              <a:clrFrom>
+                <a:srgbClr val="FFFFFF"/>
+              </a:clrFrom>
+              <a:clrTo>
+                <a:srgbClr val="FFFFFF">
+                  <a:alpha val="0"/>
+                </a:srgbClr>
+              </a:clrTo>
+            </a:clrChange>
+          </a:blip>
+          <a:stretch>
+            <a:fillRect/>
+          </a:stretch>
+        </p:blipFill>
+        <p:spPr>
+          <a:xfrm>
+            <a:off x="1028700" y="125366"/>
+            <a:ext cx="9590087" cy="6596109"/>
+          </a:xfrm>
+          <a:prstGeom prst="rect">
+            <a:avLst/>
+          </a:prstGeom>
+        </p:spPr>
+      </p:pic>
+    </p:spTree>
+    <p:extLst>
+      <p:ext uri="{BB962C8B-B14F-4D97-AF65-F5344CB8AC3E}">
+        <p14:creationId xmlns:p14="http://schemas.microsoft.com/office/powerpoint/2010/main" val="1314395252"/>
+      </p:ext>
+    </p:extLst>
+  </p:cSld>
+  <p:clrMapOvr>
+    <a:masterClrMapping/>
+  </p:clrMapOvr>
+  <mc:AlternateContent xmlns:mc="http://schemas.openxmlformats.org/markup-compatibility/2006">
+    <mc:Choice xmlns:p14="http://schemas.microsoft.com/office/powerpoint/2010/main" Requires="p14">
+      <p:transition spd="med" p14:dur="700">
+        <p:fade/>
+      </p:transition>
+    </mc:Choice>
+    <mc:Fallback>
+      <p:transition spd="med">
+        <p:fade/>
+      </p:transition>
+    </mc:Fallback>
+  </mc:AlternateContent>
+</p:sld>
+</file>
+
+<file path=ppt/slides/slide21.xml><?xml version="1.0" encoding="utf-8"?>
 <p:sld xmlns:a="http://schemas.openxmlformats.org/drawingml/2006/main" xmlns:r="http://schemas.openxmlformats.org/officeDocument/2006/relationships" xmlns:p="http://schemas.openxmlformats.org/presentationml/2006/main" show="0">
   <p:cSld>
     <p:spTree>
@@ -27510,7 +30370,7 @@
           <a:p>
             <a:fld id="{6F0746BA-D1AA-4FF4-8D48-BDBC7FF48778}" type="slidenum">
               <a:rPr lang="fr-FR" smtClean="0"/>
-              <a:t>22</a:t>
+              <a:t>21</a:t>
             </a:fld>
             <a:endParaRPr lang="fr-FR" dirty="0"/>
           </a:p>
@@ -28467,8 +31327,8 @@
 </p:sld>
 </file>
 
-<file path=ppt/slides/slide23.xml><?xml version="1.0" encoding="utf-8"?>
-<p:sld xmlns:a="http://schemas.openxmlformats.org/drawingml/2006/main" xmlns:r="http://schemas.openxmlformats.org/officeDocument/2006/relationships" xmlns:p="http://schemas.openxmlformats.org/presentationml/2006/main">
+<file path=ppt/slides/slide22.xml><?xml version="1.0" encoding="utf-8"?>
+<p:sld xmlns:a="http://schemas.openxmlformats.org/drawingml/2006/main" xmlns:r="http://schemas.openxmlformats.org/officeDocument/2006/relationships" xmlns:p="http://schemas.openxmlformats.org/presentationml/2006/main" show="0">
   <p:cSld>
     <p:spTree>
       <p:nvGrpSpPr>
@@ -28730,7 +31590,7 @@
           <a:p>
             <a:fld id="{6F0746BA-D1AA-4FF4-8D48-BDBC7FF48778}" type="slidenum">
               <a:rPr lang="fr-FR" smtClean="0"/>
-              <a:t>23</a:t>
+              <a:t>22</a:t>
             </a:fld>
             <a:endParaRPr lang="fr-FR" dirty="0"/>
           </a:p>
@@ -28765,7 +31625,9 @@
               <a:avLst/>
             </a:prstGeom>
             <a:solidFill>
-              <a:schemeClr val="accent1"/>
+              <a:schemeClr val="bg1">
+                <a:lumMod val="85000"/>
+              </a:schemeClr>
             </a:solidFill>
             <a:ln>
               <a:noFill/>
@@ -28811,7 +31673,8 @@
               <a:avLst/>
             </a:prstGeom>
             <a:solidFill>
-              <a:schemeClr val="accent1">
+              <a:schemeClr val="bg1">
+                <a:lumMod val="85000"/>
                 <a:alpha val="42000"/>
               </a:schemeClr>
             </a:solidFill>
@@ -28843,7 +31706,7 @@
               <a:r>
                 <a:rPr lang="fr-FR" sz="2800" dirty="0">
                   <a:solidFill>
-                    <a:schemeClr val="bg1"/>
+                    <a:schemeClr val="tx1"/>
                   </a:solidFill>
                   <a:latin typeface="Segoe UI" panose="020B0502040204020203" pitchFamily="34" charset="0"/>
                   <a:cs typeface="Segoe UI" panose="020B0502040204020203" pitchFamily="34" charset="0"/>
@@ -29376,286 +32239,10 @@
           </a:p>
         </p:txBody>
       </p:sp>
-      <p:sp>
-        <p:nvSpPr>
-          <p:cNvPr id="84" name="文字方塊 83"/>
-          <p:cNvSpPr txBox="1"/>
-          <p:nvPr/>
-        </p:nvSpPr>
-        <p:spPr>
-          <a:xfrm>
-            <a:off x="9302874" y="1575761"/>
-            <a:ext cx="1762342" cy="1200329"/>
-          </a:xfrm>
-          <a:prstGeom prst="rect">
-            <a:avLst/>
-          </a:prstGeom>
-          <a:noFill/>
-        </p:spPr>
-        <p:txBody>
-          <a:bodyPr wrap="none" lIns="0" rtlCol="0" anchor="t">
-            <a:spAutoFit/>
-          </a:bodyPr>
-          <a:lstStyle/>
-          <a:p>
-            <a:pPr>
-              <a:lnSpc>
-                <a:spcPct val="120000"/>
-              </a:lnSpc>
-            </a:pPr>
-            <a:r>
-              <a:rPr lang="en-US" altLang="zh-TW" sz="2000" dirty="0" smtClean="0">
-                <a:latin typeface="Segoe UI Light" panose="020B0502040204020203" pitchFamily="34" charset="0"/>
-                <a:cs typeface="Segoe UI Light" panose="020B0502040204020203" pitchFamily="34" charset="0"/>
-              </a:rPr>
-              <a:t>ETABS2016/SAP</a:t>
-            </a:r>
-          </a:p>
-          <a:p>
-            <a:pPr>
-              <a:lnSpc>
-                <a:spcPct val="120000"/>
-              </a:lnSpc>
-            </a:pPr>
-            <a:r>
-              <a:rPr lang="en-US" altLang="zh-TW" sz="2000" dirty="0" smtClean="0">
-                <a:latin typeface="Segoe UI Light" panose="020B0502040204020203" pitchFamily="34" charset="0"/>
-                <a:cs typeface="Segoe UI Light" panose="020B0502040204020203" pitchFamily="34" charset="0"/>
-              </a:rPr>
-              <a:t>MATLAB</a:t>
-            </a:r>
-          </a:p>
-          <a:p>
-            <a:pPr>
-              <a:lnSpc>
-                <a:spcPct val="120000"/>
-              </a:lnSpc>
-            </a:pPr>
-            <a:r>
-              <a:rPr lang="en-US" altLang="zh-TW" sz="2000" dirty="0" smtClean="0">
-                <a:latin typeface="Segoe UI Light" panose="020B0502040204020203" pitchFamily="34" charset="0"/>
-                <a:cs typeface="Segoe UI Light" panose="020B0502040204020203" pitchFamily="34" charset="0"/>
-              </a:rPr>
-              <a:t>IDA</a:t>
-            </a:r>
-            <a:endParaRPr lang="zh-TW" altLang="en-US" sz="2000" dirty="0">
-              <a:latin typeface="Segoe UI Light" panose="020B0502040204020203" pitchFamily="34" charset="0"/>
-              <a:cs typeface="Segoe UI Light" panose="020B0502040204020203" pitchFamily="34" charset="0"/>
-            </a:endParaRPr>
-          </a:p>
-        </p:txBody>
-      </p:sp>
-      <p:sp>
-        <p:nvSpPr>
-          <p:cNvPr id="86" name="文字方塊 85"/>
-          <p:cNvSpPr txBox="1"/>
-          <p:nvPr/>
-        </p:nvSpPr>
-        <p:spPr>
-          <a:xfrm>
-            <a:off x="4667096" y="1582530"/>
-            <a:ext cx="1058303" cy="796757"/>
-          </a:xfrm>
-          <a:prstGeom prst="rect">
-            <a:avLst/>
-          </a:prstGeom>
-          <a:noFill/>
-        </p:spPr>
-        <p:txBody>
-          <a:bodyPr wrap="none" lIns="0" rtlCol="0" anchor="t">
-            <a:spAutoFit/>
-          </a:bodyPr>
-          <a:lstStyle/>
-          <a:p>
-            <a:pPr algn="l">
-              <a:lnSpc>
-                <a:spcPct val="120000"/>
-              </a:lnSpc>
-            </a:pPr>
-            <a:r>
-              <a:rPr lang="en-US" altLang="zh-TW" sz="2000" dirty="0" smtClean="0">
-                <a:latin typeface="Segoe UI Light" panose="020B0502040204020203" pitchFamily="34" charset="0"/>
-                <a:cs typeface="Segoe UI Light" panose="020B0502040204020203" pitchFamily="34" charset="0"/>
-              </a:rPr>
-              <a:t>ETABS9</a:t>
-            </a:r>
-          </a:p>
-          <a:p>
-            <a:pPr>
-              <a:lnSpc>
-                <a:spcPct val="120000"/>
-              </a:lnSpc>
-            </a:pPr>
-            <a:r>
-              <a:rPr lang="en-US" altLang="zh-TW" sz="2000" dirty="0" smtClean="0">
-                <a:latin typeface="Segoe UI Light" panose="020B0502040204020203" pitchFamily="34" charset="0"/>
-                <a:cs typeface="Segoe UI Light" panose="020B0502040204020203" pitchFamily="34" charset="0"/>
-              </a:rPr>
-              <a:t>PYTHON</a:t>
-            </a:r>
-            <a:endParaRPr lang="zh-TW" altLang="en-US" sz="2000" dirty="0">
-              <a:latin typeface="Segoe UI Light" panose="020B0502040204020203" pitchFamily="34" charset="0"/>
-              <a:cs typeface="Segoe UI Light" panose="020B0502040204020203" pitchFamily="34" charset="0"/>
-            </a:endParaRPr>
-          </a:p>
-        </p:txBody>
-      </p:sp>
-      <p:sp>
-        <p:nvSpPr>
-          <p:cNvPr id="87" name="文字方塊 86"/>
-          <p:cNvSpPr txBox="1"/>
-          <p:nvPr/>
-        </p:nvSpPr>
-        <p:spPr>
-          <a:xfrm>
-            <a:off x="9302874" y="4456781"/>
-            <a:ext cx="1058303" cy="1938992"/>
-          </a:xfrm>
-          <a:prstGeom prst="rect">
-            <a:avLst/>
-          </a:prstGeom>
-          <a:noFill/>
-        </p:spPr>
-        <p:txBody>
-          <a:bodyPr wrap="none" lIns="0" rtlCol="0" anchor="t">
-            <a:spAutoFit/>
-          </a:bodyPr>
-          <a:lstStyle/>
-          <a:p>
-            <a:pPr algn="l">
-              <a:lnSpc>
-                <a:spcPct val="120000"/>
-              </a:lnSpc>
-            </a:pPr>
-            <a:r>
-              <a:rPr lang="en-US" altLang="zh-TW" sz="2000" dirty="0" smtClean="0">
-                <a:latin typeface="Segoe UI Light" panose="020B0502040204020203" pitchFamily="34" charset="0"/>
-                <a:cs typeface="Segoe UI Light" panose="020B0502040204020203" pitchFamily="34" charset="0"/>
-              </a:rPr>
-              <a:t>ETABS9</a:t>
-            </a:r>
-          </a:p>
-          <a:p>
-            <a:pPr>
-              <a:lnSpc>
-                <a:spcPct val="120000"/>
-              </a:lnSpc>
-            </a:pPr>
-            <a:r>
-              <a:rPr lang="en-US" altLang="zh-TW" sz="2000" dirty="0" smtClean="0">
-                <a:latin typeface="Segoe UI Light" panose="020B0502040204020203" pitchFamily="34" charset="0"/>
-                <a:cs typeface="Segoe UI Light" panose="020B0502040204020203" pitchFamily="34" charset="0"/>
-              </a:rPr>
-              <a:t>PYTHON</a:t>
-            </a:r>
-          </a:p>
-          <a:p>
-            <a:pPr>
-              <a:lnSpc>
-                <a:spcPct val="120000"/>
-              </a:lnSpc>
-            </a:pPr>
-            <a:r>
-              <a:rPr lang="en-US" altLang="zh-TW" sz="2000" dirty="0" smtClean="0">
-                <a:latin typeface="Segoe UI Light" panose="020B0502040204020203" pitchFamily="34" charset="0"/>
-                <a:cs typeface="Segoe UI Light" panose="020B0502040204020203" pitchFamily="34" charset="0"/>
-              </a:rPr>
-              <a:t>MPA</a:t>
-            </a:r>
-          </a:p>
-          <a:p>
-            <a:pPr>
-              <a:lnSpc>
-                <a:spcPct val="120000"/>
-              </a:lnSpc>
-            </a:pPr>
-            <a:r>
-              <a:rPr lang="en-US" altLang="zh-TW" sz="2000" dirty="0" smtClean="0">
-                <a:latin typeface="Segoe UI Light" panose="020B0502040204020203" pitchFamily="34" charset="0"/>
-                <a:cs typeface="Segoe UI Light" panose="020B0502040204020203" pitchFamily="34" charset="0"/>
-              </a:rPr>
-              <a:t>MMC</a:t>
-            </a:r>
-          </a:p>
-          <a:p>
-            <a:pPr>
-              <a:lnSpc>
-                <a:spcPct val="120000"/>
-              </a:lnSpc>
-            </a:pPr>
-            <a:r>
-              <a:rPr lang="en-US" altLang="zh-TW" sz="2000" dirty="0" smtClean="0">
-                <a:latin typeface="Segoe UI Light" panose="020B0502040204020203" pitchFamily="34" charset="0"/>
-                <a:cs typeface="Segoe UI Light" panose="020B0502040204020203" pitchFamily="34" charset="0"/>
-              </a:rPr>
-              <a:t>APA</a:t>
-            </a:r>
-            <a:endParaRPr lang="zh-TW" altLang="en-US" sz="2000" dirty="0">
-              <a:latin typeface="Segoe UI Light" panose="020B0502040204020203" pitchFamily="34" charset="0"/>
-              <a:cs typeface="Segoe UI Light" panose="020B0502040204020203" pitchFamily="34" charset="0"/>
-            </a:endParaRPr>
-          </a:p>
-        </p:txBody>
-      </p:sp>
-      <p:sp>
-        <p:nvSpPr>
-          <p:cNvPr id="88" name="文字方塊 87"/>
-          <p:cNvSpPr txBox="1"/>
-          <p:nvPr/>
-        </p:nvSpPr>
-        <p:spPr>
-          <a:xfrm>
-            <a:off x="4667096" y="4478889"/>
-            <a:ext cx="764440" cy="796757"/>
-          </a:xfrm>
-          <a:prstGeom prst="rect">
-            <a:avLst/>
-          </a:prstGeom>
-          <a:noFill/>
-        </p:spPr>
-        <p:txBody>
-          <a:bodyPr wrap="none" lIns="0" rtlCol="0" anchor="t">
-            <a:spAutoFit/>
-          </a:bodyPr>
-          <a:lstStyle/>
-          <a:p>
-            <a:pPr algn="l">
-              <a:lnSpc>
-                <a:spcPct val="120000"/>
-              </a:lnSpc>
-            </a:pPr>
-            <a:r>
-              <a:rPr lang="en-US" altLang="zh-TW" sz="2000" dirty="0" smtClean="0">
-                <a:latin typeface="Segoe UI Light" panose="020B0502040204020203" pitchFamily="34" charset="0"/>
-                <a:cs typeface="Segoe UI Light" panose="020B0502040204020203" pitchFamily="34" charset="0"/>
-              </a:rPr>
-              <a:t>EXCEL</a:t>
-            </a:r>
-          </a:p>
-          <a:p>
-            <a:pPr>
-              <a:lnSpc>
-                <a:spcPct val="120000"/>
-              </a:lnSpc>
-            </a:pPr>
-            <a:r>
-              <a:rPr lang="en-US" altLang="zh-TW" sz="2000" dirty="0" smtClean="0">
-                <a:latin typeface="Segoe UI Light" panose="020B0502040204020203" pitchFamily="34" charset="0"/>
-                <a:cs typeface="Segoe UI Light" panose="020B0502040204020203" pitchFamily="34" charset="0"/>
-              </a:rPr>
-              <a:t>VBA</a:t>
-            </a:r>
-            <a:endParaRPr lang="zh-TW" altLang="en-US" sz="2000" dirty="0">
-              <a:latin typeface="Segoe UI Light" panose="020B0502040204020203" pitchFamily="34" charset="0"/>
-              <a:cs typeface="Segoe UI Light" panose="020B0502040204020203" pitchFamily="34" charset="0"/>
-            </a:endParaRPr>
-          </a:p>
-        </p:txBody>
-      </p:sp>
     </p:spTree>
     <p:extLst>
       <p:ext uri="{BB962C8B-B14F-4D97-AF65-F5344CB8AC3E}">
-        <p14:creationId xmlns:p14="http://schemas.microsoft.com/office/powerpoint/2010/main" val="3184904550"/>
+        <p14:creationId xmlns:p14="http://schemas.microsoft.com/office/powerpoint/2010/main" val="4153909115"/>
       </p:ext>
     </p:extLst>
   </p:cSld>
@@ -29724,6 +32311,617 @@
           </a:p>
         </p:txBody>
       </p:sp>
+      <p:pic>
+        <p:nvPicPr>
+          <p:cNvPr id="6" name="圖片 5"/>
+          <p:cNvPicPr>
+            <a:picLocks noChangeAspect="1"/>
+          </p:cNvPicPr>
+          <p:nvPr/>
+        </p:nvPicPr>
+        <p:blipFill>
+          <a:blip r:embed="rId2">
+            <a:clrChange>
+              <a:clrFrom>
+                <a:srgbClr val="FFFFFF"/>
+              </a:clrFrom>
+              <a:clrTo>
+                <a:srgbClr val="FFFFFF">
+                  <a:alpha val="0"/>
+                </a:srgbClr>
+              </a:clrTo>
+            </a:clrChange>
+          </a:blip>
+          <a:stretch>
+            <a:fillRect/>
+          </a:stretch>
+        </p:blipFill>
+        <p:spPr>
+          <a:xfrm>
+            <a:off x="0" y="553876"/>
+            <a:ext cx="6191284" cy="5623404"/>
+          </a:xfrm>
+          <a:prstGeom prst="rect">
+            <a:avLst/>
+          </a:prstGeom>
+        </p:spPr>
+      </p:pic>
+      <p:sp>
+        <p:nvSpPr>
+          <p:cNvPr id="7" name="文字方塊 6"/>
+          <p:cNvSpPr txBox="1"/>
+          <p:nvPr/>
+        </p:nvSpPr>
+        <p:spPr>
+          <a:xfrm>
+            <a:off x="9131061" y="3585870"/>
+            <a:ext cx="1927772" cy="561436"/>
+          </a:xfrm>
+          <a:prstGeom prst="rect">
+            <a:avLst/>
+          </a:prstGeom>
+          <a:noFill/>
+        </p:spPr>
+        <p:txBody>
+          <a:bodyPr wrap="none" lIns="0" rtlCol="0" anchor="t">
+            <a:spAutoFit/>
+          </a:bodyPr>
+          <a:lstStyle/>
+          <a:p>
+            <a:pPr>
+              <a:lnSpc>
+                <a:spcPct val="120000"/>
+              </a:lnSpc>
+            </a:pPr>
+            <a:r>
+              <a:rPr lang="en-US" altLang="zh-TW" sz="2800" dirty="0" smtClean="0">
+                <a:latin typeface="Segoe UI Light" panose="020B0502040204020203" pitchFamily="34" charset="0"/>
+                <a:cs typeface="Segoe UI Light" panose="020B0502040204020203" pitchFamily="34" charset="0"/>
+              </a:rPr>
+              <a:t>TOP RESULT</a:t>
+            </a:r>
+            <a:endParaRPr lang="en-US" altLang="zh-TW" sz="2800" dirty="0">
+              <a:latin typeface="Segoe UI Light" panose="020B0502040204020203" pitchFamily="34" charset="0"/>
+              <a:cs typeface="Segoe UI Light" panose="020B0502040204020203" pitchFamily="34" charset="0"/>
+            </a:endParaRPr>
+          </a:p>
+        </p:txBody>
+      </p:sp>
+      <p:sp>
+        <p:nvSpPr>
+          <p:cNvPr id="8" name="文字方塊 7"/>
+          <p:cNvSpPr txBox="1"/>
+          <p:nvPr/>
+        </p:nvSpPr>
+        <p:spPr>
+          <a:xfrm>
+            <a:off x="9131061" y="2149821"/>
+            <a:ext cx="2723181" cy="561436"/>
+          </a:xfrm>
+          <a:prstGeom prst="rect">
+            <a:avLst/>
+          </a:prstGeom>
+          <a:noFill/>
+        </p:spPr>
+        <p:txBody>
+          <a:bodyPr wrap="none" lIns="0" rtlCol="0" anchor="t">
+            <a:spAutoFit/>
+          </a:bodyPr>
+          <a:lstStyle/>
+          <a:p>
+            <a:pPr>
+              <a:lnSpc>
+                <a:spcPct val="120000"/>
+              </a:lnSpc>
+            </a:pPr>
+            <a:r>
+              <a:rPr lang="en-US" altLang="zh-TW" sz="2800" dirty="0">
+                <a:latin typeface="Segoe UI Light" panose="020B0502040204020203" pitchFamily="34" charset="0"/>
+                <a:cs typeface="Segoe UI Light" panose="020B0502040204020203" pitchFamily="34" charset="0"/>
+              </a:rPr>
+              <a:t>OVERALL </a:t>
+            </a:r>
+            <a:r>
+              <a:rPr lang="en-US" altLang="zh-TW" sz="2800" dirty="0" smtClean="0">
+                <a:latin typeface="Segoe UI Light" panose="020B0502040204020203" pitchFamily="34" charset="0"/>
+                <a:cs typeface="Segoe UI Light" panose="020B0502040204020203" pitchFamily="34" charset="0"/>
+              </a:rPr>
+              <a:t>RESULT</a:t>
+            </a:r>
+            <a:endParaRPr lang="en-US" altLang="zh-TW" sz="2800" dirty="0">
+              <a:latin typeface="Segoe UI Light" panose="020B0502040204020203" pitchFamily="34" charset="0"/>
+              <a:cs typeface="Segoe UI Light" panose="020B0502040204020203" pitchFamily="34" charset="0"/>
+            </a:endParaRPr>
+          </a:p>
+        </p:txBody>
+      </p:sp>
+      <p:sp>
+        <p:nvSpPr>
+          <p:cNvPr id="9" name="文字方塊 8"/>
+          <p:cNvSpPr txBox="1"/>
+          <p:nvPr/>
+        </p:nvSpPr>
+        <p:spPr>
+          <a:xfrm>
+            <a:off x="9131061" y="5024798"/>
+            <a:ext cx="1927772" cy="561436"/>
+          </a:xfrm>
+          <a:prstGeom prst="rect">
+            <a:avLst/>
+          </a:prstGeom>
+          <a:noFill/>
+        </p:spPr>
+        <p:txBody>
+          <a:bodyPr wrap="none" lIns="0" rtlCol="0" anchor="t">
+            <a:spAutoFit/>
+          </a:bodyPr>
+          <a:lstStyle/>
+          <a:p>
+            <a:pPr>
+              <a:lnSpc>
+                <a:spcPct val="120000"/>
+              </a:lnSpc>
+            </a:pPr>
+            <a:r>
+              <a:rPr lang="en-US" altLang="zh-TW" sz="2800" dirty="0" smtClean="0">
+                <a:latin typeface="Segoe UI Light" panose="020B0502040204020203" pitchFamily="34" charset="0"/>
+                <a:cs typeface="Segoe UI Light" panose="020B0502040204020203" pitchFamily="34" charset="0"/>
+              </a:rPr>
+              <a:t>BOT RESULT</a:t>
+            </a:r>
+            <a:endParaRPr lang="en-US" altLang="zh-TW" sz="2800" dirty="0">
+              <a:latin typeface="Segoe UI Light" panose="020B0502040204020203" pitchFamily="34" charset="0"/>
+              <a:cs typeface="Segoe UI Light" panose="020B0502040204020203" pitchFamily="34" charset="0"/>
+            </a:endParaRPr>
+          </a:p>
+        </p:txBody>
+      </p:sp>
+      <p:cxnSp>
+        <p:nvCxnSpPr>
+          <p:cNvPr id="11" name="直線單箭頭接點 10"/>
+          <p:cNvCxnSpPr/>
+          <p:nvPr/>
+        </p:nvCxnSpPr>
+        <p:spPr>
+          <a:xfrm flipH="1">
+            <a:off x="2529840" y="3027680"/>
+            <a:ext cx="3464560" cy="3048000"/>
+          </a:xfrm>
+          <a:prstGeom prst="straightConnector1">
+            <a:avLst/>
+          </a:prstGeom>
+          <a:ln>
+            <a:solidFill>
+              <a:schemeClr val="tx1"/>
+            </a:solidFill>
+            <a:headEnd type="triangle"/>
+            <a:tailEnd type="triangle"/>
+          </a:ln>
+        </p:spPr>
+        <p:style>
+          <a:lnRef idx="1">
+            <a:schemeClr val="accent1"/>
+          </a:lnRef>
+          <a:fillRef idx="0">
+            <a:schemeClr val="accent1"/>
+          </a:fillRef>
+          <a:effectRef idx="0">
+            <a:schemeClr val="accent1"/>
+          </a:effectRef>
+          <a:fontRef idx="minor">
+            <a:schemeClr val="tx1"/>
+          </a:fontRef>
+        </p:style>
+      </p:cxnSp>
+      <p:cxnSp>
+        <p:nvCxnSpPr>
+          <p:cNvPr id="13" name="直線單箭頭接點 12"/>
+          <p:cNvCxnSpPr/>
+          <p:nvPr/>
+        </p:nvCxnSpPr>
+        <p:spPr>
+          <a:xfrm>
+            <a:off x="213360" y="4215813"/>
+            <a:ext cx="1534160" cy="1961467"/>
+          </a:xfrm>
+          <a:prstGeom prst="straightConnector1">
+            <a:avLst/>
+          </a:prstGeom>
+          <a:ln>
+            <a:solidFill>
+              <a:schemeClr val="tx1"/>
+            </a:solidFill>
+            <a:headEnd type="triangle"/>
+            <a:tailEnd type="triangle"/>
+          </a:ln>
+        </p:spPr>
+        <p:style>
+          <a:lnRef idx="1">
+            <a:schemeClr val="accent1"/>
+          </a:lnRef>
+          <a:fillRef idx="0">
+            <a:schemeClr val="accent1"/>
+          </a:fillRef>
+          <a:effectRef idx="0">
+            <a:schemeClr val="accent1"/>
+          </a:effectRef>
+          <a:fontRef idx="minor">
+            <a:schemeClr val="tx1"/>
+          </a:fontRef>
+        </p:style>
+      </p:cxnSp>
+      <p:sp>
+        <p:nvSpPr>
+          <p:cNvPr id="14" name="文字方塊 13"/>
+          <p:cNvSpPr txBox="1"/>
+          <p:nvPr/>
+        </p:nvSpPr>
+        <p:spPr>
+          <a:xfrm>
+            <a:off x="234082" y="4915828"/>
+            <a:ext cx="746358" cy="561436"/>
+          </a:xfrm>
+          <a:prstGeom prst="rect">
+            <a:avLst/>
+          </a:prstGeom>
+          <a:noFill/>
+        </p:spPr>
+        <p:txBody>
+          <a:bodyPr wrap="none" lIns="0" rtlCol="0" anchor="t">
+            <a:spAutoFit/>
+          </a:bodyPr>
+          <a:lstStyle/>
+          <a:p>
+            <a:pPr algn="l">
+              <a:lnSpc>
+                <a:spcPct val="120000"/>
+              </a:lnSpc>
+            </a:pPr>
+            <a:r>
+              <a:rPr lang="en-US" altLang="zh-TW" sz="2800" dirty="0" smtClean="0">
+                <a:latin typeface="Segoe UI Light" panose="020B0502040204020203" pitchFamily="34" charset="0"/>
+                <a:cs typeface="Segoe UI Light" panose="020B0502040204020203" pitchFamily="34" charset="0"/>
+              </a:rPr>
+              <a:t>77m</a:t>
+            </a:r>
+            <a:endParaRPr lang="zh-TW" altLang="en-US" sz="2800" dirty="0" smtClean="0">
+              <a:latin typeface="Segoe UI Light" panose="020B0502040204020203" pitchFamily="34" charset="0"/>
+              <a:cs typeface="Segoe UI Light" panose="020B0502040204020203" pitchFamily="34" charset="0"/>
+            </a:endParaRPr>
+          </a:p>
+        </p:txBody>
+      </p:sp>
+      <p:sp>
+        <p:nvSpPr>
+          <p:cNvPr id="15" name="文字方塊 14"/>
+          <p:cNvSpPr txBox="1"/>
+          <p:nvPr/>
+        </p:nvSpPr>
+        <p:spPr>
+          <a:xfrm>
+            <a:off x="4409440" y="4270962"/>
+            <a:ext cx="884216" cy="561436"/>
+          </a:xfrm>
+          <a:prstGeom prst="rect">
+            <a:avLst/>
+          </a:prstGeom>
+          <a:noFill/>
+        </p:spPr>
+        <p:txBody>
+          <a:bodyPr wrap="none" lIns="0" rtlCol="0" anchor="t">
+            <a:spAutoFit/>
+          </a:bodyPr>
+          <a:lstStyle/>
+          <a:p>
+            <a:pPr algn="l">
+              <a:lnSpc>
+                <a:spcPct val="120000"/>
+              </a:lnSpc>
+            </a:pPr>
+            <a:r>
+              <a:rPr lang="en-US" altLang="zh-TW" sz="2800" dirty="0" smtClean="0">
+                <a:latin typeface="Segoe UI Light" panose="020B0502040204020203" pitchFamily="34" charset="0"/>
+                <a:cs typeface="Segoe UI Light" panose="020B0502040204020203" pitchFamily="34" charset="0"/>
+              </a:rPr>
+              <a:t>153m</a:t>
+            </a:r>
+            <a:endParaRPr lang="zh-TW" altLang="en-US" sz="2800" dirty="0" smtClean="0">
+              <a:latin typeface="Segoe UI Light" panose="020B0502040204020203" pitchFamily="34" charset="0"/>
+              <a:cs typeface="Segoe UI Light" panose="020B0502040204020203" pitchFamily="34" charset="0"/>
+            </a:endParaRPr>
+          </a:p>
+        </p:txBody>
+      </p:sp>
+      <p:cxnSp>
+        <p:nvCxnSpPr>
+          <p:cNvPr id="17" name="直線單箭頭接點 16"/>
+          <p:cNvCxnSpPr/>
+          <p:nvPr/>
+        </p:nvCxnSpPr>
+        <p:spPr>
+          <a:xfrm>
+            <a:off x="6252244" y="1442702"/>
+            <a:ext cx="0" cy="1361440"/>
+          </a:xfrm>
+          <a:prstGeom prst="straightConnector1">
+            <a:avLst/>
+          </a:prstGeom>
+          <a:ln>
+            <a:solidFill>
+              <a:schemeClr val="tx1"/>
+            </a:solidFill>
+            <a:headEnd type="triangle"/>
+            <a:tailEnd type="triangle"/>
+          </a:ln>
+        </p:spPr>
+        <p:style>
+          <a:lnRef idx="1">
+            <a:schemeClr val="accent1"/>
+          </a:lnRef>
+          <a:fillRef idx="0">
+            <a:schemeClr val="accent1"/>
+          </a:fillRef>
+          <a:effectRef idx="0">
+            <a:schemeClr val="accent1"/>
+          </a:effectRef>
+          <a:fontRef idx="minor">
+            <a:schemeClr val="tx1"/>
+          </a:fontRef>
+        </p:style>
+      </p:cxnSp>
+      <p:sp>
+        <p:nvSpPr>
+          <p:cNvPr id="18" name="文字方塊 17"/>
+          <p:cNvSpPr txBox="1"/>
+          <p:nvPr/>
+        </p:nvSpPr>
+        <p:spPr>
+          <a:xfrm>
+            <a:off x="6344230" y="1783746"/>
+            <a:ext cx="864980" cy="561436"/>
+          </a:xfrm>
+          <a:prstGeom prst="rect">
+            <a:avLst/>
+          </a:prstGeom>
+          <a:noFill/>
+        </p:spPr>
+        <p:txBody>
+          <a:bodyPr wrap="none" lIns="0" rtlCol="0" anchor="t">
+            <a:spAutoFit/>
+          </a:bodyPr>
+          <a:lstStyle/>
+          <a:p>
+            <a:pPr algn="l">
+              <a:lnSpc>
+                <a:spcPct val="120000"/>
+              </a:lnSpc>
+            </a:pPr>
+            <a:r>
+              <a:rPr lang="en-US" altLang="zh-TW" sz="2800" dirty="0" smtClean="0">
+                <a:latin typeface="Segoe UI Light" panose="020B0502040204020203" pitchFamily="34" charset="0"/>
+                <a:cs typeface="Segoe UI Light" panose="020B0502040204020203" pitchFamily="34" charset="0"/>
+              </a:rPr>
+              <a:t>9F B1</a:t>
+            </a:r>
+            <a:endParaRPr lang="zh-TW" altLang="en-US" sz="2800" dirty="0" smtClean="0">
+              <a:latin typeface="Segoe UI Light" panose="020B0502040204020203" pitchFamily="34" charset="0"/>
+              <a:cs typeface="Segoe UI Light" panose="020B0502040204020203" pitchFamily="34" charset="0"/>
+            </a:endParaRPr>
+          </a:p>
+        </p:txBody>
+      </p:sp>
+      <p:sp>
+        <p:nvSpPr>
+          <p:cNvPr id="19" name="文字方塊 18"/>
+          <p:cNvSpPr txBox="1"/>
+          <p:nvPr/>
+        </p:nvSpPr>
+        <p:spPr>
+          <a:xfrm>
+            <a:off x="7646103" y="1948741"/>
+            <a:ext cx="1401987" cy="762516"/>
+          </a:xfrm>
+          <a:prstGeom prst="rect">
+            <a:avLst/>
+          </a:prstGeom>
+          <a:noFill/>
+        </p:spPr>
+        <p:txBody>
+          <a:bodyPr wrap="none" lIns="0" rtlCol="0" anchor="t">
+            <a:spAutoFit/>
+          </a:bodyPr>
+          <a:lstStyle/>
+          <a:p>
+            <a:pPr algn="r">
+              <a:lnSpc>
+                <a:spcPct val="120000"/>
+              </a:lnSpc>
+            </a:pPr>
+            <a:r>
+              <a:rPr lang="en-US" altLang="zh-TW" sz="4000" dirty="0" smtClean="0">
+                <a:solidFill>
+                  <a:schemeClr val="accent1"/>
+                </a:solidFill>
+                <a:latin typeface="Segoe UI Light" panose="020B0502040204020203" pitchFamily="34" charset="0"/>
+                <a:cs typeface="Segoe UI Light" panose="020B0502040204020203" pitchFamily="34" charset="0"/>
+              </a:rPr>
+              <a:t>93</a:t>
+            </a:r>
+            <a:r>
+              <a:rPr lang="en-US" altLang="zh-TW" sz="4000" dirty="0" smtClean="0">
+                <a:solidFill>
+                  <a:schemeClr val="accent1"/>
+                </a:solidFill>
+                <a:latin typeface="Segoe UI Light" panose="020B0502040204020203" pitchFamily="34" charset="0"/>
+                <a:cs typeface="Segoe UI Light" panose="020B0502040204020203" pitchFamily="34" charset="0"/>
+              </a:rPr>
+              <a:t>.5%</a:t>
+            </a:r>
+            <a:endParaRPr lang="zh-TW" altLang="en-US" sz="4000" dirty="0" smtClean="0">
+              <a:solidFill>
+                <a:schemeClr val="accent1"/>
+              </a:solidFill>
+              <a:latin typeface="Segoe UI Light" panose="020B0502040204020203" pitchFamily="34" charset="0"/>
+              <a:cs typeface="Segoe UI Light" panose="020B0502040204020203" pitchFamily="34" charset="0"/>
+            </a:endParaRPr>
+          </a:p>
+        </p:txBody>
+      </p:sp>
+      <p:sp>
+        <p:nvSpPr>
+          <p:cNvPr id="20" name="文字方塊 19"/>
+          <p:cNvSpPr txBox="1"/>
+          <p:nvPr/>
+        </p:nvSpPr>
+        <p:spPr>
+          <a:xfrm>
+            <a:off x="7719842" y="3384790"/>
+            <a:ext cx="1410001" cy="762516"/>
+          </a:xfrm>
+          <a:prstGeom prst="rect">
+            <a:avLst/>
+          </a:prstGeom>
+          <a:noFill/>
+        </p:spPr>
+        <p:txBody>
+          <a:bodyPr wrap="none" lIns="0" rtlCol="0" anchor="t">
+            <a:spAutoFit/>
+          </a:bodyPr>
+          <a:lstStyle/>
+          <a:p>
+            <a:pPr algn="r">
+              <a:lnSpc>
+                <a:spcPct val="120000"/>
+              </a:lnSpc>
+            </a:pPr>
+            <a:r>
+              <a:rPr lang="en-US" altLang="zh-TW" sz="4000" dirty="0" smtClean="0">
+                <a:solidFill>
+                  <a:schemeClr val="accent2"/>
+                </a:solidFill>
+                <a:latin typeface="Segoe UI Light" panose="020B0502040204020203" pitchFamily="34" charset="0"/>
+                <a:cs typeface="Segoe UI Light" panose="020B0502040204020203" pitchFamily="34" charset="0"/>
+              </a:rPr>
+              <a:t>9</a:t>
+            </a:r>
+            <a:r>
+              <a:rPr lang="en-US" altLang="zh-TW" sz="4000" dirty="0" smtClean="0">
+                <a:solidFill>
+                  <a:schemeClr val="accent2"/>
+                </a:solidFill>
+                <a:latin typeface="Segoe UI Light" panose="020B0502040204020203" pitchFamily="34" charset="0"/>
+                <a:cs typeface="Segoe UI Light" panose="020B0502040204020203" pitchFamily="34" charset="0"/>
+              </a:rPr>
+              <a:t>2.4%</a:t>
+            </a:r>
+            <a:endParaRPr lang="zh-TW" altLang="en-US" sz="4000" dirty="0" smtClean="0">
+              <a:solidFill>
+                <a:schemeClr val="accent2"/>
+              </a:solidFill>
+              <a:latin typeface="Segoe UI Light" panose="020B0502040204020203" pitchFamily="34" charset="0"/>
+              <a:cs typeface="Segoe UI Light" panose="020B0502040204020203" pitchFamily="34" charset="0"/>
+            </a:endParaRPr>
+          </a:p>
+        </p:txBody>
+      </p:sp>
+      <p:sp>
+        <p:nvSpPr>
+          <p:cNvPr id="21" name="文字方塊 20"/>
+          <p:cNvSpPr txBox="1"/>
+          <p:nvPr/>
+        </p:nvSpPr>
+        <p:spPr>
+          <a:xfrm>
+            <a:off x="7727856" y="4818557"/>
+            <a:ext cx="1401987" cy="762516"/>
+          </a:xfrm>
+          <a:prstGeom prst="rect">
+            <a:avLst/>
+          </a:prstGeom>
+          <a:noFill/>
+        </p:spPr>
+        <p:txBody>
+          <a:bodyPr wrap="none" lIns="0" rtlCol="0" anchor="t">
+            <a:spAutoFit/>
+          </a:bodyPr>
+          <a:lstStyle/>
+          <a:p>
+            <a:pPr algn="r">
+              <a:lnSpc>
+                <a:spcPct val="120000"/>
+              </a:lnSpc>
+            </a:pPr>
+            <a:r>
+              <a:rPr lang="en-US" altLang="zh-TW" sz="4000" dirty="0" smtClean="0">
+                <a:solidFill>
+                  <a:schemeClr val="accent3"/>
+                </a:solidFill>
+                <a:latin typeface="Segoe UI Light" panose="020B0502040204020203" pitchFamily="34" charset="0"/>
+                <a:cs typeface="Segoe UI Light" panose="020B0502040204020203" pitchFamily="34" charset="0"/>
+              </a:rPr>
+              <a:t>94</a:t>
+            </a:r>
+            <a:r>
+              <a:rPr lang="en-US" altLang="zh-TW" sz="4000" dirty="0" smtClean="0">
+                <a:solidFill>
+                  <a:schemeClr val="accent3"/>
+                </a:solidFill>
+                <a:latin typeface="Segoe UI Light" panose="020B0502040204020203" pitchFamily="34" charset="0"/>
+                <a:cs typeface="Segoe UI Light" panose="020B0502040204020203" pitchFamily="34" charset="0"/>
+              </a:rPr>
+              <a:t>.7%</a:t>
+            </a:r>
+            <a:endParaRPr lang="zh-TW" altLang="en-US" sz="4000" dirty="0" smtClean="0">
+              <a:solidFill>
+                <a:schemeClr val="accent3"/>
+              </a:solidFill>
+              <a:latin typeface="Segoe UI Light" panose="020B0502040204020203" pitchFamily="34" charset="0"/>
+              <a:cs typeface="Segoe UI Light" panose="020B0502040204020203" pitchFamily="34" charset="0"/>
+            </a:endParaRPr>
+          </a:p>
+        </p:txBody>
+      </p:sp>
+      <p:sp>
+        <p:nvSpPr>
+          <p:cNvPr id="22" name="文字方塊 21"/>
+          <p:cNvSpPr txBox="1"/>
+          <p:nvPr/>
+        </p:nvSpPr>
+        <p:spPr>
+          <a:xfrm>
+            <a:off x="3944515" y="5601393"/>
+            <a:ext cx="2246769" cy="609398"/>
+          </a:xfrm>
+          <a:prstGeom prst="rect">
+            <a:avLst/>
+          </a:prstGeom>
+          <a:noFill/>
+        </p:spPr>
+        <p:txBody>
+          <a:bodyPr wrap="none" lIns="0" rtlCol="0" anchor="t">
+            <a:spAutoFit/>
+          </a:bodyPr>
+          <a:lstStyle/>
+          <a:p>
+            <a:pPr algn="l">
+              <a:lnSpc>
+                <a:spcPct val="120000"/>
+              </a:lnSpc>
+            </a:pPr>
+            <a:r>
+              <a:rPr lang="zh-TW" altLang="en-US" sz="2800" dirty="0" smtClean="0">
+                <a:latin typeface="Segoe UI Light" panose="020B0502040204020203" pitchFamily="34" charset="0"/>
+                <a:cs typeface="Segoe UI Light" panose="020B0502040204020203" pitchFamily="34" charset="0"/>
+              </a:rPr>
+              <a:t>高雄物流中心</a:t>
+            </a:r>
+            <a:endParaRPr lang="zh-TW" altLang="en-US" sz="2800" dirty="0" smtClean="0">
+              <a:latin typeface="Segoe UI Light" panose="020B0502040204020203" pitchFamily="34" charset="0"/>
+              <a:cs typeface="Segoe UI Light" panose="020B0502040204020203" pitchFamily="34" charset="0"/>
+            </a:endParaRPr>
+          </a:p>
+        </p:txBody>
+      </p:sp>
     </p:spTree>
     <p:extLst>
       <p:ext uri="{BB962C8B-B14F-4D97-AF65-F5344CB8AC3E}">
@@ -29746,6 +32944,13 @@
       </p:transition>
     </mc:Fallback>
   </mc:AlternateContent>
+  <p:timing>
+    <p:tnLst>
+      <p:par>
+        <p:cTn id="1" dur="indefinite" restart="never" nodeType="tmRoot"/>
+      </p:par>
+    </p:tnLst>
+  </p:timing>
 </p:sld>
 </file>
 
@@ -29768,6 +32973,29 @@
       </p:grpSpPr>
       <p:sp>
         <p:nvSpPr>
+          <p:cNvPr id="13" name="文字版面配置區 12"/>
+          <p:cNvSpPr>
+            <a:spLocks noGrp="1"/>
+          </p:cNvSpPr>
+          <p:nvPr>
+            <p:ph type="body" sz="quarter" idx="10"/>
+          </p:nvPr>
+        </p:nvSpPr>
+        <p:spPr/>
+        <p:txBody>
+          <a:bodyPr/>
+          <a:lstStyle/>
+          <a:p>
+            <a:r>
+              <a:rPr lang="en-US" altLang="zh-TW" dirty="0"/>
+              <a:t>TRADITION</a:t>
+            </a:r>
+            <a:endParaRPr lang="zh-TW" altLang="en-US" dirty="0"/>
+          </a:p>
+        </p:txBody>
+      </p:sp>
+      <p:sp>
+        <p:nvSpPr>
           <p:cNvPr id="2" name="Slide Number Placeholder 1"/>
           <p:cNvSpPr>
             <a:spLocks noGrp="1"/>
@@ -29798,14 +33026,25 @@
           <p:nvPr/>
         </p:nvPicPr>
         <p:blipFill>
-          <a:blip r:embed="rId3"/>
+          <a:blip r:embed="rId3">
+            <a:clrChange>
+              <a:clrFrom>
+                <a:srgbClr val="FFFFFF"/>
+              </a:clrFrom>
+              <a:clrTo>
+                <a:srgbClr val="FFFFFF">
+                  <a:alpha val="0"/>
+                </a:srgbClr>
+              </a:clrTo>
+            </a:clrChange>
+          </a:blip>
           <a:stretch>
             <a:fillRect/>
           </a:stretch>
         </p:blipFill>
         <p:spPr>
           <a:xfrm>
-            <a:off x="0" y="943803"/>
+            <a:off x="0" y="1286703"/>
             <a:ext cx="6095238" cy="4552381"/>
           </a:xfrm>
           <a:prstGeom prst="rect">
@@ -29822,14 +33061,25 @@
           <p:nvPr/>
         </p:nvPicPr>
         <p:blipFill>
-          <a:blip r:embed="rId4"/>
+          <a:blip r:embed="rId4">
+            <a:clrChange>
+              <a:clrFrom>
+                <a:srgbClr val="FFFFFF"/>
+              </a:clrFrom>
+              <a:clrTo>
+                <a:srgbClr val="FFFFFF">
+                  <a:alpha val="0"/>
+                </a:srgbClr>
+              </a:clrTo>
+            </a:clrChange>
+          </a:blip>
           <a:stretch>
             <a:fillRect/>
           </a:stretch>
         </p:blipFill>
         <p:spPr>
           <a:xfrm>
-            <a:off x="6095238" y="943803"/>
+            <a:off x="6095238" y="1286703"/>
             <a:ext cx="6095238" cy="4552381"/>
           </a:xfrm>
           <a:prstGeom prst="rect">
@@ -29837,6 +33087,398 @@
           </a:prstGeom>
         </p:spPr>
       </p:pic>
+      <p:sp>
+        <p:nvSpPr>
+          <p:cNvPr id="5" name="文字方塊 4"/>
+          <p:cNvSpPr txBox="1"/>
+          <p:nvPr/>
+        </p:nvSpPr>
+        <p:spPr>
+          <a:xfrm>
+            <a:off x="2173550" y="5526670"/>
+            <a:ext cx="472245" cy="494431"/>
+          </a:xfrm>
+          <a:prstGeom prst="rect">
+            <a:avLst/>
+          </a:prstGeom>
+          <a:noFill/>
+        </p:spPr>
+        <p:txBody>
+          <a:bodyPr wrap="none" lIns="0" rtlCol="0" anchor="t">
+            <a:spAutoFit/>
+          </a:bodyPr>
+          <a:lstStyle/>
+          <a:p>
+            <a:pPr algn="l">
+              <a:lnSpc>
+                <a:spcPct val="120000"/>
+              </a:lnSpc>
+            </a:pPr>
+            <a:r>
+              <a:rPr lang="en-US" altLang="zh-TW" sz="2400" dirty="0" smtClean="0">
+                <a:latin typeface="Segoe UI Light" panose="020B0502040204020203" pitchFamily="34" charset="0"/>
+                <a:cs typeface="Segoe UI Light" panose="020B0502040204020203" pitchFamily="34" charset="0"/>
+              </a:rPr>
+              <a:t>1/3</a:t>
+            </a:r>
+            <a:endParaRPr lang="zh-TW" altLang="en-US" sz="2400" dirty="0" smtClean="0">
+              <a:latin typeface="Segoe UI Light" panose="020B0502040204020203" pitchFamily="34" charset="0"/>
+              <a:cs typeface="Segoe UI Light" panose="020B0502040204020203" pitchFamily="34" charset="0"/>
+            </a:endParaRPr>
+          </a:p>
+        </p:txBody>
+      </p:sp>
+      <p:sp>
+        <p:nvSpPr>
+          <p:cNvPr id="6" name="文字方塊 5"/>
+          <p:cNvSpPr txBox="1"/>
+          <p:nvPr/>
+        </p:nvSpPr>
+        <p:spPr>
+          <a:xfrm>
+            <a:off x="1597610" y="5942552"/>
+            <a:ext cx="472245" cy="494431"/>
+          </a:xfrm>
+          <a:prstGeom prst="rect">
+            <a:avLst/>
+          </a:prstGeom>
+          <a:noFill/>
+        </p:spPr>
+        <p:txBody>
+          <a:bodyPr wrap="none" lIns="0" rtlCol="0" anchor="t">
+            <a:spAutoFit/>
+          </a:bodyPr>
+          <a:lstStyle/>
+          <a:p>
+            <a:pPr algn="l">
+              <a:lnSpc>
+                <a:spcPct val="120000"/>
+              </a:lnSpc>
+            </a:pPr>
+            <a:r>
+              <a:rPr lang="en-US" altLang="zh-TW" sz="2400" dirty="0" smtClean="0">
+                <a:latin typeface="Segoe UI Light" panose="020B0502040204020203" pitchFamily="34" charset="0"/>
+                <a:cs typeface="Segoe UI Light" panose="020B0502040204020203" pitchFamily="34" charset="0"/>
+              </a:rPr>
+              <a:t>1/5</a:t>
+            </a:r>
+            <a:endParaRPr lang="zh-TW" altLang="en-US" sz="2400" dirty="0" smtClean="0">
+              <a:latin typeface="Segoe UI Light" panose="020B0502040204020203" pitchFamily="34" charset="0"/>
+              <a:cs typeface="Segoe UI Light" panose="020B0502040204020203" pitchFamily="34" charset="0"/>
+            </a:endParaRPr>
+          </a:p>
+        </p:txBody>
+      </p:sp>
+      <p:sp>
+        <p:nvSpPr>
+          <p:cNvPr id="7" name="文字方塊 6"/>
+          <p:cNvSpPr txBox="1"/>
+          <p:nvPr/>
+        </p:nvSpPr>
+        <p:spPr>
+          <a:xfrm>
+            <a:off x="3610493" y="5526670"/>
+            <a:ext cx="472245" cy="494431"/>
+          </a:xfrm>
+          <a:prstGeom prst="rect">
+            <a:avLst/>
+          </a:prstGeom>
+          <a:noFill/>
+        </p:spPr>
+        <p:txBody>
+          <a:bodyPr wrap="none" lIns="0" rtlCol="0" anchor="t">
+            <a:spAutoFit/>
+          </a:bodyPr>
+          <a:lstStyle/>
+          <a:p>
+            <a:pPr algn="l">
+              <a:lnSpc>
+                <a:spcPct val="120000"/>
+              </a:lnSpc>
+            </a:pPr>
+            <a:r>
+              <a:rPr lang="en-US" altLang="zh-TW" sz="2400" dirty="0">
+                <a:latin typeface="Segoe UI Light" panose="020B0502040204020203" pitchFamily="34" charset="0"/>
+                <a:cs typeface="Segoe UI Light" panose="020B0502040204020203" pitchFamily="34" charset="0"/>
+              </a:rPr>
+              <a:t>1</a:t>
+            </a:r>
+            <a:r>
+              <a:rPr lang="en-US" altLang="zh-TW" sz="2400" dirty="0" smtClean="0">
+                <a:latin typeface="Segoe UI Light" panose="020B0502040204020203" pitchFamily="34" charset="0"/>
+                <a:cs typeface="Segoe UI Light" panose="020B0502040204020203" pitchFamily="34" charset="0"/>
+              </a:rPr>
+              <a:t>/3</a:t>
+            </a:r>
+            <a:endParaRPr lang="zh-TW" altLang="en-US" sz="2400" dirty="0" smtClean="0">
+              <a:latin typeface="Segoe UI Light" panose="020B0502040204020203" pitchFamily="34" charset="0"/>
+              <a:cs typeface="Segoe UI Light" panose="020B0502040204020203" pitchFamily="34" charset="0"/>
+            </a:endParaRPr>
+          </a:p>
+        </p:txBody>
+      </p:sp>
+      <p:sp>
+        <p:nvSpPr>
+          <p:cNvPr id="8" name="文字方塊 7"/>
+          <p:cNvSpPr txBox="1"/>
+          <p:nvPr/>
+        </p:nvSpPr>
+        <p:spPr>
+          <a:xfrm>
+            <a:off x="4180021" y="5942552"/>
+            <a:ext cx="472245" cy="494431"/>
+          </a:xfrm>
+          <a:prstGeom prst="rect">
+            <a:avLst/>
+          </a:prstGeom>
+          <a:noFill/>
+        </p:spPr>
+        <p:txBody>
+          <a:bodyPr wrap="none" lIns="0" rtlCol="0" anchor="t">
+            <a:spAutoFit/>
+          </a:bodyPr>
+          <a:lstStyle/>
+          <a:p>
+            <a:pPr algn="l">
+              <a:lnSpc>
+                <a:spcPct val="120000"/>
+              </a:lnSpc>
+            </a:pPr>
+            <a:r>
+              <a:rPr lang="en-US" altLang="zh-TW" sz="2400" dirty="0">
+                <a:latin typeface="Segoe UI Light" panose="020B0502040204020203" pitchFamily="34" charset="0"/>
+                <a:cs typeface="Segoe UI Light" panose="020B0502040204020203" pitchFamily="34" charset="0"/>
+              </a:rPr>
+              <a:t>1</a:t>
+            </a:r>
+            <a:r>
+              <a:rPr lang="en-US" altLang="zh-TW" sz="2400" dirty="0" smtClean="0">
+                <a:latin typeface="Segoe UI Light" panose="020B0502040204020203" pitchFamily="34" charset="0"/>
+                <a:cs typeface="Segoe UI Light" panose="020B0502040204020203" pitchFamily="34" charset="0"/>
+              </a:rPr>
+              <a:t>/5</a:t>
+            </a:r>
+            <a:endParaRPr lang="zh-TW" altLang="en-US" sz="2400" dirty="0" smtClean="0">
+              <a:latin typeface="Segoe UI Light" panose="020B0502040204020203" pitchFamily="34" charset="0"/>
+              <a:cs typeface="Segoe UI Light" panose="020B0502040204020203" pitchFamily="34" charset="0"/>
+            </a:endParaRPr>
+          </a:p>
+        </p:txBody>
+      </p:sp>
+      <p:sp>
+        <p:nvSpPr>
+          <p:cNvPr id="9" name="文字方塊 8"/>
+          <p:cNvSpPr txBox="1"/>
+          <p:nvPr/>
+        </p:nvSpPr>
+        <p:spPr>
+          <a:xfrm>
+            <a:off x="8282250" y="5526670"/>
+            <a:ext cx="472245" cy="494431"/>
+          </a:xfrm>
+          <a:prstGeom prst="rect">
+            <a:avLst/>
+          </a:prstGeom>
+          <a:noFill/>
+        </p:spPr>
+        <p:txBody>
+          <a:bodyPr wrap="none" lIns="0" rtlCol="0" anchor="t">
+            <a:spAutoFit/>
+          </a:bodyPr>
+          <a:lstStyle/>
+          <a:p>
+            <a:pPr algn="l">
+              <a:lnSpc>
+                <a:spcPct val="120000"/>
+              </a:lnSpc>
+            </a:pPr>
+            <a:r>
+              <a:rPr lang="en-US" altLang="zh-TW" sz="2400" dirty="0" smtClean="0">
+                <a:latin typeface="Segoe UI Light" panose="020B0502040204020203" pitchFamily="34" charset="0"/>
+                <a:cs typeface="Segoe UI Light" panose="020B0502040204020203" pitchFamily="34" charset="0"/>
+              </a:rPr>
+              <a:t>1/3</a:t>
+            </a:r>
+            <a:endParaRPr lang="zh-TW" altLang="en-US" sz="2400" dirty="0" smtClean="0">
+              <a:latin typeface="Segoe UI Light" panose="020B0502040204020203" pitchFamily="34" charset="0"/>
+              <a:cs typeface="Segoe UI Light" panose="020B0502040204020203" pitchFamily="34" charset="0"/>
+            </a:endParaRPr>
+          </a:p>
+        </p:txBody>
+      </p:sp>
+      <p:sp>
+        <p:nvSpPr>
+          <p:cNvPr id="10" name="文字方塊 9"/>
+          <p:cNvSpPr txBox="1"/>
+          <p:nvPr/>
+        </p:nvSpPr>
+        <p:spPr>
+          <a:xfrm>
+            <a:off x="7706310" y="5942552"/>
+            <a:ext cx="472245" cy="494431"/>
+          </a:xfrm>
+          <a:prstGeom prst="rect">
+            <a:avLst/>
+          </a:prstGeom>
+          <a:noFill/>
+        </p:spPr>
+        <p:txBody>
+          <a:bodyPr wrap="none" lIns="0" rtlCol="0" anchor="t">
+            <a:spAutoFit/>
+          </a:bodyPr>
+          <a:lstStyle/>
+          <a:p>
+            <a:pPr algn="l">
+              <a:lnSpc>
+                <a:spcPct val="120000"/>
+              </a:lnSpc>
+            </a:pPr>
+            <a:r>
+              <a:rPr lang="en-US" altLang="zh-TW" sz="2400" dirty="0" smtClean="0">
+                <a:latin typeface="Segoe UI Light" panose="020B0502040204020203" pitchFamily="34" charset="0"/>
+                <a:cs typeface="Segoe UI Light" panose="020B0502040204020203" pitchFamily="34" charset="0"/>
+              </a:rPr>
+              <a:t>1/5</a:t>
+            </a:r>
+            <a:endParaRPr lang="zh-TW" altLang="en-US" sz="2400" dirty="0" smtClean="0">
+              <a:latin typeface="Segoe UI Light" panose="020B0502040204020203" pitchFamily="34" charset="0"/>
+              <a:cs typeface="Segoe UI Light" panose="020B0502040204020203" pitchFamily="34" charset="0"/>
+            </a:endParaRPr>
+          </a:p>
+        </p:txBody>
+      </p:sp>
+      <p:sp>
+        <p:nvSpPr>
+          <p:cNvPr id="11" name="文字方塊 10"/>
+          <p:cNvSpPr txBox="1"/>
+          <p:nvPr/>
+        </p:nvSpPr>
+        <p:spPr>
+          <a:xfrm>
+            <a:off x="9719193" y="5526670"/>
+            <a:ext cx="472245" cy="494431"/>
+          </a:xfrm>
+          <a:prstGeom prst="rect">
+            <a:avLst/>
+          </a:prstGeom>
+          <a:noFill/>
+        </p:spPr>
+        <p:txBody>
+          <a:bodyPr wrap="none" lIns="0" rtlCol="0" anchor="t">
+            <a:spAutoFit/>
+          </a:bodyPr>
+          <a:lstStyle/>
+          <a:p>
+            <a:pPr algn="l">
+              <a:lnSpc>
+                <a:spcPct val="120000"/>
+              </a:lnSpc>
+            </a:pPr>
+            <a:r>
+              <a:rPr lang="en-US" altLang="zh-TW" sz="2400" dirty="0">
+                <a:latin typeface="Segoe UI Light" panose="020B0502040204020203" pitchFamily="34" charset="0"/>
+                <a:cs typeface="Segoe UI Light" panose="020B0502040204020203" pitchFamily="34" charset="0"/>
+              </a:rPr>
+              <a:t>1</a:t>
+            </a:r>
+            <a:r>
+              <a:rPr lang="en-US" altLang="zh-TW" sz="2400" dirty="0" smtClean="0">
+                <a:latin typeface="Segoe UI Light" panose="020B0502040204020203" pitchFamily="34" charset="0"/>
+                <a:cs typeface="Segoe UI Light" panose="020B0502040204020203" pitchFamily="34" charset="0"/>
+              </a:rPr>
+              <a:t>/3</a:t>
+            </a:r>
+            <a:endParaRPr lang="zh-TW" altLang="en-US" sz="2400" dirty="0" smtClean="0">
+              <a:latin typeface="Segoe UI Light" panose="020B0502040204020203" pitchFamily="34" charset="0"/>
+              <a:cs typeface="Segoe UI Light" panose="020B0502040204020203" pitchFamily="34" charset="0"/>
+            </a:endParaRPr>
+          </a:p>
+        </p:txBody>
+      </p:sp>
+      <p:sp>
+        <p:nvSpPr>
+          <p:cNvPr id="12" name="文字方塊 11"/>
+          <p:cNvSpPr txBox="1"/>
+          <p:nvPr/>
+        </p:nvSpPr>
+        <p:spPr>
+          <a:xfrm>
+            <a:off x="10288721" y="5942552"/>
+            <a:ext cx="472245" cy="494431"/>
+          </a:xfrm>
+          <a:prstGeom prst="rect">
+            <a:avLst/>
+          </a:prstGeom>
+          <a:noFill/>
+        </p:spPr>
+        <p:txBody>
+          <a:bodyPr wrap="none" lIns="0" rtlCol="0" anchor="t">
+            <a:spAutoFit/>
+          </a:bodyPr>
+          <a:lstStyle/>
+          <a:p>
+            <a:pPr algn="l">
+              <a:lnSpc>
+                <a:spcPct val="120000"/>
+              </a:lnSpc>
+            </a:pPr>
+            <a:r>
+              <a:rPr lang="en-US" altLang="zh-TW" sz="2400" dirty="0">
+                <a:latin typeface="Segoe UI Light" panose="020B0502040204020203" pitchFamily="34" charset="0"/>
+                <a:cs typeface="Segoe UI Light" panose="020B0502040204020203" pitchFamily="34" charset="0"/>
+              </a:rPr>
+              <a:t>1</a:t>
+            </a:r>
+            <a:r>
+              <a:rPr lang="en-US" altLang="zh-TW" sz="2400" dirty="0" smtClean="0">
+                <a:latin typeface="Segoe UI Light" panose="020B0502040204020203" pitchFamily="34" charset="0"/>
+                <a:cs typeface="Segoe UI Light" panose="020B0502040204020203" pitchFamily="34" charset="0"/>
+              </a:rPr>
+              <a:t>/5</a:t>
+            </a:r>
+            <a:endParaRPr lang="zh-TW" altLang="en-US" sz="2400" dirty="0" smtClean="0">
+              <a:latin typeface="Segoe UI Light" panose="020B0502040204020203" pitchFamily="34" charset="0"/>
+              <a:cs typeface="Segoe UI Light" panose="020B0502040204020203" pitchFamily="34" charset="0"/>
+            </a:endParaRPr>
+          </a:p>
+        </p:txBody>
+      </p:sp>
+      <p:cxnSp>
+        <p:nvCxnSpPr>
+          <p:cNvPr id="15" name="直線單箭頭接點 14"/>
+          <p:cNvCxnSpPr/>
+          <p:nvPr/>
+        </p:nvCxnSpPr>
+        <p:spPr>
+          <a:xfrm>
+            <a:off x="5702300" y="3429000"/>
+            <a:ext cx="685800" cy="0"/>
+          </a:xfrm>
+          <a:prstGeom prst="straightConnector1">
+            <a:avLst/>
+          </a:prstGeom>
+          <a:ln>
+            <a:solidFill>
+              <a:schemeClr val="tx1"/>
+            </a:solidFill>
+            <a:tailEnd type="triangle"/>
+          </a:ln>
+        </p:spPr>
+        <p:style>
+          <a:lnRef idx="1">
+            <a:schemeClr val="accent1"/>
+          </a:lnRef>
+          <a:fillRef idx="0">
+            <a:schemeClr val="accent1"/>
+          </a:fillRef>
+          <a:effectRef idx="0">
+            <a:schemeClr val="accent1"/>
+          </a:effectRef>
+          <a:fontRef idx="minor">
+            <a:schemeClr val="tx1"/>
+          </a:fontRef>
+        </p:style>
+      </p:cxnSp>
     </p:spTree>
     <p:extLst>
       <p:ext uri="{BB962C8B-B14F-4D97-AF65-F5344CB8AC3E}">
@@ -29859,6 +33501,13 @@
       </p:transition>
     </mc:Fallback>
   </mc:AlternateContent>
+  <p:timing>
+    <p:tnLst>
+      <p:par>
+        <p:cTn id="1" dur="indefinite" restart="never" nodeType="tmRoot"/>
+      </p:par>
+    </p:tnLst>
+  </p:timing>
 </p:sld>
 </file>
 
@@ -29881,6 +33530,34 @@
       </p:grpSpPr>
       <p:sp>
         <p:nvSpPr>
+          <p:cNvPr id="4" name="文字版面配置區 3"/>
+          <p:cNvSpPr>
+            <a:spLocks noGrp="1"/>
+          </p:cNvSpPr>
+          <p:nvPr>
+            <p:ph type="body" sz="quarter" idx="10"/>
+          </p:nvPr>
+        </p:nvSpPr>
+        <p:spPr>
+          <a:xfrm>
+            <a:off x="839788" y="660400"/>
+            <a:ext cx="4481512" cy="701731"/>
+          </a:xfrm>
+        </p:spPr>
+        <p:txBody>
+          <a:bodyPr/>
+          <a:lstStyle/>
+          <a:p>
+            <a:r>
+              <a:rPr lang="en-US" altLang="zh-TW" dirty="0" smtClean="0"/>
+              <a:t>TRADITION</a:t>
+            </a:r>
+            <a:endParaRPr lang="en-US" altLang="zh-TW" dirty="0"/>
+          </a:p>
+        </p:txBody>
+      </p:sp>
+      <p:sp>
+        <p:nvSpPr>
           <p:cNvPr id="2" name="Slide Number Placeholder 1"/>
           <p:cNvSpPr>
             <a:spLocks noGrp="1"/>
@@ -29911,14 +33588,25 @@
           <p:nvPr/>
         </p:nvPicPr>
         <p:blipFill>
-          <a:blip r:embed="rId3"/>
+          <a:blip r:embed="rId3">
+            <a:clrChange>
+              <a:clrFrom>
+                <a:srgbClr val="FFFFFF"/>
+              </a:clrFrom>
+              <a:clrTo>
+                <a:srgbClr val="FFFFFF">
+                  <a:alpha val="0"/>
+                </a:srgbClr>
+              </a:clrTo>
+            </a:clrChange>
+          </a:blip>
           <a:stretch>
             <a:fillRect/>
           </a:stretch>
         </p:blipFill>
         <p:spPr>
           <a:xfrm>
-            <a:off x="3048381" y="1152809"/>
+            <a:off x="3048381" y="1762409"/>
             <a:ext cx="6095238" cy="4552381"/>
           </a:xfrm>
           <a:prstGeom prst="rect">
@@ -29926,6 +33614,521 @@
           </a:prstGeom>
         </p:spPr>
       </p:pic>
+      <p:sp>
+        <p:nvSpPr>
+          <p:cNvPr id="5" name="文字方塊 4"/>
+          <p:cNvSpPr txBox="1"/>
+          <p:nvPr/>
+        </p:nvSpPr>
+        <p:spPr>
+          <a:xfrm>
+            <a:off x="5221550" y="6060070"/>
+            <a:ext cx="472245" cy="494431"/>
+          </a:xfrm>
+          <a:prstGeom prst="rect">
+            <a:avLst/>
+          </a:prstGeom>
+          <a:noFill/>
+        </p:spPr>
+        <p:txBody>
+          <a:bodyPr wrap="none" lIns="0" rtlCol="0" anchor="t">
+            <a:spAutoFit/>
+          </a:bodyPr>
+          <a:lstStyle/>
+          <a:p>
+            <a:pPr algn="l">
+              <a:lnSpc>
+                <a:spcPct val="120000"/>
+              </a:lnSpc>
+            </a:pPr>
+            <a:r>
+              <a:rPr lang="en-US" altLang="zh-TW" sz="2400" dirty="0" smtClean="0">
+                <a:latin typeface="Segoe UI Light" panose="020B0502040204020203" pitchFamily="34" charset="0"/>
+                <a:cs typeface="Segoe UI Light" panose="020B0502040204020203" pitchFamily="34" charset="0"/>
+              </a:rPr>
+              <a:t>1/3</a:t>
+            </a:r>
+            <a:endParaRPr lang="zh-TW" altLang="en-US" sz="2400" dirty="0" smtClean="0">
+              <a:latin typeface="Segoe UI Light" panose="020B0502040204020203" pitchFamily="34" charset="0"/>
+              <a:cs typeface="Segoe UI Light" panose="020B0502040204020203" pitchFamily="34" charset="0"/>
+            </a:endParaRPr>
+          </a:p>
+        </p:txBody>
+      </p:sp>
+      <p:sp>
+        <p:nvSpPr>
+          <p:cNvPr id="6" name="文字方塊 5"/>
+          <p:cNvSpPr txBox="1"/>
+          <p:nvPr/>
+        </p:nvSpPr>
+        <p:spPr>
+          <a:xfrm>
+            <a:off x="6658493" y="6060070"/>
+            <a:ext cx="472245" cy="494431"/>
+          </a:xfrm>
+          <a:prstGeom prst="rect">
+            <a:avLst/>
+          </a:prstGeom>
+          <a:noFill/>
+        </p:spPr>
+        <p:txBody>
+          <a:bodyPr wrap="none" lIns="0" rtlCol="0" anchor="t">
+            <a:spAutoFit/>
+          </a:bodyPr>
+          <a:lstStyle/>
+          <a:p>
+            <a:pPr algn="l">
+              <a:lnSpc>
+                <a:spcPct val="120000"/>
+              </a:lnSpc>
+            </a:pPr>
+            <a:r>
+              <a:rPr lang="en-US" altLang="zh-TW" sz="2400" dirty="0">
+                <a:latin typeface="Segoe UI Light" panose="020B0502040204020203" pitchFamily="34" charset="0"/>
+                <a:cs typeface="Segoe UI Light" panose="020B0502040204020203" pitchFamily="34" charset="0"/>
+              </a:rPr>
+              <a:t>1</a:t>
+            </a:r>
+            <a:r>
+              <a:rPr lang="en-US" altLang="zh-TW" sz="2400" dirty="0" smtClean="0">
+                <a:latin typeface="Segoe UI Light" panose="020B0502040204020203" pitchFamily="34" charset="0"/>
+                <a:cs typeface="Segoe UI Light" panose="020B0502040204020203" pitchFamily="34" charset="0"/>
+              </a:rPr>
+              <a:t>/3</a:t>
+            </a:r>
+            <a:endParaRPr lang="zh-TW" altLang="en-US" sz="2400" dirty="0" smtClean="0">
+              <a:latin typeface="Segoe UI Light" panose="020B0502040204020203" pitchFamily="34" charset="0"/>
+              <a:cs typeface="Segoe UI Light" panose="020B0502040204020203" pitchFamily="34" charset="0"/>
+            </a:endParaRPr>
+          </a:p>
+        </p:txBody>
+      </p:sp>
+      <p:cxnSp>
+        <p:nvCxnSpPr>
+          <p:cNvPr id="8" name="直線單箭頭接點 7"/>
+          <p:cNvCxnSpPr/>
+          <p:nvPr/>
+        </p:nvCxnSpPr>
+        <p:spPr>
+          <a:xfrm>
+            <a:off x="6362700" y="1549400"/>
+            <a:ext cx="1981200" cy="0"/>
+          </a:xfrm>
+          <a:prstGeom prst="straightConnector1">
+            <a:avLst/>
+          </a:prstGeom>
+          <a:ln>
+            <a:solidFill>
+              <a:schemeClr val="tx1"/>
+            </a:solidFill>
+            <a:headEnd type="triangle"/>
+            <a:tailEnd type="triangle"/>
+          </a:ln>
+        </p:spPr>
+        <p:style>
+          <a:lnRef idx="1">
+            <a:schemeClr val="accent1"/>
+          </a:lnRef>
+          <a:fillRef idx="0">
+            <a:schemeClr val="accent1"/>
+          </a:fillRef>
+          <a:effectRef idx="0">
+            <a:schemeClr val="accent1"/>
+          </a:effectRef>
+          <a:fontRef idx="minor">
+            <a:schemeClr val="tx1"/>
+          </a:fontRef>
+        </p:style>
+      </p:cxnSp>
+      <p:cxnSp>
+        <p:nvCxnSpPr>
+          <p:cNvPr id="10" name="直線接點 9"/>
+          <p:cNvCxnSpPr/>
+          <p:nvPr/>
+        </p:nvCxnSpPr>
+        <p:spPr>
+          <a:xfrm>
+            <a:off x="6375400" y="1155700"/>
+            <a:ext cx="0" cy="1612900"/>
+          </a:xfrm>
+          <a:prstGeom prst="line">
+            <a:avLst/>
+          </a:prstGeom>
+          <a:ln>
+            <a:solidFill>
+              <a:schemeClr val="tx1"/>
+            </a:solidFill>
+          </a:ln>
+        </p:spPr>
+        <p:style>
+          <a:lnRef idx="1">
+            <a:schemeClr val="accent1"/>
+          </a:lnRef>
+          <a:fillRef idx="0">
+            <a:schemeClr val="accent1"/>
+          </a:fillRef>
+          <a:effectRef idx="0">
+            <a:schemeClr val="accent1"/>
+          </a:effectRef>
+          <a:fontRef idx="minor">
+            <a:schemeClr val="tx1"/>
+          </a:fontRef>
+        </p:style>
+      </p:cxnSp>
+      <p:cxnSp>
+        <p:nvCxnSpPr>
+          <p:cNvPr id="12" name="直線接點 11"/>
+          <p:cNvCxnSpPr/>
+          <p:nvPr/>
+        </p:nvCxnSpPr>
+        <p:spPr>
+          <a:xfrm>
+            <a:off x="8331200" y="1143000"/>
+            <a:ext cx="0" cy="1727200"/>
+          </a:xfrm>
+          <a:prstGeom prst="line">
+            <a:avLst/>
+          </a:prstGeom>
+          <a:ln>
+            <a:solidFill>
+              <a:schemeClr val="tx1"/>
+            </a:solidFill>
+          </a:ln>
+        </p:spPr>
+        <p:style>
+          <a:lnRef idx="1">
+            <a:schemeClr val="accent1"/>
+          </a:lnRef>
+          <a:fillRef idx="0">
+            <a:schemeClr val="accent1"/>
+          </a:fillRef>
+          <a:effectRef idx="0">
+            <a:schemeClr val="accent1"/>
+          </a:effectRef>
+          <a:fontRef idx="minor">
+            <a:schemeClr val="tx1"/>
+          </a:fontRef>
+        </p:style>
+      </p:cxnSp>
+      <p:sp>
+        <p:nvSpPr>
+          <p:cNvPr id="15" name="文字方塊 14"/>
+          <p:cNvSpPr txBox="1"/>
+          <p:nvPr/>
+        </p:nvSpPr>
+        <p:spPr>
+          <a:xfrm>
+            <a:off x="7168838" y="990600"/>
+            <a:ext cx="366447" cy="561436"/>
+          </a:xfrm>
+          <a:prstGeom prst="rect">
+            <a:avLst/>
+          </a:prstGeom>
+          <a:noFill/>
+        </p:spPr>
+        <p:txBody>
+          <a:bodyPr wrap="none" lIns="0" rtlCol="0" anchor="t">
+            <a:spAutoFit/>
+          </a:bodyPr>
+          <a:lstStyle/>
+          <a:p>
+            <a:pPr algn="l">
+              <a:lnSpc>
+                <a:spcPct val="120000"/>
+              </a:lnSpc>
+            </a:pPr>
+            <a:r>
+              <a:rPr lang="en-US" altLang="zh-TW" sz="2800" dirty="0" err="1" smtClean="0">
+                <a:latin typeface="Segoe UI Light" panose="020B0502040204020203" pitchFamily="34" charset="0"/>
+                <a:cs typeface="Segoe UI Light" panose="020B0502040204020203" pitchFamily="34" charset="0"/>
+              </a:rPr>
+              <a:t>ld</a:t>
+            </a:r>
+            <a:endParaRPr lang="zh-TW" altLang="en-US" sz="2800" dirty="0" smtClean="0">
+              <a:latin typeface="Segoe UI Light" panose="020B0502040204020203" pitchFamily="34" charset="0"/>
+              <a:cs typeface="Segoe UI Light" panose="020B0502040204020203" pitchFamily="34" charset="0"/>
+            </a:endParaRPr>
+          </a:p>
+        </p:txBody>
+      </p:sp>
+      <p:sp>
+        <p:nvSpPr>
+          <p:cNvPr id="20" name="文字方塊 19"/>
+          <p:cNvSpPr txBox="1"/>
+          <p:nvPr/>
+        </p:nvSpPr>
+        <p:spPr>
+          <a:xfrm>
+            <a:off x="8626992" y="1533809"/>
+            <a:ext cx="3099566" cy="609398"/>
+          </a:xfrm>
+          <a:prstGeom prst="rect">
+            <a:avLst/>
+          </a:prstGeom>
+          <a:noFill/>
+        </p:spPr>
+        <p:txBody>
+          <a:bodyPr wrap="none" lIns="0" rtlCol="0" anchor="t">
+            <a:spAutoFit/>
+          </a:bodyPr>
+          <a:lstStyle/>
+          <a:p>
+            <a:pPr algn="l">
+              <a:lnSpc>
+                <a:spcPct val="120000"/>
+              </a:lnSpc>
+            </a:pPr>
+            <a:r>
+              <a:rPr lang="en-US" altLang="zh-TW" sz="2800" dirty="0" smtClean="0">
+                <a:latin typeface="Segoe UI Light" panose="020B0502040204020203" pitchFamily="34" charset="0"/>
+                <a:cs typeface="Segoe UI Light" panose="020B0502040204020203" pitchFamily="34" charset="0"/>
+              </a:rPr>
+              <a:t>=</a:t>
+            </a:r>
+            <a:r>
+              <a:rPr lang="en-US" altLang="zh-TW" sz="2800" dirty="0">
+                <a:latin typeface="Segoe UI Light" panose="020B0502040204020203" pitchFamily="34" charset="0"/>
+                <a:cs typeface="Segoe UI Light" panose="020B0502040204020203" pitchFamily="34" charset="0"/>
+              </a:rPr>
+              <a:t>m</a:t>
+            </a:r>
+            <a:r>
+              <a:rPr lang="en-US" altLang="zh-TW" sz="2800" dirty="0" smtClean="0">
+                <a:latin typeface="Segoe UI Light" panose="020B0502040204020203" pitchFamily="34" charset="0"/>
+                <a:cs typeface="Segoe UI Light" panose="020B0502040204020203" pitchFamily="34" charset="0"/>
+              </a:rPr>
+              <a:t>ax( </a:t>
+            </a:r>
+            <a:r>
+              <a:rPr lang="en-US" altLang="zh-TW" sz="2800" dirty="0" err="1" smtClean="0">
+                <a:latin typeface="Segoe UI Light" panose="020B0502040204020203" pitchFamily="34" charset="0"/>
+                <a:cs typeface="Segoe UI Light" panose="020B0502040204020203" pitchFamily="34" charset="0"/>
+              </a:rPr>
+              <a:t>ld</a:t>
+            </a:r>
+            <a:r>
+              <a:rPr lang="en-US" altLang="zh-TW" sz="2800" dirty="0" smtClean="0">
+                <a:latin typeface="Segoe UI Light" panose="020B0502040204020203" pitchFamily="34" charset="0"/>
+                <a:cs typeface="Segoe UI Light" panose="020B0502040204020203" pitchFamily="34" charset="0"/>
+              </a:rPr>
+              <a:t>, 1/3*span )</a:t>
+            </a:r>
+            <a:endParaRPr lang="zh-TW" altLang="en-US" sz="2800" dirty="0" smtClean="0">
+              <a:latin typeface="Segoe UI Light" panose="020B0502040204020203" pitchFamily="34" charset="0"/>
+              <a:cs typeface="Segoe UI Light" panose="020B0502040204020203" pitchFamily="34" charset="0"/>
+            </a:endParaRPr>
+          </a:p>
+        </p:txBody>
+      </p:sp>
+      <p:cxnSp>
+        <p:nvCxnSpPr>
+          <p:cNvPr id="26" name="直線單箭頭接點 25"/>
+          <p:cNvCxnSpPr/>
+          <p:nvPr/>
+        </p:nvCxnSpPr>
+        <p:spPr>
+          <a:xfrm flipH="1">
+            <a:off x="6894615" y="2705100"/>
+            <a:ext cx="1436585" cy="0"/>
+          </a:xfrm>
+          <a:prstGeom prst="straightConnector1">
+            <a:avLst/>
+          </a:prstGeom>
+          <a:ln>
+            <a:solidFill>
+              <a:schemeClr val="tx1"/>
+            </a:solidFill>
+            <a:headEnd type="triangle"/>
+            <a:tailEnd type="triangle"/>
+          </a:ln>
+        </p:spPr>
+        <p:style>
+          <a:lnRef idx="1">
+            <a:schemeClr val="accent1"/>
+          </a:lnRef>
+          <a:fillRef idx="0">
+            <a:schemeClr val="accent1"/>
+          </a:fillRef>
+          <a:effectRef idx="0">
+            <a:schemeClr val="accent1"/>
+          </a:effectRef>
+          <a:fontRef idx="minor">
+            <a:schemeClr val="tx1"/>
+          </a:fontRef>
+        </p:style>
+      </p:cxnSp>
+      <p:sp>
+        <p:nvSpPr>
+          <p:cNvPr id="27" name="文字方塊 26"/>
+          <p:cNvSpPr txBox="1"/>
+          <p:nvPr/>
+        </p:nvSpPr>
+        <p:spPr>
+          <a:xfrm>
+            <a:off x="7376785" y="2705100"/>
+            <a:ext cx="472245" cy="494431"/>
+          </a:xfrm>
+          <a:prstGeom prst="rect">
+            <a:avLst/>
+          </a:prstGeom>
+          <a:noFill/>
+        </p:spPr>
+        <p:txBody>
+          <a:bodyPr wrap="none" lIns="0" rtlCol="0" anchor="t">
+            <a:spAutoFit/>
+          </a:bodyPr>
+          <a:lstStyle/>
+          <a:p>
+            <a:pPr algn="l">
+              <a:lnSpc>
+                <a:spcPct val="120000"/>
+              </a:lnSpc>
+            </a:pPr>
+            <a:r>
+              <a:rPr lang="en-US" altLang="zh-TW" sz="2400" dirty="0">
+                <a:latin typeface="Segoe UI Light" panose="020B0502040204020203" pitchFamily="34" charset="0"/>
+                <a:cs typeface="Segoe UI Light" panose="020B0502040204020203" pitchFamily="34" charset="0"/>
+              </a:rPr>
+              <a:t>1</a:t>
+            </a:r>
+            <a:r>
+              <a:rPr lang="en-US" altLang="zh-TW" sz="2400" dirty="0" smtClean="0">
+                <a:latin typeface="Segoe UI Light" panose="020B0502040204020203" pitchFamily="34" charset="0"/>
+                <a:cs typeface="Segoe UI Light" panose="020B0502040204020203" pitchFamily="34" charset="0"/>
+              </a:rPr>
+              <a:t>/3</a:t>
+            </a:r>
+            <a:endParaRPr lang="zh-TW" altLang="en-US" sz="2400" dirty="0" smtClean="0">
+              <a:latin typeface="Segoe UI Light" panose="020B0502040204020203" pitchFamily="34" charset="0"/>
+              <a:cs typeface="Segoe UI Light" panose="020B0502040204020203" pitchFamily="34" charset="0"/>
+            </a:endParaRPr>
+          </a:p>
+        </p:txBody>
+      </p:sp>
+      <p:cxnSp>
+        <p:nvCxnSpPr>
+          <p:cNvPr id="29" name="弧形接點 28"/>
+          <p:cNvCxnSpPr/>
+          <p:nvPr/>
+        </p:nvCxnSpPr>
+        <p:spPr>
+          <a:xfrm>
+            <a:off x="6210300" y="3263900"/>
+            <a:ext cx="3035300" cy="1207369"/>
+          </a:xfrm>
+          <a:prstGeom prst="curvedConnector3">
+            <a:avLst/>
+          </a:prstGeom>
+          <a:ln>
+            <a:solidFill>
+              <a:schemeClr val="tx1"/>
+            </a:solidFill>
+            <a:tailEnd type="triangle"/>
+          </a:ln>
+        </p:spPr>
+        <p:style>
+          <a:lnRef idx="1">
+            <a:schemeClr val="accent1"/>
+          </a:lnRef>
+          <a:fillRef idx="0">
+            <a:schemeClr val="accent1"/>
+          </a:fillRef>
+          <a:effectRef idx="0">
+            <a:schemeClr val="accent1"/>
+          </a:effectRef>
+          <a:fontRef idx="minor">
+            <a:schemeClr val="tx1"/>
+          </a:fontRef>
+        </p:style>
+      </p:cxnSp>
+      <p:sp>
+        <p:nvSpPr>
+          <p:cNvPr id="30" name="文字方塊 29"/>
+          <p:cNvSpPr txBox="1"/>
+          <p:nvPr/>
+        </p:nvSpPr>
+        <p:spPr>
+          <a:xfrm>
+            <a:off x="9461544" y="4166570"/>
+            <a:ext cx="2086469" cy="609398"/>
+          </a:xfrm>
+          <a:prstGeom prst="rect">
+            <a:avLst/>
+          </a:prstGeom>
+          <a:noFill/>
+        </p:spPr>
+        <p:txBody>
+          <a:bodyPr wrap="none" lIns="0" rtlCol="0" anchor="t">
+            <a:spAutoFit/>
+          </a:bodyPr>
+          <a:lstStyle/>
+          <a:p>
+            <a:pPr algn="l">
+              <a:lnSpc>
+                <a:spcPct val="120000"/>
+              </a:lnSpc>
+            </a:pPr>
+            <a:r>
+              <a:rPr lang="en-US" altLang="zh-TW" sz="2800" dirty="0" smtClean="0">
+                <a:latin typeface="Segoe UI Light" panose="020B0502040204020203" pitchFamily="34" charset="0"/>
+                <a:cs typeface="Segoe UI Light" panose="020B0502040204020203" pitchFamily="34" charset="0"/>
+              </a:rPr>
+              <a:t>If length &lt; 0?</a:t>
+            </a:r>
+            <a:endParaRPr lang="zh-TW" altLang="en-US" sz="2800" dirty="0" smtClean="0">
+              <a:latin typeface="Segoe UI Light" panose="020B0502040204020203" pitchFamily="34" charset="0"/>
+              <a:cs typeface="Segoe UI Light" panose="020B0502040204020203" pitchFamily="34" charset="0"/>
+            </a:endParaRPr>
+          </a:p>
+        </p:txBody>
+      </p:sp>
+      <p:sp>
+        <p:nvSpPr>
+          <p:cNvPr id="32" name="文字方塊 31"/>
+          <p:cNvSpPr txBox="1"/>
+          <p:nvPr/>
+        </p:nvSpPr>
+        <p:spPr>
+          <a:xfrm>
+            <a:off x="3321759" y="4445869"/>
+            <a:ext cx="1853713" cy="427425"/>
+          </a:xfrm>
+          <a:prstGeom prst="rect">
+            <a:avLst/>
+          </a:prstGeom>
+          <a:noFill/>
+        </p:spPr>
+        <p:txBody>
+          <a:bodyPr wrap="none" lIns="0" rtlCol="0" anchor="t">
+            <a:spAutoFit/>
+          </a:bodyPr>
+          <a:lstStyle/>
+          <a:p>
+            <a:pPr algn="l">
+              <a:lnSpc>
+                <a:spcPct val="120000"/>
+              </a:lnSpc>
+            </a:pPr>
+            <a:r>
+              <a:rPr lang="en-US" altLang="zh-TW" sz="2000" dirty="0" smtClean="0">
+                <a:solidFill>
+                  <a:schemeClr val="accent2"/>
+                </a:solidFill>
+                <a:latin typeface="Segoe UI Light" panose="020B0502040204020203" pitchFamily="34" charset="0"/>
+                <a:cs typeface="Segoe UI Light" panose="020B0502040204020203" pitchFamily="34" charset="0"/>
+              </a:rPr>
+              <a:t>ETABS DEMAND</a:t>
+            </a:r>
+            <a:endParaRPr lang="zh-TW" altLang="en-US" sz="2000" dirty="0" smtClean="0">
+              <a:solidFill>
+                <a:schemeClr val="accent2"/>
+              </a:solidFill>
+              <a:latin typeface="Segoe UI Light" panose="020B0502040204020203" pitchFamily="34" charset="0"/>
+              <a:cs typeface="Segoe UI Light" panose="020B0502040204020203" pitchFamily="34" charset="0"/>
+            </a:endParaRPr>
+          </a:p>
+        </p:txBody>
+      </p:sp>
     </p:spTree>
     <p:extLst>
       <p:ext uri="{BB962C8B-B14F-4D97-AF65-F5344CB8AC3E}">
@@ -29948,6 +34151,13 @@
       </p:transition>
     </mc:Fallback>
   </mc:AlternateContent>
+  <p:timing>
+    <p:tnLst>
+      <p:par>
+        <p:cTn id="1" dur="indefinite" restart="never" nodeType="tmRoot"/>
+      </p:par>
+    </p:tnLst>
+  </p:timing>
 </p:sld>
 </file>
 
@@ -29992,6 +34202,38 @@
           </a:prstGeom>
         </p:spPr>
       </p:pic>
+      <p:sp>
+        <p:nvSpPr>
+          <p:cNvPr id="8" name="文字版面配置區 7"/>
+          <p:cNvSpPr>
+            <a:spLocks noGrp="1"/>
+          </p:cNvSpPr>
+          <p:nvPr>
+            <p:ph type="body" sz="quarter" idx="10"/>
+          </p:nvPr>
+        </p:nvSpPr>
+        <p:spPr>
+          <a:xfrm>
+            <a:off x="839788" y="660400"/>
+            <a:ext cx="4481512" cy="701731"/>
+          </a:xfrm>
+        </p:spPr>
+        <p:txBody>
+          <a:bodyPr/>
+          <a:lstStyle/>
+          <a:p>
+            <a:r>
+              <a:rPr lang="en-US" altLang="zh-TW" dirty="0"/>
+              <a:t>IMPROVE </a:t>
+            </a:r>
+            <a:r>
+              <a:rPr lang="en-US" altLang="zh-TW" dirty="0" err="1" smtClean="0"/>
+              <a:t>ld</a:t>
+            </a:r>
+            <a:endParaRPr lang="en-US" altLang="zh-TW" dirty="0"/>
+          </a:p>
+        </p:txBody>
+      </p:sp>
       <p:sp>
         <p:nvSpPr>
           <p:cNvPr id="3" name="投影片編號版面配置區 2"/>
@@ -30087,312 +34329,6 @@
           </a:prstGeom>
         </p:spPr>
       </p:pic>
-      <p:sp>
-        <p:nvSpPr>
-          <p:cNvPr id="10" name="文字方塊 9"/>
-          <p:cNvSpPr txBox="1"/>
-          <p:nvPr/>
-        </p:nvSpPr>
-        <p:spPr>
-          <a:xfrm>
-            <a:off x="345831" y="554509"/>
-            <a:ext cx="2314095" cy="1902059"/>
-          </a:xfrm>
-          <a:prstGeom prst="rect">
-            <a:avLst/>
-          </a:prstGeom>
-          <a:noFill/>
-        </p:spPr>
-        <p:txBody>
-          <a:bodyPr wrap="none" lIns="0" rtlCol="0" anchor="t">
-            <a:spAutoFit/>
-          </a:bodyPr>
-          <a:lstStyle/>
-          <a:p>
-            <a:pPr marL="514350" indent="-514350">
-              <a:lnSpc>
-                <a:spcPct val="120000"/>
-              </a:lnSpc>
-              <a:buAutoNum type="arabicPeriod"/>
-            </a:pPr>
-            <a:r>
-              <a:rPr lang="en-US" altLang="zh-TW" sz="1600" dirty="0" smtClean="0">
-                <a:latin typeface="Segoe UI Light" panose="020B0502040204020203" pitchFamily="34" charset="0"/>
-                <a:cs typeface="Segoe UI Light" panose="020B0502040204020203" pitchFamily="34" charset="0"/>
-              </a:rPr>
-              <a:t>GRAPH</a:t>
-            </a:r>
-          </a:p>
-          <a:p>
-            <a:pPr marL="514350" indent="-514350">
-              <a:lnSpc>
-                <a:spcPct val="120000"/>
-              </a:lnSpc>
-              <a:buAutoNum type="arabicPeriod"/>
-            </a:pPr>
-            <a:r>
-              <a:rPr lang="en-US" altLang="zh-TW" sz="1600" dirty="0" smtClean="0">
-                <a:latin typeface="Segoe UI Light" panose="020B0502040204020203" pitchFamily="34" charset="0"/>
-                <a:cs typeface="Segoe UI Light" panose="020B0502040204020203" pitchFamily="34" charset="0"/>
-              </a:rPr>
-              <a:t>REBAR</a:t>
-            </a:r>
-            <a:r>
-              <a:rPr lang="zh-TW" altLang="en-US" sz="1600" dirty="0" smtClean="0">
-                <a:latin typeface="Segoe UI Light" panose="020B0502040204020203" pitchFamily="34" charset="0"/>
-                <a:cs typeface="Segoe UI Light" panose="020B0502040204020203" pitchFamily="34" charset="0"/>
-              </a:rPr>
-              <a:t> </a:t>
-            </a:r>
-            <a:r>
-              <a:rPr lang="en-US" altLang="zh-TW" sz="1600" dirty="0" smtClean="0">
-                <a:latin typeface="Segoe UI Light" panose="020B0502040204020203" pitchFamily="34" charset="0"/>
-                <a:cs typeface="Segoe UI Light" panose="020B0502040204020203" pitchFamily="34" charset="0"/>
-              </a:rPr>
-              <a:t>SIZE</a:t>
-            </a:r>
-            <a:r>
-              <a:rPr lang="zh-TW" altLang="en-US" sz="1600" dirty="0" smtClean="0">
-                <a:latin typeface="Segoe UI Light" panose="020B0502040204020203" pitchFamily="34" charset="0"/>
-                <a:cs typeface="Segoe UI Light" panose="020B0502040204020203" pitchFamily="34" charset="0"/>
-              </a:rPr>
-              <a:t> </a:t>
-            </a:r>
-            <a:r>
-              <a:rPr lang="en-US" altLang="zh-TW" sz="1600" dirty="0" smtClean="0">
-                <a:latin typeface="Segoe UI Light" panose="020B0502040204020203" pitchFamily="34" charset="0"/>
-                <a:cs typeface="Segoe UI Light" panose="020B0502040204020203" pitchFamily="34" charset="0"/>
-              </a:rPr>
-              <a:t>&amp;</a:t>
-            </a:r>
-            <a:r>
-              <a:rPr lang="zh-TW" altLang="en-US" sz="1600" dirty="0" smtClean="0">
-                <a:latin typeface="Segoe UI Light" panose="020B0502040204020203" pitchFamily="34" charset="0"/>
-                <a:cs typeface="Segoe UI Light" panose="020B0502040204020203" pitchFamily="34" charset="0"/>
-              </a:rPr>
-              <a:t> </a:t>
-            </a:r>
-            <a:r>
-              <a:rPr lang="en-US" altLang="zh-TW" sz="1600" dirty="0" smtClean="0">
-                <a:latin typeface="Segoe UI Light" panose="020B0502040204020203" pitchFamily="34" charset="0"/>
-                <a:cs typeface="Segoe UI Light" panose="020B0502040204020203" pitchFamily="34" charset="0"/>
-              </a:rPr>
-              <a:t>NUM</a:t>
-            </a:r>
-          </a:p>
-          <a:p>
-            <a:pPr marL="514350" indent="-514350">
-              <a:lnSpc>
-                <a:spcPct val="120000"/>
-              </a:lnSpc>
-              <a:buAutoNum type="arabicPeriod"/>
-            </a:pPr>
-            <a:r>
-              <a:rPr lang="en-US" altLang="zh-TW" sz="1600" dirty="0" smtClean="0">
-                <a:latin typeface="Segoe UI Light" panose="020B0502040204020203" pitchFamily="34" charset="0"/>
-                <a:cs typeface="Segoe UI Light" panose="020B0502040204020203" pitchFamily="34" charset="0"/>
-              </a:rPr>
-              <a:t>REBAR</a:t>
-            </a:r>
-            <a:r>
-              <a:rPr lang="zh-TW" altLang="en-US" sz="1600" dirty="0" smtClean="0">
-                <a:latin typeface="Segoe UI Light" panose="020B0502040204020203" pitchFamily="34" charset="0"/>
-                <a:cs typeface="Segoe UI Light" panose="020B0502040204020203" pitchFamily="34" charset="0"/>
-              </a:rPr>
-              <a:t> </a:t>
-            </a:r>
-            <a:r>
-              <a:rPr lang="en-US" altLang="zh-TW" sz="1600" dirty="0">
-                <a:latin typeface="Segoe UI Light" panose="020B0502040204020203" pitchFamily="34" charset="0"/>
-                <a:cs typeface="Segoe UI Light" panose="020B0502040204020203" pitchFamily="34" charset="0"/>
-              </a:rPr>
-              <a:t>LENGTH</a:t>
-            </a:r>
-          </a:p>
-          <a:p>
-            <a:pPr marL="514350" indent="-514350">
-              <a:lnSpc>
-                <a:spcPct val="120000"/>
-              </a:lnSpc>
-              <a:buAutoNum type="arabicPeriod"/>
-            </a:pPr>
-            <a:r>
-              <a:rPr lang="en-US" altLang="zh-TW" sz="1600" dirty="0" smtClean="0">
-                <a:solidFill>
-                  <a:schemeClr val="accent1"/>
-                </a:solidFill>
-                <a:latin typeface="Segoe UI Light" panose="020B0502040204020203" pitchFamily="34" charset="0"/>
-                <a:cs typeface="Segoe UI Light" panose="020B0502040204020203" pitchFamily="34" charset="0"/>
-              </a:rPr>
-              <a:t>STIRRUP</a:t>
-            </a:r>
-            <a:r>
-              <a:rPr lang="zh-TW" altLang="en-US" sz="1600" dirty="0" smtClean="0">
-                <a:solidFill>
-                  <a:schemeClr val="accent1"/>
-                </a:solidFill>
-                <a:latin typeface="Segoe UI Light" panose="020B0502040204020203" pitchFamily="34" charset="0"/>
-                <a:cs typeface="Segoe UI Light" panose="020B0502040204020203" pitchFamily="34" charset="0"/>
-              </a:rPr>
-              <a:t> </a:t>
-            </a:r>
-            <a:r>
-              <a:rPr lang="en-US" altLang="zh-TW" sz="1600" dirty="0" smtClean="0">
-                <a:solidFill>
-                  <a:schemeClr val="accent1"/>
-                </a:solidFill>
-                <a:latin typeface="Segoe UI Light" panose="020B0502040204020203" pitchFamily="34" charset="0"/>
-                <a:cs typeface="Segoe UI Light" panose="020B0502040204020203" pitchFamily="34" charset="0"/>
-              </a:rPr>
-              <a:t>SIZE</a:t>
-            </a:r>
-            <a:r>
-              <a:rPr lang="zh-TW" altLang="en-US" sz="1600" dirty="0" smtClean="0">
-                <a:solidFill>
-                  <a:schemeClr val="accent1"/>
-                </a:solidFill>
-                <a:latin typeface="Segoe UI Light" panose="020B0502040204020203" pitchFamily="34" charset="0"/>
-                <a:cs typeface="Segoe UI Light" panose="020B0502040204020203" pitchFamily="34" charset="0"/>
-              </a:rPr>
-              <a:t> </a:t>
-            </a:r>
-            <a:r>
-              <a:rPr lang="en-US" altLang="zh-TW" sz="1600" dirty="0" smtClean="0">
-                <a:solidFill>
-                  <a:schemeClr val="accent1"/>
-                </a:solidFill>
-                <a:latin typeface="Segoe UI Light" panose="020B0502040204020203" pitchFamily="34" charset="0"/>
-                <a:cs typeface="Segoe UI Light" panose="020B0502040204020203" pitchFamily="34" charset="0"/>
-              </a:rPr>
-              <a:t>&amp;</a:t>
-            </a:r>
-            <a:r>
-              <a:rPr lang="zh-TW" altLang="en-US" sz="1600" dirty="0" smtClean="0">
-                <a:solidFill>
-                  <a:schemeClr val="accent1"/>
-                </a:solidFill>
-                <a:latin typeface="Segoe UI Light" panose="020B0502040204020203" pitchFamily="34" charset="0"/>
-                <a:cs typeface="Segoe UI Light" panose="020B0502040204020203" pitchFamily="34" charset="0"/>
-              </a:rPr>
-              <a:t> </a:t>
-            </a:r>
-            <a:r>
-              <a:rPr lang="en-US" altLang="zh-TW" sz="1600" dirty="0" smtClean="0">
-                <a:solidFill>
-                  <a:schemeClr val="accent1"/>
-                </a:solidFill>
-                <a:latin typeface="Segoe UI Light" panose="020B0502040204020203" pitchFamily="34" charset="0"/>
-                <a:cs typeface="Segoe UI Light" panose="020B0502040204020203" pitchFamily="34" charset="0"/>
-              </a:rPr>
-              <a:t>S</a:t>
-            </a:r>
-          </a:p>
-          <a:p>
-            <a:pPr marL="514350" indent="-514350">
-              <a:lnSpc>
-                <a:spcPct val="120000"/>
-              </a:lnSpc>
-              <a:buAutoNum type="arabicPeriod"/>
-            </a:pPr>
-            <a:r>
-              <a:rPr lang="en-US" altLang="zh-TW" sz="1600" dirty="0" smtClean="0">
-                <a:latin typeface="Segoe UI Light" panose="020B0502040204020203" pitchFamily="34" charset="0"/>
-                <a:cs typeface="Segoe UI Light" panose="020B0502040204020203" pitchFamily="34" charset="0"/>
-              </a:rPr>
-              <a:t>B</a:t>
-            </a:r>
-            <a:r>
-              <a:rPr lang="zh-TW" altLang="en-US" sz="1600" dirty="0" smtClean="0">
-                <a:latin typeface="Segoe UI Light" panose="020B0502040204020203" pitchFamily="34" charset="0"/>
-                <a:cs typeface="Segoe UI Light" panose="020B0502040204020203" pitchFamily="34" charset="0"/>
-              </a:rPr>
-              <a:t> </a:t>
-            </a:r>
-            <a:r>
-              <a:rPr lang="en-US" altLang="zh-TW" sz="1600" dirty="0" smtClean="0">
-                <a:latin typeface="Segoe UI Light" panose="020B0502040204020203" pitchFamily="34" charset="0"/>
-                <a:cs typeface="Segoe UI Light" panose="020B0502040204020203" pitchFamily="34" charset="0"/>
-              </a:rPr>
-              <a:t>&amp;</a:t>
-            </a:r>
-            <a:r>
-              <a:rPr lang="zh-TW" altLang="en-US" sz="1600" dirty="0" smtClean="0">
-                <a:latin typeface="Segoe UI Light" panose="020B0502040204020203" pitchFamily="34" charset="0"/>
-                <a:cs typeface="Segoe UI Light" panose="020B0502040204020203" pitchFamily="34" charset="0"/>
-              </a:rPr>
-              <a:t> </a:t>
-            </a:r>
-            <a:r>
-              <a:rPr lang="en-US" altLang="zh-TW" sz="1600" dirty="0" smtClean="0">
-                <a:latin typeface="Segoe UI Light" panose="020B0502040204020203" pitchFamily="34" charset="0"/>
-                <a:cs typeface="Segoe UI Light" panose="020B0502040204020203" pitchFamily="34" charset="0"/>
-              </a:rPr>
-              <a:t>D</a:t>
-            </a:r>
-            <a:r>
-              <a:rPr lang="zh-TW" altLang="en-US" sz="1600" dirty="0" smtClean="0">
-                <a:latin typeface="Segoe UI Light" panose="020B0502040204020203" pitchFamily="34" charset="0"/>
-                <a:cs typeface="Segoe UI Light" panose="020B0502040204020203" pitchFamily="34" charset="0"/>
-              </a:rPr>
-              <a:t> </a:t>
-            </a:r>
-            <a:r>
-              <a:rPr lang="en-US" altLang="zh-TW" sz="1600" dirty="0" smtClean="0">
-                <a:latin typeface="Segoe UI Light" panose="020B0502040204020203" pitchFamily="34" charset="0"/>
-                <a:cs typeface="Segoe UI Light" panose="020B0502040204020203" pitchFamily="34" charset="0"/>
-              </a:rPr>
-              <a:t>&amp;</a:t>
-            </a:r>
-            <a:r>
-              <a:rPr lang="zh-TW" altLang="en-US" sz="1600" dirty="0" smtClean="0">
-                <a:latin typeface="Segoe UI Light" panose="020B0502040204020203" pitchFamily="34" charset="0"/>
-                <a:cs typeface="Segoe UI Light" panose="020B0502040204020203" pitchFamily="34" charset="0"/>
-              </a:rPr>
-              <a:t> </a:t>
-            </a:r>
-            <a:r>
-              <a:rPr lang="en-US" altLang="zh-TW" sz="1600" dirty="0" smtClean="0">
-                <a:latin typeface="Segoe UI Light" panose="020B0502040204020203" pitchFamily="34" charset="0"/>
-                <a:cs typeface="Segoe UI Light" panose="020B0502040204020203" pitchFamily="34" charset="0"/>
-              </a:rPr>
-              <a:t>L</a:t>
-            </a:r>
-          </a:p>
-          <a:p>
-            <a:pPr marL="514350" indent="-514350">
-              <a:lnSpc>
-                <a:spcPct val="120000"/>
-              </a:lnSpc>
-              <a:buAutoNum type="arabicPeriod"/>
-            </a:pPr>
-            <a:r>
-              <a:rPr lang="en-US" altLang="zh-TW" sz="1600" dirty="0" smtClean="0">
-                <a:latin typeface="Segoe UI Light" panose="020B0502040204020203" pitchFamily="34" charset="0"/>
-                <a:cs typeface="Segoe UI Light" panose="020B0502040204020203" pitchFamily="34" charset="0"/>
-              </a:rPr>
-              <a:t>SUPPORT</a:t>
-            </a:r>
-            <a:r>
-              <a:rPr lang="zh-TW" altLang="en-US" sz="1600" dirty="0" smtClean="0">
-                <a:latin typeface="Segoe UI Light" panose="020B0502040204020203" pitchFamily="34" charset="0"/>
-                <a:cs typeface="Segoe UI Light" panose="020B0502040204020203" pitchFamily="34" charset="0"/>
-              </a:rPr>
-              <a:t> </a:t>
-            </a:r>
-            <a:r>
-              <a:rPr lang="en-US" altLang="zh-TW" sz="1600" dirty="0" smtClean="0">
-                <a:latin typeface="Segoe UI Light" panose="020B0502040204020203" pitchFamily="34" charset="0"/>
-                <a:cs typeface="Segoe UI Light" panose="020B0502040204020203" pitchFamily="34" charset="0"/>
-              </a:rPr>
-              <a:t>WIDTH</a:t>
-            </a:r>
-            <a:endParaRPr lang="zh-TW" altLang="en-US" sz="1600" dirty="0" smtClean="0">
-              <a:latin typeface="Segoe UI Light" panose="020B0502040204020203" pitchFamily="34" charset="0"/>
-              <a:cs typeface="Segoe UI Light" panose="020B0502040204020203" pitchFamily="34" charset="0"/>
-            </a:endParaRPr>
-          </a:p>
-        </p:txBody>
-      </p:sp>
       <p:sp>
         <p:nvSpPr>
           <p:cNvPr id="4" name="文字方塊 3"/>
@@ -30926,8 +34862,8 @@
         </p:nvSpPr>
         <p:spPr>
           <a:xfrm>
-            <a:off x="9383465" y="1689539"/>
-            <a:ext cx="2569293" cy="609398"/>
+            <a:off x="9907807" y="1964886"/>
+            <a:ext cx="1520609" cy="561436"/>
           </a:xfrm>
           <a:prstGeom prst="rect">
             <a:avLst/>
@@ -30953,27 +34889,7 @@
                 <a:latin typeface="Segoe UI Light" panose="020B0502040204020203" pitchFamily="34" charset="0"/>
                 <a:cs typeface="Segoe UI Light" panose="020B0502040204020203" pitchFamily="34" charset="0"/>
               </a:rPr>
-              <a:t>HAVEN’T</a:t>
-            </a:r>
-            <a:r>
-              <a:rPr lang="zh-TW" altLang="en-US" sz="2800" dirty="0" smtClean="0">
-                <a:solidFill>
-                  <a:schemeClr val="accent1"/>
-                </a:solidFill>
-                <a:latin typeface="Segoe UI Light" panose="020B0502040204020203" pitchFamily="34" charset="0"/>
-                <a:cs typeface="Segoe UI Light" panose="020B0502040204020203" pitchFamily="34" charset="0"/>
-              </a:rPr>
-              <a:t> </a:t>
-            </a:r>
-            <a:r>
-              <a:rPr lang="en-US" altLang="zh-TW" sz="2800" dirty="0" smtClean="0">
-                <a:solidFill>
-                  <a:schemeClr val="accent1"/>
-                </a:solidFill>
-                <a:latin typeface="Segoe UI Light" panose="020B0502040204020203" pitchFamily="34" charset="0"/>
-                <a:cs typeface="Segoe UI Light" panose="020B0502040204020203" pitchFamily="34" charset="0"/>
-              </a:rPr>
-              <a:t>FINISH</a:t>
+              <a:t>FINISHED</a:t>
             </a:r>
             <a:endParaRPr lang="zh-TW" altLang="en-US" sz="2800" dirty="0" smtClean="0">
               <a:solidFill>
@@ -30987,14 +34903,14 @@
       </p:sp>
       <p:sp>
         <p:nvSpPr>
-          <p:cNvPr id="17" name="文字方塊 16"/>
+          <p:cNvPr id="7" name="文字方塊 6"/>
           <p:cNvSpPr txBox="1"/>
           <p:nvPr/>
         </p:nvSpPr>
         <p:spPr>
           <a:xfrm>
-            <a:off x="3947745" y="554509"/>
-            <a:ext cx="4476931" cy="646331"/>
+            <a:off x="2081222" y="1964886"/>
+            <a:ext cx="5650008" cy="561436"/>
           </a:xfrm>
           <a:prstGeom prst="rect">
             <a:avLst/>
@@ -31007,21 +34923,28 @@
           </a:bodyPr>
           <a:lstStyle/>
           <a:p>
-            <a:r>
-              <a:rPr lang="en-US" altLang="zh-TW" dirty="0"/>
-              <a:t>STIRRUP_REBAR = ['#4', '2#4', '2#5', '2#6']</a:t>
-            </a:r>
-          </a:p>
-          <a:p>
-            <a:r>
-              <a:rPr lang="en-US" altLang="zh-TW" dirty="0"/>
-              <a:t>STIRRUP_SPACING = [10, 12, 15, 18, 20, 25, 30</a:t>
-            </a:r>
-            <a:r>
-              <a:rPr lang="en-US" altLang="zh-TW" dirty="0" smtClean="0"/>
-              <a:t>]</a:t>
-            </a:r>
-            <a:endParaRPr lang="en-US" altLang="zh-TW" dirty="0"/>
+            <a:pPr>
+              <a:lnSpc>
+                <a:spcPct val="120000"/>
+              </a:lnSpc>
+            </a:pPr>
+            <a:r>
+              <a:rPr lang="en-US" altLang="zh-TW" sz="2800" dirty="0">
+                <a:solidFill>
+                  <a:schemeClr val="accent2"/>
+                </a:solidFill>
+                <a:latin typeface="Segoe UI Light" panose="020B0502040204020203" pitchFamily="34" charset="0"/>
+                <a:cs typeface="Segoe UI Light" panose="020B0502040204020203" pitchFamily="34" charset="0"/>
+              </a:rPr>
+              <a:t>NEXT: CONSIDER DOUBLE STIRRUPS</a:t>
+            </a:r>
+            <a:endParaRPr lang="zh-TW" altLang="en-US" sz="2800" dirty="0" smtClean="0">
+              <a:solidFill>
+                <a:schemeClr val="accent2"/>
+              </a:solidFill>
+              <a:latin typeface="Segoe UI Light" panose="020B0502040204020203" pitchFamily="34" charset="0"/>
+              <a:cs typeface="Segoe UI Light" panose="020B0502040204020203" pitchFamily="34" charset="0"/>
+            </a:endParaRPr>
           </a:p>
         </p:txBody>
       </p:sp>
@@ -31076,6 +34999,34 @@
       </p:grpSpPr>
       <p:sp>
         <p:nvSpPr>
+          <p:cNvPr id="4" name="文字版面配置區 3"/>
+          <p:cNvSpPr>
+            <a:spLocks noGrp="1"/>
+          </p:cNvSpPr>
+          <p:nvPr>
+            <p:ph type="body" sz="quarter" idx="10"/>
+          </p:nvPr>
+        </p:nvSpPr>
+        <p:spPr>
+          <a:xfrm>
+            <a:off x="839788" y="660400"/>
+            <a:ext cx="7770812" cy="1311128"/>
+          </a:xfrm>
+        </p:spPr>
+        <p:txBody>
+          <a:bodyPr/>
+          <a:lstStyle/>
+          <a:p>
+            <a:r>
+              <a:rPr lang="en-US" altLang="zh-TW" dirty="0"/>
+              <a:t>COMPARE WITH RCAD</a:t>
+            </a:r>
+            <a:endParaRPr lang="zh-TW" altLang="en-US" dirty="0"/>
+          </a:p>
+        </p:txBody>
+      </p:sp>
+      <p:sp>
+        <p:nvSpPr>
           <p:cNvPr id="2" name="Slide Number Placeholder 1"/>
           <p:cNvSpPr>
             <a:spLocks noGrp="1"/>
@@ -31094,6 +35045,328 @@
               <a:t>7</a:t>
             </a:fld>
             <a:endParaRPr lang="fr-FR"/>
+          </a:p>
+        </p:txBody>
+      </p:sp>
+      <p:pic>
+        <p:nvPicPr>
+          <p:cNvPr id="3" name="圖片 2"/>
+          <p:cNvPicPr>
+            <a:picLocks noChangeAspect="1"/>
+          </p:cNvPicPr>
+          <p:nvPr/>
+        </p:nvPicPr>
+        <p:blipFill>
+          <a:blip r:embed="rId3">
+            <a:clrChange>
+              <a:clrFrom>
+                <a:srgbClr val="FFFFFF"/>
+              </a:clrFrom>
+              <a:clrTo>
+                <a:srgbClr val="FFFFFF">
+                  <a:alpha val="0"/>
+                </a:srgbClr>
+              </a:clrTo>
+            </a:clrChange>
+            <a:extLst>
+              <a:ext uri="{28A0092B-C50C-407E-A947-70E740481C1C}">
+                <a14:useLocalDpi xmlns:a14="http://schemas.microsoft.com/office/drawing/2010/main" val="0"/>
+              </a:ext>
+            </a:extLst>
+          </a:blip>
+          <a:stretch>
+            <a:fillRect/>
+          </a:stretch>
+        </p:blipFill>
+        <p:spPr>
+          <a:xfrm>
+            <a:off x="3048000" y="1744662"/>
+            <a:ext cx="6096000" cy="4562475"/>
+          </a:xfrm>
+          <a:prstGeom prst="rect">
+            <a:avLst/>
+          </a:prstGeom>
+        </p:spPr>
+      </p:pic>
+      <p:sp>
+        <p:nvSpPr>
+          <p:cNvPr id="5" name="文字方塊 4"/>
+          <p:cNvSpPr txBox="1"/>
+          <p:nvPr/>
+        </p:nvSpPr>
+        <p:spPr>
+          <a:xfrm>
+            <a:off x="5397500" y="3804760"/>
+            <a:ext cx="1853713" cy="427425"/>
+          </a:xfrm>
+          <a:prstGeom prst="rect">
+            <a:avLst/>
+          </a:prstGeom>
+          <a:noFill/>
+        </p:spPr>
+        <p:txBody>
+          <a:bodyPr wrap="none" lIns="0" rtlCol="0" anchor="t">
+            <a:spAutoFit/>
+          </a:bodyPr>
+          <a:lstStyle/>
+          <a:p>
+            <a:pPr algn="l">
+              <a:lnSpc>
+                <a:spcPct val="120000"/>
+              </a:lnSpc>
+            </a:pPr>
+            <a:r>
+              <a:rPr lang="en-US" altLang="zh-TW" sz="2000" dirty="0" smtClean="0">
+                <a:solidFill>
+                  <a:schemeClr val="accent2"/>
+                </a:solidFill>
+                <a:latin typeface="Segoe UI Light" panose="020B0502040204020203" pitchFamily="34" charset="0"/>
+                <a:cs typeface="Segoe UI Light" panose="020B0502040204020203" pitchFamily="34" charset="0"/>
+              </a:rPr>
+              <a:t>ETABS DEMAND</a:t>
+            </a:r>
+            <a:endParaRPr lang="zh-TW" altLang="en-US" sz="2000" dirty="0" smtClean="0">
+              <a:solidFill>
+                <a:schemeClr val="accent2"/>
+              </a:solidFill>
+              <a:latin typeface="Segoe UI Light" panose="020B0502040204020203" pitchFamily="34" charset="0"/>
+              <a:cs typeface="Segoe UI Light" panose="020B0502040204020203" pitchFamily="34" charset="0"/>
+            </a:endParaRPr>
+          </a:p>
+        </p:txBody>
+      </p:sp>
+      <p:sp>
+        <p:nvSpPr>
+          <p:cNvPr id="6" name="文字方塊 5"/>
+          <p:cNvSpPr txBox="1"/>
+          <p:nvPr/>
+        </p:nvSpPr>
+        <p:spPr>
+          <a:xfrm>
+            <a:off x="6756400" y="2842077"/>
+            <a:ext cx="289503" cy="427425"/>
+          </a:xfrm>
+          <a:prstGeom prst="rect">
+            <a:avLst/>
+          </a:prstGeom>
+          <a:noFill/>
+        </p:spPr>
+        <p:txBody>
+          <a:bodyPr wrap="none" lIns="0" rtlCol="0" anchor="t">
+            <a:spAutoFit/>
+          </a:bodyPr>
+          <a:lstStyle/>
+          <a:p>
+            <a:pPr algn="l">
+              <a:lnSpc>
+                <a:spcPct val="120000"/>
+              </a:lnSpc>
+            </a:pPr>
+            <a:r>
+              <a:rPr lang="en-US" altLang="zh-TW" sz="2000" dirty="0" err="1" smtClean="0">
+                <a:solidFill>
+                  <a:schemeClr val="accent2"/>
+                </a:solidFill>
+                <a:latin typeface="Segoe UI Light" panose="020B0502040204020203" pitchFamily="34" charset="0"/>
+                <a:cs typeface="Segoe UI Light" panose="020B0502040204020203" pitchFamily="34" charset="0"/>
+              </a:rPr>
+              <a:t>ld</a:t>
+            </a:r>
+            <a:endParaRPr lang="zh-TW" altLang="en-US" sz="2000" dirty="0" smtClean="0">
+              <a:solidFill>
+                <a:schemeClr val="accent2"/>
+              </a:solidFill>
+              <a:latin typeface="Segoe UI Light" panose="020B0502040204020203" pitchFamily="34" charset="0"/>
+              <a:cs typeface="Segoe UI Light" panose="020B0502040204020203" pitchFamily="34" charset="0"/>
+            </a:endParaRPr>
+          </a:p>
+        </p:txBody>
+      </p:sp>
+      <p:sp>
+        <p:nvSpPr>
+          <p:cNvPr id="8" name="文字方塊 7"/>
+          <p:cNvSpPr txBox="1"/>
+          <p:nvPr/>
+        </p:nvSpPr>
+        <p:spPr>
+          <a:xfrm>
+            <a:off x="6561636" y="1744662"/>
+            <a:ext cx="1820370" cy="561436"/>
+          </a:xfrm>
+          <a:prstGeom prst="rect">
+            <a:avLst/>
+          </a:prstGeom>
+          <a:noFill/>
+        </p:spPr>
+        <p:txBody>
+          <a:bodyPr wrap="none" lIns="0" rtlCol="0" anchor="t">
+            <a:spAutoFit/>
+          </a:bodyPr>
+          <a:lstStyle/>
+          <a:p>
+            <a:pPr>
+              <a:lnSpc>
+                <a:spcPct val="120000"/>
+              </a:lnSpc>
+            </a:pPr>
+            <a:r>
+              <a:rPr lang="en-US" altLang="zh-TW" sz="2800" dirty="0">
+                <a:solidFill>
+                  <a:schemeClr val="accent1"/>
+                </a:solidFill>
+                <a:latin typeface="Segoe UI Light" panose="020B0502040204020203" pitchFamily="34" charset="0"/>
+                <a:cs typeface="Segoe UI Light" panose="020B0502040204020203" pitchFamily="34" charset="0"/>
+              </a:rPr>
+              <a:t>TRADITION</a:t>
+            </a:r>
+            <a:endParaRPr lang="zh-TW" altLang="en-US" sz="2800" dirty="0" smtClean="0">
+              <a:solidFill>
+                <a:schemeClr val="accent1"/>
+              </a:solidFill>
+              <a:latin typeface="Segoe UI Light" panose="020B0502040204020203" pitchFamily="34" charset="0"/>
+              <a:cs typeface="Segoe UI Light" panose="020B0502040204020203" pitchFamily="34" charset="0"/>
+            </a:endParaRPr>
+          </a:p>
+        </p:txBody>
+      </p:sp>
+      <p:sp>
+        <p:nvSpPr>
+          <p:cNvPr id="9" name="文字方塊 8"/>
+          <p:cNvSpPr txBox="1"/>
+          <p:nvPr/>
+        </p:nvSpPr>
+        <p:spPr>
+          <a:xfrm>
+            <a:off x="8767297" y="2163135"/>
+            <a:ext cx="982000" cy="561436"/>
+          </a:xfrm>
+          <a:prstGeom prst="rect">
+            <a:avLst/>
+          </a:prstGeom>
+          <a:noFill/>
+        </p:spPr>
+        <p:txBody>
+          <a:bodyPr wrap="none" lIns="0" rtlCol="0" anchor="t">
+            <a:spAutoFit/>
+          </a:bodyPr>
+          <a:lstStyle/>
+          <a:p>
+            <a:pPr algn="l">
+              <a:lnSpc>
+                <a:spcPct val="120000"/>
+              </a:lnSpc>
+            </a:pPr>
+            <a:r>
+              <a:rPr lang="en-US" altLang="zh-TW" sz="2800" dirty="0" smtClean="0">
+                <a:solidFill>
+                  <a:schemeClr val="accent3"/>
+                </a:solidFill>
+                <a:latin typeface="Segoe UI Light" panose="020B0502040204020203" pitchFamily="34" charset="0"/>
+                <a:cs typeface="Segoe UI Light" panose="020B0502040204020203" pitchFamily="34" charset="0"/>
+              </a:rPr>
+              <a:t>RCAD</a:t>
+            </a:r>
+            <a:endParaRPr lang="zh-TW" altLang="en-US" sz="2800" dirty="0" smtClean="0">
+              <a:solidFill>
+                <a:schemeClr val="accent3"/>
+              </a:solidFill>
+              <a:latin typeface="Segoe UI Light" panose="020B0502040204020203" pitchFamily="34" charset="0"/>
+              <a:cs typeface="Segoe UI Light" panose="020B0502040204020203" pitchFamily="34" charset="0"/>
+            </a:endParaRPr>
+          </a:p>
+        </p:txBody>
+      </p:sp>
+      <p:sp>
+        <p:nvSpPr>
+          <p:cNvPr id="10" name="文字方塊 9"/>
+          <p:cNvSpPr txBox="1"/>
+          <p:nvPr/>
+        </p:nvSpPr>
+        <p:spPr>
+          <a:xfrm>
+            <a:off x="5719297" y="5471588"/>
+            <a:ext cx="982000" cy="561436"/>
+          </a:xfrm>
+          <a:prstGeom prst="rect">
+            <a:avLst/>
+          </a:prstGeom>
+          <a:noFill/>
+        </p:spPr>
+        <p:txBody>
+          <a:bodyPr wrap="none" lIns="0" rtlCol="0" anchor="t">
+            <a:spAutoFit/>
+          </a:bodyPr>
+          <a:lstStyle/>
+          <a:p>
+            <a:pPr algn="l">
+              <a:lnSpc>
+                <a:spcPct val="120000"/>
+              </a:lnSpc>
+            </a:pPr>
+            <a:r>
+              <a:rPr lang="en-US" altLang="zh-TW" sz="2800" dirty="0" smtClean="0">
+                <a:solidFill>
+                  <a:schemeClr val="accent3"/>
+                </a:solidFill>
+                <a:latin typeface="Segoe UI Light" panose="020B0502040204020203" pitchFamily="34" charset="0"/>
+                <a:cs typeface="Segoe UI Light" panose="020B0502040204020203" pitchFamily="34" charset="0"/>
+              </a:rPr>
+              <a:t>RCAD</a:t>
+            </a:r>
+            <a:endParaRPr lang="zh-TW" altLang="en-US" sz="2800" dirty="0" smtClean="0">
+              <a:solidFill>
+                <a:schemeClr val="accent3"/>
+              </a:solidFill>
+              <a:latin typeface="Segoe UI Light" panose="020B0502040204020203" pitchFamily="34" charset="0"/>
+              <a:cs typeface="Segoe UI Light" panose="020B0502040204020203" pitchFamily="34" charset="0"/>
+            </a:endParaRPr>
+          </a:p>
+        </p:txBody>
+      </p:sp>
+      <p:sp>
+        <p:nvSpPr>
+          <p:cNvPr id="11" name="文字方塊 10"/>
+          <p:cNvSpPr txBox="1"/>
+          <p:nvPr/>
+        </p:nvSpPr>
+        <p:spPr>
+          <a:xfrm>
+            <a:off x="7045903" y="4708225"/>
+            <a:ext cx="1820370" cy="561436"/>
+          </a:xfrm>
+          <a:prstGeom prst="rect">
+            <a:avLst/>
+          </a:prstGeom>
+          <a:noFill/>
+        </p:spPr>
+        <p:txBody>
+          <a:bodyPr wrap="none" lIns="0" rtlCol="0" anchor="t">
+            <a:spAutoFit/>
+          </a:bodyPr>
+          <a:lstStyle/>
+          <a:p>
+            <a:pPr>
+              <a:lnSpc>
+                <a:spcPct val="120000"/>
+              </a:lnSpc>
+            </a:pPr>
+            <a:r>
+              <a:rPr lang="en-US" altLang="zh-TW" sz="2800" dirty="0">
+                <a:solidFill>
+                  <a:schemeClr val="accent1"/>
+                </a:solidFill>
+                <a:latin typeface="Segoe UI Light" panose="020B0502040204020203" pitchFamily="34" charset="0"/>
+                <a:cs typeface="Segoe UI Light" panose="020B0502040204020203" pitchFamily="34" charset="0"/>
+              </a:rPr>
+              <a:t>TRADITION</a:t>
+            </a:r>
+            <a:endParaRPr lang="zh-TW" altLang="en-US" sz="2800" dirty="0" smtClean="0">
+              <a:solidFill>
+                <a:schemeClr val="accent1"/>
+              </a:solidFill>
+              <a:latin typeface="Segoe UI Light" panose="020B0502040204020203" pitchFamily="34" charset="0"/>
+              <a:cs typeface="Segoe UI Light" panose="020B0502040204020203" pitchFamily="34" charset="0"/>
+            </a:endParaRPr>
           </a:p>
         </p:txBody>
       </p:sp>
@@ -31119,6 +35392,13 @@
       </p:transition>
     </mc:Fallback>
   </mc:AlternateContent>
+  <p:timing>
+    <p:tnLst>
+      <p:par>
+        <p:cTn id="1" dur="indefinite" restart="never" nodeType="tmRoot"/>
+      </p:par>
+    </p:tnLst>
+  </p:timing>
 </p:sld>
 </file>
 
@@ -31141,6 +35421,36 @@
       </p:grpSpPr>
       <p:sp>
         <p:nvSpPr>
+          <p:cNvPr id="5" name="文字版面配置區 4"/>
+          <p:cNvSpPr>
+            <a:spLocks noGrp="1"/>
+          </p:cNvSpPr>
+          <p:nvPr>
+            <p:ph type="body" sz="quarter" idx="10"/>
+          </p:nvPr>
+        </p:nvSpPr>
+        <p:spPr>
+          <a:xfrm>
+            <a:off x="839788" y="660400"/>
+            <a:ext cx="9586912" cy="2048766"/>
+          </a:xfrm>
+        </p:spPr>
+        <p:txBody>
+          <a:bodyPr/>
+          <a:lstStyle/>
+          <a:p>
+            <a:r>
+              <a:rPr lang="en-US" altLang="zh-TW" dirty="0"/>
+              <a:t>CHECK BEAM ONE BY ONE</a:t>
+            </a:r>
+          </a:p>
+          <a:p>
+            <a:endParaRPr lang="zh-TW" altLang="en-US" dirty="0"/>
+          </a:p>
+        </p:txBody>
+      </p:sp>
+      <p:sp>
+        <p:nvSpPr>
           <p:cNvPr id="2" name="Slide Number Placeholder 1"/>
           <p:cNvSpPr>
             <a:spLocks noGrp="1"/>
@@ -31171,14 +35481,25 @@
           <p:nvPr/>
         </p:nvPicPr>
         <p:blipFill>
-          <a:blip r:embed="rId3"/>
+          <a:blip r:embed="rId3">
+            <a:clrChange>
+              <a:clrFrom>
+                <a:srgbClr val="FFFFFF"/>
+              </a:clrFrom>
+              <a:clrTo>
+                <a:srgbClr val="FFFFFF">
+                  <a:alpha val="0"/>
+                </a:srgbClr>
+              </a:clrTo>
+            </a:clrChange>
+          </a:blip>
           <a:stretch>
             <a:fillRect/>
           </a:stretch>
         </p:blipFill>
         <p:spPr>
           <a:xfrm>
-            <a:off x="3048381" y="1152809"/>
+            <a:off x="1067181" y="1762409"/>
             <a:ext cx="6095238" cy="4552381"/>
           </a:xfrm>
           <a:prstGeom prst="rect">
@@ -31186,6 +35507,775 @@
           </a:prstGeom>
         </p:spPr>
       </p:pic>
+      <p:pic>
+        <p:nvPicPr>
+          <p:cNvPr id="4" name="圖片 3"/>
+          <p:cNvPicPr>
+            <a:picLocks noChangeAspect="1"/>
+          </p:cNvPicPr>
+          <p:nvPr/>
+        </p:nvPicPr>
+        <p:blipFill>
+          <a:blip r:embed="rId4">
+            <a:clrChange>
+              <a:clrFrom>
+                <a:srgbClr val="FFFFFF"/>
+              </a:clrFrom>
+              <a:clrTo>
+                <a:srgbClr val="FFFFFF">
+                  <a:alpha val="0"/>
+                </a:srgbClr>
+              </a:clrTo>
+            </a:clrChange>
+          </a:blip>
+          <a:stretch>
+            <a:fillRect/>
+          </a:stretch>
+        </p:blipFill>
+        <p:spPr>
+          <a:xfrm>
+            <a:off x="7538154" y="3216331"/>
+            <a:ext cx="4301420" cy="3095569"/>
+          </a:xfrm>
+          <a:prstGeom prst="rect">
+            <a:avLst/>
+          </a:prstGeom>
+        </p:spPr>
+      </p:pic>
+      <p:sp>
+        <p:nvSpPr>
+          <p:cNvPr id="7" name="文字方塊 6"/>
+          <p:cNvSpPr txBox="1"/>
+          <p:nvPr/>
+        </p:nvSpPr>
+        <p:spPr>
+          <a:xfrm>
+            <a:off x="7548116" y="2010559"/>
+            <a:ext cx="4662495" cy="562398"/>
+          </a:xfrm>
+          <a:prstGeom prst="rect">
+            <a:avLst/>
+          </a:prstGeom>
+          <a:noFill/>
+        </p:spPr>
+        <p:txBody>
+          <a:bodyPr wrap="none" lIns="0" rtlCol="0" anchor="t">
+            <a:spAutoFit/>
+          </a:bodyPr>
+          <a:lstStyle/>
+          <a:p>
+            <a:pPr>
+              <a:lnSpc>
+                <a:spcPct val="120000"/>
+              </a:lnSpc>
+            </a:pPr>
+            <a:r>
+              <a:rPr lang="zh-TW" altLang="en-US" sz="2800" dirty="0">
+                <a:latin typeface="Segoe UI Light" panose="020B0502040204020203" pitchFamily="34" charset="0"/>
+                <a:cs typeface="Segoe UI Light" panose="020B0502040204020203" pitchFamily="34" charset="0"/>
+              </a:rPr>
+              <a:t>混凝土結構設計規範 </a:t>
+            </a:r>
+            <a:r>
+              <a:rPr lang="en-US" altLang="zh-TW" sz="2800" dirty="0">
+                <a:latin typeface="Segoe UI Light" panose="020B0502040204020203" pitchFamily="34" charset="0"/>
+                <a:cs typeface="Segoe UI Light" panose="020B0502040204020203" pitchFamily="34" charset="0"/>
+              </a:rPr>
+              <a:t>401-100 </a:t>
+            </a:r>
+            <a:endParaRPr lang="en-US" altLang="zh-TW" sz="2800" dirty="0" smtClean="0">
+              <a:latin typeface="Segoe UI Light" panose="020B0502040204020203" pitchFamily="34" charset="0"/>
+              <a:cs typeface="Segoe UI Light" panose="020B0502040204020203" pitchFamily="34" charset="0"/>
+            </a:endParaRPr>
+          </a:p>
+        </p:txBody>
+      </p:sp>
+      <p:sp>
+        <p:nvSpPr>
+          <p:cNvPr id="9" name="文字方塊 8"/>
+          <p:cNvSpPr txBox="1"/>
+          <p:nvPr/>
+        </p:nvSpPr>
+        <p:spPr>
+          <a:xfrm>
+            <a:off x="7538154" y="2725785"/>
+            <a:ext cx="1076577" cy="561436"/>
+          </a:xfrm>
+          <a:prstGeom prst="rect">
+            <a:avLst/>
+          </a:prstGeom>
+          <a:noFill/>
+        </p:spPr>
+        <p:txBody>
+          <a:bodyPr wrap="none" lIns="0" rtlCol="0" anchor="t">
+            <a:spAutoFit/>
+          </a:bodyPr>
+          <a:lstStyle/>
+          <a:p>
+            <a:pPr>
+              <a:lnSpc>
+                <a:spcPct val="120000"/>
+              </a:lnSpc>
+            </a:pPr>
+            <a:r>
+              <a:rPr lang="en-US" altLang="zh-TW" sz="2800" dirty="0" smtClean="0">
+                <a:latin typeface="Segoe UI Light" panose="020B0502040204020203" pitchFamily="34" charset="0"/>
+                <a:cs typeface="Segoe UI Light" panose="020B0502040204020203" pitchFamily="34" charset="0"/>
+              </a:rPr>
+              <a:t>R5.11.2</a:t>
+            </a:r>
+            <a:endParaRPr lang="en-US" altLang="zh-TW" sz="2800" dirty="0">
+              <a:latin typeface="Segoe UI Light" panose="020B0502040204020203" pitchFamily="34" charset="0"/>
+              <a:cs typeface="Segoe UI Light" panose="020B0502040204020203" pitchFamily="34" charset="0"/>
+            </a:endParaRPr>
+          </a:p>
+        </p:txBody>
+      </p:sp>
+      <p:sp>
+        <p:nvSpPr>
+          <p:cNvPr id="10" name="文字方塊 9"/>
+          <p:cNvSpPr txBox="1"/>
+          <p:nvPr/>
+        </p:nvSpPr>
+        <p:spPr>
+          <a:xfrm>
+            <a:off x="4419600" y="4253301"/>
+            <a:ext cx="289503" cy="427425"/>
+          </a:xfrm>
+          <a:prstGeom prst="rect">
+            <a:avLst/>
+          </a:prstGeom>
+          <a:noFill/>
+        </p:spPr>
+        <p:txBody>
+          <a:bodyPr wrap="none" lIns="0" rtlCol="0" anchor="t">
+            <a:spAutoFit/>
+          </a:bodyPr>
+          <a:lstStyle/>
+          <a:p>
+            <a:pPr algn="l">
+              <a:lnSpc>
+                <a:spcPct val="120000"/>
+              </a:lnSpc>
+            </a:pPr>
+            <a:r>
+              <a:rPr lang="en-US" altLang="zh-TW" sz="2000" dirty="0" err="1" smtClean="0">
+                <a:solidFill>
+                  <a:schemeClr val="accent2"/>
+                </a:solidFill>
+                <a:latin typeface="Segoe UI Light" panose="020B0502040204020203" pitchFamily="34" charset="0"/>
+                <a:cs typeface="Segoe UI Light" panose="020B0502040204020203" pitchFamily="34" charset="0"/>
+              </a:rPr>
+              <a:t>ld</a:t>
+            </a:r>
+            <a:endParaRPr lang="zh-TW" altLang="en-US" sz="2000" dirty="0" smtClean="0">
+              <a:solidFill>
+                <a:schemeClr val="accent2"/>
+              </a:solidFill>
+              <a:latin typeface="Segoe UI Light" panose="020B0502040204020203" pitchFamily="34" charset="0"/>
+              <a:cs typeface="Segoe UI Light" panose="020B0502040204020203" pitchFamily="34" charset="0"/>
+            </a:endParaRPr>
+          </a:p>
+        </p:txBody>
+      </p:sp>
+      <p:sp>
+        <p:nvSpPr>
+          <p:cNvPr id="11" name="文字方塊 10"/>
+          <p:cNvSpPr txBox="1"/>
+          <p:nvPr/>
+        </p:nvSpPr>
+        <p:spPr>
+          <a:xfrm>
+            <a:off x="3403126" y="3216331"/>
+            <a:ext cx="1820370" cy="561436"/>
+          </a:xfrm>
+          <a:prstGeom prst="rect">
+            <a:avLst/>
+          </a:prstGeom>
+          <a:noFill/>
+        </p:spPr>
+        <p:txBody>
+          <a:bodyPr wrap="none" lIns="0" rtlCol="0" anchor="t">
+            <a:spAutoFit/>
+          </a:bodyPr>
+          <a:lstStyle/>
+          <a:p>
+            <a:pPr>
+              <a:lnSpc>
+                <a:spcPct val="120000"/>
+              </a:lnSpc>
+            </a:pPr>
+            <a:r>
+              <a:rPr lang="en-US" altLang="zh-TW" sz="2800" dirty="0">
+                <a:solidFill>
+                  <a:schemeClr val="accent3"/>
+                </a:solidFill>
+                <a:latin typeface="Segoe UI Light" panose="020B0502040204020203" pitchFamily="34" charset="0"/>
+                <a:cs typeface="Segoe UI Light" panose="020B0502040204020203" pitchFamily="34" charset="0"/>
+              </a:rPr>
+              <a:t>TRADITION</a:t>
+            </a:r>
+            <a:endParaRPr lang="zh-TW" altLang="en-US" sz="2800" dirty="0" smtClean="0">
+              <a:solidFill>
+                <a:schemeClr val="accent3"/>
+              </a:solidFill>
+              <a:latin typeface="Segoe UI Light" panose="020B0502040204020203" pitchFamily="34" charset="0"/>
+              <a:cs typeface="Segoe UI Light" panose="020B0502040204020203" pitchFamily="34" charset="0"/>
+            </a:endParaRPr>
+          </a:p>
+        </p:txBody>
+      </p:sp>
+      <p:sp>
+        <p:nvSpPr>
+          <p:cNvPr id="12" name="文字方塊 11"/>
+          <p:cNvSpPr txBox="1"/>
+          <p:nvPr/>
+        </p:nvSpPr>
+        <p:spPr>
+          <a:xfrm>
+            <a:off x="5082311" y="2481018"/>
+            <a:ext cx="1762983" cy="561436"/>
+          </a:xfrm>
+          <a:prstGeom prst="rect">
+            <a:avLst/>
+          </a:prstGeom>
+          <a:noFill/>
+        </p:spPr>
+        <p:txBody>
+          <a:bodyPr wrap="none" lIns="0" rtlCol="0" anchor="t">
+            <a:spAutoFit/>
+          </a:bodyPr>
+          <a:lstStyle/>
+          <a:p>
+            <a:pPr algn="l">
+              <a:lnSpc>
+                <a:spcPct val="120000"/>
+              </a:lnSpc>
+            </a:pPr>
+            <a:r>
+              <a:rPr lang="en-US" altLang="zh-TW" sz="2800" dirty="0" smtClean="0">
+                <a:solidFill>
+                  <a:schemeClr val="accent1"/>
+                </a:solidFill>
+                <a:latin typeface="Segoe UI Light" panose="020B0502040204020203" pitchFamily="34" charset="0"/>
+                <a:cs typeface="Segoe UI Light" panose="020B0502040204020203" pitchFamily="34" charset="0"/>
+              </a:rPr>
+              <a:t>MULTI CUT</a:t>
+            </a:r>
+            <a:endParaRPr lang="zh-TW" altLang="en-US" sz="2800" dirty="0" smtClean="0">
+              <a:solidFill>
+                <a:schemeClr val="accent1"/>
+              </a:solidFill>
+              <a:latin typeface="Segoe UI Light" panose="020B0502040204020203" pitchFamily="34" charset="0"/>
+              <a:cs typeface="Segoe UI Light" panose="020B0502040204020203" pitchFamily="34" charset="0"/>
+            </a:endParaRPr>
+          </a:p>
+        </p:txBody>
+      </p:sp>
+      <p:sp>
+        <p:nvSpPr>
+          <p:cNvPr id="13" name="文字方塊 12"/>
+          <p:cNvSpPr txBox="1"/>
+          <p:nvPr/>
+        </p:nvSpPr>
+        <p:spPr>
+          <a:xfrm>
+            <a:off x="5577172" y="5059118"/>
+            <a:ext cx="1762983" cy="561436"/>
+          </a:xfrm>
+          <a:prstGeom prst="rect">
+            <a:avLst/>
+          </a:prstGeom>
+          <a:noFill/>
+        </p:spPr>
+        <p:txBody>
+          <a:bodyPr wrap="none" lIns="0" rtlCol="0" anchor="t">
+            <a:spAutoFit/>
+          </a:bodyPr>
+          <a:lstStyle/>
+          <a:p>
+            <a:pPr algn="l">
+              <a:lnSpc>
+                <a:spcPct val="120000"/>
+              </a:lnSpc>
+            </a:pPr>
+            <a:r>
+              <a:rPr lang="en-US" altLang="zh-TW" sz="2800" dirty="0" smtClean="0">
+                <a:solidFill>
+                  <a:schemeClr val="accent1"/>
+                </a:solidFill>
+                <a:latin typeface="Segoe UI Light" panose="020B0502040204020203" pitchFamily="34" charset="0"/>
+                <a:cs typeface="Segoe UI Light" panose="020B0502040204020203" pitchFamily="34" charset="0"/>
+              </a:rPr>
+              <a:t>MULTI CUT</a:t>
+            </a:r>
+            <a:endParaRPr lang="zh-TW" altLang="en-US" sz="2800" dirty="0" smtClean="0">
+              <a:solidFill>
+                <a:schemeClr val="accent1"/>
+              </a:solidFill>
+              <a:latin typeface="Segoe UI Light" panose="020B0502040204020203" pitchFamily="34" charset="0"/>
+              <a:cs typeface="Segoe UI Light" panose="020B0502040204020203" pitchFamily="34" charset="0"/>
+            </a:endParaRPr>
+          </a:p>
+        </p:txBody>
+      </p:sp>
+      <p:sp>
+        <p:nvSpPr>
+          <p:cNvPr id="14" name="文字方塊 13"/>
+          <p:cNvSpPr txBox="1"/>
+          <p:nvPr/>
+        </p:nvSpPr>
+        <p:spPr>
+          <a:xfrm>
+            <a:off x="2166416" y="4284932"/>
+            <a:ext cx="1820370" cy="561436"/>
+          </a:xfrm>
+          <a:prstGeom prst="rect">
+            <a:avLst/>
+          </a:prstGeom>
+          <a:noFill/>
+        </p:spPr>
+        <p:txBody>
+          <a:bodyPr wrap="none" lIns="0" rtlCol="0" anchor="t">
+            <a:spAutoFit/>
+          </a:bodyPr>
+          <a:lstStyle/>
+          <a:p>
+            <a:pPr>
+              <a:lnSpc>
+                <a:spcPct val="120000"/>
+              </a:lnSpc>
+            </a:pPr>
+            <a:r>
+              <a:rPr lang="en-US" altLang="zh-TW" sz="2800" dirty="0">
+                <a:solidFill>
+                  <a:schemeClr val="accent3"/>
+                </a:solidFill>
+                <a:latin typeface="Segoe UI Light" panose="020B0502040204020203" pitchFamily="34" charset="0"/>
+                <a:cs typeface="Segoe UI Light" panose="020B0502040204020203" pitchFamily="34" charset="0"/>
+              </a:rPr>
+              <a:t>TRADITION</a:t>
+            </a:r>
+            <a:endParaRPr lang="zh-TW" altLang="en-US" sz="2800" dirty="0" smtClean="0">
+              <a:solidFill>
+                <a:schemeClr val="accent3"/>
+              </a:solidFill>
+              <a:latin typeface="Segoe UI Light" panose="020B0502040204020203" pitchFamily="34" charset="0"/>
+              <a:cs typeface="Segoe UI Light" panose="020B0502040204020203" pitchFamily="34" charset="0"/>
+            </a:endParaRPr>
+          </a:p>
+        </p:txBody>
+      </p:sp>
+    </p:spTree>
+    <p:extLst>
+      <p:ext uri="{BB962C8B-B14F-4D97-AF65-F5344CB8AC3E}">
+        <p14:creationId xmlns:p14="http://schemas.microsoft.com/office/powerpoint/2010/main" val="1322679372"/>
+      </p:ext>
+    </p:extLst>
+  </p:cSld>
+  <p:clrMapOvr>
+    <a:masterClrMapping/>
+  </p:clrMapOvr>
+  <mc:AlternateContent xmlns:mc="http://schemas.openxmlformats.org/markup-compatibility/2006" xmlns:p14="http://schemas.microsoft.com/office/powerpoint/2010/main">
+    <mc:Choice Requires="p14">
+      <p:transition spd="med" p14:dur="700">
+        <p:fade/>
+      </p:transition>
+    </mc:Choice>
+    <mc:Fallback xmlns="">
+      <p:transition spd="med">
+        <p:fade/>
+      </p:transition>
+    </mc:Fallback>
+  </mc:AlternateContent>
+  <p:timing>
+    <p:tnLst>
+      <p:par>
+        <p:cTn id="1" dur="indefinite" restart="never" nodeType="tmRoot"/>
+      </p:par>
+    </p:tnLst>
+  </p:timing>
+</p:sld>
+</file>
+
+<file path=ppt/slides/slide9.xml><?xml version="1.0" encoding="utf-8"?>
+<p:sld xmlns:a="http://schemas.openxmlformats.org/drawingml/2006/main" xmlns:r="http://schemas.openxmlformats.org/officeDocument/2006/relationships" xmlns:p="http://schemas.openxmlformats.org/presentationml/2006/main">
+  <p:cSld>
+    <p:spTree>
+      <p:nvGrpSpPr>
+        <p:cNvPr id="1" name=""/>
+        <p:cNvGrpSpPr/>
+        <p:nvPr/>
+      </p:nvGrpSpPr>
+      <p:grpSpPr>
+        <a:xfrm>
+          <a:off x="0" y="0"/>
+          <a:ext cx="0" cy="0"/>
+          <a:chOff x="0" y="0"/>
+          <a:chExt cx="0" cy="0"/>
+        </a:xfrm>
+      </p:grpSpPr>
+      <p:sp>
+        <p:nvSpPr>
+          <p:cNvPr id="4" name="文字版面配置區 3"/>
+          <p:cNvSpPr>
+            <a:spLocks noGrp="1"/>
+          </p:cNvSpPr>
+          <p:nvPr>
+            <p:ph type="body" sz="quarter" idx="10"/>
+          </p:nvPr>
+        </p:nvSpPr>
+        <p:spPr>
+          <a:xfrm>
+            <a:off x="839788" y="660400"/>
+            <a:ext cx="8697912" cy="1311128"/>
+          </a:xfrm>
+        </p:spPr>
+        <p:txBody>
+          <a:bodyPr/>
+          <a:lstStyle/>
+          <a:p>
+            <a:r>
+              <a:rPr lang="en-US" altLang="zh-TW" dirty="0"/>
+              <a:t>CHECK BEAM ONE BY ONE</a:t>
+            </a:r>
+            <a:endParaRPr lang="zh-TW" altLang="en-US" dirty="0"/>
+          </a:p>
+        </p:txBody>
+      </p:sp>
+      <p:sp>
+        <p:nvSpPr>
+          <p:cNvPr id="2" name="Slide Number Placeholder 1"/>
+          <p:cNvSpPr>
+            <a:spLocks noGrp="1"/>
+          </p:cNvSpPr>
+          <p:nvPr>
+            <p:ph type="sldNum" sz="quarter" idx="4"/>
+          </p:nvPr>
+        </p:nvSpPr>
+        <p:spPr/>
+        <p:txBody>
+          <a:bodyPr/>
+          <a:lstStyle/>
+          <a:p>
+            <a:fld id="{6F0746BA-D1AA-4FF4-8D48-BDBC7FF48778}" type="slidenum">
+              <a:rPr lang="fr-FR" smtClean="0"/>
+              <a:t>9</a:t>
+            </a:fld>
+            <a:endParaRPr lang="fr-FR"/>
+          </a:p>
+        </p:txBody>
+      </p:sp>
+      <p:pic>
+        <p:nvPicPr>
+          <p:cNvPr id="3" name="Picture 2"/>
+          <p:cNvPicPr>
+            <a:picLocks noChangeAspect="1"/>
+          </p:cNvPicPr>
+          <p:nvPr/>
+        </p:nvPicPr>
+        <p:blipFill>
+          <a:blip r:embed="rId3">
+            <a:clrChange>
+              <a:clrFrom>
+                <a:srgbClr val="FFFFFF"/>
+              </a:clrFrom>
+              <a:clrTo>
+                <a:srgbClr val="FFFFFF">
+                  <a:alpha val="0"/>
+                </a:srgbClr>
+              </a:clrTo>
+            </a:clrChange>
+          </a:blip>
+          <a:stretch>
+            <a:fillRect/>
+          </a:stretch>
+        </p:blipFill>
+        <p:spPr>
+          <a:xfrm>
+            <a:off x="3048381" y="1762409"/>
+            <a:ext cx="6095238" cy="4552381"/>
+          </a:xfrm>
+          <a:prstGeom prst="rect">
+            <a:avLst/>
+          </a:prstGeom>
+        </p:spPr>
+      </p:pic>
+      <p:sp>
+        <p:nvSpPr>
+          <p:cNvPr id="5" name="文字方塊 4"/>
+          <p:cNvSpPr txBox="1"/>
+          <p:nvPr/>
+        </p:nvSpPr>
+        <p:spPr>
+          <a:xfrm>
+            <a:off x="4419600" y="4253301"/>
+            <a:ext cx="289503" cy="427425"/>
+          </a:xfrm>
+          <a:prstGeom prst="rect">
+            <a:avLst/>
+          </a:prstGeom>
+          <a:noFill/>
+        </p:spPr>
+        <p:txBody>
+          <a:bodyPr wrap="none" lIns="0" rtlCol="0" anchor="t">
+            <a:spAutoFit/>
+          </a:bodyPr>
+          <a:lstStyle/>
+          <a:p>
+            <a:pPr algn="l">
+              <a:lnSpc>
+                <a:spcPct val="120000"/>
+              </a:lnSpc>
+            </a:pPr>
+            <a:r>
+              <a:rPr lang="en-US" altLang="zh-TW" sz="2000" dirty="0" err="1" smtClean="0">
+                <a:solidFill>
+                  <a:schemeClr val="accent2"/>
+                </a:solidFill>
+                <a:latin typeface="Segoe UI Light" panose="020B0502040204020203" pitchFamily="34" charset="0"/>
+                <a:cs typeface="Segoe UI Light" panose="020B0502040204020203" pitchFamily="34" charset="0"/>
+              </a:rPr>
+              <a:t>ld</a:t>
+            </a:r>
+            <a:endParaRPr lang="zh-TW" altLang="en-US" sz="2000" dirty="0" smtClean="0">
+              <a:solidFill>
+                <a:schemeClr val="accent2"/>
+              </a:solidFill>
+              <a:latin typeface="Segoe UI Light" panose="020B0502040204020203" pitchFamily="34" charset="0"/>
+              <a:cs typeface="Segoe UI Light" panose="020B0502040204020203" pitchFamily="34" charset="0"/>
+            </a:endParaRPr>
+          </a:p>
+        </p:txBody>
+      </p:sp>
+      <p:sp>
+        <p:nvSpPr>
+          <p:cNvPr id="6" name="文字方塊 5"/>
+          <p:cNvSpPr txBox="1"/>
+          <p:nvPr/>
+        </p:nvSpPr>
+        <p:spPr>
+          <a:xfrm>
+            <a:off x="4990626" y="2566794"/>
+            <a:ext cx="1820370" cy="561436"/>
+          </a:xfrm>
+          <a:prstGeom prst="rect">
+            <a:avLst/>
+          </a:prstGeom>
+          <a:noFill/>
+        </p:spPr>
+        <p:txBody>
+          <a:bodyPr wrap="none" lIns="0" rtlCol="0" anchor="t">
+            <a:spAutoFit/>
+          </a:bodyPr>
+          <a:lstStyle/>
+          <a:p>
+            <a:pPr>
+              <a:lnSpc>
+                <a:spcPct val="120000"/>
+              </a:lnSpc>
+            </a:pPr>
+            <a:r>
+              <a:rPr lang="en-US" altLang="zh-TW" sz="2800" dirty="0">
+                <a:solidFill>
+                  <a:schemeClr val="accent3"/>
+                </a:solidFill>
+                <a:latin typeface="Segoe UI Light" panose="020B0502040204020203" pitchFamily="34" charset="0"/>
+                <a:cs typeface="Segoe UI Light" panose="020B0502040204020203" pitchFamily="34" charset="0"/>
+              </a:rPr>
+              <a:t>TRADITION</a:t>
+            </a:r>
+            <a:endParaRPr lang="zh-TW" altLang="en-US" sz="2800" dirty="0" smtClean="0">
+              <a:solidFill>
+                <a:schemeClr val="accent3"/>
+              </a:solidFill>
+              <a:latin typeface="Segoe UI Light" panose="020B0502040204020203" pitchFamily="34" charset="0"/>
+              <a:cs typeface="Segoe UI Light" panose="020B0502040204020203" pitchFamily="34" charset="0"/>
+            </a:endParaRPr>
+          </a:p>
+        </p:txBody>
+      </p:sp>
+      <p:sp>
+        <p:nvSpPr>
+          <p:cNvPr id="7" name="文字方塊 6"/>
+          <p:cNvSpPr txBox="1"/>
+          <p:nvPr/>
+        </p:nvSpPr>
+        <p:spPr>
+          <a:xfrm>
+            <a:off x="7228611" y="1720849"/>
+            <a:ext cx="2511585" cy="609398"/>
+          </a:xfrm>
+          <a:prstGeom prst="rect">
+            <a:avLst/>
+          </a:prstGeom>
+          <a:noFill/>
+        </p:spPr>
+        <p:txBody>
+          <a:bodyPr wrap="none" lIns="0" rtlCol="0" anchor="t">
+            <a:spAutoFit/>
+          </a:bodyPr>
+          <a:lstStyle/>
+          <a:p>
+            <a:pPr algn="l">
+              <a:lnSpc>
+                <a:spcPct val="120000"/>
+              </a:lnSpc>
+            </a:pPr>
+            <a:r>
+              <a:rPr lang="en-US" altLang="zh-TW" sz="2800" dirty="0" smtClean="0">
+                <a:solidFill>
+                  <a:schemeClr val="accent1"/>
+                </a:solidFill>
+                <a:latin typeface="Segoe UI Light" panose="020B0502040204020203" pitchFamily="34" charset="0"/>
+                <a:cs typeface="Segoe UI Light" panose="020B0502040204020203" pitchFamily="34" charset="0"/>
+              </a:rPr>
+              <a:t>MULTI CUT</a:t>
+            </a:r>
+            <a:r>
+              <a:rPr lang="zh-TW" altLang="en-US" sz="2800" dirty="0" smtClean="0">
+                <a:solidFill>
+                  <a:schemeClr val="accent1"/>
+                </a:solidFill>
+                <a:latin typeface="Segoe UI Light" panose="020B0502040204020203" pitchFamily="34" charset="0"/>
+                <a:cs typeface="Segoe UI Light" panose="020B0502040204020203" pitchFamily="34" charset="0"/>
+              </a:rPr>
+              <a:t> </a:t>
+            </a:r>
+            <a:r>
+              <a:rPr lang="en-US" altLang="zh-TW" sz="2800" dirty="0" smtClean="0">
+                <a:solidFill>
+                  <a:schemeClr val="accent1"/>
+                </a:solidFill>
+                <a:latin typeface="Segoe UI Light" panose="020B0502040204020203" pitchFamily="34" charset="0"/>
+                <a:cs typeface="Segoe UI Light" panose="020B0502040204020203" pitchFamily="34" charset="0"/>
+              </a:rPr>
+              <a:t>82%</a:t>
+            </a:r>
+            <a:endParaRPr lang="zh-TW" altLang="en-US" sz="2800" dirty="0" smtClean="0">
+              <a:solidFill>
+                <a:schemeClr val="accent1"/>
+              </a:solidFill>
+              <a:latin typeface="Segoe UI Light" panose="020B0502040204020203" pitchFamily="34" charset="0"/>
+              <a:cs typeface="Segoe UI Light" panose="020B0502040204020203" pitchFamily="34" charset="0"/>
+            </a:endParaRPr>
+          </a:p>
+        </p:txBody>
+      </p:sp>
+      <p:sp>
+        <p:nvSpPr>
+          <p:cNvPr id="8" name="文字方塊 7"/>
+          <p:cNvSpPr txBox="1"/>
+          <p:nvPr/>
+        </p:nvSpPr>
+        <p:spPr>
+          <a:xfrm>
+            <a:off x="8656208" y="4722145"/>
+            <a:ext cx="2455480" cy="609398"/>
+          </a:xfrm>
+          <a:prstGeom prst="rect">
+            <a:avLst/>
+          </a:prstGeom>
+          <a:noFill/>
+        </p:spPr>
+        <p:txBody>
+          <a:bodyPr wrap="none" lIns="0" rtlCol="0" anchor="t">
+            <a:spAutoFit/>
+          </a:bodyPr>
+          <a:lstStyle/>
+          <a:p>
+            <a:pPr algn="l">
+              <a:lnSpc>
+                <a:spcPct val="120000"/>
+              </a:lnSpc>
+            </a:pPr>
+            <a:r>
+              <a:rPr lang="en-US" altLang="zh-TW" sz="2800" dirty="0" smtClean="0">
+                <a:solidFill>
+                  <a:schemeClr val="accent1"/>
+                </a:solidFill>
+                <a:latin typeface="Segoe UI Light" panose="020B0502040204020203" pitchFamily="34" charset="0"/>
+                <a:cs typeface="Segoe UI Light" panose="020B0502040204020203" pitchFamily="34" charset="0"/>
+              </a:rPr>
+              <a:t>MULTI CUT</a:t>
+            </a:r>
+            <a:r>
+              <a:rPr lang="zh-TW" altLang="en-US" sz="2800" dirty="0" smtClean="0">
+                <a:solidFill>
+                  <a:schemeClr val="accent1"/>
+                </a:solidFill>
+                <a:latin typeface="Segoe UI Light" panose="020B0502040204020203" pitchFamily="34" charset="0"/>
+                <a:cs typeface="Segoe UI Light" panose="020B0502040204020203" pitchFamily="34" charset="0"/>
+              </a:rPr>
+              <a:t> </a:t>
+            </a:r>
+            <a:r>
+              <a:rPr lang="en-US" altLang="zh-TW" sz="2800" dirty="0" smtClean="0">
+                <a:solidFill>
+                  <a:schemeClr val="accent1"/>
+                </a:solidFill>
+                <a:latin typeface="Segoe UI Light" panose="020B0502040204020203" pitchFamily="34" charset="0"/>
+                <a:cs typeface="Segoe UI Light" panose="020B0502040204020203" pitchFamily="34" charset="0"/>
+              </a:rPr>
+              <a:t>91%</a:t>
+            </a:r>
+            <a:endParaRPr lang="zh-TW" altLang="en-US" sz="2800" dirty="0" smtClean="0">
+              <a:solidFill>
+                <a:schemeClr val="accent1"/>
+              </a:solidFill>
+              <a:latin typeface="Segoe UI Light" panose="020B0502040204020203" pitchFamily="34" charset="0"/>
+              <a:cs typeface="Segoe UI Light" panose="020B0502040204020203" pitchFamily="34" charset="0"/>
+            </a:endParaRPr>
+          </a:p>
+        </p:txBody>
+      </p:sp>
+      <p:sp>
+        <p:nvSpPr>
+          <p:cNvPr id="9" name="文字方塊 8"/>
+          <p:cNvSpPr txBox="1"/>
+          <p:nvPr/>
+        </p:nvSpPr>
+        <p:spPr>
+          <a:xfrm>
+            <a:off x="2918539" y="5083319"/>
+            <a:ext cx="1820370" cy="561436"/>
+          </a:xfrm>
+          <a:prstGeom prst="rect">
+            <a:avLst/>
+          </a:prstGeom>
+          <a:noFill/>
+        </p:spPr>
+        <p:txBody>
+          <a:bodyPr wrap="none" lIns="0" rtlCol="0" anchor="t">
+            <a:spAutoFit/>
+          </a:bodyPr>
+          <a:lstStyle/>
+          <a:p>
+            <a:pPr>
+              <a:lnSpc>
+                <a:spcPct val="120000"/>
+              </a:lnSpc>
+            </a:pPr>
+            <a:r>
+              <a:rPr lang="en-US" altLang="zh-TW" sz="2800" dirty="0">
+                <a:solidFill>
+                  <a:schemeClr val="accent3"/>
+                </a:solidFill>
+                <a:latin typeface="Segoe UI Light" panose="020B0502040204020203" pitchFamily="34" charset="0"/>
+                <a:cs typeface="Segoe UI Light" panose="020B0502040204020203" pitchFamily="34" charset="0"/>
+              </a:rPr>
+              <a:t>TRADITION</a:t>
+            </a:r>
+            <a:endParaRPr lang="zh-TW" altLang="en-US" sz="2800" dirty="0" smtClean="0">
+              <a:solidFill>
+                <a:schemeClr val="accent3"/>
+              </a:solidFill>
+              <a:latin typeface="Segoe UI Light" panose="020B0502040204020203" pitchFamily="34" charset="0"/>
+              <a:cs typeface="Segoe UI Light" panose="020B0502040204020203" pitchFamily="34" charset="0"/>
+            </a:endParaRPr>
+          </a:p>
+        </p:txBody>
+      </p:sp>
     </p:spTree>
     <p:extLst>
       <p:ext uri="{BB962C8B-B14F-4D97-AF65-F5344CB8AC3E}">
@@ -31208,95 +36298,13 @@
       </p:transition>
     </mc:Fallback>
   </mc:AlternateContent>
-</p:sld>
-</file>
-
-<file path=ppt/slides/slide9.xml><?xml version="1.0" encoding="utf-8"?>
-<p:sld xmlns:a="http://schemas.openxmlformats.org/drawingml/2006/main" xmlns:r="http://schemas.openxmlformats.org/officeDocument/2006/relationships" xmlns:p="http://schemas.openxmlformats.org/presentationml/2006/main">
-  <p:cSld>
-    <p:spTree>
-      <p:nvGrpSpPr>
-        <p:cNvPr id="1" name=""/>
-        <p:cNvGrpSpPr/>
-        <p:nvPr/>
-      </p:nvGrpSpPr>
-      <p:grpSpPr>
-        <a:xfrm>
-          <a:off x="0" y="0"/>
-          <a:ext cx="0" cy="0"/>
-          <a:chOff x="0" y="0"/>
-          <a:chExt cx="0" cy="0"/>
-        </a:xfrm>
-      </p:grpSpPr>
-      <p:sp>
-        <p:nvSpPr>
-          <p:cNvPr id="2" name="Slide Number Placeholder 1"/>
-          <p:cNvSpPr>
-            <a:spLocks noGrp="1"/>
-          </p:cNvSpPr>
-          <p:nvPr>
-            <p:ph type="sldNum" sz="quarter" idx="4"/>
-          </p:nvPr>
-        </p:nvSpPr>
-        <p:spPr/>
-        <p:txBody>
-          <a:bodyPr/>
-          <a:lstStyle/>
-          <a:p>
-            <a:fld id="{6F0746BA-D1AA-4FF4-8D48-BDBC7FF48778}" type="slidenum">
-              <a:rPr lang="fr-FR" smtClean="0"/>
-              <a:t>9</a:t>
-            </a:fld>
-            <a:endParaRPr lang="fr-FR"/>
-          </a:p>
-        </p:txBody>
-      </p:sp>
-      <p:pic>
-        <p:nvPicPr>
-          <p:cNvPr id="3" name="Picture 2"/>
-          <p:cNvPicPr>
-            <a:picLocks noChangeAspect="1"/>
-          </p:cNvPicPr>
-          <p:nvPr/>
-        </p:nvPicPr>
-        <p:blipFill>
-          <a:blip r:embed="rId3"/>
-          <a:stretch>
-            <a:fillRect/>
-          </a:stretch>
-        </p:blipFill>
-        <p:spPr>
-          <a:xfrm>
-            <a:off x="3048381" y="1152809"/>
-            <a:ext cx="6095238" cy="4552381"/>
-          </a:xfrm>
-          <a:prstGeom prst="rect">
-            <a:avLst/>
-          </a:prstGeom>
-        </p:spPr>
-      </p:pic>
-    </p:spTree>
-    <p:extLst>
-      <p:ext uri="{BB962C8B-B14F-4D97-AF65-F5344CB8AC3E}">
-        <p14:creationId xmlns:p14="http://schemas.microsoft.com/office/powerpoint/2010/main" val="1322679372"/>
-      </p:ext>
-    </p:extLst>
-  </p:cSld>
-  <p:clrMapOvr>
-    <a:masterClrMapping/>
-  </p:clrMapOvr>
-  <mc:AlternateContent xmlns:mc="http://schemas.openxmlformats.org/markup-compatibility/2006" xmlns:p14="http://schemas.microsoft.com/office/powerpoint/2010/main">
-    <mc:Choice Requires="p14">
-      <p:transition spd="med" p14:dur="700">
-        <p:fade/>
-      </p:transition>
-    </mc:Choice>
-    <mc:Fallback xmlns="">
-      <p:transition spd="med">
-        <p:fade/>
-      </p:transition>
-    </mc:Fallback>
-  </mc:AlternateContent>
+  <p:timing>
+    <p:tnLst>
+      <p:par>
+        <p:cTn id="1" dur="indefinite" restart="never" nodeType="tmRoot"/>
+      </p:par>
+    </p:tnLst>
+  </p:timing>
 </p:sld>
 </file>
 
@@ -31871,6 +36879,15 @@
 </file>
 
 <file path=customXml/item1.xml><?xml version="1.0" encoding="utf-8"?>
+<?mso-contentType ?>
+<FormTemplates xmlns="http://schemas.microsoft.com/sharepoint/v3/contenttype/forms">
+  <Display>DocumentLibraryForm</Display>
+  <Edit>DocumentLibraryForm</Edit>
+  <New>DocumentLibraryForm</New>
+</FormTemplates>
+</file>
+
+<file path=customXml/item2.xml><?xml version="1.0" encoding="utf-8"?>
 <ct:contentTypeSchema xmlns:ct="http://schemas.microsoft.com/office/2006/metadata/contentType" xmlns:ma="http://schemas.microsoft.com/office/2006/metadata/properties/metaAttributes" ct:_="" ma:_="" ma:contentTypeName="Document" ma:contentTypeID="0x01010005FA520563873D4EB8CBD5344A351BEB" ma:contentTypeVersion="0" ma:contentTypeDescription="Crée un document." ma:contentTypeScope="" ma:versionID="005ce72954985de94fc750614f2007cc">
   <xsd:schema xmlns:xsd="http://www.w3.org/2001/XMLSchema" xmlns:xs="http://www.w3.org/2001/XMLSchema" xmlns:p="http://schemas.microsoft.com/office/2006/metadata/properties" targetNamespace="http://schemas.microsoft.com/office/2006/metadata/properties" ma:root="true" ma:fieldsID="36883d0f3030e52908f9a4448a35c02a">
     <xsd:element name="properties">
@@ -31984,15 +37001,6 @@
 </ct:contentTypeSchema>
 </file>
 
-<file path=customXml/item2.xml><?xml version="1.0" encoding="utf-8"?>
-<?mso-contentType ?>
-<FormTemplates xmlns="http://schemas.microsoft.com/sharepoint/v3/contenttype/forms">
-  <Display>DocumentLibraryForm</Display>
-  <Edit>DocumentLibraryForm</Edit>
-  <New>DocumentLibraryForm</New>
-</FormTemplates>
-</file>
-
 <file path=customXml/item3.xml><?xml version="1.0" encoding="utf-8"?>
 <p:properties xmlns:p="http://schemas.microsoft.com/office/2006/metadata/properties" xmlns:xsi="http://www.w3.org/2001/XMLSchema-instance" xmlns:pc="http://schemas.microsoft.com/office/infopath/2007/PartnerControls">
   <documentManagement/>
@@ -32000,6 +37008,14 @@
 </file>
 
 <file path=customXml/itemProps1.xml><?xml version="1.0" encoding="utf-8"?>
+<ds:datastoreItem xmlns:ds="http://schemas.openxmlformats.org/officeDocument/2006/customXml" ds:itemID="{95457E87-E546-449E-A4D1-371201992E58}">
+  <ds:schemaRefs>
+    <ds:schemaRef ds:uri="http://schemas.microsoft.com/sharepoint/v3/contenttype/forms"/>
+  </ds:schemaRefs>
+</ds:datastoreItem>
+</file>
+
+<file path=customXml/itemProps2.xml><?xml version="1.0" encoding="utf-8"?>
 <ds:datastoreItem xmlns:ds="http://schemas.openxmlformats.org/officeDocument/2006/customXml" ds:itemID="{FF14EDAB-351E-4851-B148-260C81C296AA}">
   <ds:schemaRefs>
     <ds:schemaRef ds:uri="http://schemas.microsoft.com/office/2006/metadata/contentType"/>
@@ -32011,14 +37027,6 @@
     <ds:schemaRef ds:uri="http://purl.org/dc/terms/"/>
     <ds:schemaRef ds:uri="http://schemas.microsoft.com/internal/obd"/>
     <ds:schemaRef ds:uri="http://schemas.microsoft.com/office/infopath/2007/PartnerControls"/>
-  </ds:schemaRefs>
-</ds:datastoreItem>
-</file>
-
-<file path=customXml/itemProps2.xml><?xml version="1.0" encoding="utf-8"?>
-<ds:datastoreItem xmlns:ds="http://schemas.openxmlformats.org/officeDocument/2006/customXml" ds:itemID="{95457E87-E546-449E-A4D1-371201992E58}">
-  <ds:schemaRefs>
-    <ds:schemaRef ds:uri="http://schemas.microsoft.com/sharepoint/v3/contenttype/forms"/>
   </ds:schemaRefs>
 </ds:datastoreItem>
 </file>

--- a/20180126_SmartCut/Meeting/20181206 Meeting/20181206 Meeting.pptx
+++ b/20180126_SmartCut/Meeting/20181206 Meeting/20181206 Meeting.pptx
@@ -5,7 +5,7 @@
     <p:sldMasterId id="2147483648" r:id="rId4"/>
   </p:sldMasterIdLst>
   <p:notesMasterIdLst>
-    <p:notesMasterId r:id="rId27"/>
+    <p:notesMasterId r:id="rId28"/>
   </p:notesMasterIdLst>
   <p:sldIdLst>
     <p:sldId id="314" r:id="rId5"/>
@@ -13,23 +13,24 @@
     <p:sldId id="342" r:id="rId7"/>
     <p:sldId id="340" r:id="rId8"/>
     <p:sldId id="344" r:id="rId9"/>
-    <p:sldId id="346" r:id="rId10"/>
-    <p:sldId id="345" r:id="rId11"/>
+    <p:sldId id="345" r:id="rId10"/>
+    <p:sldId id="346" r:id="rId11"/>
     <p:sldId id="347" r:id="rId12"/>
     <p:sldId id="348" r:id="rId13"/>
     <p:sldId id="360" r:id="rId14"/>
     <p:sldId id="351" r:id="rId15"/>
     <p:sldId id="353" r:id="rId16"/>
-    <p:sldId id="354" r:id="rId17"/>
-    <p:sldId id="357" r:id="rId18"/>
-    <p:sldId id="358" r:id="rId19"/>
-    <p:sldId id="359" r:id="rId20"/>
-    <p:sldId id="361" r:id="rId21"/>
-    <p:sldId id="343" r:id="rId22"/>
-    <p:sldId id="363" r:id="rId23"/>
-    <p:sldId id="364" r:id="rId24"/>
-    <p:sldId id="337" r:id="rId25"/>
-    <p:sldId id="362" r:id="rId26"/>
+    <p:sldId id="365" r:id="rId17"/>
+    <p:sldId id="354" r:id="rId18"/>
+    <p:sldId id="357" r:id="rId19"/>
+    <p:sldId id="358" r:id="rId20"/>
+    <p:sldId id="359" r:id="rId21"/>
+    <p:sldId id="361" r:id="rId22"/>
+    <p:sldId id="343" r:id="rId23"/>
+    <p:sldId id="363" r:id="rId24"/>
+    <p:sldId id="364" r:id="rId25"/>
+    <p:sldId id="337" r:id="rId26"/>
+    <p:sldId id="362" r:id="rId27"/>
   </p:sldIdLst>
   <p:sldSz cx="12192000" cy="6858000"/>
   <p:notesSz cx="6858000" cy="9144000"/>
@@ -146,8 +147,8 @@
           <p14:sldIdLst>
             <p14:sldId id="340"/>
             <p14:sldId id="344"/>
+            <p14:sldId id="345"/>
             <p14:sldId id="346"/>
-            <p14:sldId id="345"/>
             <p14:sldId id="347"/>
             <p14:sldId id="348"/>
             <p14:sldId id="360"/>
@@ -161,6 +162,7 @@
         </p14:section>
         <p14:section name="Data" id="{A2C87504-C315-4124-AC29-38E80F41892A}">
           <p14:sldIdLst>
+            <p14:sldId id="365"/>
             <p14:sldId id="354"/>
             <p14:sldId id="357"/>
             <p14:sldId id="358"/>
@@ -620,38 +622,28 @@
               <a:rPr lang="zh-TW" altLang="en-US" dirty="0" smtClean="0">
                 <a:effectLst/>
               </a:rPr>
-              <a:t>由於很複雜，先記得最終的結果</a:t>
-            </a:r>
-          </a:p>
-          <a:p>
-            <a:pPr lvl="1"/>
+              <a:t>由於很複雜，先記得最終的結</a:t>
+            </a:r>
             <a:r>
               <a:rPr lang="zh-TW" altLang="en-US" dirty="0" smtClean="0">
                 <a:effectLst/>
               </a:rPr>
-              <a:t>欣詮、高雄 學校取 </a:t>
-            </a:r>
-            <a:r>
-              <a:rPr lang="en-US" altLang="zh-TW" dirty="0" err="1" smtClean="0">
-                <a:effectLst/>
-              </a:rPr>
-              <a:t>etabs</a:t>
-            </a:r>
+              <a:t>果</a:t>
+            </a:r>
+            <a:endParaRPr lang="en-US" altLang="zh-TW" dirty="0" smtClean="0">
+              <a:effectLst/>
+            </a:endParaRPr>
+          </a:p>
+          <a:p>
             <a:r>
               <a:rPr lang="en-US" altLang="zh-TW" dirty="0" smtClean="0">
                 <a:effectLst/>
               </a:rPr>
-              <a:t> </a:t>
-            </a:r>
-            <a:r>
-              <a:rPr lang="zh-TW" altLang="en-US" dirty="0" smtClean="0">
-                <a:effectLst/>
-              </a:rPr>
-              <a:t>圖</a:t>
-            </a:r>
-          </a:p>
-          <a:p>
-            <a:endParaRPr lang="en-US" dirty="0"/>
+              <a:t>400</a:t>
+            </a:r>
+            <a:endParaRPr lang="zh-TW" altLang="en-US" dirty="0" smtClean="0">
+              <a:effectLst/>
+            </a:endParaRPr>
           </a:p>
         </p:txBody>
       </p:sp>
@@ -736,190 +728,48 @@
           <a:lstStyle/>
           <a:p>
             <a:r>
-              <a:rPr lang="zh-TW" altLang="en-US" dirty="0" smtClean="0">
-                <a:effectLst/>
-              </a:rPr>
-              <a:t>高雄</a:t>
-            </a:r>
-          </a:p>
-          <a:p>
-            <a:pPr lvl="1"/>
-            <a:r>
-              <a:rPr lang="en-US" altLang="zh-TW" dirty="0" smtClean="0">
-                <a:effectLst/>
-              </a:rPr>
+              <a:rPr lang="en-US" altLang="zh-TW" dirty="0" smtClean="0"/>
               <a:t>ETABS </a:t>
             </a:r>
             <a:r>
-              <a:rPr lang="zh-TW" altLang="en-US" dirty="0" smtClean="0">
-                <a:effectLst/>
-              </a:rPr>
-              <a:t>如果用 </a:t>
-            </a:r>
-            <a:r>
-              <a:rPr lang="en-US" altLang="zh-TW" dirty="0" smtClean="0">
-                <a:effectLst/>
-              </a:rPr>
-              <a:t>copy </a:t>
-            </a:r>
-            <a:r>
-              <a:rPr lang="zh-TW" altLang="en-US" dirty="0" smtClean="0">
-                <a:effectLst/>
-              </a:rPr>
-              <a:t>的 資料量太大會有問題</a:t>
-            </a:r>
-          </a:p>
-          <a:p>
-            <a:pPr lvl="2"/>
-            <a:r>
-              <a:rPr lang="zh-TW" altLang="en-US" dirty="0" smtClean="0">
-                <a:effectLst/>
-              </a:rPr>
-              <a:t>排序會亂掉</a:t>
-            </a:r>
-          </a:p>
-          <a:p>
-            <a:pPr lvl="2"/>
-            <a:r>
-              <a:rPr lang="zh-TW" altLang="en-US" dirty="0" smtClean="0">
-                <a:effectLst/>
-              </a:rPr>
-              <a:t>只不過在寫程式的時候就有想到這個問題 所以之前寫就有想說亂掉也沒關係</a:t>
-            </a:r>
-          </a:p>
-          <a:p>
-            <a:pPr lvl="2"/>
-            <a:r>
-              <a:rPr lang="zh-TW" altLang="en-US" dirty="0" smtClean="0">
-                <a:effectLst/>
-              </a:rPr>
-              <a:t>但是因為沒有測試過</a:t>
-            </a:r>
-          </a:p>
-          <a:p>
-            <a:pPr lvl="2"/>
-            <a:r>
-              <a:rPr lang="zh-TW" altLang="en-US" dirty="0" smtClean="0">
-                <a:effectLst/>
-              </a:rPr>
-              <a:t>所以才發現亂掉會很麻煩</a:t>
-            </a:r>
-          </a:p>
-          <a:p>
-            <a:pPr lvl="2"/>
-            <a:r>
-              <a:rPr lang="zh-TW" altLang="en-US" dirty="0" smtClean="0">
-                <a:effectLst/>
-              </a:rPr>
-              <a:t>如果要改寫又很難保證有效能的同時 邏輯複雜度不會增加太多</a:t>
-            </a:r>
-          </a:p>
-          <a:p>
-            <a:pPr lvl="2"/>
-            <a:r>
-              <a:rPr lang="zh-TW" altLang="en-US" dirty="0" smtClean="0">
-                <a:effectLst/>
-              </a:rPr>
-              <a:t>所以秉持著能簡單做決不困難做的原則</a:t>
-            </a:r>
-          </a:p>
-          <a:p>
-            <a:pPr lvl="2"/>
-            <a:r>
-              <a:rPr lang="zh-TW" altLang="en-US" dirty="0" smtClean="0">
-                <a:effectLst/>
-              </a:rPr>
-              <a:t>重寫資料讀取的方式 變成 </a:t>
-            </a:r>
-            <a:r>
-              <a:rPr lang="en-US" altLang="zh-TW" dirty="0" err="1" smtClean="0">
-                <a:effectLst/>
-              </a:rPr>
-              <a:t>mdb</a:t>
-            </a:r>
-            <a:r>
-              <a:rPr lang="en-US" altLang="zh-TW" dirty="0" smtClean="0">
-                <a:effectLst/>
-              </a:rPr>
-              <a:t> </a:t>
-            </a:r>
-            <a:r>
-              <a:rPr lang="zh-TW" altLang="en-US" dirty="0" smtClean="0">
-                <a:effectLst/>
-              </a:rPr>
-              <a:t>再變成 </a:t>
-            </a:r>
-            <a:r>
-              <a:rPr lang="en-US" altLang="zh-TW" dirty="0" smtClean="0">
-                <a:effectLst/>
-              </a:rPr>
-              <a:t>excel </a:t>
-            </a:r>
-            <a:r>
-              <a:rPr lang="zh-TW" altLang="en-US" dirty="0" smtClean="0">
-                <a:effectLst/>
-              </a:rPr>
-              <a:t>輸出</a:t>
-            </a:r>
-          </a:p>
-          <a:p>
-            <a:pPr lvl="2"/>
-            <a:r>
-              <a:rPr lang="zh-TW" altLang="en-US" dirty="0" smtClean="0">
-                <a:effectLst/>
-              </a:rPr>
-              <a:t>變成 </a:t>
-            </a:r>
-            <a:r>
-              <a:rPr lang="en-US" altLang="zh-TW" dirty="0" smtClean="0">
-                <a:effectLst/>
-              </a:rPr>
-              <a:t>excel </a:t>
-            </a:r>
-            <a:r>
-              <a:rPr lang="zh-TW" altLang="en-US" dirty="0" smtClean="0">
-                <a:effectLst/>
-              </a:rPr>
-              <a:t>輸出 這樣排序就不會亂掉</a:t>
-            </a:r>
-          </a:p>
-          <a:p>
-            <a:pPr lvl="2"/>
-            <a:r>
-              <a:rPr lang="zh-TW" altLang="en-US" dirty="0" smtClean="0">
-                <a:effectLst/>
-              </a:rPr>
-              <a:t>雖然第一次讀取會比較慢</a:t>
-            </a:r>
-          </a:p>
-          <a:p>
-            <a:pPr lvl="2"/>
-            <a:r>
-              <a:rPr lang="zh-TW" altLang="en-US" dirty="0" smtClean="0">
-                <a:effectLst/>
-              </a:rPr>
-              <a:t>但第一次讀取完會建立快取檔</a:t>
-            </a:r>
-          </a:p>
-          <a:p>
-            <a:pPr lvl="2"/>
-            <a:r>
-              <a:rPr lang="zh-TW" altLang="en-US" dirty="0" smtClean="0">
-                <a:effectLst/>
-              </a:rPr>
-              <a:t>所以之後 </a:t>
-            </a:r>
-            <a:r>
-              <a:rPr lang="en-US" altLang="zh-TW" dirty="0" smtClean="0">
-                <a:effectLst/>
-              </a:rPr>
-              <a:t>run </a:t>
-            </a:r>
-            <a:r>
-              <a:rPr lang="zh-TW" altLang="en-US" dirty="0" smtClean="0">
-                <a:effectLst/>
-              </a:rPr>
-              <a:t>就不會太慢</a:t>
+              <a:rPr lang="zh-TW" altLang="en-US" dirty="0" smtClean="0"/>
+              <a:t>鋼筋定義修改 </a:t>
+            </a:r>
+            <a:r>
+              <a:rPr lang="en-US" altLang="zh-TW" dirty="0" smtClean="0"/>
+              <a:t>=&gt; CSN </a:t>
+            </a:r>
+            <a:r>
+              <a:rPr lang="zh-TW" altLang="en-US" dirty="0" smtClean="0"/>
+              <a:t>圖 </a:t>
+            </a:r>
+            <a:endParaRPr lang="en-US" altLang="zh-TW" dirty="0" smtClean="0"/>
+          </a:p>
+          <a:p>
+            <a:pPr marL="0" marR="0" indent="0" algn="l" defTabSz="914400" rtl="0" eaLnBrk="1" fontAlgn="auto" latinLnBrk="0" hangingPunct="1">
+              <a:lnSpc>
+                <a:spcPct val="100000"/>
+              </a:lnSpc>
+              <a:spcBef>
+                <a:spcPts val="0"/>
+              </a:spcBef>
+              <a:spcAft>
+                <a:spcPts val="0"/>
+              </a:spcAft>
+              <a:buClrTx/>
+              <a:buSzTx/>
+              <a:buFontTx/>
+              <a:buNone/>
+              <a:tabLst/>
+              <a:defRPr/>
+            </a:pPr>
+            <a:r>
+              <a:rPr lang="zh-TW" altLang="en-US" dirty="0" smtClean="0"/>
+              <a:t>多出 </a:t>
+            </a:r>
+            <a:r>
+              <a:rPr lang="en-US" altLang="zh-TW" dirty="0" smtClean="0"/>
+              <a:t>0.05 drop </a:t>
             </a:r>
           </a:p>
           <a:p>
@@ -944,7 +794,7 @@
           <a:p>
             <a:fld id="{4B9FA8AB-93ED-4030-B179-2AF13832ABA7}" type="slidenum">
               <a:rPr lang="zh-TW" altLang="en-US" smtClean="0"/>
-              <a:t>12</a:t>
+              <a:t>11</a:t>
             </a:fld>
             <a:endParaRPr lang="zh-TW" altLang="en-US"/>
           </a:p>
@@ -953,7 +803,7 @@
     </p:spTree>
     <p:extLst>
       <p:ext uri="{BB962C8B-B14F-4D97-AF65-F5344CB8AC3E}">
-        <p14:creationId xmlns:p14="http://schemas.microsoft.com/office/powerpoint/2010/main" val="437550858"/>
+        <p14:creationId xmlns:p14="http://schemas.microsoft.com/office/powerpoint/2010/main" val="1670953166"/>
       </p:ext>
     </p:extLst>
   </p:cSld>
@@ -1008,93 +858,194 @@
           <a:lstStyle/>
           <a:p>
             <a:r>
-              <a:rPr lang="zh-TW" altLang="en-US" sz="1200" b="0" i="0" u="none" strike="noStrike" kern="1200" dirty="0" smtClean="0">
-                <a:solidFill>
-                  <a:schemeClr val="tx1"/>
-                </a:solidFill>
+              <a:rPr lang="zh-TW" altLang="en-US" dirty="0" smtClean="0">
                 <a:effectLst/>
-                <a:latin typeface="+mn-lt"/>
-                <a:ea typeface="+mn-ea"/>
-                <a:cs typeface="+mn-cs"/>
               </a:rPr>
-              <a:t>主筋各號數</a:t>
-            </a:r>
-            <a:r>
-              <a:rPr lang="zh-TW" altLang="en-US" dirty="0" smtClean="0"/>
+              <a:t>高雄</a:t>
+            </a:r>
+          </a:p>
+          <a:p>
+            <a:pPr lvl="1"/>
+            <a:r>
+              <a:rPr lang="en-US" altLang="zh-TW" dirty="0" smtClean="0">
+                <a:effectLst/>
+              </a:rPr>
+              <a:t>ETABS </a:t>
+            </a:r>
+            <a:r>
+              <a:rPr lang="zh-TW" altLang="en-US" dirty="0" smtClean="0">
+                <a:effectLst/>
+              </a:rPr>
+              <a:t>如果用 </a:t>
+            </a:r>
+            <a:r>
+              <a:rPr lang="en-US" altLang="zh-TW" dirty="0" smtClean="0">
+                <a:effectLst/>
+              </a:rPr>
+              <a:t>copy </a:t>
+            </a:r>
+            <a:r>
+              <a:rPr lang="zh-TW" altLang="en-US" dirty="0" smtClean="0">
+                <a:effectLst/>
+              </a:rPr>
+              <a:t>的 資料量太大會有問題</a:t>
+            </a:r>
+          </a:p>
+          <a:p>
+            <a:pPr lvl="2"/>
+            <a:r>
+              <a:rPr lang="zh-TW" altLang="en-US" dirty="0" smtClean="0">
+                <a:effectLst/>
+              </a:rPr>
+              <a:t>排序會亂掉</a:t>
+            </a:r>
+          </a:p>
+          <a:p>
+            <a:pPr lvl="2"/>
+            <a:r>
+              <a:rPr lang="zh-TW" altLang="en-US" dirty="0" smtClean="0">
+                <a:effectLst/>
+              </a:rPr>
+              <a:t>只不過在寫程式的時候就有想到這個問題 所以之前寫就有想說亂掉也沒關係</a:t>
+            </a:r>
+          </a:p>
+          <a:p>
+            <a:pPr lvl="2"/>
+            <a:r>
+              <a:rPr lang="zh-TW" altLang="en-US" dirty="0" smtClean="0">
+                <a:effectLst/>
+              </a:rPr>
+              <a:t>但是因為沒有測試過</a:t>
+            </a:r>
+          </a:p>
+          <a:p>
+            <a:pPr lvl="2"/>
+            <a:r>
+              <a:rPr lang="zh-TW" altLang="en-US" dirty="0" smtClean="0">
+                <a:effectLst/>
+              </a:rPr>
+              <a:t>所以才發現亂掉會很麻煩</a:t>
+            </a:r>
+          </a:p>
+          <a:p>
+            <a:pPr lvl="2"/>
+            <a:r>
+              <a:rPr lang="zh-TW" altLang="en-US" dirty="0" smtClean="0">
+                <a:effectLst/>
+              </a:rPr>
+              <a:t>如果要改寫又很難保證有效能的同時 邏輯複雜度不會增加太多</a:t>
+            </a:r>
+          </a:p>
+          <a:p>
+            <a:pPr lvl="2"/>
+            <a:r>
+              <a:rPr lang="zh-TW" altLang="en-US" dirty="0" smtClean="0">
+                <a:effectLst/>
+              </a:rPr>
+              <a:t>所以秉持著能簡單做決不困難做的原則</a:t>
+            </a:r>
+          </a:p>
+          <a:p>
+            <a:pPr lvl="2"/>
+            <a:r>
+              <a:rPr lang="zh-TW" altLang="en-US" dirty="0" smtClean="0">
+                <a:effectLst/>
+              </a:rPr>
+              <a:t>重寫資料讀取的方式 變成 </a:t>
+            </a:r>
+            <a:r>
+              <a:rPr lang="en-US" altLang="zh-TW" dirty="0" err="1" smtClean="0">
+                <a:effectLst/>
+              </a:rPr>
+              <a:t>mdb</a:t>
+            </a:r>
+            <a:r>
+              <a:rPr lang="en-US" altLang="zh-TW" dirty="0" smtClean="0">
+                <a:effectLst/>
+              </a:rPr>
               <a:t> </a:t>
             </a:r>
             <a:r>
-              <a:rPr lang="zh-TW" altLang="en-US" sz="1200" b="0" i="0" u="none" strike="noStrike" kern="1200" dirty="0" smtClean="0">
-                <a:solidFill>
-                  <a:schemeClr val="tx1"/>
-                </a:solidFill>
+              <a:rPr lang="zh-TW" altLang="en-US" dirty="0" smtClean="0">
                 <a:effectLst/>
-                <a:latin typeface="+mn-lt"/>
-                <a:ea typeface="+mn-ea"/>
-                <a:cs typeface="+mn-cs"/>
               </a:rPr>
-              <a:t>使用比例</a:t>
-            </a:r>
-            <a:r>
-              <a:rPr lang="zh-TW" altLang="en-US" dirty="0" smtClean="0"/>
-              <a:t> </a:t>
-            </a:r>
-            <a:endParaRPr lang="en-US" altLang="zh-TW" dirty="0" smtClean="0"/>
-          </a:p>
-          <a:p>
-            <a:pPr marL="0" marR="0" indent="0" algn="l" defTabSz="914400" rtl="0" eaLnBrk="1" fontAlgn="auto" latinLnBrk="0" hangingPunct="1">
-              <a:lnSpc>
-                <a:spcPct val="100000"/>
-              </a:lnSpc>
-              <a:spcBef>
-                <a:spcPts val="0"/>
-              </a:spcBef>
-              <a:spcAft>
-                <a:spcPts val="0"/>
-              </a:spcAft>
-              <a:buClrTx/>
-              <a:buSzTx/>
-              <a:buFontTx/>
-              <a:buNone/>
-              <a:tabLst/>
-              <a:defRPr/>
-            </a:pPr>
-            <a:r>
-              <a:rPr lang="zh-TW" altLang="en-US" sz="1200" b="0" i="0" u="none" strike="noStrike" kern="1200" dirty="0" smtClean="0">
-                <a:solidFill>
-                  <a:schemeClr val="tx1"/>
-                </a:solidFill>
+              <a:t>再變成 </a:t>
+            </a:r>
+            <a:r>
+              <a:rPr lang="en-US" altLang="zh-TW" dirty="0" smtClean="0">
                 <a:effectLst/>
-                <a:latin typeface="+mn-lt"/>
-                <a:ea typeface="+mn-ea"/>
-                <a:cs typeface="+mn-cs"/>
               </a:rPr>
-              <a:t>主筋各號數</a:t>
-            </a:r>
-            <a:r>
-              <a:rPr lang="zh-TW" altLang="en-US" dirty="0" smtClean="0"/>
-              <a:t> </a:t>
-            </a:r>
-            <a:r>
-              <a:rPr lang="zh-TW" altLang="en-US" sz="1200" b="0" i="0" u="none" strike="noStrike" kern="1200" dirty="0" smtClean="0">
-                <a:solidFill>
-                  <a:schemeClr val="tx1"/>
-                </a:solidFill>
+              <a:t>excel </a:t>
+            </a:r>
+            <a:r>
+              <a:rPr lang="zh-TW" altLang="en-US" dirty="0" smtClean="0">
                 <a:effectLst/>
-                <a:latin typeface="+mn-lt"/>
-                <a:ea typeface="+mn-ea"/>
-                <a:cs typeface="+mn-cs"/>
               </a:rPr>
-              <a:t>優化比例</a:t>
-            </a:r>
-            <a:r>
-              <a:rPr lang="zh-TW" altLang="en-US" dirty="0" smtClean="0"/>
-              <a:t> </a:t>
-            </a:r>
-            <a:endParaRPr lang="en-US" altLang="zh-TW" dirty="0" smtClean="0"/>
-          </a:p>
-          <a:p>
-            <a:endParaRPr lang="en-US" altLang="zh-TW" dirty="0" smtClean="0"/>
+              <a:t>輸出</a:t>
+            </a:r>
+          </a:p>
+          <a:p>
+            <a:pPr lvl="2"/>
+            <a:r>
+              <a:rPr lang="zh-TW" altLang="en-US" dirty="0" smtClean="0">
+                <a:effectLst/>
+              </a:rPr>
+              <a:t>變成 </a:t>
+            </a:r>
+            <a:r>
+              <a:rPr lang="en-US" altLang="zh-TW" dirty="0" smtClean="0">
+                <a:effectLst/>
+              </a:rPr>
+              <a:t>excel </a:t>
+            </a:r>
+            <a:r>
+              <a:rPr lang="zh-TW" altLang="en-US" dirty="0" smtClean="0">
+                <a:effectLst/>
+              </a:rPr>
+              <a:t>輸出 這樣排序就不會亂掉</a:t>
+            </a:r>
+          </a:p>
+          <a:p>
+            <a:pPr lvl="2"/>
+            <a:r>
+              <a:rPr lang="zh-TW" altLang="en-US" dirty="0" smtClean="0">
+                <a:effectLst/>
+              </a:rPr>
+              <a:t>雖然第一次讀取會比較慢</a:t>
+            </a:r>
+          </a:p>
+          <a:p>
+            <a:pPr lvl="2"/>
+            <a:r>
+              <a:rPr lang="zh-TW" altLang="en-US" dirty="0" smtClean="0">
+                <a:effectLst/>
+              </a:rPr>
+              <a:t>但第一次讀取完會建立快取檔</a:t>
+            </a:r>
+          </a:p>
+          <a:p>
+            <a:pPr lvl="2"/>
+            <a:r>
+              <a:rPr lang="zh-TW" altLang="en-US" dirty="0" smtClean="0">
+                <a:effectLst/>
+              </a:rPr>
+              <a:t>所以之後 </a:t>
+            </a:r>
+            <a:r>
+              <a:rPr lang="en-US" altLang="zh-TW" dirty="0" smtClean="0">
+                <a:effectLst/>
+              </a:rPr>
+              <a:t>run </a:t>
+            </a:r>
+            <a:r>
+              <a:rPr lang="zh-TW" altLang="en-US" dirty="0" smtClean="0">
+                <a:effectLst/>
+              </a:rPr>
+              <a:t>就不會太慢</a:t>
+            </a:r>
+          </a:p>
+          <a:p>
+            <a:endParaRPr lang="en-US" dirty="0"/>
           </a:p>
         </p:txBody>
       </p:sp>
@@ -1115,7 +1066,7 @@
           <a:p>
             <a:fld id="{4B9FA8AB-93ED-4030-B179-2AF13832ABA7}" type="slidenum">
               <a:rPr lang="zh-TW" altLang="en-US" smtClean="0"/>
-              <a:t>13</a:t>
+              <a:t>12</a:t>
             </a:fld>
             <a:endParaRPr lang="zh-TW" altLang="en-US"/>
           </a:p>
@@ -1124,7 +1075,7 @@
     </p:spTree>
     <p:extLst>
       <p:ext uri="{BB962C8B-B14F-4D97-AF65-F5344CB8AC3E}">
-        <p14:creationId xmlns:p14="http://schemas.microsoft.com/office/powerpoint/2010/main" val="947007164"/>
+        <p14:creationId xmlns:p14="http://schemas.microsoft.com/office/powerpoint/2010/main" val="437550858"/>
       </p:ext>
     </p:extLst>
   </p:cSld>
@@ -1179,36 +1130,8 @@
           <a:lstStyle/>
           <a:p>
             <a:r>
-              <a:rPr lang="zh-TW" altLang="en-US" sz="1200" b="0" i="0" u="none" strike="noStrike" kern="1200" dirty="0" smtClean="0">
-                <a:solidFill>
-                  <a:schemeClr val="tx1"/>
-                </a:solidFill>
-                <a:effectLst/>
-                <a:latin typeface="+mn-lt"/>
-                <a:ea typeface="+mn-ea"/>
-                <a:cs typeface="+mn-cs"/>
-              </a:rPr>
-              <a:t>各梁長區間</a:t>
-            </a:r>
-            <a:r>
-              <a:rPr lang="zh-TW" altLang="en-US" dirty="0" smtClean="0"/>
-              <a:t> </a:t>
-            </a:r>
-            <a:r>
-              <a:rPr lang="zh-TW" altLang="en-US" sz="1200" b="0" i="0" u="none" strike="noStrike" kern="1200" dirty="0" smtClean="0">
-                <a:solidFill>
-                  <a:schemeClr val="tx1"/>
-                </a:solidFill>
-                <a:effectLst/>
-                <a:latin typeface="+mn-lt"/>
-                <a:ea typeface="+mn-ea"/>
-                <a:cs typeface="+mn-cs"/>
-              </a:rPr>
-              <a:t>優化比例</a:t>
-            </a:r>
-            <a:r>
-              <a:rPr lang="zh-TW" altLang="en-US" dirty="0" smtClean="0"/>
-              <a:t> </a:t>
+              <a:rPr lang="en-US" dirty="0" smtClean="0"/>
+              <a:t>11076</a:t>
             </a:r>
             <a:endParaRPr lang="en-US" dirty="0"/>
           </a:p>
@@ -1231,7 +1154,7 @@
           <a:p>
             <a:fld id="{4B9FA8AB-93ED-4030-B179-2AF13832ABA7}" type="slidenum">
               <a:rPr lang="zh-TW" altLang="en-US" smtClean="0"/>
-              <a:t>14</a:t>
+              <a:t>13</a:t>
             </a:fld>
             <a:endParaRPr lang="zh-TW" altLang="en-US"/>
           </a:p>
@@ -1240,7 +1163,7 @@
     </p:spTree>
     <p:extLst>
       <p:ext uri="{BB962C8B-B14F-4D97-AF65-F5344CB8AC3E}">
-        <p14:creationId xmlns:p14="http://schemas.microsoft.com/office/powerpoint/2010/main" val="2374764954"/>
+        <p14:creationId xmlns:p14="http://schemas.microsoft.com/office/powerpoint/2010/main" val="3443242778"/>
       </p:ext>
     </p:extLst>
   </p:cSld>
@@ -1304,7 +1227,59 @@
                 <a:ea typeface="+mn-ea"/>
                 <a:cs typeface="+mn-cs"/>
               </a:rPr>
-              <a:t>各支各層梁主筋量</a:t>
+              <a:t>主筋各號數</a:t>
+            </a:r>
+            <a:r>
+              <a:rPr lang="zh-TW" altLang="en-US" dirty="0" smtClean="0"/>
+              <a:t> </a:t>
+            </a:r>
+            <a:r>
+              <a:rPr lang="zh-TW" altLang="en-US" sz="1200" b="0" i="0" u="none" strike="noStrike" kern="1200" dirty="0" smtClean="0">
+                <a:solidFill>
+                  <a:schemeClr val="tx1"/>
+                </a:solidFill>
+                <a:effectLst/>
+                <a:latin typeface="+mn-lt"/>
+                <a:ea typeface="+mn-ea"/>
+                <a:cs typeface="+mn-cs"/>
+              </a:rPr>
+              <a:t>使用比例</a:t>
+            </a:r>
+            <a:r>
+              <a:rPr lang="zh-TW" altLang="en-US" dirty="0" smtClean="0"/>
+              <a:t> </a:t>
+            </a:r>
+            <a:endParaRPr lang="en-US" altLang="zh-TW" dirty="0" smtClean="0"/>
+          </a:p>
+          <a:p>
+            <a:pPr marL="0" marR="0" indent="0" algn="l" defTabSz="914400" rtl="0" eaLnBrk="1" fontAlgn="auto" latinLnBrk="0" hangingPunct="1">
+              <a:lnSpc>
+                <a:spcPct val="100000"/>
+              </a:lnSpc>
+              <a:spcBef>
+                <a:spcPts val="0"/>
+              </a:spcBef>
+              <a:spcAft>
+                <a:spcPts val="0"/>
+              </a:spcAft>
+              <a:buClrTx/>
+              <a:buSzTx/>
+              <a:buFontTx/>
+              <a:buNone/>
+              <a:tabLst/>
+              <a:defRPr/>
+            </a:pPr>
+            <a:r>
+              <a:rPr lang="zh-TW" altLang="en-US" sz="1200" b="0" i="0" u="none" strike="noStrike" kern="1200" dirty="0" smtClean="0">
+                <a:solidFill>
+                  <a:schemeClr val="tx1"/>
+                </a:solidFill>
+                <a:effectLst/>
+                <a:latin typeface="+mn-lt"/>
+                <a:ea typeface="+mn-ea"/>
+                <a:cs typeface="+mn-cs"/>
+              </a:rPr>
+              <a:t>主筋各號數</a:t>
             </a:r>
             <a:r>
               <a:rPr lang="zh-TW" altLang="en-US" dirty="0" smtClean="0"/>
@@ -1326,7 +1301,10 @@
               <a:rPr lang="zh-TW" altLang="en-US" dirty="0" smtClean="0"/>
               <a:t> </a:t>
             </a:r>
-            <a:endParaRPr lang="en-US" dirty="0"/>
+            <a:endParaRPr lang="en-US" altLang="zh-TW" dirty="0" smtClean="0"/>
+          </a:p>
+          <a:p>
+            <a:endParaRPr lang="en-US" altLang="zh-TW" dirty="0" smtClean="0"/>
           </a:p>
         </p:txBody>
       </p:sp>
@@ -1347,7 +1325,7 @@
           <a:p>
             <a:fld id="{4B9FA8AB-93ED-4030-B179-2AF13832ABA7}" type="slidenum">
               <a:rPr lang="zh-TW" altLang="en-US" smtClean="0"/>
-              <a:t>15</a:t>
+              <a:t>14</a:t>
             </a:fld>
             <a:endParaRPr lang="zh-TW" altLang="en-US"/>
           </a:p>
@@ -1356,7 +1334,7 @@
     </p:spTree>
     <p:extLst>
       <p:ext uri="{BB962C8B-B14F-4D97-AF65-F5344CB8AC3E}">
-        <p14:creationId xmlns:p14="http://schemas.microsoft.com/office/powerpoint/2010/main" val="4116159889"/>
+        <p14:creationId xmlns:p14="http://schemas.microsoft.com/office/powerpoint/2010/main" val="947007164"/>
       </p:ext>
     </p:extLst>
   </p:cSld>
@@ -1411,43 +1389,37 @@
           <a:lstStyle/>
           <a:p>
             <a:r>
-              <a:rPr lang="zh-TW" altLang="en-US" dirty="0" smtClean="0">
+              <a:rPr lang="zh-TW" altLang="en-US" sz="1200" b="0" i="0" u="none" strike="noStrike" kern="1200" dirty="0" smtClean="0">
+                <a:solidFill>
+                  <a:schemeClr val="tx1"/>
+                </a:solidFill>
                 <a:effectLst/>
+                <a:latin typeface="+mn-lt"/>
+                <a:ea typeface="+mn-ea"/>
+                <a:cs typeface="+mn-cs"/>
               </a:rPr>
-              <a:t>驗證非線性</a:t>
-            </a:r>
-          </a:p>
-          <a:p>
-            <a:pPr lvl="1"/>
-            <a:r>
-              <a:rPr lang="zh-TW" altLang="en-US" dirty="0" smtClean="0">
+              <a:t>各梁長區間</a:t>
+            </a:r>
+            <a:r>
+              <a:rPr lang="zh-TW" altLang="en-US" dirty="0" smtClean="0"/>
+              <a:t> </a:t>
+            </a:r>
+            <a:r>
+              <a:rPr lang="zh-TW" altLang="en-US" sz="1200" b="0" i="0" u="none" strike="noStrike" kern="1200" dirty="0" smtClean="0">
+                <a:solidFill>
+                  <a:schemeClr val="tx1"/>
+                </a:solidFill>
                 <a:effectLst/>
+                <a:latin typeface="+mn-lt"/>
+                <a:ea typeface="+mn-ea"/>
+                <a:cs typeface="+mn-cs"/>
               </a:rPr>
-              <a:t>簡單 </a:t>
-            </a:r>
-            <a:r>
-              <a:rPr lang="en-US" altLang="zh-TW" dirty="0" smtClean="0">
-                <a:effectLst/>
-              </a:rPr>
-              <a:t>model =&gt; model </a:t>
-            </a:r>
-            <a:r>
-              <a:rPr lang="zh-TW" altLang="en-US" dirty="0" smtClean="0">
-                <a:effectLst/>
-              </a:rPr>
-              <a:t>圖</a:t>
-            </a:r>
-          </a:p>
-          <a:p>
-            <a:pPr lvl="1"/>
-            <a:r>
-              <a:rPr lang="zh-TW" altLang="en-US" dirty="0" smtClean="0">
-                <a:effectLst/>
-              </a:rPr>
-              <a:t>實際專案</a:t>
-            </a:r>
-          </a:p>
-          <a:p>
+              <a:t>優化比例</a:t>
+            </a:r>
+            <a:r>
+              <a:rPr lang="zh-TW" altLang="en-US" dirty="0" smtClean="0"/>
+              <a:t> </a:t>
+            </a:r>
             <a:endParaRPr lang="en-US" dirty="0"/>
           </a:p>
         </p:txBody>
@@ -1469,7 +1441,7 @@
           <a:p>
             <a:fld id="{4B9FA8AB-93ED-4030-B179-2AF13832ABA7}" type="slidenum">
               <a:rPr lang="zh-TW" altLang="en-US" smtClean="0"/>
-              <a:t>16</a:t>
+              <a:t>15</a:t>
             </a:fld>
             <a:endParaRPr lang="zh-TW" altLang="en-US"/>
           </a:p>
@@ -1478,7 +1450,7 @@
     </p:spTree>
     <p:extLst>
       <p:ext uri="{BB962C8B-B14F-4D97-AF65-F5344CB8AC3E}">
-        <p14:creationId xmlns:p14="http://schemas.microsoft.com/office/powerpoint/2010/main" val="2771068747"/>
+        <p14:creationId xmlns:p14="http://schemas.microsoft.com/office/powerpoint/2010/main" val="2374764954"/>
       </p:ext>
     </p:extLst>
   </p:cSld>
@@ -1533,43 +1505,37 @@
           <a:lstStyle/>
           <a:p>
             <a:r>
-              <a:rPr lang="zh-TW" altLang="en-US" dirty="0" smtClean="0">
+              <a:rPr lang="zh-TW" altLang="en-US" sz="1200" b="0" i="0" u="none" strike="noStrike" kern="1200" dirty="0" smtClean="0">
+                <a:solidFill>
+                  <a:schemeClr val="tx1"/>
+                </a:solidFill>
                 <a:effectLst/>
+                <a:latin typeface="+mn-lt"/>
+                <a:ea typeface="+mn-ea"/>
+                <a:cs typeface="+mn-cs"/>
               </a:rPr>
-              <a:t>驗證非線性</a:t>
-            </a:r>
-          </a:p>
-          <a:p>
-            <a:pPr lvl="1"/>
-            <a:r>
-              <a:rPr lang="zh-TW" altLang="en-US" dirty="0" smtClean="0">
+              <a:t>各支各層梁主筋量</a:t>
+            </a:r>
+            <a:r>
+              <a:rPr lang="zh-TW" altLang="en-US" dirty="0" smtClean="0"/>
+              <a:t> </a:t>
+            </a:r>
+            <a:r>
+              <a:rPr lang="zh-TW" altLang="en-US" sz="1200" b="0" i="0" u="none" strike="noStrike" kern="1200" dirty="0" smtClean="0">
+                <a:solidFill>
+                  <a:schemeClr val="tx1"/>
+                </a:solidFill>
                 <a:effectLst/>
+                <a:latin typeface="+mn-lt"/>
+                <a:ea typeface="+mn-ea"/>
+                <a:cs typeface="+mn-cs"/>
               </a:rPr>
-              <a:t>簡單 </a:t>
-            </a:r>
-            <a:r>
-              <a:rPr lang="en-US" altLang="zh-TW" dirty="0" smtClean="0">
-                <a:effectLst/>
-              </a:rPr>
-              <a:t>model =&gt; model </a:t>
-            </a:r>
-            <a:r>
-              <a:rPr lang="zh-TW" altLang="en-US" dirty="0" smtClean="0">
-                <a:effectLst/>
-              </a:rPr>
-              <a:t>圖</a:t>
-            </a:r>
-          </a:p>
-          <a:p>
-            <a:pPr lvl="1"/>
-            <a:r>
-              <a:rPr lang="zh-TW" altLang="en-US" dirty="0" smtClean="0">
-                <a:effectLst/>
-              </a:rPr>
-              <a:t>實際專案</a:t>
-            </a:r>
-          </a:p>
-          <a:p>
+              <a:t>優化比例</a:t>
+            </a:r>
+            <a:r>
+              <a:rPr lang="zh-TW" altLang="en-US" dirty="0" smtClean="0"/>
+              <a:t> </a:t>
+            </a:r>
             <a:endParaRPr lang="en-US" dirty="0"/>
           </a:p>
         </p:txBody>
@@ -1591,7 +1557,251 @@
           <a:p>
             <a:fld id="{4B9FA8AB-93ED-4030-B179-2AF13832ABA7}" type="slidenum">
               <a:rPr lang="zh-TW" altLang="en-US" smtClean="0"/>
+              <a:t>16</a:t>
+            </a:fld>
+            <a:endParaRPr lang="zh-TW" altLang="en-US"/>
+          </a:p>
+        </p:txBody>
+      </p:sp>
+    </p:spTree>
+    <p:extLst>
+      <p:ext uri="{BB962C8B-B14F-4D97-AF65-F5344CB8AC3E}">
+        <p14:creationId xmlns:p14="http://schemas.microsoft.com/office/powerpoint/2010/main" val="4116159889"/>
+      </p:ext>
+    </p:extLst>
+  </p:cSld>
+  <p:clrMapOvr>
+    <a:masterClrMapping/>
+  </p:clrMapOvr>
+</p:notes>
+</file>
+
+<file path=ppt/notesSlides/notesSlide16.xml><?xml version="1.0" encoding="utf-8"?>
+<p:notes xmlns:a="http://schemas.openxmlformats.org/drawingml/2006/main" xmlns:r="http://schemas.openxmlformats.org/officeDocument/2006/relationships" xmlns:p="http://schemas.openxmlformats.org/presentationml/2006/main">
+  <p:cSld>
+    <p:spTree>
+      <p:nvGrpSpPr>
+        <p:cNvPr id="1" name=""/>
+        <p:cNvGrpSpPr/>
+        <p:nvPr/>
+      </p:nvGrpSpPr>
+      <p:grpSpPr>
+        <a:xfrm>
+          <a:off x="0" y="0"/>
+          <a:ext cx="0" cy="0"/>
+          <a:chOff x="0" y="0"/>
+          <a:chExt cx="0" cy="0"/>
+        </a:xfrm>
+      </p:grpSpPr>
+      <p:sp>
+        <p:nvSpPr>
+          <p:cNvPr id="2" name="Slide Image Placeholder 1"/>
+          <p:cNvSpPr>
+            <a:spLocks noGrp="1" noRot="1" noChangeAspect="1"/>
+          </p:cNvSpPr>
+          <p:nvPr>
+            <p:ph type="sldImg"/>
+          </p:nvPr>
+        </p:nvSpPr>
+        <p:spPr/>
+      </p:sp>
+      <p:sp>
+        <p:nvSpPr>
+          <p:cNvPr id="3" name="Notes Placeholder 2"/>
+          <p:cNvSpPr>
+            <a:spLocks noGrp="1"/>
+          </p:cNvSpPr>
+          <p:nvPr>
+            <p:ph type="body" idx="1"/>
+          </p:nvPr>
+        </p:nvSpPr>
+        <p:spPr/>
+        <p:txBody>
+          <a:bodyPr/>
+          <a:lstStyle/>
+          <a:p>
+            <a:r>
+              <a:rPr lang="zh-TW" altLang="en-US" dirty="0" smtClean="0">
+                <a:effectLst/>
+              </a:rPr>
+              <a:t>驗證非線性</a:t>
+            </a:r>
+          </a:p>
+          <a:p>
+            <a:pPr lvl="1"/>
+            <a:r>
+              <a:rPr lang="zh-TW" altLang="en-US" dirty="0" smtClean="0">
+                <a:effectLst/>
+              </a:rPr>
+              <a:t>簡單 </a:t>
+            </a:r>
+            <a:r>
+              <a:rPr lang="en-US" altLang="zh-TW" dirty="0" smtClean="0">
+                <a:effectLst/>
+              </a:rPr>
+              <a:t>model =&gt; model </a:t>
+            </a:r>
+            <a:r>
+              <a:rPr lang="zh-TW" altLang="en-US" dirty="0" smtClean="0">
+                <a:effectLst/>
+              </a:rPr>
+              <a:t>圖</a:t>
+            </a:r>
+          </a:p>
+          <a:p>
+            <a:pPr lvl="1"/>
+            <a:r>
+              <a:rPr lang="zh-TW" altLang="en-US" dirty="0" smtClean="0">
+                <a:effectLst/>
+              </a:rPr>
+              <a:t>實際專案</a:t>
+            </a:r>
+          </a:p>
+          <a:p>
+            <a:endParaRPr lang="en-US" dirty="0"/>
+          </a:p>
+        </p:txBody>
+      </p:sp>
+      <p:sp>
+        <p:nvSpPr>
+          <p:cNvPr id="4" name="Slide Number Placeholder 3"/>
+          <p:cNvSpPr>
+            <a:spLocks noGrp="1"/>
+          </p:cNvSpPr>
+          <p:nvPr>
+            <p:ph type="sldNum" sz="quarter" idx="10"/>
+          </p:nvPr>
+        </p:nvSpPr>
+        <p:spPr/>
+        <p:txBody>
+          <a:bodyPr/>
+          <a:lstStyle/>
+          <a:p>
+            <a:fld id="{4B9FA8AB-93ED-4030-B179-2AF13832ABA7}" type="slidenum">
+              <a:rPr lang="zh-TW" altLang="en-US" smtClean="0"/>
               <a:t>17</a:t>
+            </a:fld>
+            <a:endParaRPr lang="zh-TW" altLang="en-US"/>
+          </a:p>
+        </p:txBody>
+      </p:sp>
+    </p:spTree>
+    <p:extLst>
+      <p:ext uri="{BB962C8B-B14F-4D97-AF65-F5344CB8AC3E}">
+        <p14:creationId xmlns:p14="http://schemas.microsoft.com/office/powerpoint/2010/main" val="2771068747"/>
+      </p:ext>
+    </p:extLst>
+  </p:cSld>
+  <p:clrMapOvr>
+    <a:masterClrMapping/>
+  </p:clrMapOvr>
+</p:notes>
+</file>
+
+<file path=ppt/notesSlides/notesSlide17.xml><?xml version="1.0" encoding="utf-8"?>
+<p:notes xmlns:a="http://schemas.openxmlformats.org/drawingml/2006/main" xmlns:r="http://schemas.openxmlformats.org/officeDocument/2006/relationships" xmlns:p="http://schemas.openxmlformats.org/presentationml/2006/main">
+  <p:cSld>
+    <p:spTree>
+      <p:nvGrpSpPr>
+        <p:cNvPr id="1" name=""/>
+        <p:cNvGrpSpPr/>
+        <p:nvPr/>
+      </p:nvGrpSpPr>
+      <p:grpSpPr>
+        <a:xfrm>
+          <a:off x="0" y="0"/>
+          <a:ext cx="0" cy="0"/>
+          <a:chOff x="0" y="0"/>
+          <a:chExt cx="0" cy="0"/>
+        </a:xfrm>
+      </p:grpSpPr>
+      <p:sp>
+        <p:nvSpPr>
+          <p:cNvPr id="2" name="Slide Image Placeholder 1"/>
+          <p:cNvSpPr>
+            <a:spLocks noGrp="1" noRot="1" noChangeAspect="1"/>
+          </p:cNvSpPr>
+          <p:nvPr>
+            <p:ph type="sldImg"/>
+          </p:nvPr>
+        </p:nvSpPr>
+        <p:spPr/>
+      </p:sp>
+      <p:sp>
+        <p:nvSpPr>
+          <p:cNvPr id="3" name="Notes Placeholder 2"/>
+          <p:cNvSpPr>
+            <a:spLocks noGrp="1"/>
+          </p:cNvSpPr>
+          <p:nvPr>
+            <p:ph type="body" idx="1"/>
+          </p:nvPr>
+        </p:nvSpPr>
+        <p:spPr/>
+        <p:txBody>
+          <a:bodyPr/>
+          <a:lstStyle/>
+          <a:p>
+            <a:r>
+              <a:rPr lang="zh-TW" altLang="en-US" dirty="0" smtClean="0">
+                <a:effectLst/>
+              </a:rPr>
+              <a:t>驗證非線性</a:t>
+            </a:r>
+          </a:p>
+          <a:p>
+            <a:pPr lvl="1"/>
+            <a:r>
+              <a:rPr lang="zh-TW" altLang="en-US" dirty="0" smtClean="0">
+                <a:effectLst/>
+              </a:rPr>
+              <a:t>簡單 </a:t>
+            </a:r>
+            <a:r>
+              <a:rPr lang="en-US" altLang="zh-TW" dirty="0" smtClean="0">
+                <a:effectLst/>
+              </a:rPr>
+              <a:t>model =&gt; model </a:t>
+            </a:r>
+            <a:r>
+              <a:rPr lang="zh-TW" altLang="en-US" dirty="0" smtClean="0">
+                <a:effectLst/>
+              </a:rPr>
+              <a:t>圖</a:t>
+            </a:r>
+          </a:p>
+          <a:p>
+            <a:pPr lvl="1"/>
+            <a:r>
+              <a:rPr lang="zh-TW" altLang="en-US" dirty="0" smtClean="0">
+                <a:effectLst/>
+              </a:rPr>
+              <a:t>實際專案</a:t>
+            </a:r>
+          </a:p>
+          <a:p>
+            <a:endParaRPr lang="en-US" dirty="0"/>
+          </a:p>
+        </p:txBody>
+      </p:sp>
+      <p:sp>
+        <p:nvSpPr>
+          <p:cNvPr id="4" name="Slide Number Placeholder 3"/>
+          <p:cNvSpPr>
+            <a:spLocks noGrp="1"/>
+          </p:cNvSpPr>
+          <p:nvPr>
+            <p:ph type="sldNum" sz="quarter" idx="10"/>
+          </p:nvPr>
+        </p:nvSpPr>
+        <p:spPr/>
+        <p:txBody>
+          <a:bodyPr/>
+          <a:lstStyle/>
+          <a:p>
+            <a:fld id="{4B9FA8AB-93ED-4030-B179-2AF13832ABA7}" type="slidenum">
+              <a:rPr lang="zh-TW" altLang="en-US" smtClean="0"/>
+              <a:t>18</a:t>
             </a:fld>
             <a:endParaRPr lang="zh-TW" altLang="en-US"/>
           </a:p>
@@ -1610,7 +1820,7 @@
 </p:notes>
 </file>
 
-<file path=ppt/notesSlides/notesSlide16.xml><?xml version="1.0" encoding="utf-8"?>
+<file path=ppt/notesSlides/notesSlide18.xml><?xml version="1.0" encoding="utf-8"?>
 <p:notes xmlns:a="http://schemas.openxmlformats.org/drawingml/2006/main" xmlns:r="http://schemas.openxmlformats.org/officeDocument/2006/relationships" xmlns:p="http://schemas.openxmlformats.org/presentationml/2006/main">
   <p:cSld>
     <p:spTree>
@@ -1654,10 +1864,6 @@
           <a:bodyPr/>
           <a:lstStyle/>
           <a:p>
-            <a:r>
-              <a:rPr lang="zh-TW" altLang="en-US" dirty="0" smtClean="0"/>
-              <a:t>剪力筋</a:t>
-            </a:r>
             <a:endParaRPr lang="zh-TW" altLang="en-US" dirty="0"/>
           </a:p>
         </p:txBody>
@@ -1679,7 +1885,7 @@
           <a:p>
             <a:fld id="{4B9FA8AB-93ED-4030-B179-2AF13832ABA7}" type="slidenum">
               <a:rPr lang="zh-TW" altLang="en-US" smtClean="0"/>
-              <a:t>18</a:t>
+              <a:t>19</a:t>
             </a:fld>
             <a:endParaRPr lang="zh-TW" altLang="en-US"/>
           </a:p>
@@ -1743,39 +1949,10 @@
           <a:lstStyle/>
           <a:p>
             <a:r>
-              <a:rPr lang="zh-TW" altLang="en-US" dirty="0" smtClean="0"/>
-              <a:t>原本的更慘</a:t>
-            </a:r>
-            <a:endParaRPr lang="en-US" altLang="zh-TW" dirty="0" smtClean="0"/>
-          </a:p>
-          <a:p>
-            <a:r>
-              <a:rPr lang="zh-TW" altLang="en-US" dirty="0" smtClean="0"/>
-              <a:t>首先從傳統斷筋下手</a:t>
-            </a:r>
-            <a:endParaRPr lang="en-US" altLang="zh-TW" dirty="0" smtClean="0"/>
-          </a:p>
-          <a:p>
-            <a:r>
-              <a:rPr lang="zh-TW" altLang="en-US" dirty="0" smtClean="0"/>
-              <a:t>傳統</a:t>
-            </a:r>
-            <a:r>
-              <a:rPr lang="zh-TW" altLang="en-US" dirty="0" smtClean="0"/>
-              <a:t>斷筋 </a:t>
-            </a:r>
-            <a:r>
               <a:rPr lang="en-US" altLang="zh-TW" dirty="0" smtClean="0"/>
-              <a:t>1/5</a:t>
-            </a:r>
-            <a:r>
-              <a:rPr lang="zh-TW" altLang="en-US" dirty="0" smtClean="0"/>
-              <a:t>，還沒有 </a:t>
-            </a:r>
-            <a:r>
-              <a:rPr lang="en-US" altLang="zh-TW" dirty="0" smtClean="0"/>
-              <a:t>1/7 </a:t>
-            </a:r>
+              <a:t>3500</a:t>
+            </a:r>
+            <a:endParaRPr lang="en-US" dirty="0"/>
           </a:p>
         </p:txBody>
       </p:sp>
@@ -1796,7 +1973,7 @@
           <a:p>
             <a:fld id="{4B9FA8AB-93ED-4030-B179-2AF13832ABA7}" type="slidenum">
               <a:rPr lang="zh-TW" altLang="en-US" smtClean="0"/>
-              <a:t>4</a:t>
+              <a:t>3</a:t>
             </a:fld>
             <a:endParaRPr lang="zh-TW" altLang="en-US"/>
           </a:p>
@@ -1805,7 +1982,7 @@
     </p:spTree>
     <p:extLst>
       <p:ext uri="{BB962C8B-B14F-4D97-AF65-F5344CB8AC3E}">
-        <p14:creationId xmlns:p14="http://schemas.microsoft.com/office/powerpoint/2010/main" val="2038517124"/>
+        <p14:creationId xmlns:p14="http://schemas.microsoft.com/office/powerpoint/2010/main" val="2619513264"/>
       </p:ext>
     </p:extLst>
   </p:cSld>
@@ -1860,45 +2037,110 @@
           <a:lstStyle/>
           <a:p>
             <a:r>
-              <a:rPr lang="zh-TW" altLang="en-US" dirty="0" smtClean="0">
-                <a:effectLst/>
-              </a:rPr>
+              <a:rPr lang="zh-TW" altLang="en-US" dirty="0" smtClean="0"/>
+              <a:t>原本</a:t>
+            </a:r>
+            <a:r>
+              <a:rPr lang="zh-TW" altLang="en-US" dirty="0" smtClean="0"/>
+              <a:t>的</a:t>
+            </a:r>
+            <a:r>
+              <a:rPr lang="en-US" altLang="zh-TW" dirty="0" smtClean="0"/>
+              <a:t>105%</a:t>
+            </a:r>
+            <a:endParaRPr lang="en-US" altLang="zh-TW" dirty="0" smtClean="0"/>
+          </a:p>
+          <a:p>
+            <a:r>
+              <a:rPr lang="zh-TW" altLang="en-US" dirty="0" smtClean="0"/>
+              <a:t>首先從傳統斷筋下手</a:t>
+            </a:r>
+            <a:endParaRPr lang="en-US" altLang="zh-TW" dirty="0" smtClean="0"/>
+          </a:p>
+          <a:p>
+            <a:r>
+              <a:rPr lang="zh-TW" altLang="en-US" dirty="0" smtClean="0"/>
               <a:t>傳統斷筋 </a:t>
             </a:r>
             <a:r>
-              <a:rPr lang="en-US" altLang="zh-TW" dirty="0" smtClean="0">
-                <a:effectLst/>
-              </a:rPr>
-              <a:t>max(</a:t>
-            </a:r>
-            <a:r>
-              <a:rPr lang="en-US" altLang="zh-TW" dirty="0" err="1" smtClean="0">
-                <a:effectLst/>
-              </a:rPr>
-              <a:t>ld</a:t>
-            </a:r>
-            <a:r>
-              <a:rPr lang="en-US" altLang="zh-TW" dirty="0" smtClean="0">
-                <a:effectLst/>
-              </a:rPr>
-              <a:t>, 1/3 span)</a:t>
-            </a:r>
-          </a:p>
-          <a:p>
-            <a:pPr lvl="1"/>
-            <a:r>
-              <a:rPr lang="zh-TW" altLang="en-US" dirty="0" smtClean="0">
-                <a:effectLst/>
-              </a:rPr>
-              <a:t>簡算法延伸長度比梁長還長 取最大直接配</a:t>
-            </a:r>
-          </a:p>
-          <a:p>
-            <a:r>
-              <a:rPr lang="en-US" dirty="0" smtClean="0"/>
-              <a:t>1140</a:t>
-            </a:r>
-            <a:endParaRPr lang="en-US" dirty="0"/>
+              <a:rPr lang="en-US" altLang="zh-TW" dirty="0" smtClean="0"/>
+              <a:t>1/5</a:t>
+            </a:r>
+            <a:r>
+              <a:rPr lang="zh-TW" altLang="en-US" dirty="0" smtClean="0"/>
+              <a:t>，還沒有 </a:t>
+            </a:r>
+            <a:r>
+              <a:rPr lang="en-US" altLang="zh-TW" dirty="0" smtClean="0"/>
+              <a:t>1/7 </a:t>
+            </a:r>
+            <a:r>
+              <a:rPr lang="zh-TW" altLang="en-US" dirty="0" smtClean="0"/>
+              <a:t>懸臂梁比較難判斷</a:t>
+            </a:r>
+            <a:endParaRPr lang="en-US" altLang="zh-TW" dirty="0" smtClean="0"/>
+          </a:p>
+          <a:p>
+            <a:r>
+              <a:rPr lang="zh-TW" altLang="en-US" dirty="0" smtClean="0"/>
+              <a:t>理論上要做到 </a:t>
+            </a:r>
+            <a:r>
+              <a:rPr lang="en-US" altLang="zh-TW" dirty="0" smtClean="0"/>
+              <a:t>1/7</a:t>
+            </a:r>
+            <a:r>
+              <a:rPr lang="zh-TW" altLang="en-US" dirty="0" smtClean="0"/>
+              <a:t> 才對</a:t>
+            </a:r>
+            <a:endParaRPr lang="en-US" altLang="zh-TW" dirty="0" smtClean="0"/>
+          </a:p>
+          <a:p>
+            <a:pPr marL="0" marR="0" indent="0" algn="l" defTabSz="914400" rtl="0" eaLnBrk="1" fontAlgn="auto" latinLnBrk="0" hangingPunct="1">
+              <a:lnSpc>
+                <a:spcPct val="100000"/>
+              </a:lnSpc>
+              <a:spcBef>
+                <a:spcPts val="0"/>
+              </a:spcBef>
+              <a:spcAft>
+                <a:spcPts val="0"/>
+              </a:spcAft>
+              <a:buClrTx/>
+              <a:buSzTx/>
+              <a:buFontTx/>
+              <a:buNone/>
+              <a:tabLst/>
+              <a:defRPr/>
+            </a:pPr>
+            <a:r>
+              <a:rPr lang="zh-TW" altLang="en-US" dirty="0" smtClean="0"/>
+              <a:t>但傳統斷筋只是 </a:t>
+            </a:r>
+            <a:r>
+              <a:rPr lang="en-US" altLang="zh-TW" dirty="0" smtClean="0"/>
+              <a:t>benchmark </a:t>
+            </a:r>
+            <a:r>
+              <a:rPr lang="zh-TW" altLang="en-US" dirty="0" smtClean="0"/>
+              <a:t>用來對比多點斷筋的效果</a:t>
+            </a:r>
+            <a:endParaRPr lang="en-US" altLang="zh-TW" dirty="0" smtClean="0"/>
+          </a:p>
+          <a:p>
+            <a:r>
+              <a:rPr lang="zh-TW" altLang="en-US" dirty="0" smtClean="0"/>
+              <a:t>做到 </a:t>
+            </a:r>
+            <a:r>
+              <a:rPr lang="en-US" altLang="zh-TW" dirty="0" smtClean="0"/>
+              <a:t>1/7</a:t>
+            </a:r>
+            <a:r>
+              <a:rPr lang="zh-TW" altLang="en-US" dirty="0" smtClean="0"/>
+              <a:t> 會使傳統斷筋更保守 這裡先忽略</a:t>
+            </a:r>
+            <a:endParaRPr lang="en-US" altLang="zh-TW" dirty="0" smtClean="0"/>
           </a:p>
         </p:txBody>
       </p:sp>
@@ -1919,7 +2161,7 @@
           <a:p>
             <a:fld id="{4B9FA8AB-93ED-4030-B179-2AF13832ABA7}" type="slidenum">
               <a:rPr lang="zh-TW" altLang="en-US" smtClean="0"/>
-              <a:t>5</a:t>
+              <a:t>4</a:t>
             </a:fld>
             <a:endParaRPr lang="zh-TW" altLang="en-US"/>
           </a:p>
@@ -1928,7 +2170,7 @@
     </p:spTree>
     <p:extLst>
       <p:ext uri="{BB962C8B-B14F-4D97-AF65-F5344CB8AC3E}">
-        <p14:creationId xmlns:p14="http://schemas.microsoft.com/office/powerpoint/2010/main" val="2804076199"/>
+        <p14:creationId xmlns:p14="http://schemas.microsoft.com/office/powerpoint/2010/main" val="2038517124"/>
       </p:ext>
     </p:extLst>
   </p:cSld>
@@ -1986,13 +2228,25 @@
               <a:rPr lang="zh-TW" altLang="en-US" dirty="0" smtClean="0">
                 <a:effectLst/>
               </a:rPr>
-              <a:t>箍筋 </a:t>
+              <a:t>傳統斷筋 </a:t>
             </a:r>
             <a:r>
               <a:rPr lang="en-US" altLang="zh-TW" dirty="0" smtClean="0">
                 <a:effectLst/>
               </a:rPr>
-              <a:t>drop size 0.3%</a:t>
+              <a:t>max(</a:t>
+            </a:r>
+            <a:r>
+              <a:rPr lang="en-US" altLang="zh-TW" dirty="0" err="1" smtClean="0">
+                <a:effectLst/>
+              </a:rPr>
+              <a:t>ld</a:t>
+            </a:r>
+            <a:r>
+              <a:rPr lang="en-US" altLang="zh-TW" dirty="0" smtClean="0">
+                <a:effectLst/>
+              </a:rPr>
+              <a:t>, 1/3 span)</a:t>
             </a:r>
           </a:p>
           <a:p>
@@ -2001,37 +2255,14 @@
               <a:rPr lang="zh-TW" altLang="en-US" dirty="0" smtClean="0">
                 <a:effectLst/>
               </a:rPr>
-              <a:t>因為我們延伸長度的計算不算入雙箍的情況</a:t>
-            </a:r>
-          </a:p>
-          <a:p>
-            <a:pPr lvl="1"/>
-            <a:r>
-              <a:rPr lang="zh-TW" altLang="en-US" dirty="0" smtClean="0">
-                <a:effectLst/>
-              </a:rPr>
-              <a:t>所以如果算入雙箍轉承單箍</a:t>
-            </a:r>
-          </a:p>
-          <a:p>
-            <a:pPr lvl="1"/>
-            <a:r>
-              <a:rPr lang="zh-TW" altLang="en-US" dirty="0" smtClean="0">
-                <a:effectLst/>
-              </a:rPr>
-              <a:t>減少一點點 幾乎沒差</a:t>
-            </a:r>
-          </a:p>
-          <a:p>
-            <a:pPr lvl="1"/>
-            <a:r>
-              <a:rPr lang="zh-TW" altLang="en-US" dirty="0" smtClean="0">
-                <a:effectLst/>
-              </a:rPr>
-              <a:t>進一步 計算雙箍面積</a:t>
-            </a:r>
-          </a:p>
-          <a:p>
+              <a:t>簡算法延伸長度比梁長還長 取最大直接配</a:t>
+            </a:r>
+          </a:p>
+          <a:p>
+            <a:r>
+              <a:rPr lang="en-US" dirty="0" smtClean="0"/>
+              <a:t>1140</a:t>
+            </a:r>
             <a:endParaRPr lang="en-US" dirty="0"/>
           </a:p>
         </p:txBody>
@@ -2053,7 +2284,7 @@
           <a:p>
             <a:fld id="{4B9FA8AB-93ED-4030-B179-2AF13832ABA7}" type="slidenum">
               <a:rPr lang="zh-TW" altLang="en-US" smtClean="0"/>
-              <a:t>6</a:t>
+              <a:t>5</a:t>
             </a:fld>
             <a:endParaRPr lang="zh-TW" altLang="en-US"/>
           </a:p>
@@ -2062,7 +2293,7 @@
     </p:spTree>
     <p:extLst>
       <p:ext uri="{BB962C8B-B14F-4D97-AF65-F5344CB8AC3E}">
-        <p14:creationId xmlns:p14="http://schemas.microsoft.com/office/powerpoint/2010/main" val="1309423331"/>
+        <p14:creationId xmlns:p14="http://schemas.microsoft.com/office/powerpoint/2010/main" val="2804076199"/>
       </p:ext>
     </p:extLst>
   </p:cSld>
@@ -2116,17 +2347,29 @@
           <a:bodyPr/>
           <a:lstStyle/>
           <a:p>
-            <a:r>
-              <a:rPr lang="en-US" sz="1200" b="0" i="0" kern="1200" dirty="0" smtClean="0">
-                <a:solidFill>
-                  <a:schemeClr val="tx1"/>
-                </a:solidFill>
-                <a:effectLst/>
-                <a:latin typeface="+mn-lt"/>
-                <a:ea typeface="+mn-ea"/>
-                <a:cs typeface="+mn-cs"/>
+            <a:pPr marL="0" marR="0" indent="0" algn="l" defTabSz="914400" rtl="0" eaLnBrk="1" fontAlgn="auto" latinLnBrk="0" hangingPunct="1">
+              <a:lnSpc>
+                <a:spcPct val="100000"/>
+              </a:lnSpc>
+              <a:spcBef>
+                <a:spcPts val="0"/>
+              </a:spcBef>
+              <a:spcAft>
+                <a:spcPts val="0"/>
+              </a:spcAft>
+              <a:buClrTx/>
+              <a:buSzTx/>
+              <a:buFontTx/>
+              <a:buNone/>
+              <a:tabLst/>
+              <a:defRPr/>
+            </a:pPr>
+            <a:r>
+              <a:rPr lang="zh-TW" altLang="en-US" sz="1200" dirty="0" smtClean="0">
+                <a:latin typeface="Segoe UI Light" panose="020B0502040204020203" pitchFamily="34" charset="0"/>
+                <a:cs typeface="Segoe UI Light" panose="020B0502040204020203" pitchFamily="34" charset="0"/>
               </a:rPr>
-              <a:t>RCAD </a:t>
+              <a:t>梁編號不一致 </a:t>
             </a:r>
             <a:r>
               <a:rPr lang="zh-TW" altLang="en-US" sz="1200" b="0" i="0" kern="1200" dirty="0" smtClean="0">
@@ -2138,56 +2381,12 @@
                 <a:ea typeface="+mn-ea"/>
                 <a:cs typeface="+mn-cs"/>
               </a:rPr>
-              <a:t>比較</a:t>
-            </a:r>
-          </a:p>
-          <a:p>
-            <a:pPr lvl="1"/>
-            <a:r>
-              <a:rPr lang="zh-TW" altLang="en-US" sz="1200" b="0" i="0" kern="1200" dirty="0" smtClean="0">
-                <a:solidFill>
-                  <a:schemeClr val="tx1"/>
-                </a:solidFill>
-                <a:effectLst/>
-                <a:latin typeface="+mn-lt"/>
-                <a:ea typeface="+mn-ea"/>
-                <a:cs typeface="+mn-cs"/>
-              </a:rPr>
-              <a:t>由於輸出不一致 只能一支支比較</a:t>
-            </a:r>
-          </a:p>
-          <a:p>
-            <a:pPr lvl="1"/>
-            <a:r>
-              <a:rPr lang="zh-TW" altLang="en-US" sz="1200" b="0" i="0" kern="1200" dirty="0" smtClean="0">
-                <a:solidFill>
-                  <a:schemeClr val="tx1"/>
-                </a:solidFill>
-                <a:effectLst/>
-                <a:latin typeface="+mn-lt"/>
-                <a:ea typeface="+mn-ea"/>
-                <a:cs typeface="+mn-cs"/>
-              </a:rPr>
-              <a:t>有的多有的少 非常難比較</a:t>
-            </a:r>
-          </a:p>
-          <a:p>
-            <a:pPr lvl="1"/>
-            <a:r>
-              <a:rPr lang="en-US" sz="1200" b="0" i="0" kern="1200" dirty="0" smtClean="0">
-                <a:solidFill>
-                  <a:schemeClr val="tx1"/>
-                </a:solidFill>
-                <a:effectLst/>
-                <a:latin typeface="+mn-lt"/>
-                <a:ea typeface="+mn-ea"/>
-                <a:cs typeface="+mn-cs"/>
-              </a:rPr>
-              <a:t>User Defined</a:t>
-            </a:r>
-          </a:p>
-          <a:p>
-            <a:endParaRPr lang="en-US" dirty="0"/>
+              <a:t>只能一支支比較</a:t>
+            </a:r>
+            <a:endParaRPr lang="en-US" altLang="zh-TW" sz="1200" dirty="0" smtClean="0">
+              <a:latin typeface="Segoe UI Light" panose="020B0502040204020203" pitchFamily="34" charset="0"/>
+              <a:cs typeface="Segoe UI Light" panose="020B0502040204020203" pitchFamily="34" charset="0"/>
+            </a:endParaRPr>
           </a:p>
         </p:txBody>
       </p:sp>
@@ -2208,7 +2407,7 @@
           <a:p>
             <a:fld id="{4B9FA8AB-93ED-4030-B179-2AF13832ABA7}" type="slidenum">
               <a:rPr lang="zh-TW" altLang="en-US" smtClean="0"/>
-              <a:t>7</a:t>
+              <a:t>6</a:t>
             </a:fld>
             <a:endParaRPr lang="zh-TW" altLang="en-US"/>
           </a:p>
@@ -2272,19 +2471,55 @@
           <a:lstStyle/>
           <a:p>
             <a:r>
-              <a:rPr lang="zh-TW" altLang="en-US" dirty="0" smtClean="0"/>
-              <a:t>傳統不保守 不符合 混凝土結構設計規範 </a:t>
-            </a:r>
-            <a:r>
-              <a:rPr lang="en-US" altLang="zh-TW" dirty="0" smtClean="0"/>
-              <a:t>401-100 R5.11.2 </a:t>
-            </a:r>
-          </a:p>
-          <a:p>
-            <a:r>
-              <a:rPr lang="en-US" dirty="0" smtClean="0"/>
-              <a:t>1140</a:t>
-            </a:r>
+              <a:rPr lang="zh-TW" altLang="en-US" dirty="0" smtClean="0">
+                <a:effectLst/>
+              </a:rPr>
+              <a:t>箍筋 </a:t>
+            </a:r>
+            <a:r>
+              <a:rPr lang="en-US" altLang="zh-TW" dirty="0" smtClean="0">
+                <a:effectLst/>
+              </a:rPr>
+              <a:t>drop size 0.3%</a:t>
+            </a:r>
+          </a:p>
+          <a:p>
+            <a:pPr lvl="1"/>
+            <a:r>
+              <a:rPr lang="zh-TW" altLang="en-US" dirty="0" smtClean="0">
+                <a:effectLst/>
+              </a:rPr>
+              <a:t>因為我們延伸長度的計算不算入雙箍的情況</a:t>
+            </a:r>
+          </a:p>
+          <a:p>
+            <a:pPr lvl="1"/>
+            <a:r>
+              <a:rPr lang="zh-TW" altLang="en-US" dirty="0" smtClean="0">
+                <a:effectLst/>
+              </a:rPr>
+              <a:t>所以如果算入雙箍轉承單箍</a:t>
+            </a:r>
+          </a:p>
+          <a:p>
+            <a:pPr lvl="1"/>
+            <a:r>
+              <a:rPr lang="zh-TW" altLang="en-US" dirty="0" smtClean="0">
+                <a:effectLst/>
+              </a:rPr>
+              <a:t>減少一點點 幾乎沒差</a:t>
+            </a:r>
+          </a:p>
+          <a:p>
+            <a:pPr lvl="1"/>
+            <a:r>
+              <a:rPr lang="zh-TW" altLang="en-US" dirty="0" smtClean="0">
+                <a:effectLst/>
+              </a:rPr>
+              <a:t>進一步 計算雙箍面積</a:t>
+            </a:r>
+          </a:p>
+          <a:p>
             <a:endParaRPr lang="en-US" dirty="0"/>
           </a:p>
         </p:txBody>
@@ -2306,7 +2541,7 @@
           <a:p>
             <a:fld id="{4B9FA8AB-93ED-4030-B179-2AF13832ABA7}" type="slidenum">
               <a:rPr lang="zh-TW" altLang="en-US" smtClean="0"/>
-              <a:t>8</a:t>
+              <a:t>7</a:t>
             </a:fld>
             <a:endParaRPr lang="zh-TW" altLang="en-US"/>
           </a:p>
@@ -2315,7 +2550,7 @@
     </p:spTree>
     <p:extLst>
       <p:ext uri="{BB962C8B-B14F-4D97-AF65-F5344CB8AC3E}">
-        <p14:creationId xmlns:p14="http://schemas.microsoft.com/office/powerpoint/2010/main" val="926603561"/>
+        <p14:creationId xmlns:p14="http://schemas.microsoft.com/office/powerpoint/2010/main" val="1309423331"/>
       </p:ext>
     </p:extLst>
   </p:cSld>
@@ -2371,14 +2606,17 @@
           <a:p>
             <a:r>
               <a:rPr lang="zh-TW" altLang="en-US" dirty="0" smtClean="0"/>
-              <a:t>傳統不經濟 </a:t>
-            </a:r>
-            <a:endParaRPr lang="en-US" dirty="0" smtClean="0"/>
+              <a:t>傳統不保守 不符合 混凝土結構設計規範 </a:t>
+            </a:r>
+            <a:r>
+              <a:rPr lang="en-US" altLang="zh-TW" dirty="0" smtClean="0"/>
+              <a:t>401-100 R5.11.2 </a:t>
+            </a:r>
           </a:p>
           <a:p>
             <a:r>
               <a:rPr lang="en-US" dirty="0" smtClean="0"/>
-              <a:t>828</a:t>
+              <a:t>1140</a:t>
             </a:r>
             <a:endParaRPr lang="en-US" dirty="0"/>
           </a:p>
@@ -2401,7 +2639,7 @@
           <a:p>
             <a:fld id="{4B9FA8AB-93ED-4030-B179-2AF13832ABA7}" type="slidenum">
               <a:rPr lang="zh-TW" altLang="en-US" smtClean="0"/>
-              <a:t>9</a:t>
+              <a:t>8</a:t>
             </a:fld>
             <a:endParaRPr lang="zh-TW" altLang="en-US"/>
           </a:p>
@@ -2410,7 +2648,7 @@
     </p:spTree>
     <p:extLst>
       <p:ext uri="{BB962C8B-B14F-4D97-AF65-F5344CB8AC3E}">
-        <p14:creationId xmlns:p14="http://schemas.microsoft.com/office/powerpoint/2010/main" val="154539786"/>
+        <p14:creationId xmlns:p14="http://schemas.microsoft.com/office/powerpoint/2010/main" val="926603561"/>
       </p:ext>
     </p:extLst>
   </p:cSld>
@@ -2465,55 +2703,16 @@
           <a:lstStyle/>
           <a:p>
             <a:r>
-              <a:rPr lang="zh-TW" altLang="en-US" dirty="0" smtClean="0">
-                <a:effectLst/>
-              </a:rPr>
-              <a:t>效果不好的地方用傳統斷筋</a:t>
-            </a:r>
-          </a:p>
-          <a:p>
-            <a:pPr lvl="1"/>
-            <a:r>
-              <a:rPr lang="en-US" altLang="zh-TW" dirty="0" smtClean="0">
-                <a:effectLst/>
-              </a:rPr>
-              <a:t>93.50 =&gt; 93.23</a:t>
-            </a:r>
-          </a:p>
-          <a:p>
-            <a:pPr lvl="1"/>
-            <a:r>
-              <a:rPr lang="en-US" altLang="zh-TW" dirty="0" smtClean="0">
-                <a:effectLst/>
-              </a:rPr>
-              <a:t>101.04 =&gt; 97.80</a:t>
-            </a:r>
-          </a:p>
-          <a:p>
-            <a:pPr marL="0" marR="0" indent="0" algn="l" defTabSz="914400" rtl="0" eaLnBrk="1" fontAlgn="auto" latinLnBrk="0" hangingPunct="1">
-              <a:lnSpc>
-                <a:spcPct val="100000"/>
-              </a:lnSpc>
-              <a:spcBef>
-                <a:spcPts val="0"/>
-              </a:spcBef>
-              <a:spcAft>
-                <a:spcPts val="0"/>
-              </a:spcAft>
-              <a:buClrTx/>
-              <a:buSzTx/>
-              <a:buFontTx/>
-              <a:buNone/>
-              <a:tabLst/>
-              <a:defRPr/>
-            </a:pPr>
-            <a:r>
               <a:rPr lang="zh-TW" altLang="en-US" dirty="0" smtClean="0"/>
-              <a:t>五點斷筋 </a:t>
-            </a:r>
-            <a:endParaRPr lang="en-US" altLang="zh-TW" dirty="0" smtClean="0"/>
-          </a:p>
-          <a:p>
+              <a:t>傳統不經濟 </a:t>
+            </a:r>
+            <a:endParaRPr lang="en-US" dirty="0" smtClean="0"/>
+          </a:p>
+          <a:p>
+            <a:r>
+              <a:rPr lang="en-US" dirty="0" smtClean="0"/>
+              <a:t>828</a:t>
+            </a:r>
             <a:endParaRPr lang="en-US" dirty="0"/>
           </a:p>
         </p:txBody>
@@ -2535,7 +2734,7 @@
           <a:p>
             <a:fld id="{4B9FA8AB-93ED-4030-B179-2AF13832ABA7}" type="slidenum">
               <a:rPr lang="zh-TW" altLang="en-US" smtClean="0"/>
-              <a:t>10</a:t>
+              <a:t>9</a:t>
             </a:fld>
             <a:endParaRPr lang="zh-TW" altLang="en-US"/>
           </a:p>
@@ -2544,7 +2743,7 @@
     </p:spTree>
     <p:extLst>
       <p:ext uri="{BB962C8B-B14F-4D97-AF65-F5344CB8AC3E}">
-        <p14:creationId xmlns:p14="http://schemas.microsoft.com/office/powerpoint/2010/main" val="2065032544"/>
+        <p14:creationId xmlns:p14="http://schemas.microsoft.com/office/powerpoint/2010/main" val="154539786"/>
       </p:ext>
     </p:extLst>
   </p:cSld>
@@ -2599,26 +2798,29 @@
           <a:lstStyle/>
           <a:p>
             <a:r>
-              <a:rPr lang="en-US" altLang="zh-TW" dirty="0" smtClean="0"/>
-              <a:t>ETABS </a:t>
-            </a:r>
-            <a:r>
-              <a:rPr lang="zh-TW" altLang="en-US" dirty="0" smtClean="0"/>
-              <a:t>鋼筋定義</a:t>
-            </a:r>
-            <a:r>
-              <a:rPr lang="zh-TW" altLang="en-US" dirty="0" smtClean="0"/>
-              <a:t>修改 </a:t>
-            </a:r>
-            <a:r>
-              <a:rPr lang="en-US" altLang="zh-TW" dirty="0" smtClean="0"/>
-              <a:t>=&gt; CSN </a:t>
-            </a:r>
-            <a:r>
-              <a:rPr lang="zh-TW" altLang="en-US" dirty="0" smtClean="0"/>
-              <a:t>圖 </a:t>
-            </a:r>
-            <a:endParaRPr lang="en-US" altLang="zh-TW" dirty="0" smtClean="0"/>
+              <a:rPr lang="zh-TW" altLang="en-US" dirty="0" smtClean="0">
+                <a:effectLst/>
+              </a:rPr>
+              <a:t>效果不好的地方用傳統斷筋</a:t>
+            </a:r>
+          </a:p>
+          <a:p>
+            <a:pPr lvl="1"/>
+            <a:r>
+              <a:rPr lang="en-US" altLang="zh-TW" dirty="0" smtClean="0">
+                <a:effectLst/>
+              </a:rPr>
+              <a:t>93.50 =&gt; 93.23</a:t>
+            </a:r>
+          </a:p>
+          <a:p>
+            <a:pPr lvl="1"/>
+            <a:r>
+              <a:rPr lang="en-US" altLang="zh-TW" dirty="0" smtClean="0">
+                <a:effectLst/>
+              </a:rPr>
+              <a:t>101.04 =&gt; 97.80</a:t>
+            </a:r>
           </a:p>
           <a:p>
             <a:pPr marL="0" marR="0" indent="0" algn="l" defTabSz="914400" rtl="0" eaLnBrk="1" fontAlgn="auto" latinLnBrk="0" hangingPunct="1">
@@ -2640,12 +2842,9 @@
             </a:pPr>
             <a:r>
               <a:rPr lang="zh-TW" altLang="en-US" dirty="0" smtClean="0"/>
-              <a:t>多出 </a:t>
-            </a:r>
-            <a:r>
-              <a:rPr lang="en-US" altLang="zh-TW" dirty="0" smtClean="0"/>
-              <a:t>0.05 drop </a:t>
-            </a:r>
+              <a:t>五點斷筋 </a:t>
+            </a:r>
+            <a:endParaRPr lang="en-US" altLang="zh-TW" dirty="0" smtClean="0"/>
           </a:p>
           <a:p>
             <a:endParaRPr lang="en-US" dirty="0"/>
@@ -2669,7 +2868,7 @@
           <a:p>
             <a:fld id="{4B9FA8AB-93ED-4030-B179-2AF13832ABA7}" type="slidenum">
               <a:rPr lang="zh-TW" altLang="en-US" smtClean="0"/>
-              <a:t>11</a:t>
+              <a:t>10</a:t>
             </a:fld>
             <a:endParaRPr lang="zh-TW" altLang="en-US"/>
           </a:p>
@@ -2678,7 +2877,7 @@
     </p:spTree>
     <p:extLst>
       <p:ext uri="{BB962C8B-B14F-4D97-AF65-F5344CB8AC3E}">
-        <p14:creationId xmlns:p14="http://schemas.microsoft.com/office/powerpoint/2010/main" val="1670953166"/>
+        <p14:creationId xmlns:p14="http://schemas.microsoft.com/office/powerpoint/2010/main" val="2065032544"/>
       </p:ext>
     </p:extLst>
   </p:cSld>
@@ -24778,7 +24977,7 @@
           <a:p>
             <a:r>
               <a:rPr lang="en-US" altLang="zh-TW" dirty="0" smtClean="0"/>
-              <a:t>NEXT STEP</a:t>
+              <a:t>BETA VERSION</a:t>
             </a:r>
             <a:endParaRPr lang="zh-TW" altLang="en-US" dirty="0"/>
           </a:p>
@@ -25216,7 +25415,7 @@
         <p:spPr>
           <a:xfrm>
             <a:off x="2768936" y="1437270"/>
-            <a:ext cx="3322320" cy="561436"/>
+            <a:ext cx="3476208" cy="561436"/>
           </a:xfrm>
           <a:prstGeom prst="rect">
             <a:avLst/>
@@ -25239,7 +25438,14 @@
                 <a:latin typeface="Segoe UI Light" panose="020B0502040204020203" pitchFamily="34" charset="0"/>
                 <a:cs typeface="Segoe UI Light" panose="020B0502040204020203" pitchFamily="34" charset="0"/>
               </a:rPr>
-              <a:t>TRATIONAL REPLACE</a:t>
+              <a:t>TRATIONAL </a:t>
+            </a:r>
+            <a:r>
+              <a:rPr lang="en-US" altLang="zh-TW" sz="2800" dirty="0" smtClean="0">
+                <a:latin typeface="Segoe UI Light" panose="020B0502040204020203" pitchFamily="34" charset="0"/>
+                <a:cs typeface="Segoe UI Light" panose="020B0502040204020203" pitchFamily="34" charset="0"/>
+              </a:rPr>
+              <a:t>REPLACE?</a:t>
             </a:r>
             <a:endParaRPr lang="zh-TW" altLang="en-US" sz="2800" dirty="0" smtClean="0">
               <a:latin typeface="Segoe UI Light" panose="020B0502040204020203" pitchFamily="34" charset="0"/>
@@ -25603,6 +25809,13 @@
       </p:transition>
     </mc:Fallback>
   </mc:AlternateContent>
+  <p:timing>
+    <p:tnLst>
+      <p:par>
+        <p:cTn id="1" dur="indefinite" restart="never" nodeType="tmRoot"/>
+      </p:par>
+    </p:tnLst>
+  </p:timing>
 </p:sld>
 </file>
 
@@ -25687,7 +25900,18 @@
           <p:nvPr/>
         </p:nvPicPr>
         <p:blipFill>
-          <a:blip r:embed="rId3"/>
+          <a:blip r:embed="rId3">
+            <a:clrChange>
+              <a:clrFrom>
+                <a:srgbClr val="FFFFFF"/>
+              </a:clrFrom>
+              <a:clrTo>
+                <a:srgbClr val="FFFFFF">
+                  <a:alpha val="0"/>
+                </a:srgbClr>
+              </a:clrTo>
+            </a:clrChange>
+          </a:blip>
           <a:stretch>
             <a:fillRect/>
           </a:stretch>
@@ -25711,7 +25935,18 @@
           <p:nvPr/>
         </p:nvPicPr>
         <p:blipFill>
-          <a:blip r:embed="rId4"/>
+          <a:blip r:embed="rId4">
+            <a:clrChange>
+              <a:clrFrom>
+                <a:srgbClr val="FFFFFF"/>
+              </a:clrFrom>
+              <a:clrTo>
+                <a:srgbClr val="FFFFFF">
+                  <a:alpha val="0"/>
+                </a:srgbClr>
+              </a:clrTo>
+            </a:clrChange>
+          </a:blip>
           <a:stretch>
             <a:fillRect/>
           </a:stretch>
@@ -25813,6 +26048,1394 @@
       </p:grpSpPr>
       <p:sp>
         <p:nvSpPr>
+          <p:cNvPr id="2" name="Text Placeholder 1"/>
+          <p:cNvSpPr>
+            <a:spLocks noGrp="1"/>
+          </p:cNvSpPr>
+          <p:nvPr>
+            <p:ph type="body" sz="quarter" idx="10"/>
+          </p:nvPr>
+        </p:nvSpPr>
+        <p:spPr>
+          <a:xfrm>
+            <a:off x="839788" y="660400"/>
+            <a:ext cx="6221412" cy="1311128"/>
+          </a:xfrm>
+        </p:spPr>
+        <p:txBody>
+          <a:bodyPr/>
+          <a:lstStyle/>
+          <a:p>
+            <a:r>
+              <a:rPr lang="en-US" dirty="0" smtClean="0"/>
+              <a:t>SIMPLE CONCLUSION</a:t>
+            </a:r>
+            <a:endParaRPr lang="en-US" dirty="0"/>
+          </a:p>
+        </p:txBody>
+      </p:sp>
+      <p:sp>
+        <p:nvSpPr>
+          <p:cNvPr id="3" name="Slide Number Placeholder 2"/>
+          <p:cNvSpPr>
+            <a:spLocks noGrp="1"/>
+          </p:cNvSpPr>
+          <p:nvPr>
+            <p:ph type="sldNum" sz="quarter" idx="4"/>
+          </p:nvPr>
+        </p:nvSpPr>
+        <p:spPr/>
+        <p:txBody>
+          <a:bodyPr/>
+          <a:lstStyle/>
+          <a:p>
+            <a:fld id="{6F0746BA-D1AA-4FF4-8D48-BDBC7FF48778}" type="slidenum">
+              <a:rPr lang="fr-FR" smtClean="0"/>
+              <a:t>13</a:t>
+            </a:fld>
+            <a:endParaRPr lang="fr-FR" dirty="0"/>
+          </a:p>
+        </p:txBody>
+      </p:sp>
+      <p:pic>
+        <p:nvPicPr>
+          <p:cNvPr id="4" name="Picture 3"/>
+          <p:cNvPicPr>
+            <a:picLocks noChangeAspect="1"/>
+          </p:cNvPicPr>
+          <p:nvPr/>
+        </p:nvPicPr>
+        <p:blipFill>
+          <a:blip r:embed="rId3">
+            <a:clrChange>
+              <a:clrFrom>
+                <a:srgbClr val="FFFFFF"/>
+              </a:clrFrom>
+              <a:clrTo>
+                <a:srgbClr val="FFFFFF">
+                  <a:alpha val="0"/>
+                </a:srgbClr>
+              </a:clrTo>
+            </a:clrChange>
+          </a:blip>
+          <a:stretch>
+            <a:fillRect/>
+          </a:stretch>
+        </p:blipFill>
+        <p:spPr>
+          <a:xfrm>
+            <a:off x="381" y="1569369"/>
+            <a:ext cx="6095238" cy="4552381"/>
+          </a:xfrm>
+          <a:prstGeom prst="rect">
+            <a:avLst/>
+          </a:prstGeom>
+        </p:spPr>
+      </p:pic>
+      <p:pic>
+        <p:nvPicPr>
+          <p:cNvPr id="5" name="Picture 4"/>
+          <p:cNvPicPr>
+            <a:picLocks noChangeAspect="1"/>
+          </p:cNvPicPr>
+          <p:nvPr/>
+        </p:nvPicPr>
+        <p:blipFill>
+          <a:blip r:embed="rId4">
+            <a:clrChange>
+              <a:clrFrom>
+                <a:srgbClr val="FFFFFF"/>
+              </a:clrFrom>
+              <a:clrTo>
+                <a:srgbClr val="FFFFFF">
+                  <a:alpha val="0"/>
+                </a:srgbClr>
+              </a:clrTo>
+            </a:clrChange>
+          </a:blip>
+          <a:stretch>
+            <a:fillRect/>
+          </a:stretch>
+        </p:blipFill>
+        <p:spPr>
+          <a:xfrm>
+            <a:off x="6096762" y="1569369"/>
+            <a:ext cx="6095238" cy="4552381"/>
+          </a:xfrm>
+          <a:prstGeom prst="rect">
+            <a:avLst/>
+          </a:prstGeom>
+        </p:spPr>
+      </p:pic>
+      <p:cxnSp>
+        <p:nvCxnSpPr>
+          <p:cNvPr id="7" name="Straight Arrow Connector 6"/>
+          <p:cNvCxnSpPr/>
+          <p:nvPr/>
+        </p:nvCxnSpPr>
+        <p:spPr>
+          <a:xfrm>
+            <a:off x="995680" y="2814320"/>
+            <a:ext cx="1391920" cy="0"/>
+          </a:xfrm>
+          <a:prstGeom prst="straightConnector1">
+            <a:avLst/>
+          </a:prstGeom>
+          <a:ln>
+            <a:solidFill>
+              <a:schemeClr val="tx1"/>
+            </a:solidFill>
+            <a:headEnd type="triangle"/>
+            <a:tailEnd type="triangle"/>
+          </a:ln>
+        </p:spPr>
+        <p:style>
+          <a:lnRef idx="1">
+            <a:schemeClr val="accent1"/>
+          </a:lnRef>
+          <a:fillRef idx="0">
+            <a:schemeClr val="accent1"/>
+          </a:fillRef>
+          <a:effectRef idx="0">
+            <a:schemeClr val="accent1"/>
+          </a:effectRef>
+          <a:fontRef idx="minor">
+            <a:schemeClr val="tx1"/>
+          </a:fontRef>
+        </p:style>
+      </p:cxnSp>
+      <p:cxnSp>
+        <p:nvCxnSpPr>
+          <p:cNvPr id="8" name="Straight Arrow Connector 7"/>
+          <p:cNvCxnSpPr/>
+          <p:nvPr/>
+        </p:nvCxnSpPr>
+        <p:spPr>
+          <a:xfrm>
+            <a:off x="2032000" y="3088640"/>
+            <a:ext cx="2153920" cy="0"/>
+          </a:xfrm>
+          <a:prstGeom prst="straightConnector1">
+            <a:avLst/>
+          </a:prstGeom>
+          <a:ln>
+            <a:solidFill>
+              <a:schemeClr val="tx1"/>
+            </a:solidFill>
+            <a:headEnd type="triangle"/>
+            <a:tailEnd type="triangle"/>
+          </a:ln>
+        </p:spPr>
+        <p:style>
+          <a:lnRef idx="1">
+            <a:schemeClr val="accent1"/>
+          </a:lnRef>
+          <a:fillRef idx="0">
+            <a:schemeClr val="accent1"/>
+          </a:fillRef>
+          <a:effectRef idx="0">
+            <a:schemeClr val="accent1"/>
+          </a:effectRef>
+          <a:fontRef idx="minor">
+            <a:schemeClr val="tx1"/>
+          </a:fontRef>
+        </p:style>
+      </p:cxnSp>
+      <p:cxnSp>
+        <p:nvCxnSpPr>
+          <p:cNvPr id="10" name="Straight Arrow Connector 9"/>
+          <p:cNvCxnSpPr/>
+          <p:nvPr/>
+        </p:nvCxnSpPr>
+        <p:spPr>
+          <a:xfrm>
+            <a:off x="3830320" y="2814320"/>
+            <a:ext cx="1391920" cy="0"/>
+          </a:xfrm>
+          <a:prstGeom prst="straightConnector1">
+            <a:avLst/>
+          </a:prstGeom>
+          <a:ln>
+            <a:solidFill>
+              <a:schemeClr val="tx1"/>
+            </a:solidFill>
+            <a:headEnd type="triangle"/>
+            <a:tailEnd type="triangle"/>
+          </a:ln>
+        </p:spPr>
+        <p:style>
+          <a:lnRef idx="1">
+            <a:schemeClr val="accent1"/>
+          </a:lnRef>
+          <a:fillRef idx="0">
+            <a:schemeClr val="accent1"/>
+          </a:fillRef>
+          <a:effectRef idx="0">
+            <a:schemeClr val="accent1"/>
+          </a:effectRef>
+          <a:fontRef idx="minor">
+            <a:schemeClr val="tx1"/>
+          </a:fontRef>
+        </p:style>
+      </p:cxnSp>
+      <p:cxnSp>
+        <p:nvCxnSpPr>
+          <p:cNvPr id="12" name="Straight Arrow Connector 11"/>
+          <p:cNvCxnSpPr/>
+          <p:nvPr/>
+        </p:nvCxnSpPr>
+        <p:spPr>
+          <a:xfrm>
+            <a:off x="4632960" y="1971528"/>
+            <a:ext cx="640080" cy="0"/>
+          </a:xfrm>
+          <a:prstGeom prst="straightConnector1">
+            <a:avLst/>
+          </a:prstGeom>
+          <a:ln>
+            <a:solidFill>
+              <a:schemeClr val="tx1"/>
+            </a:solidFill>
+            <a:headEnd type="triangle"/>
+            <a:tailEnd type="triangle"/>
+          </a:ln>
+        </p:spPr>
+        <p:style>
+          <a:lnRef idx="1">
+            <a:schemeClr val="accent1"/>
+          </a:lnRef>
+          <a:fillRef idx="0">
+            <a:schemeClr val="accent1"/>
+          </a:fillRef>
+          <a:effectRef idx="0">
+            <a:schemeClr val="accent1"/>
+          </a:effectRef>
+          <a:fontRef idx="minor">
+            <a:schemeClr val="tx1"/>
+          </a:fontRef>
+        </p:style>
+      </p:cxnSp>
+      <p:sp>
+        <p:nvSpPr>
+          <p:cNvPr id="13" name="TextBox 12"/>
+          <p:cNvSpPr txBox="1"/>
+          <p:nvPr/>
+        </p:nvSpPr>
+        <p:spPr>
+          <a:xfrm>
+            <a:off x="4632960" y="1502719"/>
+            <a:ext cx="1551066" cy="427425"/>
+          </a:xfrm>
+          <a:prstGeom prst="rect">
+            <a:avLst/>
+          </a:prstGeom>
+          <a:noFill/>
+        </p:spPr>
+        <p:txBody>
+          <a:bodyPr wrap="none" lIns="0" rtlCol="0" anchor="t">
+            <a:spAutoFit/>
+          </a:bodyPr>
+          <a:lstStyle/>
+          <a:p>
+            <a:pPr algn="l">
+              <a:lnSpc>
+                <a:spcPct val="120000"/>
+              </a:lnSpc>
+            </a:pPr>
+            <a:r>
+              <a:rPr lang="en-US" sz="2000" dirty="0" smtClean="0">
+                <a:solidFill>
+                  <a:schemeClr val="accent3"/>
+                </a:solidFill>
+                <a:latin typeface="Segoe UI Light" panose="020B0502040204020203" pitchFamily="34" charset="0"/>
+                <a:cs typeface="Segoe UI Light" panose="020B0502040204020203" pitchFamily="34" charset="0"/>
+              </a:rPr>
+              <a:t>SIMPLIFIED </a:t>
+            </a:r>
+            <a:r>
+              <a:rPr lang="en-US" sz="2000" dirty="0" err="1" smtClean="0">
+                <a:solidFill>
+                  <a:schemeClr val="accent3"/>
+                </a:solidFill>
+                <a:latin typeface="Segoe UI Light" panose="020B0502040204020203" pitchFamily="34" charset="0"/>
+                <a:cs typeface="Segoe UI Light" panose="020B0502040204020203" pitchFamily="34" charset="0"/>
+              </a:rPr>
+              <a:t>ld</a:t>
+            </a:r>
+            <a:endParaRPr lang="en-US" sz="2000" dirty="0" smtClean="0">
+              <a:solidFill>
+                <a:schemeClr val="accent3"/>
+              </a:solidFill>
+              <a:latin typeface="Segoe UI Light" panose="020B0502040204020203" pitchFamily="34" charset="0"/>
+              <a:cs typeface="Segoe UI Light" panose="020B0502040204020203" pitchFamily="34" charset="0"/>
+            </a:endParaRPr>
+          </a:p>
+        </p:txBody>
+      </p:sp>
+      <p:cxnSp>
+        <p:nvCxnSpPr>
+          <p:cNvPr id="15" name="Straight Connector 14"/>
+          <p:cNvCxnSpPr/>
+          <p:nvPr/>
+        </p:nvCxnSpPr>
+        <p:spPr>
+          <a:xfrm>
+            <a:off x="5273040" y="1930144"/>
+            <a:ext cx="0" cy="660656"/>
+          </a:xfrm>
+          <a:prstGeom prst="line">
+            <a:avLst/>
+          </a:prstGeom>
+          <a:ln>
+            <a:solidFill>
+              <a:schemeClr val="tx1"/>
+            </a:solidFill>
+          </a:ln>
+        </p:spPr>
+        <p:style>
+          <a:lnRef idx="1">
+            <a:schemeClr val="accent1"/>
+          </a:lnRef>
+          <a:fillRef idx="0">
+            <a:schemeClr val="accent1"/>
+          </a:fillRef>
+          <a:effectRef idx="0">
+            <a:schemeClr val="accent1"/>
+          </a:effectRef>
+          <a:fontRef idx="minor">
+            <a:schemeClr val="tx1"/>
+          </a:fontRef>
+        </p:style>
+      </p:cxnSp>
+      <p:cxnSp>
+        <p:nvCxnSpPr>
+          <p:cNvPr id="17" name="Straight Connector 16"/>
+          <p:cNvCxnSpPr/>
+          <p:nvPr/>
+        </p:nvCxnSpPr>
+        <p:spPr>
+          <a:xfrm>
+            <a:off x="4632960" y="1930144"/>
+            <a:ext cx="0" cy="1016256"/>
+          </a:xfrm>
+          <a:prstGeom prst="line">
+            <a:avLst/>
+          </a:prstGeom>
+          <a:ln>
+            <a:solidFill>
+              <a:schemeClr val="tx1"/>
+            </a:solidFill>
+          </a:ln>
+        </p:spPr>
+        <p:style>
+          <a:lnRef idx="1">
+            <a:schemeClr val="accent1"/>
+          </a:lnRef>
+          <a:fillRef idx="0">
+            <a:schemeClr val="accent1"/>
+          </a:fillRef>
+          <a:effectRef idx="0">
+            <a:schemeClr val="accent1"/>
+          </a:effectRef>
+          <a:fontRef idx="minor">
+            <a:schemeClr val="tx1"/>
+          </a:fontRef>
+        </p:style>
+      </p:cxnSp>
+      <p:sp>
+        <p:nvSpPr>
+          <p:cNvPr id="20" name="TextBox 19"/>
+          <p:cNvSpPr txBox="1"/>
+          <p:nvPr/>
+        </p:nvSpPr>
+        <p:spPr>
+          <a:xfrm>
+            <a:off x="2257189" y="4665250"/>
+            <a:ext cx="1853713" cy="427425"/>
+          </a:xfrm>
+          <a:prstGeom prst="rect">
+            <a:avLst/>
+          </a:prstGeom>
+          <a:noFill/>
+        </p:spPr>
+        <p:txBody>
+          <a:bodyPr wrap="none" lIns="0" rtlCol="0" anchor="t">
+            <a:spAutoFit/>
+          </a:bodyPr>
+          <a:lstStyle/>
+          <a:p>
+            <a:pPr algn="l">
+              <a:lnSpc>
+                <a:spcPct val="120000"/>
+              </a:lnSpc>
+            </a:pPr>
+            <a:r>
+              <a:rPr lang="en-US" sz="2000" dirty="0" smtClean="0">
+                <a:solidFill>
+                  <a:schemeClr val="accent2"/>
+                </a:solidFill>
+                <a:latin typeface="Segoe UI Light" panose="020B0502040204020203" pitchFamily="34" charset="0"/>
+                <a:cs typeface="Segoe UI Light" panose="020B0502040204020203" pitchFamily="34" charset="0"/>
+              </a:rPr>
+              <a:t>ETABS DEMAND</a:t>
+            </a:r>
+            <a:endParaRPr lang="en-US" sz="2000" dirty="0" smtClean="0">
+              <a:solidFill>
+                <a:schemeClr val="accent2"/>
+              </a:solidFill>
+              <a:latin typeface="Segoe UI Light" panose="020B0502040204020203" pitchFamily="34" charset="0"/>
+              <a:cs typeface="Segoe UI Light" panose="020B0502040204020203" pitchFamily="34" charset="0"/>
+            </a:endParaRPr>
+          </a:p>
+        </p:txBody>
+      </p:sp>
+      <p:sp>
+        <p:nvSpPr>
+          <p:cNvPr id="22" name="TextBox 21"/>
+          <p:cNvSpPr txBox="1"/>
+          <p:nvPr/>
+        </p:nvSpPr>
+        <p:spPr>
+          <a:xfrm>
+            <a:off x="2446984" y="2930808"/>
+            <a:ext cx="1474121" cy="427425"/>
+          </a:xfrm>
+          <a:prstGeom prst="rect">
+            <a:avLst/>
+          </a:prstGeom>
+          <a:noFill/>
+        </p:spPr>
+        <p:txBody>
+          <a:bodyPr wrap="none" lIns="0" rtlCol="0" anchor="t">
+            <a:spAutoFit/>
+          </a:bodyPr>
+          <a:lstStyle/>
+          <a:p>
+            <a:pPr algn="l">
+              <a:lnSpc>
+                <a:spcPct val="120000"/>
+              </a:lnSpc>
+            </a:pPr>
+            <a:r>
+              <a:rPr lang="en-US" sz="2000" dirty="0" smtClean="0">
+                <a:solidFill>
+                  <a:schemeClr val="accent1"/>
+                </a:solidFill>
+                <a:latin typeface="Segoe UI Light" panose="020B0502040204020203" pitchFamily="34" charset="0"/>
+                <a:cs typeface="Segoe UI Light" panose="020B0502040204020203" pitchFamily="34" charset="0"/>
+              </a:rPr>
+              <a:t>REBAR USED</a:t>
+            </a:r>
+            <a:endParaRPr lang="en-US" sz="2000" dirty="0" smtClean="0">
+              <a:solidFill>
+                <a:schemeClr val="accent1"/>
+              </a:solidFill>
+              <a:latin typeface="Segoe UI Light" panose="020B0502040204020203" pitchFamily="34" charset="0"/>
+              <a:cs typeface="Segoe UI Light" panose="020B0502040204020203" pitchFamily="34" charset="0"/>
+            </a:endParaRPr>
+          </a:p>
+        </p:txBody>
+      </p:sp>
+      <p:sp>
+        <p:nvSpPr>
+          <p:cNvPr id="23" name="TextBox 22"/>
+          <p:cNvSpPr txBox="1"/>
+          <p:nvPr/>
+        </p:nvSpPr>
+        <p:spPr>
+          <a:xfrm>
+            <a:off x="2273859" y="1536739"/>
+            <a:ext cx="1820370" cy="561436"/>
+          </a:xfrm>
+          <a:prstGeom prst="rect">
+            <a:avLst/>
+          </a:prstGeom>
+          <a:noFill/>
+        </p:spPr>
+        <p:txBody>
+          <a:bodyPr wrap="none" lIns="0" rtlCol="0" anchor="t">
+            <a:spAutoFit/>
+          </a:bodyPr>
+          <a:lstStyle/>
+          <a:p>
+            <a:pPr algn="l">
+              <a:lnSpc>
+                <a:spcPct val="120000"/>
+              </a:lnSpc>
+            </a:pPr>
+            <a:r>
+              <a:rPr lang="en-US" sz="2800" dirty="0" smtClean="0">
+                <a:latin typeface="Segoe UI Light" panose="020B0502040204020203" pitchFamily="34" charset="0"/>
+                <a:cs typeface="Segoe UI Light" panose="020B0502040204020203" pitchFamily="34" charset="0"/>
+              </a:rPr>
+              <a:t>TRADITION</a:t>
+            </a:r>
+            <a:endParaRPr lang="en-US" sz="2800" dirty="0" smtClean="0">
+              <a:latin typeface="Segoe UI Light" panose="020B0502040204020203" pitchFamily="34" charset="0"/>
+              <a:cs typeface="Segoe UI Light" panose="020B0502040204020203" pitchFamily="34" charset="0"/>
+            </a:endParaRPr>
+          </a:p>
+        </p:txBody>
+      </p:sp>
+      <p:sp>
+        <p:nvSpPr>
+          <p:cNvPr id="24" name="TextBox 23"/>
+          <p:cNvSpPr txBox="1"/>
+          <p:nvPr/>
+        </p:nvSpPr>
+        <p:spPr>
+          <a:xfrm>
+            <a:off x="8495271" y="1536739"/>
+            <a:ext cx="1762983" cy="561436"/>
+          </a:xfrm>
+          <a:prstGeom prst="rect">
+            <a:avLst/>
+          </a:prstGeom>
+          <a:noFill/>
+        </p:spPr>
+        <p:txBody>
+          <a:bodyPr wrap="none" lIns="0" rtlCol="0" anchor="t">
+            <a:spAutoFit/>
+          </a:bodyPr>
+          <a:lstStyle/>
+          <a:p>
+            <a:pPr algn="l">
+              <a:lnSpc>
+                <a:spcPct val="120000"/>
+              </a:lnSpc>
+            </a:pPr>
+            <a:r>
+              <a:rPr lang="en-US" sz="2800" dirty="0" smtClean="0">
+                <a:latin typeface="Segoe UI Light" panose="020B0502040204020203" pitchFamily="34" charset="0"/>
+                <a:cs typeface="Segoe UI Light" panose="020B0502040204020203" pitchFamily="34" charset="0"/>
+              </a:rPr>
+              <a:t>MULTI CUT</a:t>
+            </a:r>
+            <a:endParaRPr lang="en-US" sz="2800" dirty="0" smtClean="0">
+              <a:latin typeface="Segoe UI Light" panose="020B0502040204020203" pitchFamily="34" charset="0"/>
+              <a:cs typeface="Segoe UI Light" panose="020B0502040204020203" pitchFamily="34" charset="0"/>
+            </a:endParaRPr>
+          </a:p>
+        </p:txBody>
+      </p:sp>
+      <p:sp>
+        <p:nvSpPr>
+          <p:cNvPr id="25" name="TextBox 24"/>
+          <p:cNvSpPr txBox="1"/>
+          <p:nvPr/>
+        </p:nvSpPr>
+        <p:spPr>
+          <a:xfrm>
+            <a:off x="2860558" y="3302352"/>
+            <a:ext cx="646972" cy="427425"/>
+          </a:xfrm>
+          <a:prstGeom prst="rect">
+            <a:avLst/>
+          </a:prstGeom>
+          <a:solidFill>
+            <a:srgbClr val="F7F7F7">
+              <a:alpha val="69804"/>
+            </a:srgbClr>
+          </a:solidFill>
+        </p:spPr>
+        <p:txBody>
+          <a:bodyPr wrap="none" lIns="0" rtlCol="0" anchor="t">
+            <a:spAutoFit/>
+          </a:bodyPr>
+          <a:lstStyle/>
+          <a:p>
+            <a:pPr algn="ctr">
+              <a:lnSpc>
+                <a:spcPct val="120000"/>
+              </a:lnSpc>
+            </a:pPr>
+            <a:r>
+              <a:rPr lang="en-US" sz="2000" dirty="0" smtClean="0">
+                <a:solidFill>
+                  <a:schemeClr val="accent1"/>
+                </a:solidFill>
+                <a:latin typeface="Segoe UI Light" panose="020B0502040204020203" pitchFamily="34" charset="0"/>
+                <a:cs typeface="Segoe UI Light" panose="020B0502040204020203" pitchFamily="34" charset="0"/>
+              </a:rPr>
+              <a:t>100%</a:t>
+            </a:r>
+            <a:endParaRPr lang="en-US" sz="2000" dirty="0" smtClean="0">
+              <a:solidFill>
+                <a:schemeClr val="accent1"/>
+              </a:solidFill>
+              <a:latin typeface="Segoe UI Light" panose="020B0502040204020203" pitchFamily="34" charset="0"/>
+              <a:cs typeface="Segoe UI Light" panose="020B0502040204020203" pitchFamily="34" charset="0"/>
+            </a:endParaRPr>
+          </a:p>
+        </p:txBody>
+      </p:sp>
+      <p:sp>
+        <p:nvSpPr>
+          <p:cNvPr id="26" name="TextBox 25"/>
+          <p:cNvSpPr txBox="1"/>
+          <p:nvPr/>
+        </p:nvSpPr>
+        <p:spPr>
+          <a:xfrm>
+            <a:off x="839788" y="3461071"/>
+            <a:ext cx="1853713" cy="427425"/>
+          </a:xfrm>
+          <a:prstGeom prst="rect">
+            <a:avLst/>
+          </a:prstGeom>
+          <a:noFill/>
+        </p:spPr>
+        <p:txBody>
+          <a:bodyPr wrap="none" lIns="0" rtlCol="0" anchor="t">
+            <a:spAutoFit/>
+          </a:bodyPr>
+          <a:lstStyle/>
+          <a:p>
+            <a:pPr algn="l">
+              <a:lnSpc>
+                <a:spcPct val="120000"/>
+              </a:lnSpc>
+            </a:pPr>
+            <a:r>
+              <a:rPr lang="en-US" sz="2000" dirty="0" smtClean="0">
+                <a:solidFill>
+                  <a:schemeClr val="accent2"/>
+                </a:solidFill>
+                <a:latin typeface="Segoe UI Light" panose="020B0502040204020203" pitchFamily="34" charset="0"/>
+                <a:cs typeface="Segoe UI Light" panose="020B0502040204020203" pitchFamily="34" charset="0"/>
+              </a:rPr>
+              <a:t>ETABS DEMAND</a:t>
+            </a:r>
+            <a:endParaRPr lang="en-US" sz="2000" dirty="0" smtClean="0">
+              <a:solidFill>
+                <a:schemeClr val="accent2"/>
+              </a:solidFill>
+              <a:latin typeface="Segoe UI Light" panose="020B0502040204020203" pitchFamily="34" charset="0"/>
+              <a:cs typeface="Segoe UI Light" panose="020B0502040204020203" pitchFamily="34" charset="0"/>
+            </a:endParaRPr>
+          </a:p>
+        </p:txBody>
+      </p:sp>
+      <p:sp>
+        <p:nvSpPr>
+          <p:cNvPr id="29" name="TextBox 28"/>
+          <p:cNvSpPr txBox="1"/>
+          <p:nvPr/>
+        </p:nvSpPr>
+        <p:spPr>
+          <a:xfrm>
+            <a:off x="1121023" y="5793342"/>
+            <a:ext cx="1474121" cy="427425"/>
+          </a:xfrm>
+          <a:prstGeom prst="rect">
+            <a:avLst/>
+          </a:prstGeom>
+          <a:noFill/>
+        </p:spPr>
+        <p:txBody>
+          <a:bodyPr wrap="none" lIns="0" rtlCol="0" anchor="t">
+            <a:spAutoFit/>
+          </a:bodyPr>
+          <a:lstStyle/>
+          <a:p>
+            <a:pPr algn="l">
+              <a:lnSpc>
+                <a:spcPct val="120000"/>
+              </a:lnSpc>
+            </a:pPr>
+            <a:r>
+              <a:rPr lang="en-US" sz="2000" dirty="0" smtClean="0">
+                <a:solidFill>
+                  <a:schemeClr val="accent1"/>
+                </a:solidFill>
+                <a:latin typeface="Segoe UI Light" panose="020B0502040204020203" pitchFamily="34" charset="0"/>
+                <a:cs typeface="Segoe UI Light" panose="020B0502040204020203" pitchFamily="34" charset="0"/>
+              </a:rPr>
+              <a:t>REBAR USED</a:t>
+            </a:r>
+            <a:endParaRPr lang="en-US" sz="2000" dirty="0" smtClean="0">
+              <a:solidFill>
+                <a:schemeClr val="accent1"/>
+              </a:solidFill>
+              <a:latin typeface="Segoe UI Light" panose="020B0502040204020203" pitchFamily="34" charset="0"/>
+              <a:cs typeface="Segoe UI Light" panose="020B0502040204020203" pitchFamily="34" charset="0"/>
+            </a:endParaRPr>
+          </a:p>
+        </p:txBody>
+      </p:sp>
+      <p:sp>
+        <p:nvSpPr>
+          <p:cNvPr id="30" name="TextBox 29"/>
+          <p:cNvSpPr txBox="1"/>
+          <p:nvPr/>
+        </p:nvSpPr>
+        <p:spPr>
+          <a:xfrm>
+            <a:off x="2785474" y="5462259"/>
+            <a:ext cx="646972" cy="427425"/>
+          </a:xfrm>
+          <a:prstGeom prst="rect">
+            <a:avLst/>
+          </a:prstGeom>
+          <a:solidFill>
+            <a:srgbClr val="F7F7F7">
+              <a:alpha val="69804"/>
+            </a:srgbClr>
+          </a:solidFill>
+        </p:spPr>
+        <p:txBody>
+          <a:bodyPr wrap="none" lIns="0" rtlCol="0" anchor="t">
+            <a:spAutoFit/>
+          </a:bodyPr>
+          <a:lstStyle>
+            <a:defPPr>
+              <a:defRPr lang="fr-FR"/>
+            </a:defPPr>
+            <a:lvl1pPr algn="ctr">
+              <a:lnSpc>
+                <a:spcPct val="120000"/>
+              </a:lnSpc>
+              <a:defRPr sz="2000">
+                <a:solidFill>
+                  <a:schemeClr val="accent1"/>
+                </a:solidFill>
+                <a:latin typeface="Segoe UI Light" panose="020B0502040204020203" pitchFamily="34" charset="0"/>
+                <a:cs typeface="Segoe UI Light" panose="020B0502040204020203" pitchFamily="34" charset="0"/>
+              </a:defRPr>
+            </a:lvl1pPr>
+          </a:lstStyle>
+          <a:p>
+            <a:r>
+              <a:rPr lang="en-US" dirty="0"/>
+              <a:t>100%</a:t>
+            </a:r>
+          </a:p>
+        </p:txBody>
+      </p:sp>
+      <p:cxnSp>
+        <p:nvCxnSpPr>
+          <p:cNvPr id="31" name="Straight Arrow Connector 30"/>
+          <p:cNvCxnSpPr/>
+          <p:nvPr/>
+        </p:nvCxnSpPr>
+        <p:spPr>
+          <a:xfrm>
+            <a:off x="4785360" y="5303326"/>
+            <a:ext cx="487680" cy="0"/>
+          </a:xfrm>
+          <a:prstGeom prst="straightConnector1">
+            <a:avLst/>
+          </a:prstGeom>
+          <a:ln>
+            <a:solidFill>
+              <a:schemeClr val="tx1"/>
+            </a:solidFill>
+            <a:headEnd type="triangle"/>
+            <a:tailEnd type="triangle"/>
+          </a:ln>
+        </p:spPr>
+        <p:style>
+          <a:lnRef idx="1">
+            <a:schemeClr val="accent1"/>
+          </a:lnRef>
+          <a:fillRef idx="0">
+            <a:schemeClr val="accent1"/>
+          </a:fillRef>
+          <a:effectRef idx="0">
+            <a:schemeClr val="accent1"/>
+          </a:effectRef>
+          <a:fontRef idx="minor">
+            <a:schemeClr val="tx1"/>
+          </a:fontRef>
+        </p:style>
+      </p:cxnSp>
+      <p:sp>
+        <p:nvSpPr>
+          <p:cNvPr id="32" name="TextBox 31"/>
+          <p:cNvSpPr txBox="1"/>
+          <p:nvPr/>
+        </p:nvSpPr>
+        <p:spPr>
+          <a:xfrm>
+            <a:off x="4775200" y="5793342"/>
+            <a:ext cx="1551066" cy="427425"/>
+          </a:xfrm>
+          <a:prstGeom prst="rect">
+            <a:avLst/>
+          </a:prstGeom>
+          <a:noFill/>
+        </p:spPr>
+        <p:txBody>
+          <a:bodyPr wrap="none" lIns="0" rtlCol="0" anchor="t">
+            <a:spAutoFit/>
+          </a:bodyPr>
+          <a:lstStyle/>
+          <a:p>
+            <a:pPr algn="l">
+              <a:lnSpc>
+                <a:spcPct val="120000"/>
+              </a:lnSpc>
+            </a:pPr>
+            <a:r>
+              <a:rPr lang="en-US" sz="2000" dirty="0" smtClean="0">
+                <a:solidFill>
+                  <a:schemeClr val="accent3"/>
+                </a:solidFill>
+                <a:latin typeface="Segoe UI Light" panose="020B0502040204020203" pitchFamily="34" charset="0"/>
+                <a:cs typeface="Segoe UI Light" panose="020B0502040204020203" pitchFamily="34" charset="0"/>
+              </a:rPr>
+              <a:t>SIMPLIFIED </a:t>
+            </a:r>
+            <a:r>
+              <a:rPr lang="en-US" sz="2000" dirty="0" err="1" smtClean="0">
+                <a:solidFill>
+                  <a:schemeClr val="accent3"/>
+                </a:solidFill>
+                <a:latin typeface="Segoe UI Light" panose="020B0502040204020203" pitchFamily="34" charset="0"/>
+                <a:cs typeface="Segoe UI Light" panose="020B0502040204020203" pitchFamily="34" charset="0"/>
+              </a:rPr>
+              <a:t>ld</a:t>
+            </a:r>
+            <a:endParaRPr lang="en-US" sz="2000" dirty="0" smtClean="0">
+              <a:solidFill>
+                <a:schemeClr val="accent3"/>
+              </a:solidFill>
+              <a:latin typeface="Segoe UI Light" panose="020B0502040204020203" pitchFamily="34" charset="0"/>
+              <a:cs typeface="Segoe UI Light" panose="020B0502040204020203" pitchFamily="34" charset="0"/>
+            </a:endParaRPr>
+          </a:p>
+        </p:txBody>
+      </p:sp>
+      <p:cxnSp>
+        <p:nvCxnSpPr>
+          <p:cNvPr id="33" name="Straight Connector 32"/>
+          <p:cNvCxnSpPr/>
+          <p:nvPr/>
+        </p:nvCxnSpPr>
+        <p:spPr>
+          <a:xfrm>
+            <a:off x="5283452" y="5099382"/>
+            <a:ext cx="0" cy="660656"/>
+          </a:xfrm>
+          <a:prstGeom prst="line">
+            <a:avLst/>
+          </a:prstGeom>
+          <a:ln>
+            <a:solidFill>
+              <a:schemeClr val="tx1"/>
+            </a:solidFill>
+          </a:ln>
+        </p:spPr>
+        <p:style>
+          <a:lnRef idx="1">
+            <a:schemeClr val="accent1"/>
+          </a:lnRef>
+          <a:fillRef idx="0">
+            <a:schemeClr val="accent1"/>
+          </a:fillRef>
+          <a:effectRef idx="0">
+            <a:schemeClr val="accent1"/>
+          </a:effectRef>
+          <a:fontRef idx="minor">
+            <a:schemeClr val="tx1"/>
+          </a:fontRef>
+        </p:style>
+      </p:cxnSp>
+      <p:cxnSp>
+        <p:nvCxnSpPr>
+          <p:cNvPr id="34" name="Straight Connector 33"/>
+          <p:cNvCxnSpPr/>
+          <p:nvPr/>
+        </p:nvCxnSpPr>
+        <p:spPr>
+          <a:xfrm>
+            <a:off x="4775200" y="5099382"/>
+            <a:ext cx="0" cy="693960"/>
+          </a:xfrm>
+          <a:prstGeom prst="line">
+            <a:avLst/>
+          </a:prstGeom>
+          <a:ln>
+            <a:solidFill>
+              <a:schemeClr val="tx1"/>
+            </a:solidFill>
+          </a:ln>
+        </p:spPr>
+        <p:style>
+          <a:lnRef idx="1">
+            <a:schemeClr val="accent1"/>
+          </a:lnRef>
+          <a:fillRef idx="0">
+            <a:schemeClr val="accent1"/>
+          </a:fillRef>
+          <a:effectRef idx="0">
+            <a:schemeClr val="accent1"/>
+          </a:effectRef>
+          <a:fontRef idx="minor">
+            <a:schemeClr val="tx1"/>
+          </a:fontRef>
+        </p:style>
+      </p:cxnSp>
+      <p:sp>
+        <p:nvSpPr>
+          <p:cNvPr id="37" name="TextBox 36"/>
+          <p:cNvSpPr txBox="1"/>
+          <p:nvPr/>
+        </p:nvSpPr>
+        <p:spPr>
+          <a:xfrm>
+            <a:off x="10201259" y="3470270"/>
+            <a:ext cx="1294585" cy="427425"/>
+          </a:xfrm>
+          <a:prstGeom prst="rect">
+            <a:avLst/>
+          </a:prstGeom>
+          <a:noFill/>
+        </p:spPr>
+        <p:txBody>
+          <a:bodyPr wrap="none" lIns="0" rtlCol="0" anchor="t">
+            <a:spAutoFit/>
+          </a:bodyPr>
+          <a:lstStyle/>
+          <a:p>
+            <a:pPr algn="l">
+              <a:lnSpc>
+                <a:spcPct val="120000"/>
+              </a:lnSpc>
+            </a:pPr>
+            <a:r>
+              <a:rPr lang="en-US" sz="2000" dirty="0" smtClean="0">
+                <a:solidFill>
+                  <a:schemeClr val="accent3"/>
+                </a:solidFill>
+                <a:latin typeface="Segoe UI Light" panose="020B0502040204020203" pitchFamily="34" charset="0"/>
+                <a:cs typeface="Segoe UI Light" panose="020B0502040204020203" pitchFamily="34" charset="0"/>
+              </a:rPr>
+              <a:t>EXPLICIT </a:t>
+            </a:r>
+            <a:r>
+              <a:rPr lang="en-US" sz="2000" dirty="0" err="1" smtClean="0">
+                <a:solidFill>
+                  <a:schemeClr val="accent3"/>
+                </a:solidFill>
+                <a:latin typeface="Segoe UI Light" panose="020B0502040204020203" pitchFamily="34" charset="0"/>
+                <a:cs typeface="Segoe UI Light" panose="020B0502040204020203" pitchFamily="34" charset="0"/>
+              </a:rPr>
+              <a:t>ld</a:t>
+            </a:r>
+            <a:endParaRPr lang="en-US" sz="2000" dirty="0" smtClean="0">
+              <a:solidFill>
+                <a:schemeClr val="accent3"/>
+              </a:solidFill>
+              <a:latin typeface="Segoe UI Light" panose="020B0502040204020203" pitchFamily="34" charset="0"/>
+              <a:cs typeface="Segoe UI Light" panose="020B0502040204020203" pitchFamily="34" charset="0"/>
+            </a:endParaRPr>
+          </a:p>
+        </p:txBody>
+      </p:sp>
+      <p:sp>
+        <p:nvSpPr>
+          <p:cNvPr id="38" name="TextBox 37"/>
+          <p:cNvSpPr txBox="1"/>
+          <p:nvPr/>
+        </p:nvSpPr>
+        <p:spPr>
+          <a:xfrm>
+            <a:off x="8352427" y="4748173"/>
+            <a:ext cx="1853713" cy="427425"/>
+          </a:xfrm>
+          <a:prstGeom prst="rect">
+            <a:avLst/>
+          </a:prstGeom>
+          <a:noFill/>
+        </p:spPr>
+        <p:txBody>
+          <a:bodyPr wrap="none" lIns="0" rtlCol="0" anchor="t">
+            <a:spAutoFit/>
+          </a:bodyPr>
+          <a:lstStyle/>
+          <a:p>
+            <a:pPr algn="l">
+              <a:lnSpc>
+                <a:spcPct val="120000"/>
+              </a:lnSpc>
+            </a:pPr>
+            <a:r>
+              <a:rPr lang="en-US" sz="2000" dirty="0" smtClean="0">
+                <a:solidFill>
+                  <a:schemeClr val="accent2"/>
+                </a:solidFill>
+                <a:latin typeface="Segoe UI Light" panose="020B0502040204020203" pitchFamily="34" charset="0"/>
+                <a:cs typeface="Segoe UI Light" panose="020B0502040204020203" pitchFamily="34" charset="0"/>
+              </a:rPr>
+              <a:t>ETABS DEMAND</a:t>
+            </a:r>
+            <a:endParaRPr lang="en-US" sz="2000" dirty="0" smtClean="0">
+              <a:solidFill>
+                <a:schemeClr val="accent2"/>
+              </a:solidFill>
+              <a:latin typeface="Segoe UI Light" panose="020B0502040204020203" pitchFamily="34" charset="0"/>
+              <a:cs typeface="Segoe UI Light" panose="020B0502040204020203" pitchFamily="34" charset="0"/>
+            </a:endParaRPr>
+          </a:p>
+        </p:txBody>
+      </p:sp>
+      <p:sp>
+        <p:nvSpPr>
+          <p:cNvPr id="39" name="TextBox 38"/>
+          <p:cNvSpPr txBox="1"/>
+          <p:nvPr/>
+        </p:nvSpPr>
+        <p:spPr>
+          <a:xfrm>
+            <a:off x="8452740" y="2927370"/>
+            <a:ext cx="1474121" cy="427425"/>
+          </a:xfrm>
+          <a:prstGeom prst="rect">
+            <a:avLst/>
+          </a:prstGeom>
+          <a:noFill/>
+        </p:spPr>
+        <p:txBody>
+          <a:bodyPr wrap="none" lIns="0" rtlCol="0" anchor="t">
+            <a:spAutoFit/>
+          </a:bodyPr>
+          <a:lstStyle/>
+          <a:p>
+            <a:pPr algn="l">
+              <a:lnSpc>
+                <a:spcPct val="120000"/>
+              </a:lnSpc>
+            </a:pPr>
+            <a:r>
+              <a:rPr lang="en-US" sz="2000" dirty="0" smtClean="0">
+                <a:solidFill>
+                  <a:schemeClr val="accent1"/>
+                </a:solidFill>
+                <a:latin typeface="Segoe UI Light" panose="020B0502040204020203" pitchFamily="34" charset="0"/>
+                <a:cs typeface="Segoe UI Light" panose="020B0502040204020203" pitchFamily="34" charset="0"/>
+              </a:rPr>
+              <a:t>REBAR USED</a:t>
+            </a:r>
+            <a:endParaRPr lang="en-US" sz="2000" dirty="0" smtClean="0">
+              <a:solidFill>
+                <a:schemeClr val="accent1"/>
+              </a:solidFill>
+              <a:latin typeface="Segoe UI Light" panose="020B0502040204020203" pitchFamily="34" charset="0"/>
+              <a:cs typeface="Segoe UI Light" panose="020B0502040204020203" pitchFamily="34" charset="0"/>
+            </a:endParaRPr>
+          </a:p>
+        </p:txBody>
+      </p:sp>
+      <p:sp>
+        <p:nvSpPr>
+          <p:cNvPr id="40" name="TextBox 39"/>
+          <p:cNvSpPr txBox="1"/>
+          <p:nvPr/>
+        </p:nvSpPr>
+        <p:spPr>
+          <a:xfrm>
+            <a:off x="8911999" y="3298914"/>
+            <a:ext cx="555601" cy="461665"/>
+          </a:xfrm>
+          <a:prstGeom prst="rect">
+            <a:avLst/>
+          </a:prstGeom>
+          <a:solidFill>
+            <a:srgbClr val="F7F7F7">
+              <a:alpha val="69804"/>
+            </a:srgbClr>
+          </a:solidFill>
+        </p:spPr>
+        <p:txBody>
+          <a:bodyPr wrap="none" lIns="0" rtlCol="0" anchor="t">
+            <a:spAutoFit/>
+          </a:bodyPr>
+          <a:lstStyle>
+            <a:defPPr>
+              <a:defRPr lang="fr-FR"/>
+            </a:defPPr>
+            <a:lvl1pPr algn="ctr">
+              <a:lnSpc>
+                <a:spcPct val="120000"/>
+              </a:lnSpc>
+              <a:defRPr sz="2000">
+                <a:solidFill>
+                  <a:schemeClr val="accent1"/>
+                </a:solidFill>
+                <a:latin typeface="Segoe UI Light" panose="020B0502040204020203" pitchFamily="34" charset="0"/>
+                <a:cs typeface="Segoe UI Light" panose="020B0502040204020203" pitchFamily="34" charset="0"/>
+              </a:defRPr>
+            </a:lvl1pPr>
+          </a:lstStyle>
+          <a:p>
+            <a:r>
+              <a:rPr lang="en-US" dirty="0"/>
+              <a:t>8</a:t>
+            </a:r>
+            <a:r>
+              <a:rPr lang="en-US" dirty="0" smtClean="0"/>
+              <a:t>0</a:t>
+            </a:r>
+            <a:r>
+              <a:rPr lang="en-US" dirty="0"/>
+              <a:t>%</a:t>
+            </a:r>
+          </a:p>
+        </p:txBody>
+      </p:sp>
+      <p:sp>
+        <p:nvSpPr>
+          <p:cNvPr id="41" name="TextBox 40"/>
+          <p:cNvSpPr txBox="1"/>
+          <p:nvPr/>
+        </p:nvSpPr>
+        <p:spPr>
+          <a:xfrm>
+            <a:off x="6872579" y="3479405"/>
+            <a:ext cx="1853713" cy="427425"/>
+          </a:xfrm>
+          <a:prstGeom prst="rect">
+            <a:avLst/>
+          </a:prstGeom>
+          <a:noFill/>
+        </p:spPr>
+        <p:txBody>
+          <a:bodyPr wrap="none" lIns="0" rtlCol="0" anchor="t">
+            <a:spAutoFit/>
+          </a:bodyPr>
+          <a:lstStyle/>
+          <a:p>
+            <a:pPr algn="l">
+              <a:lnSpc>
+                <a:spcPct val="120000"/>
+              </a:lnSpc>
+            </a:pPr>
+            <a:r>
+              <a:rPr lang="en-US" sz="2000" dirty="0" smtClean="0">
+                <a:solidFill>
+                  <a:schemeClr val="accent2"/>
+                </a:solidFill>
+                <a:latin typeface="Segoe UI Light" panose="020B0502040204020203" pitchFamily="34" charset="0"/>
+                <a:cs typeface="Segoe UI Light" panose="020B0502040204020203" pitchFamily="34" charset="0"/>
+              </a:rPr>
+              <a:t>ETABS DEMAND</a:t>
+            </a:r>
+            <a:endParaRPr lang="en-US" sz="2000" dirty="0" smtClean="0">
+              <a:solidFill>
+                <a:schemeClr val="accent2"/>
+              </a:solidFill>
+              <a:latin typeface="Segoe UI Light" panose="020B0502040204020203" pitchFamily="34" charset="0"/>
+              <a:cs typeface="Segoe UI Light" panose="020B0502040204020203" pitchFamily="34" charset="0"/>
+            </a:endParaRPr>
+          </a:p>
+        </p:txBody>
+      </p:sp>
+      <p:sp>
+        <p:nvSpPr>
+          <p:cNvPr id="42" name="TextBox 41"/>
+          <p:cNvSpPr txBox="1"/>
+          <p:nvPr/>
+        </p:nvSpPr>
+        <p:spPr>
+          <a:xfrm>
+            <a:off x="7126779" y="5789904"/>
+            <a:ext cx="1474121" cy="427425"/>
+          </a:xfrm>
+          <a:prstGeom prst="rect">
+            <a:avLst/>
+          </a:prstGeom>
+          <a:noFill/>
+        </p:spPr>
+        <p:txBody>
+          <a:bodyPr wrap="none" lIns="0" rtlCol="0" anchor="t">
+            <a:spAutoFit/>
+          </a:bodyPr>
+          <a:lstStyle/>
+          <a:p>
+            <a:pPr algn="l">
+              <a:lnSpc>
+                <a:spcPct val="120000"/>
+              </a:lnSpc>
+            </a:pPr>
+            <a:r>
+              <a:rPr lang="en-US" sz="2000" dirty="0" smtClean="0">
+                <a:solidFill>
+                  <a:schemeClr val="accent1"/>
+                </a:solidFill>
+                <a:latin typeface="Segoe UI Light" panose="020B0502040204020203" pitchFamily="34" charset="0"/>
+                <a:cs typeface="Segoe UI Light" panose="020B0502040204020203" pitchFamily="34" charset="0"/>
+              </a:rPr>
+              <a:t>REBAR USED</a:t>
+            </a:r>
+            <a:endParaRPr lang="en-US" sz="2000" dirty="0" smtClean="0">
+              <a:solidFill>
+                <a:schemeClr val="accent1"/>
+              </a:solidFill>
+              <a:latin typeface="Segoe UI Light" panose="020B0502040204020203" pitchFamily="34" charset="0"/>
+              <a:cs typeface="Segoe UI Light" panose="020B0502040204020203" pitchFamily="34" charset="0"/>
+            </a:endParaRPr>
+          </a:p>
+        </p:txBody>
+      </p:sp>
+      <p:sp>
+        <p:nvSpPr>
+          <p:cNvPr id="43" name="TextBox 42"/>
+          <p:cNvSpPr txBox="1"/>
+          <p:nvPr/>
+        </p:nvSpPr>
+        <p:spPr>
+          <a:xfrm>
+            <a:off x="9021519" y="5215997"/>
+            <a:ext cx="515527" cy="427425"/>
+          </a:xfrm>
+          <a:prstGeom prst="rect">
+            <a:avLst/>
+          </a:prstGeom>
+          <a:solidFill>
+            <a:srgbClr val="F7F7F7">
+              <a:alpha val="69804"/>
+            </a:srgbClr>
+          </a:solidFill>
+        </p:spPr>
+        <p:txBody>
+          <a:bodyPr wrap="none" lIns="0" rtlCol="0" anchor="t">
+            <a:spAutoFit/>
+          </a:bodyPr>
+          <a:lstStyle>
+            <a:defPPr>
+              <a:defRPr lang="fr-FR"/>
+            </a:defPPr>
+            <a:lvl1pPr algn="ctr">
+              <a:lnSpc>
+                <a:spcPct val="120000"/>
+              </a:lnSpc>
+              <a:defRPr sz="2000">
+                <a:solidFill>
+                  <a:schemeClr val="accent1"/>
+                </a:solidFill>
+                <a:latin typeface="Segoe UI Light" panose="020B0502040204020203" pitchFamily="34" charset="0"/>
+                <a:cs typeface="Segoe UI Light" panose="020B0502040204020203" pitchFamily="34" charset="0"/>
+              </a:defRPr>
+            </a:lvl1pPr>
+          </a:lstStyle>
+          <a:p>
+            <a:r>
+              <a:rPr lang="en-US" dirty="0" smtClean="0"/>
+              <a:t>91%</a:t>
+            </a:r>
+            <a:endParaRPr lang="en-US" dirty="0"/>
+          </a:p>
+        </p:txBody>
+      </p:sp>
+      <p:sp>
+        <p:nvSpPr>
+          <p:cNvPr id="45" name="TextBox 44"/>
+          <p:cNvSpPr txBox="1"/>
+          <p:nvPr/>
+        </p:nvSpPr>
+        <p:spPr>
+          <a:xfrm>
+            <a:off x="10530389" y="5820983"/>
+            <a:ext cx="1294585" cy="427425"/>
+          </a:xfrm>
+          <a:prstGeom prst="rect">
+            <a:avLst/>
+          </a:prstGeom>
+          <a:noFill/>
+        </p:spPr>
+        <p:txBody>
+          <a:bodyPr wrap="none" lIns="0" rtlCol="0" anchor="t">
+            <a:spAutoFit/>
+          </a:bodyPr>
+          <a:lstStyle/>
+          <a:p>
+            <a:pPr algn="l">
+              <a:lnSpc>
+                <a:spcPct val="120000"/>
+              </a:lnSpc>
+            </a:pPr>
+            <a:r>
+              <a:rPr lang="en-US" sz="2000" dirty="0" smtClean="0">
+                <a:solidFill>
+                  <a:schemeClr val="accent3"/>
+                </a:solidFill>
+                <a:latin typeface="Segoe UI Light" panose="020B0502040204020203" pitchFamily="34" charset="0"/>
+                <a:cs typeface="Segoe UI Light" panose="020B0502040204020203" pitchFamily="34" charset="0"/>
+              </a:rPr>
+              <a:t>EXPLICIT </a:t>
+            </a:r>
+            <a:r>
+              <a:rPr lang="en-US" sz="2000" dirty="0" err="1" smtClean="0">
+                <a:solidFill>
+                  <a:schemeClr val="accent3"/>
+                </a:solidFill>
+                <a:latin typeface="Segoe UI Light" panose="020B0502040204020203" pitchFamily="34" charset="0"/>
+                <a:cs typeface="Segoe UI Light" panose="020B0502040204020203" pitchFamily="34" charset="0"/>
+              </a:rPr>
+              <a:t>ld</a:t>
+            </a:r>
+            <a:endParaRPr lang="en-US" sz="2000" dirty="0" smtClean="0">
+              <a:solidFill>
+                <a:schemeClr val="accent3"/>
+              </a:solidFill>
+              <a:latin typeface="Segoe UI Light" panose="020B0502040204020203" pitchFamily="34" charset="0"/>
+              <a:cs typeface="Segoe UI Light" panose="020B0502040204020203" pitchFamily="34" charset="0"/>
+            </a:endParaRPr>
+          </a:p>
+        </p:txBody>
+      </p:sp>
+    </p:spTree>
+    <p:extLst>
+      <p:ext uri="{BB962C8B-B14F-4D97-AF65-F5344CB8AC3E}">
+        <p14:creationId xmlns:p14="http://schemas.microsoft.com/office/powerpoint/2010/main" val="2648557272"/>
+      </p:ext>
+    </p:extLst>
+  </p:cSld>
+  <p:clrMapOvr>
+    <a:masterClrMapping/>
+  </p:clrMapOvr>
+  <mc:AlternateContent xmlns:mc="http://schemas.openxmlformats.org/markup-compatibility/2006" xmlns:p14="http://schemas.microsoft.com/office/powerpoint/2010/main">
+    <mc:Choice Requires="p14">
+      <p:transition spd="med" p14:dur="700">
+        <p:fade/>
+      </p:transition>
+    </mc:Choice>
+    <mc:Fallback xmlns="">
+      <p:transition spd="med">
+        <p:fade/>
+      </p:transition>
+    </mc:Fallback>
+  </mc:AlternateContent>
+  <p:timing>
+    <p:tnLst>
+      <p:par>
+        <p:cTn id="1" dur="indefinite" restart="never" nodeType="tmRoot"/>
+      </p:par>
+    </p:tnLst>
+  </p:timing>
+</p:sld>
+</file>
+
+<file path=ppt/slides/slide14.xml><?xml version="1.0" encoding="utf-8"?>
+<p:sld xmlns:a="http://schemas.openxmlformats.org/drawingml/2006/main" xmlns:r="http://schemas.openxmlformats.org/officeDocument/2006/relationships" xmlns:p="http://schemas.openxmlformats.org/presentationml/2006/main">
+  <p:cSld>
+    <p:spTree>
+      <p:nvGrpSpPr>
+        <p:cNvPr id="1" name=""/>
+        <p:cNvGrpSpPr/>
+        <p:nvPr/>
+      </p:nvGrpSpPr>
+      <p:grpSpPr>
+        <a:xfrm>
+          <a:off x="0" y="0"/>
+          <a:ext cx="0" cy="0"/>
+          <a:chOff x="0" y="0"/>
+          <a:chExt cx="0" cy="0"/>
+        </a:xfrm>
+      </p:grpSpPr>
+      <p:sp>
+        <p:nvSpPr>
           <p:cNvPr id="9" name="文字版面配置區 8"/>
           <p:cNvSpPr>
             <a:spLocks noGrp="1"/>
@@ -25851,7 +27474,7 @@
           <a:p>
             <a:fld id="{6F0746BA-D1AA-4FF4-8D48-BDBC7FF48778}" type="slidenum">
               <a:rPr lang="fr-FR" smtClean="0"/>
-              <a:t>13</a:t>
+              <a:t>14</a:t>
             </a:fld>
             <a:endParaRPr lang="fr-FR"/>
           </a:p>
@@ -26114,7 +27737,7 @@
 </p:sld>
 </file>
 
-<file path=ppt/slides/slide14.xml><?xml version="1.0" encoding="utf-8"?>
+<file path=ppt/slides/slide15.xml><?xml version="1.0" encoding="utf-8"?>
 <p:sld xmlns:a="http://schemas.openxmlformats.org/drawingml/2006/main" xmlns:r="http://schemas.openxmlformats.org/officeDocument/2006/relationships" xmlns:p="http://schemas.openxmlformats.org/presentationml/2006/main">
   <p:cSld>
     <p:spTree>
@@ -26171,7 +27794,7 @@
           <a:p>
             <a:fld id="{6F0746BA-D1AA-4FF4-8D48-BDBC7FF48778}" type="slidenum">
               <a:rPr lang="fr-FR" smtClean="0"/>
-              <a:t>14</a:t>
+              <a:t>15</a:t>
             </a:fld>
             <a:endParaRPr lang="fr-FR"/>
           </a:p>
@@ -26516,7 +28139,7 @@
 </p:sld>
 </file>
 
-<file path=ppt/slides/slide15.xml><?xml version="1.0" encoding="utf-8"?>
+<file path=ppt/slides/slide16.xml><?xml version="1.0" encoding="utf-8"?>
 <p:sld xmlns:a="http://schemas.openxmlformats.org/drawingml/2006/main" xmlns:r="http://schemas.openxmlformats.org/officeDocument/2006/relationships" xmlns:p="http://schemas.openxmlformats.org/presentationml/2006/main">
   <p:cSld>
     <p:spTree>
@@ -26606,7 +28229,7 @@
           <a:p>
             <a:fld id="{6F0746BA-D1AA-4FF4-8D48-BDBC7FF48778}" type="slidenum">
               <a:rPr lang="fr-FR" smtClean="0"/>
-              <a:t>15</a:t>
+              <a:t>16</a:t>
             </a:fld>
             <a:endParaRPr lang="fr-FR"/>
           </a:p>
@@ -26877,426 +28500,6 @@
     <p:extLst>
       <p:ext uri="{BB962C8B-B14F-4D97-AF65-F5344CB8AC3E}">
         <p14:creationId xmlns:p14="http://schemas.microsoft.com/office/powerpoint/2010/main" val="1931657066"/>
-      </p:ext>
-    </p:extLst>
-  </p:cSld>
-  <p:clrMapOvr>
-    <a:masterClrMapping/>
-  </p:clrMapOvr>
-  <mc:AlternateContent xmlns:mc="http://schemas.openxmlformats.org/markup-compatibility/2006" xmlns:p14="http://schemas.microsoft.com/office/powerpoint/2010/main">
-    <mc:Choice Requires="p14">
-      <p:transition spd="med" p14:dur="700">
-        <p:fade/>
-      </p:transition>
-    </mc:Choice>
-    <mc:Fallback xmlns="">
-      <p:transition spd="med">
-        <p:fade/>
-      </p:transition>
-    </mc:Fallback>
-  </mc:AlternateContent>
-</p:sld>
-</file>
-
-<file path=ppt/slides/slide16.xml><?xml version="1.0" encoding="utf-8"?>
-<p:sld xmlns:a="http://schemas.openxmlformats.org/drawingml/2006/main" xmlns:r="http://schemas.openxmlformats.org/officeDocument/2006/relationships" xmlns:p="http://schemas.openxmlformats.org/presentationml/2006/main">
-  <p:cSld>
-    <p:spTree>
-      <p:nvGrpSpPr>
-        <p:cNvPr id="1" name=""/>
-        <p:cNvGrpSpPr/>
-        <p:nvPr/>
-      </p:nvGrpSpPr>
-      <p:grpSpPr>
-        <a:xfrm>
-          <a:off x="0" y="0"/>
-          <a:ext cx="0" cy="0"/>
-          <a:chOff x="0" y="0"/>
-          <a:chExt cx="0" cy="0"/>
-        </a:xfrm>
-      </p:grpSpPr>
-      <p:pic>
-        <p:nvPicPr>
-          <p:cNvPr id="7" name="圖片 6"/>
-          <p:cNvPicPr>
-            <a:picLocks noChangeAspect="1"/>
-          </p:cNvPicPr>
-          <p:nvPr/>
-        </p:nvPicPr>
-        <p:blipFill>
-          <a:blip r:embed="rId3">
-            <a:clrChange>
-              <a:clrFrom>
-                <a:srgbClr val="FFFFFF"/>
-              </a:clrFrom>
-              <a:clrTo>
-                <a:srgbClr val="FFFFFF">
-                  <a:alpha val="0"/>
-                </a:srgbClr>
-              </a:clrTo>
-            </a:clrChange>
-          </a:blip>
-          <a:stretch>
-            <a:fillRect/>
-          </a:stretch>
-        </p:blipFill>
-        <p:spPr>
-          <a:xfrm>
-            <a:off x="1060708" y="2001837"/>
-            <a:ext cx="3765292" cy="4494751"/>
-          </a:xfrm>
-          <a:prstGeom prst="rect">
-            <a:avLst/>
-          </a:prstGeom>
-        </p:spPr>
-      </p:pic>
-      <p:sp>
-        <p:nvSpPr>
-          <p:cNvPr id="5" name="文字版面配置區 4"/>
-          <p:cNvSpPr>
-            <a:spLocks noGrp="1"/>
-          </p:cNvSpPr>
-          <p:nvPr>
-            <p:ph type="body" sz="quarter" idx="10"/>
-          </p:nvPr>
-        </p:nvSpPr>
-        <p:spPr>
-          <a:xfrm>
-            <a:off x="839788" y="660400"/>
-            <a:ext cx="9752012" cy="1311128"/>
-          </a:xfrm>
-        </p:spPr>
-        <p:txBody>
-          <a:bodyPr/>
-          <a:lstStyle/>
-          <a:p>
-            <a:r>
-              <a:rPr lang="en-US" altLang="zh-TW" dirty="0" smtClean="0"/>
-              <a:t>NONLINEAR</a:t>
-            </a:r>
-            <a:r>
-              <a:rPr lang="zh-TW" altLang="en-US" dirty="0" smtClean="0"/>
-              <a:t> </a:t>
-            </a:r>
-            <a:r>
-              <a:rPr lang="en-US" altLang="zh-TW" dirty="0"/>
-              <a:t>VERIFICATION</a:t>
-            </a:r>
-          </a:p>
-        </p:txBody>
-      </p:sp>
-      <p:sp>
-        <p:nvSpPr>
-          <p:cNvPr id="2" name="Slide Number Placeholder 1"/>
-          <p:cNvSpPr>
-            <a:spLocks noGrp="1"/>
-          </p:cNvSpPr>
-          <p:nvPr>
-            <p:ph type="sldNum" sz="quarter" idx="4"/>
-          </p:nvPr>
-        </p:nvSpPr>
-        <p:spPr/>
-        <p:txBody>
-          <a:bodyPr/>
-          <a:lstStyle/>
-          <a:p>
-            <a:fld id="{6F0746BA-D1AA-4FF4-8D48-BDBC7FF48778}" type="slidenum">
-              <a:rPr lang="fr-FR" smtClean="0"/>
-              <a:t>16</a:t>
-            </a:fld>
-            <a:endParaRPr lang="fr-FR"/>
-          </a:p>
-        </p:txBody>
-      </p:sp>
-      <p:sp>
-        <p:nvSpPr>
-          <p:cNvPr id="6" name="文字方塊 5"/>
-          <p:cNvSpPr txBox="1"/>
-          <p:nvPr/>
-        </p:nvSpPr>
-        <p:spPr>
-          <a:xfrm>
-            <a:off x="5384800" y="2006600"/>
-            <a:ext cx="3108030" cy="3194721"/>
-          </a:xfrm>
-          <a:prstGeom prst="rect">
-            <a:avLst/>
-          </a:prstGeom>
-          <a:noFill/>
-        </p:spPr>
-        <p:txBody>
-          <a:bodyPr wrap="none" lIns="0" rtlCol="0" anchor="t">
-            <a:spAutoFit/>
-          </a:bodyPr>
-          <a:lstStyle/>
-          <a:p>
-            <a:pPr algn="l">
-              <a:lnSpc>
-                <a:spcPct val="120000"/>
-              </a:lnSpc>
-            </a:pPr>
-            <a:r>
-              <a:rPr lang="en-US" altLang="zh-TW" sz="2800" dirty="0" smtClean="0">
-                <a:latin typeface="Segoe UI Light" panose="020B0502040204020203" pitchFamily="34" charset="0"/>
-                <a:cs typeface="Segoe UI Light" panose="020B0502040204020203" pitchFamily="34" charset="0"/>
-              </a:rPr>
-              <a:t>3</a:t>
-            </a:r>
-            <a:r>
-              <a:rPr lang="zh-TW" altLang="en-US" sz="2800" dirty="0" smtClean="0">
-                <a:latin typeface="Segoe UI Light" panose="020B0502040204020203" pitchFamily="34" charset="0"/>
-                <a:cs typeface="Segoe UI Light" panose="020B0502040204020203" pitchFamily="34" charset="0"/>
-              </a:rPr>
-              <a:t> </a:t>
-            </a:r>
-            <a:r>
-              <a:rPr lang="en-US" altLang="zh-TW" sz="2800" dirty="0" smtClean="0">
-                <a:latin typeface="Segoe UI Light" panose="020B0502040204020203" pitchFamily="34" charset="0"/>
-                <a:cs typeface="Segoe UI Light" panose="020B0502040204020203" pitchFamily="34" charset="0"/>
-              </a:rPr>
-              <a:t>STORYS,</a:t>
-            </a:r>
-            <a:r>
-              <a:rPr lang="zh-TW" altLang="en-US" sz="2800" dirty="0" smtClean="0">
-                <a:latin typeface="Segoe UI Light" panose="020B0502040204020203" pitchFamily="34" charset="0"/>
-                <a:cs typeface="Segoe UI Light" panose="020B0502040204020203" pitchFamily="34" charset="0"/>
-              </a:rPr>
-              <a:t> </a:t>
-            </a:r>
-            <a:r>
-              <a:rPr lang="en-US" altLang="zh-TW" sz="2800" dirty="0" smtClean="0">
-                <a:latin typeface="Segoe UI Light" panose="020B0502040204020203" pitchFamily="34" charset="0"/>
-                <a:cs typeface="Segoe UI Light" panose="020B0502040204020203" pitchFamily="34" charset="0"/>
-              </a:rPr>
-              <a:t>ONE</a:t>
-            </a:r>
-            <a:r>
-              <a:rPr lang="zh-TW" altLang="en-US" sz="2800" dirty="0" smtClean="0">
-                <a:latin typeface="Segoe UI Light" panose="020B0502040204020203" pitchFamily="34" charset="0"/>
-                <a:cs typeface="Segoe UI Light" panose="020B0502040204020203" pitchFamily="34" charset="0"/>
-              </a:rPr>
-              <a:t> </a:t>
-            </a:r>
-            <a:r>
-              <a:rPr lang="en-US" altLang="zh-TW" sz="2800" dirty="0" smtClean="0">
-                <a:latin typeface="Segoe UI Light" panose="020B0502040204020203" pitchFamily="34" charset="0"/>
-                <a:cs typeface="Segoe UI Light" panose="020B0502040204020203" pitchFamily="34" charset="0"/>
-              </a:rPr>
-              <a:t>BAY</a:t>
-            </a:r>
-          </a:p>
-          <a:p>
-            <a:pPr algn="l">
-              <a:lnSpc>
-                <a:spcPct val="120000"/>
-              </a:lnSpc>
-            </a:pPr>
-            <a:r>
-              <a:rPr lang="en-US" altLang="zh-TW" sz="2800" dirty="0" smtClean="0">
-                <a:latin typeface="Segoe UI Light" panose="020B0502040204020203" pitchFamily="34" charset="0"/>
-                <a:cs typeface="Segoe UI Light" panose="020B0502040204020203" pitchFamily="34" charset="0"/>
-              </a:rPr>
-              <a:t>HEIGHT:</a:t>
-            </a:r>
-            <a:r>
-              <a:rPr lang="zh-TW" altLang="en-US" sz="2800" dirty="0" smtClean="0">
-                <a:latin typeface="Segoe UI Light" panose="020B0502040204020203" pitchFamily="34" charset="0"/>
-                <a:cs typeface="Segoe UI Light" panose="020B0502040204020203" pitchFamily="34" charset="0"/>
-              </a:rPr>
-              <a:t> </a:t>
-            </a:r>
-            <a:r>
-              <a:rPr lang="en-US" altLang="zh-TW" sz="2800" dirty="0" smtClean="0">
-                <a:latin typeface="Segoe UI Light" panose="020B0502040204020203" pitchFamily="34" charset="0"/>
-                <a:cs typeface="Segoe UI Light" panose="020B0502040204020203" pitchFamily="34" charset="0"/>
-              </a:rPr>
-              <a:t>9m</a:t>
-            </a:r>
-          </a:p>
-          <a:p>
-            <a:pPr algn="l">
-              <a:lnSpc>
-                <a:spcPct val="120000"/>
-              </a:lnSpc>
-            </a:pPr>
-            <a:r>
-              <a:rPr lang="en-US" altLang="zh-TW" sz="2800" dirty="0" smtClean="0">
-                <a:latin typeface="Segoe UI Light" panose="020B0502040204020203" pitchFamily="34" charset="0"/>
-                <a:cs typeface="Segoe UI Light" panose="020B0502040204020203" pitchFamily="34" charset="0"/>
-              </a:rPr>
-              <a:t>BEAM: 60x80cm</a:t>
-            </a:r>
-          </a:p>
-          <a:p>
-            <a:pPr algn="l">
-              <a:lnSpc>
-                <a:spcPct val="120000"/>
-              </a:lnSpc>
-            </a:pPr>
-            <a:r>
-              <a:rPr lang="en-US" altLang="zh-TW" sz="2800" dirty="0" smtClean="0">
-                <a:latin typeface="Segoe UI Light" panose="020B0502040204020203" pitchFamily="34" charset="0"/>
-                <a:cs typeface="Segoe UI Light" panose="020B0502040204020203" pitchFamily="34" charset="0"/>
-              </a:rPr>
-              <a:t>COLUMN: 60x60cm</a:t>
-            </a:r>
-          </a:p>
-          <a:p>
-            <a:pPr algn="l">
-              <a:lnSpc>
-                <a:spcPct val="120000"/>
-              </a:lnSpc>
-            </a:pPr>
-            <a:r>
-              <a:rPr lang="en-US" altLang="zh-TW" sz="2800" dirty="0" smtClean="0">
-                <a:latin typeface="Segoe UI Light" panose="020B0502040204020203" pitchFamily="34" charset="0"/>
-                <a:cs typeface="Segoe UI Light" panose="020B0502040204020203" pitchFamily="34" charset="0"/>
-              </a:rPr>
-              <a:t>SPAN: 6m</a:t>
-            </a:r>
-          </a:p>
-          <a:p>
-            <a:pPr algn="l">
-              <a:lnSpc>
-                <a:spcPct val="120000"/>
-              </a:lnSpc>
-            </a:pPr>
-            <a:r>
-              <a:rPr lang="zh-TW" altLang="en-US" sz="2800" dirty="0" smtClean="0">
-                <a:latin typeface="Segoe UI Light" panose="020B0502040204020203" pitchFamily="34" charset="0"/>
-                <a:cs typeface="Segoe UI Light" panose="020B0502040204020203" pitchFamily="34" charset="0"/>
-              </a:rPr>
-              <a:t>台北一</a:t>
-            </a:r>
-            <a:r>
-              <a:rPr lang="zh-TW" altLang="en-US" sz="2800" dirty="0">
-                <a:latin typeface="Segoe UI Light" panose="020B0502040204020203" pitchFamily="34" charset="0"/>
-                <a:cs typeface="Segoe UI Light" panose="020B0502040204020203" pitchFamily="34" charset="0"/>
-              </a:rPr>
-              <a:t>區</a:t>
-            </a:r>
-            <a:endParaRPr lang="zh-TW" altLang="en-US" sz="2800" dirty="0" smtClean="0">
-              <a:latin typeface="Segoe UI Light" panose="020B0502040204020203" pitchFamily="34" charset="0"/>
-              <a:cs typeface="Segoe UI Light" panose="020B0502040204020203" pitchFamily="34" charset="0"/>
-            </a:endParaRPr>
-          </a:p>
-        </p:txBody>
-      </p:sp>
-      <p:pic>
-        <p:nvPicPr>
-          <p:cNvPr id="11" name="圖片 10"/>
-          <p:cNvPicPr>
-            <a:picLocks noChangeAspect="1"/>
-          </p:cNvPicPr>
-          <p:nvPr/>
-        </p:nvPicPr>
-        <p:blipFill>
-          <a:blip r:embed="rId4">
-            <a:clrChange>
-              <a:clrFrom>
-                <a:srgbClr val="FFFFFF"/>
-              </a:clrFrom>
-              <a:clrTo>
-                <a:srgbClr val="FFFFFF">
-                  <a:alpha val="0"/>
-                </a:srgbClr>
-              </a:clrTo>
-            </a:clrChange>
-          </a:blip>
-          <a:stretch>
-            <a:fillRect/>
-          </a:stretch>
-        </p:blipFill>
-        <p:spPr>
-          <a:xfrm>
-            <a:off x="9770625" y="2802526"/>
-            <a:ext cx="1393062" cy="2160000"/>
-          </a:xfrm>
-          <a:prstGeom prst="rect">
-            <a:avLst/>
-          </a:prstGeom>
-        </p:spPr>
-      </p:pic>
-      <p:sp>
-        <p:nvSpPr>
-          <p:cNvPr id="12" name="文字方塊 11"/>
-          <p:cNvSpPr txBox="1"/>
-          <p:nvPr/>
-        </p:nvSpPr>
-        <p:spPr>
-          <a:xfrm>
-            <a:off x="9067799" y="2001837"/>
-            <a:ext cx="2798715" cy="561436"/>
-          </a:xfrm>
-          <a:prstGeom prst="rect">
-            <a:avLst/>
-          </a:prstGeom>
-          <a:noFill/>
-        </p:spPr>
-        <p:txBody>
-          <a:bodyPr wrap="none" lIns="0" rtlCol="0" anchor="t">
-            <a:spAutoFit/>
-          </a:bodyPr>
-          <a:lstStyle/>
-          <a:p>
-            <a:pPr>
-              <a:lnSpc>
-                <a:spcPct val="120000"/>
-              </a:lnSpc>
-            </a:pPr>
-            <a:r>
-              <a:rPr lang="en-US" altLang="zh-TW" sz="2800" dirty="0">
-                <a:latin typeface="Segoe UI Light" panose="020B0502040204020203" pitchFamily="34" charset="0"/>
-                <a:cs typeface="Segoe UI Light" panose="020B0502040204020203" pitchFamily="34" charset="0"/>
-              </a:rPr>
-              <a:t>ACTUAL PROJECT</a:t>
-            </a:r>
-            <a:endParaRPr lang="zh-TW" altLang="en-US" sz="2800" dirty="0" smtClean="0">
-              <a:latin typeface="Segoe UI Light" panose="020B0502040204020203" pitchFamily="34" charset="0"/>
-              <a:cs typeface="Segoe UI Light" panose="020B0502040204020203" pitchFamily="34" charset="0"/>
-            </a:endParaRPr>
-          </a:p>
-        </p:txBody>
-      </p:sp>
-      <p:cxnSp>
-        <p:nvCxnSpPr>
-          <p:cNvPr id="14" name="直線接點 13"/>
-          <p:cNvCxnSpPr/>
-          <p:nvPr/>
-        </p:nvCxnSpPr>
-        <p:spPr>
-          <a:xfrm>
-            <a:off x="8610600" y="2001837"/>
-            <a:ext cx="0" cy="4354513"/>
-          </a:xfrm>
-          <a:prstGeom prst="line">
-            <a:avLst/>
-          </a:prstGeom>
-          <a:ln>
-            <a:solidFill>
-              <a:schemeClr val="tx1"/>
-            </a:solidFill>
-          </a:ln>
-        </p:spPr>
-        <p:style>
-          <a:lnRef idx="1">
-            <a:schemeClr val="accent1"/>
-          </a:lnRef>
-          <a:fillRef idx="0">
-            <a:schemeClr val="accent1"/>
-          </a:fillRef>
-          <a:effectRef idx="0">
-            <a:schemeClr val="accent1"/>
-          </a:effectRef>
-          <a:fontRef idx="minor">
-            <a:schemeClr val="tx1"/>
-          </a:fontRef>
-        </p:style>
-      </p:cxnSp>
-    </p:spTree>
-    <p:extLst>
-      <p:ext uri="{BB962C8B-B14F-4D97-AF65-F5344CB8AC3E}">
-        <p14:creationId xmlns:p14="http://schemas.microsoft.com/office/powerpoint/2010/main" val="899690887"/>
       </p:ext>
     </p:extLst>
   </p:cSld>
@@ -27390,7 +28593,7 @@
         <p:spPr>
           <a:xfrm>
             <a:off x="839788" y="660400"/>
-            <a:ext cx="8342312" cy="1311128"/>
+            <a:ext cx="9752012" cy="1311128"/>
           </a:xfrm>
         </p:spPr>
         <p:txBody>
@@ -27430,6 +28633,433 @@
             <a:fld id="{6F0746BA-D1AA-4FF4-8D48-BDBC7FF48778}" type="slidenum">
               <a:rPr lang="fr-FR" smtClean="0"/>
               <a:t>17</a:t>
+            </a:fld>
+            <a:endParaRPr lang="fr-FR"/>
+          </a:p>
+        </p:txBody>
+      </p:sp>
+      <p:sp>
+        <p:nvSpPr>
+          <p:cNvPr id="6" name="文字方塊 5"/>
+          <p:cNvSpPr txBox="1"/>
+          <p:nvPr/>
+        </p:nvSpPr>
+        <p:spPr>
+          <a:xfrm>
+            <a:off x="5384800" y="2006600"/>
+            <a:ext cx="3108030" cy="3194721"/>
+          </a:xfrm>
+          <a:prstGeom prst="rect">
+            <a:avLst/>
+          </a:prstGeom>
+          <a:noFill/>
+        </p:spPr>
+        <p:txBody>
+          <a:bodyPr wrap="none" lIns="0" rtlCol="0" anchor="t">
+            <a:spAutoFit/>
+          </a:bodyPr>
+          <a:lstStyle/>
+          <a:p>
+            <a:pPr algn="l">
+              <a:lnSpc>
+                <a:spcPct val="120000"/>
+              </a:lnSpc>
+            </a:pPr>
+            <a:r>
+              <a:rPr lang="en-US" altLang="zh-TW" sz="2800" dirty="0" smtClean="0">
+                <a:latin typeface="Segoe UI Light" panose="020B0502040204020203" pitchFamily="34" charset="0"/>
+                <a:cs typeface="Segoe UI Light" panose="020B0502040204020203" pitchFamily="34" charset="0"/>
+              </a:rPr>
+              <a:t>3</a:t>
+            </a:r>
+            <a:r>
+              <a:rPr lang="zh-TW" altLang="en-US" sz="2800" dirty="0" smtClean="0">
+                <a:latin typeface="Segoe UI Light" panose="020B0502040204020203" pitchFamily="34" charset="0"/>
+                <a:cs typeface="Segoe UI Light" panose="020B0502040204020203" pitchFamily="34" charset="0"/>
+              </a:rPr>
+              <a:t> </a:t>
+            </a:r>
+            <a:r>
+              <a:rPr lang="en-US" altLang="zh-TW" sz="2800" dirty="0" smtClean="0">
+                <a:latin typeface="Segoe UI Light" panose="020B0502040204020203" pitchFamily="34" charset="0"/>
+                <a:cs typeface="Segoe UI Light" panose="020B0502040204020203" pitchFamily="34" charset="0"/>
+              </a:rPr>
+              <a:t>STORYS,</a:t>
+            </a:r>
+            <a:r>
+              <a:rPr lang="zh-TW" altLang="en-US" sz="2800" dirty="0" smtClean="0">
+                <a:latin typeface="Segoe UI Light" panose="020B0502040204020203" pitchFamily="34" charset="0"/>
+                <a:cs typeface="Segoe UI Light" panose="020B0502040204020203" pitchFamily="34" charset="0"/>
+              </a:rPr>
+              <a:t> </a:t>
+            </a:r>
+            <a:r>
+              <a:rPr lang="en-US" altLang="zh-TW" sz="2800" dirty="0" smtClean="0">
+                <a:latin typeface="Segoe UI Light" panose="020B0502040204020203" pitchFamily="34" charset="0"/>
+                <a:cs typeface="Segoe UI Light" panose="020B0502040204020203" pitchFamily="34" charset="0"/>
+              </a:rPr>
+              <a:t>ONE</a:t>
+            </a:r>
+            <a:r>
+              <a:rPr lang="zh-TW" altLang="en-US" sz="2800" dirty="0" smtClean="0">
+                <a:latin typeface="Segoe UI Light" panose="020B0502040204020203" pitchFamily="34" charset="0"/>
+                <a:cs typeface="Segoe UI Light" panose="020B0502040204020203" pitchFamily="34" charset="0"/>
+              </a:rPr>
+              <a:t> </a:t>
+            </a:r>
+            <a:r>
+              <a:rPr lang="en-US" altLang="zh-TW" sz="2800" dirty="0" smtClean="0">
+                <a:latin typeface="Segoe UI Light" panose="020B0502040204020203" pitchFamily="34" charset="0"/>
+                <a:cs typeface="Segoe UI Light" panose="020B0502040204020203" pitchFamily="34" charset="0"/>
+              </a:rPr>
+              <a:t>BAY</a:t>
+            </a:r>
+          </a:p>
+          <a:p>
+            <a:pPr algn="l">
+              <a:lnSpc>
+                <a:spcPct val="120000"/>
+              </a:lnSpc>
+            </a:pPr>
+            <a:r>
+              <a:rPr lang="en-US" altLang="zh-TW" sz="2800" dirty="0" smtClean="0">
+                <a:latin typeface="Segoe UI Light" panose="020B0502040204020203" pitchFamily="34" charset="0"/>
+                <a:cs typeface="Segoe UI Light" panose="020B0502040204020203" pitchFamily="34" charset="0"/>
+              </a:rPr>
+              <a:t>HEIGHT:</a:t>
+            </a:r>
+            <a:r>
+              <a:rPr lang="zh-TW" altLang="en-US" sz="2800" dirty="0" smtClean="0">
+                <a:latin typeface="Segoe UI Light" panose="020B0502040204020203" pitchFamily="34" charset="0"/>
+                <a:cs typeface="Segoe UI Light" panose="020B0502040204020203" pitchFamily="34" charset="0"/>
+              </a:rPr>
+              <a:t> </a:t>
+            </a:r>
+            <a:r>
+              <a:rPr lang="en-US" altLang="zh-TW" sz="2800" dirty="0" smtClean="0">
+                <a:latin typeface="Segoe UI Light" panose="020B0502040204020203" pitchFamily="34" charset="0"/>
+                <a:cs typeface="Segoe UI Light" panose="020B0502040204020203" pitchFamily="34" charset="0"/>
+              </a:rPr>
+              <a:t>9m</a:t>
+            </a:r>
+          </a:p>
+          <a:p>
+            <a:pPr algn="l">
+              <a:lnSpc>
+                <a:spcPct val="120000"/>
+              </a:lnSpc>
+            </a:pPr>
+            <a:r>
+              <a:rPr lang="en-US" altLang="zh-TW" sz="2800" dirty="0" smtClean="0">
+                <a:latin typeface="Segoe UI Light" panose="020B0502040204020203" pitchFamily="34" charset="0"/>
+                <a:cs typeface="Segoe UI Light" panose="020B0502040204020203" pitchFamily="34" charset="0"/>
+              </a:rPr>
+              <a:t>BEAM: 60x80cm</a:t>
+            </a:r>
+          </a:p>
+          <a:p>
+            <a:pPr algn="l">
+              <a:lnSpc>
+                <a:spcPct val="120000"/>
+              </a:lnSpc>
+            </a:pPr>
+            <a:r>
+              <a:rPr lang="en-US" altLang="zh-TW" sz="2800" dirty="0" smtClean="0">
+                <a:latin typeface="Segoe UI Light" panose="020B0502040204020203" pitchFamily="34" charset="0"/>
+                <a:cs typeface="Segoe UI Light" panose="020B0502040204020203" pitchFamily="34" charset="0"/>
+              </a:rPr>
+              <a:t>COLUMN: 60x60cm</a:t>
+            </a:r>
+          </a:p>
+          <a:p>
+            <a:pPr algn="l">
+              <a:lnSpc>
+                <a:spcPct val="120000"/>
+              </a:lnSpc>
+            </a:pPr>
+            <a:r>
+              <a:rPr lang="en-US" altLang="zh-TW" sz="2800" dirty="0" smtClean="0">
+                <a:latin typeface="Segoe UI Light" panose="020B0502040204020203" pitchFamily="34" charset="0"/>
+                <a:cs typeface="Segoe UI Light" panose="020B0502040204020203" pitchFamily="34" charset="0"/>
+              </a:rPr>
+              <a:t>SPAN: 6m</a:t>
+            </a:r>
+          </a:p>
+          <a:p>
+            <a:pPr algn="l">
+              <a:lnSpc>
+                <a:spcPct val="120000"/>
+              </a:lnSpc>
+            </a:pPr>
+            <a:r>
+              <a:rPr lang="zh-TW" altLang="en-US" sz="2800" dirty="0" smtClean="0">
+                <a:latin typeface="Segoe UI Light" panose="020B0502040204020203" pitchFamily="34" charset="0"/>
+                <a:cs typeface="Segoe UI Light" panose="020B0502040204020203" pitchFamily="34" charset="0"/>
+              </a:rPr>
+              <a:t>台北一</a:t>
+            </a:r>
+            <a:r>
+              <a:rPr lang="zh-TW" altLang="en-US" sz="2800" dirty="0">
+                <a:latin typeface="Segoe UI Light" panose="020B0502040204020203" pitchFamily="34" charset="0"/>
+                <a:cs typeface="Segoe UI Light" panose="020B0502040204020203" pitchFamily="34" charset="0"/>
+              </a:rPr>
+              <a:t>區</a:t>
+            </a:r>
+            <a:endParaRPr lang="zh-TW" altLang="en-US" sz="2800" dirty="0" smtClean="0">
+              <a:latin typeface="Segoe UI Light" panose="020B0502040204020203" pitchFamily="34" charset="0"/>
+              <a:cs typeface="Segoe UI Light" panose="020B0502040204020203" pitchFamily="34" charset="0"/>
+            </a:endParaRPr>
+          </a:p>
+        </p:txBody>
+      </p:sp>
+      <p:pic>
+        <p:nvPicPr>
+          <p:cNvPr id="11" name="圖片 10"/>
+          <p:cNvPicPr>
+            <a:picLocks noChangeAspect="1"/>
+          </p:cNvPicPr>
+          <p:nvPr/>
+        </p:nvPicPr>
+        <p:blipFill>
+          <a:blip r:embed="rId4">
+            <a:clrChange>
+              <a:clrFrom>
+                <a:srgbClr val="FFFFFF"/>
+              </a:clrFrom>
+              <a:clrTo>
+                <a:srgbClr val="FFFFFF">
+                  <a:alpha val="0"/>
+                </a:srgbClr>
+              </a:clrTo>
+            </a:clrChange>
+          </a:blip>
+          <a:stretch>
+            <a:fillRect/>
+          </a:stretch>
+        </p:blipFill>
+        <p:spPr>
+          <a:xfrm>
+            <a:off x="9770625" y="2802526"/>
+            <a:ext cx="1393062" cy="2160000"/>
+          </a:xfrm>
+          <a:prstGeom prst="rect">
+            <a:avLst/>
+          </a:prstGeom>
+        </p:spPr>
+      </p:pic>
+      <p:sp>
+        <p:nvSpPr>
+          <p:cNvPr id="12" name="文字方塊 11"/>
+          <p:cNvSpPr txBox="1"/>
+          <p:nvPr/>
+        </p:nvSpPr>
+        <p:spPr>
+          <a:xfrm>
+            <a:off x="9067799" y="2001837"/>
+            <a:ext cx="2798715" cy="561436"/>
+          </a:xfrm>
+          <a:prstGeom prst="rect">
+            <a:avLst/>
+          </a:prstGeom>
+          <a:noFill/>
+        </p:spPr>
+        <p:txBody>
+          <a:bodyPr wrap="none" lIns="0" rtlCol="0" anchor="t">
+            <a:spAutoFit/>
+          </a:bodyPr>
+          <a:lstStyle/>
+          <a:p>
+            <a:pPr>
+              <a:lnSpc>
+                <a:spcPct val="120000"/>
+              </a:lnSpc>
+            </a:pPr>
+            <a:r>
+              <a:rPr lang="en-US" altLang="zh-TW" sz="2800" dirty="0">
+                <a:latin typeface="Segoe UI Light" panose="020B0502040204020203" pitchFamily="34" charset="0"/>
+                <a:cs typeface="Segoe UI Light" panose="020B0502040204020203" pitchFamily="34" charset="0"/>
+              </a:rPr>
+              <a:t>ACTUAL PROJECT</a:t>
+            </a:r>
+            <a:endParaRPr lang="zh-TW" altLang="en-US" sz="2800" dirty="0" smtClean="0">
+              <a:latin typeface="Segoe UI Light" panose="020B0502040204020203" pitchFamily="34" charset="0"/>
+              <a:cs typeface="Segoe UI Light" panose="020B0502040204020203" pitchFamily="34" charset="0"/>
+            </a:endParaRPr>
+          </a:p>
+        </p:txBody>
+      </p:sp>
+      <p:cxnSp>
+        <p:nvCxnSpPr>
+          <p:cNvPr id="14" name="直線接點 13"/>
+          <p:cNvCxnSpPr/>
+          <p:nvPr/>
+        </p:nvCxnSpPr>
+        <p:spPr>
+          <a:xfrm>
+            <a:off x="8610600" y="2001837"/>
+            <a:ext cx="0" cy="4354513"/>
+          </a:xfrm>
+          <a:prstGeom prst="line">
+            <a:avLst/>
+          </a:prstGeom>
+          <a:ln>
+            <a:solidFill>
+              <a:schemeClr val="tx1"/>
+            </a:solidFill>
+          </a:ln>
+        </p:spPr>
+        <p:style>
+          <a:lnRef idx="1">
+            <a:schemeClr val="accent1"/>
+          </a:lnRef>
+          <a:fillRef idx="0">
+            <a:schemeClr val="accent1"/>
+          </a:fillRef>
+          <a:effectRef idx="0">
+            <a:schemeClr val="accent1"/>
+          </a:effectRef>
+          <a:fontRef idx="minor">
+            <a:schemeClr val="tx1"/>
+          </a:fontRef>
+        </p:style>
+      </p:cxnSp>
+    </p:spTree>
+    <p:extLst>
+      <p:ext uri="{BB962C8B-B14F-4D97-AF65-F5344CB8AC3E}">
+        <p14:creationId xmlns:p14="http://schemas.microsoft.com/office/powerpoint/2010/main" val="899690887"/>
+      </p:ext>
+    </p:extLst>
+  </p:cSld>
+  <p:clrMapOvr>
+    <a:masterClrMapping/>
+  </p:clrMapOvr>
+  <mc:AlternateContent xmlns:mc="http://schemas.openxmlformats.org/markup-compatibility/2006" xmlns:p14="http://schemas.microsoft.com/office/powerpoint/2010/main">
+    <mc:Choice Requires="p14">
+      <p:transition spd="med" p14:dur="700">
+        <p:fade/>
+      </p:transition>
+    </mc:Choice>
+    <mc:Fallback xmlns="">
+      <p:transition spd="med">
+        <p:fade/>
+      </p:transition>
+    </mc:Fallback>
+  </mc:AlternateContent>
+  <p:timing>
+    <p:tnLst>
+      <p:par>
+        <p:cTn id="1" dur="indefinite" restart="never" nodeType="tmRoot"/>
+      </p:par>
+    </p:tnLst>
+  </p:timing>
+</p:sld>
+</file>
+
+<file path=ppt/slides/slide18.xml><?xml version="1.0" encoding="utf-8"?>
+<p:sld xmlns:a="http://schemas.openxmlformats.org/drawingml/2006/main" xmlns:r="http://schemas.openxmlformats.org/officeDocument/2006/relationships" xmlns:p="http://schemas.openxmlformats.org/presentationml/2006/main">
+  <p:cSld>
+    <p:spTree>
+      <p:nvGrpSpPr>
+        <p:cNvPr id="1" name=""/>
+        <p:cNvGrpSpPr/>
+        <p:nvPr/>
+      </p:nvGrpSpPr>
+      <p:grpSpPr>
+        <a:xfrm>
+          <a:off x="0" y="0"/>
+          <a:ext cx="0" cy="0"/>
+          <a:chOff x="0" y="0"/>
+          <a:chExt cx="0" cy="0"/>
+        </a:xfrm>
+      </p:grpSpPr>
+      <p:pic>
+        <p:nvPicPr>
+          <p:cNvPr id="7" name="圖片 6"/>
+          <p:cNvPicPr>
+            <a:picLocks noChangeAspect="1"/>
+          </p:cNvPicPr>
+          <p:nvPr/>
+        </p:nvPicPr>
+        <p:blipFill>
+          <a:blip r:embed="rId3">
+            <a:clrChange>
+              <a:clrFrom>
+                <a:srgbClr val="FFFFFF"/>
+              </a:clrFrom>
+              <a:clrTo>
+                <a:srgbClr val="FFFFFF">
+                  <a:alpha val="0"/>
+                </a:srgbClr>
+              </a:clrTo>
+            </a:clrChange>
+          </a:blip>
+          <a:stretch>
+            <a:fillRect/>
+          </a:stretch>
+        </p:blipFill>
+        <p:spPr>
+          <a:xfrm>
+            <a:off x="1060708" y="2001837"/>
+            <a:ext cx="3765292" cy="4494751"/>
+          </a:xfrm>
+          <a:prstGeom prst="rect">
+            <a:avLst/>
+          </a:prstGeom>
+        </p:spPr>
+      </p:pic>
+      <p:sp>
+        <p:nvSpPr>
+          <p:cNvPr id="5" name="文字版面配置區 4"/>
+          <p:cNvSpPr>
+            <a:spLocks noGrp="1"/>
+          </p:cNvSpPr>
+          <p:nvPr>
+            <p:ph type="body" sz="quarter" idx="10"/>
+          </p:nvPr>
+        </p:nvSpPr>
+        <p:spPr>
+          <a:xfrm>
+            <a:off x="839788" y="660400"/>
+            <a:ext cx="8342312" cy="1311128"/>
+          </a:xfrm>
+        </p:spPr>
+        <p:txBody>
+          <a:bodyPr/>
+          <a:lstStyle/>
+          <a:p>
+            <a:r>
+              <a:rPr lang="en-US" altLang="zh-TW" dirty="0" smtClean="0"/>
+              <a:t>NONLINEAR</a:t>
+            </a:r>
+            <a:r>
+              <a:rPr lang="zh-TW" altLang="en-US" dirty="0" smtClean="0"/>
+              <a:t> </a:t>
+            </a:r>
+            <a:r>
+              <a:rPr lang="en-US" altLang="zh-TW" dirty="0"/>
+              <a:t>VERIFICATION</a:t>
+            </a:r>
+          </a:p>
+        </p:txBody>
+      </p:sp>
+      <p:sp>
+        <p:nvSpPr>
+          <p:cNvPr id="2" name="Slide Number Placeholder 1"/>
+          <p:cNvSpPr>
+            <a:spLocks noGrp="1"/>
+          </p:cNvSpPr>
+          <p:nvPr>
+            <p:ph type="sldNum" sz="quarter" idx="4"/>
+          </p:nvPr>
+        </p:nvSpPr>
+        <p:spPr/>
+        <p:txBody>
+          <a:bodyPr/>
+          <a:lstStyle/>
+          <a:p>
+            <a:fld id="{6F0746BA-D1AA-4FF4-8D48-BDBC7FF48778}" type="slidenum">
+              <a:rPr lang="fr-FR" smtClean="0"/>
+              <a:t>18</a:t>
             </a:fld>
             <a:endParaRPr lang="fr-FR"/>
           </a:p>
@@ -27634,7 +29264,7 @@
 </p:sld>
 </file>
 
-<file path=ppt/slides/slide18.xml><?xml version="1.0" encoding="utf-8"?>
+<file path=ppt/slides/slide19.xml><?xml version="1.0" encoding="utf-8"?>
 <p:sld xmlns:a="http://schemas.openxmlformats.org/drawingml/2006/main" xmlns:r="http://schemas.openxmlformats.org/officeDocument/2006/relationships" xmlns:p="http://schemas.openxmlformats.org/presentationml/2006/main">
   <p:cSld>
     <p:spTree>
@@ -29040,17 +30670,12 @@
           <a:p>
             <a:r>
               <a:rPr lang="zh-TW" altLang="en-US" dirty="0" smtClean="0"/>
-              <a:t>非</a:t>
-            </a:r>
-            <a:r>
-              <a:rPr lang="zh-TW" altLang="en-US" dirty="0" smtClean="0"/>
-              <a:t>線性 </a:t>
+              <a:t>非線性 </a:t>
             </a:r>
             <a:r>
               <a:rPr lang="en-US" altLang="zh-TW" dirty="0" smtClean="0"/>
               <a:t>BENCHMARK</a:t>
             </a:r>
-            <a:endParaRPr lang="en-US" altLang="zh-TW" dirty="0" smtClean="0"/>
           </a:p>
         </p:txBody>
       </p:sp>
@@ -29151,7 +30776,7 @@
           <a:p>
             <a:fld id="{6F0746BA-D1AA-4FF4-8D48-BDBC7FF48778}" type="slidenum">
               <a:rPr lang="fr-FR" smtClean="0"/>
-              <a:t>18</a:t>
+              <a:t>19</a:t>
             </a:fld>
             <a:endParaRPr lang="fr-FR"/>
           </a:p>
@@ -29205,10 +30830,6 @@
               </a:rPr>
               <a:t>成本</a:t>
             </a:r>
-            <a:endParaRPr lang="zh-TW" altLang="en-US" sz="1400" dirty="0" smtClean="0">
-              <a:latin typeface="Segoe UI Light" panose="020B0502040204020203" pitchFamily="34" charset="0"/>
-              <a:cs typeface="Segoe UI Light" panose="020B0502040204020203" pitchFamily="34" charset="0"/>
-            </a:endParaRPr>
           </a:p>
         </p:txBody>
       </p:sp>
@@ -29241,106 +30862,6 @@
       </p:par>
     </p:tnLst>
   </p:timing>
-</p:sld>
-</file>
-
-<file path=ppt/slides/slide19.xml><?xml version="1.0" encoding="utf-8"?>
-<p:sld xmlns:a="http://schemas.openxmlformats.org/drawingml/2006/main" xmlns:r="http://schemas.openxmlformats.org/officeDocument/2006/relationships" xmlns:p="http://schemas.openxmlformats.org/presentationml/2006/main" show="0">
-  <p:cSld>
-    <p:spTree>
-      <p:nvGrpSpPr>
-        <p:cNvPr id="1" name=""/>
-        <p:cNvGrpSpPr/>
-        <p:nvPr/>
-      </p:nvGrpSpPr>
-      <p:grpSpPr>
-        <a:xfrm>
-          <a:off x="0" y="0"/>
-          <a:ext cx="0" cy="0"/>
-          <a:chOff x="0" y="0"/>
-          <a:chExt cx="0" cy="0"/>
-        </a:xfrm>
-      </p:grpSpPr>
-      <p:sp>
-        <p:nvSpPr>
-          <p:cNvPr id="3" name="投影片編號版面配置區 2"/>
-          <p:cNvSpPr>
-            <a:spLocks noGrp="1"/>
-          </p:cNvSpPr>
-          <p:nvPr>
-            <p:ph type="sldNum" sz="quarter" idx="4"/>
-          </p:nvPr>
-        </p:nvSpPr>
-        <p:spPr/>
-        <p:txBody>
-          <a:bodyPr/>
-          <a:lstStyle/>
-          <a:p>
-            <a:fld id="{6F0746BA-D1AA-4FF4-8D48-BDBC7FF48778}" type="slidenum">
-              <a:rPr lang="fr-FR" smtClean="0"/>
-              <a:t>19</a:t>
-            </a:fld>
-            <a:endParaRPr lang="fr-FR"/>
-          </a:p>
-        </p:txBody>
-      </p:sp>
-      <p:pic>
-        <p:nvPicPr>
-          <p:cNvPr id="4" name="圖片 3"/>
-          <p:cNvPicPr>
-            <a:picLocks noChangeAspect="1"/>
-          </p:cNvPicPr>
-          <p:nvPr/>
-        </p:nvPicPr>
-        <p:blipFill>
-          <a:blip r:embed="rId2">
-            <a:clrChange>
-              <a:clrFrom>
-                <a:srgbClr val="FFFFFF"/>
-              </a:clrFrom>
-              <a:clrTo>
-                <a:srgbClr val="FFFFFF">
-                  <a:alpha val="0"/>
-                </a:srgbClr>
-              </a:clrTo>
-            </a:clrChange>
-          </a:blip>
-          <a:stretch>
-            <a:fillRect/>
-          </a:stretch>
-        </p:blipFill>
-        <p:spPr>
-          <a:xfrm>
-            <a:off x="1616877" y="550863"/>
-            <a:ext cx="8884435" cy="5805487"/>
-          </a:xfrm>
-          <a:prstGeom prst="rect">
-            <a:avLst/>
-          </a:prstGeom>
-        </p:spPr>
-      </p:pic>
-    </p:spTree>
-    <p:extLst>
-      <p:ext uri="{BB962C8B-B14F-4D97-AF65-F5344CB8AC3E}">
-        <p14:creationId xmlns:p14="http://schemas.microsoft.com/office/powerpoint/2010/main" val="3621729196"/>
-      </p:ext>
-    </p:extLst>
-  </p:cSld>
-  <p:clrMapOvr>
-    <a:masterClrMapping/>
-  </p:clrMapOvr>
-  <mc:AlternateContent xmlns:mc="http://schemas.openxmlformats.org/markup-compatibility/2006">
-    <mc:Choice xmlns:p14="http://schemas.microsoft.com/office/powerpoint/2010/main" Requires="p14">
-      <p:transition spd="med" p14:dur="700">
-        <p:fade/>
-      </p:transition>
-    </mc:Choice>
-    <mc:Fallback>
-      <p:transition spd="med">
-        <p:fade/>
-      </p:transition>
-    </mc:Fallback>
-  </mc:AlternateContent>
 </p:sld>
 </file>
 
@@ -29912,17 +31433,7 @@
                 <a:latin typeface="Segoe UI Light" panose="020B0502040204020203" pitchFamily="34" charset="0"/>
                 <a:cs typeface="Segoe UI Light" panose="020B0502040204020203" pitchFamily="34" charset="0"/>
               </a:rPr>
-              <a:t>99</a:t>
-            </a:r>
-            <a:r>
-              <a:rPr lang="en-US" altLang="zh-TW" sz="4000" dirty="0" smtClean="0">
-                <a:solidFill>
-                  <a:schemeClr val="accent2"/>
-                </a:solidFill>
-                <a:latin typeface="Segoe UI Light" panose="020B0502040204020203" pitchFamily="34" charset="0"/>
-                <a:cs typeface="Segoe UI Light" panose="020B0502040204020203" pitchFamily="34" charset="0"/>
-              </a:rPr>
-              <a:t>.2%</a:t>
+              <a:t>99.2%</a:t>
             </a:r>
             <a:endParaRPr lang="zh-TW" altLang="en-US" sz="4000" dirty="0" smtClean="0">
               <a:solidFill>
@@ -30026,6 +31537,106 @@
       </p:grpSpPr>
       <p:sp>
         <p:nvSpPr>
+          <p:cNvPr id="3" name="投影片編號版面配置區 2"/>
+          <p:cNvSpPr>
+            <a:spLocks noGrp="1"/>
+          </p:cNvSpPr>
+          <p:nvPr>
+            <p:ph type="sldNum" sz="quarter" idx="4"/>
+          </p:nvPr>
+        </p:nvSpPr>
+        <p:spPr/>
+        <p:txBody>
+          <a:bodyPr/>
+          <a:lstStyle/>
+          <a:p>
+            <a:fld id="{6F0746BA-D1AA-4FF4-8D48-BDBC7FF48778}" type="slidenum">
+              <a:rPr lang="fr-FR" smtClean="0"/>
+              <a:t>20</a:t>
+            </a:fld>
+            <a:endParaRPr lang="fr-FR"/>
+          </a:p>
+        </p:txBody>
+      </p:sp>
+      <p:pic>
+        <p:nvPicPr>
+          <p:cNvPr id="4" name="圖片 3"/>
+          <p:cNvPicPr>
+            <a:picLocks noChangeAspect="1"/>
+          </p:cNvPicPr>
+          <p:nvPr/>
+        </p:nvPicPr>
+        <p:blipFill>
+          <a:blip r:embed="rId2">
+            <a:clrChange>
+              <a:clrFrom>
+                <a:srgbClr val="FFFFFF"/>
+              </a:clrFrom>
+              <a:clrTo>
+                <a:srgbClr val="FFFFFF">
+                  <a:alpha val="0"/>
+                </a:srgbClr>
+              </a:clrTo>
+            </a:clrChange>
+          </a:blip>
+          <a:stretch>
+            <a:fillRect/>
+          </a:stretch>
+        </p:blipFill>
+        <p:spPr>
+          <a:xfrm>
+            <a:off x="1616877" y="550863"/>
+            <a:ext cx="8884435" cy="5805487"/>
+          </a:xfrm>
+          <a:prstGeom prst="rect">
+            <a:avLst/>
+          </a:prstGeom>
+        </p:spPr>
+      </p:pic>
+    </p:spTree>
+    <p:extLst>
+      <p:ext uri="{BB962C8B-B14F-4D97-AF65-F5344CB8AC3E}">
+        <p14:creationId xmlns:p14="http://schemas.microsoft.com/office/powerpoint/2010/main" val="3621729196"/>
+      </p:ext>
+    </p:extLst>
+  </p:cSld>
+  <p:clrMapOvr>
+    <a:masterClrMapping/>
+  </p:clrMapOvr>
+  <mc:AlternateContent xmlns:mc="http://schemas.openxmlformats.org/markup-compatibility/2006" xmlns:p14="http://schemas.microsoft.com/office/powerpoint/2010/main">
+    <mc:Choice Requires="p14">
+      <p:transition spd="med" p14:dur="700">
+        <p:fade/>
+      </p:transition>
+    </mc:Choice>
+    <mc:Fallback xmlns="">
+      <p:transition spd="med">
+        <p:fade/>
+      </p:transition>
+    </mc:Fallback>
+  </mc:AlternateContent>
+</p:sld>
+</file>
+
+<file path=ppt/slides/slide21.xml><?xml version="1.0" encoding="utf-8"?>
+<p:sld xmlns:a="http://schemas.openxmlformats.org/drawingml/2006/main" xmlns:r="http://schemas.openxmlformats.org/officeDocument/2006/relationships" xmlns:p="http://schemas.openxmlformats.org/presentationml/2006/main" show="0">
+  <p:cSld>
+    <p:spTree>
+      <p:nvGrpSpPr>
+        <p:cNvPr id="1" name=""/>
+        <p:cNvGrpSpPr/>
+        <p:nvPr/>
+      </p:nvGrpSpPr>
+      <p:grpSpPr>
+        <a:xfrm>
+          <a:off x="0" y="0"/>
+          <a:ext cx="0" cy="0"/>
+          <a:chOff x="0" y="0"/>
+          <a:chExt cx="0" cy="0"/>
+        </a:xfrm>
+      </p:grpSpPr>
+      <p:sp>
+        <p:nvSpPr>
           <p:cNvPr id="2" name="投影片編號版面配置區 1"/>
           <p:cNvSpPr>
             <a:spLocks noGrp="1"/>
@@ -30041,7 +31652,7 @@
           <a:p>
             <a:fld id="{6F0746BA-D1AA-4FF4-8D48-BDBC7FF48778}" type="slidenum">
               <a:rPr lang="fr-FR" smtClean="0"/>
-              <a:t>20</a:t>
+              <a:t>21</a:t>
             </a:fld>
             <a:endParaRPr lang="fr-FR"/>
           </a:p>
@@ -30092,13 +31703,13 @@
   <p:clrMapOvr>
     <a:masterClrMapping/>
   </p:clrMapOvr>
-  <mc:AlternateContent xmlns:mc="http://schemas.openxmlformats.org/markup-compatibility/2006">
-    <mc:Choice xmlns:p14="http://schemas.microsoft.com/office/powerpoint/2010/main" Requires="p14">
+  <mc:AlternateContent xmlns:mc="http://schemas.openxmlformats.org/markup-compatibility/2006" xmlns:p14="http://schemas.microsoft.com/office/powerpoint/2010/main">
+    <mc:Choice Requires="p14">
       <p:transition spd="med" p14:dur="700">
         <p:fade/>
       </p:transition>
     </mc:Choice>
-    <mc:Fallback>
+    <mc:Fallback xmlns="">
       <p:transition spd="med">
         <p:fade/>
       </p:transition>
@@ -30107,7 +31718,7 @@
 </p:sld>
 </file>
 
-<file path=ppt/slides/slide21.xml><?xml version="1.0" encoding="utf-8"?>
+<file path=ppt/slides/slide22.xml><?xml version="1.0" encoding="utf-8"?>
 <p:sld xmlns:a="http://schemas.openxmlformats.org/drawingml/2006/main" xmlns:r="http://schemas.openxmlformats.org/officeDocument/2006/relationships" xmlns:p="http://schemas.openxmlformats.org/presentationml/2006/main" show="0">
   <p:cSld>
     <p:spTree>
@@ -30370,7 +31981,7 @@
           <a:p>
             <a:fld id="{6F0746BA-D1AA-4FF4-8D48-BDBC7FF48778}" type="slidenum">
               <a:rPr lang="fr-FR" smtClean="0"/>
-              <a:t>21</a:t>
+              <a:t>22</a:t>
             </a:fld>
             <a:endParaRPr lang="fr-FR" dirty="0"/>
           </a:p>
@@ -31327,7 +32938,7 @@
 </p:sld>
 </file>
 
-<file path=ppt/slides/slide22.xml><?xml version="1.0" encoding="utf-8"?>
+<file path=ppt/slides/slide23.xml><?xml version="1.0" encoding="utf-8"?>
 <p:sld xmlns:a="http://schemas.openxmlformats.org/drawingml/2006/main" xmlns:r="http://schemas.openxmlformats.org/officeDocument/2006/relationships" xmlns:p="http://schemas.openxmlformats.org/presentationml/2006/main" show="0">
   <p:cSld>
     <p:spTree>
@@ -31590,7 +33201,7 @@
           <a:p>
             <a:fld id="{6F0746BA-D1AA-4FF4-8D48-BDBC7FF48778}" type="slidenum">
               <a:rPr lang="fr-FR" smtClean="0"/>
-              <a:t>22</a:t>
+              <a:t>23</a:t>
             </a:fld>
             <a:endParaRPr lang="fr-FR" dirty="0"/>
           </a:p>
@@ -32320,7 +33931,7 @@
           <p:nvPr/>
         </p:nvPicPr>
         <p:blipFill>
-          <a:blip r:embed="rId2">
+          <a:blip r:embed="rId3">
             <a:clrChange>
               <a:clrFrom>
                 <a:srgbClr val="FFFFFF"/>
@@ -32745,17 +34356,7 @@
                 <a:latin typeface="Segoe UI Light" panose="020B0502040204020203" pitchFamily="34" charset="0"/>
                 <a:cs typeface="Segoe UI Light" panose="020B0502040204020203" pitchFamily="34" charset="0"/>
               </a:rPr>
-              <a:t>93</a:t>
-            </a:r>
-            <a:r>
-              <a:rPr lang="en-US" altLang="zh-TW" sz="4000" dirty="0" smtClean="0">
-                <a:solidFill>
-                  <a:schemeClr val="accent1"/>
-                </a:solidFill>
-                <a:latin typeface="Segoe UI Light" panose="020B0502040204020203" pitchFamily="34" charset="0"/>
-                <a:cs typeface="Segoe UI Light" panose="020B0502040204020203" pitchFamily="34" charset="0"/>
-              </a:rPr>
-              <a:t>.5%</a:t>
+              <a:t>93.5%</a:t>
             </a:r>
             <a:endParaRPr lang="zh-TW" altLang="en-US" sz="4000" dirty="0" smtClean="0">
               <a:solidFill>
@@ -32802,17 +34403,7 @@
                 <a:latin typeface="Segoe UI Light" panose="020B0502040204020203" pitchFamily="34" charset="0"/>
                 <a:cs typeface="Segoe UI Light" panose="020B0502040204020203" pitchFamily="34" charset="0"/>
               </a:rPr>
-              <a:t>9</a:t>
-            </a:r>
-            <a:r>
-              <a:rPr lang="en-US" altLang="zh-TW" sz="4000" dirty="0" smtClean="0">
-                <a:solidFill>
-                  <a:schemeClr val="accent2"/>
-                </a:solidFill>
-                <a:latin typeface="Segoe UI Light" panose="020B0502040204020203" pitchFamily="34" charset="0"/>
-                <a:cs typeface="Segoe UI Light" panose="020B0502040204020203" pitchFamily="34" charset="0"/>
-              </a:rPr>
-              <a:t>2.4%</a:t>
+              <a:t>92.4%</a:t>
             </a:r>
             <a:endParaRPr lang="zh-TW" altLang="en-US" sz="4000" dirty="0" smtClean="0">
               <a:solidFill>
@@ -32859,17 +34450,7 @@
                 <a:latin typeface="Segoe UI Light" panose="020B0502040204020203" pitchFamily="34" charset="0"/>
                 <a:cs typeface="Segoe UI Light" panose="020B0502040204020203" pitchFamily="34" charset="0"/>
               </a:rPr>
-              <a:t>94</a:t>
-            </a:r>
-            <a:r>
-              <a:rPr lang="en-US" altLang="zh-TW" sz="4000" dirty="0" smtClean="0">
-                <a:solidFill>
-                  <a:schemeClr val="accent3"/>
-                </a:solidFill>
-                <a:latin typeface="Segoe UI Light" panose="020B0502040204020203" pitchFamily="34" charset="0"/>
-                <a:cs typeface="Segoe UI Light" panose="020B0502040204020203" pitchFamily="34" charset="0"/>
-              </a:rPr>
-              <a:t>.7%</a:t>
+              <a:t>94.7%</a:t>
             </a:r>
             <a:endParaRPr lang="zh-TW" altLang="en-US" sz="4000" dirty="0" smtClean="0">
               <a:solidFill>
@@ -32915,10 +34496,6 @@
               </a:rPr>
               <a:t>高雄物流中心</a:t>
             </a:r>
-            <a:endParaRPr lang="zh-TW" altLang="en-US" sz="2800" dirty="0" smtClean="0">
-              <a:latin typeface="Segoe UI Light" panose="020B0502040204020203" pitchFamily="34" charset="0"/>
-              <a:cs typeface="Segoe UI Light" panose="020B0502040204020203" pitchFamily="34" charset="0"/>
-            </a:endParaRPr>
           </a:p>
         </p:txBody>
       </p:sp>
@@ -32971,55 +34548,9 @@
           <a:chExt cx="0" cy="0"/>
         </a:xfrm>
       </p:grpSpPr>
-      <p:sp>
-        <p:nvSpPr>
-          <p:cNvPr id="13" name="文字版面配置區 12"/>
-          <p:cNvSpPr>
-            <a:spLocks noGrp="1"/>
-          </p:cNvSpPr>
-          <p:nvPr>
-            <p:ph type="body" sz="quarter" idx="10"/>
-          </p:nvPr>
-        </p:nvSpPr>
-        <p:spPr/>
-        <p:txBody>
-          <a:bodyPr/>
-          <a:lstStyle/>
-          <a:p>
-            <a:r>
-              <a:rPr lang="en-US" altLang="zh-TW" dirty="0"/>
-              <a:t>TRADITION</a:t>
-            </a:r>
-            <a:endParaRPr lang="zh-TW" altLang="en-US" dirty="0"/>
-          </a:p>
-        </p:txBody>
-      </p:sp>
-      <p:sp>
-        <p:nvSpPr>
-          <p:cNvPr id="2" name="Slide Number Placeholder 1"/>
-          <p:cNvSpPr>
-            <a:spLocks noGrp="1"/>
-          </p:cNvSpPr>
-          <p:nvPr>
-            <p:ph type="sldNum" sz="quarter" idx="4"/>
-          </p:nvPr>
-        </p:nvSpPr>
-        <p:spPr/>
-        <p:txBody>
-          <a:bodyPr/>
-          <a:lstStyle/>
-          <a:p>
-            <a:fld id="{6F0746BA-D1AA-4FF4-8D48-BDBC7FF48778}" type="slidenum">
-              <a:rPr lang="fr-FR" smtClean="0"/>
-              <a:t>4</a:t>
-            </a:fld>
-            <a:endParaRPr lang="fr-FR"/>
-          </a:p>
-        </p:txBody>
-      </p:sp>
       <p:pic>
         <p:nvPicPr>
-          <p:cNvPr id="3" name="Picture 2"/>
+          <p:cNvPr id="16" name="Picture 15"/>
           <p:cNvPicPr>
             <a:picLocks noChangeAspect="1"/>
           </p:cNvPicPr>
@@ -33044,7 +34575,7 @@
         </p:blipFill>
         <p:spPr>
           <a:xfrm>
-            <a:off x="0" y="1286703"/>
+            <a:off x="0" y="1286702"/>
             <a:ext cx="6095238" cy="4552381"/>
           </a:xfrm>
           <a:prstGeom prst="rect">
@@ -33054,7 +34585,7 @@
       </p:pic>
       <p:pic>
         <p:nvPicPr>
-          <p:cNvPr id="4" name="Picture 3"/>
+          <p:cNvPr id="14" name="Picture 13"/>
           <p:cNvPicPr>
             <a:picLocks noChangeAspect="1"/>
           </p:cNvPicPr>
@@ -33079,7 +34610,7 @@
         </p:blipFill>
         <p:spPr>
           <a:xfrm>
-            <a:off x="6095238" y="1286703"/>
+            <a:off x="6095238" y="1286702"/>
             <a:ext cx="6095238" cy="4552381"/>
           </a:xfrm>
           <a:prstGeom prst="rect">
@@ -33087,6 +34618,52 @@
           </a:prstGeom>
         </p:spPr>
       </p:pic>
+      <p:sp>
+        <p:nvSpPr>
+          <p:cNvPr id="13" name="文字版面配置區 12"/>
+          <p:cNvSpPr>
+            <a:spLocks noGrp="1"/>
+          </p:cNvSpPr>
+          <p:nvPr>
+            <p:ph type="body" sz="quarter" idx="10"/>
+          </p:nvPr>
+        </p:nvSpPr>
+        <p:spPr/>
+        <p:txBody>
+          <a:bodyPr/>
+          <a:lstStyle/>
+          <a:p>
+            <a:r>
+              <a:rPr lang="en-US" altLang="zh-TW" dirty="0"/>
+              <a:t>TRADITION</a:t>
+            </a:r>
+            <a:endParaRPr lang="zh-TW" altLang="en-US" dirty="0"/>
+          </a:p>
+        </p:txBody>
+      </p:sp>
+      <p:sp>
+        <p:nvSpPr>
+          <p:cNvPr id="2" name="Slide Number Placeholder 1"/>
+          <p:cNvSpPr>
+            <a:spLocks noGrp="1"/>
+          </p:cNvSpPr>
+          <p:nvPr>
+            <p:ph type="sldNum" sz="quarter" idx="4"/>
+          </p:nvPr>
+        </p:nvSpPr>
+        <p:spPr/>
+        <p:txBody>
+          <a:bodyPr/>
+          <a:lstStyle/>
+          <a:p>
+            <a:fld id="{6F0746BA-D1AA-4FF4-8D48-BDBC7FF48778}" type="slidenum">
+              <a:rPr lang="fr-FR" smtClean="0"/>
+              <a:t>4</a:t>
+            </a:fld>
+            <a:endParaRPr lang="fr-FR"/>
+          </a:p>
+        </p:txBody>
+      </p:sp>
       <p:sp>
         <p:nvSpPr>
           <p:cNvPr id="5" name="文字方塊 4"/>
@@ -33120,47 +34697,6 @@
                 <a:cs typeface="Segoe UI Light" panose="020B0502040204020203" pitchFamily="34" charset="0"/>
               </a:rPr>
               <a:t>1/3</a:t>
-            </a:r>
-            <a:endParaRPr lang="zh-TW" altLang="en-US" sz="2400" dirty="0" smtClean="0">
-              <a:latin typeface="Segoe UI Light" panose="020B0502040204020203" pitchFamily="34" charset="0"/>
-              <a:cs typeface="Segoe UI Light" panose="020B0502040204020203" pitchFamily="34" charset="0"/>
-            </a:endParaRPr>
-          </a:p>
-        </p:txBody>
-      </p:sp>
-      <p:sp>
-        <p:nvSpPr>
-          <p:cNvPr id="6" name="文字方塊 5"/>
-          <p:cNvSpPr txBox="1"/>
-          <p:nvPr/>
-        </p:nvSpPr>
-        <p:spPr>
-          <a:xfrm>
-            <a:off x="1597610" y="5942552"/>
-            <a:ext cx="472245" cy="494431"/>
-          </a:xfrm>
-          <a:prstGeom prst="rect">
-            <a:avLst/>
-          </a:prstGeom>
-          <a:noFill/>
-        </p:spPr>
-        <p:txBody>
-          <a:bodyPr wrap="none" lIns="0" rtlCol="0" anchor="t">
-            <a:spAutoFit/>
-          </a:bodyPr>
-          <a:lstStyle/>
-          <a:p>
-            <a:pPr algn="l">
-              <a:lnSpc>
-                <a:spcPct val="120000"/>
-              </a:lnSpc>
-            </a:pPr>
-            <a:r>
-              <a:rPr lang="en-US" altLang="zh-TW" sz="2400" dirty="0" smtClean="0">
-                <a:latin typeface="Segoe UI Light" panose="020B0502040204020203" pitchFamily="34" charset="0"/>
-                <a:cs typeface="Segoe UI Light" panose="020B0502040204020203" pitchFamily="34" charset="0"/>
-              </a:rPr>
-              <a:t>1/5</a:t>
             </a:r>
             <a:endParaRPr lang="zh-TW" altLang="en-US" sz="2400" dirty="0" smtClean="0">
               <a:latin typeface="Segoe UI Light" panose="020B0502040204020203" pitchFamily="34" charset="0"/>
@@ -33219,13 +34755,13 @@
       </p:sp>
       <p:sp>
         <p:nvSpPr>
-          <p:cNvPr id="8" name="文字方塊 7"/>
+          <p:cNvPr id="9" name="文字方塊 8"/>
           <p:cNvSpPr txBox="1"/>
           <p:nvPr/>
         </p:nvSpPr>
         <p:spPr>
           <a:xfrm>
-            <a:off x="4180021" y="5942552"/>
+            <a:off x="8282250" y="5526670"/>
             <a:ext cx="472245" cy="494431"/>
           </a:xfrm>
           <a:prstGeom prst="rect">
@@ -33245,54 +34781,6 @@
               </a:lnSpc>
             </a:pPr>
             <a:r>
-              <a:rPr lang="en-US" altLang="zh-TW" sz="2400" dirty="0">
-                <a:latin typeface="Segoe UI Light" panose="020B0502040204020203" pitchFamily="34" charset="0"/>
-                <a:cs typeface="Segoe UI Light" panose="020B0502040204020203" pitchFamily="34" charset="0"/>
-              </a:rPr>
-              <a:t>1</a:t>
-            </a:r>
-            <a:r>
-              <a:rPr lang="en-US" altLang="zh-TW" sz="2400" dirty="0" smtClean="0">
-                <a:latin typeface="Segoe UI Light" panose="020B0502040204020203" pitchFamily="34" charset="0"/>
-                <a:cs typeface="Segoe UI Light" panose="020B0502040204020203" pitchFamily="34" charset="0"/>
-              </a:rPr>
-              <a:t>/5</a:t>
-            </a:r>
-            <a:endParaRPr lang="zh-TW" altLang="en-US" sz="2400" dirty="0" smtClean="0">
-              <a:latin typeface="Segoe UI Light" panose="020B0502040204020203" pitchFamily="34" charset="0"/>
-              <a:cs typeface="Segoe UI Light" panose="020B0502040204020203" pitchFamily="34" charset="0"/>
-            </a:endParaRPr>
-          </a:p>
-        </p:txBody>
-      </p:sp>
-      <p:sp>
-        <p:nvSpPr>
-          <p:cNvPr id="9" name="文字方塊 8"/>
-          <p:cNvSpPr txBox="1"/>
-          <p:nvPr/>
-        </p:nvSpPr>
-        <p:spPr>
-          <a:xfrm>
-            <a:off x="8282250" y="5526670"/>
-            <a:ext cx="472245" cy="494431"/>
-          </a:xfrm>
-          <a:prstGeom prst="rect">
-            <a:avLst/>
-          </a:prstGeom>
-          <a:noFill/>
-        </p:spPr>
-        <p:txBody>
-          <a:bodyPr wrap="none" lIns="0" rtlCol="0" anchor="t">
-            <a:spAutoFit/>
-          </a:bodyPr>
-          <a:lstStyle/>
-          <a:p>
-            <a:pPr algn="l">
-              <a:lnSpc>
-                <a:spcPct val="120000"/>
-              </a:lnSpc>
-            </a:pPr>
-            <a:r>
               <a:rPr lang="en-US" altLang="zh-TW" sz="2400" dirty="0" smtClean="0">
                 <a:latin typeface="Segoe UI Light" panose="020B0502040204020203" pitchFamily="34" charset="0"/>
                 <a:cs typeface="Segoe UI Light" panose="020B0502040204020203" pitchFamily="34" charset="0"/>
@@ -33314,7 +34802,7 @@
         </p:nvSpPr>
         <p:spPr>
           <a:xfrm>
-            <a:off x="7706310" y="5942552"/>
+            <a:off x="7702239" y="5515462"/>
             <a:ext cx="472245" cy="494431"/>
           </a:xfrm>
           <a:prstGeom prst="rect">
@@ -33403,7 +34891,7 @@
         </p:nvSpPr>
         <p:spPr>
           <a:xfrm>
-            <a:off x="10288721" y="5942552"/>
+            <a:off x="10274430" y="5526670"/>
             <a:ext cx="472245" cy="494431"/>
           </a:xfrm>
           <a:prstGeom prst="rect">
@@ -33451,7 +34939,7 @@
         </p:nvCxnSpPr>
         <p:spPr>
           <a:xfrm>
-            <a:off x="5702300" y="3429000"/>
+            <a:off x="5752338" y="3735963"/>
             <a:ext cx="685800" cy="0"/>
           </a:xfrm>
           <a:prstGeom prst="straightConnector1">
@@ -33479,6 +34967,189 @@
           </a:fontRef>
         </p:style>
       </p:cxnSp>
+      <p:sp>
+        <p:nvSpPr>
+          <p:cNvPr id="17" name="文字方塊 9"/>
+          <p:cNvSpPr txBox="1"/>
+          <p:nvPr/>
+        </p:nvSpPr>
+        <p:spPr>
+          <a:xfrm>
+            <a:off x="7476276" y="5922561"/>
+            <a:ext cx="1541448" cy="494431"/>
+          </a:xfrm>
+          <a:prstGeom prst="rect">
+            <a:avLst/>
+          </a:prstGeom>
+          <a:noFill/>
+        </p:spPr>
+        <p:txBody>
+          <a:bodyPr wrap="none" lIns="0" rtlCol="0" anchor="t">
+            <a:spAutoFit/>
+          </a:bodyPr>
+          <a:lstStyle/>
+          <a:p>
+            <a:pPr algn="l">
+              <a:lnSpc>
+                <a:spcPct val="120000"/>
+              </a:lnSpc>
+            </a:pPr>
+            <a:r>
+              <a:rPr lang="en-US" altLang="zh-TW" sz="2400" dirty="0" smtClean="0">
+                <a:latin typeface="Segoe UI Light" panose="020B0502040204020203" pitchFamily="34" charset="0"/>
+                <a:cs typeface="Segoe UI Light" panose="020B0502040204020203" pitchFamily="34" charset="0"/>
+              </a:rPr>
+              <a:t>1/7(not yet)</a:t>
+            </a:r>
+            <a:endParaRPr lang="zh-TW" altLang="en-US" sz="2400" dirty="0" smtClean="0">
+              <a:latin typeface="Segoe UI Light" panose="020B0502040204020203" pitchFamily="34" charset="0"/>
+              <a:cs typeface="Segoe UI Light" panose="020B0502040204020203" pitchFamily="34" charset="0"/>
+            </a:endParaRPr>
+          </a:p>
+        </p:txBody>
+      </p:sp>
+      <p:sp>
+        <p:nvSpPr>
+          <p:cNvPr id="18" name="文字方塊 9"/>
+          <p:cNvSpPr txBox="1"/>
+          <p:nvPr/>
+        </p:nvSpPr>
+        <p:spPr>
+          <a:xfrm>
+            <a:off x="10512848" y="5927894"/>
+            <a:ext cx="1541448" cy="494431"/>
+          </a:xfrm>
+          <a:prstGeom prst="rect">
+            <a:avLst/>
+          </a:prstGeom>
+          <a:noFill/>
+        </p:spPr>
+        <p:txBody>
+          <a:bodyPr wrap="none" lIns="0" rtlCol="0" anchor="t">
+            <a:spAutoFit/>
+          </a:bodyPr>
+          <a:lstStyle/>
+          <a:p>
+            <a:pPr>
+              <a:lnSpc>
+                <a:spcPct val="120000"/>
+              </a:lnSpc>
+            </a:pPr>
+            <a:r>
+              <a:rPr lang="en-US" altLang="zh-TW" sz="2400" dirty="0">
+                <a:latin typeface="Segoe UI Light" panose="020B0502040204020203" pitchFamily="34" charset="0"/>
+                <a:cs typeface="Segoe UI Light" panose="020B0502040204020203" pitchFamily="34" charset="0"/>
+              </a:rPr>
+              <a:t>1/7(not yet</a:t>
+            </a:r>
+            <a:r>
+              <a:rPr lang="en-US" altLang="zh-TW" sz="2400" dirty="0" smtClean="0">
+                <a:latin typeface="Segoe UI Light" panose="020B0502040204020203" pitchFamily="34" charset="0"/>
+                <a:cs typeface="Segoe UI Light" panose="020B0502040204020203" pitchFamily="34" charset="0"/>
+              </a:rPr>
+              <a:t>)</a:t>
+            </a:r>
+            <a:endParaRPr lang="en-US" altLang="zh-TW" sz="2400" dirty="0">
+              <a:latin typeface="Segoe UI Light" panose="020B0502040204020203" pitchFamily="34" charset="0"/>
+              <a:cs typeface="Segoe UI Light" panose="020B0502040204020203" pitchFamily="34" charset="0"/>
+            </a:endParaRPr>
+          </a:p>
+        </p:txBody>
+      </p:sp>
+      <p:sp>
+        <p:nvSpPr>
+          <p:cNvPr id="19" name="TextBox 18"/>
+          <p:cNvSpPr txBox="1"/>
+          <p:nvPr/>
+        </p:nvSpPr>
+        <p:spPr>
+          <a:xfrm>
+            <a:off x="3973033" y="1988433"/>
+            <a:ext cx="1474121" cy="427425"/>
+          </a:xfrm>
+          <a:prstGeom prst="rect">
+            <a:avLst/>
+          </a:prstGeom>
+          <a:noFill/>
+        </p:spPr>
+        <p:txBody>
+          <a:bodyPr wrap="none" lIns="0" rtlCol="0" anchor="t">
+            <a:spAutoFit/>
+          </a:bodyPr>
+          <a:lstStyle/>
+          <a:p>
+            <a:pPr algn="l">
+              <a:lnSpc>
+                <a:spcPct val="120000"/>
+              </a:lnSpc>
+            </a:pPr>
+            <a:r>
+              <a:rPr lang="en-US" sz="2000" dirty="0" smtClean="0">
+                <a:solidFill>
+                  <a:schemeClr val="accent1"/>
+                </a:solidFill>
+                <a:latin typeface="Segoe UI Light" panose="020B0502040204020203" pitchFamily="34" charset="0"/>
+                <a:cs typeface="Segoe UI Light" panose="020B0502040204020203" pitchFamily="34" charset="0"/>
+              </a:rPr>
+              <a:t>REBAR USED</a:t>
+            </a:r>
+            <a:endParaRPr lang="en-US" sz="2000" dirty="0" smtClean="0">
+              <a:solidFill>
+                <a:schemeClr val="accent1"/>
+              </a:solidFill>
+              <a:latin typeface="Segoe UI Light" panose="020B0502040204020203" pitchFamily="34" charset="0"/>
+              <a:cs typeface="Segoe UI Light" panose="020B0502040204020203" pitchFamily="34" charset="0"/>
+            </a:endParaRPr>
+          </a:p>
+        </p:txBody>
+      </p:sp>
+      <p:sp>
+        <p:nvSpPr>
+          <p:cNvPr id="20" name="TextBox 19"/>
+          <p:cNvSpPr txBox="1"/>
+          <p:nvPr/>
+        </p:nvSpPr>
+        <p:spPr>
+          <a:xfrm>
+            <a:off x="8533660" y="4752585"/>
+            <a:ext cx="1474121" cy="427425"/>
+          </a:xfrm>
+          <a:prstGeom prst="rect">
+            <a:avLst/>
+          </a:prstGeom>
+          <a:noFill/>
+        </p:spPr>
+        <p:txBody>
+          <a:bodyPr wrap="none" lIns="0" rtlCol="0" anchor="t">
+            <a:spAutoFit/>
+          </a:bodyPr>
+          <a:lstStyle/>
+          <a:p>
+            <a:pPr algn="l">
+              <a:lnSpc>
+                <a:spcPct val="120000"/>
+              </a:lnSpc>
+            </a:pPr>
+            <a:r>
+              <a:rPr lang="en-US" sz="2000" dirty="0" smtClean="0">
+                <a:solidFill>
+                  <a:schemeClr val="accent1"/>
+                </a:solidFill>
+                <a:latin typeface="Segoe UI Light" panose="020B0502040204020203" pitchFamily="34" charset="0"/>
+                <a:cs typeface="Segoe UI Light" panose="020B0502040204020203" pitchFamily="34" charset="0"/>
+              </a:rPr>
+              <a:t>REBAR USED</a:t>
+            </a:r>
+            <a:endParaRPr lang="en-US" sz="2000" dirty="0" smtClean="0">
+              <a:solidFill>
+                <a:schemeClr val="accent1"/>
+              </a:solidFill>
+              <a:latin typeface="Segoe UI Light" panose="020B0502040204020203" pitchFamily="34" charset="0"/>
+              <a:cs typeface="Segoe UI Light" panose="020B0502040204020203" pitchFamily="34" charset="0"/>
+            </a:endParaRPr>
+          </a:p>
+        </p:txBody>
+      </p:sp>
     </p:spTree>
     <p:extLst>
       <p:ext uri="{BB962C8B-B14F-4D97-AF65-F5344CB8AC3E}">
@@ -34129,6 +35800,53 @@
           </a:p>
         </p:txBody>
       </p:sp>
+      <p:sp>
+        <p:nvSpPr>
+          <p:cNvPr id="7" name="TextBox 6"/>
+          <p:cNvSpPr txBox="1"/>
+          <p:nvPr/>
+        </p:nvSpPr>
+        <p:spPr>
+          <a:xfrm>
+            <a:off x="3993353" y="2463002"/>
+            <a:ext cx="1474121" cy="427425"/>
+          </a:xfrm>
+          <a:prstGeom prst="rect">
+            <a:avLst/>
+          </a:prstGeom>
+          <a:noFill/>
+        </p:spPr>
+        <p:txBody>
+          <a:bodyPr wrap="none" lIns="0" rtlCol="0" anchor="t">
+            <a:spAutoFit/>
+          </a:bodyPr>
+          <a:lstStyle/>
+          <a:p>
+            <a:pPr algn="l">
+              <a:lnSpc>
+                <a:spcPct val="120000"/>
+              </a:lnSpc>
+            </a:pPr>
+            <a:r>
+              <a:rPr lang="en-US" sz="2000" dirty="0" smtClean="0">
+                <a:solidFill>
+                  <a:schemeClr val="accent1"/>
+                </a:solidFill>
+                <a:latin typeface="Segoe UI Light" panose="020B0502040204020203" pitchFamily="34" charset="0"/>
+                <a:cs typeface="Segoe UI Light" panose="020B0502040204020203" pitchFamily="34" charset="0"/>
+              </a:rPr>
+              <a:t>REBAR USED</a:t>
+            </a:r>
+            <a:endParaRPr lang="en-US" sz="2000" dirty="0" smtClean="0">
+              <a:solidFill>
+                <a:schemeClr val="accent1"/>
+              </a:solidFill>
+              <a:latin typeface="Segoe UI Light" panose="020B0502040204020203" pitchFamily="34" charset="0"/>
+              <a:cs typeface="Segoe UI Light" panose="020B0502040204020203" pitchFamily="34" charset="0"/>
+            </a:endParaRPr>
+          </a:p>
+        </p:txBody>
+      </p:sp>
     </p:spTree>
     <p:extLst>
       <p:ext uri="{BB962C8B-B14F-4D97-AF65-F5344CB8AC3E}">
@@ -34178,6 +35896,554 @@
           <a:chExt cx="0" cy="0"/>
         </a:xfrm>
       </p:grpSpPr>
+      <p:sp>
+        <p:nvSpPr>
+          <p:cNvPr id="4" name="文字版面配置區 3"/>
+          <p:cNvSpPr>
+            <a:spLocks noGrp="1"/>
+          </p:cNvSpPr>
+          <p:nvPr>
+            <p:ph type="body" sz="quarter" idx="10"/>
+          </p:nvPr>
+        </p:nvSpPr>
+        <p:spPr>
+          <a:xfrm>
+            <a:off x="839788" y="660400"/>
+            <a:ext cx="7770812" cy="1311128"/>
+          </a:xfrm>
+        </p:spPr>
+        <p:txBody>
+          <a:bodyPr/>
+          <a:lstStyle/>
+          <a:p>
+            <a:r>
+              <a:rPr lang="en-US" altLang="zh-TW" dirty="0"/>
+              <a:t>COMPARE WITH RCAD</a:t>
+            </a:r>
+            <a:endParaRPr lang="zh-TW" altLang="en-US" dirty="0"/>
+          </a:p>
+        </p:txBody>
+      </p:sp>
+      <p:sp>
+        <p:nvSpPr>
+          <p:cNvPr id="2" name="Slide Number Placeholder 1"/>
+          <p:cNvSpPr>
+            <a:spLocks noGrp="1"/>
+          </p:cNvSpPr>
+          <p:nvPr>
+            <p:ph type="sldNum" sz="quarter" idx="4"/>
+          </p:nvPr>
+        </p:nvSpPr>
+        <p:spPr/>
+        <p:txBody>
+          <a:bodyPr/>
+          <a:lstStyle/>
+          <a:p>
+            <a:fld id="{6F0746BA-D1AA-4FF4-8D48-BDBC7FF48778}" type="slidenum">
+              <a:rPr lang="fr-FR" smtClean="0"/>
+              <a:t>6</a:t>
+            </a:fld>
+            <a:endParaRPr lang="fr-FR"/>
+          </a:p>
+        </p:txBody>
+      </p:sp>
+      <p:pic>
+        <p:nvPicPr>
+          <p:cNvPr id="3" name="圖片 2"/>
+          <p:cNvPicPr>
+            <a:picLocks noChangeAspect="1"/>
+          </p:cNvPicPr>
+          <p:nvPr/>
+        </p:nvPicPr>
+        <p:blipFill>
+          <a:blip r:embed="rId3">
+            <a:clrChange>
+              <a:clrFrom>
+                <a:srgbClr val="FFFFFF"/>
+              </a:clrFrom>
+              <a:clrTo>
+                <a:srgbClr val="FFFFFF">
+                  <a:alpha val="0"/>
+                </a:srgbClr>
+              </a:clrTo>
+            </a:clrChange>
+            <a:extLst>
+              <a:ext uri="{28A0092B-C50C-407E-A947-70E740481C1C}">
+                <a14:useLocalDpi xmlns:a14="http://schemas.microsoft.com/office/drawing/2010/main" val="0"/>
+              </a:ext>
+            </a:extLst>
+          </a:blip>
+          <a:stretch>
+            <a:fillRect/>
+          </a:stretch>
+        </p:blipFill>
+        <p:spPr>
+          <a:xfrm>
+            <a:off x="1422400" y="1744662"/>
+            <a:ext cx="6096000" cy="4562475"/>
+          </a:xfrm>
+          <a:prstGeom prst="rect">
+            <a:avLst/>
+          </a:prstGeom>
+        </p:spPr>
+      </p:pic>
+      <p:sp>
+        <p:nvSpPr>
+          <p:cNvPr id="5" name="文字方塊 4"/>
+          <p:cNvSpPr txBox="1"/>
+          <p:nvPr/>
+        </p:nvSpPr>
+        <p:spPr>
+          <a:xfrm>
+            <a:off x="3771900" y="3804760"/>
+            <a:ext cx="1853713" cy="427425"/>
+          </a:xfrm>
+          <a:prstGeom prst="rect">
+            <a:avLst/>
+          </a:prstGeom>
+          <a:noFill/>
+        </p:spPr>
+        <p:txBody>
+          <a:bodyPr wrap="none" lIns="0" rtlCol="0" anchor="t">
+            <a:spAutoFit/>
+          </a:bodyPr>
+          <a:lstStyle/>
+          <a:p>
+            <a:pPr algn="l">
+              <a:lnSpc>
+                <a:spcPct val="120000"/>
+              </a:lnSpc>
+            </a:pPr>
+            <a:r>
+              <a:rPr lang="en-US" altLang="zh-TW" sz="2000" dirty="0" smtClean="0">
+                <a:solidFill>
+                  <a:schemeClr val="accent2"/>
+                </a:solidFill>
+                <a:latin typeface="Segoe UI Light" panose="020B0502040204020203" pitchFamily="34" charset="0"/>
+                <a:cs typeface="Segoe UI Light" panose="020B0502040204020203" pitchFamily="34" charset="0"/>
+              </a:rPr>
+              <a:t>ETABS DEMAND</a:t>
+            </a:r>
+            <a:endParaRPr lang="zh-TW" altLang="en-US" sz="2000" dirty="0" smtClean="0">
+              <a:solidFill>
+                <a:schemeClr val="accent2"/>
+              </a:solidFill>
+              <a:latin typeface="Segoe UI Light" panose="020B0502040204020203" pitchFamily="34" charset="0"/>
+              <a:cs typeface="Segoe UI Light" panose="020B0502040204020203" pitchFamily="34" charset="0"/>
+            </a:endParaRPr>
+          </a:p>
+        </p:txBody>
+      </p:sp>
+      <p:sp>
+        <p:nvSpPr>
+          <p:cNvPr id="6" name="文字方塊 5"/>
+          <p:cNvSpPr txBox="1"/>
+          <p:nvPr/>
+        </p:nvSpPr>
+        <p:spPr>
+          <a:xfrm>
+            <a:off x="5130800" y="2842077"/>
+            <a:ext cx="289503" cy="427425"/>
+          </a:xfrm>
+          <a:prstGeom prst="rect">
+            <a:avLst/>
+          </a:prstGeom>
+          <a:noFill/>
+        </p:spPr>
+        <p:txBody>
+          <a:bodyPr wrap="none" lIns="0" rtlCol="0" anchor="t">
+            <a:spAutoFit/>
+          </a:bodyPr>
+          <a:lstStyle/>
+          <a:p>
+            <a:pPr algn="l">
+              <a:lnSpc>
+                <a:spcPct val="120000"/>
+              </a:lnSpc>
+            </a:pPr>
+            <a:r>
+              <a:rPr lang="en-US" altLang="zh-TW" sz="2000" dirty="0" err="1" smtClean="0">
+                <a:solidFill>
+                  <a:schemeClr val="accent2"/>
+                </a:solidFill>
+                <a:latin typeface="Segoe UI Light" panose="020B0502040204020203" pitchFamily="34" charset="0"/>
+                <a:cs typeface="Segoe UI Light" panose="020B0502040204020203" pitchFamily="34" charset="0"/>
+              </a:rPr>
+              <a:t>ld</a:t>
+            </a:r>
+            <a:endParaRPr lang="zh-TW" altLang="en-US" sz="2000" dirty="0" smtClean="0">
+              <a:solidFill>
+                <a:schemeClr val="accent2"/>
+              </a:solidFill>
+              <a:latin typeface="Segoe UI Light" panose="020B0502040204020203" pitchFamily="34" charset="0"/>
+              <a:cs typeface="Segoe UI Light" panose="020B0502040204020203" pitchFamily="34" charset="0"/>
+            </a:endParaRPr>
+          </a:p>
+        </p:txBody>
+      </p:sp>
+      <p:sp>
+        <p:nvSpPr>
+          <p:cNvPr id="8" name="文字方塊 7"/>
+          <p:cNvSpPr txBox="1"/>
+          <p:nvPr/>
+        </p:nvSpPr>
+        <p:spPr>
+          <a:xfrm>
+            <a:off x="4936036" y="1744662"/>
+            <a:ext cx="1820370" cy="561436"/>
+          </a:xfrm>
+          <a:prstGeom prst="rect">
+            <a:avLst/>
+          </a:prstGeom>
+          <a:noFill/>
+        </p:spPr>
+        <p:txBody>
+          <a:bodyPr wrap="none" lIns="0" rtlCol="0" anchor="t">
+            <a:spAutoFit/>
+          </a:bodyPr>
+          <a:lstStyle/>
+          <a:p>
+            <a:pPr>
+              <a:lnSpc>
+                <a:spcPct val="120000"/>
+              </a:lnSpc>
+            </a:pPr>
+            <a:r>
+              <a:rPr lang="en-US" altLang="zh-TW" sz="2800" dirty="0">
+                <a:solidFill>
+                  <a:schemeClr val="accent1"/>
+                </a:solidFill>
+                <a:latin typeface="Segoe UI Light" panose="020B0502040204020203" pitchFamily="34" charset="0"/>
+                <a:cs typeface="Segoe UI Light" panose="020B0502040204020203" pitchFamily="34" charset="0"/>
+              </a:rPr>
+              <a:t>TRADITION</a:t>
+            </a:r>
+            <a:endParaRPr lang="zh-TW" altLang="en-US" sz="2800" dirty="0" smtClean="0">
+              <a:solidFill>
+                <a:schemeClr val="accent1"/>
+              </a:solidFill>
+              <a:latin typeface="Segoe UI Light" panose="020B0502040204020203" pitchFamily="34" charset="0"/>
+              <a:cs typeface="Segoe UI Light" panose="020B0502040204020203" pitchFamily="34" charset="0"/>
+            </a:endParaRPr>
+          </a:p>
+        </p:txBody>
+      </p:sp>
+      <p:sp>
+        <p:nvSpPr>
+          <p:cNvPr id="9" name="文字方塊 8"/>
+          <p:cNvSpPr txBox="1"/>
+          <p:nvPr/>
+        </p:nvSpPr>
+        <p:spPr>
+          <a:xfrm>
+            <a:off x="5355221" y="2440141"/>
+            <a:ext cx="982000" cy="561436"/>
+          </a:xfrm>
+          <a:prstGeom prst="rect">
+            <a:avLst/>
+          </a:prstGeom>
+          <a:noFill/>
+        </p:spPr>
+        <p:txBody>
+          <a:bodyPr wrap="none" lIns="0" rtlCol="0" anchor="t">
+            <a:spAutoFit/>
+          </a:bodyPr>
+          <a:lstStyle/>
+          <a:p>
+            <a:pPr algn="l">
+              <a:lnSpc>
+                <a:spcPct val="120000"/>
+              </a:lnSpc>
+            </a:pPr>
+            <a:r>
+              <a:rPr lang="en-US" altLang="zh-TW" sz="2800" dirty="0" smtClean="0">
+                <a:solidFill>
+                  <a:schemeClr val="accent3"/>
+                </a:solidFill>
+                <a:latin typeface="Segoe UI Light" panose="020B0502040204020203" pitchFamily="34" charset="0"/>
+                <a:cs typeface="Segoe UI Light" panose="020B0502040204020203" pitchFamily="34" charset="0"/>
+              </a:rPr>
+              <a:t>RCAD</a:t>
+            </a:r>
+            <a:endParaRPr lang="zh-TW" altLang="en-US" sz="2800" dirty="0" smtClean="0">
+              <a:solidFill>
+                <a:schemeClr val="accent3"/>
+              </a:solidFill>
+              <a:latin typeface="Segoe UI Light" panose="020B0502040204020203" pitchFamily="34" charset="0"/>
+              <a:cs typeface="Segoe UI Light" panose="020B0502040204020203" pitchFamily="34" charset="0"/>
+            </a:endParaRPr>
+          </a:p>
+        </p:txBody>
+      </p:sp>
+      <p:sp>
+        <p:nvSpPr>
+          <p:cNvPr id="10" name="文字方塊 9"/>
+          <p:cNvSpPr txBox="1"/>
+          <p:nvPr/>
+        </p:nvSpPr>
+        <p:spPr>
+          <a:xfrm>
+            <a:off x="4093697" y="5471588"/>
+            <a:ext cx="982000" cy="561436"/>
+          </a:xfrm>
+          <a:prstGeom prst="rect">
+            <a:avLst/>
+          </a:prstGeom>
+          <a:noFill/>
+        </p:spPr>
+        <p:txBody>
+          <a:bodyPr wrap="none" lIns="0" rtlCol="0" anchor="t">
+            <a:spAutoFit/>
+          </a:bodyPr>
+          <a:lstStyle/>
+          <a:p>
+            <a:pPr algn="l">
+              <a:lnSpc>
+                <a:spcPct val="120000"/>
+              </a:lnSpc>
+            </a:pPr>
+            <a:r>
+              <a:rPr lang="en-US" altLang="zh-TW" sz="2800" dirty="0" smtClean="0">
+                <a:solidFill>
+                  <a:schemeClr val="accent3"/>
+                </a:solidFill>
+                <a:latin typeface="Segoe UI Light" panose="020B0502040204020203" pitchFamily="34" charset="0"/>
+                <a:cs typeface="Segoe UI Light" panose="020B0502040204020203" pitchFamily="34" charset="0"/>
+              </a:rPr>
+              <a:t>RCAD</a:t>
+            </a:r>
+            <a:endParaRPr lang="zh-TW" altLang="en-US" sz="2800" dirty="0" smtClean="0">
+              <a:solidFill>
+                <a:schemeClr val="accent3"/>
+              </a:solidFill>
+              <a:latin typeface="Segoe UI Light" panose="020B0502040204020203" pitchFamily="34" charset="0"/>
+              <a:cs typeface="Segoe UI Light" panose="020B0502040204020203" pitchFamily="34" charset="0"/>
+            </a:endParaRPr>
+          </a:p>
+        </p:txBody>
+      </p:sp>
+      <p:sp>
+        <p:nvSpPr>
+          <p:cNvPr id="11" name="文字方塊 10"/>
+          <p:cNvSpPr txBox="1"/>
+          <p:nvPr/>
+        </p:nvSpPr>
+        <p:spPr>
+          <a:xfrm>
+            <a:off x="5420303" y="4708225"/>
+            <a:ext cx="1820370" cy="561436"/>
+          </a:xfrm>
+          <a:prstGeom prst="rect">
+            <a:avLst/>
+          </a:prstGeom>
+          <a:noFill/>
+        </p:spPr>
+        <p:txBody>
+          <a:bodyPr wrap="none" lIns="0" rtlCol="0" anchor="t">
+            <a:spAutoFit/>
+          </a:bodyPr>
+          <a:lstStyle/>
+          <a:p>
+            <a:pPr>
+              <a:lnSpc>
+                <a:spcPct val="120000"/>
+              </a:lnSpc>
+            </a:pPr>
+            <a:r>
+              <a:rPr lang="en-US" altLang="zh-TW" sz="2800" dirty="0">
+                <a:solidFill>
+                  <a:schemeClr val="accent1"/>
+                </a:solidFill>
+                <a:latin typeface="Segoe UI Light" panose="020B0502040204020203" pitchFamily="34" charset="0"/>
+                <a:cs typeface="Segoe UI Light" panose="020B0502040204020203" pitchFamily="34" charset="0"/>
+              </a:rPr>
+              <a:t>TRADITION</a:t>
+            </a:r>
+            <a:endParaRPr lang="zh-TW" altLang="en-US" sz="2800" dirty="0" smtClean="0">
+              <a:solidFill>
+                <a:schemeClr val="accent1"/>
+              </a:solidFill>
+              <a:latin typeface="Segoe UI Light" panose="020B0502040204020203" pitchFamily="34" charset="0"/>
+              <a:cs typeface="Segoe UI Light" panose="020B0502040204020203" pitchFamily="34" charset="0"/>
+            </a:endParaRPr>
+          </a:p>
+        </p:txBody>
+      </p:sp>
+      <p:sp>
+        <p:nvSpPr>
+          <p:cNvPr id="16" name="TextBox 15"/>
+          <p:cNvSpPr txBox="1"/>
+          <p:nvPr/>
+        </p:nvSpPr>
+        <p:spPr>
+          <a:xfrm>
+            <a:off x="7977249" y="1560401"/>
+            <a:ext cx="3737231" cy="2456057"/>
+          </a:xfrm>
+          <a:prstGeom prst="rect">
+            <a:avLst/>
+          </a:prstGeom>
+          <a:noFill/>
+        </p:spPr>
+        <p:txBody>
+          <a:bodyPr wrap="square" lIns="0" rtlCol="0" anchor="t">
+            <a:spAutoFit/>
+          </a:bodyPr>
+          <a:lstStyle/>
+          <a:p>
+            <a:pPr algn="l">
+              <a:lnSpc>
+                <a:spcPct val="120000"/>
+              </a:lnSpc>
+            </a:pPr>
+            <a:r>
+              <a:rPr lang="en-US" altLang="zh-TW" sz="2800" dirty="0" smtClean="0">
+                <a:latin typeface="Segoe UI Light" panose="020B0502040204020203" pitchFamily="34" charset="0"/>
+                <a:cs typeface="Segoe UI Light" panose="020B0502040204020203" pitchFamily="34" charset="0"/>
+              </a:rPr>
+              <a:t>CONCLUSION:</a:t>
+            </a:r>
+          </a:p>
+          <a:p>
+            <a:pPr marL="457200" indent="-457200">
+              <a:lnSpc>
+                <a:spcPct val="120000"/>
+              </a:lnSpc>
+              <a:buFontTx/>
+              <a:buChar char="-"/>
+            </a:pPr>
+            <a:r>
+              <a:rPr lang="en-US" altLang="zh-TW" sz="2000" dirty="0" smtClean="0">
+                <a:latin typeface="Segoe UI Light" panose="020B0502040204020203" pitchFamily="34" charset="0"/>
+                <a:cs typeface="Segoe UI Light" panose="020B0502040204020203" pitchFamily="34" charset="0"/>
+              </a:rPr>
+              <a:t>MOSTLY SAME</a:t>
+            </a:r>
+          </a:p>
+          <a:p>
+            <a:pPr marL="457200" indent="-457200">
+              <a:lnSpc>
+                <a:spcPct val="120000"/>
+              </a:lnSpc>
+              <a:buFontTx/>
+              <a:buChar char="-"/>
+            </a:pPr>
+            <a:r>
+              <a:rPr lang="en-US" sz="2000" dirty="0">
+                <a:latin typeface="Segoe UI Light" panose="020B0502040204020203" pitchFamily="34" charset="0"/>
+                <a:cs typeface="Segoe UI Light" panose="020B0502040204020203" pitchFamily="34" charset="0"/>
+              </a:rPr>
+              <a:t>TOTAL </a:t>
+            </a:r>
+            <a:r>
+              <a:rPr lang="en-US" sz="2000" dirty="0" smtClean="0">
+                <a:latin typeface="Segoe UI Light" panose="020B0502040204020203" pitchFamily="34" charset="0"/>
+                <a:cs typeface="Segoe UI Light" panose="020B0502040204020203" pitchFamily="34" charset="0"/>
+              </a:rPr>
+              <a:t>REBAR USED ALMOST </a:t>
+            </a:r>
+            <a:r>
+              <a:rPr lang="en-US" sz="2000" dirty="0">
+                <a:latin typeface="Segoe UI Light" panose="020B0502040204020203" pitchFamily="34" charset="0"/>
+                <a:cs typeface="Segoe UI Light" panose="020B0502040204020203" pitchFamily="34" charset="0"/>
+              </a:rPr>
+              <a:t>THE </a:t>
+            </a:r>
+            <a:r>
+              <a:rPr lang="en-US" sz="2000" dirty="0" smtClean="0">
+                <a:latin typeface="Segoe UI Light" panose="020B0502040204020203" pitchFamily="34" charset="0"/>
+                <a:cs typeface="Segoe UI Light" panose="020B0502040204020203" pitchFamily="34" charset="0"/>
+              </a:rPr>
+              <a:t>SAME</a:t>
+            </a:r>
+          </a:p>
+          <a:p>
+            <a:pPr marL="457200" indent="-457200">
+              <a:lnSpc>
+                <a:spcPct val="120000"/>
+              </a:lnSpc>
+              <a:buFontTx/>
+              <a:buChar char="-"/>
+            </a:pPr>
+            <a:r>
+              <a:rPr lang="en-US" sz="2000" dirty="0" smtClean="0">
+                <a:latin typeface="Segoe UI Light" panose="020B0502040204020203" pitchFamily="34" charset="0"/>
+                <a:cs typeface="Segoe UI Light" panose="020B0502040204020203" pitchFamily="34" charset="0"/>
+              </a:rPr>
+              <a:t>EXISTING DIFFERENT</a:t>
+            </a:r>
+          </a:p>
+          <a:p>
+            <a:pPr marL="457200" indent="-457200">
+              <a:lnSpc>
+                <a:spcPct val="120000"/>
+              </a:lnSpc>
+              <a:buFontTx/>
+              <a:buChar char="-"/>
+            </a:pPr>
+            <a:r>
+              <a:rPr lang="en-US" sz="2000" dirty="0" smtClean="0">
+                <a:latin typeface="Segoe UI Light" panose="020B0502040204020203" pitchFamily="34" charset="0"/>
+                <a:cs typeface="Segoe UI Light" panose="020B0502040204020203" pitchFamily="34" charset="0"/>
+              </a:rPr>
+              <a:t>USER DEFINED</a:t>
+            </a:r>
+            <a:endParaRPr lang="en-US" sz="2000" dirty="0" smtClean="0">
+              <a:latin typeface="Segoe UI Light" panose="020B0502040204020203" pitchFamily="34" charset="0"/>
+              <a:cs typeface="Segoe UI Light" panose="020B0502040204020203" pitchFamily="34" charset="0"/>
+            </a:endParaRPr>
+          </a:p>
+        </p:txBody>
+      </p:sp>
+    </p:spTree>
+    <p:extLst>
+      <p:ext uri="{BB962C8B-B14F-4D97-AF65-F5344CB8AC3E}">
+        <p14:creationId xmlns:p14="http://schemas.microsoft.com/office/powerpoint/2010/main" val="1172940187"/>
+      </p:ext>
+    </p:extLst>
+  </p:cSld>
+  <p:clrMapOvr>
+    <a:masterClrMapping/>
+  </p:clrMapOvr>
+  <mc:AlternateContent xmlns:mc="http://schemas.openxmlformats.org/markup-compatibility/2006" xmlns:p14="http://schemas.microsoft.com/office/powerpoint/2010/main">
+    <mc:Choice Requires="p14">
+      <p:transition spd="med" p14:dur="700">
+        <p:fade/>
+      </p:transition>
+    </mc:Choice>
+    <mc:Fallback xmlns="">
+      <p:transition spd="med">
+        <p:fade/>
+      </p:transition>
+    </mc:Fallback>
+  </mc:AlternateContent>
+  <p:timing>
+    <p:tnLst>
+      <p:par>
+        <p:cTn id="1" dur="indefinite" restart="never" nodeType="tmRoot"/>
+      </p:par>
+    </p:tnLst>
+  </p:timing>
+</p:sld>
+</file>
+
+<file path=ppt/slides/slide7.xml><?xml version="1.0" encoding="utf-8"?>
+<p:sld xmlns:a="http://schemas.openxmlformats.org/drawingml/2006/main" xmlns:r="http://schemas.openxmlformats.org/officeDocument/2006/relationships" xmlns:p="http://schemas.openxmlformats.org/presentationml/2006/main">
+  <p:cSld>
+    <p:spTree>
+      <p:nvGrpSpPr>
+        <p:cNvPr id="1" name=""/>
+        <p:cNvGrpSpPr/>
+        <p:nvPr/>
+      </p:nvGrpSpPr>
+      <p:grpSpPr>
+        <a:xfrm>
+          <a:off x="0" y="0"/>
+          <a:ext cx="0" cy="0"/>
+          <a:chOff x="0" y="0"/>
+          <a:chExt cx="0" cy="0"/>
+        </a:xfrm>
+      </p:grpSpPr>
       <p:pic>
         <p:nvPicPr>
           <p:cNvPr id="16" name="圖片 15"/>
@@ -34251,7 +36517,7 @@
           <a:p>
             <a:fld id="{6F0746BA-D1AA-4FF4-8D48-BDBC7FF48778}" type="slidenum">
               <a:rPr lang="fr-FR" smtClean="0"/>
-              <a:t>6</a:t>
+              <a:t>7</a:t>
             </a:fld>
             <a:endParaRPr lang="fr-FR"/>
           </a:p>
@@ -34948,432 +37214,46 @@
           </a:p>
         </p:txBody>
       </p:sp>
+      <p:cxnSp>
+        <p:nvCxnSpPr>
+          <p:cNvPr id="10" name="Straight Arrow Connector 9"/>
+          <p:cNvCxnSpPr/>
+          <p:nvPr/>
+        </p:nvCxnSpPr>
+        <p:spPr>
+          <a:xfrm>
+            <a:off x="8879840" y="3434080"/>
+            <a:ext cx="426720" cy="0"/>
+          </a:xfrm>
+          <a:prstGeom prst="straightConnector1">
+            <a:avLst/>
+          </a:prstGeom>
+          <a:ln>
+            <a:solidFill>
+              <a:schemeClr val="tx1"/>
+            </a:solidFill>
+            <a:tailEnd type="triangle"/>
+          </a:ln>
+        </p:spPr>
+        <p:style>
+          <a:lnRef idx="1">
+            <a:schemeClr val="accent1"/>
+          </a:lnRef>
+          <a:fillRef idx="0">
+            <a:schemeClr val="accent1"/>
+          </a:fillRef>
+          <a:effectRef idx="0">
+            <a:schemeClr val="accent1"/>
+          </a:effectRef>
+          <a:fontRef idx="minor">
+            <a:schemeClr val="tx1"/>
+          </a:fontRef>
+        </p:style>
+      </p:cxnSp>
     </p:spTree>
     <p:extLst>
       <p:ext uri="{BB962C8B-B14F-4D97-AF65-F5344CB8AC3E}">
         <p14:creationId xmlns:p14="http://schemas.microsoft.com/office/powerpoint/2010/main" val="4012728454"/>
-      </p:ext>
-    </p:extLst>
-  </p:cSld>
-  <p:clrMapOvr>
-    <a:masterClrMapping/>
-  </p:clrMapOvr>
-  <mc:AlternateContent xmlns:mc="http://schemas.openxmlformats.org/markup-compatibility/2006" xmlns:p14="http://schemas.microsoft.com/office/powerpoint/2010/main">
-    <mc:Choice Requires="p14">
-      <p:transition spd="med" p14:dur="700">
-        <p:fade/>
-      </p:transition>
-    </mc:Choice>
-    <mc:Fallback xmlns="">
-      <p:transition spd="med">
-        <p:fade/>
-      </p:transition>
-    </mc:Fallback>
-  </mc:AlternateContent>
-  <p:timing>
-    <p:tnLst>
-      <p:par>
-        <p:cTn id="1" dur="indefinite" restart="never" nodeType="tmRoot"/>
-      </p:par>
-    </p:tnLst>
-  </p:timing>
-</p:sld>
-</file>
-
-<file path=ppt/slides/slide7.xml><?xml version="1.0" encoding="utf-8"?>
-<p:sld xmlns:a="http://schemas.openxmlformats.org/drawingml/2006/main" xmlns:r="http://schemas.openxmlformats.org/officeDocument/2006/relationships" xmlns:p="http://schemas.openxmlformats.org/presentationml/2006/main">
-  <p:cSld>
-    <p:spTree>
-      <p:nvGrpSpPr>
-        <p:cNvPr id="1" name=""/>
-        <p:cNvGrpSpPr/>
-        <p:nvPr/>
-      </p:nvGrpSpPr>
-      <p:grpSpPr>
-        <a:xfrm>
-          <a:off x="0" y="0"/>
-          <a:ext cx="0" cy="0"/>
-          <a:chOff x="0" y="0"/>
-          <a:chExt cx="0" cy="0"/>
-        </a:xfrm>
-      </p:grpSpPr>
-      <p:sp>
-        <p:nvSpPr>
-          <p:cNvPr id="4" name="文字版面配置區 3"/>
-          <p:cNvSpPr>
-            <a:spLocks noGrp="1"/>
-          </p:cNvSpPr>
-          <p:nvPr>
-            <p:ph type="body" sz="quarter" idx="10"/>
-          </p:nvPr>
-        </p:nvSpPr>
-        <p:spPr>
-          <a:xfrm>
-            <a:off x="839788" y="660400"/>
-            <a:ext cx="7770812" cy="1311128"/>
-          </a:xfrm>
-        </p:spPr>
-        <p:txBody>
-          <a:bodyPr/>
-          <a:lstStyle/>
-          <a:p>
-            <a:r>
-              <a:rPr lang="en-US" altLang="zh-TW" dirty="0"/>
-              <a:t>COMPARE WITH RCAD</a:t>
-            </a:r>
-            <a:endParaRPr lang="zh-TW" altLang="en-US" dirty="0"/>
-          </a:p>
-        </p:txBody>
-      </p:sp>
-      <p:sp>
-        <p:nvSpPr>
-          <p:cNvPr id="2" name="Slide Number Placeholder 1"/>
-          <p:cNvSpPr>
-            <a:spLocks noGrp="1"/>
-          </p:cNvSpPr>
-          <p:nvPr>
-            <p:ph type="sldNum" sz="quarter" idx="4"/>
-          </p:nvPr>
-        </p:nvSpPr>
-        <p:spPr/>
-        <p:txBody>
-          <a:bodyPr/>
-          <a:lstStyle/>
-          <a:p>
-            <a:fld id="{6F0746BA-D1AA-4FF4-8D48-BDBC7FF48778}" type="slidenum">
-              <a:rPr lang="fr-FR" smtClean="0"/>
-              <a:t>7</a:t>
-            </a:fld>
-            <a:endParaRPr lang="fr-FR"/>
-          </a:p>
-        </p:txBody>
-      </p:sp>
-      <p:pic>
-        <p:nvPicPr>
-          <p:cNvPr id="3" name="圖片 2"/>
-          <p:cNvPicPr>
-            <a:picLocks noChangeAspect="1"/>
-          </p:cNvPicPr>
-          <p:nvPr/>
-        </p:nvPicPr>
-        <p:blipFill>
-          <a:blip r:embed="rId3">
-            <a:clrChange>
-              <a:clrFrom>
-                <a:srgbClr val="FFFFFF"/>
-              </a:clrFrom>
-              <a:clrTo>
-                <a:srgbClr val="FFFFFF">
-                  <a:alpha val="0"/>
-                </a:srgbClr>
-              </a:clrTo>
-            </a:clrChange>
-            <a:extLst>
-              <a:ext uri="{28A0092B-C50C-407E-A947-70E740481C1C}">
-                <a14:useLocalDpi xmlns:a14="http://schemas.microsoft.com/office/drawing/2010/main" val="0"/>
-              </a:ext>
-            </a:extLst>
-          </a:blip>
-          <a:stretch>
-            <a:fillRect/>
-          </a:stretch>
-        </p:blipFill>
-        <p:spPr>
-          <a:xfrm>
-            <a:off x="3048000" y="1744662"/>
-            <a:ext cx="6096000" cy="4562475"/>
-          </a:xfrm>
-          <a:prstGeom prst="rect">
-            <a:avLst/>
-          </a:prstGeom>
-        </p:spPr>
-      </p:pic>
-      <p:sp>
-        <p:nvSpPr>
-          <p:cNvPr id="5" name="文字方塊 4"/>
-          <p:cNvSpPr txBox="1"/>
-          <p:nvPr/>
-        </p:nvSpPr>
-        <p:spPr>
-          <a:xfrm>
-            <a:off x="5397500" y="3804760"/>
-            <a:ext cx="1853713" cy="427425"/>
-          </a:xfrm>
-          <a:prstGeom prst="rect">
-            <a:avLst/>
-          </a:prstGeom>
-          <a:noFill/>
-        </p:spPr>
-        <p:txBody>
-          <a:bodyPr wrap="none" lIns="0" rtlCol="0" anchor="t">
-            <a:spAutoFit/>
-          </a:bodyPr>
-          <a:lstStyle/>
-          <a:p>
-            <a:pPr algn="l">
-              <a:lnSpc>
-                <a:spcPct val="120000"/>
-              </a:lnSpc>
-            </a:pPr>
-            <a:r>
-              <a:rPr lang="en-US" altLang="zh-TW" sz="2000" dirty="0" smtClean="0">
-                <a:solidFill>
-                  <a:schemeClr val="accent2"/>
-                </a:solidFill>
-                <a:latin typeface="Segoe UI Light" panose="020B0502040204020203" pitchFamily="34" charset="0"/>
-                <a:cs typeface="Segoe UI Light" panose="020B0502040204020203" pitchFamily="34" charset="0"/>
-              </a:rPr>
-              <a:t>ETABS DEMAND</a:t>
-            </a:r>
-            <a:endParaRPr lang="zh-TW" altLang="en-US" sz="2000" dirty="0" smtClean="0">
-              <a:solidFill>
-                <a:schemeClr val="accent2"/>
-              </a:solidFill>
-              <a:latin typeface="Segoe UI Light" panose="020B0502040204020203" pitchFamily="34" charset="0"/>
-              <a:cs typeface="Segoe UI Light" panose="020B0502040204020203" pitchFamily="34" charset="0"/>
-            </a:endParaRPr>
-          </a:p>
-        </p:txBody>
-      </p:sp>
-      <p:sp>
-        <p:nvSpPr>
-          <p:cNvPr id="6" name="文字方塊 5"/>
-          <p:cNvSpPr txBox="1"/>
-          <p:nvPr/>
-        </p:nvSpPr>
-        <p:spPr>
-          <a:xfrm>
-            <a:off x="6756400" y="2842077"/>
-            <a:ext cx="289503" cy="427425"/>
-          </a:xfrm>
-          <a:prstGeom prst="rect">
-            <a:avLst/>
-          </a:prstGeom>
-          <a:noFill/>
-        </p:spPr>
-        <p:txBody>
-          <a:bodyPr wrap="none" lIns="0" rtlCol="0" anchor="t">
-            <a:spAutoFit/>
-          </a:bodyPr>
-          <a:lstStyle/>
-          <a:p>
-            <a:pPr algn="l">
-              <a:lnSpc>
-                <a:spcPct val="120000"/>
-              </a:lnSpc>
-            </a:pPr>
-            <a:r>
-              <a:rPr lang="en-US" altLang="zh-TW" sz="2000" dirty="0" err="1" smtClean="0">
-                <a:solidFill>
-                  <a:schemeClr val="accent2"/>
-                </a:solidFill>
-                <a:latin typeface="Segoe UI Light" panose="020B0502040204020203" pitchFamily="34" charset="0"/>
-                <a:cs typeface="Segoe UI Light" panose="020B0502040204020203" pitchFamily="34" charset="0"/>
-              </a:rPr>
-              <a:t>ld</a:t>
-            </a:r>
-            <a:endParaRPr lang="zh-TW" altLang="en-US" sz="2000" dirty="0" smtClean="0">
-              <a:solidFill>
-                <a:schemeClr val="accent2"/>
-              </a:solidFill>
-              <a:latin typeface="Segoe UI Light" panose="020B0502040204020203" pitchFamily="34" charset="0"/>
-              <a:cs typeface="Segoe UI Light" panose="020B0502040204020203" pitchFamily="34" charset="0"/>
-            </a:endParaRPr>
-          </a:p>
-        </p:txBody>
-      </p:sp>
-      <p:sp>
-        <p:nvSpPr>
-          <p:cNvPr id="8" name="文字方塊 7"/>
-          <p:cNvSpPr txBox="1"/>
-          <p:nvPr/>
-        </p:nvSpPr>
-        <p:spPr>
-          <a:xfrm>
-            <a:off x="6561636" y="1744662"/>
-            <a:ext cx="1820370" cy="561436"/>
-          </a:xfrm>
-          <a:prstGeom prst="rect">
-            <a:avLst/>
-          </a:prstGeom>
-          <a:noFill/>
-        </p:spPr>
-        <p:txBody>
-          <a:bodyPr wrap="none" lIns="0" rtlCol="0" anchor="t">
-            <a:spAutoFit/>
-          </a:bodyPr>
-          <a:lstStyle/>
-          <a:p>
-            <a:pPr>
-              <a:lnSpc>
-                <a:spcPct val="120000"/>
-              </a:lnSpc>
-            </a:pPr>
-            <a:r>
-              <a:rPr lang="en-US" altLang="zh-TW" sz="2800" dirty="0">
-                <a:solidFill>
-                  <a:schemeClr val="accent1"/>
-                </a:solidFill>
-                <a:latin typeface="Segoe UI Light" panose="020B0502040204020203" pitchFamily="34" charset="0"/>
-                <a:cs typeface="Segoe UI Light" panose="020B0502040204020203" pitchFamily="34" charset="0"/>
-              </a:rPr>
-              <a:t>TRADITION</a:t>
-            </a:r>
-            <a:endParaRPr lang="zh-TW" altLang="en-US" sz="2800" dirty="0" smtClean="0">
-              <a:solidFill>
-                <a:schemeClr val="accent1"/>
-              </a:solidFill>
-              <a:latin typeface="Segoe UI Light" panose="020B0502040204020203" pitchFamily="34" charset="0"/>
-              <a:cs typeface="Segoe UI Light" panose="020B0502040204020203" pitchFamily="34" charset="0"/>
-            </a:endParaRPr>
-          </a:p>
-        </p:txBody>
-      </p:sp>
-      <p:sp>
-        <p:nvSpPr>
-          <p:cNvPr id="9" name="文字方塊 8"/>
-          <p:cNvSpPr txBox="1"/>
-          <p:nvPr/>
-        </p:nvSpPr>
-        <p:spPr>
-          <a:xfrm>
-            <a:off x="8767297" y="2163135"/>
-            <a:ext cx="982000" cy="561436"/>
-          </a:xfrm>
-          <a:prstGeom prst="rect">
-            <a:avLst/>
-          </a:prstGeom>
-          <a:noFill/>
-        </p:spPr>
-        <p:txBody>
-          <a:bodyPr wrap="none" lIns="0" rtlCol="0" anchor="t">
-            <a:spAutoFit/>
-          </a:bodyPr>
-          <a:lstStyle/>
-          <a:p>
-            <a:pPr algn="l">
-              <a:lnSpc>
-                <a:spcPct val="120000"/>
-              </a:lnSpc>
-            </a:pPr>
-            <a:r>
-              <a:rPr lang="en-US" altLang="zh-TW" sz="2800" dirty="0" smtClean="0">
-                <a:solidFill>
-                  <a:schemeClr val="accent3"/>
-                </a:solidFill>
-                <a:latin typeface="Segoe UI Light" panose="020B0502040204020203" pitchFamily="34" charset="0"/>
-                <a:cs typeface="Segoe UI Light" panose="020B0502040204020203" pitchFamily="34" charset="0"/>
-              </a:rPr>
-              <a:t>RCAD</a:t>
-            </a:r>
-            <a:endParaRPr lang="zh-TW" altLang="en-US" sz="2800" dirty="0" smtClean="0">
-              <a:solidFill>
-                <a:schemeClr val="accent3"/>
-              </a:solidFill>
-              <a:latin typeface="Segoe UI Light" panose="020B0502040204020203" pitchFamily="34" charset="0"/>
-              <a:cs typeface="Segoe UI Light" panose="020B0502040204020203" pitchFamily="34" charset="0"/>
-            </a:endParaRPr>
-          </a:p>
-        </p:txBody>
-      </p:sp>
-      <p:sp>
-        <p:nvSpPr>
-          <p:cNvPr id="10" name="文字方塊 9"/>
-          <p:cNvSpPr txBox="1"/>
-          <p:nvPr/>
-        </p:nvSpPr>
-        <p:spPr>
-          <a:xfrm>
-            <a:off x="5719297" y="5471588"/>
-            <a:ext cx="982000" cy="561436"/>
-          </a:xfrm>
-          <a:prstGeom prst="rect">
-            <a:avLst/>
-          </a:prstGeom>
-          <a:noFill/>
-        </p:spPr>
-        <p:txBody>
-          <a:bodyPr wrap="none" lIns="0" rtlCol="0" anchor="t">
-            <a:spAutoFit/>
-          </a:bodyPr>
-          <a:lstStyle/>
-          <a:p>
-            <a:pPr algn="l">
-              <a:lnSpc>
-                <a:spcPct val="120000"/>
-              </a:lnSpc>
-            </a:pPr>
-            <a:r>
-              <a:rPr lang="en-US" altLang="zh-TW" sz="2800" dirty="0" smtClean="0">
-                <a:solidFill>
-                  <a:schemeClr val="accent3"/>
-                </a:solidFill>
-                <a:latin typeface="Segoe UI Light" panose="020B0502040204020203" pitchFamily="34" charset="0"/>
-                <a:cs typeface="Segoe UI Light" panose="020B0502040204020203" pitchFamily="34" charset="0"/>
-              </a:rPr>
-              <a:t>RCAD</a:t>
-            </a:r>
-            <a:endParaRPr lang="zh-TW" altLang="en-US" sz="2800" dirty="0" smtClean="0">
-              <a:solidFill>
-                <a:schemeClr val="accent3"/>
-              </a:solidFill>
-              <a:latin typeface="Segoe UI Light" panose="020B0502040204020203" pitchFamily="34" charset="0"/>
-              <a:cs typeface="Segoe UI Light" panose="020B0502040204020203" pitchFamily="34" charset="0"/>
-            </a:endParaRPr>
-          </a:p>
-        </p:txBody>
-      </p:sp>
-      <p:sp>
-        <p:nvSpPr>
-          <p:cNvPr id="11" name="文字方塊 10"/>
-          <p:cNvSpPr txBox="1"/>
-          <p:nvPr/>
-        </p:nvSpPr>
-        <p:spPr>
-          <a:xfrm>
-            <a:off x="7045903" y="4708225"/>
-            <a:ext cx="1820370" cy="561436"/>
-          </a:xfrm>
-          <a:prstGeom prst="rect">
-            <a:avLst/>
-          </a:prstGeom>
-          <a:noFill/>
-        </p:spPr>
-        <p:txBody>
-          <a:bodyPr wrap="none" lIns="0" rtlCol="0" anchor="t">
-            <a:spAutoFit/>
-          </a:bodyPr>
-          <a:lstStyle/>
-          <a:p>
-            <a:pPr>
-              <a:lnSpc>
-                <a:spcPct val="120000"/>
-              </a:lnSpc>
-            </a:pPr>
-            <a:r>
-              <a:rPr lang="en-US" altLang="zh-TW" sz="2800" dirty="0">
-                <a:solidFill>
-                  <a:schemeClr val="accent1"/>
-                </a:solidFill>
-                <a:latin typeface="Segoe UI Light" panose="020B0502040204020203" pitchFamily="34" charset="0"/>
-                <a:cs typeface="Segoe UI Light" panose="020B0502040204020203" pitchFamily="34" charset="0"/>
-              </a:rPr>
-              <a:t>TRADITION</a:t>
-            </a:r>
-            <a:endParaRPr lang="zh-TW" altLang="en-US" sz="2800" dirty="0" smtClean="0">
-              <a:solidFill>
-                <a:schemeClr val="accent1"/>
-              </a:solidFill>
-              <a:latin typeface="Segoe UI Light" panose="020B0502040204020203" pitchFamily="34" charset="0"/>
-              <a:cs typeface="Segoe UI Light" panose="020B0502040204020203" pitchFamily="34" charset="0"/>
-            </a:endParaRPr>
-          </a:p>
-        </p:txBody>
-      </p:sp>
-    </p:spTree>
-    <p:extLst>
-      <p:ext uri="{BB962C8B-B14F-4D97-AF65-F5344CB8AC3E}">
-        <p14:creationId xmlns:p14="http://schemas.microsoft.com/office/powerpoint/2010/main" val="1172940187"/>
       </p:ext>
     </p:extLst>
   </p:cSld>
@@ -36879,15 +38759,6 @@
 </file>
 
 <file path=customXml/item1.xml><?xml version="1.0" encoding="utf-8"?>
-<?mso-contentType ?>
-<FormTemplates xmlns="http://schemas.microsoft.com/sharepoint/v3/contenttype/forms">
-  <Display>DocumentLibraryForm</Display>
-  <Edit>DocumentLibraryForm</Edit>
-  <New>DocumentLibraryForm</New>
-</FormTemplates>
-</file>
-
-<file path=customXml/item2.xml><?xml version="1.0" encoding="utf-8"?>
 <ct:contentTypeSchema xmlns:ct="http://schemas.microsoft.com/office/2006/metadata/contentType" xmlns:ma="http://schemas.microsoft.com/office/2006/metadata/properties/metaAttributes" ct:_="" ma:_="" ma:contentTypeName="Document" ma:contentTypeID="0x01010005FA520563873D4EB8CBD5344A351BEB" ma:contentTypeVersion="0" ma:contentTypeDescription="Crée un document." ma:contentTypeScope="" ma:versionID="005ce72954985de94fc750614f2007cc">
   <xsd:schema xmlns:xsd="http://www.w3.org/2001/XMLSchema" xmlns:xs="http://www.w3.org/2001/XMLSchema" xmlns:p="http://schemas.microsoft.com/office/2006/metadata/properties" targetNamespace="http://schemas.microsoft.com/office/2006/metadata/properties" ma:root="true" ma:fieldsID="36883d0f3030e52908f9a4448a35c02a">
     <xsd:element name="properties">
@@ -37001,6 +38872,15 @@
 </ct:contentTypeSchema>
 </file>
 
+<file path=customXml/item2.xml><?xml version="1.0" encoding="utf-8"?>
+<?mso-contentType ?>
+<FormTemplates xmlns="http://schemas.microsoft.com/sharepoint/v3/contenttype/forms">
+  <Display>DocumentLibraryForm</Display>
+  <Edit>DocumentLibraryForm</Edit>
+  <New>DocumentLibraryForm</New>
+</FormTemplates>
+</file>
+
 <file path=customXml/item3.xml><?xml version="1.0" encoding="utf-8"?>
 <p:properties xmlns:p="http://schemas.microsoft.com/office/2006/metadata/properties" xmlns:xsi="http://www.w3.org/2001/XMLSchema-instance" xmlns:pc="http://schemas.microsoft.com/office/infopath/2007/PartnerControls">
   <documentManagement/>
@@ -37008,14 +38888,6 @@
 </file>
 
 <file path=customXml/itemProps1.xml><?xml version="1.0" encoding="utf-8"?>
-<ds:datastoreItem xmlns:ds="http://schemas.openxmlformats.org/officeDocument/2006/customXml" ds:itemID="{95457E87-E546-449E-A4D1-371201992E58}">
-  <ds:schemaRefs>
-    <ds:schemaRef ds:uri="http://schemas.microsoft.com/sharepoint/v3/contenttype/forms"/>
-  </ds:schemaRefs>
-</ds:datastoreItem>
-</file>
-
-<file path=customXml/itemProps2.xml><?xml version="1.0" encoding="utf-8"?>
 <ds:datastoreItem xmlns:ds="http://schemas.openxmlformats.org/officeDocument/2006/customXml" ds:itemID="{FF14EDAB-351E-4851-B148-260C81C296AA}">
   <ds:schemaRefs>
     <ds:schemaRef ds:uri="http://schemas.microsoft.com/office/2006/metadata/contentType"/>
@@ -37027,6 +38899,14 @@
     <ds:schemaRef ds:uri="http://purl.org/dc/terms/"/>
     <ds:schemaRef ds:uri="http://schemas.microsoft.com/internal/obd"/>
     <ds:schemaRef ds:uri="http://schemas.microsoft.com/office/infopath/2007/PartnerControls"/>
+  </ds:schemaRefs>
+</ds:datastoreItem>
+</file>
+
+<file path=customXml/itemProps2.xml><?xml version="1.0" encoding="utf-8"?>
+<ds:datastoreItem xmlns:ds="http://schemas.openxmlformats.org/officeDocument/2006/customXml" ds:itemID="{95457E87-E546-449E-A4D1-371201992E58}">
+  <ds:schemaRefs>
+    <ds:schemaRef ds:uri="http://schemas.microsoft.com/sharepoint/v3/contenttype/forms"/>
   </ds:schemaRefs>
 </ds:datastoreItem>
 </file>

--- a/20180126_SmartCut/Meeting/20181206 Meeting/20181206 Meeting.pptx
+++ b/20180126_SmartCut/Meeting/20181206 Meeting/20181206 Meeting.pptx
@@ -5,7 +5,7 @@
     <p:sldMasterId id="2147483648" r:id="rId4"/>
   </p:sldMasterIdLst>
   <p:notesMasterIdLst>
-    <p:notesMasterId r:id="rId28"/>
+    <p:notesMasterId r:id="rId29"/>
   </p:notesMasterIdLst>
   <p:sldIdLst>
     <p:sldId id="314" r:id="rId5"/>
@@ -18,19 +18,20 @@
     <p:sldId id="347" r:id="rId12"/>
     <p:sldId id="348" r:id="rId13"/>
     <p:sldId id="360" r:id="rId14"/>
-    <p:sldId id="351" r:id="rId15"/>
-    <p:sldId id="353" r:id="rId16"/>
-    <p:sldId id="365" r:id="rId17"/>
-    <p:sldId id="354" r:id="rId18"/>
-    <p:sldId id="357" r:id="rId19"/>
-    <p:sldId id="358" r:id="rId20"/>
-    <p:sldId id="359" r:id="rId21"/>
-    <p:sldId id="361" r:id="rId22"/>
-    <p:sldId id="343" r:id="rId23"/>
-    <p:sldId id="363" r:id="rId24"/>
-    <p:sldId id="364" r:id="rId25"/>
-    <p:sldId id="337" r:id="rId26"/>
-    <p:sldId id="362" r:id="rId27"/>
+    <p:sldId id="366" r:id="rId15"/>
+    <p:sldId id="351" r:id="rId16"/>
+    <p:sldId id="353" r:id="rId17"/>
+    <p:sldId id="365" r:id="rId18"/>
+    <p:sldId id="354" r:id="rId19"/>
+    <p:sldId id="357" r:id="rId20"/>
+    <p:sldId id="358" r:id="rId21"/>
+    <p:sldId id="359" r:id="rId22"/>
+    <p:sldId id="361" r:id="rId23"/>
+    <p:sldId id="343" r:id="rId24"/>
+    <p:sldId id="363" r:id="rId25"/>
+    <p:sldId id="364" r:id="rId26"/>
+    <p:sldId id="337" r:id="rId27"/>
+    <p:sldId id="362" r:id="rId28"/>
   </p:sldIdLst>
   <p:sldSz cx="12192000" cy="6858000"/>
   <p:notesSz cx="6858000" cy="9144000"/>
@@ -152,6 +153,7 @@
             <p14:sldId id="347"/>
             <p14:sldId id="348"/>
             <p14:sldId id="360"/>
+            <p14:sldId id="366"/>
           </p14:sldIdLst>
         </p14:section>
         <p14:section name="Detail" id="{1963315B-7002-42F0-B854-93965D3DE996}">
@@ -307,7 +309,7 @@
           <a:p>
             <a:fld id="{E17FB05D-A85A-41E9-95F8-557FC4A8E4EF}" type="datetimeFigureOut">
               <a:rPr lang="zh-TW" altLang="en-US" smtClean="0"/>
-              <a:t>2018/12/5</a:t>
+              <a:t>2018/12/6</a:t>
             </a:fld>
             <a:endParaRPr lang="zh-TW" altLang="en-US"/>
           </a:p>
@@ -622,13 +624,7 @@
               <a:rPr lang="zh-TW" altLang="en-US" dirty="0" smtClean="0">
                 <a:effectLst/>
               </a:rPr>
-              <a:t>由於很複雜，先記得最終的結</a:t>
-            </a:r>
-            <a:r>
-              <a:rPr lang="zh-TW" altLang="en-US" dirty="0" smtClean="0">
-                <a:effectLst/>
-              </a:rPr>
-              <a:t>果</a:t>
+              <a:t>由於很複雜，先記得最終的結果</a:t>
             </a:r>
             <a:endParaRPr lang="en-US" altLang="zh-TW" dirty="0" smtClean="0">
               <a:effectLst/>
@@ -728,22 +724,29 @@
           <a:lstStyle/>
           <a:p>
             <a:r>
-              <a:rPr lang="en-US" altLang="zh-TW" dirty="0" smtClean="0"/>
-              <a:t>ETABS </a:t>
-            </a:r>
-            <a:r>
-              <a:rPr lang="zh-TW" altLang="en-US" dirty="0" smtClean="0"/>
-              <a:t>鋼筋定義修改 </a:t>
-            </a:r>
-            <a:r>
-              <a:rPr lang="en-US" altLang="zh-TW" dirty="0" smtClean="0"/>
-              <a:t>=&gt; CSN </a:t>
-            </a:r>
-            <a:r>
-              <a:rPr lang="zh-TW" altLang="en-US" dirty="0" smtClean="0"/>
-              <a:t>圖 </a:t>
-            </a:r>
-            <a:endParaRPr lang="en-US" altLang="zh-TW" dirty="0" smtClean="0"/>
+              <a:rPr lang="zh-TW" altLang="en-US" dirty="0" smtClean="0">
+                <a:effectLst/>
+              </a:rPr>
+              <a:t>效果不好的地方用傳統斷筋</a:t>
+            </a:r>
+          </a:p>
+          <a:p>
+            <a:pPr lvl="1"/>
+            <a:r>
+              <a:rPr lang="en-US" altLang="zh-TW" dirty="0" smtClean="0">
+                <a:effectLst/>
+              </a:rPr>
+              <a:t>93.50 =&gt; 93.23</a:t>
+            </a:r>
+          </a:p>
+          <a:p>
+            <a:pPr lvl="1"/>
+            <a:r>
+              <a:rPr lang="en-US" altLang="zh-TW" dirty="0" smtClean="0">
+                <a:effectLst/>
+              </a:rPr>
+              <a:t>101.04 =&gt; 97.80</a:t>
+            </a:r>
           </a:p>
           <a:p>
             <a:pPr marL="0" marR="0" indent="0" algn="l" defTabSz="914400" rtl="0" eaLnBrk="1" fontAlgn="auto" latinLnBrk="0" hangingPunct="1">
@@ -765,12 +768,9 @@
             </a:pPr>
             <a:r>
               <a:rPr lang="zh-TW" altLang="en-US" dirty="0" smtClean="0"/>
-              <a:t>多出 </a:t>
-            </a:r>
-            <a:r>
-              <a:rPr lang="en-US" altLang="zh-TW" dirty="0" smtClean="0"/>
-              <a:t>0.05 drop </a:t>
-            </a:r>
+              <a:t>五點斷筋 </a:t>
+            </a:r>
+            <a:endParaRPr lang="en-US" altLang="zh-TW" dirty="0" smtClean="0"/>
           </a:p>
           <a:p>
             <a:endParaRPr lang="en-US" dirty="0"/>
@@ -803,7 +803,7 @@
     </p:spTree>
     <p:extLst>
       <p:ext uri="{BB962C8B-B14F-4D97-AF65-F5344CB8AC3E}">
-        <p14:creationId xmlns:p14="http://schemas.microsoft.com/office/powerpoint/2010/main" val="1670953166"/>
+        <p14:creationId xmlns:p14="http://schemas.microsoft.com/office/powerpoint/2010/main" val="4192930501"/>
       </p:ext>
     </p:extLst>
   </p:cSld>
@@ -858,190 +858,48 @@
           <a:lstStyle/>
           <a:p>
             <a:r>
-              <a:rPr lang="zh-TW" altLang="en-US" dirty="0" smtClean="0">
-                <a:effectLst/>
-              </a:rPr>
-              <a:t>高雄</a:t>
-            </a:r>
-          </a:p>
-          <a:p>
-            <a:pPr lvl="1"/>
-            <a:r>
-              <a:rPr lang="en-US" altLang="zh-TW" dirty="0" smtClean="0">
-                <a:effectLst/>
-              </a:rPr>
+              <a:rPr lang="en-US" altLang="zh-TW" dirty="0" smtClean="0"/>
               <a:t>ETABS </a:t>
             </a:r>
             <a:r>
-              <a:rPr lang="zh-TW" altLang="en-US" dirty="0" smtClean="0">
-                <a:effectLst/>
-              </a:rPr>
-              <a:t>如果用 </a:t>
-            </a:r>
-            <a:r>
-              <a:rPr lang="en-US" altLang="zh-TW" dirty="0" smtClean="0">
-                <a:effectLst/>
-              </a:rPr>
-              <a:t>copy </a:t>
-            </a:r>
-            <a:r>
-              <a:rPr lang="zh-TW" altLang="en-US" dirty="0" smtClean="0">
-                <a:effectLst/>
-              </a:rPr>
-              <a:t>的 資料量太大會有問題</a:t>
-            </a:r>
-          </a:p>
-          <a:p>
-            <a:pPr lvl="2"/>
-            <a:r>
-              <a:rPr lang="zh-TW" altLang="en-US" dirty="0" smtClean="0">
-                <a:effectLst/>
-              </a:rPr>
-              <a:t>排序會亂掉</a:t>
-            </a:r>
-          </a:p>
-          <a:p>
-            <a:pPr lvl="2"/>
-            <a:r>
-              <a:rPr lang="zh-TW" altLang="en-US" dirty="0" smtClean="0">
-                <a:effectLst/>
-              </a:rPr>
-              <a:t>只不過在寫程式的時候就有想到這個問題 所以之前寫就有想說亂掉也沒關係</a:t>
-            </a:r>
-          </a:p>
-          <a:p>
-            <a:pPr lvl="2"/>
-            <a:r>
-              <a:rPr lang="zh-TW" altLang="en-US" dirty="0" smtClean="0">
-                <a:effectLst/>
-              </a:rPr>
-              <a:t>但是因為沒有測試過</a:t>
-            </a:r>
-          </a:p>
-          <a:p>
-            <a:pPr lvl="2"/>
-            <a:r>
-              <a:rPr lang="zh-TW" altLang="en-US" dirty="0" smtClean="0">
-                <a:effectLst/>
-              </a:rPr>
-              <a:t>所以才發現亂掉會很麻煩</a:t>
-            </a:r>
-          </a:p>
-          <a:p>
-            <a:pPr lvl="2"/>
-            <a:r>
-              <a:rPr lang="zh-TW" altLang="en-US" dirty="0" smtClean="0">
-                <a:effectLst/>
-              </a:rPr>
-              <a:t>如果要改寫又很難保證有效能的同時 邏輯複雜度不會增加太多</a:t>
-            </a:r>
-          </a:p>
-          <a:p>
-            <a:pPr lvl="2"/>
-            <a:r>
-              <a:rPr lang="zh-TW" altLang="en-US" dirty="0" smtClean="0">
-                <a:effectLst/>
-              </a:rPr>
-              <a:t>所以秉持著能簡單做決不困難做的原則</a:t>
-            </a:r>
-          </a:p>
-          <a:p>
-            <a:pPr lvl="2"/>
-            <a:r>
-              <a:rPr lang="zh-TW" altLang="en-US" dirty="0" smtClean="0">
-                <a:effectLst/>
-              </a:rPr>
-              <a:t>重寫資料讀取的方式 變成 </a:t>
-            </a:r>
-            <a:r>
-              <a:rPr lang="en-US" altLang="zh-TW" dirty="0" err="1" smtClean="0">
-                <a:effectLst/>
-              </a:rPr>
-              <a:t>mdb</a:t>
-            </a:r>
-            <a:r>
-              <a:rPr lang="en-US" altLang="zh-TW" dirty="0" smtClean="0">
-                <a:effectLst/>
-              </a:rPr>
-              <a:t> </a:t>
-            </a:r>
-            <a:r>
-              <a:rPr lang="zh-TW" altLang="en-US" dirty="0" smtClean="0">
-                <a:effectLst/>
-              </a:rPr>
-              <a:t>再變成 </a:t>
-            </a:r>
-            <a:r>
-              <a:rPr lang="en-US" altLang="zh-TW" dirty="0" smtClean="0">
-                <a:effectLst/>
-              </a:rPr>
-              <a:t>excel </a:t>
-            </a:r>
-            <a:r>
-              <a:rPr lang="zh-TW" altLang="en-US" dirty="0" smtClean="0">
-                <a:effectLst/>
-              </a:rPr>
-              <a:t>輸出</a:t>
-            </a:r>
-          </a:p>
-          <a:p>
-            <a:pPr lvl="2"/>
-            <a:r>
-              <a:rPr lang="zh-TW" altLang="en-US" dirty="0" smtClean="0">
-                <a:effectLst/>
-              </a:rPr>
-              <a:t>變成 </a:t>
-            </a:r>
-            <a:r>
-              <a:rPr lang="en-US" altLang="zh-TW" dirty="0" smtClean="0">
-                <a:effectLst/>
-              </a:rPr>
-              <a:t>excel </a:t>
-            </a:r>
-            <a:r>
-              <a:rPr lang="zh-TW" altLang="en-US" dirty="0" smtClean="0">
-                <a:effectLst/>
-              </a:rPr>
-              <a:t>輸出 這樣排序就不會亂掉</a:t>
-            </a:r>
-          </a:p>
-          <a:p>
-            <a:pPr lvl="2"/>
-            <a:r>
-              <a:rPr lang="zh-TW" altLang="en-US" dirty="0" smtClean="0">
-                <a:effectLst/>
-              </a:rPr>
-              <a:t>雖然第一次讀取會比較慢</a:t>
-            </a:r>
-          </a:p>
-          <a:p>
-            <a:pPr lvl="2"/>
-            <a:r>
-              <a:rPr lang="zh-TW" altLang="en-US" dirty="0" smtClean="0">
-                <a:effectLst/>
-              </a:rPr>
-              <a:t>但第一次讀取完會建立快取檔</a:t>
-            </a:r>
-          </a:p>
-          <a:p>
-            <a:pPr lvl="2"/>
-            <a:r>
-              <a:rPr lang="zh-TW" altLang="en-US" dirty="0" smtClean="0">
-                <a:effectLst/>
-              </a:rPr>
-              <a:t>所以之後 </a:t>
-            </a:r>
-            <a:r>
-              <a:rPr lang="en-US" altLang="zh-TW" dirty="0" smtClean="0">
-                <a:effectLst/>
-              </a:rPr>
-              <a:t>run </a:t>
-            </a:r>
-            <a:r>
-              <a:rPr lang="zh-TW" altLang="en-US" dirty="0" smtClean="0">
-                <a:effectLst/>
-              </a:rPr>
-              <a:t>就不會太慢</a:t>
+              <a:rPr lang="zh-TW" altLang="en-US" dirty="0" smtClean="0"/>
+              <a:t>鋼筋定義修改 </a:t>
+            </a:r>
+            <a:r>
+              <a:rPr lang="en-US" altLang="zh-TW" dirty="0" smtClean="0"/>
+              <a:t>=&gt; CSN </a:t>
+            </a:r>
+            <a:r>
+              <a:rPr lang="zh-TW" altLang="en-US" dirty="0" smtClean="0"/>
+              <a:t>圖 </a:t>
+            </a:r>
+            <a:endParaRPr lang="en-US" altLang="zh-TW" dirty="0" smtClean="0"/>
+          </a:p>
+          <a:p>
+            <a:pPr marL="0" marR="0" indent="0" algn="l" defTabSz="914400" rtl="0" eaLnBrk="1" fontAlgn="auto" latinLnBrk="0" hangingPunct="1">
+              <a:lnSpc>
+                <a:spcPct val="100000"/>
+              </a:lnSpc>
+              <a:spcBef>
+                <a:spcPts val="0"/>
+              </a:spcBef>
+              <a:spcAft>
+                <a:spcPts val="0"/>
+              </a:spcAft>
+              <a:buClrTx/>
+              <a:buSzTx/>
+              <a:buFontTx/>
+              <a:buNone/>
+              <a:tabLst/>
+              <a:defRPr/>
+            </a:pPr>
+            <a:r>
+              <a:rPr lang="zh-TW" altLang="en-US" dirty="0" smtClean="0"/>
+              <a:t>多出 </a:t>
+            </a:r>
+            <a:r>
+              <a:rPr lang="en-US" altLang="zh-TW" dirty="0" smtClean="0"/>
+              <a:t>0.05 drop </a:t>
             </a:r>
           </a:p>
           <a:p>
@@ -1075,7 +933,7 @@
     </p:spTree>
     <p:extLst>
       <p:ext uri="{BB962C8B-B14F-4D97-AF65-F5344CB8AC3E}">
-        <p14:creationId xmlns:p14="http://schemas.microsoft.com/office/powerpoint/2010/main" val="437550858"/>
+        <p14:creationId xmlns:p14="http://schemas.microsoft.com/office/powerpoint/2010/main" val="1670953166"/>
       </p:ext>
     </p:extLst>
   </p:cSld>
@@ -1130,9 +988,193 @@
           <a:lstStyle/>
           <a:p>
             <a:r>
-              <a:rPr lang="en-US" dirty="0" smtClean="0"/>
-              <a:t>11076</a:t>
-            </a:r>
+              <a:rPr lang="zh-TW" altLang="en-US" dirty="0" smtClean="0">
+                <a:effectLst/>
+              </a:rPr>
+              <a:t>高雄</a:t>
+            </a:r>
+          </a:p>
+          <a:p>
+            <a:pPr lvl="1"/>
+            <a:r>
+              <a:rPr lang="en-US" altLang="zh-TW" dirty="0" smtClean="0">
+                <a:effectLst/>
+              </a:rPr>
+              <a:t>ETABS </a:t>
+            </a:r>
+            <a:r>
+              <a:rPr lang="zh-TW" altLang="en-US" dirty="0" smtClean="0">
+                <a:effectLst/>
+              </a:rPr>
+              <a:t>如果用 </a:t>
+            </a:r>
+            <a:r>
+              <a:rPr lang="en-US" altLang="zh-TW" dirty="0" smtClean="0">
+                <a:effectLst/>
+              </a:rPr>
+              <a:t>copy </a:t>
+            </a:r>
+            <a:r>
+              <a:rPr lang="zh-TW" altLang="en-US" dirty="0" smtClean="0">
+                <a:effectLst/>
+              </a:rPr>
+              <a:t>的 資料量太大會有問題</a:t>
+            </a:r>
+          </a:p>
+          <a:p>
+            <a:pPr lvl="2"/>
+            <a:r>
+              <a:rPr lang="zh-TW" altLang="en-US" dirty="0" smtClean="0">
+                <a:effectLst/>
+              </a:rPr>
+              <a:t>排序會亂掉</a:t>
+            </a:r>
+          </a:p>
+          <a:p>
+            <a:pPr lvl="2"/>
+            <a:r>
+              <a:rPr lang="zh-TW" altLang="en-US" dirty="0" smtClean="0">
+                <a:effectLst/>
+              </a:rPr>
+              <a:t>只不過在寫程式的時候就有想到這個問題 所以之前寫就有想說亂掉也沒關係</a:t>
+            </a:r>
+          </a:p>
+          <a:p>
+            <a:pPr lvl="2"/>
+            <a:r>
+              <a:rPr lang="zh-TW" altLang="en-US" dirty="0" smtClean="0">
+                <a:effectLst/>
+              </a:rPr>
+              <a:t>但是因為沒有測試過</a:t>
+            </a:r>
+          </a:p>
+          <a:p>
+            <a:pPr lvl="2"/>
+            <a:r>
+              <a:rPr lang="zh-TW" altLang="en-US" dirty="0" smtClean="0">
+                <a:effectLst/>
+              </a:rPr>
+              <a:t>所以才發現亂掉會很麻煩</a:t>
+            </a:r>
+          </a:p>
+          <a:p>
+            <a:pPr lvl="2"/>
+            <a:r>
+              <a:rPr lang="zh-TW" altLang="en-US" dirty="0" smtClean="0">
+                <a:effectLst/>
+              </a:rPr>
+              <a:t>如果要改寫又很難保證有效能的同時 邏輯複雜度不會增加太多</a:t>
+            </a:r>
+          </a:p>
+          <a:p>
+            <a:pPr lvl="2"/>
+            <a:r>
+              <a:rPr lang="zh-TW" altLang="en-US" dirty="0" smtClean="0">
+                <a:effectLst/>
+              </a:rPr>
+              <a:t>所以秉持著能簡單做決不困難做的原則</a:t>
+            </a:r>
+          </a:p>
+          <a:p>
+            <a:pPr lvl="2"/>
+            <a:r>
+              <a:rPr lang="zh-TW" altLang="en-US" dirty="0" smtClean="0">
+                <a:effectLst/>
+              </a:rPr>
+              <a:t>重寫資料讀取的方式 變成 </a:t>
+            </a:r>
+            <a:r>
+              <a:rPr lang="en-US" altLang="zh-TW" dirty="0" err="1" smtClean="0">
+                <a:effectLst/>
+              </a:rPr>
+              <a:t>mdb</a:t>
+            </a:r>
+            <a:r>
+              <a:rPr lang="en-US" altLang="zh-TW" dirty="0" smtClean="0">
+                <a:effectLst/>
+              </a:rPr>
+              <a:t> </a:t>
+            </a:r>
+            <a:r>
+              <a:rPr lang="zh-TW" altLang="en-US" dirty="0" smtClean="0">
+                <a:effectLst/>
+              </a:rPr>
+              <a:t>再變成 </a:t>
+            </a:r>
+            <a:r>
+              <a:rPr lang="en-US" altLang="zh-TW" dirty="0" smtClean="0">
+                <a:effectLst/>
+              </a:rPr>
+              <a:t>excel </a:t>
+            </a:r>
+            <a:r>
+              <a:rPr lang="zh-TW" altLang="en-US" dirty="0" smtClean="0">
+                <a:effectLst/>
+              </a:rPr>
+              <a:t>輸出</a:t>
+            </a:r>
+          </a:p>
+          <a:p>
+            <a:pPr lvl="2"/>
+            <a:r>
+              <a:rPr lang="zh-TW" altLang="en-US" dirty="0" smtClean="0">
+                <a:effectLst/>
+              </a:rPr>
+              <a:t>變成 </a:t>
+            </a:r>
+            <a:r>
+              <a:rPr lang="en-US" altLang="zh-TW" dirty="0" smtClean="0">
+                <a:effectLst/>
+              </a:rPr>
+              <a:t>excel </a:t>
+            </a:r>
+            <a:r>
+              <a:rPr lang="zh-TW" altLang="en-US" dirty="0" smtClean="0">
+                <a:effectLst/>
+              </a:rPr>
+              <a:t>輸出 這樣排序就不會亂掉</a:t>
+            </a:r>
+          </a:p>
+          <a:p>
+            <a:pPr lvl="2"/>
+            <a:r>
+              <a:rPr lang="zh-TW" altLang="en-US" dirty="0" smtClean="0">
+                <a:effectLst/>
+              </a:rPr>
+              <a:t>雖然第一次讀取會比較慢</a:t>
+            </a:r>
+          </a:p>
+          <a:p>
+            <a:pPr lvl="2"/>
+            <a:r>
+              <a:rPr lang="zh-TW" altLang="en-US" dirty="0" smtClean="0">
+                <a:effectLst/>
+              </a:rPr>
+              <a:t>但第一次讀取完會建立快取檔</a:t>
+            </a:r>
+          </a:p>
+          <a:p>
+            <a:pPr lvl="2"/>
+            <a:r>
+              <a:rPr lang="zh-TW" altLang="en-US" dirty="0" smtClean="0">
+                <a:effectLst/>
+              </a:rPr>
+              <a:t>所以之後 </a:t>
+            </a:r>
+            <a:r>
+              <a:rPr lang="en-US" altLang="zh-TW" dirty="0" smtClean="0">
+                <a:effectLst/>
+              </a:rPr>
+              <a:t>run </a:t>
+            </a:r>
+            <a:r>
+              <a:rPr lang="zh-TW" altLang="en-US" dirty="0" smtClean="0">
+                <a:effectLst/>
+              </a:rPr>
+              <a:t>就不會太慢</a:t>
+            </a:r>
+          </a:p>
+          <a:p>
             <a:endParaRPr lang="en-US" dirty="0"/>
           </a:p>
         </p:txBody>
@@ -1163,7 +1205,7 @@
     </p:spTree>
     <p:extLst>
       <p:ext uri="{BB962C8B-B14F-4D97-AF65-F5344CB8AC3E}">
-        <p14:creationId xmlns:p14="http://schemas.microsoft.com/office/powerpoint/2010/main" val="3443242778"/>
+        <p14:creationId xmlns:p14="http://schemas.microsoft.com/office/powerpoint/2010/main" val="437550858"/>
       </p:ext>
     </p:extLst>
   </p:cSld>
@@ -1218,93 +1260,10 @@
           <a:lstStyle/>
           <a:p>
             <a:r>
-              <a:rPr lang="zh-TW" altLang="en-US" sz="1200" b="0" i="0" u="none" strike="noStrike" kern="1200" dirty="0" smtClean="0">
-                <a:solidFill>
-                  <a:schemeClr val="tx1"/>
-                </a:solidFill>
-                <a:effectLst/>
-                <a:latin typeface="+mn-lt"/>
-                <a:ea typeface="+mn-ea"/>
-                <a:cs typeface="+mn-cs"/>
-              </a:rPr>
-              <a:t>主筋各號數</a:t>
-            </a:r>
-            <a:r>
-              <a:rPr lang="zh-TW" altLang="en-US" dirty="0" smtClean="0"/>
-              <a:t> </a:t>
-            </a:r>
-            <a:r>
-              <a:rPr lang="zh-TW" altLang="en-US" sz="1200" b="0" i="0" u="none" strike="noStrike" kern="1200" dirty="0" smtClean="0">
-                <a:solidFill>
-                  <a:schemeClr val="tx1"/>
-                </a:solidFill>
-                <a:effectLst/>
-                <a:latin typeface="+mn-lt"/>
-                <a:ea typeface="+mn-ea"/>
-                <a:cs typeface="+mn-cs"/>
-              </a:rPr>
-              <a:t>使用比例</a:t>
-            </a:r>
-            <a:r>
-              <a:rPr lang="zh-TW" altLang="en-US" dirty="0" smtClean="0"/>
-              <a:t> </a:t>
-            </a:r>
-            <a:endParaRPr lang="en-US" altLang="zh-TW" dirty="0" smtClean="0"/>
-          </a:p>
-          <a:p>
-            <a:pPr marL="0" marR="0" indent="0" algn="l" defTabSz="914400" rtl="0" eaLnBrk="1" fontAlgn="auto" latinLnBrk="0" hangingPunct="1">
-              <a:lnSpc>
-                <a:spcPct val="100000"/>
-              </a:lnSpc>
-              <a:spcBef>
-                <a:spcPts val="0"/>
-              </a:spcBef>
-              <a:spcAft>
-                <a:spcPts val="0"/>
-              </a:spcAft>
-              <a:buClrTx/>
-              <a:buSzTx/>
-              <a:buFontTx/>
-              <a:buNone/>
-              <a:tabLst/>
-              <a:defRPr/>
-            </a:pPr>
-            <a:r>
-              <a:rPr lang="zh-TW" altLang="en-US" sz="1200" b="0" i="0" u="none" strike="noStrike" kern="1200" dirty="0" smtClean="0">
-                <a:solidFill>
-                  <a:schemeClr val="tx1"/>
-                </a:solidFill>
-                <a:effectLst/>
-                <a:latin typeface="+mn-lt"/>
-                <a:ea typeface="+mn-ea"/>
-                <a:cs typeface="+mn-cs"/>
-              </a:rPr>
-              <a:t>主筋各號數</a:t>
-            </a:r>
-            <a:r>
-              <a:rPr lang="zh-TW" altLang="en-US" dirty="0" smtClean="0"/>
-              <a:t> </a:t>
-            </a:r>
-            <a:r>
-              <a:rPr lang="zh-TW" altLang="en-US" sz="1200" b="0" i="0" u="none" strike="noStrike" kern="1200" dirty="0" smtClean="0">
-                <a:solidFill>
-                  <a:schemeClr val="tx1"/>
-                </a:solidFill>
-                <a:effectLst/>
-                <a:latin typeface="+mn-lt"/>
-                <a:ea typeface="+mn-ea"/>
-                <a:cs typeface="+mn-cs"/>
-              </a:rPr>
-              <a:t>優化比例</a:t>
-            </a:r>
-            <a:r>
-              <a:rPr lang="zh-TW" altLang="en-US" dirty="0" smtClean="0"/>
-              <a:t> </a:t>
-            </a:r>
-            <a:endParaRPr lang="en-US" altLang="zh-TW" dirty="0" smtClean="0"/>
-          </a:p>
-          <a:p>
-            <a:endParaRPr lang="en-US" altLang="zh-TW" dirty="0" smtClean="0"/>
+              <a:rPr lang="en-US" dirty="0" smtClean="0"/>
+              <a:t>11076</a:t>
+            </a:r>
+            <a:endParaRPr lang="en-US" dirty="0"/>
           </a:p>
         </p:txBody>
       </p:sp>
@@ -1334,7 +1293,7 @@
     </p:spTree>
     <p:extLst>
       <p:ext uri="{BB962C8B-B14F-4D97-AF65-F5344CB8AC3E}">
-        <p14:creationId xmlns:p14="http://schemas.microsoft.com/office/powerpoint/2010/main" val="947007164"/>
+        <p14:creationId xmlns:p14="http://schemas.microsoft.com/office/powerpoint/2010/main" val="3443242778"/>
       </p:ext>
     </p:extLst>
   </p:cSld>
@@ -1398,7 +1357,59 @@
                 <a:ea typeface="+mn-ea"/>
                 <a:cs typeface="+mn-cs"/>
               </a:rPr>
-              <a:t>各梁長區間</a:t>
+              <a:t>主筋各號數</a:t>
+            </a:r>
+            <a:r>
+              <a:rPr lang="zh-TW" altLang="en-US" dirty="0" smtClean="0"/>
+              <a:t> </a:t>
+            </a:r>
+            <a:r>
+              <a:rPr lang="zh-TW" altLang="en-US" sz="1200" b="0" i="0" u="none" strike="noStrike" kern="1200" dirty="0" smtClean="0">
+                <a:solidFill>
+                  <a:schemeClr val="tx1"/>
+                </a:solidFill>
+                <a:effectLst/>
+                <a:latin typeface="+mn-lt"/>
+                <a:ea typeface="+mn-ea"/>
+                <a:cs typeface="+mn-cs"/>
+              </a:rPr>
+              <a:t>使用比例</a:t>
+            </a:r>
+            <a:r>
+              <a:rPr lang="zh-TW" altLang="en-US" dirty="0" smtClean="0"/>
+              <a:t> </a:t>
+            </a:r>
+            <a:endParaRPr lang="en-US" altLang="zh-TW" dirty="0" smtClean="0"/>
+          </a:p>
+          <a:p>
+            <a:pPr marL="0" marR="0" indent="0" algn="l" defTabSz="914400" rtl="0" eaLnBrk="1" fontAlgn="auto" latinLnBrk="0" hangingPunct="1">
+              <a:lnSpc>
+                <a:spcPct val="100000"/>
+              </a:lnSpc>
+              <a:spcBef>
+                <a:spcPts val="0"/>
+              </a:spcBef>
+              <a:spcAft>
+                <a:spcPts val="0"/>
+              </a:spcAft>
+              <a:buClrTx/>
+              <a:buSzTx/>
+              <a:buFontTx/>
+              <a:buNone/>
+              <a:tabLst/>
+              <a:defRPr/>
+            </a:pPr>
+            <a:r>
+              <a:rPr lang="zh-TW" altLang="en-US" sz="1200" b="0" i="0" u="none" strike="noStrike" kern="1200" dirty="0" smtClean="0">
+                <a:solidFill>
+                  <a:schemeClr val="tx1"/>
+                </a:solidFill>
+                <a:effectLst/>
+                <a:latin typeface="+mn-lt"/>
+                <a:ea typeface="+mn-ea"/>
+                <a:cs typeface="+mn-cs"/>
+              </a:rPr>
+              <a:t>主筋各號數</a:t>
             </a:r>
             <a:r>
               <a:rPr lang="zh-TW" altLang="en-US" dirty="0" smtClean="0"/>
@@ -1420,7 +1431,10 @@
               <a:rPr lang="zh-TW" altLang="en-US" dirty="0" smtClean="0"/>
               <a:t> </a:t>
             </a:r>
-            <a:endParaRPr lang="en-US" dirty="0"/>
+            <a:endParaRPr lang="en-US" altLang="zh-TW" dirty="0" smtClean="0"/>
+          </a:p>
+          <a:p>
+            <a:endParaRPr lang="en-US" altLang="zh-TW" dirty="0" smtClean="0"/>
           </a:p>
         </p:txBody>
       </p:sp>
@@ -1450,7 +1464,7 @@
     </p:spTree>
     <p:extLst>
       <p:ext uri="{BB962C8B-B14F-4D97-AF65-F5344CB8AC3E}">
-        <p14:creationId xmlns:p14="http://schemas.microsoft.com/office/powerpoint/2010/main" val="2374764954"/>
+        <p14:creationId xmlns:p14="http://schemas.microsoft.com/office/powerpoint/2010/main" val="947007164"/>
       </p:ext>
     </p:extLst>
   </p:cSld>
@@ -1514,7 +1528,7 @@
                 <a:ea typeface="+mn-ea"/>
                 <a:cs typeface="+mn-cs"/>
               </a:rPr>
-              <a:t>各支各層梁主筋量</a:t>
+              <a:t>各梁長區間</a:t>
             </a:r>
             <a:r>
               <a:rPr lang="zh-TW" altLang="en-US" dirty="0" smtClean="0"/>
@@ -1566,7 +1580,7 @@
     </p:spTree>
     <p:extLst>
       <p:ext uri="{BB962C8B-B14F-4D97-AF65-F5344CB8AC3E}">
-        <p14:creationId xmlns:p14="http://schemas.microsoft.com/office/powerpoint/2010/main" val="4116159889"/>
+        <p14:creationId xmlns:p14="http://schemas.microsoft.com/office/powerpoint/2010/main" val="2374764954"/>
       </p:ext>
     </p:extLst>
   </p:cSld>
@@ -1621,43 +1635,37 @@
           <a:lstStyle/>
           <a:p>
             <a:r>
-              <a:rPr lang="zh-TW" altLang="en-US" dirty="0" smtClean="0">
+              <a:rPr lang="zh-TW" altLang="en-US" sz="1200" b="0" i="0" u="none" strike="noStrike" kern="1200" dirty="0" smtClean="0">
+                <a:solidFill>
+                  <a:schemeClr val="tx1"/>
+                </a:solidFill>
                 <a:effectLst/>
+                <a:latin typeface="+mn-lt"/>
+                <a:ea typeface="+mn-ea"/>
+                <a:cs typeface="+mn-cs"/>
               </a:rPr>
-              <a:t>驗證非線性</a:t>
-            </a:r>
-          </a:p>
-          <a:p>
-            <a:pPr lvl="1"/>
-            <a:r>
-              <a:rPr lang="zh-TW" altLang="en-US" dirty="0" smtClean="0">
+              <a:t>各支各層梁主筋量</a:t>
+            </a:r>
+            <a:r>
+              <a:rPr lang="zh-TW" altLang="en-US" dirty="0" smtClean="0"/>
+              <a:t> </a:t>
+            </a:r>
+            <a:r>
+              <a:rPr lang="zh-TW" altLang="en-US" sz="1200" b="0" i="0" u="none" strike="noStrike" kern="1200" dirty="0" smtClean="0">
+                <a:solidFill>
+                  <a:schemeClr val="tx1"/>
+                </a:solidFill>
                 <a:effectLst/>
+                <a:latin typeface="+mn-lt"/>
+                <a:ea typeface="+mn-ea"/>
+                <a:cs typeface="+mn-cs"/>
               </a:rPr>
-              <a:t>簡單 </a:t>
-            </a:r>
-            <a:r>
-              <a:rPr lang="en-US" altLang="zh-TW" dirty="0" smtClean="0">
-                <a:effectLst/>
-              </a:rPr>
-              <a:t>model =&gt; model </a:t>
-            </a:r>
-            <a:r>
-              <a:rPr lang="zh-TW" altLang="en-US" dirty="0" smtClean="0">
-                <a:effectLst/>
-              </a:rPr>
-              <a:t>圖</a:t>
-            </a:r>
-          </a:p>
-          <a:p>
-            <a:pPr lvl="1"/>
-            <a:r>
-              <a:rPr lang="zh-TW" altLang="en-US" dirty="0" smtClean="0">
-                <a:effectLst/>
-              </a:rPr>
-              <a:t>實際專案</a:t>
-            </a:r>
-          </a:p>
-          <a:p>
+              <a:t>優化比例</a:t>
+            </a:r>
+            <a:r>
+              <a:rPr lang="zh-TW" altLang="en-US" dirty="0" smtClean="0"/>
+              <a:t> </a:t>
+            </a:r>
             <a:endParaRPr lang="en-US" dirty="0"/>
           </a:p>
         </p:txBody>
@@ -1688,7 +1696,7 @@
     </p:spTree>
     <p:extLst>
       <p:ext uri="{BB962C8B-B14F-4D97-AF65-F5344CB8AC3E}">
-        <p14:creationId xmlns:p14="http://schemas.microsoft.com/office/powerpoint/2010/main" val="2771068747"/>
+        <p14:creationId xmlns:p14="http://schemas.microsoft.com/office/powerpoint/2010/main" val="4116159889"/>
       </p:ext>
     </p:extLst>
   </p:cSld>
@@ -1810,6 +1818,128 @@
     </p:spTree>
     <p:extLst>
       <p:ext uri="{BB962C8B-B14F-4D97-AF65-F5344CB8AC3E}">
+        <p14:creationId xmlns:p14="http://schemas.microsoft.com/office/powerpoint/2010/main" val="2771068747"/>
+      </p:ext>
+    </p:extLst>
+  </p:cSld>
+  <p:clrMapOvr>
+    <a:masterClrMapping/>
+  </p:clrMapOvr>
+</p:notes>
+</file>
+
+<file path=ppt/notesSlides/notesSlide18.xml><?xml version="1.0" encoding="utf-8"?>
+<p:notes xmlns:a="http://schemas.openxmlformats.org/drawingml/2006/main" xmlns:r="http://schemas.openxmlformats.org/officeDocument/2006/relationships" xmlns:p="http://schemas.openxmlformats.org/presentationml/2006/main">
+  <p:cSld>
+    <p:spTree>
+      <p:nvGrpSpPr>
+        <p:cNvPr id="1" name=""/>
+        <p:cNvGrpSpPr/>
+        <p:nvPr/>
+      </p:nvGrpSpPr>
+      <p:grpSpPr>
+        <a:xfrm>
+          <a:off x="0" y="0"/>
+          <a:ext cx="0" cy="0"/>
+          <a:chOff x="0" y="0"/>
+          <a:chExt cx="0" cy="0"/>
+        </a:xfrm>
+      </p:grpSpPr>
+      <p:sp>
+        <p:nvSpPr>
+          <p:cNvPr id="2" name="Slide Image Placeholder 1"/>
+          <p:cNvSpPr>
+            <a:spLocks noGrp="1" noRot="1" noChangeAspect="1"/>
+          </p:cNvSpPr>
+          <p:nvPr>
+            <p:ph type="sldImg"/>
+          </p:nvPr>
+        </p:nvSpPr>
+        <p:spPr/>
+      </p:sp>
+      <p:sp>
+        <p:nvSpPr>
+          <p:cNvPr id="3" name="Notes Placeholder 2"/>
+          <p:cNvSpPr>
+            <a:spLocks noGrp="1"/>
+          </p:cNvSpPr>
+          <p:nvPr>
+            <p:ph type="body" idx="1"/>
+          </p:nvPr>
+        </p:nvSpPr>
+        <p:spPr/>
+        <p:txBody>
+          <a:bodyPr/>
+          <a:lstStyle/>
+          <a:p>
+            <a:r>
+              <a:rPr lang="zh-TW" altLang="en-US" dirty="0" smtClean="0">
+                <a:effectLst/>
+              </a:rPr>
+              <a:t>驗證非線性</a:t>
+            </a:r>
+          </a:p>
+          <a:p>
+            <a:pPr lvl="1"/>
+            <a:r>
+              <a:rPr lang="zh-TW" altLang="en-US" dirty="0" smtClean="0">
+                <a:effectLst/>
+              </a:rPr>
+              <a:t>簡單 </a:t>
+            </a:r>
+            <a:r>
+              <a:rPr lang="en-US" altLang="zh-TW" dirty="0" smtClean="0">
+                <a:effectLst/>
+              </a:rPr>
+              <a:t>model =&gt; model </a:t>
+            </a:r>
+            <a:r>
+              <a:rPr lang="zh-TW" altLang="en-US" dirty="0" smtClean="0">
+                <a:effectLst/>
+              </a:rPr>
+              <a:t>圖</a:t>
+            </a:r>
+          </a:p>
+          <a:p>
+            <a:pPr lvl="1"/>
+            <a:r>
+              <a:rPr lang="zh-TW" altLang="en-US" dirty="0" smtClean="0">
+                <a:effectLst/>
+              </a:rPr>
+              <a:t>實際專案</a:t>
+            </a:r>
+          </a:p>
+          <a:p>
+            <a:endParaRPr lang="en-US" dirty="0"/>
+          </a:p>
+        </p:txBody>
+      </p:sp>
+      <p:sp>
+        <p:nvSpPr>
+          <p:cNvPr id="4" name="Slide Number Placeholder 3"/>
+          <p:cNvSpPr>
+            <a:spLocks noGrp="1"/>
+          </p:cNvSpPr>
+          <p:nvPr>
+            <p:ph type="sldNum" sz="quarter" idx="10"/>
+          </p:nvPr>
+        </p:nvSpPr>
+        <p:spPr/>
+        <p:txBody>
+          <a:bodyPr/>
+          <a:lstStyle/>
+          <a:p>
+            <a:fld id="{4B9FA8AB-93ED-4030-B179-2AF13832ABA7}" type="slidenum">
+              <a:rPr lang="zh-TW" altLang="en-US" smtClean="0"/>
+              <a:t>19</a:t>
+            </a:fld>
+            <a:endParaRPr lang="zh-TW" altLang="en-US"/>
+          </a:p>
+        </p:txBody>
+      </p:sp>
+    </p:spTree>
+    <p:extLst>
+      <p:ext uri="{BB962C8B-B14F-4D97-AF65-F5344CB8AC3E}">
         <p14:creationId xmlns:p14="http://schemas.microsoft.com/office/powerpoint/2010/main" val="2408117169"/>
       </p:ext>
     </p:extLst>
@@ -1820,7 +1950,7 @@
 </p:notes>
 </file>
 
-<file path=ppt/notesSlides/notesSlide18.xml><?xml version="1.0" encoding="utf-8"?>
+<file path=ppt/notesSlides/notesSlide19.xml><?xml version="1.0" encoding="utf-8"?>
 <p:notes xmlns:a="http://schemas.openxmlformats.org/drawingml/2006/main" xmlns:r="http://schemas.openxmlformats.org/officeDocument/2006/relationships" xmlns:p="http://schemas.openxmlformats.org/presentationml/2006/main">
   <p:cSld>
     <p:spTree>
@@ -1885,7 +2015,7 @@
           <a:p>
             <a:fld id="{4B9FA8AB-93ED-4030-B179-2AF13832ABA7}" type="slidenum">
               <a:rPr lang="zh-TW" altLang="en-US" smtClean="0"/>
-              <a:t>19</a:t>
+              <a:t>20</a:t>
             </a:fld>
             <a:endParaRPr lang="zh-TW" altLang="en-US"/>
           </a:p>
@@ -2038,17 +2168,12 @@
           <a:p>
             <a:r>
               <a:rPr lang="zh-TW" altLang="en-US" dirty="0" smtClean="0"/>
-              <a:t>原本</a:t>
-            </a:r>
-            <a:r>
-              <a:rPr lang="zh-TW" altLang="en-US" dirty="0" smtClean="0"/>
-              <a:t>的</a:t>
+              <a:t>原本的</a:t>
             </a:r>
             <a:r>
               <a:rPr lang="en-US" altLang="zh-TW" dirty="0" smtClean="0"/>
               <a:t>105%</a:t>
             </a:r>
-            <a:endParaRPr lang="en-US" altLang="zh-TW" dirty="0" smtClean="0"/>
           </a:p>
           <a:p>
             <a:r>
@@ -3057,7 +3182,7 @@
           <a:p>
             <a:fld id="{7A7E7069-7A31-444D-80E6-B61C02E1392B}" type="datetime1">
               <a:rPr lang="fr-FR" altLang="zh-TW" smtClean="0"/>
-              <a:t>05/12/2018</a:t>
+              <a:t>06/12/2018</a:t>
             </a:fld>
             <a:endParaRPr lang="fr-FR"/>
           </a:p>
@@ -3406,7 +3531,7 @@
           <a:p>
             <a:fld id="{AB24F10B-ECA2-4753-8694-8A0132243A1A}" type="datetime1">
               <a:rPr lang="fr-FR" altLang="zh-TW" smtClean="0"/>
-              <a:t>05/12/2018</a:t>
+              <a:t>06/12/2018</a:t>
             </a:fld>
             <a:endParaRPr lang="fr-FR"/>
           </a:p>
@@ -3935,7 +4060,7 @@
           <a:p>
             <a:fld id="{DF3763D6-108C-484F-A72E-357B7AC47626}" type="datetime1">
               <a:rPr lang="fr-FR" altLang="zh-TW" smtClean="0"/>
-              <a:t>05/12/2018</a:t>
+              <a:t>06/12/2018</a:t>
             </a:fld>
             <a:endParaRPr lang="fr-FR"/>
           </a:p>
@@ -4203,7 +4328,7 @@
           <a:p>
             <a:fld id="{70A2E91A-1B1C-4AA6-BE7D-BFAB22416A0A}" type="datetime1">
               <a:rPr lang="fr-FR" altLang="zh-TW" smtClean="0"/>
-              <a:t>05/12/2018</a:t>
+              <a:t>06/12/2018</a:t>
             </a:fld>
             <a:endParaRPr lang="fr-FR"/>
           </a:p>
@@ -4520,7 +4645,7 @@
           <a:p>
             <a:fld id="{CB63E6B3-FD71-4468-88B9-C0735253CCAA}" type="datetime1">
               <a:rPr lang="fr-FR" altLang="zh-TW" smtClean="0"/>
-              <a:t>05/12/2018</a:t>
+              <a:t>06/12/2018</a:t>
             </a:fld>
             <a:endParaRPr lang="fr-FR"/>
           </a:p>
@@ -4782,7 +4907,7 @@
           <a:p>
             <a:fld id="{E7037967-40FB-4E34-8FF3-6969956CCBF8}" type="datetime1">
               <a:rPr lang="fr-FR" altLang="zh-TW" smtClean="0"/>
-              <a:t>05/12/2018</a:t>
+              <a:t>06/12/2018</a:t>
             </a:fld>
             <a:endParaRPr lang="fr-FR"/>
           </a:p>
@@ -5500,7 +5625,7 @@
           <a:p>
             <a:fld id="{D3ACC2AA-C9BE-4B6D-A61B-7594931CB630}" type="datetime1">
               <a:rPr lang="fr-FR" altLang="zh-TW" smtClean="0"/>
-              <a:t>05/12/2018</a:t>
+              <a:t>06/12/2018</a:t>
             </a:fld>
             <a:endParaRPr lang="fr-FR"/>
           </a:p>
@@ -5857,7 +5982,7 @@
           <a:p>
             <a:fld id="{1D45520A-363C-425F-A28D-4D02521E9EC2}" type="datetime1">
               <a:rPr lang="fr-FR" altLang="zh-TW" smtClean="0"/>
-              <a:t>05/12/2018</a:t>
+              <a:t>06/12/2018</a:t>
             </a:fld>
             <a:endParaRPr lang="fr-FR"/>
           </a:p>
@@ -6157,7 +6282,7 @@
           <a:p>
             <a:fld id="{172E36E1-A9EF-44B8-BDC2-AD38F076111B}" type="datetime1">
               <a:rPr lang="fr-FR" altLang="zh-TW" smtClean="0"/>
-              <a:t>05/12/2018</a:t>
+              <a:t>06/12/2018</a:t>
             </a:fld>
             <a:endParaRPr lang="fr-FR"/>
           </a:p>
@@ -6344,7 +6469,7 @@
           <a:p>
             <a:fld id="{E6060845-F4F6-4A6C-87EC-25D40DD76F66}" type="datetime1">
               <a:rPr lang="fr-FR" altLang="zh-TW" smtClean="0"/>
-              <a:t>05/12/2018</a:t>
+              <a:t>06/12/2018</a:t>
             </a:fld>
             <a:endParaRPr lang="fr-FR"/>
           </a:p>
@@ -12753,7 +12878,7 @@
           <a:p>
             <a:fld id="{A0B758D6-ED01-4AE2-915C-7364812A8626}" type="datetime1">
               <a:rPr lang="fr-FR" altLang="zh-TW" smtClean="0"/>
-              <a:t>05/12/2018</a:t>
+              <a:t>06/12/2018</a:t>
             </a:fld>
             <a:endParaRPr lang="fr-FR"/>
           </a:p>
@@ -18004,7 +18129,7 @@
           <a:p>
             <a:fld id="{3878EA16-B830-4EFF-8CB0-DE8E57720CDD}" type="datetime1">
               <a:rPr lang="fr-FR" altLang="zh-TW" smtClean="0"/>
-              <a:t>05/12/2018</a:t>
+              <a:t>06/12/2018</a:t>
             </a:fld>
             <a:endParaRPr lang="fr-FR"/>
           </a:p>
@@ -18738,7 +18863,7 @@
           <a:p>
             <a:fld id="{2579C44F-DB87-47B9-975C-3AD181DD0144}" type="datetime1">
               <a:rPr lang="fr-FR" altLang="zh-TW" smtClean="0"/>
-              <a:t>05/12/2018</a:t>
+              <a:t>06/12/2018</a:t>
             </a:fld>
             <a:endParaRPr lang="fr-FR"/>
           </a:p>
@@ -20658,7 +20783,7 @@
           <a:p>
             <a:fld id="{17C8F73A-9A53-44D5-87A0-EF89FB35B76E}" type="datetime1">
               <a:rPr lang="fr-FR" altLang="zh-TW" smtClean="0"/>
-              <a:t>05/12/2018</a:t>
+              <a:t>06/12/2018</a:t>
             </a:fld>
             <a:endParaRPr lang="fr-FR"/>
           </a:p>
@@ -21324,7 +21449,7 @@
           <a:p>
             <a:fld id="{01D877FE-3F74-424B-86C7-10EA22D7ED24}" type="datetime1">
               <a:rPr lang="fr-FR" altLang="zh-TW" smtClean="0"/>
-              <a:t>05/12/2018</a:t>
+              <a:t>06/12/2018</a:t>
             </a:fld>
             <a:endParaRPr lang="fr-FR"/>
           </a:p>
@@ -21990,7 +22115,7 @@
           <a:p>
             <a:fld id="{B9087178-D13A-4930-A1A8-4200F7450DEF}" type="datetime1">
               <a:rPr lang="fr-FR" altLang="zh-TW" smtClean="0"/>
-              <a:t>05/12/2018</a:t>
+              <a:t>06/12/2018</a:t>
             </a:fld>
             <a:endParaRPr lang="fr-FR"/>
           </a:p>
@@ -23725,7 +23850,7 @@
           <a:p>
             <a:fld id="{0003247B-B3F7-41BB-A95F-B6B56C48E17E}" type="datetime1">
               <a:rPr lang="fr-FR" altLang="zh-TW" smtClean="0"/>
-              <a:t>05/12/2018</a:t>
+              <a:t>06/12/2018</a:t>
             </a:fld>
             <a:endParaRPr lang="fr-FR"/>
           </a:p>
@@ -23969,7 +24094,7 @@
           <a:p>
             <a:fld id="{7036140C-C5FE-4C35-B4E1-C65C06066FA9}" type="datetime1">
               <a:rPr lang="fr-FR" altLang="zh-TW" smtClean="0"/>
-              <a:t>05/12/2018</a:t>
+              <a:t>06/12/2018</a:t>
             </a:fld>
             <a:endParaRPr lang="fr-FR"/>
           </a:p>
@@ -24147,7 +24272,7 @@
           <a:p>
             <a:fld id="{887BFBD1-3D9B-4272-AD61-7503861467DB}" type="datetime1">
               <a:rPr lang="fr-FR" altLang="zh-TW" smtClean="0"/>
-              <a:t>05/12/2018</a:t>
+              <a:t>06/12/2018</a:t>
             </a:fld>
             <a:endParaRPr lang="fr-FR"/>
           </a:p>
@@ -24944,7 +25069,7 @@
 </file>
 
 <file path=ppt/slides/slide10.xml><?xml version="1.0" encoding="utf-8"?>
-<p:sld xmlns:a="http://schemas.openxmlformats.org/drawingml/2006/main" xmlns:r="http://schemas.openxmlformats.org/officeDocument/2006/relationships" xmlns:p="http://schemas.openxmlformats.org/presentationml/2006/main">
+<p:sld xmlns:a="http://schemas.openxmlformats.org/drawingml/2006/main" xmlns:r="http://schemas.openxmlformats.org/officeDocument/2006/relationships" xmlns:p="http://schemas.openxmlformats.org/presentationml/2006/main" show="0">
   <p:cSld>
     <p:spTree>
       <p:nvGrpSpPr>
@@ -25536,13 +25661,13 @@
   <p:clrMapOvr>
     <a:masterClrMapping/>
   </p:clrMapOvr>
-  <mc:AlternateContent xmlns:mc="http://schemas.openxmlformats.org/markup-compatibility/2006" xmlns:p14="http://schemas.microsoft.com/office/powerpoint/2010/main">
-    <mc:Choice Requires="p14">
+  <mc:AlternateContent xmlns:mc="http://schemas.openxmlformats.org/markup-compatibility/2006">
+    <mc:Choice xmlns:p14="http://schemas.microsoft.com/office/powerpoint/2010/main" Requires="p14">
       <p:transition spd="med" p14:dur="700">
         <p:fade/>
       </p:transition>
     </mc:Choice>
-    <mc:Fallback xmlns="">
+    <mc:Fallback>
       <p:transition spd="med">
         <p:fade/>
       </p:transition>
@@ -25575,9 +25700,33 @@
           <a:chExt cx="0" cy="0"/>
         </a:xfrm>
       </p:grpSpPr>
+      <p:pic>
+        <p:nvPicPr>
+          <p:cNvPr id="28" name="圖片 27"/>
+          <p:cNvPicPr>
+            <a:picLocks noChangeAspect="1"/>
+          </p:cNvPicPr>
+          <p:nvPr/>
+        </p:nvPicPr>
+        <p:blipFill>
+          <a:blip r:embed="rId3"/>
+          <a:stretch>
+            <a:fillRect/>
+          </a:stretch>
+        </p:blipFill>
+        <p:spPr>
+          <a:xfrm>
+            <a:off x="1074331" y="2699720"/>
+            <a:ext cx="4323319" cy="2116400"/>
+          </a:xfrm>
+          <a:prstGeom prst="rect">
+            <a:avLst/>
+          </a:prstGeom>
+        </p:spPr>
+      </p:pic>
       <p:sp>
         <p:nvSpPr>
-          <p:cNvPr id="5" name="文字版面配置區 4"/>
+          <p:cNvPr id="21" name="文字版面配置區 20"/>
           <p:cNvSpPr>
             <a:spLocks noGrp="1"/>
           </p:cNvSpPr>
@@ -25592,7 +25741,7 @@
           <a:p>
             <a:r>
               <a:rPr lang="en-US" altLang="zh-TW" dirty="0" smtClean="0"/>
-              <a:t>DETAIL</a:t>
+              <a:t>BETA VERSION</a:t>
             </a:r>
             <a:endParaRPr lang="zh-TW" altLang="en-US" dirty="0"/>
           </a:p>
@@ -25616,6 +25765,597 @@
             <a:fld id="{6F0746BA-D1AA-4FF4-8D48-BDBC7FF48778}" type="slidenum">
               <a:rPr lang="fr-FR" smtClean="0"/>
               <a:t>11</a:t>
+            </a:fld>
+            <a:endParaRPr lang="fr-FR"/>
+          </a:p>
+        </p:txBody>
+      </p:sp>
+      <p:pic>
+        <p:nvPicPr>
+          <p:cNvPr id="3" name="圖片 2"/>
+          <p:cNvPicPr>
+            <a:picLocks noChangeAspect="1"/>
+          </p:cNvPicPr>
+          <p:nvPr/>
+        </p:nvPicPr>
+        <p:blipFill>
+          <a:blip r:embed="rId4">
+            <a:clrChange>
+              <a:clrFrom>
+                <a:srgbClr val="FFFFFF"/>
+              </a:clrFrom>
+              <a:clrTo>
+                <a:srgbClr val="FFFFFF">
+                  <a:alpha val="0"/>
+                </a:srgbClr>
+              </a:clrTo>
+            </a:clrChange>
+          </a:blip>
+          <a:stretch>
+            <a:fillRect/>
+          </a:stretch>
+        </p:blipFill>
+        <p:spPr>
+          <a:xfrm>
+            <a:off x="6712428" y="2008405"/>
+            <a:ext cx="1393062" cy="2160000"/>
+          </a:xfrm>
+          <a:prstGeom prst="rect">
+            <a:avLst/>
+          </a:prstGeom>
+        </p:spPr>
+      </p:pic>
+      <p:pic>
+        <p:nvPicPr>
+          <p:cNvPr id="4" name="圖片 3"/>
+          <p:cNvPicPr>
+            <a:picLocks noChangeAspect="1"/>
+          </p:cNvPicPr>
+          <p:nvPr/>
+        </p:nvPicPr>
+        <p:blipFill>
+          <a:blip r:embed="rId5">
+            <a:clrChange>
+              <a:clrFrom>
+                <a:srgbClr val="FFFFFF"/>
+              </a:clrFrom>
+              <a:clrTo>
+                <a:srgbClr val="FFFFFF">
+                  <a:alpha val="0"/>
+                </a:srgbClr>
+              </a:clrTo>
+            </a:clrChange>
+          </a:blip>
+          <a:stretch>
+            <a:fillRect/>
+          </a:stretch>
+        </p:blipFill>
+        <p:spPr>
+          <a:xfrm>
+            <a:off x="8999349" y="2355705"/>
+            <a:ext cx="1981773" cy="1800000"/>
+          </a:xfrm>
+          <a:prstGeom prst="rect">
+            <a:avLst/>
+          </a:prstGeom>
+        </p:spPr>
+      </p:pic>
+      <p:sp>
+        <p:nvSpPr>
+          <p:cNvPr id="6" name="文字方塊 5"/>
+          <p:cNvSpPr txBox="1"/>
+          <p:nvPr/>
+        </p:nvSpPr>
+        <p:spPr>
+          <a:xfrm>
+            <a:off x="7035516" y="4882896"/>
+            <a:ext cx="1079783" cy="609398"/>
+          </a:xfrm>
+          <a:prstGeom prst="rect">
+            <a:avLst/>
+          </a:prstGeom>
+          <a:noFill/>
+        </p:spPr>
+        <p:txBody>
+          <a:bodyPr wrap="none" lIns="0" rtlCol="0" anchor="t">
+            <a:spAutoFit/>
+          </a:bodyPr>
+          <a:lstStyle/>
+          <a:p>
+            <a:pPr algn="r">
+              <a:lnSpc>
+                <a:spcPct val="120000"/>
+              </a:lnSpc>
+            </a:pPr>
+            <a:r>
+              <a:rPr lang="en-US" altLang="zh-TW" sz="2800" dirty="0" smtClean="0">
+                <a:latin typeface="Segoe UI Light" panose="020B0502040204020203" pitchFamily="34" charset="0"/>
+                <a:cs typeface="Segoe UI Light" panose="020B0502040204020203" pitchFamily="34" charset="0"/>
+              </a:rPr>
+              <a:t>101.0%</a:t>
+            </a:r>
+            <a:endParaRPr lang="zh-TW" altLang="en-US" sz="2800" dirty="0" smtClean="0">
+              <a:latin typeface="Segoe UI Light" panose="020B0502040204020203" pitchFamily="34" charset="0"/>
+              <a:cs typeface="Segoe UI Light" panose="020B0502040204020203" pitchFamily="34" charset="0"/>
+            </a:endParaRPr>
+          </a:p>
+        </p:txBody>
+      </p:sp>
+      <p:sp>
+        <p:nvSpPr>
+          <p:cNvPr id="8" name="文字方塊 7"/>
+          <p:cNvSpPr txBox="1"/>
+          <p:nvPr/>
+        </p:nvSpPr>
+        <p:spPr>
+          <a:xfrm>
+            <a:off x="9551817" y="4881477"/>
+            <a:ext cx="1007648" cy="561436"/>
+          </a:xfrm>
+          <a:prstGeom prst="rect">
+            <a:avLst/>
+          </a:prstGeom>
+          <a:noFill/>
+        </p:spPr>
+        <p:txBody>
+          <a:bodyPr wrap="none" lIns="0" rtlCol="0" anchor="t">
+            <a:spAutoFit/>
+          </a:bodyPr>
+          <a:lstStyle>
+            <a:defPPr>
+              <a:defRPr lang="fr-FR"/>
+            </a:defPPr>
+            <a:lvl1pPr algn="r">
+              <a:lnSpc>
+                <a:spcPct val="120000"/>
+              </a:lnSpc>
+              <a:defRPr sz="2800">
+                <a:latin typeface="Segoe UI Light" panose="020B0502040204020203" pitchFamily="34" charset="0"/>
+                <a:cs typeface="Segoe UI Light" panose="020B0502040204020203" pitchFamily="34" charset="0"/>
+              </a:defRPr>
+            </a:lvl1pPr>
+          </a:lstStyle>
+          <a:p>
+            <a:r>
+              <a:rPr lang="en-US" altLang="zh-TW" dirty="0"/>
+              <a:t>93.5%</a:t>
+            </a:r>
+            <a:endParaRPr lang="zh-TW" altLang="en-US" dirty="0"/>
+          </a:p>
+        </p:txBody>
+      </p:sp>
+      <p:sp>
+        <p:nvSpPr>
+          <p:cNvPr id="15" name="文字方塊 14"/>
+          <p:cNvSpPr txBox="1"/>
+          <p:nvPr/>
+        </p:nvSpPr>
+        <p:spPr>
+          <a:xfrm>
+            <a:off x="7125160" y="5754043"/>
+            <a:ext cx="1002839" cy="561436"/>
+          </a:xfrm>
+          <a:prstGeom prst="rect">
+            <a:avLst/>
+          </a:prstGeom>
+          <a:noFill/>
+        </p:spPr>
+        <p:txBody>
+          <a:bodyPr wrap="none" lIns="0" rtlCol="0" anchor="t">
+            <a:spAutoFit/>
+          </a:bodyPr>
+          <a:lstStyle>
+            <a:defPPr>
+              <a:defRPr lang="fr-FR"/>
+            </a:defPPr>
+            <a:lvl1pPr algn="r">
+              <a:lnSpc>
+                <a:spcPct val="120000"/>
+              </a:lnSpc>
+              <a:defRPr sz="2800">
+                <a:latin typeface="Segoe UI Light" panose="020B0502040204020203" pitchFamily="34" charset="0"/>
+                <a:cs typeface="Segoe UI Light" panose="020B0502040204020203" pitchFamily="34" charset="0"/>
+              </a:defRPr>
+            </a:lvl1pPr>
+          </a:lstStyle>
+          <a:p>
+            <a:r>
+              <a:rPr lang="en-US" altLang="zh-TW" dirty="0">
+                <a:solidFill>
+                  <a:schemeClr val="accent1"/>
+                </a:solidFill>
+              </a:rPr>
+              <a:t>97.8%</a:t>
+            </a:r>
+            <a:endParaRPr lang="zh-TW" altLang="en-US" dirty="0">
+              <a:solidFill>
+                <a:schemeClr val="accent1"/>
+              </a:solidFill>
+            </a:endParaRPr>
+          </a:p>
+        </p:txBody>
+      </p:sp>
+      <p:sp>
+        <p:nvSpPr>
+          <p:cNvPr id="16" name="文字方塊 15"/>
+          <p:cNvSpPr txBox="1"/>
+          <p:nvPr/>
+        </p:nvSpPr>
+        <p:spPr>
+          <a:xfrm>
+            <a:off x="9551817" y="5754043"/>
+            <a:ext cx="1007648" cy="561436"/>
+          </a:xfrm>
+          <a:prstGeom prst="rect">
+            <a:avLst/>
+          </a:prstGeom>
+          <a:noFill/>
+        </p:spPr>
+        <p:txBody>
+          <a:bodyPr wrap="none" lIns="0" rtlCol="0" anchor="t">
+            <a:spAutoFit/>
+          </a:bodyPr>
+          <a:lstStyle>
+            <a:defPPr>
+              <a:defRPr lang="fr-FR"/>
+            </a:defPPr>
+            <a:lvl1pPr algn="r">
+              <a:lnSpc>
+                <a:spcPct val="120000"/>
+              </a:lnSpc>
+              <a:defRPr sz="2800">
+                <a:latin typeface="Segoe UI Light" panose="020B0502040204020203" pitchFamily="34" charset="0"/>
+                <a:cs typeface="Segoe UI Light" panose="020B0502040204020203" pitchFamily="34" charset="0"/>
+              </a:defRPr>
+            </a:lvl1pPr>
+          </a:lstStyle>
+          <a:p>
+            <a:r>
+              <a:rPr lang="en-US" altLang="zh-TW" dirty="0">
+                <a:solidFill>
+                  <a:schemeClr val="accent1"/>
+                </a:solidFill>
+              </a:rPr>
+              <a:t>93.2%</a:t>
+            </a:r>
+            <a:endParaRPr lang="zh-TW" altLang="en-US" dirty="0">
+              <a:solidFill>
+                <a:schemeClr val="accent1"/>
+              </a:solidFill>
+            </a:endParaRPr>
+          </a:p>
+        </p:txBody>
+      </p:sp>
+      <p:sp>
+        <p:nvSpPr>
+          <p:cNvPr id="17" name="文字方塊 16"/>
+          <p:cNvSpPr txBox="1"/>
+          <p:nvPr/>
+        </p:nvSpPr>
+        <p:spPr>
+          <a:xfrm>
+            <a:off x="7481243" y="4308760"/>
+            <a:ext cx="2723181" cy="561436"/>
+          </a:xfrm>
+          <a:prstGeom prst="rect">
+            <a:avLst/>
+          </a:prstGeom>
+          <a:noFill/>
+        </p:spPr>
+        <p:txBody>
+          <a:bodyPr wrap="none" lIns="0" rtlCol="0" anchor="t">
+            <a:spAutoFit/>
+          </a:bodyPr>
+          <a:lstStyle/>
+          <a:p>
+            <a:pPr>
+              <a:lnSpc>
+                <a:spcPct val="120000"/>
+              </a:lnSpc>
+            </a:pPr>
+            <a:r>
+              <a:rPr lang="en-US" altLang="zh-TW" sz="2800" dirty="0">
+                <a:latin typeface="Segoe UI Light" panose="020B0502040204020203" pitchFamily="34" charset="0"/>
+                <a:cs typeface="Segoe UI Light" panose="020B0502040204020203" pitchFamily="34" charset="0"/>
+              </a:rPr>
+              <a:t>OVERALL </a:t>
+            </a:r>
+            <a:r>
+              <a:rPr lang="en-US" altLang="zh-TW" sz="2800" dirty="0" smtClean="0">
+                <a:latin typeface="Segoe UI Light" panose="020B0502040204020203" pitchFamily="34" charset="0"/>
+                <a:cs typeface="Segoe UI Light" panose="020B0502040204020203" pitchFamily="34" charset="0"/>
+              </a:rPr>
+              <a:t>RESULT</a:t>
+            </a:r>
+            <a:endParaRPr lang="en-US" altLang="zh-TW" sz="2800" dirty="0">
+              <a:latin typeface="Segoe UI Light" panose="020B0502040204020203" pitchFamily="34" charset="0"/>
+              <a:cs typeface="Segoe UI Light" panose="020B0502040204020203" pitchFamily="34" charset="0"/>
+            </a:endParaRPr>
+          </a:p>
+        </p:txBody>
+      </p:sp>
+      <p:cxnSp>
+        <p:nvCxnSpPr>
+          <p:cNvPr id="23" name="直線接點 22"/>
+          <p:cNvCxnSpPr/>
+          <p:nvPr/>
+        </p:nvCxnSpPr>
+        <p:spPr>
+          <a:xfrm>
+            <a:off x="6094069" y="1270000"/>
+            <a:ext cx="0" cy="5086350"/>
+          </a:xfrm>
+          <a:prstGeom prst="line">
+            <a:avLst/>
+          </a:prstGeom>
+          <a:ln>
+            <a:solidFill>
+              <a:schemeClr val="tx1"/>
+            </a:solidFill>
+          </a:ln>
+        </p:spPr>
+        <p:style>
+          <a:lnRef idx="1">
+            <a:schemeClr val="accent1"/>
+          </a:lnRef>
+          <a:fillRef idx="0">
+            <a:schemeClr val="accent1"/>
+          </a:fillRef>
+          <a:effectRef idx="0">
+            <a:schemeClr val="accent1"/>
+          </a:effectRef>
+          <a:fontRef idx="minor">
+            <a:schemeClr val="tx1"/>
+          </a:fontRef>
+        </p:style>
+      </p:cxnSp>
+      <p:sp>
+        <p:nvSpPr>
+          <p:cNvPr id="29" name="文字方塊 28"/>
+          <p:cNvSpPr txBox="1"/>
+          <p:nvPr/>
+        </p:nvSpPr>
+        <p:spPr>
+          <a:xfrm>
+            <a:off x="1064171" y="1435372"/>
+            <a:ext cx="2045112" cy="561436"/>
+          </a:xfrm>
+          <a:prstGeom prst="rect">
+            <a:avLst/>
+          </a:prstGeom>
+          <a:noFill/>
+        </p:spPr>
+        <p:txBody>
+          <a:bodyPr wrap="none" lIns="0" rtlCol="0" anchor="t">
+            <a:spAutoFit/>
+          </a:bodyPr>
+          <a:lstStyle/>
+          <a:p>
+            <a:pPr>
+              <a:lnSpc>
+                <a:spcPct val="120000"/>
+              </a:lnSpc>
+            </a:pPr>
+            <a:r>
+              <a:rPr lang="en-US" altLang="zh-TW" sz="2800" dirty="0">
+                <a:latin typeface="Segoe UI Light" panose="020B0502040204020203" pitchFamily="34" charset="0"/>
+                <a:cs typeface="Segoe UI Light" panose="020B0502040204020203" pitchFamily="34" charset="0"/>
+              </a:rPr>
+              <a:t>5 MULTI CUT</a:t>
+            </a:r>
+          </a:p>
+        </p:txBody>
+      </p:sp>
+      <p:sp>
+        <p:nvSpPr>
+          <p:cNvPr id="30" name="文字方塊 29"/>
+          <p:cNvSpPr txBox="1"/>
+          <p:nvPr/>
+        </p:nvSpPr>
+        <p:spPr>
+          <a:xfrm>
+            <a:off x="8377256" y="1437270"/>
+            <a:ext cx="3476208" cy="561436"/>
+          </a:xfrm>
+          <a:prstGeom prst="rect">
+            <a:avLst/>
+          </a:prstGeom>
+          <a:noFill/>
+        </p:spPr>
+        <p:txBody>
+          <a:bodyPr wrap="none" lIns="0" rtlCol="0" anchor="t">
+            <a:spAutoFit/>
+          </a:bodyPr>
+          <a:lstStyle/>
+          <a:p>
+            <a:pPr>
+              <a:lnSpc>
+                <a:spcPct val="120000"/>
+              </a:lnSpc>
+            </a:pPr>
+            <a:r>
+              <a:rPr lang="en-US" altLang="zh-TW" sz="2800" dirty="0">
+                <a:latin typeface="Segoe UI Light" panose="020B0502040204020203" pitchFamily="34" charset="0"/>
+                <a:cs typeface="Segoe UI Light" panose="020B0502040204020203" pitchFamily="34" charset="0"/>
+              </a:rPr>
+              <a:t>TRATIONAL </a:t>
+            </a:r>
+            <a:r>
+              <a:rPr lang="en-US" altLang="zh-TW" sz="2800" dirty="0" smtClean="0">
+                <a:latin typeface="Segoe UI Light" panose="020B0502040204020203" pitchFamily="34" charset="0"/>
+                <a:cs typeface="Segoe UI Light" panose="020B0502040204020203" pitchFamily="34" charset="0"/>
+              </a:rPr>
+              <a:t>REPLACE?</a:t>
+            </a:r>
+            <a:endParaRPr lang="zh-TW" altLang="en-US" sz="2800" dirty="0" smtClean="0">
+              <a:latin typeface="Segoe UI Light" panose="020B0502040204020203" pitchFamily="34" charset="0"/>
+              <a:cs typeface="Segoe UI Light" panose="020B0502040204020203" pitchFamily="34" charset="0"/>
+            </a:endParaRPr>
+          </a:p>
+        </p:txBody>
+      </p:sp>
+      <p:cxnSp>
+        <p:nvCxnSpPr>
+          <p:cNvPr id="32" name="直線單箭頭接點 31"/>
+          <p:cNvCxnSpPr/>
+          <p:nvPr/>
+        </p:nvCxnSpPr>
+        <p:spPr>
+          <a:xfrm>
+            <a:off x="7561294" y="5436220"/>
+            <a:ext cx="0" cy="382855"/>
+          </a:xfrm>
+          <a:prstGeom prst="straightConnector1">
+            <a:avLst/>
+          </a:prstGeom>
+          <a:ln>
+            <a:solidFill>
+              <a:schemeClr val="tx1"/>
+            </a:solidFill>
+            <a:tailEnd type="triangle"/>
+          </a:ln>
+        </p:spPr>
+        <p:style>
+          <a:lnRef idx="1">
+            <a:schemeClr val="accent1"/>
+          </a:lnRef>
+          <a:fillRef idx="0">
+            <a:schemeClr val="accent1"/>
+          </a:fillRef>
+          <a:effectRef idx="0">
+            <a:schemeClr val="accent1"/>
+          </a:effectRef>
+          <a:fontRef idx="minor">
+            <a:schemeClr val="tx1"/>
+          </a:fontRef>
+        </p:style>
+      </p:cxnSp>
+      <p:cxnSp>
+        <p:nvCxnSpPr>
+          <p:cNvPr id="34" name="直線單箭頭接點 33"/>
+          <p:cNvCxnSpPr/>
+          <p:nvPr/>
+        </p:nvCxnSpPr>
+        <p:spPr>
+          <a:xfrm>
+            <a:off x="9990235" y="5442913"/>
+            <a:ext cx="0" cy="382855"/>
+          </a:xfrm>
+          <a:prstGeom prst="straightConnector1">
+            <a:avLst/>
+          </a:prstGeom>
+          <a:ln>
+            <a:solidFill>
+              <a:schemeClr val="tx1"/>
+            </a:solidFill>
+            <a:tailEnd type="triangle"/>
+          </a:ln>
+        </p:spPr>
+        <p:style>
+          <a:lnRef idx="1">
+            <a:schemeClr val="accent1"/>
+          </a:lnRef>
+          <a:fillRef idx="0">
+            <a:schemeClr val="accent1"/>
+          </a:fillRef>
+          <a:effectRef idx="0">
+            <a:schemeClr val="accent1"/>
+          </a:effectRef>
+          <a:fontRef idx="minor">
+            <a:schemeClr val="tx1"/>
+          </a:fontRef>
+        </p:style>
+      </p:cxnSp>
+    </p:spTree>
+    <p:extLst>
+      <p:ext uri="{BB962C8B-B14F-4D97-AF65-F5344CB8AC3E}">
+        <p14:creationId xmlns:p14="http://schemas.microsoft.com/office/powerpoint/2010/main" val="1934427389"/>
+      </p:ext>
+    </p:extLst>
+  </p:cSld>
+  <p:clrMapOvr>
+    <a:masterClrMapping/>
+  </p:clrMapOvr>
+  <mc:AlternateContent xmlns:mc="http://schemas.openxmlformats.org/markup-compatibility/2006" xmlns:p14="http://schemas.microsoft.com/office/powerpoint/2010/main">
+    <mc:Choice Requires="p14">
+      <p:transition spd="med" p14:dur="700">
+        <p:fade/>
+      </p:transition>
+    </mc:Choice>
+    <mc:Fallback xmlns="">
+      <p:transition spd="med">
+        <p:fade/>
+      </p:transition>
+    </mc:Fallback>
+  </mc:AlternateContent>
+  <p:timing>
+    <p:tnLst>
+      <p:par>
+        <p:cTn id="1" dur="indefinite" restart="never" nodeType="tmRoot"/>
+      </p:par>
+    </p:tnLst>
+  </p:timing>
+</p:sld>
+</file>
+
+<file path=ppt/slides/slide12.xml><?xml version="1.0" encoding="utf-8"?>
+<p:sld xmlns:a="http://schemas.openxmlformats.org/drawingml/2006/main" xmlns:r="http://schemas.openxmlformats.org/officeDocument/2006/relationships" xmlns:p="http://schemas.openxmlformats.org/presentationml/2006/main">
+  <p:cSld>
+    <p:spTree>
+      <p:nvGrpSpPr>
+        <p:cNvPr id="1" name=""/>
+        <p:cNvGrpSpPr/>
+        <p:nvPr/>
+      </p:nvGrpSpPr>
+      <p:grpSpPr>
+        <a:xfrm>
+          <a:off x="0" y="0"/>
+          <a:ext cx="0" cy="0"/>
+          <a:chOff x="0" y="0"/>
+          <a:chExt cx="0" cy="0"/>
+        </a:xfrm>
+      </p:grpSpPr>
+      <p:sp>
+        <p:nvSpPr>
+          <p:cNvPr id="5" name="文字版面配置區 4"/>
+          <p:cNvSpPr>
+            <a:spLocks noGrp="1"/>
+          </p:cNvSpPr>
+          <p:nvPr>
+            <p:ph type="body" sz="quarter" idx="10"/>
+          </p:nvPr>
+        </p:nvSpPr>
+        <p:spPr/>
+        <p:txBody>
+          <a:bodyPr/>
+          <a:lstStyle/>
+          <a:p>
+            <a:r>
+              <a:rPr lang="en-US" altLang="zh-TW" dirty="0" smtClean="0"/>
+              <a:t>DETAIL</a:t>
+            </a:r>
+            <a:endParaRPr lang="zh-TW" altLang="en-US" dirty="0"/>
+          </a:p>
+        </p:txBody>
+      </p:sp>
+      <p:sp>
+        <p:nvSpPr>
+          <p:cNvPr id="2" name="Slide Number Placeholder 1"/>
+          <p:cNvSpPr>
+            <a:spLocks noGrp="1"/>
+          </p:cNvSpPr>
+          <p:nvPr>
+            <p:ph type="sldNum" sz="quarter" idx="4"/>
+          </p:nvPr>
+        </p:nvSpPr>
+        <p:spPr/>
+        <p:txBody>
+          <a:bodyPr/>
+          <a:lstStyle/>
+          <a:p>
+            <a:fld id="{6F0746BA-D1AA-4FF4-8D48-BDBC7FF48778}" type="slidenum">
+              <a:rPr lang="fr-FR" smtClean="0"/>
+              <a:t>12</a:t>
             </a:fld>
             <a:endParaRPr lang="fr-FR"/>
           </a:p>
@@ -25819,7 +26559,7 @@
 </p:sld>
 </file>
 
-<file path=ppt/slides/slide12.xml><?xml version="1.0" encoding="utf-8"?>
+<file path=ppt/slides/slide13.xml><?xml version="1.0" encoding="utf-8"?>
 <p:sld xmlns:a="http://schemas.openxmlformats.org/drawingml/2006/main" xmlns:r="http://schemas.openxmlformats.org/officeDocument/2006/relationships" xmlns:p="http://schemas.openxmlformats.org/presentationml/2006/main">
   <p:cSld>
     <p:spTree>
@@ -25885,7 +26625,7 @@
           <a:p>
             <a:fld id="{6F0746BA-D1AA-4FF4-8D48-BDBC7FF48778}" type="slidenum">
               <a:rPr lang="fr-FR" smtClean="0"/>
-              <a:t>12</a:t>
+              <a:t>13</a:t>
             </a:fld>
             <a:endParaRPr lang="fr-FR"/>
           </a:p>
@@ -26029,7 +26769,7 @@
 </p:sld>
 </file>
 
-<file path=ppt/slides/slide13.xml><?xml version="1.0" encoding="utf-8"?>
+<file path=ppt/slides/slide14.xml><?xml version="1.0" encoding="utf-8"?>
 <p:sld xmlns:a="http://schemas.openxmlformats.org/drawingml/2006/main" xmlns:r="http://schemas.openxmlformats.org/officeDocument/2006/relationships" xmlns:p="http://schemas.openxmlformats.org/presentationml/2006/main">
   <p:cSld>
     <p:spTree>
@@ -26091,7 +26831,7 @@
           <a:p>
             <a:fld id="{6F0746BA-D1AA-4FF4-8D48-BDBC7FF48778}" type="slidenum">
               <a:rPr lang="fr-FR" smtClean="0"/>
-              <a:t>13</a:t>
+              <a:t>14</a:t>
             </a:fld>
             <a:endParaRPr lang="fr-FR" dirty="0"/>
           </a:p>
@@ -26479,13 +27219,6 @@
               </a:rPr>
               <a:t>ETABS DEMAND</a:t>
             </a:r>
-            <a:endParaRPr lang="en-US" sz="2000" dirty="0" smtClean="0">
-              <a:solidFill>
-                <a:schemeClr val="accent2"/>
-              </a:solidFill>
-              <a:latin typeface="Segoe UI Light" panose="020B0502040204020203" pitchFamily="34" charset="0"/>
-              <a:cs typeface="Segoe UI Light" panose="020B0502040204020203" pitchFamily="34" charset="0"/>
-            </a:endParaRPr>
           </a:p>
         </p:txBody>
       </p:sp>
@@ -26526,13 +27259,6 @@
               </a:rPr>
               <a:t>REBAR USED</a:t>
             </a:r>
-            <a:endParaRPr lang="en-US" sz="2000" dirty="0" smtClean="0">
-              <a:solidFill>
-                <a:schemeClr val="accent1"/>
-              </a:solidFill>
-              <a:latin typeface="Segoe UI Light" panose="020B0502040204020203" pitchFamily="34" charset="0"/>
-              <a:cs typeface="Segoe UI Light" panose="020B0502040204020203" pitchFamily="34" charset="0"/>
-            </a:endParaRPr>
           </a:p>
         </p:txBody>
       </p:sp>
@@ -26570,10 +27296,6 @@
               </a:rPr>
               <a:t>TRADITION</a:t>
             </a:r>
-            <a:endParaRPr lang="en-US" sz="2800" dirty="0" smtClean="0">
-              <a:latin typeface="Segoe UI Light" panose="020B0502040204020203" pitchFamily="34" charset="0"/>
-              <a:cs typeface="Segoe UI Light" panose="020B0502040204020203" pitchFamily="34" charset="0"/>
-            </a:endParaRPr>
           </a:p>
         </p:txBody>
       </p:sp>
@@ -26611,10 +27333,6 @@
               </a:rPr>
               <a:t>MULTI CUT</a:t>
             </a:r>
-            <a:endParaRPr lang="en-US" sz="2800" dirty="0" smtClean="0">
-              <a:latin typeface="Segoe UI Light" panose="020B0502040204020203" pitchFamily="34" charset="0"/>
-              <a:cs typeface="Segoe UI Light" panose="020B0502040204020203" pitchFamily="34" charset="0"/>
-            </a:endParaRPr>
           </a:p>
         </p:txBody>
       </p:sp>
@@ -26659,13 +27377,6 @@
               </a:rPr>
               <a:t>100%</a:t>
             </a:r>
-            <a:endParaRPr lang="en-US" sz="2000" dirty="0" smtClean="0">
-              <a:solidFill>
-                <a:schemeClr val="accent1"/>
-              </a:solidFill>
-              <a:latin typeface="Segoe UI Light" panose="020B0502040204020203" pitchFamily="34" charset="0"/>
-              <a:cs typeface="Segoe UI Light" panose="020B0502040204020203" pitchFamily="34" charset="0"/>
-            </a:endParaRPr>
           </a:p>
         </p:txBody>
       </p:sp>
@@ -26706,13 +27417,6 @@
               </a:rPr>
               <a:t>ETABS DEMAND</a:t>
             </a:r>
-            <a:endParaRPr lang="en-US" sz="2000" dirty="0" smtClean="0">
-              <a:solidFill>
-                <a:schemeClr val="accent2"/>
-              </a:solidFill>
-              <a:latin typeface="Segoe UI Light" panose="020B0502040204020203" pitchFamily="34" charset="0"/>
-              <a:cs typeface="Segoe UI Light" panose="020B0502040204020203" pitchFamily="34" charset="0"/>
-            </a:endParaRPr>
           </a:p>
         </p:txBody>
       </p:sp>
@@ -26753,13 +27457,6 @@
               </a:rPr>
               <a:t>REBAR USED</a:t>
             </a:r>
-            <a:endParaRPr lang="en-US" sz="2000" dirty="0" smtClean="0">
-              <a:solidFill>
-                <a:schemeClr val="accent1"/>
-              </a:solidFill>
-              <a:latin typeface="Segoe UI Light" panose="020B0502040204020203" pitchFamily="34" charset="0"/>
-              <a:cs typeface="Segoe UI Light" panose="020B0502040204020203" pitchFamily="34" charset="0"/>
-            </a:endParaRPr>
           </a:p>
         </p:txBody>
       </p:sp>
@@ -27070,13 +27767,6 @@
               </a:rPr>
               <a:t>ETABS DEMAND</a:t>
             </a:r>
-            <a:endParaRPr lang="en-US" sz="2000" dirty="0" smtClean="0">
-              <a:solidFill>
-                <a:schemeClr val="accent2"/>
-              </a:solidFill>
-              <a:latin typeface="Segoe UI Light" panose="020B0502040204020203" pitchFamily="34" charset="0"/>
-              <a:cs typeface="Segoe UI Light" panose="020B0502040204020203" pitchFamily="34" charset="0"/>
-            </a:endParaRPr>
           </a:p>
         </p:txBody>
       </p:sp>
@@ -27117,13 +27807,6 @@
               </a:rPr>
               <a:t>REBAR USED</a:t>
             </a:r>
-            <a:endParaRPr lang="en-US" sz="2000" dirty="0" smtClean="0">
-              <a:solidFill>
-                <a:schemeClr val="accent1"/>
-              </a:solidFill>
-              <a:latin typeface="Segoe UI Light" panose="020B0502040204020203" pitchFamily="34" charset="0"/>
-              <a:cs typeface="Segoe UI Light" panose="020B0502040204020203" pitchFamily="34" charset="0"/>
-            </a:endParaRPr>
           </a:p>
         </p:txBody>
       </p:sp>
@@ -27221,13 +27904,6 @@
               </a:rPr>
               <a:t>ETABS DEMAND</a:t>
             </a:r>
-            <a:endParaRPr lang="en-US" sz="2000" dirty="0" smtClean="0">
-              <a:solidFill>
-                <a:schemeClr val="accent2"/>
-              </a:solidFill>
-              <a:latin typeface="Segoe UI Light" panose="020B0502040204020203" pitchFamily="34" charset="0"/>
-              <a:cs typeface="Segoe UI Light" panose="020B0502040204020203" pitchFamily="34" charset="0"/>
-            </a:endParaRPr>
           </a:p>
         </p:txBody>
       </p:sp>
@@ -27268,13 +27944,6 @@
               </a:rPr>
               <a:t>REBAR USED</a:t>
             </a:r>
-            <a:endParaRPr lang="en-US" sz="2000" dirty="0" smtClean="0">
-              <a:solidFill>
-                <a:schemeClr val="accent1"/>
-              </a:solidFill>
-              <a:latin typeface="Segoe UI Light" panose="020B0502040204020203" pitchFamily="34" charset="0"/>
-              <a:cs typeface="Segoe UI Light" panose="020B0502040204020203" pitchFamily="34" charset="0"/>
-            </a:endParaRPr>
           </a:p>
         </p:txBody>
       </p:sp>
@@ -27417,7 +28086,7 @@
 </p:sld>
 </file>
 
-<file path=ppt/slides/slide14.xml><?xml version="1.0" encoding="utf-8"?>
+<file path=ppt/slides/slide15.xml><?xml version="1.0" encoding="utf-8"?>
 <p:sld xmlns:a="http://schemas.openxmlformats.org/drawingml/2006/main" xmlns:r="http://schemas.openxmlformats.org/officeDocument/2006/relationships" xmlns:p="http://schemas.openxmlformats.org/presentationml/2006/main">
   <p:cSld>
     <p:spTree>
@@ -27474,7 +28143,7 @@
           <a:p>
             <a:fld id="{6F0746BA-D1AA-4FF4-8D48-BDBC7FF48778}" type="slidenum">
               <a:rPr lang="fr-FR" smtClean="0"/>
-              <a:t>14</a:t>
+              <a:t>15</a:t>
             </a:fld>
             <a:endParaRPr lang="fr-FR"/>
           </a:p>
@@ -27737,7 +28406,7 @@
 </p:sld>
 </file>
 
-<file path=ppt/slides/slide15.xml><?xml version="1.0" encoding="utf-8"?>
+<file path=ppt/slides/slide16.xml><?xml version="1.0" encoding="utf-8"?>
 <p:sld xmlns:a="http://schemas.openxmlformats.org/drawingml/2006/main" xmlns:r="http://schemas.openxmlformats.org/officeDocument/2006/relationships" xmlns:p="http://schemas.openxmlformats.org/presentationml/2006/main">
   <p:cSld>
     <p:spTree>
@@ -27794,7 +28463,7 @@
           <a:p>
             <a:fld id="{6F0746BA-D1AA-4FF4-8D48-BDBC7FF48778}" type="slidenum">
               <a:rPr lang="fr-FR" smtClean="0"/>
-              <a:t>15</a:t>
+              <a:t>16</a:t>
             </a:fld>
             <a:endParaRPr lang="fr-FR"/>
           </a:p>
@@ -28139,7 +28808,7 @@
 </p:sld>
 </file>
 
-<file path=ppt/slides/slide16.xml><?xml version="1.0" encoding="utf-8"?>
+<file path=ppt/slides/slide17.xml><?xml version="1.0" encoding="utf-8"?>
 <p:sld xmlns:a="http://schemas.openxmlformats.org/drawingml/2006/main" xmlns:r="http://schemas.openxmlformats.org/officeDocument/2006/relationships" xmlns:p="http://schemas.openxmlformats.org/presentationml/2006/main">
   <p:cSld>
     <p:spTree>
@@ -28229,7 +28898,7 @@
           <a:p>
             <a:fld id="{6F0746BA-D1AA-4FF4-8D48-BDBC7FF48778}" type="slidenum">
               <a:rPr lang="fr-FR" smtClean="0"/>
-              <a:t>16</a:t>
+              <a:t>17</a:t>
             </a:fld>
             <a:endParaRPr lang="fr-FR"/>
           </a:p>
@@ -28500,433 +29169,6 @@
     <p:extLst>
       <p:ext uri="{BB962C8B-B14F-4D97-AF65-F5344CB8AC3E}">
         <p14:creationId xmlns:p14="http://schemas.microsoft.com/office/powerpoint/2010/main" val="1931657066"/>
-      </p:ext>
-    </p:extLst>
-  </p:cSld>
-  <p:clrMapOvr>
-    <a:masterClrMapping/>
-  </p:clrMapOvr>
-  <mc:AlternateContent xmlns:mc="http://schemas.openxmlformats.org/markup-compatibility/2006" xmlns:p14="http://schemas.microsoft.com/office/powerpoint/2010/main">
-    <mc:Choice Requires="p14">
-      <p:transition spd="med" p14:dur="700">
-        <p:fade/>
-      </p:transition>
-    </mc:Choice>
-    <mc:Fallback xmlns="">
-      <p:transition spd="med">
-        <p:fade/>
-      </p:transition>
-    </mc:Fallback>
-  </mc:AlternateContent>
-  <p:timing>
-    <p:tnLst>
-      <p:par>
-        <p:cTn id="1" dur="indefinite" restart="never" nodeType="tmRoot"/>
-      </p:par>
-    </p:tnLst>
-  </p:timing>
-</p:sld>
-</file>
-
-<file path=ppt/slides/slide17.xml><?xml version="1.0" encoding="utf-8"?>
-<p:sld xmlns:a="http://schemas.openxmlformats.org/drawingml/2006/main" xmlns:r="http://schemas.openxmlformats.org/officeDocument/2006/relationships" xmlns:p="http://schemas.openxmlformats.org/presentationml/2006/main">
-  <p:cSld>
-    <p:spTree>
-      <p:nvGrpSpPr>
-        <p:cNvPr id="1" name=""/>
-        <p:cNvGrpSpPr/>
-        <p:nvPr/>
-      </p:nvGrpSpPr>
-      <p:grpSpPr>
-        <a:xfrm>
-          <a:off x="0" y="0"/>
-          <a:ext cx="0" cy="0"/>
-          <a:chOff x="0" y="0"/>
-          <a:chExt cx="0" cy="0"/>
-        </a:xfrm>
-      </p:grpSpPr>
-      <p:pic>
-        <p:nvPicPr>
-          <p:cNvPr id="7" name="圖片 6"/>
-          <p:cNvPicPr>
-            <a:picLocks noChangeAspect="1"/>
-          </p:cNvPicPr>
-          <p:nvPr/>
-        </p:nvPicPr>
-        <p:blipFill>
-          <a:blip r:embed="rId3">
-            <a:clrChange>
-              <a:clrFrom>
-                <a:srgbClr val="FFFFFF"/>
-              </a:clrFrom>
-              <a:clrTo>
-                <a:srgbClr val="FFFFFF">
-                  <a:alpha val="0"/>
-                </a:srgbClr>
-              </a:clrTo>
-            </a:clrChange>
-          </a:blip>
-          <a:stretch>
-            <a:fillRect/>
-          </a:stretch>
-        </p:blipFill>
-        <p:spPr>
-          <a:xfrm>
-            <a:off x="1060708" y="2001837"/>
-            <a:ext cx="3765292" cy="4494751"/>
-          </a:xfrm>
-          <a:prstGeom prst="rect">
-            <a:avLst/>
-          </a:prstGeom>
-        </p:spPr>
-      </p:pic>
-      <p:sp>
-        <p:nvSpPr>
-          <p:cNvPr id="5" name="文字版面配置區 4"/>
-          <p:cNvSpPr>
-            <a:spLocks noGrp="1"/>
-          </p:cNvSpPr>
-          <p:nvPr>
-            <p:ph type="body" sz="quarter" idx="10"/>
-          </p:nvPr>
-        </p:nvSpPr>
-        <p:spPr>
-          <a:xfrm>
-            <a:off x="839788" y="660400"/>
-            <a:ext cx="9752012" cy="1311128"/>
-          </a:xfrm>
-        </p:spPr>
-        <p:txBody>
-          <a:bodyPr/>
-          <a:lstStyle/>
-          <a:p>
-            <a:r>
-              <a:rPr lang="en-US" altLang="zh-TW" dirty="0" smtClean="0"/>
-              <a:t>NONLINEAR</a:t>
-            </a:r>
-            <a:r>
-              <a:rPr lang="zh-TW" altLang="en-US" dirty="0" smtClean="0"/>
-              <a:t> </a:t>
-            </a:r>
-            <a:r>
-              <a:rPr lang="en-US" altLang="zh-TW" dirty="0"/>
-              <a:t>VERIFICATION</a:t>
-            </a:r>
-          </a:p>
-        </p:txBody>
-      </p:sp>
-      <p:sp>
-        <p:nvSpPr>
-          <p:cNvPr id="2" name="Slide Number Placeholder 1"/>
-          <p:cNvSpPr>
-            <a:spLocks noGrp="1"/>
-          </p:cNvSpPr>
-          <p:nvPr>
-            <p:ph type="sldNum" sz="quarter" idx="4"/>
-          </p:nvPr>
-        </p:nvSpPr>
-        <p:spPr/>
-        <p:txBody>
-          <a:bodyPr/>
-          <a:lstStyle/>
-          <a:p>
-            <a:fld id="{6F0746BA-D1AA-4FF4-8D48-BDBC7FF48778}" type="slidenum">
-              <a:rPr lang="fr-FR" smtClean="0"/>
-              <a:t>17</a:t>
-            </a:fld>
-            <a:endParaRPr lang="fr-FR"/>
-          </a:p>
-        </p:txBody>
-      </p:sp>
-      <p:sp>
-        <p:nvSpPr>
-          <p:cNvPr id="6" name="文字方塊 5"/>
-          <p:cNvSpPr txBox="1"/>
-          <p:nvPr/>
-        </p:nvSpPr>
-        <p:spPr>
-          <a:xfrm>
-            <a:off x="5384800" y="2006600"/>
-            <a:ext cx="3108030" cy="3194721"/>
-          </a:xfrm>
-          <a:prstGeom prst="rect">
-            <a:avLst/>
-          </a:prstGeom>
-          <a:noFill/>
-        </p:spPr>
-        <p:txBody>
-          <a:bodyPr wrap="none" lIns="0" rtlCol="0" anchor="t">
-            <a:spAutoFit/>
-          </a:bodyPr>
-          <a:lstStyle/>
-          <a:p>
-            <a:pPr algn="l">
-              <a:lnSpc>
-                <a:spcPct val="120000"/>
-              </a:lnSpc>
-            </a:pPr>
-            <a:r>
-              <a:rPr lang="en-US" altLang="zh-TW" sz="2800" dirty="0" smtClean="0">
-                <a:latin typeface="Segoe UI Light" panose="020B0502040204020203" pitchFamily="34" charset="0"/>
-                <a:cs typeface="Segoe UI Light" panose="020B0502040204020203" pitchFamily="34" charset="0"/>
-              </a:rPr>
-              <a:t>3</a:t>
-            </a:r>
-            <a:r>
-              <a:rPr lang="zh-TW" altLang="en-US" sz="2800" dirty="0" smtClean="0">
-                <a:latin typeface="Segoe UI Light" panose="020B0502040204020203" pitchFamily="34" charset="0"/>
-                <a:cs typeface="Segoe UI Light" panose="020B0502040204020203" pitchFamily="34" charset="0"/>
-              </a:rPr>
-              <a:t> </a:t>
-            </a:r>
-            <a:r>
-              <a:rPr lang="en-US" altLang="zh-TW" sz="2800" dirty="0" smtClean="0">
-                <a:latin typeface="Segoe UI Light" panose="020B0502040204020203" pitchFamily="34" charset="0"/>
-                <a:cs typeface="Segoe UI Light" panose="020B0502040204020203" pitchFamily="34" charset="0"/>
-              </a:rPr>
-              <a:t>STORYS,</a:t>
-            </a:r>
-            <a:r>
-              <a:rPr lang="zh-TW" altLang="en-US" sz="2800" dirty="0" smtClean="0">
-                <a:latin typeface="Segoe UI Light" panose="020B0502040204020203" pitchFamily="34" charset="0"/>
-                <a:cs typeface="Segoe UI Light" panose="020B0502040204020203" pitchFamily="34" charset="0"/>
-              </a:rPr>
-              <a:t> </a:t>
-            </a:r>
-            <a:r>
-              <a:rPr lang="en-US" altLang="zh-TW" sz="2800" dirty="0" smtClean="0">
-                <a:latin typeface="Segoe UI Light" panose="020B0502040204020203" pitchFamily="34" charset="0"/>
-                <a:cs typeface="Segoe UI Light" panose="020B0502040204020203" pitchFamily="34" charset="0"/>
-              </a:rPr>
-              <a:t>ONE</a:t>
-            </a:r>
-            <a:r>
-              <a:rPr lang="zh-TW" altLang="en-US" sz="2800" dirty="0" smtClean="0">
-                <a:latin typeface="Segoe UI Light" panose="020B0502040204020203" pitchFamily="34" charset="0"/>
-                <a:cs typeface="Segoe UI Light" panose="020B0502040204020203" pitchFamily="34" charset="0"/>
-              </a:rPr>
-              <a:t> </a:t>
-            </a:r>
-            <a:r>
-              <a:rPr lang="en-US" altLang="zh-TW" sz="2800" dirty="0" smtClean="0">
-                <a:latin typeface="Segoe UI Light" panose="020B0502040204020203" pitchFamily="34" charset="0"/>
-                <a:cs typeface="Segoe UI Light" panose="020B0502040204020203" pitchFamily="34" charset="0"/>
-              </a:rPr>
-              <a:t>BAY</a:t>
-            </a:r>
-          </a:p>
-          <a:p>
-            <a:pPr algn="l">
-              <a:lnSpc>
-                <a:spcPct val="120000"/>
-              </a:lnSpc>
-            </a:pPr>
-            <a:r>
-              <a:rPr lang="en-US" altLang="zh-TW" sz="2800" dirty="0" smtClean="0">
-                <a:latin typeface="Segoe UI Light" panose="020B0502040204020203" pitchFamily="34" charset="0"/>
-                <a:cs typeface="Segoe UI Light" panose="020B0502040204020203" pitchFamily="34" charset="0"/>
-              </a:rPr>
-              <a:t>HEIGHT:</a:t>
-            </a:r>
-            <a:r>
-              <a:rPr lang="zh-TW" altLang="en-US" sz="2800" dirty="0" smtClean="0">
-                <a:latin typeface="Segoe UI Light" panose="020B0502040204020203" pitchFamily="34" charset="0"/>
-                <a:cs typeface="Segoe UI Light" panose="020B0502040204020203" pitchFamily="34" charset="0"/>
-              </a:rPr>
-              <a:t> </a:t>
-            </a:r>
-            <a:r>
-              <a:rPr lang="en-US" altLang="zh-TW" sz="2800" dirty="0" smtClean="0">
-                <a:latin typeface="Segoe UI Light" panose="020B0502040204020203" pitchFamily="34" charset="0"/>
-                <a:cs typeface="Segoe UI Light" panose="020B0502040204020203" pitchFamily="34" charset="0"/>
-              </a:rPr>
-              <a:t>9m</a:t>
-            </a:r>
-          </a:p>
-          <a:p>
-            <a:pPr algn="l">
-              <a:lnSpc>
-                <a:spcPct val="120000"/>
-              </a:lnSpc>
-            </a:pPr>
-            <a:r>
-              <a:rPr lang="en-US" altLang="zh-TW" sz="2800" dirty="0" smtClean="0">
-                <a:latin typeface="Segoe UI Light" panose="020B0502040204020203" pitchFamily="34" charset="0"/>
-                <a:cs typeface="Segoe UI Light" panose="020B0502040204020203" pitchFamily="34" charset="0"/>
-              </a:rPr>
-              <a:t>BEAM: 60x80cm</a:t>
-            </a:r>
-          </a:p>
-          <a:p>
-            <a:pPr algn="l">
-              <a:lnSpc>
-                <a:spcPct val="120000"/>
-              </a:lnSpc>
-            </a:pPr>
-            <a:r>
-              <a:rPr lang="en-US" altLang="zh-TW" sz="2800" dirty="0" smtClean="0">
-                <a:latin typeface="Segoe UI Light" panose="020B0502040204020203" pitchFamily="34" charset="0"/>
-                <a:cs typeface="Segoe UI Light" panose="020B0502040204020203" pitchFamily="34" charset="0"/>
-              </a:rPr>
-              <a:t>COLUMN: 60x60cm</a:t>
-            </a:r>
-          </a:p>
-          <a:p>
-            <a:pPr algn="l">
-              <a:lnSpc>
-                <a:spcPct val="120000"/>
-              </a:lnSpc>
-            </a:pPr>
-            <a:r>
-              <a:rPr lang="en-US" altLang="zh-TW" sz="2800" dirty="0" smtClean="0">
-                <a:latin typeface="Segoe UI Light" panose="020B0502040204020203" pitchFamily="34" charset="0"/>
-                <a:cs typeface="Segoe UI Light" panose="020B0502040204020203" pitchFamily="34" charset="0"/>
-              </a:rPr>
-              <a:t>SPAN: 6m</a:t>
-            </a:r>
-          </a:p>
-          <a:p>
-            <a:pPr algn="l">
-              <a:lnSpc>
-                <a:spcPct val="120000"/>
-              </a:lnSpc>
-            </a:pPr>
-            <a:r>
-              <a:rPr lang="zh-TW" altLang="en-US" sz="2800" dirty="0" smtClean="0">
-                <a:latin typeface="Segoe UI Light" panose="020B0502040204020203" pitchFamily="34" charset="0"/>
-                <a:cs typeface="Segoe UI Light" panose="020B0502040204020203" pitchFamily="34" charset="0"/>
-              </a:rPr>
-              <a:t>台北一</a:t>
-            </a:r>
-            <a:r>
-              <a:rPr lang="zh-TW" altLang="en-US" sz="2800" dirty="0">
-                <a:latin typeface="Segoe UI Light" panose="020B0502040204020203" pitchFamily="34" charset="0"/>
-                <a:cs typeface="Segoe UI Light" panose="020B0502040204020203" pitchFamily="34" charset="0"/>
-              </a:rPr>
-              <a:t>區</a:t>
-            </a:r>
-            <a:endParaRPr lang="zh-TW" altLang="en-US" sz="2800" dirty="0" smtClean="0">
-              <a:latin typeface="Segoe UI Light" panose="020B0502040204020203" pitchFamily="34" charset="0"/>
-              <a:cs typeface="Segoe UI Light" panose="020B0502040204020203" pitchFamily="34" charset="0"/>
-            </a:endParaRPr>
-          </a:p>
-        </p:txBody>
-      </p:sp>
-      <p:pic>
-        <p:nvPicPr>
-          <p:cNvPr id="11" name="圖片 10"/>
-          <p:cNvPicPr>
-            <a:picLocks noChangeAspect="1"/>
-          </p:cNvPicPr>
-          <p:nvPr/>
-        </p:nvPicPr>
-        <p:blipFill>
-          <a:blip r:embed="rId4">
-            <a:clrChange>
-              <a:clrFrom>
-                <a:srgbClr val="FFFFFF"/>
-              </a:clrFrom>
-              <a:clrTo>
-                <a:srgbClr val="FFFFFF">
-                  <a:alpha val="0"/>
-                </a:srgbClr>
-              </a:clrTo>
-            </a:clrChange>
-          </a:blip>
-          <a:stretch>
-            <a:fillRect/>
-          </a:stretch>
-        </p:blipFill>
-        <p:spPr>
-          <a:xfrm>
-            <a:off x="9770625" y="2802526"/>
-            <a:ext cx="1393062" cy="2160000"/>
-          </a:xfrm>
-          <a:prstGeom prst="rect">
-            <a:avLst/>
-          </a:prstGeom>
-        </p:spPr>
-      </p:pic>
-      <p:sp>
-        <p:nvSpPr>
-          <p:cNvPr id="12" name="文字方塊 11"/>
-          <p:cNvSpPr txBox="1"/>
-          <p:nvPr/>
-        </p:nvSpPr>
-        <p:spPr>
-          <a:xfrm>
-            <a:off x="9067799" y="2001837"/>
-            <a:ext cx="2798715" cy="561436"/>
-          </a:xfrm>
-          <a:prstGeom prst="rect">
-            <a:avLst/>
-          </a:prstGeom>
-          <a:noFill/>
-        </p:spPr>
-        <p:txBody>
-          <a:bodyPr wrap="none" lIns="0" rtlCol="0" anchor="t">
-            <a:spAutoFit/>
-          </a:bodyPr>
-          <a:lstStyle/>
-          <a:p>
-            <a:pPr>
-              <a:lnSpc>
-                <a:spcPct val="120000"/>
-              </a:lnSpc>
-            </a:pPr>
-            <a:r>
-              <a:rPr lang="en-US" altLang="zh-TW" sz="2800" dirty="0">
-                <a:latin typeface="Segoe UI Light" panose="020B0502040204020203" pitchFamily="34" charset="0"/>
-                <a:cs typeface="Segoe UI Light" panose="020B0502040204020203" pitchFamily="34" charset="0"/>
-              </a:rPr>
-              <a:t>ACTUAL PROJECT</a:t>
-            </a:r>
-            <a:endParaRPr lang="zh-TW" altLang="en-US" sz="2800" dirty="0" smtClean="0">
-              <a:latin typeface="Segoe UI Light" panose="020B0502040204020203" pitchFamily="34" charset="0"/>
-              <a:cs typeface="Segoe UI Light" panose="020B0502040204020203" pitchFamily="34" charset="0"/>
-            </a:endParaRPr>
-          </a:p>
-        </p:txBody>
-      </p:sp>
-      <p:cxnSp>
-        <p:nvCxnSpPr>
-          <p:cNvPr id="14" name="直線接點 13"/>
-          <p:cNvCxnSpPr/>
-          <p:nvPr/>
-        </p:nvCxnSpPr>
-        <p:spPr>
-          <a:xfrm>
-            <a:off x="8610600" y="2001837"/>
-            <a:ext cx="0" cy="4354513"/>
-          </a:xfrm>
-          <a:prstGeom prst="line">
-            <a:avLst/>
-          </a:prstGeom>
-          <a:ln>
-            <a:solidFill>
-              <a:schemeClr val="tx1"/>
-            </a:solidFill>
-          </a:ln>
-        </p:spPr>
-        <p:style>
-          <a:lnRef idx="1">
-            <a:schemeClr val="accent1"/>
-          </a:lnRef>
-          <a:fillRef idx="0">
-            <a:schemeClr val="accent1"/>
-          </a:fillRef>
-          <a:effectRef idx="0">
-            <a:schemeClr val="accent1"/>
-          </a:effectRef>
-          <a:fontRef idx="minor">
-            <a:schemeClr val="tx1"/>
-          </a:fontRef>
-        </p:style>
-      </p:cxnSp>
-    </p:spTree>
-    <p:extLst>
-      <p:ext uri="{BB962C8B-B14F-4D97-AF65-F5344CB8AC3E}">
-        <p14:creationId xmlns:p14="http://schemas.microsoft.com/office/powerpoint/2010/main" val="899690887"/>
       </p:ext>
     </p:extLst>
   </p:cSld>
@@ -29020,7 +29262,7 @@
         <p:spPr>
           <a:xfrm>
             <a:off x="839788" y="660400"/>
-            <a:ext cx="8342312" cy="1311128"/>
+            <a:ext cx="9752012" cy="1311128"/>
           </a:xfrm>
         </p:spPr>
         <p:txBody>
@@ -29060,6 +29302,462 @@
             <a:fld id="{6F0746BA-D1AA-4FF4-8D48-BDBC7FF48778}" type="slidenum">
               <a:rPr lang="fr-FR" smtClean="0"/>
               <a:t>18</a:t>
+            </a:fld>
+            <a:endParaRPr lang="fr-FR"/>
+          </a:p>
+        </p:txBody>
+      </p:sp>
+      <p:sp>
+        <p:nvSpPr>
+          <p:cNvPr id="6" name="文字方塊 5"/>
+          <p:cNvSpPr txBox="1"/>
+          <p:nvPr/>
+        </p:nvSpPr>
+        <p:spPr>
+          <a:xfrm>
+            <a:off x="5384800" y="2006600"/>
+            <a:ext cx="3108030" cy="3194721"/>
+          </a:xfrm>
+          <a:prstGeom prst="rect">
+            <a:avLst/>
+          </a:prstGeom>
+          <a:noFill/>
+        </p:spPr>
+        <p:txBody>
+          <a:bodyPr wrap="none" lIns="0" rtlCol="0" anchor="t">
+            <a:spAutoFit/>
+          </a:bodyPr>
+          <a:lstStyle/>
+          <a:p>
+            <a:pPr algn="l">
+              <a:lnSpc>
+                <a:spcPct val="120000"/>
+              </a:lnSpc>
+            </a:pPr>
+            <a:r>
+              <a:rPr lang="en-US" altLang="zh-TW" sz="2800" dirty="0" smtClean="0">
+                <a:latin typeface="Segoe UI Light" panose="020B0502040204020203" pitchFamily="34" charset="0"/>
+                <a:cs typeface="Segoe UI Light" panose="020B0502040204020203" pitchFamily="34" charset="0"/>
+              </a:rPr>
+              <a:t>3</a:t>
+            </a:r>
+            <a:r>
+              <a:rPr lang="zh-TW" altLang="en-US" sz="2800" dirty="0" smtClean="0">
+                <a:latin typeface="Segoe UI Light" panose="020B0502040204020203" pitchFamily="34" charset="0"/>
+                <a:cs typeface="Segoe UI Light" panose="020B0502040204020203" pitchFamily="34" charset="0"/>
+              </a:rPr>
+              <a:t> </a:t>
+            </a:r>
+            <a:r>
+              <a:rPr lang="en-US" altLang="zh-TW" sz="2800" dirty="0" smtClean="0">
+                <a:latin typeface="Segoe UI Light" panose="020B0502040204020203" pitchFamily="34" charset="0"/>
+                <a:cs typeface="Segoe UI Light" panose="020B0502040204020203" pitchFamily="34" charset="0"/>
+              </a:rPr>
+              <a:t>STORYS,</a:t>
+            </a:r>
+            <a:r>
+              <a:rPr lang="zh-TW" altLang="en-US" sz="2800" dirty="0" smtClean="0">
+                <a:latin typeface="Segoe UI Light" panose="020B0502040204020203" pitchFamily="34" charset="0"/>
+                <a:cs typeface="Segoe UI Light" panose="020B0502040204020203" pitchFamily="34" charset="0"/>
+              </a:rPr>
+              <a:t> </a:t>
+            </a:r>
+            <a:r>
+              <a:rPr lang="en-US" altLang="zh-TW" sz="2800" dirty="0" smtClean="0">
+                <a:latin typeface="Segoe UI Light" panose="020B0502040204020203" pitchFamily="34" charset="0"/>
+                <a:cs typeface="Segoe UI Light" panose="020B0502040204020203" pitchFamily="34" charset="0"/>
+              </a:rPr>
+              <a:t>ONE</a:t>
+            </a:r>
+            <a:r>
+              <a:rPr lang="zh-TW" altLang="en-US" sz="2800" dirty="0" smtClean="0">
+                <a:latin typeface="Segoe UI Light" panose="020B0502040204020203" pitchFamily="34" charset="0"/>
+                <a:cs typeface="Segoe UI Light" panose="020B0502040204020203" pitchFamily="34" charset="0"/>
+              </a:rPr>
+              <a:t> </a:t>
+            </a:r>
+            <a:r>
+              <a:rPr lang="en-US" altLang="zh-TW" sz="2800" dirty="0" smtClean="0">
+                <a:latin typeface="Segoe UI Light" panose="020B0502040204020203" pitchFamily="34" charset="0"/>
+                <a:cs typeface="Segoe UI Light" panose="020B0502040204020203" pitchFamily="34" charset="0"/>
+              </a:rPr>
+              <a:t>BAY</a:t>
+            </a:r>
+          </a:p>
+          <a:p>
+            <a:pPr algn="l">
+              <a:lnSpc>
+                <a:spcPct val="120000"/>
+              </a:lnSpc>
+            </a:pPr>
+            <a:r>
+              <a:rPr lang="en-US" altLang="zh-TW" sz="2800" dirty="0" smtClean="0">
+                <a:latin typeface="Segoe UI Light" panose="020B0502040204020203" pitchFamily="34" charset="0"/>
+                <a:cs typeface="Segoe UI Light" panose="020B0502040204020203" pitchFamily="34" charset="0"/>
+              </a:rPr>
+              <a:t>HEIGHT:</a:t>
+            </a:r>
+            <a:r>
+              <a:rPr lang="zh-TW" altLang="en-US" sz="2800" dirty="0" smtClean="0">
+                <a:latin typeface="Segoe UI Light" panose="020B0502040204020203" pitchFamily="34" charset="0"/>
+                <a:cs typeface="Segoe UI Light" panose="020B0502040204020203" pitchFamily="34" charset="0"/>
+              </a:rPr>
+              <a:t> </a:t>
+            </a:r>
+            <a:r>
+              <a:rPr lang="en-US" altLang="zh-TW" sz="2800" dirty="0" smtClean="0">
+                <a:latin typeface="Segoe UI Light" panose="020B0502040204020203" pitchFamily="34" charset="0"/>
+                <a:cs typeface="Segoe UI Light" panose="020B0502040204020203" pitchFamily="34" charset="0"/>
+              </a:rPr>
+              <a:t>9m</a:t>
+            </a:r>
+          </a:p>
+          <a:p>
+            <a:pPr algn="l">
+              <a:lnSpc>
+                <a:spcPct val="120000"/>
+              </a:lnSpc>
+            </a:pPr>
+            <a:r>
+              <a:rPr lang="en-US" altLang="zh-TW" sz="2800" dirty="0" smtClean="0">
+                <a:latin typeface="Segoe UI Light" panose="020B0502040204020203" pitchFamily="34" charset="0"/>
+                <a:cs typeface="Segoe UI Light" panose="020B0502040204020203" pitchFamily="34" charset="0"/>
+              </a:rPr>
+              <a:t>BEAM: </a:t>
+            </a:r>
+            <a:r>
+              <a:rPr lang="en-US" altLang="zh-TW" sz="2800" dirty="0" smtClean="0">
+                <a:latin typeface="Segoe UI Light" panose="020B0502040204020203" pitchFamily="34" charset="0"/>
+                <a:cs typeface="Segoe UI Light" panose="020B0502040204020203" pitchFamily="34" charset="0"/>
+              </a:rPr>
+              <a:t>6</a:t>
+            </a:r>
+            <a:r>
+              <a:rPr lang="en-US" altLang="zh-TW" sz="2800" dirty="0" smtClean="0">
+                <a:latin typeface="Segoe UI Light" panose="020B0502040204020203" pitchFamily="34" charset="0"/>
+                <a:cs typeface="Segoe UI Light" panose="020B0502040204020203" pitchFamily="34" charset="0"/>
+              </a:rPr>
+              <a:t>0x80cm</a:t>
+            </a:r>
+            <a:endParaRPr lang="en-US" altLang="zh-TW" sz="2800" dirty="0" smtClean="0">
+              <a:latin typeface="Segoe UI Light" panose="020B0502040204020203" pitchFamily="34" charset="0"/>
+              <a:cs typeface="Segoe UI Light" panose="020B0502040204020203" pitchFamily="34" charset="0"/>
+            </a:endParaRPr>
+          </a:p>
+          <a:p>
+            <a:pPr algn="l">
+              <a:lnSpc>
+                <a:spcPct val="120000"/>
+              </a:lnSpc>
+            </a:pPr>
+            <a:r>
+              <a:rPr lang="en-US" altLang="zh-TW" sz="2800" dirty="0" smtClean="0">
+                <a:latin typeface="Segoe UI Light" panose="020B0502040204020203" pitchFamily="34" charset="0"/>
+                <a:cs typeface="Segoe UI Light" panose="020B0502040204020203" pitchFamily="34" charset="0"/>
+              </a:rPr>
+              <a:t>COLUMN: 60x60cm</a:t>
+            </a:r>
+          </a:p>
+          <a:p>
+            <a:pPr algn="l">
+              <a:lnSpc>
+                <a:spcPct val="120000"/>
+              </a:lnSpc>
+            </a:pPr>
+            <a:r>
+              <a:rPr lang="en-US" altLang="zh-TW" sz="2800" dirty="0" smtClean="0">
+                <a:latin typeface="Segoe UI Light" panose="020B0502040204020203" pitchFamily="34" charset="0"/>
+                <a:cs typeface="Segoe UI Light" panose="020B0502040204020203" pitchFamily="34" charset="0"/>
+              </a:rPr>
+              <a:t>SPAN: </a:t>
+            </a:r>
+            <a:r>
+              <a:rPr lang="en-US" altLang="zh-TW" sz="2800" dirty="0" smtClean="0">
+                <a:latin typeface="Segoe UI Light" panose="020B0502040204020203" pitchFamily="34" charset="0"/>
+                <a:cs typeface="Segoe UI Light" panose="020B0502040204020203" pitchFamily="34" charset="0"/>
+              </a:rPr>
+              <a:t>8m</a:t>
+            </a:r>
+            <a:endParaRPr lang="en-US" altLang="zh-TW" sz="2800" dirty="0" smtClean="0">
+              <a:latin typeface="Segoe UI Light" panose="020B0502040204020203" pitchFamily="34" charset="0"/>
+              <a:cs typeface="Segoe UI Light" panose="020B0502040204020203" pitchFamily="34" charset="0"/>
+            </a:endParaRPr>
+          </a:p>
+          <a:p>
+            <a:pPr algn="l">
+              <a:lnSpc>
+                <a:spcPct val="120000"/>
+              </a:lnSpc>
+            </a:pPr>
+            <a:r>
+              <a:rPr lang="zh-TW" altLang="en-US" sz="2800" dirty="0" smtClean="0">
+                <a:latin typeface="Segoe UI Light" panose="020B0502040204020203" pitchFamily="34" charset="0"/>
+                <a:cs typeface="Segoe UI Light" panose="020B0502040204020203" pitchFamily="34" charset="0"/>
+              </a:rPr>
+              <a:t>台北一</a:t>
+            </a:r>
+            <a:r>
+              <a:rPr lang="zh-TW" altLang="en-US" sz="2800" dirty="0">
+                <a:latin typeface="Segoe UI Light" panose="020B0502040204020203" pitchFamily="34" charset="0"/>
+                <a:cs typeface="Segoe UI Light" panose="020B0502040204020203" pitchFamily="34" charset="0"/>
+              </a:rPr>
+              <a:t>區</a:t>
+            </a:r>
+            <a:endParaRPr lang="zh-TW" altLang="en-US" sz="2800" dirty="0" smtClean="0">
+              <a:latin typeface="Segoe UI Light" panose="020B0502040204020203" pitchFamily="34" charset="0"/>
+              <a:cs typeface="Segoe UI Light" panose="020B0502040204020203" pitchFamily="34" charset="0"/>
+            </a:endParaRPr>
+          </a:p>
+        </p:txBody>
+      </p:sp>
+      <p:pic>
+        <p:nvPicPr>
+          <p:cNvPr id="11" name="圖片 10"/>
+          <p:cNvPicPr>
+            <a:picLocks noChangeAspect="1"/>
+          </p:cNvPicPr>
+          <p:nvPr/>
+        </p:nvPicPr>
+        <p:blipFill>
+          <a:blip r:embed="rId4">
+            <a:clrChange>
+              <a:clrFrom>
+                <a:srgbClr val="FFFFFF"/>
+              </a:clrFrom>
+              <a:clrTo>
+                <a:srgbClr val="FFFFFF">
+                  <a:alpha val="0"/>
+                </a:srgbClr>
+              </a:clrTo>
+            </a:clrChange>
+          </a:blip>
+          <a:stretch>
+            <a:fillRect/>
+          </a:stretch>
+        </p:blipFill>
+        <p:spPr>
+          <a:xfrm>
+            <a:off x="9770625" y="2802526"/>
+            <a:ext cx="1393062" cy="2160000"/>
+          </a:xfrm>
+          <a:prstGeom prst="rect">
+            <a:avLst/>
+          </a:prstGeom>
+        </p:spPr>
+      </p:pic>
+      <p:sp>
+        <p:nvSpPr>
+          <p:cNvPr id="12" name="文字方塊 11"/>
+          <p:cNvSpPr txBox="1"/>
+          <p:nvPr/>
+        </p:nvSpPr>
+        <p:spPr>
+          <a:xfrm>
+            <a:off x="9067799" y="2001837"/>
+            <a:ext cx="2798715" cy="561436"/>
+          </a:xfrm>
+          <a:prstGeom prst="rect">
+            <a:avLst/>
+          </a:prstGeom>
+          <a:noFill/>
+        </p:spPr>
+        <p:txBody>
+          <a:bodyPr wrap="none" lIns="0" rtlCol="0" anchor="t">
+            <a:spAutoFit/>
+          </a:bodyPr>
+          <a:lstStyle/>
+          <a:p>
+            <a:pPr>
+              <a:lnSpc>
+                <a:spcPct val="120000"/>
+              </a:lnSpc>
+            </a:pPr>
+            <a:r>
+              <a:rPr lang="en-US" altLang="zh-TW" sz="2800" dirty="0">
+                <a:latin typeface="Segoe UI Light" panose="020B0502040204020203" pitchFamily="34" charset="0"/>
+                <a:cs typeface="Segoe UI Light" panose="020B0502040204020203" pitchFamily="34" charset="0"/>
+              </a:rPr>
+              <a:t>ACTUAL PROJECT</a:t>
+            </a:r>
+            <a:endParaRPr lang="zh-TW" altLang="en-US" sz="2800" dirty="0" smtClean="0">
+              <a:latin typeface="Segoe UI Light" panose="020B0502040204020203" pitchFamily="34" charset="0"/>
+              <a:cs typeface="Segoe UI Light" panose="020B0502040204020203" pitchFamily="34" charset="0"/>
+            </a:endParaRPr>
+          </a:p>
+        </p:txBody>
+      </p:sp>
+      <p:cxnSp>
+        <p:nvCxnSpPr>
+          <p:cNvPr id="14" name="直線接點 13"/>
+          <p:cNvCxnSpPr/>
+          <p:nvPr/>
+        </p:nvCxnSpPr>
+        <p:spPr>
+          <a:xfrm>
+            <a:off x="8610600" y="2001837"/>
+            <a:ext cx="0" cy="4354513"/>
+          </a:xfrm>
+          <a:prstGeom prst="line">
+            <a:avLst/>
+          </a:prstGeom>
+          <a:ln>
+            <a:solidFill>
+              <a:schemeClr val="tx1"/>
+            </a:solidFill>
+          </a:ln>
+        </p:spPr>
+        <p:style>
+          <a:lnRef idx="1">
+            <a:schemeClr val="accent1"/>
+          </a:lnRef>
+          <a:fillRef idx="0">
+            <a:schemeClr val="accent1"/>
+          </a:fillRef>
+          <a:effectRef idx="0">
+            <a:schemeClr val="accent1"/>
+          </a:effectRef>
+          <a:fontRef idx="minor">
+            <a:schemeClr val="tx1"/>
+          </a:fontRef>
+        </p:style>
+      </p:cxnSp>
+    </p:spTree>
+    <p:extLst>
+      <p:ext uri="{BB962C8B-B14F-4D97-AF65-F5344CB8AC3E}">
+        <p14:creationId xmlns:p14="http://schemas.microsoft.com/office/powerpoint/2010/main" val="899690887"/>
+      </p:ext>
+    </p:extLst>
+  </p:cSld>
+  <p:clrMapOvr>
+    <a:masterClrMapping/>
+  </p:clrMapOvr>
+  <mc:AlternateContent xmlns:mc="http://schemas.openxmlformats.org/markup-compatibility/2006" xmlns:p14="http://schemas.microsoft.com/office/powerpoint/2010/main">
+    <mc:Choice Requires="p14">
+      <p:transition spd="med" p14:dur="700">
+        <p:fade/>
+      </p:transition>
+    </mc:Choice>
+    <mc:Fallback xmlns="">
+      <p:transition spd="med">
+        <p:fade/>
+      </p:transition>
+    </mc:Fallback>
+  </mc:AlternateContent>
+  <p:timing>
+    <p:tnLst>
+      <p:par>
+        <p:cTn id="1" dur="indefinite" restart="never" nodeType="tmRoot"/>
+      </p:par>
+    </p:tnLst>
+  </p:timing>
+</p:sld>
+</file>
+
+<file path=ppt/slides/slide19.xml><?xml version="1.0" encoding="utf-8"?>
+<p:sld xmlns:a="http://schemas.openxmlformats.org/drawingml/2006/main" xmlns:r="http://schemas.openxmlformats.org/officeDocument/2006/relationships" xmlns:p="http://schemas.openxmlformats.org/presentationml/2006/main">
+  <p:cSld>
+    <p:spTree>
+      <p:nvGrpSpPr>
+        <p:cNvPr id="1" name=""/>
+        <p:cNvGrpSpPr/>
+        <p:nvPr/>
+      </p:nvGrpSpPr>
+      <p:grpSpPr>
+        <a:xfrm>
+          <a:off x="0" y="0"/>
+          <a:ext cx="0" cy="0"/>
+          <a:chOff x="0" y="0"/>
+          <a:chExt cx="0" cy="0"/>
+        </a:xfrm>
+      </p:grpSpPr>
+      <p:pic>
+        <p:nvPicPr>
+          <p:cNvPr id="7" name="圖片 6"/>
+          <p:cNvPicPr>
+            <a:picLocks noChangeAspect="1"/>
+          </p:cNvPicPr>
+          <p:nvPr/>
+        </p:nvPicPr>
+        <p:blipFill>
+          <a:blip r:embed="rId3">
+            <a:clrChange>
+              <a:clrFrom>
+                <a:srgbClr val="FFFFFF"/>
+              </a:clrFrom>
+              <a:clrTo>
+                <a:srgbClr val="FFFFFF">
+                  <a:alpha val="0"/>
+                </a:srgbClr>
+              </a:clrTo>
+            </a:clrChange>
+          </a:blip>
+          <a:stretch>
+            <a:fillRect/>
+          </a:stretch>
+        </p:blipFill>
+        <p:spPr>
+          <a:xfrm>
+            <a:off x="1060708" y="2001837"/>
+            <a:ext cx="3765292" cy="4494751"/>
+          </a:xfrm>
+          <a:prstGeom prst="rect">
+            <a:avLst/>
+          </a:prstGeom>
+        </p:spPr>
+      </p:pic>
+      <p:sp>
+        <p:nvSpPr>
+          <p:cNvPr id="5" name="文字版面配置區 4"/>
+          <p:cNvSpPr>
+            <a:spLocks noGrp="1"/>
+          </p:cNvSpPr>
+          <p:nvPr>
+            <p:ph type="body" sz="quarter" idx="10"/>
+          </p:nvPr>
+        </p:nvSpPr>
+        <p:spPr>
+          <a:xfrm>
+            <a:off x="839788" y="660400"/>
+            <a:ext cx="8342312" cy="1311128"/>
+          </a:xfrm>
+        </p:spPr>
+        <p:txBody>
+          <a:bodyPr/>
+          <a:lstStyle/>
+          <a:p>
+            <a:r>
+              <a:rPr lang="en-US" altLang="zh-TW" dirty="0" smtClean="0"/>
+              <a:t>NONLINEAR</a:t>
+            </a:r>
+            <a:r>
+              <a:rPr lang="zh-TW" altLang="en-US" dirty="0" smtClean="0"/>
+              <a:t> </a:t>
+            </a:r>
+            <a:r>
+              <a:rPr lang="en-US" altLang="zh-TW" dirty="0"/>
+              <a:t>VERIFICATION</a:t>
+            </a:r>
+          </a:p>
+        </p:txBody>
+      </p:sp>
+      <p:sp>
+        <p:nvSpPr>
+          <p:cNvPr id="2" name="Slide Number Placeholder 1"/>
+          <p:cNvSpPr>
+            <a:spLocks noGrp="1"/>
+          </p:cNvSpPr>
+          <p:nvPr>
+            <p:ph type="sldNum" sz="quarter" idx="4"/>
+          </p:nvPr>
+        </p:nvSpPr>
+        <p:spPr/>
+        <p:txBody>
+          <a:bodyPr/>
+          <a:lstStyle/>
+          <a:p>
+            <a:fld id="{6F0746BA-D1AA-4FF4-8D48-BDBC7FF48778}" type="slidenum">
+              <a:rPr lang="fr-FR" smtClean="0"/>
+              <a:t>19</a:t>
             </a:fld>
             <a:endParaRPr lang="fr-FR"/>
           </a:p>
@@ -29264,7 +29962,660 @@
 </p:sld>
 </file>
 
-<file path=ppt/slides/slide19.xml><?xml version="1.0" encoding="utf-8"?>
+<file path=ppt/slides/slide2.xml><?xml version="1.0" encoding="utf-8"?>
+<p:sld xmlns:a="http://schemas.openxmlformats.org/drawingml/2006/main" xmlns:r="http://schemas.openxmlformats.org/officeDocument/2006/relationships" xmlns:p="http://schemas.openxmlformats.org/presentationml/2006/main">
+  <p:cSld>
+    <p:spTree>
+      <p:nvGrpSpPr>
+        <p:cNvPr id="1" name=""/>
+        <p:cNvGrpSpPr/>
+        <p:nvPr/>
+      </p:nvGrpSpPr>
+      <p:grpSpPr>
+        <a:xfrm>
+          <a:off x="0" y="0"/>
+          <a:ext cx="0" cy="0"/>
+          <a:chOff x="0" y="0"/>
+          <a:chExt cx="0" cy="0"/>
+        </a:xfrm>
+      </p:grpSpPr>
+      <p:sp>
+        <p:nvSpPr>
+          <p:cNvPr id="2" name="Slide Number Placeholder 1"/>
+          <p:cNvSpPr>
+            <a:spLocks noGrp="1"/>
+          </p:cNvSpPr>
+          <p:nvPr>
+            <p:ph type="sldNum" sz="quarter" idx="4"/>
+          </p:nvPr>
+        </p:nvSpPr>
+        <p:spPr/>
+        <p:txBody>
+          <a:bodyPr/>
+          <a:lstStyle/>
+          <a:p>
+            <a:fld id="{6F0746BA-D1AA-4FF4-8D48-BDBC7FF48778}" type="slidenum">
+              <a:rPr lang="fr-FR" smtClean="0"/>
+              <a:t>2</a:t>
+            </a:fld>
+            <a:endParaRPr lang="fr-FR"/>
+          </a:p>
+        </p:txBody>
+      </p:sp>
+      <p:pic>
+        <p:nvPicPr>
+          <p:cNvPr id="7" name="圖片 6"/>
+          <p:cNvPicPr>
+            <a:picLocks noChangeAspect="1"/>
+          </p:cNvPicPr>
+          <p:nvPr/>
+        </p:nvPicPr>
+        <p:blipFill>
+          <a:blip r:embed="rId3">
+            <a:clrChange>
+              <a:clrFrom>
+                <a:srgbClr val="FFFFFF"/>
+              </a:clrFrom>
+              <a:clrTo>
+                <a:srgbClr val="FFFFFF">
+                  <a:alpha val="0"/>
+                </a:srgbClr>
+              </a:clrTo>
+            </a:clrChange>
+          </a:blip>
+          <a:stretch>
+            <a:fillRect/>
+          </a:stretch>
+        </p:blipFill>
+        <p:spPr>
+          <a:xfrm>
+            <a:off x="952499" y="1"/>
+            <a:ext cx="4422971" cy="6858000"/>
+          </a:xfrm>
+          <a:prstGeom prst="rect">
+            <a:avLst/>
+          </a:prstGeom>
+        </p:spPr>
+      </p:pic>
+      <p:cxnSp>
+        <p:nvCxnSpPr>
+          <p:cNvPr id="11" name="直線單箭頭接點 10"/>
+          <p:cNvCxnSpPr/>
+          <p:nvPr/>
+        </p:nvCxnSpPr>
+        <p:spPr>
+          <a:xfrm flipV="1">
+            <a:off x="3176685" y="5455921"/>
+            <a:ext cx="1557875" cy="1402080"/>
+          </a:xfrm>
+          <a:prstGeom prst="straightConnector1">
+            <a:avLst/>
+          </a:prstGeom>
+          <a:ln>
+            <a:solidFill>
+              <a:schemeClr val="tx1"/>
+            </a:solidFill>
+            <a:headEnd type="triangle"/>
+            <a:tailEnd type="triangle"/>
+          </a:ln>
+        </p:spPr>
+        <p:style>
+          <a:lnRef idx="1">
+            <a:schemeClr val="accent1"/>
+          </a:lnRef>
+          <a:fillRef idx="0">
+            <a:schemeClr val="accent1"/>
+          </a:fillRef>
+          <a:effectRef idx="0">
+            <a:schemeClr val="accent1"/>
+          </a:effectRef>
+          <a:fontRef idx="minor">
+            <a:schemeClr val="tx1"/>
+          </a:fontRef>
+        </p:style>
+      </p:cxnSp>
+      <p:cxnSp>
+        <p:nvCxnSpPr>
+          <p:cNvPr id="14" name="直線單箭頭接點 13"/>
+          <p:cNvCxnSpPr/>
+          <p:nvPr/>
+        </p:nvCxnSpPr>
+        <p:spPr>
+          <a:xfrm>
+            <a:off x="1767840" y="5862320"/>
+            <a:ext cx="1046480" cy="995680"/>
+          </a:xfrm>
+          <a:prstGeom prst="straightConnector1">
+            <a:avLst/>
+          </a:prstGeom>
+          <a:ln>
+            <a:solidFill>
+              <a:schemeClr val="tx1"/>
+            </a:solidFill>
+            <a:headEnd type="triangle"/>
+            <a:tailEnd type="triangle"/>
+          </a:ln>
+        </p:spPr>
+        <p:style>
+          <a:lnRef idx="1">
+            <a:schemeClr val="accent1"/>
+          </a:lnRef>
+          <a:fillRef idx="0">
+            <a:schemeClr val="accent1"/>
+          </a:fillRef>
+          <a:effectRef idx="0">
+            <a:schemeClr val="accent1"/>
+          </a:effectRef>
+          <a:fontRef idx="minor">
+            <a:schemeClr val="tx1"/>
+          </a:fontRef>
+        </p:style>
+      </p:cxnSp>
+      <p:cxnSp>
+        <p:nvCxnSpPr>
+          <p:cNvPr id="23" name="直線單箭頭接點 22"/>
+          <p:cNvCxnSpPr/>
+          <p:nvPr/>
+        </p:nvCxnSpPr>
+        <p:spPr>
+          <a:xfrm flipH="1">
+            <a:off x="5120640" y="386080"/>
+            <a:ext cx="158103" cy="5069841"/>
+          </a:xfrm>
+          <a:prstGeom prst="straightConnector1">
+            <a:avLst/>
+          </a:prstGeom>
+          <a:ln>
+            <a:solidFill>
+              <a:schemeClr val="tx1"/>
+            </a:solidFill>
+            <a:headEnd type="triangle"/>
+            <a:tailEnd type="triangle"/>
+          </a:ln>
+        </p:spPr>
+        <p:style>
+          <a:lnRef idx="1">
+            <a:schemeClr val="accent1"/>
+          </a:lnRef>
+          <a:fillRef idx="0">
+            <a:schemeClr val="accent1"/>
+          </a:fillRef>
+          <a:effectRef idx="0">
+            <a:schemeClr val="accent1"/>
+          </a:effectRef>
+          <a:fontRef idx="minor">
+            <a:schemeClr val="tx1"/>
+          </a:fontRef>
+        </p:style>
+      </p:cxnSp>
+      <p:sp>
+        <p:nvSpPr>
+          <p:cNvPr id="26" name="文字方塊 25"/>
+          <p:cNvSpPr txBox="1"/>
+          <p:nvPr/>
+        </p:nvSpPr>
+        <p:spPr>
+          <a:xfrm>
+            <a:off x="3978584" y="6075632"/>
+            <a:ext cx="755976" cy="561436"/>
+          </a:xfrm>
+          <a:prstGeom prst="rect">
+            <a:avLst/>
+          </a:prstGeom>
+          <a:noFill/>
+        </p:spPr>
+        <p:txBody>
+          <a:bodyPr wrap="none" lIns="0" rtlCol="0" anchor="t">
+            <a:spAutoFit/>
+          </a:bodyPr>
+          <a:lstStyle/>
+          <a:p>
+            <a:pPr algn="l">
+              <a:lnSpc>
+                <a:spcPct val="120000"/>
+              </a:lnSpc>
+            </a:pPr>
+            <a:r>
+              <a:rPr lang="en-US" altLang="zh-TW" sz="2800" dirty="0" smtClean="0">
+                <a:latin typeface="Segoe UI Light" panose="020B0502040204020203" pitchFamily="34" charset="0"/>
+                <a:cs typeface="Segoe UI Light" panose="020B0502040204020203" pitchFamily="34" charset="0"/>
+              </a:rPr>
+              <a:t>30m</a:t>
+            </a:r>
+            <a:endParaRPr lang="zh-TW" altLang="en-US" sz="2800" dirty="0" smtClean="0">
+              <a:latin typeface="Segoe UI Light" panose="020B0502040204020203" pitchFamily="34" charset="0"/>
+              <a:cs typeface="Segoe UI Light" panose="020B0502040204020203" pitchFamily="34" charset="0"/>
+            </a:endParaRPr>
+          </a:p>
+        </p:txBody>
+      </p:sp>
+      <p:sp>
+        <p:nvSpPr>
+          <p:cNvPr id="27" name="文字方塊 26"/>
+          <p:cNvSpPr txBox="1"/>
+          <p:nvPr/>
+        </p:nvSpPr>
+        <p:spPr>
+          <a:xfrm>
+            <a:off x="1641772" y="6156961"/>
+            <a:ext cx="755976" cy="561436"/>
+          </a:xfrm>
+          <a:prstGeom prst="rect">
+            <a:avLst/>
+          </a:prstGeom>
+          <a:noFill/>
+        </p:spPr>
+        <p:txBody>
+          <a:bodyPr wrap="none" lIns="0" rtlCol="0" anchor="t">
+            <a:spAutoFit/>
+          </a:bodyPr>
+          <a:lstStyle/>
+          <a:p>
+            <a:pPr algn="l">
+              <a:lnSpc>
+                <a:spcPct val="120000"/>
+              </a:lnSpc>
+            </a:pPr>
+            <a:r>
+              <a:rPr lang="en-US" altLang="zh-TW" sz="2800" dirty="0" smtClean="0">
+                <a:latin typeface="Segoe UI Light" panose="020B0502040204020203" pitchFamily="34" charset="0"/>
+                <a:cs typeface="Segoe UI Light" panose="020B0502040204020203" pitchFamily="34" charset="0"/>
+              </a:rPr>
+              <a:t>20m</a:t>
+            </a:r>
+            <a:endParaRPr lang="zh-TW" altLang="en-US" sz="2800" dirty="0" smtClean="0">
+              <a:latin typeface="Segoe UI Light" panose="020B0502040204020203" pitchFamily="34" charset="0"/>
+              <a:cs typeface="Segoe UI Light" panose="020B0502040204020203" pitchFamily="34" charset="0"/>
+            </a:endParaRPr>
+          </a:p>
+        </p:txBody>
+      </p:sp>
+      <p:sp>
+        <p:nvSpPr>
+          <p:cNvPr id="28" name="文字方塊 27"/>
+          <p:cNvSpPr txBox="1"/>
+          <p:nvPr/>
+        </p:nvSpPr>
+        <p:spPr>
+          <a:xfrm>
+            <a:off x="5358592" y="2326640"/>
+            <a:ext cx="1055738" cy="561436"/>
+          </a:xfrm>
+          <a:prstGeom prst="rect">
+            <a:avLst/>
+          </a:prstGeom>
+          <a:noFill/>
+        </p:spPr>
+        <p:txBody>
+          <a:bodyPr wrap="none" lIns="0" rtlCol="0" anchor="t">
+            <a:spAutoFit/>
+          </a:bodyPr>
+          <a:lstStyle/>
+          <a:p>
+            <a:pPr algn="l">
+              <a:lnSpc>
+                <a:spcPct val="120000"/>
+              </a:lnSpc>
+            </a:pPr>
+            <a:r>
+              <a:rPr lang="en-US" altLang="zh-TW" sz="2800" dirty="0" smtClean="0">
+                <a:latin typeface="Segoe UI Light" panose="020B0502040204020203" pitchFamily="34" charset="0"/>
+                <a:cs typeface="Segoe UI Light" panose="020B0502040204020203" pitchFamily="34" charset="0"/>
+              </a:rPr>
+              <a:t>14F B3</a:t>
+            </a:r>
+            <a:endParaRPr lang="zh-TW" altLang="en-US" sz="2800" dirty="0" smtClean="0">
+              <a:latin typeface="Segoe UI Light" panose="020B0502040204020203" pitchFamily="34" charset="0"/>
+              <a:cs typeface="Segoe UI Light" panose="020B0502040204020203" pitchFamily="34" charset="0"/>
+            </a:endParaRPr>
+          </a:p>
+        </p:txBody>
+      </p:sp>
+      <p:sp>
+        <p:nvSpPr>
+          <p:cNvPr id="29" name="文字方塊 28"/>
+          <p:cNvSpPr txBox="1"/>
+          <p:nvPr/>
+        </p:nvSpPr>
+        <p:spPr>
+          <a:xfrm>
+            <a:off x="9131061" y="3585870"/>
+            <a:ext cx="1927772" cy="561436"/>
+          </a:xfrm>
+          <a:prstGeom prst="rect">
+            <a:avLst/>
+          </a:prstGeom>
+          <a:noFill/>
+        </p:spPr>
+        <p:txBody>
+          <a:bodyPr wrap="none" lIns="0" rtlCol="0" anchor="t">
+            <a:spAutoFit/>
+          </a:bodyPr>
+          <a:lstStyle/>
+          <a:p>
+            <a:pPr>
+              <a:lnSpc>
+                <a:spcPct val="120000"/>
+              </a:lnSpc>
+            </a:pPr>
+            <a:r>
+              <a:rPr lang="en-US" altLang="zh-TW" sz="2800" dirty="0" smtClean="0">
+                <a:latin typeface="Segoe UI Light" panose="020B0502040204020203" pitchFamily="34" charset="0"/>
+                <a:cs typeface="Segoe UI Light" panose="020B0502040204020203" pitchFamily="34" charset="0"/>
+              </a:rPr>
+              <a:t>TOP RESULT</a:t>
+            </a:r>
+            <a:endParaRPr lang="en-US" altLang="zh-TW" sz="2800" dirty="0">
+              <a:latin typeface="Segoe UI Light" panose="020B0502040204020203" pitchFamily="34" charset="0"/>
+              <a:cs typeface="Segoe UI Light" panose="020B0502040204020203" pitchFamily="34" charset="0"/>
+            </a:endParaRPr>
+          </a:p>
+        </p:txBody>
+      </p:sp>
+      <p:sp>
+        <p:nvSpPr>
+          <p:cNvPr id="30" name="文字方塊 29"/>
+          <p:cNvSpPr txBox="1"/>
+          <p:nvPr/>
+        </p:nvSpPr>
+        <p:spPr>
+          <a:xfrm>
+            <a:off x="9131061" y="2149821"/>
+            <a:ext cx="2723181" cy="561436"/>
+          </a:xfrm>
+          <a:prstGeom prst="rect">
+            <a:avLst/>
+          </a:prstGeom>
+          <a:noFill/>
+        </p:spPr>
+        <p:txBody>
+          <a:bodyPr wrap="none" lIns="0" rtlCol="0" anchor="t">
+            <a:spAutoFit/>
+          </a:bodyPr>
+          <a:lstStyle/>
+          <a:p>
+            <a:pPr>
+              <a:lnSpc>
+                <a:spcPct val="120000"/>
+              </a:lnSpc>
+            </a:pPr>
+            <a:r>
+              <a:rPr lang="en-US" altLang="zh-TW" sz="2800" dirty="0">
+                <a:latin typeface="Segoe UI Light" panose="020B0502040204020203" pitchFamily="34" charset="0"/>
+                <a:cs typeface="Segoe UI Light" panose="020B0502040204020203" pitchFamily="34" charset="0"/>
+              </a:rPr>
+              <a:t>OVERALL </a:t>
+            </a:r>
+            <a:r>
+              <a:rPr lang="en-US" altLang="zh-TW" sz="2800" dirty="0" smtClean="0">
+                <a:latin typeface="Segoe UI Light" panose="020B0502040204020203" pitchFamily="34" charset="0"/>
+                <a:cs typeface="Segoe UI Light" panose="020B0502040204020203" pitchFamily="34" charset="0"/>
+              </a:rPr>
+              <a:t>RESULT</a:t>
+            </a:r>
+            <a:endParaRPr lang="en-US" altLang="zh-TW" sz="2800" dirty="0">
+              <a:latin typeface="Segoe UI Light" panose="020B0502040204020203" pitchFamily="34" charset="0"/>
+              <a:cs typeface="Segoe UI Light" panose="020B0502040204020203" pitchFamily="34" charset="0"/>
+            </a:endParaRPr>
+          </a:p>
+        </p:txBody>
+      </p:sp>
+      <p:sp>
+        <p:nvSpPr>
+          <p:cNvPr id="31" name="文字方塊 30"/>
+          <p:cNvSpPr txBox="1"/>
+          <p:nvPr/>
+        </p:nvSpPr>
+        <p:spPr>
+          <a:xfrm>
+            <a:off x="9131061" y="5024798"/>
+            <a:ext cx="1927772" cy="561436"/>
+          </a:xfrm>
+          <a:prstGeom prst="rect">
+            <a:avLst/>
+          </a:prstGeom>
+          <a:noFill/>
+        </p:spPr>
+        <p:txBody>
+          <a:bodyPr wrap="none" lIns="0" rtlCol="0" anchor="t">
+            <a:spAutoFit/>
+          </a:bodyPr>
+          <a:lstStyle/>
+          <a:p>
+            <a:pPr>
+              <a:lnSpc>
+                <a:spcPct val="120000"/>
+              </a:lnSpc>
+            </a:pPr>
+            <a:r>
+              <a:rPr lang="en-US" altLang="zh-TW" sz="2800" dirty="0" smtClean="0">
+                <a:latin typeface="Segoe UI Light" panose="020B0502040204020203" pitchFamily="34" charset="0"/>
+                <a:cs typeface="Segoe UI Light" panose="020B0502040204020203" pitchFamily="34" charset="0"/>
+              </a:rPr>
+              <a:t>BOT RESULT</a:t>
+            </a:r>
+            <a:endParaRPr lang="en-US" altLang="zh-TW" sz="2800" dirty="0">
+              <a:latin typeface="Segoe UI Light" panose="020B0502040204020203" pitchFamily="34" charset="0"/>
+              <a:cs typeface="Segoe UI Light" panose="020B0502040204020203" pitchFamily="34" charset="0"/>
+            </a:endParaRPr>
+          </a:p>
+        </p:txBody>
+      </p:sp>
+      <p:sp>
+        <p:nvSpPr>
+          <p:cNvPr id="32" name="文字方塊 31"/>
+          <p:cNvSpPr txBox="1"/>
+          <p:nvPr/>
+        </p:nvSpPr>
+        <p:spPr>
+          <a:xfrm>
+            <a:off x="7545114" y="1948741"/>
+            <a:ext cx="1502976" cy="762516"/>
+          </a:xfrm>
+          <a:prstGeom prst="rect">
+            <a:avLst/>
+          </a:prstGeom>
+          <a:noFill/>
+        </p:spPr>
+        <p:txBody>
+          <a:bodyPr wrap="none" lIns="0" rtlCol="0" anchor="t">
+            <a:spAutoFit/>
+          </a:bodyPr>
+          <a:lstStyle/>
+          <a:p>
+            <a:pPr algn="r">
+              <a:lnSpc>
+                <a:spcPct val="120000"/>
+              </a:lnSpc>
+            </a:pPr>
+            <a:r>
+              <a:rPr lang="en-US" altLang="zh-TW" sz="4000" dirty="0" smtClean="0">
+                <a:solidFill>
+                  <a:schemeClr val="accent1"/>
+                </a:solidFill>
+                <a:latin typeface="Segoe UI Light" panose="020B0502040204020203" pitchFamily="34" charset="0"/>
+                <a:cs typeface="Segoe UI Light" panose="020B0502040204020203" pitchFamily="34" charset="0"/>
+              </a:rPr>
+              <a:t>101.0%</a:t>
+            </a:r>
+            <a:endParaRPr lang="zh-TW" altLang="en-US" sz="4000" dirty="0" smtClean="0">
+              <a:solidFill>
+                <a:schemeClr val="accent1"/>
+              </a:solidFill>
+              <a:latin typeface="Segoe UI Light" panose="020B0502040204020203" pitchFamily="34" charset="0"/>
+              <a:cs typeface="Segoe UI Light" panose="020B0502040204020203" pitchFamily="34" charset="0"/>
+            </a:endParaRPr>
+          </a:p>
+        </p:txBody>
+      </p:sp>
+      <p:sp>
+        <p:nvSpPr>
+          <p:cNvPr id="33" name="文字方塊 32"/>
+          <p:cNvSpPr txBox="1"/>
+          <p:nvPr/>
+        </p:nvSpPr>
+        <p:spPr>
+          <a:xfrm>
+            <a:off x="7545114" y="3384790"/>
+            <a:ext cx="1584729" cy="762516"/>
+          </a:xfrm>
+          <a:prstGeom prst="rect">
+            <a:avLst/>
+          </a:prstGeom>
+          <a:noFill/>
+        </p:spPr>
+        <p:txBody>
+          <a:bodyPr wrap="none" lIns="0" rtlCol="0" anchor="t">
+            <a:spAutoFit/>
+          </a:bodyPr>
+          <a:lstStyle/>
+          <a:p>
+            <a:pPr algn="r">
+              <a:lnSpc>
+                <a:spcPct val="120000"/>
+              </a:lnSpc>
+            </a:pPr>
+            <a:r>
+              <a:rPr lang="en-US" altLang="zh-TW" sz="4000" dirty="0" smtClean="0">
+                <a:solidFill>
+                  <a:schemeClr val="accent3"/>
+                </a:solidFill>
+                <a:latin typeface="Segoe UI Light" panose="020B0502040204020203" pitchFamily="34" charset="0"/>
+                <a:cs typeface="Segoe UI Light" panose="020B0502040204020203" pitchFamily="34" charset="0"/>
+              </a:rPr>
+              <a:t>102.5%</a:t>
+            </a:r>
+            <a:endParaRPr lang="zh-TW" altLang="en-US" sz="4000" dirty="0" smtClean="0">
+              <a:solidFill>
+                <a:schemeClr val="accent3"/>
+              </a:solidFill>
+              <a:latin typeface="Segoe UI Light" panose="020B0502040204020203" pitchFamily="34" charset="0"/>
+              <a:cs typeface="Segoe UI Light" panose="020B0502040204020203" pitchFamily="34" charset="0"/>
+            </a:endParaRPr>
+          </a:p>
+        </p:txBody>
+      </p:sp>
+      <p:sp>
+        <p:nvSpPr>
+          <p:cNvPr id="34" name="文字方塊 33"/>
+          <p:cNvSpPr txBox="1"/>
+          <p:nvPr/>
+        </p:nvSpPr>
+        <p:spPr>
+          <a:xfrm>
+            <a:off x="7727856" y="4818557"/>
+            <a:ext cx="1401987" cy="762516"/>
+          </a:xfrm>
+          <a:prstGeom prst="rect">
+            <a:avLst/>
+          </a:prstGeom>
+          <a:noFill/>
+        </p:spPr>
+        <p:txBody>
+          <a:bodyPr wrap="none" lIns="0" rtlCol="0" anchor="t">
+            <a:spAutoFit/>
+          </a:bodyPr>
+          <a:lstStyle/>
+          <a:p>
+            <a:pPr algn="r">
+              <a:lnSpc>
+                <a:spcPct val="120000"/>
+              </a:lnSpc>
+            </a:pPr>
+            <a:r>
+              <a:rPr lang="en-US" altLang="zh-TW" sz="4000" dirty="0" smtClean="0">
+                <a:solidFill>
+                  <a:schemeClr val="accent2"/>
+                </a:solidFill>
+                <a:latin typeface="Segoe UI Light" panose="020B0502040204020203" pitchFamily="34" charset="0"/>
+                <a:cs typeface="Segoe UI Light" panose="020B0502040204020203" pitchFamily="34" charset="0"/>
+              </a:rPr>
+              <a:t>99.2%</a:t>
+            </a:r>
+            <a:endParaRPr lang="zh-TW" altLang="en-US" sz="4000" dirty="0" smtClean="0">
+              <a:solidFill>
+                <a:schemeClr val="accent2"/>
+              </a:solidFill>
+              <a:latin typeface="Segoe UI Light" panose="020B0502040204020203" pitchFamily="34" charset="0"/>
+              <a:cs typeface="Segoe UI Light" panose="020B0502040204020203" pitchFamily="34" charset="0"/>
+            </a:endParaRPr>
+          </a:p>
+        </p:txBody>
+      </p:sp>
+      <p:sp>
+        <p:nvSpPr>
+          <p:cNvPr id="38" name="文字方塊 37"/>
+          <p:cNvSpPr txBox="1"/>
+          <p:nvPr/>
+        </p:nvSpPr>
+        <p:spPr>
+          <a:xfrm>
+            <a:off x="5652123" y="979019"/>
+            <a:ext cx="3323987" cy="562398"/>
+          </a:xfrm>
+          <a:prstGeom prst="rect">
+            <a:avLst/>
+          </a:prstGeom>
+          <a:noFill/>
+        </p:spPr>
+        <p:txBody>
+          <a:bodyPr wrap="none" lIns="0" rtlCol="0" anchor="t">
+            <a:spAutoFit/>
+          </a:bodyPr>
+          <a:lstStyle/>
+          <a:p>
+            <a:pPr>
+              <a:lnSpc>
+                <a:spcPct val="120000"/>
+              </a:lnSpc>
+            </a:pPr>
+            <a:r>
+              <a:rPr lang="zh-TW" altLang="en-US" sz="2800" dirty="0">
+                <a:latin typeface="Segoe UI Light" panose="020B0502040204020203" pitchFamily="34" charset="0"/>
+                <a:cs typeface="Segoe UI Light" panose="020B0502040204020203" pitchFamily="34" charset="0"/>
+              </a:rPr>
+              <a:t>欣詮建設中和福祥段</a:t>
+            </a:r>
+            <a:endParaRPr lang="zh-TW" altLang="en-US" sz="2800" dirty="0" smtClean="0">
+              <a:latin typeface="Segoe UI Light" panose="020B0502040204020203" pitchFamily="34" charset="0"/>
+              <a:cs typeface="Segoe UI Light" panose="020B0502040204020203" pitchFamily="34" charset="0"/>
+            </a:endParaRPr>
+          </a:p>
+        </p:txBody>
+      </p:sp>
+    </p:spTree>
+    <p:extLst>
+      <p:ext uri="{BB962C8B-B14F-4D97-AF65-F5344CB8AC3E}">
+        <p14:creationId xmlns:p14="http://schemas.microsoft.com/office/powerpoint/2010/main" val="2550521022"/>
+      </p:ext>
+    </p:extLst>
+  </p:cSld>
+  <p:clrMapOvr>
+    <a:masterClrMapping/>
+  </p:clrMapOvr>
+  <mc:AlternateContent xmlns:mc="http://schemas.openxmlformats.org/markup-compatibility/2006" xmlns:p14="http://schemas.microsoft.com/office/powerpoint/2010/main">
+    <mc:Choice Requires="p14">
+      <p:transition spd="med" p14:dur="700">
+        <p:fade/>
+      </p:transition>
+    </mc:Choice>
+    <mc:Fallback xmlns="">
+      <p:transition spd="med">
+        <p:fade/>
+      </p:transition>
+    </mc:Fallback>
+  </mc:AlternateContent>
+  <p:timing>
+    <p:tnLst>
+      <p:par>
+        <p:cTn id="1" dur="indefinite" restart="never" nodeType="tmRoot"/>
+      </p:par>
+    </p:tnLst>
+  </p:timing>
+</p:sld>
+</file>
+
+<file path=ppt/slides/slide20.xml><?xml version="1.0" encoding="utf-8"?>
 <p:sld xmlns:a="http://schemas.openxmlformats.org/drawingml/2006/main" xmlns:r="http://schemas.openxmlformats.org/officeDocument/2006/relationships" xmlns:p="http://schemas.openxmlformats.org/presentationml/2006/main">
   <p:cSld>
     <p:spTree>
@@ -30391,7 +31742,18 @@
           <a:p>
             <a:r>
               <a:rPr lang="zh-TW" altLang="en-US" dirty="0" smtClean="0"/>
-              <a:t>延伸長度雙</a:t>
+              <a:t>延伸</a:t>
+            </a:r>
+            <a:r>
+              <a:rPr lang="zh-TW" altLang="en-US" dirty="0" smtClean="0"/>
+              <a:t>長度考慮</a:t>
+            </a:r>
+            <a:endParaRPr lang="en-US" altLang="zh-TW" dirty="0" smtClean="0"/>
+          </a:p>
+          <a:p>
+            <a:r>
+              <a:rPr lang="zh-TW" altLang="en-US" dirty="0" smtClean="0"/>
+              <a:t>雙</a:t>
             </a:r>
             <a:r>
               <a:rPr lang="zh-TW" altLang="en-US" dirty="0"/>
@@ -30776,7 +32138,7 @@
           <a:p>
             <a:fld id="{6F0746BA-D1AA-4FF4-8D48-BDBC7FF48778}" type="slidenum">
               <a:rPr lang="fr-FR" smtClean="0"/>
-              <a:t>19</a:t>
+              <a:t>20</a:t>
             </a:fld>
             <a:endParaRPr lang="fr-FR"/>
           </a:p>
@@ -30791,7 +32153,7 @@
         <p:spPr>
           <a:xfrm>
             <a:off x="1545959" y="5614612"/>
-            <a:ext cx="630942" cy="585801"/>
+            <a:ext cx="810478" cy="609398"/>
           </a:xfrm>
           <a:prstGeom prst="rect">
             <a:avLst/>
@@ -30828,8 +32190,12 @@
                 <a:latin typeface="Segoe UI Light" panose="020B0502040204020203" pitchFamily="34" charset="0"/>
                 <a:cs typeface="Segoe UI Light" panose="020B0502040204020203" pitchFamily="34" charset="0"/>
               </a:rPr>
-              <a:t>成本</a:t>
-            </a:r>
+              <a:t>施工成本</a:t>
+            </a:r>
+            <a:endParaRPr lang="zh-TW" altLang="en-US" sz="1400" dirty="0" smtClean="0">
+              <a:latin typeface="Segoe UI Light" panose="020B0502040204020203" pitchFamily="34" charset="0"/>
+              <a:cs typeface="Segoe UI Light" panose="020B0502040204020203" pitchFamily="34" charset="0"/>
+            </a:endParaRPr>
           </a:p>
         </p:txBody>
       </p:sp>
@@ -30865,660 +32231,7 @@
 </p:sld>
 </file>
 
-<file path=ppt/slides/slide2.xml><?xml version="1.0" encoding="utf-8"?>
-<p:sld xmlns:a="http://schemas.openxmlformats.org/drawingml/2006/main" xmlns:r="http://schemas.openxmlformats.org/officeDocument/2006/relationships" xmlns:p="http://schemas.openxmlformats.org/presentationml/2006/main">
-  <p:cSld>
-    <p:spTree>
-      <p:nvGrpSpPr>
-        <p:cNvPr id="1" name=""/>
-        <p:cNvGrpSpPr/>
-        <p:nvPr/>
-      </p:nvGrpSpPr>
-      <p:grpSpPr>
-        <a:xfrm>
-          <a:off x="0" y="0"/>
-          <a:ext cx="0" cy="0"/>
-          <a:chOff x="0" y="0"/>
-          <a:chExt cx="0" cy="0"/>
-        </a:xfrm>
-      </p:grpSpPr>
-      <p:sp>
-        <p:nvSpPr>
-          <p:cNvPr id="2" name="Slide Number Placeholder 1"/>
-          <p:cNvSpPr>
-            <a:spLocks noGrp="1"/>
-          </p:cNvSpPr>
-          <p:nvPr>
-            <p:ph type="sldNum" sz="quarter" idx="4"/>
-          </p:nvPr>
-        </p:nvSpPr>
-        <p:spPr/>
-        <p:txBody>
-          <a:bodyPr/>
-          <a:lstStyle/>
-          <a:p>
-            <a:fld id="{6F0746BA-D1AA-4FF4-8D48-BDBC7FF48778}" type="slidenum">
-              <a:rPr lang="fr-FR" smtClean="0"/>
-              <a:t>2</a:t>
-            </a:fld>
-            <a:endParaRPr lang="fr-FR"/>
-          </a:p>
-        </p:txBody>
-      </p:sp>
-      <p:pic>
-        <p:nvPicPr>
-          <p:cNvPr id="7" name="圖片 6"/>
-          <p:cNvPicPr>
-            <a:picLocks noChangeAspect="1"/>
-          </p:cNvPicPr>
-          <p:nvPr/>
-        </p:nvPicPr>
-        <p:blipFill>
-          <a:blip r:embed="rId3">
-            <a:clrChange>
-              <a:clrFrom>
-                <a:srgbClr val="FFFFFF"/>
-              </a:clrFrom>
-              <a:clrTo>
-                <a:srgbClr val="FFFFFF">
-                  <a:alpha val="0"/>
-                </a:srgbClr>
-              </a:clrTo>
-            </a:clrChange>
-          </a:blip>
-          <a:stretch>
-            <a:fillRect/>
-          </a:stretch>
-        </p:blipFill>
-        <p:spPr>
-          <a:xfrm>
-            <a:off x="952499" y="1"/>
-            <a:ext cx="4422971" cy="6858000"/>
-          </a:xfrm>
-          <a:prstGeom prst="rect">
-            <a:avLst/>
-          </a:prstGeom>
-        </p:spPr>
-      </p:pic>
-      <p:cxnSp>
-        <p:nvCxnSpPr>
-          <p:cNvPr id="11" name="直線單箭頭接點 10"/>
-          <p:cNvCxnSpPr/>
-          <p:nvPr/>
-        </p:nvCxnSpPr>
-        <p:spPr>
-          <a:xfrm flipV="1">
-            <a:off x="3176685" y="5455921"/>
-            <a:ext cx="1557875" cy="1402080"/>
-          </a:xfrm>
-          <a:prstGeom prst="straightConnector1">
-            <a:avLst/>
-          </a:prstGeom>
-          <a:ln>
-            <a:solidFill>
-              <a:schemeClr val="tx1"/>
-            </a:solidFill>
-            <a:headEnd type="triangle"/>
-            <a:tailEnd type="triangle"/>
-          </a:ln>
-        </p:spPr>
-        <p:style>
-          <a:lnRef idx="1">
-            <a:schemeClr val="accent1"/>
-          </a:lnRef>
-          <a:fillRef idx="0">
-            <a:schemeClr val="accent1"/>
-          </a:fillRef>
-          <a:effectRef idx="0">
-            <a:schemeClr val="accent1"/>
-          </a:effectRef>
-          <a:fontRef idx="minor">
-            <a:schemeClr val="tx1"/>
-          </a:fontRef>
-        </p:style>
-      </p:cxnSp>
-      <p:cxnSp>
-        <p:nvCxnSpPr>
-          <p:cNvPr id="14" name="直線單箭頭接點 13"/>
-          <p:cNvCxnSpPr/>
-          <p:nvPr/>
-        </p:nvCxnSpPr>
-        <p:spPr>
-          <a:xfrm>
-            <a:off x="1767840" y="5862320"/>
-            <a:ext cx="1046480" cy="995680"/>
-          </a:xfrm>
-          <a:prstGeom prst="straightConnector1">
-            <a:avLst/>
-          </a:prstGeom>
-          <a:ln>
-            <a:solidFill>
-              <a:schemeClr val="tx1"/>
-            </a:solidFill>
-            <a:headEnd type="triangle"/>
-            <a:tailEnd type="triangle"/>
-          </a:ln>
-        </p:spPr>
-        <p:style>
-          <a:lnRef idx="1">
-            <a:schemeClr val="accent1"/>
-          </a:lnRef>
-          <a:fillRef idx="0">
-            <a:schemeClr val="accent1"/>
-          </a:fillRef>
-          <a:effectRef idx="0">
-            <a:schemeClr val="accent1"/>
-          </a:effectRef>
-          <a:fontRef idx="minor">
-            <a:schemeClr val="tx1"/>
-          </a:fontRef>
-        </p:style>
-      </p:cxnSp>
-      <p:cxnSp>
-        <p:nvCxnSpPr>
-          <p:cNvPr id="23" name="直線單箭頭接點 22"/>
-          <p:cNvCxnSpPr/>
-          <p:nvPr/>
-        </p:nvCxnSpPr>
-        <p:spPr>
-          <a:xfrm flipH="1">
-            <a:off x="5120640" y="386080"/>
-            <a:ext cx="158103" cy="5069841"/>
-          </a:xfrm>
-          <a:prstGeom prst="straightConnector1">
-            <a:avLst/>
-          </a:prstGeom>
-          <a:ln>
-            <a:solidFill>
-              <a:schemeClr val="tx1"/>
-            </a:solidFill>
-            <a:headEnd type="triangle"/>
-            <a:tailEnd type="triangle"/>
-          </a:ln>
-        </p:spPr>
-        <p:style>
-          <a:lnRef idx="1">
-            <a:schemeClr val="accent1"/>
-          </a:lnRef>
-          <a:fillRef idx="0">
-            <a:schemeClr val="accent1"/>
-          </a:fillRef>
-          <a:effectRef idx="0">
-            <a:schemeClr val="accent1"/>
-          </a:effectRef>
-          <a:fontRef idx="minor">
-            <a:schemeClr val="tx1"/>
-          </a:fontRef>
-        </p:style>
-      </p:cxnSp>
-      <p:sp>
-        <p:nvSpPr>
-          <p:cNvPr id="26" name="文字方塊 25"/>
-          <p:cNvSpPr txBox="1"/>
-          <p:nvPr/>
-        </p:nvSpPr>
-        <p:spPr>
-          <a:xfrm>
-            <a:off x="3978584" y="6075632"/>
-            <a:ext cx="755976" cy="561436"/>
-          </a:xfrm>
-          <a:prstGeom prst="rect">
-            <a:avLst/>
-          </a:prstGeom>
-          <a:noFill/>
-        </p:spPr>
-        <p:txBody>
-          <a:bodyPr wrap="none" lIns="0" rtlCol="0" anchor="t">
-            <a:spAutoFit/>
-          </a:bodyPr>
-          <a:lstStyle/>
-          <a:p>
-            <a:pPr algn="l">
-              <a:lnSpc>
-                <a:spcPct val="120000"/>
-              </a:lnSpc>
-            </a:pPr>
-            <a:r>
-              <a:rPr lang="en-US" altLang="zh-TW" sz="2800" dirty="0" smtClean="0">
-                <a:latin typeface="Segoe UI Light" panose="020B0502040204020203" pitchFamily="34" charset="0"/>
-                <a:cs typeface="Segoe UI Light" panose="020B0502040204020203" pitchFamily="34" charset="0"/>
-              </a:rPr>
-              <a:t>30m</a:t>
-            </a:r>
-            <a:endParaRPr lang="zh-TW" altLang="en-US" sz="2800" dirty="0" smtClean="0">
-              <a:latin typeface="Segoe UI Light" panose="020B0502040204020203" pitchFamily="34" charset="0"/>
-              <a:cs typeface="Segoe UI Light" panose="020B0502040204020203" pitchFamily="34" charset="0"/>
-            </a:endParaRPr>
-          </a:p>
-        </p:txBody>
-      </p:sp>
-      <p:sp>
-        <p:nvSpPr>
-          <p:cNvPr id="27" name="文字方塊 26"/>
-          <p:cNvSpPr txBox="1"/>
-          <p:nvPr/>
-        </p:nvSpPr>
-        <p:spPr>
-          <a:xfrm>
-            <a:off x="1641772" y="6156961"/>
-            <a:ext cx="755976" cy="561436"/>
-          </a:xfrm>
-          <a:prstGeom prst="rect">
-            <a:avLst/>
-          </a:prstGeom>
-          <a:noFill/>
-        </p:spPr>
-        <p:txBody>
-          <a:bodyPr wrap="none" lIns="0" rtlCol="0" anchor="t">
-            <a:spAutoFit/>
-          </a:bodyPr>
-          <a:lstStyle/>
-          <a:p>
-            <a:pPr algn="l">
-              <a:lnSpc>
-                <a:spcPct val="120000"/>
-              </a:lnSpc>
-            </a:pPr>
-            <a:r>
-              <a:rPr lang="en-US" altLang="zh-TW" sz="2800" dirty="0" smtClean="0">
-                <a:latin typeface="Segoe UI Light" panose="020B0502040204020203" pitchFamily="34" charset="0"/>
-                <a:cs typeface="Segoe UI Light" panose="020B0502040204020203" pitchFamily="34" charset="0"/>
-              </a:rPr>
-              <a:t>20m</a:t>
-            </a:r>
-            <a:endParaRPr lang="zh-TW" altLang="en-US" sz="2800" dirty="0" smtClean="0">
-              <a:latin typeface="Segoe UI Light" panose="020B0502040204020203" pitchFamily="34" charset="0"/>
-              <a:cs typeface="Segoe UI Light" panose="020B0502040204020203" pitchFamily="34" charset="0"/>
-            </a:endParaRPr>
-          </a:p>
-        </p:txBody>
-      </p:sp>
-      <p:sp>
-        <p:nvSpPr>
-          <p:cNvPr id="28" name="文字方塊 27"/>
-          <p:cNvSpPr txBox="1"/>
-          <p:nvPr/>
-        </p:nvSpPr>
-        <p:spPr>
-          <a:xfrm>
-            <a:off x="5358592" y="2326640"/>
-            <a:ext cx="1055738" cy="561436"/>
-          </a:xfrm>
-          <a:prstGeom prst="rect">
-            <a:avLst/>
-          </a:prstGeom>
-          <a:noFill/>
-        </p:spPr>
-        <p:txBody>
-          <a:bodyPr wrap="none" lIns="0" rtlCol="0" anchor="t">
-            <a:spAutoFit/>
-          </a:bodyPr>
-          <a:lstStyle/>
-          <a:p>
-            <a:pPr algn="l">
-              <a:lnSpc>
-                <a:spcPct val="120000"/>
-              </a:lnSpc>
-            </a:pPr>
-            <a:r>
-              <a:rPr lang="en-US" altLang="zh-TW" sz="2800" dirty="0" smtClean="0">
-                <a:latin typeface="Segoe UI Light" panose="020B0502040204020203" pitchFamily="34" charset="0"/>
-                <a:cs typeface="Segoe UI Light" panose="020B0502040204020203" pitchFamily="34" charset="0"/>
-              </a:rPr>
-              <a:t>14F B3</a:t>
-            </a:r>
-            <a:endParaRPr lang="zh-TW" altLang="en-US" sz="2800" dirty="0" smtClean="0">
-              <a:latin typeface="Segoe UI Light" panose="020B0502040204020203" pitchFamily="34" charset="0"/>
-              <a:cs typeface="Segoe UI Light" panose="020B0502040204020203" pitchFamily="34" charset="0"/>
-            </a:endParaRPr>
-          </a:p>
-        </p:txBody>
-      </p:sp>
-      <p:sp>
-        <p:nvSpPr>
-          <p:cNvPr id="29" name="文字方塊 28"/>
-          <p:cNvSpPr txBox="1"/>
-          <p:nvPr/>
-        </p:nvSpPr>
-        <p:spPr>
-          <a:xfrm>
-            <a:off x="9131061" y="3585870"/>
-            <a:ext cx="1927772" cy="561436"/>
-          </a:xfrm>
-          <a:prstGeom prst="rect">
-            <a:avLst/>
-          </a:prstGeom>
-          <a:noFill/>
-        </p:spPr>
-        <p:txBody>
-          <a:bodyPr wrap="none" lIns="0" rtlCol="0" anchor="t">
-            <a:spAutoFit/>
-          </a:bodyPr>
-          <a:lstStyle/>
-          <a:p>
-            <a:pPr>
-              <a:lnSpc>
-                <a:spcPct val="120000"/>
-              </a:lnSpc>
-            </a:pPr>
-            <a:r>
-              <a:rPr lang="en-US" altLang="zh-TW" sz="2800" dirty="0" smtClean="0">
-                <a:latin typeface="Segoe UI Light" panose="020B0502040204020203" pitchFamily="34" charset="0"/>
-                <a:cs typeface="Segoe UI Light" panose="020B0502040204020203" pitchFamily="34" charset="0"/>
-              </a:rPr>
-              <a:t>TOP RESULT</a:t>
-            </a:r>
-            <a:endParaRPr lang="en-US" altLang="zh-TW" sz="2800" dirty="0">
-              <a:latin typeface="Segoe UI Light" panose="020B0502040204020203" pitchFamily="34" charset="0"/>
-              <a:cs typeface="Segoe UI Light" panose="020B0502040204020203" pitchFamily="34" charset="0"/>
-            </a:endParaRPr>
-          </a:p>
-        </p:txBody>
-      </p:sp>
-      <p:sp>
-        <p:nvSpPr>
-          <p:cNvPr id="30" name="文字方塊 29"/>
-          <p:cNvSpPr txBox="1"/>
-          <p:nvPr/>
-        </p:nvSpPr>
-        <p:spPr>
-          <a:xfrm>
-            <a:off x="9131061" y="2149821"/>
-            <a:ext cx="2723181" cy="561436"/>
-          </a:xfrm>
-          <a:prstGeom prst="rect">
-            <a:avLst/>
-          </a:prstGeom>
-          <a:noFill/>
-        </p:spPr>
-        <p:txBody>
-          <a:bodyPr wrap="none" lIns="0" rtlCol="0" anchor="t">
-            <a:spAutoFit/>
-          </a:bodyPr>
-          <a:lstStyle/>
-          <a:p>
-            <a:pPr>
-              <a:lnSpc>
-                <a:spcPct val="120000"/>
-              </a:lnSpc>
-            </a:pPr>
-            <a:r>
-              <a:rPr lang="en-US" altLang="zh-TW" sz="2800" dirty="0">
-                <a:latin typeface="Segoe UI Light" panose="020B0502040204020203" pitchFamily="34" charset="0"/>
-                <a:cs typeface="Segoe UI Light" panose="020B0502040204020203" pitchFamily="34" charset="0"/>
-              </a:rPr>
-              <a:t>OVERALL </a:t>
-            </a:r>
-            <a:r>
-              <a:rPr lang="en-US" altLang="zh-TW" sz="2800" dirty="0" smtClean="0">
-                <a:latin typeface="Segoe UI Light" panose="020B0502040204020203" pitchFamily="34" charset="0"/>
-                <a:cs typeface="Segoe UI Light" panose="020B0502040204020203" pitchFamily="34" charset="0"/>
-              </a:rPr>
-              <a:t>RESULT</a:t>
-            </a:r>
-            <a:endParaRPr lang="en-US" altLang="zh-TW" sz="2800" dirty="0">
-              <a:latin typeface="Segoe UI Light" panose="020B0502040204020203" pitchFamily="34" charset="0"/>
-              <a:cs typeface="Segoe UI Light" panose="020B0502040204020203" pitchFamily="34" charset="0"/>
-            </a:endParaRPr>
-          </a:p>
-        </p:txBody>
-      </p:sp>
-      <p:sp>
-        <p:nvSpPr>
-          <p:cNvPr id="31" name="文字方塊 30"/>
-          <p:cNvSpPr txBox="1"/>
-          <p:nvPr/>
-        </p:nvSpPr>
-        <p:spPr>
-          <a:xfrm>
-            <a:off x="9131061" y="5024798"/>
-            <a:ext cx="1927772" cy="561436"/>
-          </a:xfrm>
-          <a:prstGeom prst="rect">
-            <a:avLst/>
-          </a:prstGeom>
-          <a:noFill/>
-        </p:spPr>
-        <p:txBody>
-          <a:bodyPr wrap="none" lIns="0" rtlCol="0" anchor="t">
-            <a:spAutoFit/>
-          </a:bodyPr>
-          <a:lstStyle/>
-          <a:p>
-            <a:pPr>
-              <a:lnSpc>
-                <a:spcPct val="120000"/>
-              </a:lnSpc>
-            </a:pPr>
-            <a:r>
-              <a:rPr lang="en-US" altLang="zh-TW" sz="2800" dirty="0" smtClean="0">
-                <a:latin typeface="Segoe UI Light" panose="020B0502040204020203" pitchFamily="34" charset="0"/>
-                <a:cs typeface="Segoe UI Light" panose="020B0502040204020203" pitchFamily="34" charset="0"/>
-              </a:rPr>
-              <a:t>BOT RESULT</a:t>
-            </a:r>
-            <a:endParaRPr lang="en-US" altLang="zh-TW" sz="2800" dirty="0">
-              <a:latin typeface="Segoe UI Light" panose="020B0502040204020203" pitchFamily="34" charset="0"/>
-              <a:cs typeface="Segoe UI Light" panose="020B0502040204020203" pitchFamily="34" charset="0"/>
-            </a:endParaRPr>
-          </a:p>
-        </p:txBody>
-      </p:sp>
-      <p:sp>
-        <p:nvSpPr>
-          <p:cNvPr id="32" name="文字方塊 31"/>
-          <p:cNvSpPr txBox="1"/>
-          <p:nvPr/>
-        </p:nvSpPr>
-        <p:spPr>
-          <a:xfrm>
-            <a:off x="7545114" y="1948741"/>
-            <a:ext cx="1502976" cy="762516"/>
-          </a:xfrm>
-          <a:prstGeom prst="rect">
-            <a:avLst/>
-          </a:prstGeom>
-          <a:noFill/>
-        </p:spPr>
-        <p:txBody>
-          <a:bodyPr wrap="none" lIns="0" rtlCol="0" anchor="t">
-            <a:spAutoFit/>
-          </a:bodyPr>
-          <a:lstStyle/>
-          <a:p>
-            <a:pPr algn="r">
-              <a:lnSpc>
-                <a:spcPct val="120000"/>
-              </a:lnSpc>
-            </a:pPr>
-            <a:r>
-              <a:rPr lang="en-US" altLang="zh-TW" sz="4000" dirty="0" smtClean="0">
-                <a:solidFill>
-                  <a:schemeClr val="accent1"/>
-                </a:solidFill>
-                <a:latin typeface="Segoe UI Light" panose="020B0502040204020203" pitchFamily="34" charset="0"/>
-                <a:cs typeface="Segoe UI Light" panose="020B0502040204020203" pitchFamily="34" charset="0"/>
-              </a:rPr>
-              <a:t>101.0%</a:t>
-            </a:r>
-            <a:endParaRPr lang="zh-TW" altLang="en-US" sz="4000" dirty="0" smtClean="0">
-              <a:solidFill>
-                <a:schemeClr val="accent1"/>
-              </a:solidFill>
-              <a:latin typeface="Segoe UI Light" panose="020B0502040204020203" pitchFamily="34" charset="0"/>
-              <a:cs typeface="Segoe UI Light" panose="020B0502040204020203" pitchFamily="34" charset="0"/>
-            </a:endParaRPr>
-          </a:p>
-        </p:txBody>
-      </p:sp>
-      <p:sp>
-        <p:nvSpPr>
-          <p:cNvPr id="33" name="文字方塊 32"/>
-          <p:cNvSpPr txBox="1"/>
-          <p:nvPr/>
-        </p:nvSpPr>
-        <p:spPr>
-          <a:xfrm>
-            <a:off x="7545114" y="3384790"/>
-            <a:ext cx="1584729" cy="762516"/>
-          </a:xfrm>
-          <a:prstGeom prst="rect">
-            <a:avLst/>
-          </a:prstGeom>
-          <a:noFill/>
-        </p:spPr>
-        <p:txBody>
-          <a:bodyPr wrap="none" lIns="0" rtlCol="0" anchor="t">
-            <a:spAutoFit/>
-          </a:bodyPr>
-          <a:lstStyle/>
-          <a:p>
-            <a:pPr algn="r">
-              <a:lnSpc>
-                <a:spcPct val="120000"/>
-              </a:lnSpc>
-            </a:pPr>
-            <a:r>
-              <a:rPr lang="en-US" altLang="zh-TW" sz="4000" dirty="0" smtClean="0">
-                <a:solidFill>
-                  <a:schemeClr val="accent3"/>
-                </a:solidFill>
-                <a:latin typeface="Segoe UI Light" panose="020B0502040204020203" pitchFamily="34" charset="0"/>
-                <a:cs typeface="Segoe UI Light" panose="020B0502040204020203" pitchFamily="34" charset="0"/>
-              </a:rPr>
-              <a:t>102.5%</a:t>
-            </a:r>
-            <a:endParaRPr lang="zh-TW" altLang="en-US" sz="4000" dirty="0" smtClean="0">
-              <a:solidFill>
-                <a:schemeClr val="accent3"/>
-              </a:solidFill>
-              <a:latin typeface="Segoe UI Light" panose="020B0502040204020203" pitchFamily="34" charset="0"/>
-              <a:cs typeface="Segoe UI Light" panose="020B0502040204020203" pitchFamily="34" charset="0"/>
-            </a:endParaRPr>
-          </a:p>
-        </p:txBody>
-      </p:sp>
-      <p:sp>
-        <p:nvSpPr>
-          <p:cNvPr id="34" name="文字方塊 33"/>
-          <p:cNvSpPr txBox="1"/>
-          <p:nvPr/>
-        </p:nvSpPr>
-        <p:spPr>
-          <a:xfrm>
-            <a:off x="7727856" y="4818557"/>
-            <a:ext cx="1401987" cy="762516"/>
-          </a:xfrm>
-          <a:prstGeom prst="rect">
-            <a:avLst/>
-          </a:prstGeom>
-          <a:noFill/>
-        </p:spPr>
-        <p:txBody>
-          <a:bodyPr wrap="none" lIns="0" rtlCol="0" anchor="t">
-            <a:spAutoFit/>
-          </a:bodyPr>
-          <a:lstStyle/>
-          <a:p>
-            <a:pPr algn="r">
-              <a:lnSpc>
-                <a:spcPct val="120000"/>
-              </a:lnSpc>
-            </a:pPr>
-            <a:r>
-              <a:rPr lang="en-US" altLang="zh-TW" sz="4000" dirty="0" smtClean="0">
-                <a:solidFill>
-                  <a:schemeClr val="accent2"/>
-                </a:solidFill>
-                <a:latin typeface="Segoe UI Light" panose="020B0502040204020203" pitchFamily="34" charset="0"/>
-                <a:cs typeface="Segoe UI Light" panose="020B0502040204020203" pitchFamily="34" charset="0"/>
-              </a:rPr>
-              <a:t>99.2%</a:t>
-            </a:r>
-            <a:endParaRPr lang="zh-TW" altLang="en-US" sz="4000" dirty="0" smtClean="0">
-              <a:solidFill>
-                <a:schemeClr val="accent2"/>
-              </a:solidFill>
-              <a:latin typeface="Segoe UI Light" panose="020B0502040204020203" pitchFamily="34" charset="0"/>
-              <a:cs typeface="Segoe UI Light" panose="020B0502040204020203" pitchFamily="34" charset="0"/>
-            </a:endParaRPr>
-          </a:p>
-        </p:txBody>
-      </p:sp>
-      <p:sp>
-        <p:nvSpPr>
-          <p:cNvPr id="38" name="文字方塊 37"/>
-          <p:cNvSpPr txBox="1"/>
-          <p:nvPr/>
-        </p:nvSpPr>
-        <p:spPr>
-          <a:xfrm>
-            <a:off x="5652123" y="979019"/>
-            <a:ext cx="3323987" cy="562398"/>
-          </a:xfrm>
-          <a:prstGeom prst="rect">
-            <a:avLst/>
-          </a:prstGeom>
-          <a:noFill/>
-        </p:spPr>
-        <p:txBody>
-          <a:bodyPr wrap="none" lIns="0" rtlCol="0" anchor="t">
-            <a:spAutoFit/>
-          </a:bodyPr>
-          <a:lstStyle/>
-          <a:p>
-            <a:pPr>
-              <a:lnSpc>
-                <a:spcPct val="120000"/>
-              </a:lnSpc>
-            </a:pPr>
-            <a:r>
-              <a:rPr lang="zh-TW" altLang="en-US" sz="2800" dirty="0">
-                <a:latin typeface="Segoe UI Light" panose="020B0502040204020203" pitchFamily="34" charset="0"/>
-                <a:cs typeface="Segoe UI Light" panose="020B0502040204020203" pitchFamily="34" charset="0"/>
-              </a:rPr>
-              <a:t>欣詮建設中和福祥段</a:t>
-            </a:r>
-            <a:endParaRPr lang="zh-TW" altLang="en-US" sz="2800" dirty="0" smtClean="0">
-              <a:latin typeface="Segoe UI Light" panose="020B0502040204020203" pitchFamily="34" charset="0"/>
-              <a:cs typeface="Segoe UI Light" panose="020B0502040204020203" pitchFamily="34" charset="0"/>
-            </a:endParaRPr>
-          </a:p>
-        </p:txBody>
-      </p:sp>
-    </p:spTree>
-    <p:extLst>
-      <p:ext uri="{BB962C8B-B14F-4D97-AF65-F5344CB8AC3E}">
-        <p14:creationId xmlns:p14="http://schemas.microsoft.com/office/powerpoint/2010/main" val="2550521022"/>
-      </p:ext>
-    </p:extLst>
-  </p:cSld>
-  <p:clrMapOvr>
-    <a:masterClrMapping/>
-  </p:clrMapOvr>
-  <mc:AlternateContent xmlns:mc="http://schemas.openxmlformats.org/markup-compatibility/2006" xmlns:p14="http://schemas.microsoft.com/office/powerpoint/2010/main">
-    <mc:Choice Requires="p14">
-      <p:transition spd="med" p14:dur="700">
-        <p:fade/>
-      </p:transition>
-    </mc:Choice>
-    <mc:Fallback xmlns="">
-      <p:transition spd="med">
-        <p:fade/>
-      </p:transition>
-    </mc:Fallback>
-  </mc:AlternateContent>
-  <p:timing>
-    <p:tnLst>
-      <p:par>
-        <p:cTn id="1" dur="indefinite" restart="never" nodeType="tmRoot"/>
-      </p:par>
-    </p:tnLst>
-  </p:timing>
-</p:sld>
-</file>
-
-<file path=ppt/slides/slide20.xml><?xml version="1.0" encoding="utf-8"?>
+<file path=ppt/slides/slide21.xml><?xml version="1.0" encoding="utf-8"?>
 <p:sld xmlns:a="http://schemas.openxmlformats.org/drawingml/2006/main" xmlns:r="http://schemas.openxmlformats.org/officeDocument/2006/relationships" xmlns:p="http://schemas.openxmlformats.org/presentationml/2006/main" show="0">
   <p:cSld>
     <p:spTree>
@@ -31552,7 +32265,7 @@
           <a:p>
             <a:fld id="{6F0746BA-D1AA-4FF4-8D48-BDBC7FF48778}" type="slidenum">
               <a:rPr lang="fr-FR" smtClean="0"/>
-              <a:t>20</a:t>
+              <a:t>21</a:t>
             </a:fld>
             <a:endParaRPr lang="fr-FR"/>
           </a:p>
@@ -31597,106 +32310,6 @@
     <p:extLst>
       <p:ext uri="{BB962C8B-B14F-4D97-AF65-F5344CB8AC3E}">
         <p14:creationId xmlns:p14="http://schemas.microsoft.com/office/powerpoint/2010/main" val="3621729196"/>
-      </p:ext>
-    </p:extLst>
-  </p:cSld>
-  <p:clrMapOvr>
-    <a:masterClrMapping/>
-  </p:clrMapOvr>
-  <mc:AlternateContent xmlns:mc="http://schemas.openxmlformats.org/markup-compatibility/2006" xmlns:p14="http://schemas.microsoft.com/office/powerpoint/2010/main">
-    <mc:Choice Requires="p14">
-      <p:transition spd="med" p14:dur="700">
-        <p:fade/>
-      </p:transition>
-    </mc:Choice>
-    <mc:Fallback xmlns="">
-      <p:transition spd="med">
-        <p:fade/>
-      </p:transition>
-    </mc:Fallback>
-  </mc:AlternateContent>
-</p:sld>
-</file>
-
-<file path=ppt/slides/slide21.xml><?xml version="1.0" encoding="utf-8"?>
-<p:sld xmlns:a="http://schemas.openxmlformats.org/drawingml/2006/main" xmlns:r="http://schemas.openxmlformats.org/officeDocument/2006/relationships" xmlns:p="http://schemas.openxmlformats.org/presentationml/2006/main" show="0">
-  <p:cSld>
-    <p:spTree>
-      <p:nvGrpSpPr>
-        <p:cNvPr id="1" name=""/>
-        <p:cNvGrpSpPr/>
-        <p:nvPr/>
-      </p:nvGrpSpPr>
-      <p:grpSpPr>
-        <a:xfrm>
-          <a:off x="0" y="0"/>
-          <a:ext cx="0" cy="0"/>
-          <a:chOff x="0" y="0"/>
-          <a:chExt cx="0" cy="0"/>
-        </a:xfrm>
-      </p:grpSpPr>
-      <p:sp>
-        <p:nvSpPr>
-          <p:cNvPr id="2" name="投影片編號版面配置區 1"/>
-          <p:cNvSpPr>
-            <a:spLocks noGrp="1"/>
-          </p:cNvSpPr>
-          <p:nvPr>
-            <p:ph type="sldNum" sz="quarter" idx="4"/>
-          </p:nvPr>
-        </p:nvSpPr>
-        <p:spPr/>
-        <p:txBody>
-          <a:bodyPr/>
-          <a:lstStyle/>
-          <a:p>
-            <a:fld id="{6F0746BA-D1AA-4FF4-8D48-BDBC7FF48778}" type="slidenum">
-              <a:rPr lang="fr-FR" smtClean="0"/>
-              <a:t>21</a:t>
-            </a:fld>
-            <a:endParaRPr lang="fr-FR"/>
-          </a:p>
-        </p:txBody>
-      </p:sp>
-      <p:pic>
-        <p:nvPicPr>
-          <p:cNvPr id="3" name="圖片 2"/>
-          <p:cNvPicPr>
-            <a:picLocks noChangeAspect="1"/>
-          </p:cNvPicPr>
-          <p:nvPr/>
-        </p:nvPicPr>
-        <p:blipFill>
-          <a:blip r:embed="rId2">
-            <a:clrChange>
-              <a:clrFrom>
-                <a:srgbClr val="FFFFFF"/>
-              </a:clrFrom>
-              <a:clrTo>
-                <a:srgbClr val="FFFFFF">
-                  <a:alpha val="0"/>
-                </a:srgbClr>
-              </a:clrTo>
-            </a:clrChange>
-          </a:blip>
-          <a:stretch>
-            <a:fillRect/>
-          </a:stretch>
-        </p:blipFill>
-        <p:spPr>
-          <a:xfrm>
-            <a:off x="1028700" y="125366"/>
-            <a:ext cx="9590087" cy="6596109"/>
-          </a:xfrm>
-          <a:prstGeom prst="rect">
-            <a:avLst/>
-          </a:prstGeom>
-        </p:spPr>
-      </p:pic>
-    </p:spTree>
-    <p:extLst>
-      <p:ext uri="{BB962C8B-B14F-4D97-AF65-F5344CB8AC3E}">
-        <p14:creationId xmlns:p14="http://schemas.microsoft.com/office/powerpoint/2010/main" val="1314395252"/>
       </p:ext>
     </p:extLst>
   </p:cSld>
@@ -31735,6 +32348,106 @@
           <a:chExt cx="0" cy="0"/>
         </a:xfrm>
       </p:grpSpPr>
+      <p:sp>
+        <p:nvSpPr>
+          <p:cNvPr id="2" name="投影片編號版面配置區 1"/>
+          <p:cNvSpPr>
+            <a:spLocks noGrp="1"/>
+          </p:cNvSpPr>
+          <p:nvPr>
+            <p:ph type="sldNum" sz="quarter" idx="4"/>
+          </p:nvPr>
+        </p:nvSpPr>
+        <p:spPr/>
+        <p:txBody>
+          <a:bodyPr/>
+          <a:lstStyle/>
+          <a:p>
+            <a:fld id="{6F0746BA-D1AA-4FF4-8D48-BDBC7FF48778}" type="slidenum">
+              <a:rPr lang="fr-FR" smtClean="0"/>
+              <a:t>22</a:t>
+            </a:fld>
+            <a:endParaRPr lang="fr-FR"/>
+          </a:p>
+        </p:txBody>
+      </p:sp>
+      <p:pic>
+        <p:nvPicPr>
+          <p:cNvPr id="3" name="圖片 2"/>
+          <p:cNvPicPr>
+            <a:picLocks noChangeAspect="1"/>
+          </p:cNvPicPr>
+          <p:nvPr/>
+        </p:nvPicPr>
+        <p:blipFill>
+          <a:blip r:embed="rId2">
+            <a:clrChange>
+              <a:clrFrom>
+                <a:srgbClr val="FFFFFF"/>
+              </a:clrFrom>
+              <a:clrTo>
+                <a:srgbClr val="FFFFFF">
+                  <a:alpha val="0"/>
+                </a:srgbClr>
+              </a:clrTo>
+            </a:clrChange>
+          </a:blip>
+          <a:stretch>
+            <a:fillRect/>
+          </a:stretch>
+        </p:blipFill>
+        <p:spPr>
+          <a:xfrm>
+            <a:off x="1028700" y="125366"/>
+            <a:ext cx="9590087" cy="6596109"/>
+          </a:xfrm>
+          <a:prstGeom prst="rect">
+            <a:avLst/>
+          </a:prstGeom>
+        </p:spPr>
+      </p:pic>
+    </p:spTree>
+    <p:extLst>
+      <p:ext uri="{BB962C8B-B14F-4D97-AF65-F5344CB8AC3E}">
+        <p14:creationId xmlns:p14="http://schemas.microsoft.com/office/powerpoint/2010/main" val="1314395252"/>
+      </p:ext>
+    </p:extLst>
+  </p:cSld>
+  <p:clrMapOvr>
+    <a:masterClrMapping/>
+  </p:clrMapOvr>
+  <mc:AlternateContent xmlns:mc="http://schemas.openxmlformats.org/markup-compatibility/2006" xmlns:p14="http://schemas.microsoft.com/office/powerpoint/2010/main">
+    <mc:Choice Requires="p14">
+      <p:transition spd="med" p14:dur="700">
+        <p:fade/>
+      </p:transition>
+    </mc:Choice>
+    <mc:Fallback xmlns="">
+      <p:transition spd="med">
+        <p:fade/>
+      </p:transition>
+    </mc:Fallback>
+  </mc:AlternateContent>
+</p:sld>
+</file>
+
+<file path=ppt/slides/slide23.xml><?xml version="1.0" encoding="utf-8"?>
+<p:sld xmlns:a="http://schemas.openxmlformats.org/drawingml/2006/main" xmlns:r="http://schemas.openxmlformats.org/officeDocument/2006/relationships" xmlns:p="http://schemas.openxmlformats.org/presentationml/2006/main" show="0">
+  <p:cSld>
+    <p:spTree>
+      <p:nvGrpSpPr>
+        <p:cNvPr id="1" name=""/>
+        <p:cNvGrpSpPr/>
+        <p:nvPr/>
+      </p:nvGrpSpPr>
+      <p:grpSpPr>
+        <a:xfrm>
+          <a:off x="0" y="0"/>
+          <a:ext cx="0" cy="0"/>
+          <a:chOff x="0" y="0"/>
+          <a:chExt cx="0" cy="0"/>
+        </a:xfrm>
+      </p:grpSpPr>
       <p:cxnSp>
         <p:nvCxnSpPr>
           <p:cNvPr id="3" name="Straight Connector 2"/>
@@ -31981,7 +32694,7 @@
           <a:p>
             <a:fld id="{6F0746BA-D1AA-4FF4-8D48-BDBC7FF48778}" type="slidenum">
               <a:rPr lang="fr-FR" smtClean="0"/>
-              <a:t>22</a:t>
+              <a:t>23</a:t>
             </a:fld>
             <a:endParaRPr lang="fr-FR" dirty="0"/>
           </a:p>
@@ -32938,7 +33651,7 @@
 </p:sld>
 </file>
 
-<file path=ppt/slides/slide23.xml><?xml version="1.0" encoding="utf-8"?>
+<file path=ppt/slides/slide24.xml><?xml version="1.0" encoding="utf-8"?>
 <p:sld xmlns:a="http://schemas.openxmlformats.org/drawingml/2006/main" xmlns:r="http://schemas.openxmlformats.org/officeDocument/2006/relationships" xmlns:p="http://schemas.openxmlformats.org/presentationml/2006/main" show="0">
   <p:cSld>
     <p:spTree>
@@ -33201,7 +33914,7 @@
           <a:p>
             <a:fld id="{6F0746BA-D1AA-4FF4-8D48-BDBC7FF48778}" type="slidenum">
               <a:rPr lang="fr-FR" smtClean="0"/>
-              <a:t>23</a:t>
+              <a:t>24</a:t>
             </a:fld>
             <a:endParaRPr lang="fr-FR" dirty="0"/>
           </a:p>
@@ -35093,13 +35806,6 @@
               </a:rPr>
               <a:t>REBAR USED</a:t>
             </a:r>
-            <a:endParaRPr lang="en-US" sz="2000" dirty="0" smtClean="0">
-              <a:solidFill>
-                <a:schemeClr val="accent1"/>
-              </a:solidFill>
-              <a:latin typeface="Segoe UI Light" panose="020B0502040204020203" pitchFamily="34" charset="0"/>
-              <a:cs typeface="Segoe UI Light" panose="020B0502040204020203" pitchFamily="34" charset="0"/>
-            </a:endParaRPr>
           </a:p>
         </p:txBody>
       </p:sp>
@@ -35140,13 +35846,6 @@
               </a:rPr>
               <a:t>REBAR USED</a:t>
             </a:r>
-            <a:endParaRPr lang="en-US" sz="2000" dirty="0" smtClean="0">
-              <a:solidFill>
-                <a:schemeClr val="accent1"/>
-              </a:solidFill>
-              <a:latin typeface="Segoe UI Light" panose="020B0502040204020203" pitchFamily="34" charset="0"/>
-              <a:cs typeface="Segoe UI Light" panose="020B0502040204020203" pitchFamily="34" charset="0"/>
-            </a:endParaRPr>
           </a:p>
         </p:txBody>
       </p:sp>
@@ -35837,13 +36536,6 @@
               </a:rPr>
               <a:t>REBAR USED</a:t>
             </a:r>
-            <a:endParaRPr lang="en-US" sz="2000" dirty="0" smtClean="0">
-              <a:solidFill>
-                <a:schemeClr val="accent1"/>
-              </a:solidFill>
-              <a:latin typeface="Segoe UI Light" panose="020B0502040204020203" pitchFamily="34" charset="0"/>
-              <a:cs typeface="Segoe UI Light" panose="020B0502040204020203" pitchFamily="34" charset="0"/>
-            </a:endParaRPr>
           </a:p>
         </p:txBody>
       </p:sp>
@@ -36388,10 +37080,6 @@
               </a:rPr>
               <a:t>USER DEFINED</a:t>
             </a:r>
-            <a:endParaRPr lang="en-US" sz="2000" dirty="0" smtClean="0">
-              <a:latin typeface="Segoe UI Light" panose="020B0502040204020203" pitchFamily="34" charset="0"/>
-              <a:cs typeface="Segoe UI Light" panose="020B0502040204020203" pitchFamily="34" charset="0"/>
-            </a:endParaRPr>
           </a:p>
         </p:txBody>
       </p:sp>
@@ -38759,6 +39447,15 @@
 </file>
 
 <file path=customXml/item1.xml><?xml version="1.0" encoding="utf-8"?>
+<?mso-contentType ?>
+<FormTemplates xmlns="http://schemas.microsoft.com/sharepoint/v3/contenttype/forms">
+  <Display>DocumentLibraryForm</Display>
+  <Edit>DocumentLibraryForm</Edit>
+  <New>DocumentLibraryForm</New>
+</FormTemplates>
+</file>
+
+<file path=customXml/item2.xml><?xml version="1.0" encoding="utf-8"?>
 <ct:contentTypeSchema xmlns:ct="http://schemas.microsoft.com/office/2006/metadata/contentType" xmlns:ma="http://schemas.microsoft.com/office/2006/metadata/properties/metaAttributes" ct:_="" ma:_="" ma:contentTypeName="Document" ma:contentTypeID="0x01010005FA520563873D4EB8CBD5344A351BEB" ma:contentTypeVersion="0" ma:contentTypeDescription="Crée un document." ma:contentTypeScope="" ma:versionID="005ce72954985de94fc750614f2007cc">
   <xsd:schema xmlns:xsd="http://www.w3.org/2001/XMLSchema" xmlns:xs="http://www.w3.org/2001/XMLSchema" xmlns:p="http://schemas.microsoft.com/office/2006/metadata/properties" targetNamespace="http://schemas.microsoft.com/office/2006/metadata/properties" ma:root="true" ma:fieldsID="36883d0f3030e52908f9a4448a35c02a">
     <xsd:element name="properties">
@@ -38872,15 +39569,6 @@
 </ct:contentTypeSchema>
 </file>
 
-<file path=customXml/item2.xml><?xml version="1.0" encoding="utf-8"?>
-<?mso-contentType ?>
-<FormTemplates xmlns="http://schemas.microsoft.com/sharepoint/v3/contenttype/forms">
-  <Display>DocumentLibraryForm</Display>
-  <Edit>DocumentLibraryForm</Edit>
-  <New>DocumentLibraryForm</New>
-</FormTemplates>
-</file>
-
 <file path=customXml/item3.xml><?xml version="1.0" encoding="utf-8"?>
 <p:properties xmlns:p="http://schemas.microsoft.com/office/2006/metadata/properties" xmlns:xsi="http://www.w3.org/2001/XMLSchema-instance" xmlns:pc="http://schemas.microsoft.com/office/infopath/2007/PartnerControls">
   <documentManagement/>
@@ -38888,6 +39576,14 @@
 </file>
 
 <file path=customXml/itemProps1.xml><?xml version="1.0" encoding="utf-8"?>
+<ds:datastoreItem xmlns:ds="http://schemas.openxmlformats.org/officeDocument/2006/customXml" ds:itemID="{95457E87-E546-449E-A4D1-371201992E58}">
+  <ds:schemaRefs>
+    <ds:schemaRef ds:uri="http://schemas.microsoft.com/sharepoint/v3/contenttype/forms"/>
+  </ds:schemaRefs>
+</ds:datastoreItem>
+</file>
+
+<file path=customXml/itemProps2.xml><?xml version="1.0" encoding="utf-8"?>
 <ds:datastoreItem xmlns:ds="http://schemas.openxmlformats.org/officeDocument/2006/customXml" ds:itemID="{FF14EDAB-351E-4851-B148-260C81C296AA}">
   <ds:schemaRefs>
     <ds:schemaRef ds:uri="http://schemas.microsoft.com/office/2006/metadata/contentType"/>
@@ -38899,14 +39595,6 @@
     <ds:schemaRef ds:uri="http://purl.org/dc/terms/"/>
     <ds:schemaRef ds:uri="http://schemas.microsoft.com/internal/obd"/>
     <ds:schemaRef ds:uri="http://schemas.microsoft.com/office/infopath/2007/PartnerControls"/>
-  </ds:schemaRefs>
-</ds:datastoreItem>
-</file>
-
-<file path=customXml/itemProps2.xml><?xml version="1.0" encoding="utf-8"?>
-<ds:datastoreItem xmlns:ds="http://schemas.openxmlformats.org/officeDocument/2006/customXml" ds:itemID="{95457E87-E546-449E-A4D1-371201992E58}">
-  <ds:schemaRefs>
-    <ds:schemaRef ds:uri="http://schemas.microsoft.com/sharepoint/v3/contenttype/forms"/>
   </ds:schemaRefs>
 </ds:datastoreItem>
 </file>
